--- a/Recycling Aid Presentation.pptx
+++ b/Recycling Aid Presentation.pptx
@@ -2,7 +2,7 @@
 <file path=ppt/presentation.xml><?xml version="1.0" encoding="utf-8"?>
 <p:presentation xmlns:a="http://schemas.openxmlformats.org/drawingml/2006/main" xmlns:r="http://schemas.openxmlformats.org/officeDocument/2006/relationships" xmlns:p="http://schemas.openxmlformats.org/presentationml/2006/main" saveSubsetFonts="1">
   <p:sldMasterIdLst>
-    <p:sldMasterId id="2147483648" r:id="rId1"/>
+    <p:sldMasterId id="2147483744" r:id="rId1"/>
   </p:sldMasterIdLst>
   <p:sldIdLst>
     <p:sldId id="256" r:id="rId2"/>
@@ -26,7 +26,7 @@
     <a:defPPr>
       <a:defRPr lang="en-US"/>
     </a:defPPr>
-    <a:lvl1pPr marL="0" algn="l" defTabSz="914400" rtl="0" eaLnBrk="1" latinLnBrk="0" hangingPunct="1">
+    <a:lvl1pPr marL="0" algn="l" defTabSz="457200" rtl="0" eaLnBrk="1" latinLnBrk="0" hangingPunct="1">
       <a:defRPr sz="1800" kern="1200">
         <a:solidFill>
           <a:schemeClr val="tx1"/>
@@ -36,7 +36,7 @@
         <a:cs typeface="+mn-cs"/>
       </a:defRPr>
     </a:lvl1pPr>
-    <a:lvl2pPr marL="457200" algn="l" defTabSz="914400" rtl="0" eaLnBrk="1" latinLnBrk="0" hangingPunct="1">
+    <a:lvl2pPr marL="457200" algn="l" defTabSz="457200" rtl="0" eaLnBrk="1" latinLnBrk="0" hangingPunct="1">
       <a:defRPr sz="1800" kern="1200">
         <a:solidFill>
           <a:schemeClr val="tx1"/>
@@ -46,7 +46,7 @@
         <a:cs typeface="+mn-cs"/>
       </a:defRPr>
     </a:lvl2pPr>
-    <a:lvl3pPr marL="914400" algn="l" defTabSz="914400" rtl="0" eaLnBrk="1" latinLnBrk="0" hangingPunct="1">
+    <a:lvl3pPr marL="914400" algn="l" defTabSz="457200" rtl="0" eaLnBrk="1" latinLnBrk="0" hangingPunct="1">
       <a:defRPr sz="1800" kern="1200">
         <a:solidFill>
           <a:schemeClr val="tx1"/>
@@ -56,7 +56,7 @@
         <a:cs typeface="+mn-cs"/>
       </a:defRPr>
     </a:lvl3pPr>
-    <a:lvl4pPr marL="1371600" algn="l" defTabSz="914400" rtl="0" eaLnBrk="1" latinLnBrk="0" hangingPunct="1">
+    <a:lvl4pPr marL="1371600" algn="l" defTabSz="457200" rtl="0" eaLnBrk="1" latinLnBrk="0" hangingPunct="1">
       <a:defRPr sz="1800" kern="1200">
         <a:solidFill>
           <a:schemeClr val="tx1"/>
@@ -66,7 +66,7 @@
         <a:cs typeface="+mn-cs"/>
       </a:defRPr>
     </a:lvl4pPr>
-    <a:lvl5pPr marL="1828800" algn="l" defTabSz="914400" rtl="0" eaLnBrk="1" latinLnBrk="0" hangingPunct="1">
+    <a:lvl5pPr marL="1828800" algn="l" defTabSz="457200" rtl="0" eaLnBrk="1" latinLnBrk="0" hangingPunct="1">
       <a:defRPr sz="1800" kern="1200">
         <a:solidFill>
           <a:schemeClr val="tx1"/>
@@ -76,7 +76,7 @@
         <a:cs typeface="+mn-cs"/>
       </a:defRPr>
     </a:lvl5pPr>
-    <a:lvl6pPr marL="2286000" algn="l" defTabSz="914400" rtl="0" eaLnBrk="1" latinLnBrk="0" hangingPunct="1">
+    <a:lvl6pPr marL="2286000" algn="l" defTabSz="457200" rtl="0" eaLnBrk="1" latinLnBrk="0" hangingPunct="1">
       <a:defRPr sz="1800" kern="1200">
         <a:solidFill>
           <a:schemeClr val="tx1"/>
@@ -86,7 +86,7 @@
         <a:cs typeface="+mn-cs"/>
       </a:defRPr>
     </a:lvl6pPr>
-    <a:lvl7pPr marL="2743200" algn="l" defTabSz="914400" rtl="0" eaLnBrk="1" latinLnBrk="0" hangingPunct="1">
+    <a:lvl7pPr marL="2743200" algn="l" defTabSz="457200" rtl="0" eaLnBrk="1" latinLnBrk="0" hangingPunct="1">
       <a:defRPr sz="1800" kern="1200">
         <a:solidFill>
           <a:schemeClr val="tx1"/>
@@ -96,7 +96,7 @@
         <a:cs typeface="+mn-cs"/>
       </a:defRPr>
     </a:lvl7pPr>
-    <a:lvl8pPr marL="3200400" algn="l" defTabSz="914400" rtl="0" eaLnBrk="1" latinLnBrk="0" hangingPunct="1">
+    <a:lvl8pPr marL="3200400" algn="l" defTabSz="457200" rtl="0" eaLnBrk="1" latinLnBrk="0" hangingPunct="1">
       <a:defRPr sz="1800" kern="1200">
         <a:solidFill>
           <a:schemeClr val="tx1"/>
@@ -106,7 +106,7 @@
         <a:cs typeface="+mn-cs"/>
       </a:defRPr>
     </a:lvl8pPr>
-    <a:lvl9pPr marL="3657600" algn="l" defTabSz="914400" rtl="0" eaLnBrk="1" latinLnBrk="0" hangingPunct="1">
+    <a:lvl9pPr marL="3657600" algn="l" defTabSz="457200" rtl="0" eaLnBrk="1" latinLnBrk="0" hangingPunct="1">
       <a:defRPr sz="1800" kern="1200">
         <a:solidFill>
           <a:schemeClr val="tx1"/>
@@ -137,7 +137,7 @@
 </file>
 
 <file path=ppt/slideLayouts/slideLayout1.xml><?xml version="1.0" encoding="utf-8"?>
-<p:sldLayout xmlns:a="http://schemas.openxmlformats.org/drawingml/2006/main" xmlns:r="http://schemas.openxmlformats.org/officeDocument/2006/relationships" xmlns:p="http://schemas.openxmlformats.org/presentationml/2006/main" type="title" preserve="1">
+<p:sldLayout xmlns:a="http://schemas.openxmlformats.org/drawingml/2006/main" xmlns:r="http://schemas.openxmlformats.org/officeDocument/2006/relationships" xmlns:p="http://schemas.openxmlformats.org/presentationml/2006/main" showMasterSp="0" type="title" preserve="1">
   <p:cSld name="Title Slide">
     <p:spTree>
       <p:nvGrpSpPr>
@@ -153,6 +153,328 @@
           <a:chExt cx="0" cy="0"/>
         </a:xfrm>
       </p:grpSpPr>
+      <p:grpSp>
+        <p:nvGrpSpPr>
+          <p:cNvPr id="25" name="Group 24"/>
+          <p:cNvGrpSpPr/>
+          <p:nvPr/>
+        </p:nvGrpSpPr>
+        <p:grpSpPr>
+          <a:xfrm>
+            <a:off x="203200" y="0"/>
+            <a:ext cx="3778250" cy="6858001"/>
+            <a:chOff x="203200" y="0"/>
+            <a:chExt cx="3778250" cy="6858001"/>
+          </a:xfrm>
+        </p:grpSpPr>
+        <p:sp>
+          <p:nvSpPr>
+            <p:cNvPr id="14" name="Freeform 6"/>
+            <p:cNvSpPr/>
+            <p:nvPr/>
+          </p:nvSpPr>
+          <p:spPr bwMode="auto">
+            <a:xfrm>
+              <a:off x="641350" y="0"/>
+              <a:ext cx="1365250" cy="3971925"/>
+            </a:xfrm>
+            <a:custGeom>
+              <a:avLst/>
+              <a:gdLst/>
+              <a:ahLst/>
+              <a:cxnLst/>
+              <a:rect l="0" t="0" r="r" b="b"/>
+              <a:pathLst>
+                <a:path w="860" h="2502">
+                  <a:moveTo>
+                    <a:pt x="0" y="2445"/>
+                  </a:moveTo>
+                  <a:lnTo>
+                    <a:pt x="228" y="2502"/>
+                  </a:lnTo>
+                  <a:lnTo>
+                    <a:pt x="860" y="0"/>
+                  </a:lnTo>
+                  <a:lnTo>
+                    <a:pt x="620" y="0"/>
+                  </a:lnTo>
+                  <a:lnTo>
+                    <a:pt x="0" y="2445"/>
+                  </a:lnTo>
+                  <a:close/>
+                </a:path>
+              </a:pathLst>
+            </a:custGeom>
+            <a:solidFill>
+              <a:schemeClr val="accent1"/>
+            </a:solidFill>
+            <a:ln>
+              <a:noFill/>
+            </a:ln>
+          </p:spPr>
+        </p:sp>
+        <p:sp>
+          <p:nvSpPr>
+            <p:cNvPr id="15" name="Freeform 7"/>
+            <p:cNvSpPr/>
+            <p:nvPr/>
+          </p:nvSpPr>
+          <p:spPr bwMode="auto">
+            <a:xfrm>
+              <a:off x="203200" y="0"/>
+              <a:ext cx="1336675" cy="3862388"/>
+            </a:xfrm>
+            <a:custGeom>
+              <a:avLst/>
+              <a:gdLst/>
+              <a:ahLst/>
+              <a:cxnLst/>
+              <a:rect l="0" t="0" r="r" b="b"/>
+              <a:pathLst>
+                <a:path w="842" h="2433">
+                  <a:moveTo>
+                    <a:pt x="842" y="0"/>
+                  </a:moveTo>
+                  <a:lnTo>
+                    <a:pt x="602" y="0"/>
+                  </a:lnTo>
+                  <a:lnTo>
+                    <a:pt x="0" y="2376"/>
+                  </a:lnTo>
+                  <a:lnTo>
+                    <a:pt x="228" y="2433"/>
+                  </a:lnTo>
+                  <a:lnTo>
+                    <a:pt x="842" y="0"/>
+                  </a:lnTo>
+                  <a:close/>
+                </a:path>
+              </a:pathLst>
+            </a:custGeom>
+            <a:solidFill>
+              <a:schemeClr val="tx1">
+                <a:lumMod val="65000"/>
+                <a:lumOff val="35000"/>
+              </a:schemeClr>
+            </a:solidFill>
+            <a:ln>
+              <a:noFill/>
+            </a:ln>
+          </p:spPr>
+        </p:sp>
+        <p:sp>
+          <p:nvSpPr>
+            <p:cNvPr id="16" name="Freeform 8"/>
+            <p:cNvSpPr/>
+            <p:nvPr/>
+          </p:nvSpPr>
+          <p:spPr bwMode="auto">
+            <a:xfrm>
+              <a:off x="207963" y="3776663"/>
+              <a:ext cx="1936750" cy="3081338"/>
+            </a:xfrm>
+            <a:custGeom>
+              <a:avLst/>
+              <a:gdLst/>
+              <a:ahLst/>
+              <a:cxnLst/>
+              <a:rect l="0" t="0" r="r" b="b"/>
+              <a:pathLst>
+                <a:path w="1220" h="1941">
+                  <a:moveTo>
+                    <a:pt x="0" y="0"/>
+                  </a:moveTo>
+                  <a:lnTo>
+                    <a:pt x="1166" y="1941"/>
+                  </a:lnTo>
+                  <a:lnTo>
+                    <a:pt x="1220" y="1941"/>
+                  </a:lnTo>
+                  <a:lnTo>
+                    <a:pt x="0" y="0"/>
+                  </a:lnTo>
+                  <a:close/>
+                </a:path>
+              </a:pathLst>
+            </a:custGeom>
+            <a:solidFill>
+              <a:schemeClr val="tx1">
+                <a:lumMod val="85000"/>
+                <a:lumOff val="15000"/>
+              </a:schemeClr>
+            </a:solidFill>
+            <a:ln>
+              <a:noFill/>
+            </a:ln>
+          </p:spPr>
+        </p:sp>
+        <p:sp>
+          <p:nvSpPr>
+            <p:cNvPr id="20" name="Freeform 9"/>
+            <p:cNvSpPr/>
+            <p:nvPr/>
+          </p:nvSpPr>
+          <p:spPr bwMode="auto">
+            <a:xfrm>
+              <a:off x="646113" y="3886200"/>
+              <a:ext cx="2373313" cy="2971800"/>
+            </a:xfrm>
+            <a:custGeom>
+              <a:avLst/>
+              <a:gdLst/>
+              <a:ahLst/>
+              <a:cxnLst/>
+              <a:rect l="0" t="0" r="r" b="b"/>
+              <a:pathLst>
+                <a:path w="1495" h="1872">
+                  <a:moveTo>
+                    <a:pt x="1495" y="1872"/>
+                  </a:moveTo>
+                  <a:lnTo>
+                    <a:pt x="0" y="0"/>
+                  </a:lnTo>
+                  <a:lnTo>
+                    <a:pt x="1442" y="1872"/>
+                  </a:lnTo>
+                  <a:lnTo>
+                    <a:pt x="1495" y="1872"/>
+                  </a:lnTo>
+                  <a:close/>
+                </a:path>
+              </a:pathLst>
+            </a:custGeom>
+            <a:solidFill>
+              <a:schemeClr val="accent1">
+                <a:lumMod val="50000"/>
+              </a:schemeClr>
+            </a:solidFill>
+            <a:ln>
+              <a:noFill/>
+            </a:ln>
+          </p:spPr>
+        </p:sp>
+        <p:sp>
+          <p:nvSpPr>
+            <p:cNvPr id="21" name="Freeform 10"/>
+            <p:cNvSpPr/>
+            <p:nvPr/>
+          </p:nvSpPr>
+          <p:spPr bwMode="auto">
+            <a:xfrm>
+              <a:off x="641350" y="3881438"/>
+              <a:ext cx="3340100" cy="2976563"/>
+            </a:xfrm>
+            <a:custGeom>
+              <a:avLst/>
+              <a:gdLst/>
+              <a:ahLst/>
+              <a:cxnLst/>
+              <a:rect l="0" t="0" r="r" b="b"/>
+              <a:pathLst>
+                <a:path w="2104" h="1875">
+                  <a:moveTo>
+                    <a:pt x="0" y="0"/>
+                  </a:moveTo>
+                  <a:lnTo>
+                    <a:pt x="3" y="3"/>
+                  </a:lnTo>
+                  <a:lnTo>
+                    <a:pt x="1498" y="1875"/>
+                  </a:lnTo>
+                  <a:lnTo>
+                    <a:pt x="2104" y="1875"/>
+                  </a:lnTo>
+                  <a:lnTo>
+                    <a:pt x="228" y="57"/>
+                  </a:lnTo>
+                  <a:lnTo>
+                    <a:pt x="0" y="0"/>
+                  </a:lnTo>
+                  <a:close/>
+                </a:path>
+              </a:pathLst>
+            </a:custGeom>
+            <a:solidFill>
+              <a:schemeClr val="accent1">
+                <a:lumMod val="75000"/>
+              </a:schemeClr>
+            </a:solidFill>
+            <a:ln>
+              <a:noFill/>
+            </a:ln>
+          </p:spPr>
+        </p:sp>
+        <p:sp>
+          <p:nvSpPr>
+            <p:cNvPr id="22" name="Freeform 11"/>
+            <p:cNvSpPr/>
+            <p:nvPr/>
+          </p:nvSpPr>
+          <p:spPr bwMode="auto">
+            <a:xfrm>
+              <a:off x="203200" y="3771900"/>
+              <a:ext cx="2660650" cy="3086100"/>
+            </a:xfrm>
+            <a:custGeom>
+              <a:avLst/>
+              <a:gdLst/>
+              <a:ahLst/>
+              <a:cxnLst/>
+              <a:rect l="0" t="0" r="r" b="b"/>
+              <a:pathLst>
+                <a:path w="1676" h="1944">
+                  <a:moveTo>
+                    <a:pt x="1676" y="1944"/>
+                  </a:moveTo>
+                  <a:lnTo>
+                    <a:pt x="264" y="111"/>
+                  </a:lnTo>
+                  <a:lnTo>
+                    <a:pt x="225" y="60"/>
+                  </a:lnTo>
+                  <a:lnTo>
+                    <a:pt x="228" y="60"/>
+                  </a:lnTo>
+                  <a:lnTo>
+                    <a:pt x="264" y="111"/>
+                  </a:lnTo>
+                  <a:lnTo>
+                    <a:pt x="234" y="69"/>
+                  </a:lnTo>
+                  <a:lnTo>
+                    <a:pt x="228" y="57"/>
+                  </a:lnTo>
+                  <a:lnTo>
+                    <a:pt x="222" y="54"/>
+                  </a:lnTo>
+                  <a:lnTo>
+                    <a:pt x="0" y="0"/>
+                  </a:lnTo>
+                  <a:lnTo>
+                    <a:pt x="3" y="3"/>
+                  </a:lnTo>
+                  <a:lnTo>
+                    <a:pt x="1223" y="1944"/>
+                  </a:lnTo>
+                  <a:lnTo>
+                    <a:pt x="1676" y="1944"/>
+                  </a:lnTo>
+                  <a:close/>
+                </a:path>
+              </a:pathLst>
+            </a:custGeom>
+            <a:solidFill>
+              <a:schemeClr val="tx1">
+                <a:lumMod val="75000"/>
+                <a:lumOff val="25000"/>
+              </a:schemeClr>
+            </a:solidFill>
+            <a:ln>
+              <a:noFill/>
+            </a:ln>
+          </p:spPr>
+        </p:sp>
+      </p:grpSp>
       <p:sp>
         <p:nvSpPr>
           <p:cNvPr id="2" name="Title 1"/>
@@ -165,18 +487,27 @@
         </p:nvSpPr>
         <p:spPr>
           <a:xfrm>
-            <a:off x="685800" y="2130425"/>
-            <a:ext cx="7772400" cy="1470025"/>
+            <a:off x="1739673" y="914401"/>
+            <a:ext cx="6947127" cy="3488266"/>
           </a:xfrm>
         </p:spPr>
         <p:txBody>
-          <a:bodyPr/>
-          <a:lstStyle/>
+          <a:bodyPr anchor="b">
+            <a:normAutofit/>
+          </a:bodyPr>
+          <a:lstStyle>
+            <a:lvl1pPr algn="r">
+              <a:defRPr sz="5400">
+                <a:effectLst/>
+              </a:defRPr>
+            </a:lvl1pPr>
+          </a:lstStyle>
           <a:p>
             <a:r>
               <a:rPr lang="en-US"/>
               <a:t>Click to edit Master title style</a:t>
             </a:r>
+            <a:endParaRPr lang="en-US" dirty="0"/>
           </a:p>
         </p:txBody>
       </p:sp>
@@ -192,14 +523,24 @@
         </p:nvSpPr>
         <p:spPr>
           <a:xfrm>
-            <a:off x="1371600" y="3886200"/>
-            <a:ext cx="6400800" cy="1752600"/>
+            <a:off x="2924238" y="4402666"/>
+            <a:ext cx="5762563" cy="1364531"/>
           </a:xfrm>
         </p:spPr>
         <p:txBody>
-          <a:bodyPr/>
+          <a:bodyPr anchor="t">
+            <a:normAutofit/>
+          </a:bodyPr>
           <a:lstStyle>
-            <a:lvl1pPr marL="0" indent="0" algn="ctr">
+            <a:lvl1pPr marL="0" indent="0" algn="r">
+              <a:buNone/>
+              <a:defRPr sz="1800">
+                <a:solidFill>
+                  <a:schemeClr val="tx1"/>
+                </a:solidFill>
+              </a:defRPr>
+            </a:lvl1pPr>
+            <a:lvl2pPr marL="457200" indent="0" algn="ctr">
               <a:buNone/>
               <a:defRPr>
                 <a:solidFill>
@@ -208,8 +549,8 @@
                   </a:schemeClr>
                 </a:solidFill>
               </a:defRPr>
-            </a:lvl1pPr>
-            <a:lvl2pPr marL="457200" indent="0" algn="ctr">
+            </a:lvl2pPr>
+            <a:lvl3pPr marL="914400" indent="0" algn="ctr">
               <a:buNone/>
               <a:defRPr>
                 <a:solidFill>
@@ -218,8 +559,8 @@
                   </a:schemeClr>
                 </a:solidFill>
               </a:defRPr>
-            </a:lvl2pPr>
-            <a:lvl3pPr marL="914400" indent="0" algn="ctr">
+            </a:lvl3pPr>
+            <a:lvl4pPr marL="1371600" indent="0" algn="ctr">
               <a:buNone/>
               <a:defRPr>
                 <a:solidFill>
@@ -228,8 +569,8 @@
                   </a:schemeClr>
                 </a:solidFill>
               </a:defRPr>
-            </a:lvl3pPr>
-            <a:lvl4pPr marL="1371600" indent="0" algn="ctr">
+            </a:lvl4pPr>
+            <a:lvl5pPr marL="1828800" indent="0" algn="ctr">
               <a:buNone/>
               <a:defRPr>
                 <a:solidFill>
@@ -238,8 +579,8 @@
                   </a:schemeClr>
                 </a:solidFill>
               </a:defRPr>
-            </a:lvl4pPr>
-            <a:lvl5pPr marL="1828800" indent="0" algn="ctr">
+            </a:lvl5pPr>
+            <a:lvl6pPr marL="2286000" indent="0" algn="ctr">
               <a:buNone/>
               <a:defRPr>
                 <a:solidFill>
@@ -248,8 +589,8 @@
                   </a:schemeClr>
                 </a:solidFill>
               </a:defRPr>
-            </a:lvl5pPr>
-            <a:lvl6pPr marL="2286000" indent="0" algn="ctr">
+            </a:lvl6pPr>
+            <a:lvl7pPr marL="2743200" indent="0" algn="ctr">
               <a:buNone/>
               <a:defRPr>
                 <a:solidFill>
@@ -258,8 +599,8 @@
                   </a:schemeClr>
                 </a:solidFill>
               </a:defRPr>
-            </a:lvl6pPr>
-            <a:lvl7pPr marL="2743200" indent="0" algn="ctr">
+            </a:lvl7pPr>
+            <a:lvl8pPr marL="3200400" indent="0" algn="ctr">
               <a:buNone/>
               <a:defRPr>
                 <a:solidFill>
@@ -268,8 +609,8 @@
                   </a:schemeClr>
                 </a:solidFill>
               </a:defRPr>
-            </a:lvl7pPr>
-            <a:lvl8pPr marL="3200400" indent="0" algn="ctr">
+            </a:lvl8pPr>
+            <a:lvl9pPr marL="3657600" indent="0" algn="ctr">
               <a:buNone/>
               <a:defRPr>
                 <a:solidFill>
@@ -278,16 +619,6 @@
                   </a:schemeClr>
                 </a:solidFill>
               </a:defRPr>
-            </a:lvl8pPr>
-            <a:lvl9pPr marL="3657600" indent="0" algn="ctr">
-              <a:buNone/>
-              <a:defRPr>
-                <a:solidFill>
-                  <a:schemeClr val="tx1">
-                    <a:tint val="75000"/>
-                  </a:schemeClr>
-                </a:solidFill>
-              </a:defRPr>
             </a:lvl9pPr>
           </a:lstStyle>
           <a:p>
@@ -295,6 +626,7 @@
               <a:rPr lang="en-US"/>
               <a:t>Click to edit Master subtitle style</a:t>
             </a:r>
+            <a:endParaRPr lang="en-US" dirty="0"/>
           </a:p>
         </p:txBody>
       </p:sp>
@@ -308,14 +640,19 @@
             <p:ph type="dt" sz="half" idx="10"/>
           </p:nvPr>
         </p:nvSpPr>
-        <p:spPr/>
+        <p:spPr>
+          <a:xfrm>
+            <a:off x="7325773" y="6117336"/>
+            <a:ext cx="857473" cy="365125"/>
+          </a:xfrm>
+        </p:spPr>
         <p:txBody>
           <a:bodyPr/>
           <a:lstStyle/>
           <a:p>
             <a:fld id="{66C03C0E-3F98-4A8B-BCFE-F0C905038B8C}" type="datetimeFigureOut">
               <a:rPr lang="en-US" smtClean="0"/>
-              <a:t>4/10/2025</a:t>
+              <a:t>4/18/2025</a:t>
             </a:fld>
             <a:endParaRPr lang="en-US"/>
           </a:p>
@@ -331,7 +668,12 @@
             <p:ph type="ftr" sz="quarter" idx="11"/>
           </p:nvPr>
         </p:nvSpPr>
-        <p:spPr/>
+        <p:spPr>
+          <a:xfrm>
+            <a:off x="3623733" y="6117336"/>
+            <a:ext cx="3609438" cy="365125"/>
+          </a:xfrm>
+        </p:spPr>
         <p:txBody>
           <a:bodyPr/>
           <a:lstStyle/>
@@ -350,7 +692,12 @@
             <p:ph type="sldNum" sz="quarter" idx="12"/>
           </p:nvPr>
         </p:nvSpPr>
-        <p:spPr/>
+        <p:spPr>
+          <a:xfrm>
+            <a:off x="8275320" y="6117336"/>
+            <a:ext cx="411480" cy="365125"/>
+          </a:xfrm>
+        </p:spPr>
         <p:txBody>
           <a:bodyPr/>
           <a:lstStyle/>
@@ -363,10 +710,120 @@
           </a:p>
         </p:txBody>
       </p:sp>
+      <p:sp>
+        <p:nvSpPr>
+          <p:cNvPr id="23" name="Freeform 12"/>
+          <p:cNvSpPr/>
+          <p:nvPr/>
+        </p:nvSpPr>
+        <p:spPr bwMode="auto">
+          <a:xfrm>
+            <a:off x="203200" y="3771900"/>
+            <a:ext cx="361950" cy="90488"/>
+          </a:xfrm>
+          <a:custGeom>
+            <a:avLst/>
+            <a:gdLst/>
+            <a:ahLst/>
+            <a:cxnLst/>
+            <a:rect l="0" t="0" r="r" b="b"/>
+            <a:pathLst>
+              <a:path w="228" h="57">
+                <a:moveTo>
+                  <a:pt x="228" y="57"/>
+                </a:moveTo>
+                <a:lnTo>
+                  <a:pt x="0" y="0"/>
+                </a:lnTo>
+                <a:lnTo>
+                  <a:pt x="222" y="54"/>
+                </a:lnTo>
+                <a:lnTo>
+                  <a:pt x="228" y="57"/>
+                </a:lnTo>
+                <a:close/>
+              </a:path>
+            </a:pathLst>
+          </a:custGeom>
+          <a:solidFill>
+            <a:srgbClr val="29ABE2"/>
+          </a:solidFill>
+          <a:ln>
+            <a:noFill/>
+          </a:ln>
+          <a:extLst>
+            <a:ext uri="{91240B29-F687-4f45-9708-019B960494DF}">
+              <a14:hiddenLine xmlns="" xmlns:a14="http://schemas.microsoft.com/office/drawing/2010/main" w="9525">
+                <a:solidFill>
+                  <a:srgbClr val="000000"/>
+                </a:solidFill>
+                <a:round/>
+                <a:headEnd/>
+                <a:tailEnd/>
+              </a14:hiddenLine>
+            </a:ext>
+          </a:extLst>
+        </p:spPr>
+      </p:sp>
+      <p:sp>
+        <p:nvSpPr>
+          <p:cNvPr id="24" name="Freeform 13"/>
+          <p:cNvSpPr/>
+          <p:nvPr/>
+        </p:nvSpPr>
+        <p:spPr bwMode="auto">
+          <a:xfrm>
+            <a:off x="560388" y="3867150"/>
+            <a:ext cx="61913" cy="80963"/>
+          </a:xfrm>
+          <a:custGeom>
+            <a:avLst/>
+            <a:gdLst/>
+            <a:ahLst/>
+            <a:cxnLst/>
+            <a:rect l="0" t="0" r="r" b="b"/>
+            <a:pathLst>
+              <a:path w="39" h="51">
+                <a:moveTo>
+                  <a:pt x="0" y="0"/>
+                </a:moveTo>
+                <a:lnTo>
+                  <a:pt x="39" y="51"/>
+                </a:lnTo>
+                <a:lnTo>
+                  <a:pt x="3" y="0"/>
+                </a:lnTo>
+                <a:lnTo>
+                  <a:pt x="0" y="0"/>
+                </a:lnTo>
+                <a:close/>
+              </a:path>
+            </a:pathLst>
+          </a:custGeom>
+          <a:solidFill>
+            <a:srgbClr val="29ABE2"/>
+          </a:solidFill>
+          <a:ln>
+            <a:noFill/>
+          </a:ln>
+          <a:extLst>
+            <a:ext uri="{91240B29-F687-4f45-9708-019B960494DF}">
+              <a14:hiddenLine xmlns="" xmlns:a14="http://schemas.microsoft.com/office/drawing/2010/main" w="9525">
+                <a:solidFill>
+                  <a:srgbClr val="000000"/>
+                </a:solidFill>
+                <a:round/>
+                <a:headEnd/>
+                <a:tailEnd/>
+              </a14:hiddenLine>
+            </a:ext>
+          </a:extLst>
+        </p:spPr>
+      </p:sp>
     </p:spTree>
     <p:extLst>
       <p:ext uri="{BB962C8B-B14F-4D97-AF65-F5344CB8AC3E}">
-        <p14:creationId xmlns:p14="http://schemas.microsoft.com/office/powerpoint/2010/main" val="2474021711"/>
+        <p14:creationId xmlns:p14="http://schemas.microsoft.com/office/powerpoint/2010/main" val="704854709"/>
       </p:ext>
     </p:extLst>
   </p:cSld>
@@ -377,6 +834,2162 @@
 </file>
 
 <file path=ppt/slideLayouts/slideLayout10.xml><?xml version="1.0" encoding="utf-8"?>
+<p:sldLayout xmlns:a="http://schemas.openxmlformats.org/drawingml/2006/main" xmlns:r="http://schemas.openxmlformats.org/officeDocument/2006/relationships" xmlns:p="http://schemas.openxmlformats.org/presentationml/2006/main" preserve="1">
+  <p:cSld name="Panoramic Picture with Caption">
+    <p:spTree>
+      <p:nvGrpSpPr>
+        <p:cNvPr id="1" name=""/>
+        <p:cNvGrpSpPr/>
+        <p:nvPr/>
+      </p:nvGrpSpPr>
+      <p:grpSpPr>
+        <a:xfrm>
+          <a:off x="0" y="0"/>
+          <a:ext cx="0" cy="0"/>
+          <a:chOff x="0" y="0"/>
+          <a:chExt cx="0" cy="0"/>
+        </a:xfrm>
+      </p:grpSpPr>
+      <p:sp>
+        <p:nvSpPr>
+          <p:cNvPr id="2" name="Title 1"/>
+          <p:cNvSpPr>
+            <a:spLocks noGrp="1"/>
+          </p:cNvSpPr>
+          <p:nvPr>
+            <p:ph type="title"/>
+          </p:nvPr>
+        </p:nvSpPr>
+        <p:spPr>
+          <a:xfrm>
+            <a:off x="1113523" y="4732865"/>
+            <a:ext cx="7515991" cy="566738"/>
+          </a:xfrm>
+        </p:spPr>
+        <p:txBody>
+          <a:bodyPr anchor="b">
+            <a:normAutofit/>
+          </a:bodyPr>
+          <a:lstStyle>
+            <a:lvl1pPr algn="ctr">
+              <a:defRPr sz="2400" b="0"/>
+            </a:lvl1pPr>
+          </a:lstStyle>
+          <a:p>
+            <a:r>
+              <a:rPr lang="en-US"/>
+              <a:t>Click to edit Master title style</a:t>
+            </a:r>
+            <a:endParaRPr lang="en-US" dirty="0"/>
+          </a:p>
+        </p:txBody>
+      </p:sp>
+      <p:sp>
+        <p:nvSpPr>
+          <p:cNvPr id="3" name="Picture Placeholder 2"/>
+          <p:cNvSpPr>
+            <a:spLocks noGrp="1" noChangeAspect="1"/>
+          </p:cNvSpPr>
+          <p:nvPr>
+            <p:ph type="pic" idx="1"/>
+          </p:nvPr>
+        </p:nvSpPr>
+        <p:spPr>
+          <a:xfrm>
+            <a:off x="1789975" y="932112"/>
+            <a:ext cx="6171065" cy="3164976"/>
+          </a:xfrm>
+          <a:prstGeom prst="roundRect">
+            <a:avLst>
+              <a:gd name="adj" fmla="val 4380"/>
+            </a:avLst>
+          </a:prstGeom>
+          <a:ln w="38100">
+            <a:gradFill flip="none" rotWithShape="1">
+              <a:gsLst>
+                <a:gs pos="0">
+                  <a:schemeClr val="bg2"/>
+                </a:gs>
+                <a:gs pos="100000">
+                  <a:schemeClr val="bg2">
+                    <a:lumMod val="75000"/>
+                  </a:schemeClr>
+                </a:gs>
+              </a:gsLst>
+              <a:lin ang="5400000" scaled="0"/>
+              <a:tileRect/>
+            </a:gradFill>
+          </a:ln>
+          <a:effectLst>
+            <a:innerShdw blurRad="57150" dist="38100" dir="14460000">
+              <a:srgbClr val="000000">
+                <a:alpha val="70000"/>
+              </a:srgbClr>
+            </a:innerShdw>
+          </a:effectLst>
+        </p:spPr>
+        <p:txBody>
+          <a:bodyPr anchor="t">
+            <a:normAutofit/>
+          </a:bodyPr>
+          <a:lstStyle>
+            <a:lvl1pPr marL="0" indent="0" algn="ctr">
+              <a:buNone/>
+              <a:defRPr sz="1600"/>
+            </a:lvl1pPr>
+            <a:lvl2pPr marL="457200" indent="0">
+              <a:buNone/>
+              <a:defRPr sz="1600"/>
+            </a:lvl2pPr>
+            <a:lvl3pPr marL="914400" indent="0">
+              <a:buNone/>
+              <a:defRPr sz="1600"/>
+            </a:lvl3pPr>
+            <a:lvl4pPr marL="1371600" indent="0">
+              <a:buNone/>
+              <a:defRPr sz="1600"/>
+            </a:lvl4pPr>
+            <a:lvl5pPr marL="1828800" indent="0">
+              <a:buNone/>
+              <a:defRPr sz="1600"/>
+            </a:lvl5pPr>
+            <a:lvl6pPr marL="2286000" indent="0">
+              <a:buNone/>
+              <a:defRPr sz="1600"/>
+            </a:lvl6pPr>
+            <a:lvl7pPr marL="2743200" indent="0">
+              <a:buNone/>
+              <a:defRPr sz="1600"/>
+            </a:lvl7pPr>
+            <a:lvl8pPr marL="3200400" indent="0">
+              <a:buNone/>
+              <a:defRPr sz="1600"/>
+            </a:lvl8pPr>
+            <a:lvl9pPr marL="3657600" indent="0">
+              <a:buNone/>
+              <a:defRPr sz="1600"/>
+            </a:lvl9pPr>
+          </a:lstStyle>
+          <a:p>
+            <a:r>
+              <a:rPr lang="en-US"/>
+              <a:t>Click icon to add picture</a:t>
+            </a:r>
+            <a:endParaRPr lang="en-US" dirty="0"/>
+          </a:p>
+        </p:txBody>
+      </p:sp>
+      <p:sp>
+        <p:nvSpPr>
+          <p:cNvPr id="4" name="Text Placeholder 3"/>
+          <p:cNvSpPr>
+            <a:spLocks noGrp="1"/>
+          </p:cNvSpPr>
+          <p:nvPr>
+            <p:ph type="body" sz="half" idx="2"/>
+          </p:nvPr>
+        </p:nvSpPr>
+        <p:spPr>
+          <a:xfrm>
+            <a:off x="1113523" y="5299603"/>
+            <a:ext cx="7515991" cy="493712"/>
+          </a:xfrm>
+        </p:spPr>
+        <p:txBody>
+          <a:bodyPr>
+            <a:normAutofit/>
+          </a:bodyPr>
+          <a:lstStyle>
+            <a:lvl1pPr marL="0" indent="0" algn="ctr">
+              <a:buNone/>
+              <a:defRPr sz="1400"/>
+            </a:lvl1pPr>
+            <a:lvl2pPr marL="457200" indent="0">
+              <a:buNone/>
+              <a:defRPr sz="1200"/>
+            </a:lvl2pPr>
+            <a:lvl3pPr marL="914400" indent="0">
+              <a:buNone/>
+              <a:defRPr sz="1000"/>
+            </a:lvl3pPr>
+            <a:lvl4pPr marL="1371600" indent="0">
+              <a:buNone/>
+              <a:defRPr sz="900"/>
+            </a:lvl4pPr>
+            <a:lvl5pPr marL="1828800" indent="0">
+              <a:buNone/>
+              <a:defRPr sz="900"/>
+            </a:lvl5pPr>
+            <a:lvl6pPr marL="2286000" indent="0">
+              <a:buNone/>
+              <a:defRPr sz="900"/>
+            </a:lvl6pPr>
+            <a:lvl7pPr marL="2743200" indent="0">
+              <a:buNone/>
+              <a:defRPr sz="900"/>
+            </a:lvl7pPr>
+            <a:lvl8pPr marL="3200400" indent="0">
+              <a:buNone/>
+              <a:defRPr sz="900"/>
+            </a:lvl8pPr>
+            <a:lvl9pPr marL="3657600" indent="0">
+              <a:buNone/>
+              <a:defRPr sz="900"/>
+            </a:lvl9pPr>
+          </a:lstStyle>
+          <a:p>
+            <a:pPr lvl="0"/>
+            <a:r>
+              <a:rPr lang="en-US"/>
+              <a:t>Click to edit Master text styles</a:t>
+            </a:r>
+          </a:p>
+        </p:txBody>
+      </p:sp>
+      <p:sp>
+        <p:nvSpPr>
+          <p:cNvPr id="5" name="Date Placeholder 4"/>
+          <p:cNvSpPr>
+            <a:spLocks noGrp="1"/>
+          </p:cNvSpPr>
+          <p:nvPr>
+            <p:ph type="dt" sz="half" idx="10"/>
+          </p:nvPr>
+        </p:nvSpPr>
+        <p:spPr/>
+        <p:txBody>
+          <a:bodyPr/>
+          <a:lstStyle/>
+          <a:p>
+            <a:fld id="{66C03C0E-3F98-4A8B-BCFE-F0C905038B8C}" type="datetimeFigureOut">
+              <a:rPr lang="en-US" smtClean="0"/>
+              <a:t>4/18/2025</a:t>
+            </a:fld>
+            <a:endParaRPr lang="en-US"/>
+          </a:p>
+        </p:txBody>
+      </p:sp>
+      <p:sp>
+        <p:nvSpPr>
+          <p:cNvPr id="6" name="Footer Placeholder 5"/>
+          <p:cNvSpPr>
+            <a:spLocks noGrp="1"/>
+          </p:cNvSpPr>
+          <p:nvPr>
+            <p:ph type="ftr" sz="quarter" idx="11"/>
+          </p:nvPr>
+        </p:nvSpPr>
+        <p:spPr/>
+        <p:txBody>
+          <a:bodyPr/>
+          <a:lstStyle/>
+          <a:p>
+            <a:endParaRPr lang="en-US"/>
+          </a:p>
+        </p:txBody>
+      </p:sp>
+      <p:sp>
+        <p:nvSpPr>
+          <p:cNvPr id="7" name="Slide Number Placeholder 6"/>
+          <p:cNvSpPr>
+            <a:spLocks noGrp="1"/>
+          </p:cNvSpPr>
+          <p:nvPr>
+            <p:ph type="sldNum" sz="quarter" idx="12"/>
+          </p:nvPr>
+        </p:nvSpPr>
+        <p:spPr/>
+        <p:txBody>
+          <a:bodyPr/>
+          <a:lstStyle/>
+          <a:p>
+            <a:fld id="{1D68EC02-F02D-4FE7-B83E-84AAD57E1E19}" type="slidenum">
+              <a:rPr lang="en-US" smtClean="0"/>
+              <a:t>‹#›</a:t>
+            </a:fld>
+            <a:endParaRPr lang="en-US"/>
+          </a:p>
+        </p:txBody>
+      </p:sp>
+    </p:spTree>
+    <p:extLst>
+      <p:ext uri="{BB962C8B-B14F-4D97-AF65-F5344CB8AC3E}">
+        <p14:creationId xmlns:p14="http://schemas.microsoft.com/office/powerpoint/2010/main" val="2893403020"/>
+      </p:ext>
+    </p:extLst>
+  </p:cSld>
+  <p:clrMapOvr>
+    <a:masterClrMapping/>
+  </p:clrMapOvr>
+</p:sldLayout>
+</file>
+
+<file path=ppt/slideLayouts/slideLayout11.xml><?xml version="1.0" encoding="utf-8"?>
+<p:sldLayout xmlns:a="http://schemas.openxmlformats.org/drawingml/2006/main" xmlns:r="http://schemas.openxmlformats.org/officeDocument/2006/relationships" xmlns:p="http://schemas.openxmlformats.org/presentationml/2006/main" preserve="1">
+  <p:cSld name="Title and Caption">
+    <p:spTree>
+      <p:nvGrpSpPr>
+        <p:cNvPr id="1" name=""/>
+        <p:cNvGrpSpPr/>
+        <p:nvPr/>
+      </p:nvGrpSpPr>
+      <p:grpSpPr>
+        <a:xfrm>
+          <a:off x="0" y="0"/>
+          <a:ext cx="0" cy="0"/>
+          <a:chOff x="0" y="0"/>
+          <a:chExt cx="0" cy="0"/>
+        </a:xfrm>
+      </p:grpSpPr>
+      <p:sp>
+        <p:nvSpPr>
+          <p:cNvPr id="2" name="Title 1"/>
+          <p:cNvSpPr>
+            <a:spLocks noGrp="1"/>
+          </p:cNvSpPr>
+          <p:nvPr>
+            <p:ph type="title"/>
+          </p:nvPr>
+        </p:nvSpPr>
+        <p:spPr>
+          <a:xfrm>
+            <a:off x="1113524" y="685800"/>
+            <a:ext cx="7515991" cy="3048000"/>
+          </a:xfrm>
+        </p:spPr>
+        <p:txBody>
+          <a:bodyPr anchor="ctr">
+            <a:normAutofit/>
+          </a:bodyPr>
+          <a:lstStyle>
+            <a:lvl1pPr algn="ctr">
+              <a:defRPr sz="3200" b="0" cap="none"/>
+            </a:lvl1pPr>
+          </a:lstStyle>
+          <a:p>
+            <a:r>
+              <a:rPr lang="en-US"/>
+              <a:t>Click to edit Master title style</a:t>
+            </a:r>
+            <a:endParaRPr lang="en-US" dirty="0"/>
+          </a:p>
+        </p:txBody>
+      </p:sp>
+      <p:sp>
+        <p:nvSpPr>
+          <p:cNvPr id="3" name="Text Placeholder 2"/>
+          <p:cNvSpPr>
+            <a:spLocks noGrp="1"/>
+          </p:cNvSpPr>
+          <p:nvPr>
+            <p:ph type="body" idx="1"/>
+          </p:nvPr>
+        </p:nvSpPr>
+        <p:spPr>
+          <a:xfrm>
+            <a:off x="1113524" y="4343400"/>
+            <a:ext cx="7515992" cy="1447800"/>
+          </a:xfrm>
+        </p:spPr>
+        <p:txBody>
+          <a:bodyPr anchor="ctr">
+            <a:normAutofit/>
+          </a:bodyPr>
+          <a:lstStyle>
+            <a:lvl1pPr marL="0" indent="0" algn="ctr">
+              <a:buNone/>
+              <a:defRPr sz="2000">
+                <a:solidFill>
+                  <a:schemeClr val="tx1"/>
+                </a:solidFill>
+              </a:defRPr>
+            </a:lvl1pPr>
+            <a:lvl2pPr marL="457200" indent="0">
+              <a:buNone/>
+              <a:defRPr sz="1800">
+                <a:solidFill>
+                  <a:schemeClr val="tx1">
+                    <a:tint val="75000"/>
+                  </a:schemeClr>
+                </a:solidFill>
+              </a:defRPr>
+            </a:lvl2pPr>
+            <a:lvl3pPr marL="914400" indent="0">
+              <a:buNone/>
+              <a:defRPr sz="1600">
+                <a:solidFill>
+                  <a:schemeClr val="tx1">
+                    <a:tint val="75000"/>
+                  </a:schemeClr>
+                </a:solidFill>
+              </a:defRPr>
+            </a:lvl3pPr>
+            <a:lvl4pPr marL="1371600" indent="0">
+              <a:buNone/>
+              <a:defRPr sz="1400">
+                <a:solidFill>
+                  <a:schemeClr val="tx1">
+                    <a:tint val="75000"/>
+                  </a:schemeClr>
+                </a:solidFill>
+              </a:defRPr>
+            </a:lvl4pPr>
+            <a:lvl5pPr marL="1828800" indent="0">
+              <a:buNone/>
+              <a:defRPr sz="1400">
+                <a:solidFill>
+                  <a:schemeClr val="tx1">
+                    <a:tint val="75000"/>
+                  </a:schemeClr>
+                </a:solidFill>
+              </a:defRPr>
+            </a:lvl5pPr>
+            <a:lvl6pPr marL="2286000" indent="0">
+              <a:buNone/>
+              <a:defRPr sz="1400">
+                <a:solidFill>
+                  <a:schemeClr val="tx1">
+                    <a:tint val="75000"/>
+                  </a:schemeClr>
+                </a:solidFill>
+              </a:defRPr>
+            </a:lvl6pPr>
+            <a:lvl7pPr marL="2743200" indent="0">
+              <a:buNone/>
+              <a:defRPr sz="1400">
+                <a:solidFill>
+                  <a:schemeClr val="tx1">
+                    <a:tint val="75000"/>
+                  </a:schemeClr>
+                </a:solidFill>
+              </a:defRPr>
+            </a:lvl7pPr>
+            <a:lvl8pPr marL="3200400" indent="0">
+              <a:buNone/>
+              <a:defRPr sz="1400">
+                <a:solidFill>
+                  <a:schemeClr val="tx1">
+                    <a:tint val="75000"/>
+                  </a:schemeClr>
+                </a:solidFill>
+              </a:defRPr>
+            </a:lvl8pPr>
+            <a:lvl9pPr marL="3657600" indent="0">
+              <a:buNone/>
+              <a:defRPr sz="1400">
+                <a:solidFill>
+                  <a:schemeClr val="tx1">
+                    <a:tint val="75000"/>
+                  </a:schemeClr>
+                </a:solidFill>
+              </a:defRPr>
+            </a:lvl9pPr>
+          </a:lstStyle>
+          <a:p>
+            <a:pPr lvl="0"/>
+            <a:r>
+              <a:rPr lang="en-US"/>
+              <a:t>Click to edit Master text styles</a:t>
+            </a:r>
+          </a:p>
+        </p:txBody>
+      </p:sp>
+      <p:sp>
+        <p:nvSpPr>
+          <p:cNvPr id="4" name="Date Placeholder 3"/>
+          <p:cNvSpPr>
+            <a:spLocks noGrp="1"/>
+          </p:cNvSpPr>
+          <p:nvPr>
+            <p:ph type="dt" sz="half" idx="10"/>
+          </p:nvPr>
+        </p:nvSpPr>
+        <p:spPr/>
+        <p:txBody>
+          <a:bodyPr/>
+          <a:lstStyle/>
+          <a:p>
+            <a:fld id="{66C03C0E-3F98-4A8B-BCFE-F0C905038B8C}" type="datetimeFigureOut">
+              <a:rPr lang="en-US" smtClean="0"/>
+              <a:t>4/18/2025</a:t>
+            </a:fld>
+            <a:endParaRPr lang="en-US"/>
+          </a:p>
+        </p:txBody>
+      </p:sp>
+      <p:sp>
+        <p:nvSpPr>
+          <p:cNvPr id="5" name="Footer Placeholder 4"/>
+          <p:cNvSpPr>
+            <a:spLocks noGrp="1"/>
+          </p:cNvSpPr>
+          <p:nvPr>
+            <p:ph type="ftr" sz="quarter" idx="11"/>
+          </p:nvPr>
+        </p:nvSpPr>
+        <p:spPr/>
+        <p:txBody>
+          <a:bodyPr/>
+          <a:lstStyle/>
+          <a:p>
+            <a:endParaRPr lang="en-US"/>
+          </a:p>
+        </p:txBody>
+      </p:sp>
+      <p:sp>
+        <p:nvSpPr>
+          <p:cNvPr id="6" name="Slide Number Placeholder 5"/>
+          <p:cNvSpPr>
+            <a:spLocks noGrp="1"/>
+          </p:cNvSpPr>
+          <p:nvPr>
+            <p:ph type="sldNum" sz="quarter" idx="12"/>
+          </p:nvPr>
+        </p:nvSpPr>
+        <p:spPr/>
+        <p:txBody>
+          <a:bodyPr/>
+          <a:lstStyle/>
+          <a:p>
+            <a:fld id="{1D68EC02-F02D-4FE7-B83E-84AAD57E1E19}" type="slidenum">
+              <a:rPr lang="en-US" smtClean="0"/>
+              <a:t>‹#›</a:t>
+            </a:fld>
+            <a:endParaRPr lang="en-US"/>
+          </a:p>
+        </p:txBody>
+      </p:sp>
+    </p:spTree>
+    <p:extLst>
+      <p:ext uri="{BB962C8B-B14F-4D97-AF65-F5344CB8AC3E}">
+        <p14:creationId xmlns:p14="http://schemas.microsoft.com/office/powerpoint/2010/main" val="1180203657"/>
+      </p:ext>
+    </p:extLst>
+  </p:cSld>
+  <p:clrMapOvr>
+    <a:masterClrMapping/>
+  </p:clrMapOvr>
+</p:sldLayout>
+</file>
+
+<file path=ppt/slideLayouts/slideLayout12.xml><?xml version="1.0" encoding="utf-8"?>
+<p:sldLayout xmlns:a="http://schemas.openxmlformats.org/drawingml/2006/main" xmlns:r="http://schemas.openxmlformats.org/officeDocument/2006/relationships" xmlns:p="http://schemas.openxmlformats.org/presentationml/2006/main" preserve="1">
+  <p:cSld name="Quote with Caption">
+    <p:spTree>
+      <p:nvGrpSpPr>
+        <p:cNvPr id="1" name=""/>
+        <p:cNvGrpSpPr/>
+        <p:nvPr/>
+      </p:nvGrpSpPr>
+      <p:grpSpPr>
+        <a:xfrm>
+          <a:off x="0" y="0"/>
+          <a:ext cx="0" cy="0"/>
+          <a:chOff x="0" y="0"/>
+          <a:chExt cx="0" cy="0"/>
+        </a:xfrm>
+      </p:grpSpPr>
+      <p:sp>
+        <p:nvSpPr>
+          <p:cNvPr id="14" name="TextBox 13"/>
+          <p:cNvSpPr txBox="1"/>
+          <p:nvPr/>
+        </p:nvSpPr>
+        <p:spPr>
+          <a:xfrm>
+            <a:off x="969421" y="863023"/>
+            <a:ext cx="457319" cy="584776"/>
+          </a:xfrm>
+          <a:prstGeom prst="rect">
+            <a:avLst/>
+          </a:prstGeom>
+        </p:spPr>
+        <p:txBody>
+          <a:bodyPr vert="horz" lIns="91440" tIns="45720" rIns="91440" bIns="45720" rtlCol="0" anchor="ctr">
+            <a:noAutofit/>
+          </a:bodyPr>
+          <a:lstStyle>
+            <a:lvl1pPr>
+              <a:spcBef>
+                <a:spcPct val="0"/>
+              </a:spcBef>
+              <a:buNone/>
+              <a:defRPr sz="3200" b="0" cap="all">
+                <a:ln w="3175" cmpd="sng">
+                  <a:noFill/>
+                </a:ln>
+                <a:effectLst>
+                  <a:glow rad="38100">
+                    <a:schemeClr val="bg1">
+                      <a:lumMod val="65000"/>
+                      <a:lumOff val="35000"/>
+                      <a:alpha val="40000"/>
+                    </a:schemeClr>
+                  </a:glow>
+                  <a:outerShdw blurRad="28575" dist="38100" dir="14040000" algn="tl" rotWithShape="0">
+                    <a:srgbClr val="000000">
+                      <a:alpha val="25000"/>
+                    </a:srgbClr>
+                  </a:outerShdw>
+                </a:effectLst>
+              </a:defRPr>
+            </a:lvl1pPr>
+            <a:lvl2pPr>
+              <a:defRPr>
+                <a:solidFill>
+                  <a:schemeClr val="tx2"/>
+                </a:solidFill>
+              </a:defRPr>
+            </a:lvl2pPr>
+            <a:lvl3pPr>
+              <a:defRPr>
+                <a:solidFill>
+                  <a:schemeClr val="tx2"/>
+                </a:solidFill>
+              </a:defRPr>
+            </a:lvl3pPr>
+            <a:lvl4pPr>
+              <a:defRPr>
+                <a:solidFill>
+                  <a:schemeClr val="tx2"/>
+                </a:solidFill>
+              </a:defRPr>
+            </a:lvl4pPr>
+            <a:lvl5pPr>
+              <a:defRPr>
+                <a:solidFill>
+                  <a:schemeClr val="tx2"/>
+                </a:solidFill>
+              </a:defRPr>
+            </a:lvl5pPr>
+            <a:lvl6pPr>
+              <a:defRPr>
+                <a:solidFill>
+                  <a:schemeClr val="tx2"/>
+                </a:solidFill>
+              </a:defRPr>
+            </a:lvl6pPr>
+            <a:lvl7pPr>
+              <a:defRPr>
+                <a:solidFill>
+                  <a:schemeClr val="tx2"/>
+                </a:solidFill>
+              </a:defRPr>
+            </a:lvl7pPr>
+            <a:lvl8pPr>
+              <a:defRPr>
+                <a:solidFill>
+                  <a:schemeClr val="tx2"/>
+                </a:solidFill>
+              </a:defRPr>
+            </a:lvl8pPr>
+            <a:lvl9pPr>
+              <a:defRPr>
+                <a:solidFill>
+                  <a:schemeClr val="tx2"/>
+                </a:solidFill>
+              </a:defRPr>
+            </a:lvl9pPr>
+          </a:lstStyle>
+          <a:p>
+            <a:pPr lvl="0"/>
+            <a:r>
+              <a:rPr lang="en-US" sz="8000" dirty="0">
+                <a:solidFill>
+                  <a:schemeClr val="tx1"/>
+                </a:solidFill>
+                <a:effectLst/>
+              </a:rPr>
+              <a:t>“</a:t>
+            </a:r>
+          </a:p>
+        </p:txBody>
+      </p:sp>
+      <p:sp>
+        <p:nvSpPr>
+          <p:cNvPr id="15" name="TextBox 14"/>
+          <p:cNvSpPr txBox="1"/>
+          <p:nvPr/>
+        </p:nvSpPr>
+        <p:spPr>
+          <a:xfrm>
+            <a:off x="8172197" y="2819399"/>
+            <a:ext cx="457319" cy="584776"/>
+          </a:xfrm>
+          <a:prstGeom prst="rect">
+            <a:avLst/>
+          </a:prstGeom>
+        </p:spPr>
+        <p:txBody>
+          <a:bodyPr vert="horz" lIns="91440" tIns="45720" rIns="91440" bIns="45720" rtlCol="0" anchor="ctr">
+            <a:noAutofit/>
+          </a:bodyPr>
+          <a:lstStyle>
+            <a:lvl1pPr>
+              <a:spcBef>
+                <a:spcPct val="0"/>
+              </a:spcBef>
+              <a:buNone/>
+              <a:defRPr sz="3200" b="0" cap="all">
+                <a:ln w="3175" cmpd="sng">
+                  <a:noFill/>
+                </a:ln>
+                <a:effectLst>
+                  <a:glow rad="38100">
+                    <a:schemeClr val="bg1">
+                      <a:lumMod val="65000"/>
+                      <a:lumOff val="35000"/>
+                      <a:alpha val="40000"/>
+                    </a:schemeClr>
+                  </a:glow>
+                  <a:outerShdw blurRad="28575" dist="38100" dir="14040000" algn="tl" rotWithShape="0">
+                    <a:srgbClr val="000000">
+                      <a:alpha val="25000"/>
+                    </a:srgbClr>
+                  </a:outerShdw>
+                </a:effectLst>
+              </a:defRPr>
+            </a:lvl1pPr>
+            <a:lvl2pPr>
+              <a:defRPr>
+                <a:solidFill>
+                  <a:schemeClr val="tx2"/>
+                </a:solidFill>
+              </a:defRPr>
+            </a:lvl2pPr>
+            <a:lvl3pPr>
+              <a:defRPr>
+                <a:solidFill>
+                  <a:schemeClr val="tx2"/>
+                </a:solidFill>
+              </a:defRPr>
+            </a:lvl3pPr>
+            <a:lvl4pPr>
+              <a:defRPr>
+                <a:solidFill>
+                  <a:schemeClr val="tx2"/>
+                </a:solidFill>
+              </a:defRPr>
+            </a:lvl4pPr>
+            <a:lvl5pPr>
+              <a:defRPr>
+                <a:solidFill>
+                  <a:schemeClr val="tx2"/>
+                </a:solidFill>
+              </a:defRPr>
+            </a:lvl5pPr>
+            <a:lvl6pPr>
+              <a:defRPr>
+                <a:solidFill>
+                  <a:schemeClr val="tx2"/>
+                </a:solidFill>
+              </a:defRPr>
+            </a:lvl6pPr>
+            <a:lvl7pPr>
+              <a:defRPr>
+                <a:solidFill>
+                  <a:schemeClr val="tx2"/>
+                </a:solidFill>
+              </a:defRPr>
+            </a:lvl7pPr>
+            <a:lvl8pPr>
+              <a:defRPr>
+                <a:solidFill>
+                  <a:schemeClr val="tx2"/>
+                </a:solidFill>
+              </a:defRPr>
+            </a:lvl8pPr>
+            <a:lvl9pPr>
+              <a:defRPr>
+                <a:solidFill>
+                  <a:schemeClr val="tx2"/>
+                </a:solidFill>
+              </a:defRPr>
+            </a:lvl9pPr>
+          </a:lstStyle>
+          <a:p>
+            <a:pPr lvl="0" algn="r"/>
+            <a:r>
+              <a:rPr lang="en-US" sz="8000" dirty="0">
+                <a:solidFill>
+                  <a:schemeClr val="tx1"/>
+                </a:solidFill>
+                <a:effectLst/>
+              </a:rPr>
+              <a:t>”</a:t>
+            </a:r>
+          </a:p>
+        </p:txBody>
+      </p:sp>
+      <p:sp>
+        <p:nvSpPr>
+          <p:cNvPr id="2" name="Title 1"/>
+          <p:cNvSpPr>
+            <a:spLocks noGrp="1"/>
+          </p:cNvSpPr>
+          <p:nvPr>
+            <p:ph type="title"/>
+          </p:nvPr>
+        </p:nvSpPr>
+        <p:spPr>
+          <a:xfrm>
+            <a:off x="1426741" y="685801"/>
+            <a:ext cx="6974115" cy="2743199"/>
+          </a:xfrm>
+        </p:spPr>
+        <p:txBody>
+          <a:bodyPr anchor="ctr">
+            <a:normAutofit/>
+          </a:bodyPr>
+          <a:lstStyle>
+            <a:lvl1pPr algn="ctr">
+              <a:defRPr sz="3200" b="0" cap="none">
+                <a:solidFill>
+                  <a:schemeClr val="tx1"/>
+                </a:solidFill>
+              </a:defRPr>
+            </a:lvl1pPr>
+          </a:lstStyle>
+          <a:p>
+            <a:r>
+              <a:rPr lang="en-US"/>
+              <a:t>Click to edit Master title style</a:t>
+            </a:r>
+            <a:endParaRPr lang="en-US" dirty="0"/>
+          </a:p>
+        </p:txBody>
+      </p:sp>
+      <p:sp>
+        <p:nvSpPr>
+          <p:cNvPr id="10" name="Text Placeholder 9"/>
+          <p:cNvSpPr>
+            <a:spLocks noGrp="1"/>
+          </p:cNvSpPr>
+          <p:nvPr>
+            <p:ph type="body" sz="quarter" idx="13"/>
+          </p:nvPr>
+        </p:nvSpPr>
+        <p:spPr>
+          <a:xfrm>
+            <a:off x="1598235" y="3428999"/>
+            <a:ext cx="6631128" cy="381000"/>
+          </a:xfrm>
+        </p:spPr>
+        <p:txBody>
+          <a:bodyPr anchor="ctr">
+            <a:normAutofit/>
+          </a:bodyPr>
+          <a:lstStyle>
+            <a:lvl1pPr marL="0" indent="0">
+              <a:buFontTx/>
+              <a:buNone/>
+              <a:defRPr sz="1800"/>
+            </a:lvl1pPr>
+            <a:lvl2pPr marL="457200" indent="0">
+              <a:buFontTx/>
+              <a:buNone/>
+              <a:defRPr/>
+            </a:lvl2pPr>
+            <a:lvl3pPr marL="914400" indent="0">
+              <a:buFontTx/>
+              <a:buNone/>
+              <a:defRPr/>
+            </a:lvl3pPr>
+            <a:lvl4pPr marL="1371600" indent="0">
+              <a:buFontTx/>
+              <a:buNone/>
+              <a:defRPr/>
+            </a:lvl4pPr>
+            <a:lvl5pPr marL="1828800" indent="0">
+              <a:buFontTx/>
+              <a:buNone/>
+              <a:defRPr/>
+            </a:lvl5pPr>
+          </a:lstStyle>
+          <a:p>
+            <a:pPr lvl="0"/>
+            <a:r>
+              <a:rPr lang="en-US"/>
+              <a:t>Click to edit Master text styles</a:t>
+            </a:r>
+          </a:p>
+        </p:txBody>
+      </p:sp>
+      <p:sp>
+        <p:nvSpPr>
+          <p:cNvPr id="3" name="Text Placeholder 2"/>
+          <p:cNvSpPr>
+            <a:spLocks noGrp="1"/>
+          </p:cNvSpPr>
+          <p:nvPr>
+            <p:ph type="body" idx="1"/>
+          </p:nvPr>
+        </p:nvSpPr>
+        <p:spPr>
+          <a:xfrm>
+            <a:off x="1113523" y="4343400"/>
+            <a:ext cx="7515991" cy="1447800"/>
+          </a:xfrm>
+        </p:spPr>
+        <p:txBody>
+          <a:bodyPr anchor="ctr">
+            <a:normAutofit/>
+          </a:bodyPr>
+          <a:lstStyle>
+            <a:lvl1pPr marL="0" indent="0" algn="ctr">
+              <a:buNone/>
+              <a:defRPr sz="2000">
+                <a:solidFill>
+                  <a:schemeClr val="tx1"/>
+                </a:solidFill>
+              </a:defRPr>
+            </a:lvl1pPr>
+            <a:lvl2pPr marL="457200" indent="0">
+              <a:buNone/>
+              <a:defRPr sz="1800">
+                <a:solidFill>
+                  <a:schemeClr val="tx1">
+                    <a:tint val="75000"/>
+                  </a:schemeClr>
+                </a:solidFill>
+              </a:defRPr>
+            </a:lvl2pPr>
+            <a:lvl3pPr marL="914400" indent="0">
+              <a:buNone/>
+              <a:defRPr sz="1600">
+                <a:solidFill>
+                  <a:schemeClr val="tx1">
+                    <a:tint val="75000"/>
+                  </a:schemeClr>
+                </a:solidFill>
+              </a:defRPr>
+            </a:lvl3pPr>
+            <a:lvl4pPr marL="1371600" indent="0">
+              <a:buNone/>
+              <a:defRPr sz="1400">
+                <a:solidFill>
+                  <a:schemeClr val="tx1">
+                    <a:tint val="75000"/>
+                  </a:schemeClr>
+                </a:solidFill>
+              </a:defRPr>
+            </a:lvl4pPr>
+            <a:lvl5pPr marL="1828800" indent="0">
+              <a:buNone/>
+              <a:defRPr sz="1400">
+                <a:solidFill>
+                  <a:schemeClr val="tx1">
+                    <a:tint val="75000"/>
+                  </a:schemeClr>
+                </a:solidFill>
+              </a:defRPr>
+            </a:lvl5pPr>
+            <a:lvl6pPr marL="2286000" indent="0">
+              <a:buNone/>
+              <a:defRPr sz="1400">
+                <a:solidFill>
+                  <a:schemeClr val="tx1">
+                    <a:tint val="75000"/>
+                  </a:schemeClr>
+                </a:solidFill>
+              </a:defRPr>
+            </a:lvl6pPr>
+            <a:lvl7pPr marL="2743200" indent="0">
+              <a:buNone/>
+              <a:defRPr sz="1400">
+                <a:solidFill>
+                  <a:schemeClr val="tx1">
+                    <a:tint val="75000"/>
+                  </a:schemeClr>
+                </a:solidFill>
+              </a:defRPr>
+            </a:lvl7pPr>
+            <a:lvl8pPr marL="3200400" indent="0">
+              <a:buNone/>
+              <a:defRPr sz="1400">
+                <a:solidFill>
+                  <a:schemeClr val="tx1">
+                    <a:tint val="75000"/>
+                  </a:schemeClr>
+                </a:solidFill>
+              </a:defRPr>
+            </a:lvl8pPr>
+            <a:lvl9pPr marL="3657600" indent="0">
+              <a:buNone/>
+              <a:defRPr sz="1400">
+                <a:solidFill>
+                  <a:schemeClr val="tx1">
+                    <a:tint val="75000"/>
+                  </a:schemeClr>
+                </a:solidFill>
+              </a:defRPr>
+            </a:lvl9pPr>
+          </a:lstStyle>
+          <a:p>
+            <a:pPr lvl="0"/>
+            <a:r>
+              <a:rPr lang="en-US"/>
+              <a:t>Click to edit Master text styles</a:t>
+            </a:r>
+          </a:p>
+        </p:txBody>
+      </p:sp>
+      <p:sp>
+        <p:nvSpPr>
+          <p:cNvPr id="4" name="Date Placeholder 3"/>
+          <p:cNvSpPr>
+            <a:spLocks noGrp="1"/>
+          </p:cNvSpPr>
+          <p:nvPr>
+            <p:ph type="dt" sz="half" idx="10"/>
+          </p:nvPr>
+        </p:nvSpPr>
+        <p:spPr/>
+        <p:txBody>
+          <a:bodyPr/>
+          <a:lstStyle/>
+          <a:p>
+            <a:fld id="{66C03C0E-3F98-4A8B-BCFE-F0C905038B8C}" type="datetimeFigureOut">
+              <a:rPr lang="en-US" smtClean="0"/>
+              <a:t>4/18/2025</a:t>
+            </a:fld>
+            <a:endParaRPr lang="en-US"/>
+          </a:p>
+        </p:txBody>
+      </p:sp>
+      <p:sp>
+        <p:nvSpPr>
+          <p:cNvPr id="5" name="Footer Placeholder 4"/>
+          <p:cNvSpPr>
+            <a:spLocks noGrp="1"/>
+          </p:cNvSpPr>
+          <p:nvPr>
+            <p:ph type="ftr" sz="quarter" idx="11"/>
+          </p:nvPr>
+        </p:nvSpPr>
+        <p:spPr/>
+        <p:txBody>
+          <a:bodyPr/>
+          <a:lstStyle/>
+          <a:p>
+            <a:endParaRPr lang="en-US"/>
+          </a:p>
+        </p:txBody>
+      </p:sp>
+      <p:sp>
+        <p:nvSpPr>
+          <p:cNvPr id="6" name="Slide Number Placeholder 5"/>
+          <p:cNvSpPr>
+            <a:spLocks noGrp="1"/>
+          </p:cNvSpPr>
+          <p:nvPr>
+            <p:ph type="sldNum" sz="quarter" idx="12"/>
+          </p:nvPr>
+        </p:nvSpPr>
+        <p:spPr/>
+        <p:txBody>
+          <a:bodyPr/>
+          <a:lstStyle/>
+          <a:p>
+            <a:fld id="{1D68EC02-F02D-4FE7-B83E-84AAD57E1E19}" type="slidenum">
+              <a:rPr lang="en-US" smtClean="0"/>
+              <a:t>‹#›</a:t>
+            </a:fld>
+            <a:endParaRPr lang="en-US"/>
+          </a:p>
+        </p:txBody>
+      </p:sp>
+    </p:spTree>
+    <p:extLst>
+      <p:ext uri="{BB962C8B-B14F-4D97-AF65-F5344CB8AC3E}">
+        <p14:creationId xmlns:p14="http://schemas.microsoft.com/office/powerpoint/2010/main" val="1985434233"/>
+      </p:ext>
+    </p:extLst>
+  </p:cSld>
+  <p:clrMapOvr>
+    <a:masterClrMapping/>
+  </p:clrMapOvr>
+</p:sldLayout>
+</file>
+
+<file path=ppt/slideLayouts/slideLayout13.xml><?xml version="1.0" encoding="utf-8"?>
+<p:sldLayout xmlns:a="http://schemas.openxmlformats.org/drawingml/2006/main" xmlns:r="http://schemas.openxmlformats.org/officeDocument/2006/relationships" xmlns:p="http://schemas.openxmlformats.org/presentationml/2006/main" preserve="1">
+  <p:cSld name="Name Card">
+    <p:spTree>
+      <p:nvGrpSpPr>
+        <p:cNvPr id="1" name=""/>
+        <p:cNvGrpSpPr/>
+        <p:nvPr/>
+      </p:nvGrpSpPr>
+      <p:grpSpPr>
+        <a:xfrm>
+          <a:off x="0" y="0"/>
+          <a:ext cx="0" cy="0"/>
+          <a:chOff x="0" y="0"/>
+          <a:chExt cx="0" cy="0"/>
+        </a:xfrm>
+      </p:grpSpPr>
+      <p:sp>
+        <p:nvSpPr>
+          <p:cNvPr id="2" name="Title 1"/>
+          <p:cNvSpPr>
+            <a:spLocks noGrp="1"/>
+          </p:cNvSpPr>
+          <p:nvPr>
+            <p:ph type="title"/>
+          </p:nvPr>
+        </p:nvSpPr>
+        <p:spPr>
+          <a:xfrm>
+            <a:off x="1113525" y="3308581"/>
+            <a:ext cx="7515989" cy="1468800"/>
+          </a:xfrm>
+        </p:spPr>
+        <p:txBody>
+          <a:bodyPr anchor="b">
+            <a:normAutofit/>
+          </a:bodyPr>
+          <a:lstStyle>
+            <a:lvl1pPr algn="r">
+              <a:defRPr sz="3200" b="0" cap="none"/>
+            </a:lvl1pPr>
+          </a:lstStyle>
+          <a:p>
+            <a:r>
+              <a:rPr lang="en-US"/>
+              <a:t>Click to edit Master title style</a:t>
+            </a:r>
+            <a:endParaRPr lang="en-US" dirty="0"/>
+          </a:p>
+        </p:txBody>
+      </p:sp>
+      <p:sp>
+        <p:nvSpPr>
+          <p:cNvPr id="3" name="Text Placeholder 2"/>
+          <p:cNvSpPr>
+            <a:spLocks noGrp="1"/>
+          </p:cNvSpPr>
+          <p:nvPr>
+            <p:ph type="body" idx="1"/>
+          </p:nvPr>
+        </p:nvSpPr>
+        <p:spPr>
+          <a:xfrm>
+            <a:off x="1113524" y="4777381"/>
+            <a:ext cx="7515990" cy="860400"/>
+          </a:xfrm>
+        </p:spPr>
+        <p:txBody>
+          <a:bodyPr anchor="t">
+            <a:normAutofit/>
+          </a:bodyPr>
+          <a:lstStyle>
+            <a:lvl1pPr marL="0" indent="0" algn="r">
+              <a:buNone/>
+              <a:defRPr sz="2000">
+                <a:solidFill>
+                  <a:schemeClr val="tx1"/>
+                </a:solidFill>
+              </a:defRPr>
+            </a:lvl1pPr>
+            <a:lvl2pPr marL="457200" indent="0">
+              <a:buNone/>
+              <a:defRPr sz="1800">
+                <a:solidFill>
+                  <a:schemeClr val="tx1">
+                    <a:tint val="75000"/>
+                  </a:schemeClr>
+                </a:solidFill>
+              </a:defRPr>
+            </a:lvl2pPr>
+            <a:lvl3pPr marL="914400" indent="0">
+              <a:buNone/>
+              <a:defRPr sz="1600">
+                <a:solidFill>
+                  <a:schemeClr val="tx1">
+                    <a:tint val="75000"/>
+                  </a:schemeClr>
+                </a:solidFill>
+              </a:defRPr>
+            </a:lvl3pPr>
+            <a:lvl4pPr marL="1371600" indent="0">
+              <a:buNone/>
+              <a:defRPr sz="1400">
+                <a:solidFill>
+                  <a:schemeClr val="tx1">
+                    <a:tint val="75000"/>
+                  </a:schemeClr>
+                </a:solidFill>
+              </a:defRPr>
+            </a:lvl4pPr>
+            <a:lvl5pPr marL="1828800" indent="0">
+              <a:buNone/>
+              <a:defRPr sz="1400">
+                <a:solidFill>
+                  <a:schemeClr val="tx1">
+                    <a:tint val="75000"/>
+                  </a:schemeClr>
+                </a:solidFill>
+              </a:defRPr>
+            </a:lvl5pPr>
+            <a:lvl6pPr marL="2286000" indent="0">
+              <a:buNone/>
+              <a:defRPr sz="1400">
+                <a:solidFill>
+                  <a:schemeClr val="tx1">
+                    <a:tint val="75000"/>
+                  </a:schemeClr>
+                </a:solidFill>
+              </a:defRPr>
+            </a:lvl6pPr>
+            <a:lvl7pPr marL="2743200" indent="0">
+              <a:buNone/>
+              <a:defRPr sz="1400">
+                <a:solidFill>
+                  <a:schemeClr val="tx1">
+                    <a:tint val="75000"/>
+                  </a:schemeClr>
+                </a:solidFill>
+              </a:defRPr>
+            </a:lvl7pPr>
+            <a:lvl8pPr marL="3200400" indent="0">
+              <a:buNone/>
+              <a:defRPr sz="1400">
+                <a:solidFill>
+                  <a:schemeClr val="tx1">
+                    <a:tint val="75000"/>
+                  </a:schemeClr>
+                </a:solidFill>
+              </a:defRPr>
+            </a:lvl8pPr>
+            <a:lvl9pPr marL="3657600" indent="0">
+              <a:buNone/>
+              <a:defRPr sz="1400">
+                <a:solidFill>
+                  <a:schemeClr val="tx1">
+                    <a:tint val="75000"/>
+                  </a:schemeClr>
+                </a:solidFill>
+              </a:defRPr>
+            </a:lvl9pPr>
+          </a:lstStyle>
+          <a:p>
+            <a:pPr lvl="0"/>
+            <a:r>
+              <a:rPr lang="en-US"/>
+              <a:t>Click to edit Master text styles</a:t>
+            </a:r>
+          </a:p>
+        </p:txBody>
+      </p:sp>
+      <p:sp>
+        <p:nvSpPr>
+          <p:cNvPr id="4" name="Date Placeholder 3"/>
+          <p:cNvSpPr>
+            <a:spLocks noGrp="1"/>
+          </p:cNvSpPr>
+          <p:nvPr>
+            <p:ph type="dt" sz="half" idx="10"/>
+          </p:nvPr>
+        </p:nvSpPr>
+        <p:spPr/>
+        <p:txBody>
+          <a:bodyPr/>
+          <a:lstStyle/>
+          <a:p>
+            <a:fld id="{66C03C0E-3F98-4A8B-BCFE-F0C905038B8C}" type="datetimeFigureOut">
+              <a:rPr lang="en-US" smtClean="0"/>
+              <a:t>4/18/2025</a:t>
+            </a:fld>
+            <a:endParaRPr lang="en-US"/>
+          </a:p>
+        </p:txBody>
+      </p:sp>
+      <p:sp>
+        <p:nvSpPr>
+          <p:cNvPr id="5" name="Footer Placeholder 4"/>
+          <p:cNvSpPr>
+            <a:spLocks noGrp="1"/>
+          </p:cNvSpPr>
+          <p:nvPr>
+            <p:ph type="ftr" sz="quarter" idx="11"/>
+          </p:nvPr>
+        </p:nvSpPr>
+        <p:spPr/>
+        <p:txBody>
+          <a:bodyPr/>
+          <a:lstStyle/>
+          <a:p>
+            <a:endParaRPr lang="en-US"/>
+          </a:p>
+        </p:txBody>
+      </p:sp>
+      <p:sp>
+        <p:nvSpPr>
+          <p:cNvPr id="6" name="Slide Number Placeholder 5"/>
+          <p:cNvSpPr>
+            <a:spLocks noGrp="1"/>
+          </p:cNvSpPr>
+          <p:nvPr>
+            <p:ph type="sldNum" sz="quarter" idx="12"/>
+          </p:nvPr>
+        </p:nvSpPr>
+        <p:spPr/>
+        <p:txBody>
+          <a:bodyPr/>
+          <a:lstStyle/>
+          <a:p>
+            <a:fld id="{1D68EC02-F02D-4FE7-B83E-84AAD57E1E19}" type="slidenum">
+              <a:rPr lang="en-US" smtClean="0"/>
+              <a:t>‹#›</a:t>
+            </a:fld>
+            <a:endParaRPr lang="en-US"/>
+          </a:p>
+        </p:txBody>
+      </p:sp>
+    </p:spTree>
+    <p:extLst>
+      <p:ext uri="{BB962C8B-B14F-4D97-AF65-F5344CB8AC3E}">
+        <p14:creationId xmlns:p14="http://schemas.microsoft.com/office/powerpoint/2010/main" val="2582603763"/>
+      </p:ext>
+    </p:extLst>
+  </p:cSld>
+  <p:clrMapOvr>
+    <a:masterClrMapping/>
+  </p:clrMapOvr>
+</p:sldLayout>
+</file>
+
+<file path=ppt/slideLayouts/slideLayout14.xml><?xml version="1.0" encoding="utf-8"?>
+<p:sldLayout xmlns:a="http://schemas.openxmlformats.org/drawingml/2006/main" xmlns:r="http://schemas.openxmlformats.org/officeDocument/2006/relationships" xmlns:p="http://schemas.openxmlformats.org/presentationml/2006/main" preserve="1">
+  <p:cSld name="Quote Name Card">
+    <p:spTree>
+      <p:nvGrpSpPr>
+        <p:cNvPr id="1" name=""/>
+        <p:cNvGrpSpPr/>
+        <p:nvPr/>
+      </p:nvGrpSpPr>
+      <p:grpSpPr>
+        <a:xfrm>
+          <a:off x="0" y="0"/>
+          <a:ext cx="0" cy="0"/>
+          <a:chOff x="0" y="0"/>
+          <a:chExt cx="0" cy="0"/>
+        </a:xfrm>
+      </p:grpSpPr>
+      <p:sp>
+        <p:nvSpPr>
+          <p:cNvPr id="14" name="TextBox 13"/>
+          <p:cNvSpPr txBox="1"/>
+          <p:nvPr/>
+        </p:nvSpPr>
+        <p:spPr>
+          <a:xfrm>
+            <a:off x="969421" y="863023"/>
+            <a:ext cx="457319" cy="584776"/>
+          </a:xfrm>
+          <a:prstGeom prst="rect">
+            <a:avLst/>
+          </a:prstGeom>
+        </p:spPr>
+        <p:txBody>
+          <a:bodyPr vert="horz" lIns="91440" tIns="45720" rIns="91440" bIns="45720" rtlCol="0" anchor="ctr">
+            <a:noAutofit/>
+          </a:bodyPr>
+          <a:lstStyle>
+            <a:lvl1pPr>
+              <a:spcBef>
+                <a:spcPct val="0"/>
+              </a:spcBef>
+              <a:buNone/>
+              <a:defRPr sz="3200" b="0" cap="all">
+                <a:ln w="3175" cmpd="sng">
+                  <a:noFill/>
+                </a:ln>
+                <a:effectLst>
+                  <a:glow rad="38100">
+                    <a:schemeClr val="bg1">
+                      <a:lumMod val="65000"/>
+                      <a:lumOff val="35000"/>
+                      <a:alpha val="40000"/>
+                    </a:schemeClr>
+                  </a:glow>
+                  <a:outerShdw blurRad="28575" dist="38100" dir="14040000" algn="tl" rotWithShape="0">
+                    <a:srgbClr val="000000">
+                      <a:alpha val="25000"/>
+                    </a:srgbClr>
+                  </a:outerShdw>
+                </a:effectLst>
+              </a:defRPr>
+            </a:lvl1pPr>
+            <a:lvl2pPr>
+              <a:defRPr>
+                <a:solidFill>
+                  <a:schemeClr val="tx2"/>
+                </a:solidFill>
+              </a:defRPr>
+            </a:lvl2pPr>
+            <a:lvl3pPr>
+              <a:defRPr>
+                <a:solidFill>
+                  <a:schemeClr val="tx2"/>
+                </a:solidFill>
+              </a:defRPr>
+            </a:lvl3pPr>
+            <a:lvl4pPr>
+              <a:defRPr>
+                <a:solidFill>
+                  <a:schemeClr val="tx2"/>
+                </a:solidFill>
+              </a:defRPr>
+            </a:lvl4pPr>
+            <a:lvl5pPr>
+              <a:defRPr>
+                <a:solidFill>
+                  <a:schemeClr val="tx2"/>
+                </a:solidFill>
+              </a:defRPr>
+            </a:lvl5pPr>
+            <a:lvl6pPr>
+              <a:defRPr>
+                <a:solidFill>
+                  <a:schemeClr val="tx2"/>
+                </a:solidFill>
+              </a:defRPr>
+            </a:lvl6pPr>
+            <a:lvl7pPr>
+              <a:defRPr>
+                <a:solidFill>
+                  <a:schemeClr val="tx2"/>
+                </a:solidFill>
+              </a:defRPr>
+            </a:lvl7pPr>
+            <a:lvl8pPr>
+              <a:defRPr>
+                <a:solidFill>
+                  <a:schemeClr val="tx2"/>
+                </a:solidFill>
+              </a:defRPr>
+            </a:lvl8pPr>
+            <a:lvl9pPr>
+              <a:defRPr>
+                <a:solidFill>
+                  <a:schemeClr val="tx2"/>
+                </a:solidFill>
+              </a:defRPr>
+            </a:lvl9pPr>
+          </a:lstStyle>
+          <a:p>
+            <a:pPr lvl="0"/>
+            <a:r>
+              <a:rPr lang="en-US" sz="8000" dirty="0">
+                <a:solidFill>
+                  <a:schemeClr val="tx1"/>
+                </a:solidFill>
+                <a:effectLst/>
+              </a:rPr>
+              <a:t>“</a:t>
+            </a:r>
+          </a:p>
+        </p:txBody>
+      </p:sp>
+      <p:sp>
+        <p:nvSpPr>
+          <p:cNvPr id="15" name="TextBox 14"/>
+          <p:cNvSpPr txBox="1"/>
+          <p:nvPr/>
+        </p:nvSpPr>
+        <p:spPr>
+          <a:xfrm>
+            <a:off x="8172197" y="2819399"/>
+            <a:ext cx="457319" cy="584776"/>
+          </a:xfrm>
+          <a:prstGeom prst="rect">
+            <a:avLst/>
+          </a:prstGeom>
+        </p:spPr>
+        <p:txBody>
+          <a:bodyPr vert="horz" lIns="91440" tIns="45720" rIns="91440" bIns="45720" rtlCol="0" anchor="ctr">
+            <a:noAutofit/>
+          </a:bodyPr>
+          <a:lstStyle>
+            <a:lvl1pPr>
+              <a:spcBef>
+                <a:spcPct val="0"/>
+              </a:spcBef>
+              <a:buNone/>
+              <a:defRPr sz="3200" b="0" cap="all">
+                <a:ln w="3175" cmpd="sng">
+                  <a:noFill/>
+                </a:ln>
+                <a:effectLst>
+                  <a:glow rad="38100">
+                    <a:schemeClr val="bg1">
+                      <a:lumMod val="65000"/>
+                      <a:lumOff val="35000"/>
+                      <a:alpha val="40000"/>
+                    </a:schemeClr>
+                  </a:glow>
+                  <a:outerShdw blurRad="28575" dist="38100" dir="14040000" algn="tl" rotWithShape="0">
+                    <a:srgbClr val="000000">
+                      <a:alpha val="25000"/>
+                    </a:srgbClr>
+                  </a:outerShdw>
+                </a:effectLst>
+              </a:defRPr>
+            </a:lvl1pPr>
+            <a:lvl2pPr>
+              <a:defRPr>
+                <a:solidFill>
+                  <a:schemeClr val="tx2"/>
+                </a:solidFill>
+              </a:defRPr>
+            </a:lvl2pPr>
+            <a:lvl3pPr>
+              <a:defRPr>
+                <a:solidFill>
+                  <a:schemeClr val="tx2"/>
+                </a:solidFill>
+              </a:defRPr>
+            </a:lvl3pPr>
+            <a:lvl4pPr>
+              <a:defRPr>
+                <a:solidFill>
+                  <a:schemeClr val="tx2"/>
+                </a:solidFill>
+              </a:defRPr>
+            </a:lvl4pPr>
+            <a:lvl5pPr>
+              <a:defRPr>
+                <a:solidFill>
+                  <a:schemeClr val="tx2"/>
+                </a:solidFill>
+              </a:defRPr>
+            </a:lvl5pPr>
+            <a:lvl6pPr>
+              <a:defRPr>
+                <a:solidFill>
+                  <a:schemeClr val="tx2"/>
+                </a:solidFill>
+              </a:defRPr>
+            </a:lvl6pPr>
+            <a:lvl7pPr>
+              <a:defRPr>
+                <a:solidFill>
+                  <a:schemeClr val="tx2"/>
+                </a:solidFill>
+              </a:defRPr>
+            </a:lvl7pPr>
+            <a:lvl8pPr>
+              <a:defRPr>
+                <a:solidFill>
+                  <a:schemeClr val="tx2"/>
+                </a:solidFill>
+              </a:defRPr>
+            </a:lvl8pPr>
+            <a:lvl9pPr>
+              <a:defRPr>
+                <a:solidFill>
+                  <a:schemeClr val="tx2"/>
+                </a:solidFill>
+              </a:defRPr>
+            </a:lvl9pPr>
+          </a:lstStyle>
+          <a:p>
+            <a:pPr lvl="0" algn="r"/>
+            <a:r>
+              <a:rPr lang="en-US" sz="8000" dirty="0">
+                <a:solidFill>
+                  <a:schemeClr val="tx1"/>
+                </a:solidFill>
+                <a:effectLst/>
+              </a:rPr>
+              <a:t>”</a:t>
+            </a:r>
+          </a:p>
+        </p:txBody>
+      </p:sp>
+      <p:sp>
+        <p:nvSpPr>
+          <p:cNvPr id="2" name="Title 1"/>
+          <p:cNvSpPr>
+            <a:spLocks noGrp="1"/>
+          </p:cNvSpPr>
+          <p:nvPr>
+            <p:ph type="title"/>
+          </p:nvPr>
+        </p:nvSpPr>
+        <p:spPr>
+          <a:xfrm>
+            <a:off x="1426741" y="685801"/>
+            <a:ext cx="6974115" cy="2743199"/>
+          </a:xfrm>
+        </p:spPr>
+        <p:txBody>
+          <a:bodyPr anchor="ctr">
+            <a:normAutofit/>
+          </a:bodyPr>
+          <a:lstStyle>
+            <a:lvl1pPr algn="ctr">
+              <a:defRPr sz="3200" b="0" cap="none">
+                <a:solidFill>
+                  <a:schemeClr val="tx1"/>
+                </a:solidFill>
+              </a:defRPr>
+            </a:lvl1pPr>
+          </a:lstStyle>
+          <a:p>
+            <a:r>
+              <a:rPr lang="en-US"/>
+              <a:t>Click to edit Master title style</a:t>
+            </a:r>
+            <a:endParaRPr lang="en-US" dirty="0"/>
+          </a:p>
+        </p:txBody>
+      </p:sp>
+      <p:sp>
+        <p:nvSpPr>
+          <p:cNvPr id="10" name="Text Placeholder 9"/>
+          <p:cNvSpPr>
+            <a:spLocks noGrp="1"/>
+          </p:cNvSpPr>
+          <p:nvPr>
+            <p:ph type="body" sz="quarter" idx="13"/>
+          </p:nvPr>
+        </p:nvSpPr>
+        <p:spPr>
+          <a:xfrm>
+            <a:off x="1113525" y="3886200"/>
+            <a:ext cx="7515990" cy="889000"/>
+          </a:xfrm>
+        </p:spPr>
+        <p:txBody>
+          <a:bodyPr vert="horz" lIns="91440" tIns="45720" rIns="91440" bIns="45720" rtlCol="0" anchor="b">
+            <a:normAutofit/>
+          </a:bodyPr>
+          <a:lstStyle>
+            <a:lvl1pPr algn="r">
+              <a:buNone/>
+              <a:defRPr lang="en-US" sz="2400" b="0" cap="none" dirty="0">
+                <a:ln w="3175" cmpd="sng">
+                  <a:noFill/>
+                </a:ln>
+                <a:solidFill>
+                  <a:schemeClr val="tx1"/>
+                </a:solidFill>
+                <a:effectLst/>
+              </a:defRPr>
+            </a:lvl1pPr>
+          </a:lstStyle>
+          <a:p>
+            <a:pPr marL="0" lvl="0">
+              <a:spcBef>
+                <a:spcPct val="0"/>
+              </a:spcBef>
+              <a:buNone/>
+            </a:pPr>
+            <a:r>
+              <a:rPr lang="en-US"/>
+              <a:t>Click to edit Master text styles</a:t>
+            </a:r>
+          </a:p>
+        </p:txBody>
+      </p:sp>
+      <p:sp>
+        <p:nvSpPr>
+          <p:cNvPr id="3" name="Text Placeholder 2"/>
+          <p:cNvSpPr>
+            <a:spLocks noGrp="1"/>
+          </p:cNvSpPr>
+          <p:nvPr>
+            <p:ph type="body" idx="1"/>
+          </p:nvPr>
+        </p:nvSpPr>
+        <p:spPr>
+          <a:xfrm>
+            <a:off x="1113524" y="4775200"/>
+            <a:ext cx="7515990" cy="1016000"/>
+          </a:xfrm>
+        </p:spPr>
+        <p:txBody>
+          <a:bodyPr anchor="t">
+            <a:normAutofit/>
+          </a:bodyPr>
+          <a:lstStyle>
+            <a:lvl1pPr marL="0" indent="0" algn="r">
+              <a:buNone/>
+              <a:defRPr sz="1800">
+                <a:solidFill>
+                  <a:schemeClr val="tx1"/>
+                </a:solidFill>
+              </a:defRPr>
+            </a:lvl1pPr>
+            <a:lvl2pPr marL="457200" indent="0">
+              <a:buNone/>
+              <a:defRPr sz="1800">
+                <a:solidFill>
+                  <a:schemeClr val="tx1">
+                    <a:tint val="75000"/>
+                  </a:schemeClr>
+                </a:solidFill>
+              </a:defRPr>
+            </a:lvl2pPr>
+            <a:lvl3pPr marL="914400" indent="0">
+              <a:buNone/>
+              <a:defRPr sz="1600">
+                <a:solidFill>
+                  <a:schemeClr val="tx1">
+                    <a:tint val="75000"/>
+                  </a:schemeClr>
+                </a:solidFill>
+              </a:defRPr>
+            </a:lvl3pPr>
+            <a:lvl4pPr marL="1371600" indent="0">
+              <a:buNone/>
+              <a:defRPr sz="1400">
+                <a:solidFill>
+                  <a:schemeClr val="tx1">
+                    <a:tint val="75000"/>
+                  </a:schemeClr>
+                </a:solidFill>
+              </a:defRPr>
+            </a:lvl4pPr>
+            <a:lvl5pPr marL="1828800" indent="0">
+              <a:buNone/>
+              <a:defRPr sz="1400">
+                <a:solidFill>
+                  <a:schemeClr val="tx1">
+                    <a:tint val="75000"/>
+                  </a:schemeClr>
+                </a:solidFill>
+              </a:defRPr>
+            </a:lvl5pPr>
+            <a:lvl6pPr marL="2286000" indent="0">
+              <a:buNone/>
+              <a:defRPr sz="1400">
+                <a:solidFill>
+                  <a:schemeClr val="tx1">
+                    <a:tint val="75000"/>
+                  </a:schemeClr>
+                </a:solidFill>
+              </a:defRPr>
+            </a:lvl6pPr>
+            <a:lvl7pPr marL="2743200" indent="0">
+              <a:buNone/>
+              <a:defRPr sz="1400">
+                <a:solidFill>
+                  <a:schemeClr val="tx1">
+                    <a:tint val="75000"/>
+                  </a:schemeClr>
+                </a:solidFill>
+              </a:defRPr>
+            </a:lvl7pPr>
+            <a:lvl8pPr marL="3200400" indent="0">
+              <a:buNone/>
+              <a:defRPr sz="1400">
+                <a:solidFill>
+                  <a:schemeClr val="tx1">
+                    <a:tint val="75000"/>
+                  </a:schemeClr>
+                </a:solidFill>
+              </a:defRPr>
+            </a:lvl8pPr>
+            <a:lvl9pPr marL="3657600" indent="0">
+              <a:buNone/>
+              <a:defRPr sz="1400">
+                <a:solidFill>
+                  <a:schemeClr val="tx1">
+                    <a:tint val="75000"/>
+                  </a:schemeClr>
+                </a:solidFill>
+              </a:defRPr>
+            </a:lvl9pPr>
+          </a:lstStyle>
+          <a:p>
+            <a:pPr lvl="0"/>
+            <a:r>
+              <a:rPr lang="en-US"/>
+              <a:t>Click to edit Master text styles</a:t>
+            </a:r>
+          </a:p>
+        </p:txBody>
+      </p:sp>
+      <p:sp>
+        <p:nvSpPr>
+          <p:cNvPr id="4" name="Date Placeholder 3"/>
+          <p:cNvSpPr>
+            <a:spLocks noGrp="1"/>
+          </p:cNvSpPr>
+          <p:nvPr>
+            <p:ph type="dt" sz="half" idx="10"/>
+          </p:nvPr>
+        </p:nvSpPr>
+        <p:spPr/>
+        <p:txBody>
+          <a:bodyPr/>
+          <a:lstStyle/>
+          <a:p>
+            <a:fld id="{66C03C0E-3F98-4A8B-BCFE-F0C905038B8C}" type="datetimeFigureOut">
+              <a:rPr lang="en-US" smtClean="0"/>
+              <a:t>4/18/2025</a:t>
+            </a:fld>
+            <a:endParaRPr lang="en-US"/>
+          </a:p>
+        </p:txBody>
+      </p:sp>
+      <p:sp>
+        <p:nvSpPr>
+          <p:cNvPr id="5" name="Footer Placeholder 4"/>
+          <p:cNvSpPr>
+            <a:spLocks noGrp="1"/>
+          </p:cNvSpPr>
+          <p:nvPr>
+            <p:ph type="ftr" sz="quarter" idx="11"/>
+          </p:nvPr>
+        </p:nvSpPr>
+        <p:spPr/>
+        <p:txBody>
+          <a:bodyPr/>
+          <a:lstStyle/>
+          <a:p>
+            <a:endParaRPr lang="en-US"/>
+          </a:p>
+        </p:txBody>
+      </p:sp>
+      <p:sp>
+        <p:nvSpPr>
+          <p:cNvPr id="6" name="Slide Number Placeholder 5"/>
+          <p:cNvSpPr>
+            <a:spLocks noGrp="1"/>
+          </p:cNvSpPr>
+          <p:nvPr>
+            <p:ph type="sldNum" sz="quarter" idx="12"/>
+          </p:nvPr>
+        </p:nvSpPr>
+        <p:spPr/>
+        <p:txBody>
+          <a:bodyPr/>
+          <a:lstStyle/>
+          <a:p>
+            <a:fld id="{1D68EC02-F02D-4FE7-B83E-84AAD57E1E19}" type="slidenum">
+              <a:rPr lang="en-US" smtClean="0"/>
+              <a:t>‹#›</a:t>
+            </a:fld>
+            <a:endParaRPr lang="en-US"/>
+          </a:p>
+        </p:txBody>
+      </p:sp>
+    </p:spTree>
+    <p:extLst>
+      <p:ext uri="{BB962C8B-B14F-4D97-AF65-F5344CB8AC3E}">
+        <p14:creationId xmlns:p14="http://schemas.microsoft.com/office/powerpoint/2010/main" val="1554201614"/>
+      </p:ext>
+    </p:extLst>
+  </p:cSld>
+  <p:clrMapOvr>
+    <a:masterClrMapping/>
+  </p:clrMapOvr>
+</p:sldLayout>
+</file>
+
+<file path=ppt/slideLayouts/slideLayout15.xml><?xml version="1.0" encoding="utf-8"?>
+<p:sldLayout xmlns:a="http://schemas.openxmlformats.org/drawingml/2006/main" xmlns:r="http://schemas.openxmlformats.org/officeDocument/2006/relationships" xmlns:p="http://schemas.openxmlformats.org/presentationml/2006/main" preserve="1">
+  <p:cSld name="True or False">
+    <p:spTree>
+      <p:nvGrpSpPr>
+        <p:cNvPr id="1" name=""/>
+        <p:cNvGrpSpPr/>
+        <p:nvPr/>
+      </p:nvGrpSpPr>
+      <p:grpSpPr>
+        <a:xfrm>
+          <a:off x="0" y="0"/>
+          <a:ext cx="0" cy="0"/>
+          <a:chOff x="0" y="0"/>
+          <a:chExt cx="0" cy="0"/>
+        </a:xfrm>
+      </p:grpSpPr>
+      <p:sp>
+        <p:nvSpPr>
+          <p:cNvPr id="2" name="Title 1"/>
+          <p:cNvSpPr>
+            <a:spLocks noGrp="1"/>
+          </p:cNvSpPr>
+          <p:nvPr>
+            <p:ph type="title"/>
+          </p:nvPr>
+        </p:nvSpPr>
+        <p:spPr>
+          <a:xfrm>
+            <a:off x="1113525" y="685801"/>
+            <a:ext cx="7515991" cy="2727325"/>
+          </a:xfrm>
+        </p:spPr>
+        <p:txBody>
+          <a:bodyPr vert="horz" lIns="91440" tIns="45720" rIns="91440" bIns="45720" rtlCol="0" anchor="ctr">
+            <a:normAutofit/>
+          </a:bodyPr>
+          <a:lstStyle>
+            <a:lvl1pPr>
+              <a:defRPr lang="en-US" b="0" dirty="0"/>
+            </a:lvl1pPr>
+          </a:lstStyle>
+          <a:p>
+            <a:pPr marL="0" lvl="0"/>
+            <a:r>
+              <a:rPr lang="en-US"/>
+              <a:t>Click to edit Master title style</a:t>
+            </a:r>
+            <a:endParaRPr lang="en-US" dirty="0"/>
+          </a:p>
+        </p:txBody>
+      </p:sp>
+      <p:sp>
+        <p:nvSpPr>
+          <p:cNvPr id="10" name="Text Placeholder 9"/>
+          <p:cNvSpPr>
+            <a:spLocks noGrp="1"/>
+          </p:cNvSpPr>
+          <p:nvPr>
+            <p:ph type="body" sz="quarter" idx="13"/>
+          </p:nvPr>
+        </p:nvSpPr>
+        <p:spPr>
+          <a:xfrm>
+            <a:off x="1113524" y="3505200"/>
+            <a:ext cx="7515992" cy="838200"/>
+          </a:xfrm>
+        </p:spPr>
+        <p:txBody>
+          <a:bodyPr vert="horz" lIns="91440" tIns="45720" rIns="91440" bIns="45720" rtlCol="0" anchor="b">
+            <a:normAutofit/>
+          </a:bodyPr>
+          <a:lstStyle>
+            <a:lvl1pPr>
+              <a:buNone/>
+              <a:defRPr lang="en-US" sz="2800" b="0" cap="none" dirty="0">
+                <a:ln w="3175" cmpd="sng">
+                  <a:noFill/>
+                </a:ln>
+                <a:solidFill>
+                  <a:schemeClr val="tx1"/>
+                </a:solidFill>
+                <a:effectLst/>
+              </a:defRPr>
+            </a:lvl1pPr>
+          </a:lstStyle>
+          <a:p>
+            <a:pPr marL="0" lvl="0">
+              <a:spcBef>
+                <a:spcPct val="0"/>
+              </a:spcBef>
+              <a:buNone/>
+            </a:pPr>
+            <a:r>
+              <a:rPr lang="en-US"/>
+              <a:t>Click to edit Master text styles</a:t>
+            </a:r>
+          </a:p>
+        </p:txBody>
+      </p:sp>
+      <p:sp>
+        <p:nvSpPr>
+          <p:cNvPr id="3" name="Text Placeholder 2"/>
+          <p:cNvSpPr>
+            <a:spLocks noGrp="1"/>
+          </p:cNvSpPr>
+          <p:nvPr>
+            <p:ph type="body" idx="1"/>
+          </p:nvPr>
+        </p:nvSpPr>
+        <p:spPr>
+          <a:xfrm>
+            <a:off x="1113524" y="4343400"/>
+            <a:ext cx="7515992" cy="1447800"/>
+          </a:xfrm>
+        </p:spPr>
+        <p:txBody>
+          <a:bodyPr anchor="t">
+            <a:normAutofit/>
+          </a:bodyPr>
+          <a:lstStyle>
+            <a:lvl1pPr marL="0" indent="0" algn="l">
+              <a:buNone/>
+              <a:defRPr sz="1800">
+                <a:solidFill>
+                  <a:schemeClr val="tx1"/>
+                </a:solidFill>
+              </a:defRPr>
+            </a:lvl1pPr>
+            <a:lvl2pPr marL="457200" indent="0">
+              <a:buNone/>
+              <a:defRPr sz="1800">
+                <a:solidFill>
+                  <a:schemeClr val="tx1">
+                    <a:tint val="75000"/>
+                  </a:schemeClr>
+                </a:solidFill>
+              </a:defRPr>
+            </a:lvl2pPr>
+            <a:lvl3pPr marL="914400" indent="0">
+              <a:buNone/>
+              <a:defRPr sz="1600">
+                <a:solidFill>
+                  <a:schemeClr val="tx1">
+                    <a:tint val="75000"/>
+                  </a:schemeClr>
+                </a:solidFill>
+              </a:defRPr>
+            </a:lvl3pPr>
+            <a:lvl4pPr marL="1371600" indent="0">
+              <a:buNone/>
+              <a:defRPr sz="1400">
+                <a:solidFill>
+                  <a:schemeClr val="tx1">
+                    <a:tint val="75000"/>
+                  </a:schemeClr>
+                </a:solidFill>
+              </a:defRPr>
+            </a:lvl4pPr>
+            <a:lvl5pPr marL="1828800" indent="0">
+              <a:buNone/>
+              <a:defRPr sz="1400">
+                <a:solidFill>
+                  <a:schemeClr val="tx1">
+                    <a:tint val="75000"/>
+                  </a:schemeClr>
+                </a:solidFill>
+              </a:defRPr>
+            </a:lvl5pPr>
+            <a:lvl6pPr marL="2286000" indent="0">
+              <a:buNone/>
+              <a:defRPr sz="1400">
+                <a:solidFill>
+                  <a:schemeClr val="tx1">
+                    <a:tint val="75000"/>
+                  </a:schemeClr>
+                </a:solidFill>
+              </a:defRPr>
+            </a:lvl6pPr>
+            <a:lvl7pPr marL="2743200" indent="0">
+              <a:buNone/>
+              <a:defRPr sz="1400">
+                <a:solidFill>
+                  <a:schemeClr val="tx1">
+                    <a:tint val="75000"/>
+                  </a:schemeClr>
+                </a:solidFill>
+              </a:defRPr>
+            </a:lvl7pPr>
+            <a:lvl8pPr marL="3200400" indent="0">
+              <a:buNone/>
+              <a:defRPr sz="1400">
+                <a:solidFill>
+                  <a:schemeClr val="tx1">
+                    <a:tint val="75000"/>
+                  </a:schemeClr>
+                </a:solidFill>
+              </a:defRPr>
+            </a:lvl8pPr>
+            <a:lvl9pPr marL="3657600" indent="0">
+              <a:buNone/>
+              <a:defRPr sz="1400">
+                <a:solidFill>
+                  <a:schemeClr val="tx1">
+                    <a:tint val="75000"/>
+                  </a:schemeClr>
+                </a:solidFill>
+              </a:defRPr>
+            </a:lvl9pPr>
+          </a:lstStyle>
+          <a:p>
+            <a:pPr lvl="0"/>
+            <a:r>
+              <a:rPr lang="en-US"/>
+              <a:t>Click to edit Master text styles</a:t>
+            </a:r>
+          </a:p>
+        </p:txBody>
+      </p:sp>
+      <p:sp>
+        <p:nvSpPr>
+          <p:cNvPr id="4" name="Date Placeholder 3"/>
+          <p:cNvSpPr>
+            <a:spLocks noGrp="1"/>
+          </p:cNvSpPr>
+          <p:nvPr>
+            <p:ph type="dt" sz="half" idx="10"/>
+          </p:nvPr>
+        </p:nvSpPr>
+        <p:spPr/>
+        <p:txBody>
+          <a:bodyPr/>
+          <a:lstStyle/>
+          <a:p>
+            <a:fld id="{66C03C0E-3F98-4A8B-BCFE-F0C905038B8C}" type="datetimeFigureOut">
+              <a:rPr lang="en-US" smtClean="0"/>
+              <a:t>4/18/2025</a:t>
+            </a:fld>
+            <a:endParaRPr lang="en-US"/>
+          </a:p>
+        </p:txBody>
+      </p:sp>
+      <p:sp>
+        <p:nvSpPr>
+          <p:cNvPr id="5" name="Footer Placeholder 4"/>
+          <p:cNvSpPr>
+            <a:spLocks noGrp="1"/>
+          </p:cNvSpPr>
+          <p:nvPr>
+            <p:ph type="ftr" sz="quarter" idx="11"/>
+          </p:nvPr>
+        </p:nvSpPr>
+        <p:spPr/>
+        <p:txBody>
+          <a:bodyPr/>
+          <a:lstStyle/>
+          <a:p>
+            <a:endParaRPr lang="en-US"/>
+          </a:p>
+        </p:txBody>
+      </p:sp>
+      <p:sp>
+        <p:nvSpPr>
+          <p:cNvPr id="6" name="Slide Number Placeholder 5"/>
+          <p:cNvSpPr>
+            <a:spLocks noGrp="1"/>
+          </p:cNvSpPr>
+          <p:nvPr>
+            <p:ph type="sldNum" sz="quarter" idx="12"/>
+          </p:nvPr>
+        </p:nvSpPr>
+        <p:spPr/>
+        <p:txBody>
+          <a:bodyPr/>
+          <a:lstStyle/>
+          <a:p>
+            <a:fld id="{1D68EC02-F02D-4FE7-B83E-84AAD57E1E19}" type="slidenum">
+              <a:rPr lang="en-US" smtClean="0"/>
+              <a:t>‹#›</a:t>
+            </a:fld>
+            <a:endParaRPr lang="en-US"/>
+          </a:p>
+        </p:txBody>
+      </p:sp>
+    </p:spTree>
+    <p:extLst>
+      <p:ext uri="{BB962C8B-B14F-4D97-AF65-F5344CB8AC3E}">
+        <p14:creationId xmlns:p14="http://schemas.microsoft.com/office/powerpoint/2010/main" val="1224763327"/>
+      </p:ext>
+    </p:extLst>
+  </p:cSld>
+  <p:clrMapOvr>
+    <a:masterClrMapping/>
+  </p:clrMapOvr>
+</p:sldLayout>
+</file>
+
+<file path=ppt/slideLayouts/slideLayout16.xml><?xml version="1.0" encoding="utf-8"?>
 <p:sldLayout xmlns:a="http://schemas.openxmlformats.org/drawingml/2006/main" xmlns:r="http://schemas.openxmlformats.org/officeDocument/2006/relationships" xmlns:p="http://schemas.openxmlformats.org/presentationml/2006/main" type="vertTx" preserve="1">
   <p:cSld name="Title and Vertical Text">
     <p:spTree>
@@ -406,12 +3019,17 @@
         <p:spPr/>
         <p:txBody>
           <a:bodyPr/>
-          <a:lstStyle/>
+          <a:lstStyle>
+            <a:lvl1pPr algn="ctr">
+              <a:defRPr/>
+            </a:lvl1pPr>
+          </a:lstStyle>
           <a:p>
             <a:r>
               <a:rPr lang="en-US"/>
               <a:t>Click to edit Master title style</a:t>
             </a:r>
+            <a:endParaRPr lang="en-US" dirty="0"/>
           </a:p>
         </p:txBody>
       </p:sp>
@@ -427,7 +3045,7 @@
         </p:nvSpPr>
         <p:spPr/>
         <p:txBody>
-          <a:bodyPr vert="eaVert"/>
+          <a:bodyPr vert="eaVert" anchor="t"/>
           <a:lstStyle/>
           <a:p>
             <a:pPr lvl="0"/>
@@ -463,6 +3081,7 @@
               <a:rPr lang="en-US"/>
               <a:t>Fifth level</a:t>
             </a:r>
+            <a:endParaRPr lang="en-US" dirty="0"/>
           </a:p>
         </p:txBody>
       </p:sp>
@@ -483,7 +3102,7 @@
           <a:p>
             <a:fld id="{66C03C0E-3F98-4A8B-BCFE-F0C905038B8C}" type="datetimeFigureOut">
               <a:rPr lang="en-US" smtClean="0"/>
-              <a:t>4/10/2025</a:t>
+              <a:t>4/18/2025</a:t>
             </a:fld>
             <a:endParaRPr lang="en-US"/>
           </a:p>
@@ -534,7 +3153,7 @@
     </p:spTree>
     <p:extLst>
       <p:ext uri="{BB962C8B-B14F-4D97-AF65-F5344CB8AC3E}">
-        <p14:creationId xmlns:p14="http://schemas.microsoft.com/office/powerpoint/2010/main" val="3904404245"/>
+        <p14:creationId xmlns:p14="http://schemas.microsoft.com/office/powerpoint/2010/main" val="1779752621"/>
       </p:ext>
     </p:extLst>
   </p:cSld>
@@ -544,7 +3163,7 @@
 </p:sldLayout>
 </file>
 
-<file path=ppt/slideLayouts/slideLayout11.xml><?xml version="1.0" encoding="utf-8"?>
+<file path=ppt/slideLayouts/slideLayout17.xml><?xml version="1.0" encoding="utf-8"?>
 <p:sldLayout xmlns:a="http://schemas.openxmlformats.org/drawingml/2006/main" xmlns:r="http://schemas.openxmlformats.org/officeDocument/2006/relationships" xmlns:p="http://schemas.openxmlformats.org/presentationml/2006/main" type="vertTitleAndTx" preserve="1">
   <p:cSld name="Vertical Title and Text">
     <p:spTree>
@@ -573,8 +3192,8 @@
         </p:nvSpPr>
         <p:spPr>
           <a:xfrm>
-            <a:off x="6629400" y="274638"/>
-            <a:ext cx="2057400" cy="5851525"/>
+            <a:off x="7301393" y="685800"/>
+            <a:ext cx="1328123" cy="5105400"/>
           </a:xfrm>
         </p:spPr>
         <p:txBody>
@@ -585,6 +3204,7 @@
               <a:rPr lang="en-US"/>
               <a:t>Click to edit Master title style</a:t>
             </a:r>
+            <a:endParaRPr lang="en-US" dirty="0"/>
           </a:p>
         </p:txBody>
       </p:sp>
@@ -600,12 +3220,12 @@
         </p:nvSpPr>
         <p:spPr>
           <a:xfrm>
-            <a:off x="457200" y="274638"/>
-            <a:ext cx="6019800" cy="5851525"/>
+            <a:off x="1113524" y="685800"/>
+            <a:ext cx="6016373" cy="5105400"/>
           </a:xfrm>
         </p:spPr>
         <p:txBody>
-          <a:bodyPr vert="eaVert"/>
+          <a:bodyPr vert="eaVert" anchor="t"/>
           <a:lstStyle/>
           <a:p>
             <a:pPr lvl="0"/>
@@ -641,6 +3261,7 @@
               <a:rPr lang="en-US"/>
               <a:t>Fifth level</a:t>
             </a:r>
+            <a:endParaRPr lang="en-US" dirty="0"/>
           </a:p>
         </p:txBody>
       </p:sp>
@@ -661,7 +3282,7 @@
           <a:p>
             <a:fld id="{66C03C0E-3F98-4A8B-BCFE-F0C905038B8C}" type="datetimeFigureOut">
               <a:rPr lang="en-US" smtClean="0"/>
-              <a:t>4/10/2025</a:t>
+              <a:t>4/18/2025</a:t>
             </a:fld>
             <a:endParaRPr lang="en-US"/>
           </a:p>
@@ -712,7 +3333,7 @@
     </p:spTree>
     <p:extLst>
       <p:ext uri="{BB962C8B-B14F-4D97-AF65-F5344CB8AC3E}">
-        <p14:creationId xmlns:p14="http://schemas.microsoft.com/office/powerpoint/2010/main" val="2216589721"/>
+        <p14:creationId xmlns:p14="http://schemas.microsoft.com/office/powerpoint/2010/main" val="3582501843"/>
       </p:ext>
     </p:extLst>
   </p:cSld>
@@ -749,7 +3370,12 @@
             <p:ph type="title"/>
           </p:nvPr>
         </p:nvSpPr>
-        <p:spPr/>
+        <p:spPr>
+          <a:xfrm>
+            <a:off x="982133" y="457201"/>
+            <a:ext cx="7704667" cy="1981200"/>
+          </a:xfrm>
+        </p:spPr>
         <p:txBody>
           <a:bodyPr/>
           <a:lstStyle/>
@@ -758,6 +3384,7 @@
               <a:rPr lang="en-US"/>
               <a:t>Click to edit Master title style</a:t>
             </a:r>
+            <a:endParaRPr lang="en-US" dirty="0"/>
           </a:p>
         </p:txBody>
       </p:sp>
@@ -771,9 +3398,14 @@
             <p:ph idx="1"/>
           </p:nvPr>
         </p:nvSpPr>
-        <p:spPr/>
-        <p:txBody>
-          <a:bodyPr/>
+        <p:spPr>
+          <a:xfrm>
+            <a:off x="982133" y="2667000"/>
+            <a:ext cx="7704667" cy="3332816"/>
+          </a:xfrm>
+        </p:spPr>
+        <p:txBody>
+          <a:bodyPr anchor="ctr"/>
           <a:lstStyle/>
           <a:p>
             <a:pPr lvl="0"/>
@@ -809,6 +3441,7 @@
               <a:rPr lang="en-US"/>
               <a:t>Fifth level</a:t>
             </a:r>
+            <a:endParaRPr lang="en-US" dirty="0"/>
           </a:p>
         </p:txBody>
       </p:sp>
@@ -822,14 +3455,19 @@
             <p:ph type="dt" sz="half" idx="10"/>
           </p:nvPr>
         </p:nvSpPr>
-        <p:spPr/>
+        <p:spPr>
+          <a:xfrm>
+            <a:off x="7344329" y="6108173"/>
+            <a:ext cx="857473" cy="365125"/>
+          </a:xfrm>
+        </p:spPr>
         <p:txBody>
           <a:bodyPr/>
           <a:lstStyle/>
           <a:p>
             <a:fld id="{66C03C0E-3F98-4A8B-BCFE-F0C905038B8C}" type="datetimeFigureOut">
               <a:rPr lang="en-US" smtClean="0"/>
-              <a:t>4/10/2025</a:t>
+              <a:t>4/18/2025</a:t>
             </a:fld>
             <a:endParaRPr lang="en-US"/>
           </a:p>
@@ -845,7 +3483,12 @@
             <p:ph type="ftr" sz="quarter" idx="11"/>
           </p:nvPr>
         </p:nvSpPr>
-        <p:spPr/>
+        <p:spPr>
+          <a:xfrm>
+            <a:off x="1972647" y="6108173"/>
+            <a:ext cx="5314517" cy="365125"/>
+          </a:xfrm>
+        </p:spPr>
         <p:txBody>
           <a:bodyPr/>
           <a:lstStyle/>
@@ -864,7 +3507,12 @@
             <p:ph type="sldNum" sz="quarter" idx="12"/>
           </p:nvPr>
         </p:nvSpPr>
-        <p:spPr/>
+        <p:spPr>
+          <a:xfrm>
+            <a:off x="8258967" y="6108173"/>
+            <a:ext cx="427833" cy="365125"/>
+          </a:xfrm>
+        </p:spPr>
         <p:txBody>
           <a:bodyPr/>
           <a:lstStyle/>
@@ -880,7 +3528,7 @@
     </p:spTree>
     <p:extLst>
       <p:ext uri="{BB962C8B-B14F-4D97-AF65-F5344CB8AC3E}">
-        <p14:creationId xmlns:p14="http://schemas.microsoft.com/office/powerpoint/2010/main" val="1773126708"/>
+        <p14:creationId xmlns:p14="http://schemas.microsoft.com/office/powerpoint/2010/main" val="1784724484"/>
       </p:ext>
     </p:extLst>
   </p:cSld>
@@ -919,15 +3567,15 @@
         </p:nvSpPr>
         <p:spPr>
           <a:xfrm>
-            <a:off x="722313" y="4406900"/>
-            <a:ext cx="7772400" cy="1362075"/>
+            <a:off x="1986995" y="2666998"/>
+            <a:ext cx="6699805" cy="2360071"/>
           </a:xfrm>
         </p:spPr>
         <p:txBody>
-          <a:bodyPr anchor="t"/>
+          <a:bodyPr anchor="b"/>
           <a:lstStyle>
-            <a:lvl1pPr algn="l">
-              <a:defRPr sz="4000" b="1" cap="all"/>
+            <a:lvl1pPr algn="r">
+              <a:defRPr sz="4000" b="0" cap="none"/>
             </a:lvl1pPr>
           </a:lstStyle>
           <a:p>
@@ -935,6 +3583,7 @@
               <a:rPr lang="en-US"/>
               <a:t>Click to edit Master title style</a:t>
             </a:r>
+            <a:endParaRPr lang="en-US" dirty="0"/>
           </a:p>
         </p:txBody>
       </p:sp>
@@ -950,44 +3599,54 @@
         </p:nvSpPr>
         <p:spPr>
           <a:xfrm>
-            <a:off x="722313" y="2906713"/>
-            <a:ext cx="7772400" cy="1500187"/>
+            <a:off x="1986998" y="5027070"/>
+            <a:ext cx="6699802" cy="860400"/>
           </a:xfrm>
         </p:spPr>
         <p:txBody>
-          <a:bodyPr anchor="b"/>
+          <a:bodyPr anchor="t">
+            <a:normAutofit/>
+          </a:bodyPr>
           <a:lstStyle>
-            <a:lvl1pPr marL="0" indent="0">
+            <a:lvl1pPr marL="0" indent="0" algn="r">
               <a:buNone/>
               <a:defRPr sz="2000">
+                <a:solidFill>
+                  <a:schemeClr val="tx1"/>
+                </a:solidFill>
+              </a:defRPr>
+            </a:lvl1pPr>
+            <a:lvl2pPr marL="457200" indent="0">
+              <a:buNone/>
+              <a:defRPr sz="1800">
                 <a:solidFill>
                   <a:schemeClr val="tx1">
                     <a:tint val="75000"/>
                   </a:schemeClr>
                 </a:solidFill>
               </a:defRPr>
-            </a:lvl1pPr>
-            <a:lvl2pPr marL="457200" indent="0">
-              <a:buNone/>
-              <a:defRPr sz="1800">
+            </a:lvl2pPr>
+            <a:lvl3pPr marL="914400" indent="0">
+              <a:buNone/>
+              <a:defRPr sz="1600">
                 <a:solidFill>
                   <a:schemeClr val="tx1">
                     <a:tint val="75000"/>
                   </a:schemeClr>
                 </a:solidFill>
               </a:defRPr>
-            </a:lvl2pPr>
-            <a:lvl3pPr marL="914400" indent="0">
-              <a:buNone/>
-              <a:defRPr sz="1600">
+            </a:lvl3pPr>
+            <a:lvl4pPr marL="1371600" indent="0">
+              <a:buNone/>
+              <a:defRPr sz="1400">
                 <a:solidFill>
                   <a:schemeClr val="tx1">
                     <a:tint val="75000"/>
                   </a:schemeClr>
                 </a:solidFill>
               </a:defRPr>
-            </a:lvl3pPr>
-            <a:lvl4pPr marL="1371600" indent="0">
+            </a:lvl4pPr>
+            <a:lvl5pPr marL="1828800" indent="0">
               <a:buNone/>
               <a:defRPr sz="1400">
                 <a:solidFill>
@@ -996,8 +3655,8 @@
                   </a:schemeClr>
                 </a:solidFill>
               </a:defRPr>
-            </a:lvl4pPr>
-            <a:lvl5pPr marL="1828800" indent="0">
+            </a:lvl5pPr>
+            <a:lvl6pPr marL="2286000" indent="0">
               <a:buNone/>
               <a:defRPr sz="1400">
                 <a:solidFill>
@@ -1006,8 +3665,8 @@
                   </a:schemeClr>
                 </a:solidFill>
               </a:defRPr>
-            </a:lvl5pPr>
-            <a:lvl6pPr marL="2286000" indent="0">
+            </a:lvl6pPr>
+            <a:lvl7pPr marL="2743200" indent="0">
               <a:buNone/>
               <a:defRPr sz="1400">
                 <a:solidFill>
@@ -1016,8 +3675,8 @@
                   </a:schemeClr>
                 </a:solidFill>
               </a:defRPr>
-            </a:lvl6pPr>
-            <a:lvl7pPr marL="2743200" indent="0">
+            </a:lvl7pPr>
+            <a:lvl8pPr marL="3200400" indent="0">
               <a:buNone/>
               <a:defRPr sz="1400">
                 <a:solidFill>
@@ -1026,8 +3685,8 @@
                   </a:schemeClr>
                 </a:solidFill>
               </a:defRPr>
-            </a:lvl7pPr>
-            <a:lvl8pPr marL="3200400" indent="0">
+            </a:lvl8pPr>
+            <a:lvl9pPr marL="3657600" indent="0">
               <a:buNone/>
               <a:defRPr sz="1400">
                 <a:solidFill>
@@ -1036,16 +3695,6 @@
                   </a:schemeClr>
                 </a:solidFill>
               </a:defRPr>
-            </a:lvl8pPr>
-            <a:lvl9pPr marL="3657600" indent="0">
-              <a:buNone/>
-              <a:defRPr sz="1400">
-                <a:solidFill>
-                  <a:schemeClr val="tx1">
-                    <a:tint val="75000"/>
-                  </a:schemeClr>
-                </a:solidFill>
-              </a:defRPr>
             </a:lvl9pPr>
           </a:lstStyle>
           <a:p>
@@ -1074,7 +3723,7 @@
           <a:p>
             <a:fld id="{66C03C0E-3F98-4A8B-BCFE-F0C905038B8C}" type="datetimeFigureOut">
               <a:rPr lang="en-US" smtClean="0"/>
-              <a:t>4/10/2025</a:t>
+              <a:t>4/18/2025</a:t>
             </a:fld>
             <a:endParaRPr lang="en-US"/>
           </a:p>
@@ -1109,7 +3758,12 @@
             <p:ph type="sldNum" sz="quarter" idx="12"/>
           </p:nvPr>
         </p:nvSpPr>
-        <p:spPr/>
+        <p:spPr>
+          <a:xfrm>
+            <a:off x="8273317" y="6116070"/>
+            <a:ext cx="413483" cy="365125"/>
+          </a:xfrm>
+        </p:spPr>
         <p:txBody>
           <a:bodyPr/>
           <a:lstStyle/>
@@ -1125,7 +3779,7 @@
     </p:spTree>
     <p:extLst>
       <p:ext uri="{BB962C8B-B14F-4D97-AF65-F5344CB8AC3E}">
-        <p14:creationId xmlns:p14="http://schemas.microsoft.com/office/powerpoint/2010/main" val="1261397606"/>
+        <p14:creationId xmlns:p14="http://schemas.microsoft.com/office/powerpoint/2010/main" val="1242972036"/>
       </p:ext>
     </p:extLst>
   </p:cSld>
@@ -1162,63 +3816,71 @@
             <p:ph type="title"/>
           </p:nvPr>
         </p:nvSpPr>
-        <p:spPr/>
-        <p:txBody>
-          <a:bodyPr/>
-          <a:lstStyle/>
-          <a:p>
-            <a:r>
-              <a:rPr lang="en-US"/>
-              <a:t>Click to edit Master title style</a:t>
-            </a:r>
-          </a:p>
-        </p:txBody>
-      </p:sp>
-      <p:sp>
-        <p:nvSpPr>
-          <p:cNvPr id="3" name="Content Placeholder 2"/>
-          <p:cNvSpPr>
-            <a:spLocks noGrp="1"/>
-          </p:cNvSpPr>
-          <p:nvPr>
-            <p:ph sz="half" idx="1"/>
-          </p:nvPr>
-        </p:nvSpPr>
         <p:spPr>
           <a:xfrm>
-            <a:off x="457200" y="1600200"/>
-            <a:ext cx="4038600" cy="4525963"/>
+            <a:off x="982133" y="685801"/>
+            <a:ext cx="7704667" cy="1752599"/>
           </a:xfrm>
         </p:spPr>
         <p:txBody>
           <a:bodyPr/>
+          <a:lstStyle/>
+          <a:p>
+            <a:r>
+              <a:rPr lang="en-US"/>
+              <a:t>Click to edit Master title style</a:t>
+            </a:r>
+            <a:endParaRPr lang="en-US" dirty="0"/>
+          </a:p>
+        </p:txBody>
+      </p:sp>
+      <p:sp>
+        <p:nvSpPr>
+          <p:cNvPr id="3" name="Content Placeholder 2"/>
+          <p:cNvSpPr>
+            <a:spLocks noGrp="1"/>
+          </p:cNvSpPr>
+          <p:nvPr>
+            <p:ph sz="half" idx="1"/>
+          </p:nvPr>
+        </p:nvSpPr>
+        <p:spPr>
+          <a:xfrm>
+            <a:off x="982133" y="2667000"/>
+            <a:ext cx="3739896" cy="3368674"/>
+          </a:xfrm>
+        </p:spPr>
+        <p:txBody>
+          <a:bodyPr>
+            <a:normAutofit/>
+          </a:bodyPr>
           <a:lstStyle>
             <a:lvl1pPr>
-              <a:defRPr sz="2800"/>
+              <a:defRPr sz="1800"/>
             </a:lvl1pPr>
             <a:lvl2pPr>
-              <a:defRPr sz="2400"/>
+              <a:defRPr sz="1600"/>
             </a:lvl2pPr>
             <a:lvl3pPr>
-              <a:defRPr sz="2000"/>
+              <a:defRPr sz="1400"/>
             </a:lvl3pPr>
             <a:lvl4pPr>
-              <a:defRPr sz="1800"/>
+              <a:defRPr sz="1200"/>
             </a:lvl4pPr>
             <a:lvl5pPr>
-              <a:defRPr sz="1800"/>
+              <a:defRPr sz="1200"/>
             </a:lvl5pPr>
             <a:lvl6pPr>
-              <a:defRPr sz="1800"/>
+              <a:defRPr sz="1200"/>
             </a:lvl6pPr>
             <a:lvl7pPr>
-              <a:defRPr sz="1800"/>
+              <a:defRPr sz="1200"/>
             </a:lvl7pPr>
             <a:lvl8pPr>
-              <a:defRPr sz="1800"/>
+              <a:defRPr sz="1200"/>
             </a:lvl8pPr>
             <a:lvl9pPr>
-              <a:defRPr sz="1800"/>
+              <a:defRPr sz="1200"/>
             </a:lvl9pPr>
           </a:lstStyle>
           <a:p>
@@ -1255,6 +3917,7 @@
               <a:rPr lang="en-US"/>
               <a:t>Fifth level</a:t>
             </a:r>
+            <a:endParaRPr lang="en-US" dirty="0"/>
           </a:p>
         </p:txBody>
       </p:sp>
@@ -1270,39 +3933,41 @@
         </p:nvSpPr>
         <p:spPr>
           <a:xfrm>
-            <a:off x="4648200" y="1600200"/>
-            <a:ext cx="4038600" cy="4525963"/>
+            <a:off x="4946904" y="2667000"/>
+            <a:ext cx="3739896" cy="3346824"/>
           </a:xfrm>
         </p:spPr>
         <p:txBody>
-          <a:bodyPr/>
+          <a:bodyPr>
+            <a:normAutofit/>
+          </a:bodyPr>
           <a:lstStyle>
             <a:lvl1pPr>
-              <a:defRPr sz="2800"/>
+              <a:defRPr sz="1800"/>
             </a:lvl1pPr>
             <a:lvl2pPr>
-              <a:defRPr sz="2400"/>
+              <a:defRPr sz="1600"/>
             </a:lvl2pPr>
             <a:lvl3pPr>
-              <a:defRPr sz="2000"/>
+              <a:defRPr sz="1400"/>
             </a:lvl3pPr>
             <a:lvl4pPr>
-              <a:defRPr sz="1800"/>
+              <a:defRPr sz="1200"/>
             </a:lvl4pPr>
             <a:lvl5pPr>
-              <a:defRPr sz="1800"/>
+              <a:defRPr sz="1200"/>
             </a:lvl5pPr>
             <a:lvl6pPr>
-              <a:defRPr sz="1800"/>
+              <a:defRPr sz="1200"/>
             </a:lvl6pPr>
             <a:lvl7pPr>
-              <a:defRPr sz="1800"/>
+              <a:defRPr sz="1200"/>
             </a:lvl7pPr>
             <a:lvl8pPr>
-              <a:defRPr sz="1800"/>
+              <a:defRPr sz="1200"/>
             </a:lvl8pPr>
             <a:lvl9pPr>
-              <a:defRPr sz="1800"/>
+              <a:defRPr sz="1200"/>
             </a:lvl9pPr>
           </a:lstStyle>
           <a:p>
@@ -1339,6 +4004,7 @@
               <a:rPr lang="en-US"/>
               <a:t>Fifth level</a:t>
             </a:r>
+            <a:endParaRPr lang="en-US" dirty="0"/>
           </a:p>
         </p:txBody>
       </p:sp>
@@ -1359,7 +4025,7 @@
           <a:p>
             <a:fld id="{66C03C0E-3F98-4A8B-BCFE-F0C905038B8C}" type="datetimeFigureOut">
               <a:rPr lang="en-US" smtClean="0"/>
-              <a:t>4/10/2025</a:t>
+              <a:t>4/18/2025</a:t>
             </a:fld>
             <a:endParaRPr lang="en-US"/>
           </a:p>
@@ -1410,7 +4076,7 @@
     </p:spTree>
     <p:extLst>
       <p:ext uri="{BB962C8B-B14F-4D97-AF65-F5344CB8AC3E}">
-        <p14:creationId xmlns:p14="http://schemas.microsoft.com/office/powerpoint/2010/main" val="1858035690"/>
+        <p14:creationId xmlns:p14="http://schemas.microsoft.com/office/powerpoint/2010/main" val="756000090"/>
       </p:ext>
     </p:extLst>
   </p:cSld>
@@ -1460,6 +4126,7 @@
               <a:rPr lang="en-US"/>
               <a:t>Click to edit Master title style</a:t>
             </a:r>
+            <a:endParaRPr lang="en-US" dirty="0"/>
           </a:p>
         </p:txBody>
       </p:sp>
@@ -1475,16 +4142,24 @@
         </p:nvSpPr>
         <p:spPr>
           <a:xfrm>
-            <a:off x="457200" y="1535113"/>
-            <a:ext cx="4040188" cy="639762"/>
+            <a:off x="1329481" y="2658533"/>
+            <a:ext cx="3456291" cy="576262"/>
           </a:xfrm>
         </p:spPr>
         <p:txBody>
-          <a:bodyPr anchor="b"/>
+          <a:bodyPr anchor="b">
+            <a:noAutofit/>
+          </a:bodyPr>
           <a:lstStyle>
             <a:lvl1pPr marL="0" indent="0">
               <a:buNone/>
-              <a:defRPr sz="2400" b="1"/>
+              <a:defRPr sz="2800" b="0">
+                <a:solidFill>
+                  <a:schemeClr val="accent1">
+                    <a:lumMod val="75000"/>
+                  </a:schemeClr>
+                </a:solidFill>
+              </a:defRPr>
             </a:lvl1pPr>
             <a:lvl2pPr marL="457200" indent="0">
               <a:buNone/>
@@ -1540,39 +4215,41 @@
         </p:nvSpPr>
         <p:spPr>
           <a:xfrm>
-            <a:off x="457200" y="2174875"/>
-            <a:ext cx="4040188" cy="3951288"/>
+            <a:off x="1113523" y="3335336"/>
+            <a:ext cx="3672248" cy="2665259"/>
           </a:xfrm>
         </p:spPr>
         <p:txBody>
-          <a:bodyPr/>
+          <a:bodyPr anchor="t">
+            <a:normAutofit/>
+          </a:bodyPr>
           <a:lstStyle>
             <a:lvl1pPr>
-              <a:defRPr sz="2400"/>
+              <a:defRPr sz="1800"/>
             </a:lvl1pPr>
             <a:lvl2pPr>
-              <a:defRPr sz="2000"/>
+              <a:defRPr sz="1600"/>
             </a:lvl2pPr>
             <a:lvl3pPr>
-              <a:defRPr sz="1800"/>
+              <a:defRPr sz="1400"/>
             </a:lvl3pPr>
             <a:lvl4pPr>
-              <a:defRPr sz="1600"/>
+              <a:defRPr sz="1200"/>
             </a:lvl4pPr>
             <a:lvl5pPr>
-              <a:defRPr sz="1600"/>
+              <a:defRPr sz="1200"/>
             </a:lvl5pPr>
             <a:lvl6pPr>
-              <a:defRPr sz="1600"/>
+              <a:defRPr sz="1200"/>
             </a:lvl6pPr>
             <a:lvl7pPr>
-              <a:defRPr sz="1600"/>
+              <a:defRPr sz="1200"/>
             </a:lvl7pPr>
             <a:lvl8pPr>
-              <a:defRPr sz="1600"/>
+              <a:defRPr sz="1200"/>
             </a:lvl8pPr>
             <a:lvl9pPr>
-              <a:defRPr sz="1600"/>
+              <a:defRPr sz="1200"/>
             </a:lvl9pPr>
           </a:lstStyle>
           <a:p>
@@ -1609,6 +4286,7 @@
               <a:rPr lang="en-US"/>
               <a:t>Fifth level</a:t>
             </a:r>
+            <a:endParaRPr lang="en-US" dirty="0"/>
           </a:p>
         </p:txBody>
       </p:sp>
@@ -1624,16 +4302,24 @@
         </p:nvSpPr>
         <p:spPr>
           <a:xfrm>
-            <a:off x="4645025" y="1535113"/>
-            <a:ext cx="4041775" cy="639762"/>
+            <a:off x="5161710" y="2667000"/>
+            <a:ext cx="3467806" cy="576262"/>
           </a:xfrm>
         </p:spPr>
         <p:txBody>
-          <a:bodyPr anchor="b"/>
+          <a:bodyPr anchor="b">
+            <a:noAutofit/>
+          </a:bodyPr>
           <a:lstStyle>
             <a:lvl1pPr marL="0" indent="0">
               <a:buNone/>
-              <a:defRPr sz="2400" b="1"/>
+              <a:defRPr sz="2800" b="0">
+                <a:solidFill>
+                  <a:schemeClr val="accent1">
+                    <a:lumMod val="75000"/>
+                  </a:schemeClr>
+                </a:solidFill>
+              </a:defRPr>
             </a:lvl1pPr>
             <a:lvl2pPr marL="457200" indent="0">
               <a:buNone/>
@@ -1689,39 +4375,41 @@
         </p:nvSpPr>
         <p:spPr>
           <a:xfrm>
-            <a:off x="4645025" y="2174875"/>
-            <a:ext cx="4041775" cy="3951288"/>
+            <a:off x="4957266" y="3335336"/>
+            <a:ext cx="3672248" cy="2665259"/>
           </a:xfrm>
         </p:spPr>
         <p:txBody>
-          <a:bodyPr/>
+          <a:bodyPr anchor="t">
+            <a:normAutofit/>
+          </a:bodyPr>
           <a:lstStyle>
             <a:lvl1pPr>
-              <a:defRPr sz="2400"/>
+              <a:defRPr sz="1800"/>
             </a:lvl1pPr>
             <a:lvl2pPr>
-              <a:defRPr sz="2000"/>
+              <a:defRPr sz="1600"/>
             </a:lvl2pPr>
             <a:lvl3pPr>
-              <a:defRPr sz="1800"/>
+              <a:defRPr sz="1400"/>
             </a:lvl3pPr>
             <a:lvl4pPr>
-              <a:defRPr sz="1600"/>
+              <a:defRPr sz="1200"/>
             </a:lvl4pPr>
             <a:lvl5pPr>
-              <a:defRPr sz="1600"/>
+              <a:defRPr sz="1200"/>
             </a:lvl5pPr>
             <a:lvl6pPr>
-              <a:defRPr sz="1600"/>
+              <a:defRPr sz="1200"/>
             </a:lvl6pPr>
             <a:lvl7pPr>
-              <a:defRPr sz="1600"/>
+              <a:defRPr sz="1200"/>
             </a:lvl7pPr>
             <a:lvl8pPr>
-              <a:defRPr sz="1600"/>
+              <a:defRPr sz="1200"/>
             </a:lvl8pPr>
             <a:lvl9pPr>
-              <a:defRPr sz="1600"/>
+              <a:defRPr sz="1200"/>
             </a:lvl9pPr>
           </a:lstStyle>
           <a:p>
@@ -1758,6 +4446,7 @@
               <a:rPr lang="en-US"/>
               <a:t>Fifth level</a:t>
             </a:r>
+            <a:endParaRPr lang="en-US" dirty="0"/>
           </a:p>
         </p:txBody>
       </p:sp>
@@ -1778,7 +4467,7 @@
           <a:p>
             <a:fld id="{66C03C0E-3F98-4A8B-BCFE-F0C905038B8C}" type="datetimeFigureOut">
               <a:rPr lang="en-US" smtClean="0"/>
-              <a:t>4/10/2025</a:t>
+              <a:t>4/18/2025</a:t>
             </a:fld>
             <a:endParaRPr lang="en-US"/>
           </a:p>
@@ -1829,7 +4518,7 @@
     </p:spTree>
     <p:extLst>
       <p:ext uri="{BB962C8B-B14F-4D97-AF65-F5344CB8AC3E}">
-        <p14:creationId xmlns:p14="http://schemas.microsoft.com/office/powerpoint/2010/main" val="4204552922"/>
+        <p14:creationId xmlns:p14="http://schemas.microsoft.com/office/powerpoint/2010/main" val="2151602111"/>
       </p:ext>
     </p:extLst>
   </p:cSld>
@@ -1875,6 +4564,7 @@
               <a:rPr lang="en-US"/>
               <a:t>Click to edit Master title style</a:t>
             </a:r>
+            <a:endParaRPr lang="en-US" dirty="0"/>
           </a:p>
         </p:txBody>
       </p:sp>
@@ -1895,7 +4585,7 @@
           <a:p>
             <a:fld id="{66C03C0E-3F98-4A8B-BCFE-F0C905038B8C}" type="datetimeFigureOut">
               <a:rPr lang="en-US" smtClean="0"/>
-              <a:t>4/10/2025</a:t>
+              <a:t>4/18/2025</a:t>
             </a:fld>
             <a:endParaRPr lang="en-US"/>
           </a:p>
@@ -1946,7 +4636,7 @@
     </p:spTree>
     <p:extLst>
       <p:ext uri="{BB962C8B-B14F-4D97-AF65-F5344CB8AC3E}">
-        <p14:creationId xmlns:p14="http://schemas.microsoft.com/office/powerpoint/2010/main" val="3173690140"/>
+        <p14:creationId xmlns:p14="http://schemas.microsoft.com/office/powerpoint/2010/main" val="204688736"/>
       </p:ext>
     </p:extLst>
   </p:cSld>
@@ -1990,7 +4680,7 @@
           <a:p>
             <a:fld id="{66C03C0E-3F98-4A8B-BCFE-F0C905038B8C}" type="datetimeFigureOut">
               <a:rPr lang="en-US" smtClean="0"/>
-              <a:t>4/10/2025</a:t>
+              <a:t>4/18/2025</a:t>
             </a:fld>
             <a:endParaRPr lang="en-US"/>
           </a:p>
@@ -2041,7 +4731,7 @@
     </p:spTree>
     <p:extLst>
       <p:ext uri="{BB962C8B-B14F-4D97-AF65-F5344CB8AC3E}">
-        <p14:creationId xmlns:p14="http://schemas.microsoft.com/office/powerpoint/2010/main" val="22652461"/>
+        <p14:creationId xmlns:p14="http://schemas.microsoft.com/office/powerpoint/2010/main" val="2912516868"/>
       </p:ext>
     </p:extLst>
   </p:cSld>
@@ -2080,15 +4770,17 @@
         </p:nvSpPr>
         <p:spPr>
           <a:xfrm>
-            <a:off x="457200" y="273050"/>
-            <a:ext cx="3008313" cy="1162050"/>
+            <a:off x="1113524" y="1600200"/>
+            <a:ext cx="2662534" cy="1371600"/>
           </a:xfrm>
         </p:spPr>
         <p:txBody>
-          <a:bodyPr anchor="b"/>
+          <a:bodyPr anchor="b">
+            <a:normAutofit/>
+          </a:bodyPr>
           <a:lstStyle>
-            <a:lvl1pPr algn="l">
-              <a:defRPr sz="2000" b="1"/>
+            <a:lvl1pPr algn="ctr">
+              <a:defRPr sz="2400" b="0"/>
             </a:lvl1pPr>
           </a:lstStyle>
           <a:p>
@@ -2096,6 +4788,7 @@
               <a:rPr lang="en-US"/>
               <a:t>Click to edit Master title style</a:t>
             </a:r>
+            <a:endParaRPr lang="en-US" dirty="0"/>
           </a:p>
         </p:txBody>
       </p:sp>
@@ -2111,39 +4804,41 @@
         </p:nvSpPr>
         <p:spPr>
           <a:xfrm>
-            <a:off x="3575050" y="273050"/>
-            <a:ext cx="5111750" cy="5853113"/>
+            <a:off x="3947553" y="685800"/>
+            <a:ext cx="4681962" cy="5105401"/>
           </a:xfrm>
         </p:spPr>
         <p:txBody>
-          <a:bodyPr/>
+          <a:bodyPr anchor="ctr">
+            <a:normAutofit/>
+          </a:bodyPr>
           <a:lstStyle>
             <a:lvl1pPr>
-              <a:defRPr sz="3200"/>
+              <a:defRPr sz="2000"/>
             </a:lvl1pPr>
             <a:lvl2pPr>
-              <a:defRPr sz="2800"/>
+              <a:defRPr sz="1800"/>
             </a:lvl2pPr>
             <a:lvl3pPr>
-              <a:defRPr sz="2400"/>
+              <a:defRPr sz="1600"/>
             </a:lvl3pPr>
             <a:lvl4pPr>
-              <a:defRPr sz="2000"/>
+              <a:defRPr sz="1400"/>
             </a:lvl4pPr>
             <a:lvl5pPr>
-              <a:defRPr sz="2000"/>
+              <a:defRPr sz="1400"/>
             </a:lvl5pPr>
             <a:lvl6pPr>
-              <a:defRPr sz="2000"/>
+              <a:defRPr sz="1400"/>
             </a:lvl6pPr>
             <a:lvl7pPr>
-              <a:defRPr sz="2000"/>
+              <a:defRPr sz="1400"/>
             </a:lvl7pPr>
             <a:lvl8pPr>
-              <a:defRPr sz="2000"/>
+              <a:defRPr sz="1400"/>
             </a:lvl8pPr>
             <a:lvl9pPr>
-              <a:defRPr sz="2000"/>
+              <a:defRPr sz="1400"/>
             </a:lvl9pPr>
           </a:lstStyle>
           <a:p>
@@ -2180,6 +4875,7 @@
               <a:rPr lang="en-US"/>
               <a:t>Fifth level</a:t>
             </a:r>
+            <a:endParaRPr lang="en-US" dirty="0"/>
           </a:p>
         </p:txBody>
       </p:sp>
@@ -2195,16 +4891,18 @@
         </p:nvSpPr>
         <p:spPr>
           <a:xfrm>
-            <a:off x="457200" y="1435100"/>
-            <a:ext cx="3008313" cy="4691063"/>
+            <a:off x="1113524" y="2971800"/>
+            <a:ext cx="2662534" cy="1828800"/>
           </a:xfrm>
         </p:spPr>
         <p:txBody>
-          <a:bodyPr/>
+          <a:bodyPr>
+            <a:normAutofit/>
+          </a:bodyPr>
           <a:lstStyle>
-            <a:lvl1pPr marL="0" indent="0">
-              <a:buNone/>
-              <a:defRPr sz="1400"/>
+            <a:lvl1pPr marL="0" indent="0" algn="ctr">
+              <a:buNone/>
+              <a:defRPr sz="1600"/>
             </a:lvl1pPr>
             <a:lvl2pPr marL="457200" indent="0">
               <a:buNone/>
@@ -2265,7 +4963,7 @@
           <a:p>
             <a:fld id="{66C03C0E-3F98-4A8B-BCFE-F0C905038B8C}" type="datetimeFigureOut">
               <a:rPr lang="en-US" smtClean="0"/>
-              <a:t>4/10/2025</a:t>
+              <a:t>4/18/2025</a:t>
             </a:fld>
             <a:endParaRPr lang="en-US"/>
           </a:p>
@@ -2316,7 +5014,7 @@
     </p:spTree>
     <p:extLst>
       <p:ext uri="{BB962C8B-B14F-4D97-AF65-F5344CB8AC3E}">
-        <p14:creationId xmlns:p14="http://schemas.microsoft.com/office/powerpoint/2010/main" val="3935327197"/>
+        <p14:creationId xmlns:p14="http://schemas.microsoft.com/office/powerpoint/2010/main" val="189648448"/>
       </p:ext>
     </p:extLst>
   </p:cSld>
@@ -2355,15 +5053,17 @@
         </p:nvSpPr>
         <p:spPr>
           <a:xfrm>
-            <a:off x="1792288" y="4800600"/>
-            <a:ext cx="5486400" cy="566738"/>
+            <a:off x="1112332" y="1752599"/>
+            <a:ext cx="4070679" cy="1371600"/>
           </a:xfrm>
         </p:spPr>
         <p:txBody>
-          <a:bodyPr anchor="b"/>
+          <a:bodyPr anchor="b">
+            <a:normAutofit/>
+          </a:bodyPr>
           <a:lstStyle>
-            <a:lvl1pPr algn="l">
-              <a:defRPr sz="2000" b="1"/>
+            <a:lvl1pPr algn="ctr">
+              <a:defRPr sz="2800" b="0"/>
             </a:lvl1pPr>
           </a:lstStyle>
           <a:p>
@@ -2371,14 +5071,15 @@
               <a:rPr lang="en-US"/>
               <a:t>Click to edit Master title style</a:t>
             </a:r>
-          </a:p>
-        </p:txBody>
-      </p:sp>
-      <p:sp>
-        <p:nvSpPr>
-          <p:cNvPr id="3" name="Picture Placeholder 2"/>
-          <p:cNvSpPr>
-            <a:spLocks noGrp="1"/>
+            <a:endParaRPr lang="en-US" dirty="0"/>
+          </a:p>
+        </p:txBody>
+      </p:sp>
+      <p:sp>
+        <p:nvSpPr>
+          <p:cNvPr id="14" name="Picture Placeholder 2"/>
+          <p:cNvSpPr>
+            <a:spLocks noGrp="1" noChangeAspect="1"/>
           </p:cNvSpPr>
           <p:nvPr>
             <p:ph type="pic" idx="1"/>
@@ -2386,77 +5087,113 @@
         </p:nvSpPr>
         <p:spPr>
           <a:xfrm>
-            <a:off x="1792288" y="612775"/>
-            <a:ext cx="5486400" cy="4114800"/>
+            <a:off x="5697495" y="914400"/>
+            <a:ext cx="2461371" cy="4572000"/>
+          </a:xfrm>
+          <a:prstGeom prst="roundRect">
+            <a:avLst>
+              <a:gd name="adj" fmla="val 4280"/>
+            </a:avLst>
+          </a:prstGeom>
+          <a:ln w="38100">
+            <a:gradFill flip="none" rotWithShape="1">
+              <a:gsLst>
+                <a:gs pos="0">
+                  <a:schemeClr val="bg2"/>
+                </a:gs>
+                <a:gs pos="100000">
+                  <a:schemeClr val="bg2">
+                    <a:lumMod val="75000"/>
+                  </a:schemeClr>
+                </a:gs>
+              </a:gsLst>
+              <a:lin ang="5400000" scaled="0"/>
+              <a:tileRect/>
+            </a:gradFill>
+          </a:ln>
+          <a:effectLst>
+            <a:innerShdw blurRad="57150" dist="38100" dir="14460000">
+              <a:srgbClr val="000000">
+                <a:alpha val="70000"/>
+              </a:srgbClr>
+            </a:innerShdw>
+          </a:effectLst>
+        </p:spPr>
+        <p:txBody>
+          <a:bodyPr anchor="t">
+            <a:normAutofit/>
+          </a:bodyPr>
+          <a:lstStyle>
+            <a:lvl1pPr marL="0" indent="0" algn="ctr">
+              <a:buNone/>
+              <a:defRPr sz="1600"/>
+            </a:lvl1pPr>
+            <a:lvl2pPr marL="457200" indent="0">
+              <a:buNone/>
+              <a:defRPr sz="1600"/>
+            </a:lvl2pPr>
+            <a:lvl3pPr marL="914400" indent="0">
+              <a:buNone/>
+              <a:defRPr sz="1600"/>
+            </a:lvl3pPr>
+            <a:lvl4pPr marL="1371600" indent="0">
+              <a:buNone/>
+              <a:defRPr sz="1600"/>
+            </a:lvl4pPr>
+            <a:lvl5pPr marL="1828800" indent="0">
+              <a:buNone/>
+              <a:defRPr sz="1600"/>
+            </a:lvl5pPr>
+            <a:lvl6pPr marL="2286000" indent="0">
+              <a:buNone/>
+              <a:defRPr sz="1600"/>
+            </a:lvl6pPr>
+            <a:lvl7pPr marL="2743200" indent="0">
+              <a:buNone/>
+              <a:defRPr sz="1600"/>
+            </a:lvl7pPr>
+            <a:lvl8pPr marL="3200400" indent="0">
+              <a:buNone/>
+              <a:defRPr sz="1600"/>
+            </a:lvl8pPr>
+            <a:lvl9pPr marL="3657600" indent="0">
+              <a:buNone/>
+              <a:defRPr sz="1600"/>
+            </a:lvl9pPr>
+          </a:lstStyle>
+          <a:p>
+            <a:r>
+              <a:rPr lang="en-US"/>
+              <a:t>Click icon to add picture</a:t>
+            </a:r>
+            <a:endParaRPr lang="en-US" dirty="0"/>
+          </a:p>
+        </p:txBody>
+      </p:sp>
+      <p:sp>
+        <p:nvSpPr>
+          <p:cNvPr id="4" name="Text Placeholder 3"/>
+          <p:cNvSpPr>
+            <a:spLocks noGrp="1"/>
+          </p:cNvSpPr>
+          <p:nvPr>
+            <p:ph type="body" sz="half" idx="2"/>
+          </p:nvPr>
+        </p:nvSpPr>
+        <p:spPr>
+          <a:xfrm>
+            <a:off x="1112332" y="3124199"/>
+            <a:ext cx="4070679" cy="1828800"/>
           </a:xfrm>
         </p:spPr>
         <p:txBody>
-          <a:bodyPr/>
+          <a:bodyPr>
+            <a:normAutofit/>
+          </a:bodyPr>
           <a:lstStyle>
-            <a:lvl1pPr marL="0" indent="0">
-              <a:buNone/>
-              <a:defRPr sz="3200"/>
-            </a:lvl1pPr>
-            <a:lvl2pPr marL="457200" indent="0">
-              <a:buNone/>
-              <a:defRPr sz="2800"/>
-            </a:lvl2pPr>
-            <a:lvl3pPr marL="914400" indent="0">
-              <a:buNone/>
-              <a:defRPr sz="2400"/>
-            </a:lvl3pPr>
-            <a:lvl4pPr marL="1371600" indent="0">
-              <a:buNone/>
-              <a:defRPr sz="2000"/>
-            </a:lvl4pPr>
-            <a:lvl5pPr marL="1828800" indent="0">
-              <a:buNone/>
-              <a:defRPr sz="2000"/>
-            </a:lvl5pPr>
-            <a:lvl6pPr marL="2286000" indent="0">
-              <a:buNone/>
-              <a:defRPr sz="2000"/>
-            </a:lvl6pPr>
-            <a:lvl7pPr marL="2743200" indent="0">
-              <a:buNone/>
-              <a:defRPr sz="2000"/>
-            </a:lvl7pPr>
-            <a:lvl8pPr marL="3200400" indent="0">
-              <a:buNone/>
-              <a:defRPr sz="2000"/>
-            </a:lvl8pPr>
-            <a:lvl9pPr marL="3657600" indent="0">
-              <a:buNone/>
-              <a:defRPr sz="2000"/>
-            </a:lvl9pPr>
-          </a:lstStyle>
-          <a:p>
-            <a:endParaRPr lang="en-US"/>
-          </a:p>
-        </p:txBody>
-      </p:sp>
-      <p:sp>
-        <p:nvSpPr>
-          <p:cNvPr id="4" name="Text Placeholder 3"/>
-          <p:cNvSpPr>
-            <a:spLocks noGrp="1"/>
-          </p:cNvSpPr>
-          <p:nvPr>
-            <p:ph type="body" sz="half" idx="2"/>
-          </p:nvPr>
-        </p:nvSpPr>
-        <p:spPr>
-          <a:xfrm>
-            <a:off x="1792288" y="5367338"/>
-            <a:ext cx="5486400" cy="804862"/>
-          </a:xfrm>
-        </p:spPr>
-        <p:txBody>
-          <a:bodyPr/>
-          <a:lstStyle>
-            <a:lvl1pPr marL="0" indent="0">
-              <a:buNone/>
-              <a:defRPr sz="1400"/>
+            <a:lvl1pPr marL="0" indent="0" algn="ctr">
+              <a:buNone/>
+              <a:defRPr sz="1800"/>
             </a:lvl1pPr>
             <a:lvl2pPr marL="457200" indent="0">
               <a:buNone/>
@@ -2517,7 +5254,7 @@
           <a:p>
             <a:fld id="{66C03C0E-3F98-4A8B-BCFE-F0C905038B8C}" type="datetimeFigureOut">
               <a:rPr lang="en-US" smtClean="0"/>
-              <a:t>4/10/2025</a:t>
+              <a:t>4/18/2025</a:t>
             </a:fld>
             <a:endParaRPr lang="en-US"/>
           </a:p>
@@ -2568,7 +5305,7 @@
     </p:spTree>
     <p:extLst>
       <p:ext uri="{BB962C8B-B14F-4D97-AF65-F5344CB8AC3E}">
-        <p14:creationId xmlns:p14="http://schemas.microsoft.com/office/powerpoint/2010/main" val="2965411020"/>
+        <p14:creationId xmlns:p14="http://schemas.microsoft.com/office/powerpoint/2010/main" val="582260505"/>
       </p:ext>
     </p:extLst>
   </p:cSld>
@@ -2582,8 +5319,8 @@
 <p:sldMaster xmlns:a="http://schemas.openxmlformats.org/drawingml/2006/main" xmlns:r="http://schemas.openxmlformats.org/officeDocument/2006/relationships" xmlns:p="http://schemas.openxmlformats.org/presentationml/2006/main">
   <p:cSld>
     <p:bg>
-      <p:bgRef idx="1001">
-        <a:schemeClr val="bg1"/>
+      <p:bgRef idx="1003">
+        <a:schemeClr val="bg2"/>
       </p:bgRef>
     </p:bg>
     <p:spTree>
@@ -2600,6 +5337,316 @@
           <a:chExt cx="0" cy="0"/>
         </a:xfrm>
       </p:grpSpPr>
+      <p:grpSp>
+        <p:nvGrpSpPr>
+          <p:cNvPr id="14" name="Group 13"/>
+          <p:cNvGrpSpPr/>
+          <p:nvPr/>
+        </p:nvGrpSpPr>
+        <p:grpSpPr>
+          <a:xfrm>
+            <a:off x="0" y="0"/>
+            <a:ext cx="2132013" cy="6858001"/>
+            <a:chOff x="0" y="0"/>
+            <a:chExt cx="2132013" cy="6858001"/>
+          </a:xfrm>
+        </p:grpSpPr>
+        <p:sp>
+          <p:nvSpPr>
+            <p:cNvPr id="15" name="Freeform 6"/>
+            <p:cNvSpPr/>
+            <p:nvPr/>
+          </p:nvSpPr>
+          <p:spPr bwMode="auto">
+            <a:xfrm>
+              <a:off x="0" y="0"/>
+              <a:ext cx="1073150" cy="5291138"/>
+            </a:xfrm>
+            <a:custGeom>
+              <a:avLst/>
+              <a:gdLst/>
+              <a:ahLst/>
+              <a:cxnLst/>
+              <a:rect l="0" t="0" r="r" b="b"/>
+              <a:pathLst>
+                <a:path w="676" h="3333">
+                  <a:moveTo>
+                    <a:pt x="0" y="3132"/>
+                  </a:moveTo>
+                  <a:lnTo>
+                    <a:pt x="0" y="3312"/>
+                  </a:lnTo>
+                  <a:lnTo>
+                    <a:pt x="126" y="3333"/>
+                  </a:lnTo>
+                  <a:lnTo>
+                    <a:pt x="676" y="0"/>
+                  </a:lnTo>
+                  <a:lnTo>
+                    <a:pt x="514" y="0"/>
+                  </a:lnTo>
+                  <a:lnTo>
+                    <a:pt x="0" y="3132"/>
+                  </a:lnTo>
+                  <a:close/>
+                </a:path>
+              </a:pathLst>
+            </a:custGeom>
+            <a:solidFill>
+              <a:schemeClr val="accent1"/>
+            </a:solidFill>
+            <a:ln>
+              <a:noFill/>
+            </a:ln>
+          </p:spPr>
+        </p:sp>
+        <p:sp>
+          <p:nvSpPr>
+            <p:cNvPr id="16" name="Freeform 7"/>
+            <p:cNvSpPr/>
+            <p:nvPr/>
+          </p:nvSpPr>
+          <p:spPr bwMode="auto">
+            <a:xfrm>
+              <a:off x="0" y="0"/>
+              <a:ext cx="758825" cy="4624388"/>
+            </a:xfrm>
+            <a:custGeom>
+              <a:avLst/>
+              <a:gdLst/>
+              <a:ahLst/>
+              <a:cxnLst/>
+              <a:rect l="0" t="0" r="r" b="b"/>
+              <a:pathLst>
+                <a:path w="478" h="2913">
+                  <a:moveTo>
+                    <a:pt x="478" y="0"/>
+                  </a:moveTo>
+                  <a:lnTo>
+                    <a:pt x="318" y="0"/>
+                  </a:lnTo>
+                  <a:lnTo>
+                    <a:pt x="0" y="1938"/>
+                  </a:lnTo>
+                  <a:lnTo>
+                    <a:pt x="0" y="2913"/>
+                  </a:lnTo>
+                  <a:lnTo>
+                    <a:pt x="478" y="0"/>
+                  </a:lnTo>
+                  <a:close/>
+                </a:path>
+              </a:pathLst>
+            </a:custGeom>
+            <a:solidFill>
+              <a:schemeClr val="tx1">
+                <a:lumMod val="65000"/>
+                <a:lumOff val="35000"/>
+              </a:schemeClr>
+            </a:solidFill>
+            <a:ln>
+              <a:noFill/>
+            </a:ln>
+          </p:spPr>
+        </p:sp>
+        <p:sp>
+          <p:nvSpPr>
+            <p:cNvPr id="17" name="Freeform 8"/>
+            <p:cNvSpPr/>
+            <p:nvPr/>
+          </p:nvSpPr>
+          <p:spPr bwMode="auto">
+            <a:xfrm>
+              <a:off x="0" y="5662613"/>
+              <a:ext cx="906463" cy="1195388"/>
+            </a:xfrm>
+            <a:custGeom>
+              <a:avLst/>
+              <a:gdLst/>
+              <a:ahLst/>
+              <a:cxnLst/>
+              <a:rect l="0" t="0" r="r" b="b"/>
+              <a:pathLst>
+                <a:path w="571" h="753">
+                  <a:moveTo>
+                    <a:pt x="0" y="0"/>
+                  </a:moveTo>
+                  <a:lnTo>
+                    <a:pt x="0" y="12"/>
+                  </a:lnTo>
+                  <a:lnTo>
+                    <a:pt x="538" y="753"/>
+                  </a:lnTo>
+                  <a:lnTo>
+                    <a:pt x="571" y="753"/>
+                  </a:lnTo>
+                  <a:lnTo>
+                    <a:pt x="0" y="0"/>
+                  </a:lnTo>
+                  <a:close/>
+                </a:path>
+              </a:pathLst>
+            </a:custGeom>
+            <a:solidFill>
+              <a:schemeClr val="tx1">
+                <a:lumMod val="85000"/>
+                <a:lumOff val="15000"/>
+              </a:schemeClr>
+            </a:solidFill>
+            <a:ln>
+              <a:noFill/>
+            </a:ln>
+          </p:spPr>
+        </p:sp>
+        <p:sp>
+          <p:nvSpPr>
+            <p:cNvPr id="18" name="Freeform 9"/>
+            <p:cNvSpPr/>
+            <p:nvPr/>
+          </p:nvSpPr>
+          <p:spPr bwMode="auto">
+            <a:xfrm>
+              <a:off x="0" y="5295900"/>
+              <a:ext cx="1487488" cy="1562100"/>
+            </a:xfrm>
+            <a:custGeom>
+              <a:avLst/>
+              <a:gdLst/>
+              <a:ahLst/>
+              <a:cxnLst/>
+              <a:rect l="0" t="0" r="r" b="b"/>
+              <a:pathLst>
+                <a:path w="937" h="984">
+                  <a:moveTo>
+                    <a:pt x="0" y="0"/>
+                  </a:moveTo>
+                  <a:lnTo>
+                    <a:pt x="0" y="3"/>
+                  </a:lnTo>
+                  <a:lnTo>
+                    <a:pt x="901" y="984"/>
+                  </a:lnTo>
+                  <a:lnTo>
+                    <a:pt x="937" y="984"/>
+                  </a:lnTo>
+                  <a:lnTo>
+                    <a:pt x="0" y="0"/>
+                  </a:lnTo>
+                  <a:close/>
+                </a:path>
+              </a:pathLst>
+            </a:custGeom>
+            <a:solidFill>
+              <a:schemeClr val="accent1">
+                <a:lumMod val="50000"/>
+              </a:schemeClr>
+            </a:solidFill>
+            <a:ln>
+              <a:noFill/>
+            </a:ln>
+          </p:spPr>
+        </p:sp>
+        <p:sp>
+          <p:nvSpPr>
+            <p:cNvPr id="19" name="Freeform 10"/>
+            <p:cNvSpPr/>
+            <p:nvPr/>
+          </p:nvSpPr>
+          <p:spPr bwMode="auto">
+            <a:xfrm>
+              <a:off x="0" y="5257800"/>
+              <a:ext cx="2132013" cy="1600200"/>
+            </a:xfrm>
+            <a:custGeom>
+              <a:avLst/>
+              <a:gdLst/>
+              <a:ahLst/>
+              <a:cxnLst/>
+              <a:rect l="0" t="0" r="r" b="b"/>
+              <a:pathLst>
+                <a:path w="1343" h="1008">
+                  <a:moveTo>
+                    <a:pt x="0" y="24"/>
+                  </a:moveTo>
+                  <a:lnTo>
+                    <a:pt x="937" y="1008"/>
+                  </a:lnTo>
+                  <a:lnTo>
+                    <a:pt x="1343" y="1008"/>
+                  </a:lnTo>
+                  <a:lnTo>
+                    <a:pt x="126" y="21"/>
+                  </a:lnTo>
+                  <a:lnTo>
+                    <a:pt x="0" y="0"/>
+                  </a:lnTo>
+                  <a:lnTo>
+                    <a:pt x="0" y="24"/>
+                  </a:lnTo>
+                  <a:close/>
+                </a:path>
+              </a:pathLst>
+            </a:custGeom>
+            <a:solidFill>
+              <a:schemeClr val="accent1">
+                <a:lumMod val="75000"/>
+              </a:schemeClr>
+            </a:solidFill>
+            <a:ln>
+              <a:noFill/>
+            </a:ln>
+          </p:spPr>
+        </p:sp>
+        <p:sp>
+          <p:nvSpPr>
+            <p:cNvPr id="20" name="Freeform 11"/>
+            <p:cNvSpPr/>
+            <p:nvPr/>
+          </p:nvSpPr>
+          <p:spPr bwMode="auto">
+            <a:xfrm>
+              <a:off x="0" y="5357813"/>
+              <a:ext cx="1377950" cy="1500188"/>
+            </a:xfrm>
+            <a:custGeom>
+              <a:avLst/>
+              <a:gdLst/>
+              <a:ahLst/>
+              <a:cxnLst/>
+              <a:rect l="0" t="0" r="r" b="b"/>
+              <a:pathLst>
+                <a:path w="868" h="945">
+                  <a:moveTo>
+                    <a:pt x="0" y="192"/>
+                  </a:moveTo>
+                  <a:lnTo>
+                    <a:pt x="571" y="945"/>
+                  </a:lnTo>
+                  <a:lnTo>
+                    <a:pt x="868" y="945"/>
+                  </a:lnTo>
+                  <a:lnTo>
+                    <a:pt x="0" y="0"/>
+                  </a:lnTo>
+                  <a:lnTo>
+                    <a:pt x="0" y="192"/>
+                  </a:lnTo>
+                  <a:close/>
+                </a:path>
+              </a:pathLst>
+            </a:custGeom>
+            <a:solidFill>
+              <a:schemeClr val="tx1">
+                <a:lumMod val="75000"/>
+                <a:lumOff val="25000"/>
+              </a:schemeClr>
+            </a:solidFill>
+            <a:ln>
+              <a:noFill/>
+            </a:ln>
+          </p:spPr>
+        </p:sp>
+      </p:grpSp>
       <p:sp>
         <p:nvSpPr>
           <p:cNvPr id="2" name="Title Placeholder 1"/>
@@ -2612,8 +5659,42 @@
         </p:nvSpPr>
         <p:spPr>
           <a:xfrm>
-            <a:off x="457200" y="274638"/>
-            <a:ext cx="8229600" cy="1143000"/>
+            <a:off x="982133" y="457201"/>
+            <a:ext cx="7704667" cy="1981200"/>
+          </a:xfrm>
+          <a:prstGeom prst="rect">
+            <a:avLst/>
+          </a:prstGeom>
+          <a:effectLst/>
+        </p:spPr>
+        <p:txBody>
+          <a:bodyPr vert="horz" lIns="91440" tIns="45720" rIns="91440" bIns="45720" rtlCol="0" anchor="ctr">
+            <a:normAutofit/>
+          </a:bodyPr>
+          <a:lstStyle/>
+          <a:p>
+            <a:r>
+              <a:rPr lang="en-US"/>
+              <a:t>Click to edit Master title style</a:t>
+            </a:r>
+            <a:endParaRPr lang="en-US" dirty="0"/>
+          </a:p>
+        </p:txBody>
+      </p:sp>
+      <p:sp>
+        <p:nvSpPr>
+          <p:cNvPr id="3" name="Text Placeholder 2"/>
+          <p:cNvSpPr>
+            <a:spLocks noGrp="1"/>
+          </p:cNvSpPr>
+          <p:nvPr>
+            <p:ph type="body" idx="1"/>
+          </p:nvPr>
+        </p:nvSpPr>
+        <p:spPr>
+          <a:xfrm>
+            <a:off x="982134" y="2667000"/>
+            <a:ext cx="7704666" cy="3356995"/>
           </a:xfrm>
           <a:prstGeom prst="rect">
             <a:avLst/>
@@ -2625,88 +5706,98 @@
           </a:bodyPr>
           <a:lstStyle/>
           <a:p>
-            <a:r>
-              <a:rPr lang="en-US"/>
-              <a:t>Click to edit Master title style</a:t>
-            </a:r>
-          </a:p>
-        </p:txBody>
-      </p:sp>
-      <p:sp>
-        <p:nvSpPr>
-          <p:cNvPr id="3" name="Text Placeholder 2"/>
-          <p:cNvSpPr>
-            <a:spLocks noGrp="1"/>
-          </p:cNvSpPr>
-          <p:nvPr>
-            <p:ph type="body" idx="1"/>
+            <a:pPr lvl="0"/>
+            <a:r>
+              <a:rPr lang="en-US"/>
+              <a:t>Click to edit Master text styles</a:t>
+            </a:r>
+          </a:p>
+          <a:p>
+            <a:pPr lvl="1"/>
+            <a:r>
+              <a:rPr lang="en-US"/>
+              <a:t>Second level</a:t>
+            </a:r>
+          </a:p>
+          <a:p>
+            <a:pPr lvl="2"/>
+            <a:r>
+              <a:rPr lang="en-US"/>
+              <a:t>Third level</a:t>
+            </a:r>
+          </a:p>
+          <a:p>
+            <a:pPr lvl="3"/>
+            <a:r>
+              <a:rPr lang="en-US"/>
+              <a:t>Fourth level</a:t>
+            </a:r>
+          </a:p>
+          <a:p>
+            <a:pPr lvl="4"/>
+            <a:r>
+              <a:rPr lang="en-US"/>
+              <a:t>Fifth level</a:t>
+            </a:r>
+            <a:endParaRPr lang="en-US" dirty="0"/>
+          </a:p>
+        </p:txBody>
+      </p:sp>
+      <p:sp>
+        <p:nvSpPr>
+          <p:cNvPr id="4" name="Date Placeholder 3"/>
+          <p:cNvSpPr>
+            <a:spLocks noGrp="1"/>
+          </p:cNvSpPr>
+          <p:nvPr>
+            <p:ph type="dt" sz="half" idx="2"/>
           </p:nvPr>
         </p:nvSpPr>
         <p:spPr>
           <a:xfrm>
-            <a:off x="457200" y="1600200"/>
-            <a:ext cx="8229600" cy="4525963"/>
+            <a:off x="7358679" y="6116070"/>
+            <a:ext cx="857473" cy="365125"/>
           </a:xfrm>
           <a:prstGeom prst="rect">
             <a:avLst/>
           </a:prstGeom>
         </p:spPr>
         <p:txBody>
-          <a:bodyPr vert="horz" lIns="91440" tIns="45720" rIns="91440" bIns="45720" rtlCol="0">
-            <a:normAutofit/>
-          </a:bodyPr>
-          <a:lstStyle/>
-          <a:p>
-            <a:pPr lvl="0"/>
-            <a:r>
-              <a:rPr lang="en-US"/>
-              <a:t>Click to edit Master text styles</a:t>
-            </a:r>
-          </a:p>
-          <a:p>
-            <a:pPr lvl="1"/>
-            <a:r>
-              <a:rPr lang="en-US"/>
-              <a:t>Second level</a:t>
-            </a:r>
-          </a:p>
-          <a:p>
-            <a:pPr lvl="2"/>
-            <a:r>
-              <a:rPr lang="en-US"/>
-              <a:t>Third level</a:t>
-            </a:r>
-          </a:p>
-          <a:p>
-            <a:pPr lvl="3"/>
-            <a:r>
-              <a:rPr lang="en-US"/>
-              <a:t>Fourth level</a:t>
-            </a:r>
-          </a:p>
-          <a:p>
-            <a:pPr lvl="4"/>
-            <a:r>
-              <a:rPr lang="en-US"/>
-              <a:t>Fifth level</a:t>
-            </a:r>
-          </a:p>
-        </p:txBody>
-      </p:sp>
-      <p:sp>
-        <p:nvSpPr>
-          <p:cNvPr id="4" name="Date Placeholder 3"/>
-          <p:cNvSpPr>
-            <a:spLocks noGrp="1"/>
-          </p:cNvSpPr>
-          <p:nvPr>
-            <p:ph type="dt" sz="half" idx="2"/>
+          <a:bodyPr vert="horz" lIns="91440" tIns="45720" rIns="91440" bIns="45720" rtlCol="0" anchor="ctr"/>
+          <a:lstStyle>
+            <a:lvl1pPr algn="r">
+              <a:defRPr sz="1000" b="0" i="0">
+                <a:solidFill>
+                  <a:schemeClr val="tx1"/>
+                </a:solidFill>
+                <a:effectLst/>
+                <a:latin typeface="+mn-lt"/>
+              </a:defRPr>
+            </a:lvl1pPr>
+          </a:lstStyle>
+          <a:p>
+            <a:fld id="{66C03C0E-3F98-4A8B-BCFE-F0C905038B8C}" type="datetimeFigureOut">
+              <a:rPr lang="en-US" smtClean="0"/>
+              <a:t>4/18/2025</a:t>
+            </a:fld>
+            <a:endParaRPr lang="en-US"/>
+          </a:p>
+        </p:txBody>
+      </p:sp>
+      <p:sp>
+        <p:nvSpPr>
+          <p:cNvPr id="5" name="Footer Placeholder 4"/>
+          <p:cNvSpPr>
+            <a:spLocks noGrp="1"/>
+          </p:cNvSpPr>
+          <p:nvPr>
+            <p:ph type="ftr" sz="quarter" idx="3"/>
           </p:nvPr>
         </p:nvSpPr>
         <p:spPr>
           <a:xfrm>
-            <a:off x="457200" y="6356350"/>
-            <a:ext cx="2133600" cy="365125"/>
+            <a:off x="1986997" y="6116070"/>
+            <a:ext cx="5314517" cy="365125"/>
           </a:xfrm>
           <a:prstGeom prst="rect">
             <a:avLst/>
@@ -2716,38 +5807,34 @@
           <a:bodyPr vert="horz" lIns="91440" tIns="45720" rIns="91440" bIns="45720" rtlCol="0" anchor="ctr"/>
           <a:lstStyle>
             <a:lvl1pPr algn="l">
-              <a:defRPr sz="1200">
-                <a:solidFill>
-                  <a:schemeClr val="tx1">
-                    <a:tint val="75000"/>
-                  </a:schemeClr>
-                </a:solidFill>
+              <a:defRPr sz="1000" b="0" i="0">
+                <a:solidFill>
+                  <a:schemeClr val="tx1"/>
+                </a:solidFill>
+                <a:effectLst/>
+                <a:latin typeface="+mn-lt"/>
               </a:defRPr>
             </a:lvl1pPr>
           </a:lstStyle>
           <a:p>
-            <a:fld id="{66C03C0E-3F98-4A8B-BCFE-F0C905038B8C}" type="datetimeFigureOut">
-              <a:rPr lang="en-US" smtClean="0"/>
-              <a:t>4/10/2025</a:t>
-            </a:fld>
             <a:endParaRPr lang="en-US"/>
           </a:p>
         </p:txBody>
       </p:sp>
       <p:sp>
         <p:nvSpPr>
-          <p:cNvPr id="5" name="Footer Placeholder 4"/>
-          <p:cNvSpPr>
-            <a:spLocks noGrp="1"/>
-          </p:cNvSpPr>
-          <p:nvPr>
-            <p:ph type="ftr" sz="quarter" idx="3"/>
+          <p:cNvPr id="6" name="Slide Number Placeholder 5"/>
+          <p:cNvSpPr>
+            <a:spLocks noGrp="1"/>
+          </p:cNvSpPr>
+          <p:nvPr>
+            <p:ph type="sldNum" sz="quarter" idx="4"/>
           </p:nvPr>
         </p:nvSpPr>
         <p:spPr>
           <a:xfrm>
-            <a:off x="3124200" y="6356350"/>
-            <a:ext cx="2895600" cy="365125"/>
+            <a:off x="8273317" y="6116070"/>
+            <a:ext cx="413483" cy="365125"/>
           </a:xfrm>
           <a:prstGeom prst="rect">
             <a:avLst/>
@@ -2756,50 +5843,13 @@
         <p:txBody>
           <a:bodyPr vert="horz" lIns="91440" tIns="45720" rIns="91440" bIns="45720" rtlCol="0" anchor="ctr"/>
           <a:lstStyle>
-            <a:lvl1pPr algn="ctr">
-              <a:defRPr sz="1200">
-                <a:solidFill>
-                  <a:schemeClr val="tx1">
-                    <a:tint val="75000"/>
-                  </a:schemeClr>
-                </a:solidFill>
-              </a:defRPr>
-            </a:lvl1pPr>
-          </a:lstStyle>
-          <a:p>
-            <a:endParaRPr lang="en-US"/>
-          </a:p>
-        </p:txBody>
-      </p:sp>
-      <p:sp>
-        <p:nvSpPr>
-          <p:cNvPr id="6" name="Slide Number Placeholder 5"/>
-          <p:cNvSpPr>
-            <a:spLocks noGrp="1"/>
-          </p:cNvSpPr>
-          <p:nvPr>
-            <p:ph type="sldNum" sz="quarter" idx="4"/>
-          </p:nvPr>
-        </p:nvSpPr>
-        <p:spPr>
-          <a:xfrm>
-            <a:off x="6553200" y="6356350"/>
-            <a:ext cx="2133600" cy="365125"/>
-          </a:xfrm>
-          <a:prstGeom prst="rect">
-            <a:avLst/>
-          </a:prstGeom>
-        </p:spPr>
-        <p:txBody>
-          <a:bodyPr vert="horz" lIns="91440" tIns="45720" rIns="91440" bIns="45720" rtlCol="0" anchor="ctr"/>
-          <a:lstStyle>
             <a:lvl1pPr algn="r">
-              <a:defRPr sz="1200">
-                <a:solidFill>
-                  <a:schemeClr val="tx1">
-                    <a:tint val="75000"/>
-                  </a:schemeClr>
-                </a:solidFill>
+              <a:defRPr sz="1000" b="0" i="0">
+                <a:solidFill>
+                  <a:schemeClr val="tx1"/>
+                </a:solidFill>
+                <a:effectLst/>
+                <a:latin typeface="+mn-lt"/>
               </a:defRPr>
             </a:lvl1pPr>
           </a:lstStyle>
@@ -2815,172 +5865,328 @@
     </p:spTree>
     <p:extLst>
       <p:ext uri="{BB962C8B-B14F-4D97-AF65-F5344CB8AC3E}">
-        <p14:creationId xmlns:p14="http://schemas.microsoft.com/office/powerpoint/2010/main" val="3003304662"/>
+        <p14:creationId xmlns:p14="http://schemas.microsoft.com/office/powerpoint/2010/main" val="3505024309"/>
       </p:ext>
     </p:extLst>
   </p:cSld>
   <p:clrMap bg1="lt1" tx1="dk1" bg2="lt2" tx2="dk2" accent1="accent1" accent2="accent2" accent3="accent3" accent4="accent4" accent5="accent5" accent6="accent6" hlink="hlink" folHlink="folHlink"/>
   <p:sldLayoutIdLst>
-    <p:sldLayoutId id="2147483649" r:id="rId1"/>
-    <p:sldLayoutId id="2147483650" r:id="rId2"/>
-    <p:sldLayoutId id="2147483651" r:id="rId3"/>
-    <p:sldLayoutId id="2147483652" r:id="rId4"/>
-    <p:sldLayoutId id="2147483653" r:id="rId5"/>
-    <p:sldLayoutId id="2147483654" r:id="rId6"/>
-    <p:sldLayoutId id="2147483655" r:id="rId7"/>
-    <p:sldLayoutId id="2147483656" r:id="rId8"/>
-    <p:sldLayoutId id="2147483657" r:id="rId9"/>
-    <p:sldLayoutId id="2147483658" r:id="rId10"/>
-    <p:sldLayoutId id="2147483659" r:id="rId11"/>
+    <p:sldLayoutId id="2147483745" r:id="rId1"/>
+    <p:sldLayoutId id="2147483746" r:id="rId2"/>
+    <p:sldLayoutId id="2147483747" r:id="rId3"/>
+    <p:sldLayoutId id="2147483748" r:id="rId4"/>
+    <p:sldLayoutId id="2147483749" r:id="rId5"/>
+    <p:sldLayoutId id="2147483750" r:id="rId6"/>
+    <p:sldLayoutId id="2147483751" r:id="rId7"/>
+    <p:sldLayoutId id="2147483752" r:id="rId8"/>
+    <p:sldLayoutId id="2147483753" r:id="rId9"/>
+    <p:sldLayoutId id="2147483754" r:id="rId10"/>
+    <p:sldLayoutId id="2147483755" r:id="rId11"/>
+    <p:sldLayoutId id="2147483756" r:id="rId12"/>
+    <p:sldLayoutId id="2147483757" r:id="rId13"/>
+    <p:sldLayoutId id="2147483758" r:id="rId14"/>
+    <p:sldLayoutId id="2147483759" r:id="rId15"/>
+    <p:sldLayoutId id="2147483760" r:id="rId16"/>
+    <p:sldLayoutId id="2147483761" r:id="rId17"/>
   </p:sldLayoutIdLst>
   <p:txStyles>
     <p:titleStyle>
-      <a:lvl1pPr algn="ctr" defTabSz="914400" rtl="0" eaLnBrk="1" latinLnBrk="0" hangingPunct="1">
+      <a:lvl1pPr algn="ctr" defTabSz="457200" rtl="0" eaLnBrk="1" latinLnBrk="0" hangingPunct="1">
         <a:spcBef>
           <a:spcPct val="0"/>
         </a:spcBef>
         <a:buNone/>
-        <a:defRPr sz="4400" kern="1200">
+        <a:defRPr sz="4000" kern="1200" cap="none">
+          <a:ln w="3175" cmpd="sng">
+            <a:noFill/>
+          </a:ln>
           <a:solidFill>
             <a:schemeClr val="tx1"/>
           </a:solidFill>
+          <a:effectLst/>
           <a:latin typeface="+mj-lt"/>
           <a:ea typeface="+mj-ea"/>
           <a:cs typeface="+mj-cs"/>
         </a:defRPr>
       </a:lvl1pPr>
+      <a:lvl2pPr eaLnBrk="1" hangingPunct="1">
+        <a:defRPr>
+          <a:solidFill>
+            <a:schemeClr val="tx2"/>
+          </a:solidFill>
+        </a:defRPr>
+      </a:lvl2pPr>
+      <a:lvl3pPr eaLnBrk="1" hangingPunct="1">
+        <a:defRPr>
+          <a:solidFill>
+            <a:schemeClr val="tx2"/>
+          </a:solidFill>
+        </a:defRPr>
+      </a:lvl3pPr>
+      <a:lvl4pPr eaLnBrk="1" hangingPunct="1">
+        <a:defRPr>
+          <a:solidFill>
+            <a:schemeClr val="tx2"/>
+          </a:solidFill>
+        </a:defRPr>
+      </a:lvl4pPr>
+      <a:lvl5pPr eaLnBrk="1" hangingPunct="1">
+        <a:defRPr>
+          <a:solidFill>
+            <a:schemeClr val="tx2"/>
+          </a:solidFill>
+        </a:defRPr>
+      </a:lvl5pPr>
+      <a:lvl6pPr eaLnBrk="1" hangingPunct="1">
+        <a:defRPr>
+          <a:solidFill>
+            <a:schemeClr val="tx2"/>
+          </a:solidFill>
+        </a:defRPr>
+      </a:lvl6pPr>
+      <a:lvl7pPr eaLnBrk="1" hangingPunct="1">
+        <a:defRPr>
+          <a:solidFill>
+            <a:schemeClr val="tx2"/>
+          </a:solidFill>
+        </a:defRPr>
+      </a:lvl7pPr>
+      <a:lvl8pPr eaLnBrk="1" hangingPunct="1">
+        <a:defRPr>
+          <a:solidFill>
+            <a:schemeClr val="tx2"/>
+          </a:solidFill>
+        </a:defRPr>
+      </a:lvl8pPr>
+      <a:lvl9pPr eaLnBrk="1" hangingPunct="1">
+        <a:defRPr>
+          <a:solidFill>
+            <a:schemeClr val="tx2"/>
+          </a:solidFill>
+        </a:defRPr>
+      </a:lvl9pPr>
     </p:titleStyle>
     <p:bodyStyle>
-      <a:lvl1pPr marL="342900" indent="-342900" algn="l" defTabSz="914400" rtl="0" eaLnBrk="1" latinLnBrk="0" hangingPunct="1">
+      <a:lvl1pPr marL="285750" indent="-285750" algn="l" defTabSz="457200" rtl="0" eaLnBrk="1" latinLnBrk="0" hangingPunct="1">
         <a:spcBef>
           <a:spcPct val="20000"/>
         </a:spcBef>
-        <a:buFont typeface="Arial" panose="020B0604020202020204" pitchFamily="34" charset="0"/>
+        <a:spcAft>
+          <a:spcPts val="600"/>
+        </a:spcAft>
+        <a:buClr>
+          <a:schemeClr val="accent1">
+            <a:lumMod val="75000"/>
+          </a:schemeClr>
+        </a:buClr>
+        <a:buSzPct val="145000"/>
+        <a:buFont typeface="Arial"/>
         <a:buChar char="•"/>
-        <a:defRPr sz="3200" kern="1200">
+        <a:defRPr sz="2400" kern="1200" cap="none">
           <a:solidFill>
             <a:schemeClr val="tx1"/>
           </a:solidFill>
+          <a:effectLst/>
           <a:latin typeface="+mn-lt"/>
           <a:ea typeface="+mn-ea"/>
           <a:cs typeface="+mn-cs"/>
         </a:defRPr>
       </a:lvl1pPr>
-      <a:lvl2pPr marL="742950" indent="-285750" algn="l" defTabSz="914400" rtl="0" eaLnBrk="1" latinLnBrk="0" hangingPunct="1">
+      <a:lvl2pPr marL="742950" indent="-285750" algn="l" defTabSz="457200" rtl="0" eaLnBrk="1" latinLnBrk="0" hangingPunct="1">
         <a:spcBef>
           <a:spcPct val="20000"/>
         </a:spcBef>
-        <a:buFont typeface="Arial" panose="020B0604020202020204" pitchFamily="34" charset="0"/>
-        <a:buChar char="–"/>
-        <a:defRPr sz="2800" kern="1200">
+        <a:spcAft>
+          <a:spcPts val="600"/>
+        </a:spcAft>
+        <a:buClr>
+          <a:schemeClr val="accent1">
+            <a:lumMod val="75000"/>
+          </a:schemeClr>
+        </a:buClr>
+        <a:buSzPct val="145000"/>
+        <a:buFont typeface="Arial"/>
+        <a:buChar char="•"/>
+        <a:defRPr sz="2000" kern="1200" cap="none">
           <a:solidFill>
             <a:schemeClr val="tx1"/>
           </a:solidFill>
+          <a:effectLst/>
           <a:latin typeface="+mn-lt"/>
           <a:ea typeface="+mn-ea"/>
           <a:cs typeface="+mn-cs"/>
         </a:defRPr>
       </a:lvl2pPr>
-      <a:lvl3pPr marL="1143000" indent="-228600" algn="l" defTabSz="914400" rtl="0" eaLnBrk="1" latinLnBrk="0" hangingPunct="1">
+      <a:lvl3pPr marL="1200150" indent="-285750" algn="l" defTabSz="457200" rtl="0" eaLnBrk="1" latinLnBrk="0" hangingPunct="1">
         <a:spcBef>
           <a:spcPct val="20000"/>
         </a:spcBef>
-        <a:buFont typeface="Arial" panose="020B0604020202020204" pitchFamily="34" charset="0"/>
+        <a:spcAft>
+          <a:spcPts val="600"/>
+        </a:spcAft>
+        <a:buClr>
+          <a:schemeClr val="accent1">
+            <a:lumMod val="75000"/>
+          </a:schemeClr>
+        </a:buClr>
+        <a:buSzPct val="145000"/>
+        <a:buFont typeface="Arial"/>
         <a:buChar char="•"/>
-        <a:defRPr sz="2400" kern="1200">
+        <a:defRPr sz="1800" kern="1200" cap="none">
           <a:solidFill>
             <a:schemeClr val="tx1"/>
           </a:solidFill>
+          <a:effectLst/>
           <a:latin typeface="+mn-lt"/>
           <a:ea typeface="+mn-ea"/>
           <a:cs typeface="+mn-cs"/>
         </a:defRPr>
       </a:lvl3pPr>
-      <a:lvl4pPr marL="1600200" indent="-228600" algn="l" defTabSz="914400" rtl="0" eaLnBrk="1" latinLnBrk="0" hangingPunct="1">
+      <a:lvl4pPr marL="1543050" indent="-171450" algn="l" defTabSz="457200" rtl="0" eaLnBrk="1" latinLnBrk="0" hangingPunct="1">
         <a:spcBef>
           <a:spcPct val="20000"/>
         </a:spcBef>
-        <a:buFont typeface="Arial" panose="020B0604020202020204" pitchFamily="34" charset="0"/>
-        <a:buChar char="–"/>
-        <a:defRPr sz="2000" kern="1200">
+        <a:spcAft>
+          <a:spcPts val="600"/>
+        </a:spcAft>
+        <a:buClr>
+          <a:schemeClr val="accent1">
+            <a:lumMod val="75000"/>
+          </a:schemeClr>
+        </a:buClr>
+        <a:buSzPct val="145000"/>
+        <a:buFont typeface="Arial"/>
+        <a:buChar char="•"/>
+        <a:defRPr sz="1600" kern="1200" cap="none">
           <a:solidFill>
             <a:schemeClr val="tx1"/>
           </a:solidFill>
+          <a:effectLst/>
           <a:latin typeface="+mn-lt"/>
           <a:ea typeface="+mn-ea"/>
           <a:cs typeface="+mn-cs"/>
         </a:defRPr>
       </a:lvl4pPr>
-      <a:lvl5pPr marL="2057400" indent="-228600" algn="l" defTabSz="914400" rtl="0" eaLnBrk="1" latinLnBrk="0" hangingPunct="1">
+      <a:lvl5pPr marL="2000250" indent="-171450" algn="l" defTabSz="457200" rtl="0" eaLnBrk="1" latinLnBrk="0" hangingPunct="1">
         <a:spcBef>
           <a:spcPct val="20000"/>
         </a:spcBef>
-        <a:buFont typeface="Arial" panose="020B0604020202020204" pitchFamily="34" charset="0"/>
-        <a:buChar char="»"/>
-        <a:defRPr sz="2000" kern="1200">
+        <a:spcAft>
+          <a:spcPts val="600"/>
+        </a:spcAft>
+        <a:buClr>
+          <a:schemeClr val="accent1">
+            <a:lumMod val="75000"/>
+          </a:schemeClr>
+        </a:buClr>
+        <a:buSzPct val="145000"/>
+        <a:buFont typeface="Arial"/>
+        <a:buChar char="•"/>
+        <a:defRPr sz="1400" kern="1200" cap="none">
           <a:solidFill>
             <a:schemeClr val="tx1"/>
           </a:solidFill>
+          <a:effectLst/>
           <a:latin typeface="+mn-lt"/>
           <a:ea typeface="+mn-ea"/>
           <a:cs typeface="+mn-cs"/>
         </a:defRPr>
       </a:lvl5pPr>
-      <a:lvl6pPr marL="2514600" indent="-228600" algn="l" defTabSz="914400" rtl="0" eaLnBrk="1" latinLnBrk="0" hangingPunct="1">
+      <a:lvl6pPr marL="2514600" indent="-228600" algn="l" defTabSz="457200" rtl="0" eaLnBrk="1" latinLnBrk="0" hangingPunct="1">
         <a:spcBef>
           <a:spcPct val="20000"/>
         </a:spcBef>
-        <a:buFont typeface="Arial" panose="020B0604020202020204" pitchFamily="34" charset="0"/>
+        <a:spcAft>
+          <a:spcPts val="600"/>
+        </a:spcAft>
+        <a:buClr>
+          <a:schemeClr val="accent1">
+            <a:lumMod val="75000"/>
+          </a:schemeClr>
+        </a:buClr>
+        <a:buSzPct val="145000"/>
+        <a:buFont typeface="Arial"/>
         <a:buChar char="•"/>
-        <a:defRPr sz="2000" kern="1200">
+        <a:defRPr sz="1400" kern="1200" cap="none">
           <a:solidFill>
             <a:schemeClr val="tx1"/>
           </a:solidFill>
+          <a:effectLst/>
           <a:latin typeface="+mn-lt"/>
           <a:ea typeface="+mn-ea"/>
           <a:cs typeface="+mn-cs"/>
         </a:defRPr>
       </a:lvl6pPr>
-      <a:lvl7pPr marL="2971800" indent="-228600" algn="l" defTabSz="914400" rtl="0" eaLnBrk="1" latinLnBrk="0" hangingPunct="1">
+      <a:lvl7pPr marL="2971800" indent="-228600" algn="l" defTabSz="457200" rtl="0" eaLnBrk="1" latinLnBrk="0" hangingPunct="1">
         <a:spcBef>
           <a:spcPct val="20000"/>
         </a:spcBef>
-        <a:buFont typeface="Arial" panose="020B0604020202020204" pitchFamily="34" charset="0"/>
+        <a:spcAft>
+          <a:spcPts val="600"/>
+        </a:spcAft>
+        <a:buClr>
+          <a:schemeClr val="accent1">
+            <a:lumMod val="75000"/>
+          </a:schemeClr>
+        </a:buClr>
+        <a:buSzPct val="145000"/>
+        <a:buFont typeface="Arial"/>
         <a:buChar char="•"/>
-        <a:defRPr sz="2000" kern="1200">
+        <a:defRPr sz="1400" kern="1200" cap="none">
           <a:solidFill>
             <a:schemeClr val="tx1"/>
           </a:solidFill>
+          <a:effectLst/>
           <a:latin typeface="+mn-lt"/>
           <a:ea typeface="+mn-ea"/>
           <a:cs typeface="+mn-cs"/>
         </a:defRPr>
       </a:lvl7pPr>
-      <a:lvl8pPr marL="3429000" indent="-228600" algn="l" defTabSz="914400" rtl="0" eaLnBrk="1" latinLnBrk="0" hangingPunct="1">
+      <a:lvl8pPr marL="3429000" indent="-228600" algn="l" defTabSz="457200" rtl="0" eaLnBrk="1" latinLnBrk="0" hangingPunct="1">
         <a:spcBef>
           <a:spcPct val="20000"/>
         </a:spcBef>
-        <a:buFont typeface="Arial" panose="020B0604020202020204" pitchFamily="34" charset="0"/>
+        <a:spcAft>
+          <a:spcPts val="600"/>
+        </a:spcAft>
+        <a:buClr>
+          <a:schemeClr val="accent1">
+            <a:lumMod val="75000"/>
+          </a:schemeClr>
+        </a:buClr>
+        <a:buSzPct val="145000"/>
+        <a:buFont typeface="Arial"/>
         <a:buChar char="•"/>
-        <a:defRPr sz="2000" kern="1200">
+        <a:defRPr sz="1400" kern="1200" cap="none">
           <a:solidFill>
             <a:schemeClr val="tx1"/>
           </a:solidFill>
+          <a:effectLst/>
           <a:latin typeface="+mn-lt"/>
           <a:ea typeface="+mn-ea"/>
           <a:cs typeface="+mn-cs"/>
         </a:defRPr>
       </a:lvl8pPr>
-      <a:lvl9pPr marL="3886200" indent="-228600" algn="l" defTabSz="914400" rtl="0" eaLnBrk="1" latinLnBrk="0" hangingPunct="1">
+      <a:lvl9pPr marL="3886200" indent="-228600" algn="l" defTabSz="457200" rtl="0" eaLnBrk="1" latinLnBrk="0" hangingPunct="1">
         <a:spcBef>
           <a:spcPct val="20000"/>
         </a:spcBef>
-        <a:buFont typeface="Arial" panose="020B0604020202020204" pitchFamily="34" charset="0"/>
+        <a:spcAft>
+          <a:spcPts val="600"/>
+        </a:spcAft>
+        <a:buClr>
+          <a:schemeClr val="accent1">
+            <a:lumMod val="75000"/>
+          </a:schemeClr>
+        </a:buClr>
+        <a:buSzPct val="145000"/>
+        <a:buFont typeface="Arial"/>
         <a:buChar char="•"/>
-        <a:defRPr sz="2000" kern="1200">
+        <a:defRPr sz="1400" kern="1200" cap="none">
           <a:solidFill>
             <a:schemeClr val="tx1"/>
           </a:solidFill>
+          <a:effectLst/>
           <a:latin typeface="+mn-lt"/>
           <a:ea typeface="+mn-ea"/>
           <a:cs typeface="+mn-cs"/>
@@ -2991,7 +6197,7 @@
       <a:defPPr>
         <a:defRPr lang="en-US"/>
       </a:defPPr>
-      <a:lvl1pPr marL="0" algn="l" defTabSz="914400" rtl="0" eaLnBrk="1" latinLnBrk="0" hangingPunct="1">
+      <a:lvl1pPr marL="0" algn="l" defTabSz="457200" rtl="0" eaLnBrk="1" latinLnBrk="0" hangingPunct="1">
         <a:defRPr sz="1800" kern="1200">
           <a:solidFill>
             <a:schemeClr val="tx1"/>
@@ -3001,7 +6207,7 @@
           <a:cs typeface="+mn-cs"/>
         </a:defRPr>
       </a:lvl1pPr>
-      <a:lvl2pPr marL="457200" algn="l" defTabSz="914400" rtl="0" eaLnBrk="1" latinLnBrk="0" hangingPunct="1">
+      <a:lvl2pPr marL="457200" algn="l" defTabSz="457200" rtl="0" eaLnBrk="1" latinLnBrk="0" hangingPunct="1">
         <a:defRPr sz="1800" kern="1200">
           <a:solidFill>
             <a:schemeClr val="tx1"/>
@@ -3011,7 +6217,7 @@
           <a:cs typeface="+mn-cs"/>
         </a:defRPr>
       </a:lvl2pPr>
-      <a:lvl3pPr marL="914400" algn="l" defTabSz="914400" rtl="0" eaLnBrk="1" latinLnBrk="0" hangingPunct="1">
+      <a:lvl3pPr marL="914400" algn="l" defTabSz="457200" rtl="0" eaLnBrk="1" latinLnBrk="0" hangingPunct="1">
         <a:defRPr sz="1800" kern="1200">
           <a:solidFill>
             <a:schemeClr val="tx1"/>
@@ -3021,7 +6227,7 @@
           <a:cs typeface="+mn-cs"/>
         </a:defRPr>
       </a:lvl3pPr>
-      <a:lvl4pPr marL="1371600" algn="l" defTabSz="914400" rtl="0" eaLnBrk="1" latinLnBrk="0" hangingPunct="1">
+      <a:lvl4pPr marL="1371600" algn="l" defTabSz="457200" rtl="0" eaLnBrk="1" latinLnBrk="0" hangingPunct="1">
         <a:defRPr sz="1800" kern="1200">
           <a:solidFill>
             <a:schemeClr val="tx1"/>
@@ -3031,7 +6237,7 @@
           <a:cs typeface="+mn-cs"/>
         </a:defRPr>
       </a:lvl4pPr>
-      <a:lvl5pPr marL="1828800" algn="l" defTabSz="914400" rtl="0" eaLnBrk="1" latinLnBrk="0" hangingPunct="1">
+      <a:lvl5pPr marL="1828800" algn="l" defTabSz="457200" rtl="0" eaLnBrk="1" latinLnBrk="0" hangingPunct="1">
         <a:defRPr sz="1800" kern="1200">
           <a:solidFill>
             <a:schemeClr val="tx1"/>
@@ -3041,7 +6247,7 @@
           <a:cs typeface="+mn-cs"/>
         </a:defRPr>
       </a:lvl5pPr>
-      <a:lvl6pPr marL="2286000" algn="l" defTabSz="914400" rtl="0" eaLnBrk="1" latinLnBrk="0" hangingPunct="1">
+      <a:lvl6pPr marL="2286000" algn="l" defTabSz="457200" rtl="0" eaLnBrk="1" latinLnBrk="0" hangingPunct="1">
         <a:defRPr sz="1800" kern="1200">
           <a:solidFill>
             <a:schemeClr val="tx1"/>
@@ -3051,7 +6257,7 @@
           <a:cs typeface="+mn-cs"/>
         </a:defRPr>
       </a:lvl6pPr>
-      <a:lvl7pPr marL="2743200" algn="l" defTabSz="914400" rtl="0" eaLnBrk="1" latinLnBrk="0" hangingPunct="1">
+      <a:lvl7pPr marL="2743200" algn="l" defTabSz="457200" rtl="0" eaLnBrk="1" latinLnBrk="0" hangingPunct="1">
         <a:defRPr sz="1800" kern="1200">
           <a:solidFill>
             <a:schemeClr val="tx1"/>
@@ -3061,7 +6267,7 @@
           <a:cs typeface="+mn-cs"/>
         </a:defRPr>
       </a:lvl7pPr>
-      <a:lvl8pPr marL="3200400" algn="l" defTabSz="914400" rtl="0" eaLnBrk="1" latinLnBrk="0" hangingPunct="1">
+      <a:lvl8pPr marL="3200400" algn="l" defTabSz="457200" rtl="0" eaLnBrk="1" latinLnBrk="0" hangingPunct="1">
         <a:defRPr sz="1800" kern="1200">
           <a:solidFill>
             <a:schemeClr val="tx1"/>
@@ -3071,7 +6277,7 @@
           <a:cs typeface="+mn-cs"/>
         </a:defRPr>
       </a:lvl8pPr>
-      <a:lvl9pPr marL="3657600" algn="l" defTabSz="914400" rtl="0" eaLnBrk="1" latinLnBrk="0" hangingPunct="1">
+      <a:lvl9pPr marL="3657600" algn="l" defTabSz="457200" rtl="0" eaLnBrk="1" latinLnBrk="0" hangingPunct="1">
         <a:defRPr sz="1800" kern="1200">
           <a:solidFill>
             <a:schemeClr val="tx1"/>
@@ -3543,10 +6749,9 @@
           <a:lstStyle/>
           <a:p>
             <a:r>
-              <a:rPr lang="en-US"/>
+              <a:rPr lang="en-US" dirty="0"/>
               <a:t>How did you use multithreading in the project?</a:t>
             </a:r>
-            <a:endParaRPr lang="en-US" dirty="0"/>
           </a:p>
         </p:txBody>
       </p:sp>
@@ -3580,7 +6785,7 @@
           <a:p>
             <a:pPr algn="ctr"/>
             <a:r>
-              <a:rPr lang="en-US">
+              <a:rPr lang="en-US" dirty="0">
                 <a:solidFill>
                   <a:srgbClr val="FF0000"/>
                 </a:solidFill>
@@ -4016,15 +7221,7 @@
           <a:p>
             <a:r>
               <a:rPr lang="en-US" dirty="0"/>
-              <a:t>How did you avoid coupling </a:t>
-            </a:r>
-            <a:r>
-              <a:rPr lang="en-US"/>
-              <a:t>to subclasses</a:t>
-            </a:r>
-            <a:r>
-              <a:rPr lang="en-US" dirty="0"/>
-              <a:t>?</a:t>
+              <a:t>How did you avoid coupling to subclasses?</a:t>
             </a:r>
           </a:p>
         </p:txBody>
@@ -4391,9 +7588,9 @@
 </file>
 
 <file path=ppt/theme/theme1.xml><?xml version="1.0" encoding="utf-8"?>
-<a:theme xmlns:a="http://schemas.openxmlformats.org/drawingml/2006/main" name="Office Theme">
+<a:theme xmlns:a="http://schemas.openxmlformats.org/drawingml/2006/main" name="Parallax">
   <a:themeElements>
-    <a:clrScheme name="Office">
+    <a:clrScheme name="Parallax">
       <a:dk1>
         <a:sysClr val="windowText" lastClr="000000"/>
       </a:dk1>
@@ -4401,52 +7598,52 @@
         <a:sysClr val="window" lastClr="FFFFFF"/>
       </a:lt1>
       <a:dk2>
-        <a:srgbClr val="1F497D"/>
+        <a:srgbClr val="212121"/>
       </a:dk2>
       <a:lt2>
-        <a:srgbClr val="EEECE1"/>
+        <a:srgbClr val="CDD0D1"/>
       </a:lt2>
       <a:accent1>
-        <a:srgbClr val="4F81BD"/>
+        <a:srgbClr val="8BB434"/>
       </a:accent1>
       <a:accent2>
-        <a:srgbClr val="C0504D"/>
+        <a:srgbClr val="33A583"/>
       </a:accent2>
       <a:accent3>
-        <a:srgbClr val="9BBB59"/>
+        <a:srgbClr val="3594B4"/>
       </a:accent3>
       <a:accent4>
-        <a:srgbClr val="8064A2"/>
+        <a:srgbClr val="6063B4"/>
       </a:accent4>
       <a:accent5>
-        <a:srgbClr val="4BACC6"/>
+        <a:srgbClr val="D35731"/>
       </a:accent5>
       <a:accent6>
-        <a:srgbClr val="F79646"/>
+        <a:srgbClr val="EBAC4B"/>
       </a:accent6>
       <a:hlink>
-        <a:srgbClr val="0000FF"/>
+        <a:srgbClr val="65AD30"/>
       </a:hlink>
       <a:folHlink>
-        <a:srgbClr val="800080"/>
+        <a:srgbClr val="8ED25B"/>
       </a:folHlink>
     </a:clrScheme>
-    <a:fontScheme name="Office">
+    <a:fontScheme name="Parallax">
       <a:majorFont>
-        <a:latin typeface="Calibri"/>
+        <a:latin typeface="Corbel" panose="020B0503020204020204"/>
         <a:ea typeface=""/>
         <a:cs typeface=""/>
-        <a:font script="Jpan" typeface="ＭＳ Ｐゴシック"/>
-        <a:font script="Hang" typeface="맑은 고딕"/>
-        <a:font script="Hans" typeface="宋体"/>
+        <a:font script="Jpan" typeface="HGｺﾞｼｯｸM"/>
+        <a:font script="Hang" typeface="HY엽서L"/>
+        <a:font script="Hans" typeface="华文楷体"/>
         <a:font script="Hant" typeface="新細明體"/>
-        <a:font script="Arab" typeface="Times New Roman"/>
-        <a:font script="Hebr" typeface="Times New Roman"/>
-        <a:font script="Thai" typeface="Angsana New"/>
+        <a:font script="Arab" typeface="Tahoma"/>
+        <a:font script="Hebr" typeface="Miriam"/>
+        <a:font script="Thai" typeface="DilleniaUPC"/>
         <a:font script="Ethi" typeface="Nyala"/>
         <a:font script="Beng" typeface="Vrinda"/>
         <a:font script="Gujr" typeface="Shruti"/>
-        <a:font script="Khmr" typeface="MoolBoran"/>
+        <a:font script="Khmr" typeface="DaunPenh"/>
         <a:font script="Knda" typeface="Tunga"/>
         <a:font script="Guru" typeface="Raavi"/>
         <a:font script="Cans" typeface="Euphemia"/>
@@ -4463,21 +7660,21 @@
         <a:font script="Laoo" typeface="DokChampa"/>
         <a:font script="Sinh" typeface="Iskoola Pota"/>
         <a:font script="Mong" typeface="Mongolian Baiti"/>
-        <a:font script="Viet" typeface="Times New Roman"/>
+        <a:font script="Viet" typeface="Arial"/>
         <a:font script="Uigh" typeface="Microsoft Uighur"/>
         <a:font script="Geor" typeface="Sylfaen"/>
       </a:majorFont>
       <a:minorFont>
-        <a:latin typeface="Calibri"/>
+        <a:latin typeface="Corbel" panose="020B0503020204020204"/>
         <a:ea typeface=""/>
         <a:cs typeface=""/>
-        <a:font script="Jpan" typeface="ＭＳ Ｐゴシック"/>
-        <a:font script="Hang" typeface="맑은 고딕"/>
-        <a:font script="Hans" typeface="宋体"/>
+        <a:font script="Jpan" typeface="HGｺﾞｼｯｸM"/>
+        <a:font script="Hang" typeface="HY엽서L"/>
+        <a:font script="Hans" typeface="华文楷体"/>
         <a:font script="Hant" typeface="新細明體"/>
-        <a:font script="Arab" typeface="Arial"/>
-        <a:font script="Hebr" typeface="Arial"/>
-        <a:font script="Thai" typeface="Cordia New"/>
+        <a:font script="Arab" typeface="Tahoma"/>
+        <a:font script="Hebr" typeface="Miriam"/>
+        <a:font script="Thai" typeface="DilleniaUPC"/>
         <a:font script="Ethi" typeface="Nyala"/>
         <a:font script="Beng" typeface="Vrinda"/>
         <a:font script="Gujr" typeface="Shruti"/>
@@ -4503,7 +7700,7 @@
         <a:font script="Geor" typeface="Sylfaen"/>
       </a:minorFont>
     </a:fontScheme>
-    <a:fmtScheme name="Office">
+    <a:fmtScheme name="Parallax">
       <a:fillStyleLst>
         <a:solidFill>
           <a:schemeClr val="phClr"/>
@@ -4512,66 +7709,54 @@
           <a:gsLst>
             <a:gs pos="0">
               <a:schemeClr val="phClr">
-                <a:tint val="50000"/>
-                <a:satMod val="300000"/>
-              </a:schemeClr>
-            </a:gs>
-            <a:gs pos="35000">
-              <a:schemeClr val="phClr">
-                <a:tint val="37000"/>
-                <a:satMod val="300000"/>
+                <a:tint val="60000"/>
+                <a:lumMod val="104000"/>
               </a:schemeClr>
             </a:gs>
             <a:gs pos="100000">
               <a:schemeClr val="phClr">
-                <a:tint val="15000"/>
-                <a:satMod val="350000"/>
+                <a:tint val="84000"/>
               </a:schemeClr>
             </a:gs>
           </a:gsLst>
-          <a:lin ang="16200000" scaled="1"/>
+          <a:lin ang="5400000" scaled="0"/>
         </a:gradFill>
         <a:gradFill rotWithShape="1">
           <a:gsLst>
             <a:gs pos="0">
               <a:schemeClr val="phClr">
-                <a:shade val="51000"/>
-                <a:satMod val="130000"/>
-              </a:schemeClr>
-            </a:gs>
-            <a:gs pos="80000">
-              <a:schemeClr val="phClr">
-                <a:shade val="93000"/>
-                <a:satMod val="130000"/>
+                <a:tint val="96000"/>
+                <a:lumMod val="102000"/>
               </a:schemeClr>
             </a:gs>
             <a:gs pos="100000">
               <a:schemeClr val="phClr">
-                <a:shade val="94000"/>
-                <a:satMod val="135000"/>
+                <a:shade val="88000"/>
+                <a:lumMod val="94000"/>
               </a:schemeClr>
             </a:gs>
           </a:gsLst>
-          <a:lin ang="16200000" scaled="0"/>
+          <a:path path="circle">
+            <a:fillToRect l="50000" t="100000" r="100000" b="50000"/>
+          </a:path>
         </a:gradFill>
       </a:fillStyleLst>
       <a:lnStyleLst>
-        <a:ln w="9525" cap="flat" cmpd="sng" algn="ctr">
+        <a:ln w="9525" cap="rnd" cmpd="sng" algn="ctr">
           <a:solidFill>
             <a:schemeClr val="phClr">
-              <a:shade val="95000"/>
-              <a:satMod val="105000"/>
+              <a:tint val="60000"/>
             </a:schemeClr>
           </a:solidFill>
           <a:prstDash val="solid"/>
         </a:ln>
-        <a:ln w="25400" cap="flat" cmpd="sng" algn="ctr">
+        <a:ln w="15875" cap="rnd" cmpd="sng" algn="ctr">
           <a:solidFill>
             <a:schemeClr val="phClr"/>
           </a:solidFill>
           <a:prstDash val="solid"/>
         </a:ln>
-        <a:ln w="38100" cap="flat" cmpd="sng" algn="ctr">
+        <a:ln w="22225" cap="rnd" cmpd="sng" algn="ctr">
           <a:solidFill>
             <a:schemeClr val="phClr"/>
           </a:solidFill>
@@ -4580,28 +7765,18 @@
       </a:lnStyleLst>
       <a:effectStyleLst>
         <a:effectStyle>
+          <a:effectLst/>
+        </a:effectStyle>
+        <a:effectStyle>
           <a:effectLst>
-            <a:outerShdw blurRad="40000" dist="20000" dir="5400000" rotWithShape="0">
-              <a:srgbClr val="000000">
-                <a:alpha val="38000"/>
-              </a:srgbClr>
-            </a:outerShdw>
+            <a:reflection blurRad="12700" stA="26000" endPos="32000" dist="12700" dir="5400000" sy="-100000" rotWithShape="0"/>
           </a:effectLst>
         </a:effectStyle>
         <a:effectStyle>
           <a:effectLst>
-            <a:outerShdw blurRad="40000" dist="23000" dir="5400000" rotWithShape="0">
+            <a:outerShdw blurRad="38100" dist="25400" dir="5400000" rotWithShape="0">
               <a:srgbClr val="000000">
-                <a:alpha val="35000"/>
-              </a:srgbClr>
-            </a:outerShdw>
-          </a:effectLst>
-        </a:effectStyle>
-        <a:effectStyle>
-          <a:effectLst>
-            <a:outerShdw blurRad="40000" dist="23000" dir="5400000" rotWithShape="0">
-              <a:srgbClr val="000000">
-                <a:alpha val="35000"/>
+                <a:alpha val="64000"/>
               </a:srgbClr>
             </a:outerShdw>
           </a:effectLst>
@@ -4609,12 +7784,12 @@
             <a:camera prst="orthographicFront">
               <a:rot lat="0" lon="0" rev="0"/>
             </a:camera>
-            <a:lightRig rig="threePt" dir="t">
+            <a:lightRig rig="threePt" dir="tl">
               <a:rot lat="0" lon="0" rev="1200000"/>
             </a:lightRig>
           </a:scene3d>
           <a:sp3d>
-            <a:bevelT w="63500" h="25400"/>
+            <a:bevelT w="25400" h="12700"/>
           </a:sp3d>
         </a:effectStyle>
       </a:effectStyleLst>
@@ -4626,51 +7801,44 @@
           <a:gsLst>
             <a:gs pos="0">
               <a:schemeClr val="phClr">
-                <a:tint val="40000"/>
-                <a:satMod val="350000"/>
-              </a:schemeClr>
-            </a:gs>
-            <a:gs pos="40000">
-              <a:schemeClr val="phClr">
-                <a:tint val="45000"/>
-                <a:shade val="99000"/>
-                <a:satMod val="350000"/>
+                <a:tint val="90000"/>
+                <a:lumMod val="110000"/>
               </a:schemeClr>
             </a:gs>
             <a:gs pos="100000">
               <a:schemeClr val="phClr">
-                <a:shade val="20000"/>
-                <a:satMod val="255000"/>
+                <a:shade val="64000"/>
+                <a:lumMod val="98000"/>
               </a:schemeClr>
             </a:gs>
           </a:gsLst>
-          <a:path path="circle">
-            <a:fillToRect l="50000" t="-80000" r="50000" b="180000"/>
-          </a:path>
+          <a:lin ang="5400000" scaled="0"/>
         </a:gradFill>
-        <a:gradFill rotWithShape="1">
-          <a:gsLst>
-            <a:gs pos="0">
+        <a:blipFill rotWithShape="1">
+          <a:blip xmlns:r="http://schemas.openxmlformats.org/officeDocument/2006/relationships" r:embed="rId1">
+            <a:duotone>
+              <a:schemeClr val="phClr">
+                <a:shade val="76000"/>
+                <a:satMod val="180000"/>
+              </a:schemeClr>
               <a:schemeClr val="phClr">
                 <a:tint val="80000"/>
-                <a:satMod val="300000"/>
+                <a:satMod val="120000"/>
+                <a:lumMod val="180000"/>
               </a:schemeClr>
-            </a:gs>
-            <a:gs pos="100000">
-              <a:schemeClr val="phClr">
-                <a:shade val="30000"/>
-                <a:satMod val="200000"/>
-              </a:schemeClr>
-            </a:gs>
-          </a:gsLst>
-          <a:path path="circle">
-            <a:fillToRect l="50000" t="50000" r="50000" b="50000"/>
-          </a:path>
-        </a:gradFill>
+            </a:duotone>
+          </a:blip>
+          <a:stretch/>
+        </a:blipFill>
       </a:bgFillStyleLst>
     </a:fmtScheme>
   </a:themeElements>
   <a:objectDefaults/>
   <a:extraClrSchemeLst/>
+  <a:extLst>
+    <a:ext uri="{05A4C25C-085E-4340-85A3-A5531E510DB2}">
+      <thm15:themeFamily xmlns:thm15="http://schemas.microsoft.com/office/thememl/2012/main" name="Parallax" id="{3388167B-A2EB-4685-9635-1831D9AEF8C4}" vid="{EBEC8F79-A447-43FC-8E81-85E8468AF3F9}"/>
+    </a:ext>
+  </a:extLst>
 </a:theme>
 </file>
--- a/Recycling Aid Presentation.pptx
+++ b/Recycling Aid Presentation.pptx
@@ -2,23 +2,23 @@
 <file path=ppt/presentation.xml><?xml version="1.0" encoding="utf-8"?>
 <p:presentation xmlns:a="http://schemas.openxmlformats.org/drawingml/2006/main" xmlns:r="http://schemas.openxmlformats.org/officeDocument/2006/relationships" xmlns:p="http://schemas.openxmlformats.org/presentationml/2006/main" saveSubsetFonts="1">
   <p:sldMasterIdLst>
-    <p:sldMasterId id="2147483744" r:id="rId1"/>
+    <p:sldMasterId id="2147483744" r:id="rId4"/>
   </p:sldMasterIdLst>
   <p:sldIdLst>
-    <p:sldId id="256" r:id="rId2"/>
-    <p:sldId id="266" r:id="rId3"/>
-    <p:sldId id="267" r:id="rId4"/>
-    <p:sldId id="268" r:id="rId5"/>
-    <p:sldId id="257" r:id="rId6"/>
-    <p:sldId id="258" r:id="rId7"/>
-    <p:sldId id="260" r:id="rId8"/>
-    <p:sldId id="261" r:id="rId9"/>
-    <p:sldId id="262" r:id="rId10"/>
-    <p:sldId id="269" r:id="rId11"/>
-    <p:sldId id="265" r:id="rId12"/>
-    <p:sldId id="263" r:id="rId13"/>
-    <p:sldId id="270" r:id="rId14"/>
-    <p:sldId id="264" r:id="rId15"/>
+    <p:sldId id="256" r:id="rId5"/>
+    <p:sldId id="266" r:id="rId6"/>
+    <p:sldId id="267" r:id="rId7"/>
+    <p:sldId id="268" r:id="rId8"/>
+    <p:sldId id="257" r:id="rId9"/>
+    <p:sldId id="258" r:id="rId10"/>
+    <p:sldId id="260" r:id="rId11"/>
+    <p:sldId id="261" r:id="rId12"/>
+    <p:sldId id="262" r:id="rId13"/>
+    <p:sldId id="269" r:id="rId14"/>
+    <p:sldId id="265" r:id="rId15"/>
+    <p:sldId id="263" r:id="rId16"/>
+    <p:sldId id="270" r:id="rId17"/>
+    <p:sldId id="264" r:id="rId18"/>
   </p:sldIdLst>
   <p:sldSz cx="9144000" cy="6858000" type="screen4x3"/>
   <p:notesSz cx="6858000" cy="9144000"/>
@@ -136,6 +136,14 @@
 </p:presentation>
 </file>
 
+<file path=ppt/revisionInfo.xml><?xml version="1.0" encoding="utf-8"?>
+<p1510:revInfo xmlns:a="http://schemas.openxmlformats.org/drawingml/2006/main" xmlns:r="http://schemas.openxmlformats.org/officeDocument/2006/relationships" xmlns:p1510="http://schemas.microsoft.com/office/powerpoint/2015/10/main">
+  <p1510:revLst>
+    <p1510:client id="{90661D26-82F9-4687-9C49-D5790027E0D1}" v="36" dt="2025-04-28T17:18:20.578"/>
+  </p1510:revLst>
+</p1510:revInfo>
+</file>
+
 <file path=ppt/slideLayouts/slideLayout1.xml><?xml version="1.0" encoding="utf-8"?>
 <p:sldLayout xmlns:a="http://schemas.openxmlformats.org/drawingml/2006/main" xmlns:r="http://schemas.openxmlformats.org/officeDocument/2006/relationships" xmlns:p="http://schemas.openxmlformats.org/presentationml/2006/main" showMasterSp="0" type="title" preserve="1">
   <p:cSld name="Title Slide">
@@ -652,7 +660,7 @@
           <a:p>
             <a:fld id="{66C03C0E-3F98-4A8B-BCFE-F0C905038B8C}" type="datetimeFigureOut">
               <a:rPr lang="en-US" smtClean="0"/>
-              <a:t>4/18/2025</a:t>
+              <a:t>4/28/2025</a:t>
             </a:fld>
             <a:endParaRPr lang="en-US"/>
           </a:p>
@@ -753,7 +761,7 @@
           </a:ln>
           <a:extLst>
             <a:ext uri="{91240B29-F687-4f45-9708-019B960494DF}">
-              <a14:hiddenLine xmlns="" xmlns:a14="http://schemas.microsoft.com/office/drawing/2010/main" w="9525">
+              <a14:hiddenLine xmlns:a14="http://schemas.microsoft.com/office/drawing/2010/main" xmlns="" w="9525">
                 <a:solidFill>
                   <a:srgbClr val="000000"/>
                 </a:solidFill>
@@ -808,7 +816,7 @@
           </a:ln>
           <a:extLst>
             <a:ext uri="{91240B29-F687-4f45-9708-019B960494DF}">
-              <a14:hiddenLine xmlns="" xmlns:a14="http://schemas.microsoft.com/office/drawing/2010/main" w="9525">
+              <a14:hiddenLine xmlns:a14="http://schemas.microsoft.com/office/drawing/2010/main" xmlns="" w="9525">
                 <a:solidFill>
                   <a:srgbClr val="000000"/>
                 </a:solidFill>
@@ -1063,7 +1071,7 @@
           <a:p>
             <a:fld id="{66C03C0E-3F98-4A8B-BCFE-F0C905038B8C}" type="datetimeFigureOut">
               <a:rPr lang="en-US" smtClean="0"/>
-              <a:t>4/18/2025</a:t>
+              <a:t>4/28/2025</a:t>
             </a:fld>
             <a:endParaRPr lang="en-US"/>
           </a:p>
@@ -1311,7 +1319,7 @@
           <a:p>
             <a:fld id="{66C03C0E-3F98-4A8B-BCFE-F0C905038B8C}" type="datetimeFigureOut">
               <a:rPr lang="en-US" smtClean="0"/>
-              <a:t>4/18/2025</a:t>
+              <a:t>4/28/2025</a:t>
             </a:fld>
             <a:endParaRPr lang="en-US"/>
           </a:p>
@@ -1851,7 +1859,7 @@
           <a:p>
             <a:fld id="{66C03C0E-3F98-4A8B-BCFE-F0C905038B8C}" type="datetimeFigureOut">
               <a:rPr lang="en-US" smtClean="0"/>
-              <a:t>4/18/2025</a:t>
+              <a:t>4/28/2025</a:t>
             </a:fld>
             <a:endParaRPr lang="en-US"/>
           </a:p>
@@ -2099,7 +2107,7 @@
           <a:p>
             <a:fld id="{66C03C0E-3F98-4A8B-BCFE-F0C905038B8C}" type="datetimeFigureOut">
               <a:rPr lang="en-US" smtClean="0"/>
-              <a:t>4/18/2025</a:t>
+              <a:t>4/28/2025</a:t>
             </a:fld>
             <a:endParaRPr lang="en-US"/>
           </a:p>
@@ -2631,7 +2639,7 @@
           <a:p>
             <a:fld id="{66C03C0E-3F98-4A8B-BCFE-F0C905038B8C}" type="datetimeFigureOut">
               <a:rPr lang="en-US" smtClean="0"/>
-              <a:t>4/18/2025</a:t>
+              <a:t>4/28/2025</a:t>
             </a:fld>
             <a:endParaRPr lang="en-US"/>
           </a:p>
@@ -2928,7 +2936,7 @@
           <a:p>
             <a:fld id="{66C03C0E-3F98-4A8B-BCFE-F0C905038B8C}" type="datetimeFigureOut">
               <a:rPr lang="en-US" smtClean="0"/>
-              <a:t>4/18/2025</a:t>
+              <a:t>4/28/2025</a:t>
             </a:fld>
             <a:endParaRPr lang="en-US"/>
           </a:p>
@@ -3102,7 +3110,7 @@
           <a:p>
             <a:fld id="{66C03C0E-3F98-4A8B-BCFE-F0C905038B8C}" type="datetimeFigureOut">
               <a:rPr lang="en-US" smtClean="0"/>
-              <a:t>4/18/2025</a:t>
+              <a:t>4/28/2025</a:t>
             </a:fld>
             <a:endParaRPr lang="en-US"/>
           </a:p>
@@ -3282,7 +3290,7 @@
           <a:p>
             <a:fld id="{66C03C0E-3F98-4A8B-BCFE-F0C905038B8C}" type="datetimeFigureOut">
               <a:rPr lang="en-US" smtClean="0"/>
-              <a:t>4/18/2025</a:t>
+              <a:t>4/28/2025</a:t>
             </a:fld>
             <a:endParaRPr lang="en-US"/>
           </a:p>
@@ -3467,7 +3475,7 @@
           <a:p>
             <a:fld id="{66C03C0E-3F98-4A8B-BCFE-F0C905038B8C}" type="datetimeFigureOut">
               <a:rPr lang="en-US" smtClean="0"/>
-              <a:t>4/18/2025</a:t>
+              <a:t>4/28/2025</a:t>
             </a:fld>
             <a:endParaRPr lang="en-US"/>
           </a:p>
@@ -3723,7 +3731,7 @@
           <a:p>
             <a:fld id="{66C03C0E-3F98-4A8B-BCFE-F0C905038B8C}" type="datetimeFigureOut">
               <a:rPr lang="en-US" smtClean="0"/>
-              <a:t>4/18/2025</a:t>
+              <a:t>4/28/2025</a:t>
             </a:fld>
             <a:endParaRPr lang="en-US"/>
           </a:p>
@@ -4025,7 +4033,7 @@
           <a:p>
             <a:fld id="{66C03C0E-3F98-4A8B-BCFE-F0C905038B8C}" type="datetimeFigureOut">
               <a:rPr lang="en-US" smtClean="0"/>
-              <a:t>4/18/2025</a:t>
+              <a:t>4/28/2025</a:t>
             </a:fld>
             <a:endParaRPr lang="en-US"/>
           </a:p>
@@ -4467,7 +4475,7 @@
           <a:p>
             <a:fld id="{66C03C0E-3F98-4A8B-BCFE-F0C905038B8C}" type="datetimeFigureOut">
               <a:rPr lang="en-US" smtClean="0"/>
-              <a:t>4/18/2025</a:t>
+              <a:t>4/28/2025</a:t>
             </a:fld>
             <a:endParaRPr lang="en-US"/>
           </a:p>
@@ -4585,7 +4593,7 @@
           <a:p>
             <a:fld id="{66C03C0E-3F98-4A8B-BCFE-F0C905038B8C}" type="datetimeFigureOut">
               <a:rPr lang="en-US" smtClean="0"/>
-              <a:t>4/18/2025</a:t>
+              <a:t>4/28/2025</a:t>
             </a:fld>
             <a:endParaRPr lang="en-US"/>
           </a:p>
@@ -4680,7 +4688,7 @@
           <a:p>
             <a:fld id="{66C03C0E-3F98-4A8B-BCFE-F0C905038B8C}" type="datetimeFigureOut">
               <a:rPr lang="en-US" smtClean="0"/>
-              <a:t>4/18/2025</a:t>
+              <a:t>4/28/2025</a:t>
             </a:fld>
             <a:endParaRPr lang="en-US"/>
           </a:p>
@@ -4963,7 +4971,7 @@
           <a:p>
             <a:fld id="{66C03C0E-3F98-4A8B-BCFE-F0C905038B8C}" type="datetimeFigureOut">
               <a:rPr lang="en-US" smtClean="0"/>
-              <a:t>4/18/2025</a:t>
+              <a:t>4/28/2025</a:t>
             </a:fld>
             <a:endParaRPr lang="en-US"/>
           </a:p>
@@ -5254,7 +5262,7 @@
           <a:p>
             <a:fld id="{66C03C0E-3F98-4A8B-BCFE-F0C905038B8C}" type="datetimeFigureOut">
               <a:rPr lang="en-US" smtClean="0"/>
-              <a:t>4/18/2025</a:t>
+              <a:t>4/28/2025</a:t>
             </a:fld>
             <a:endParaRPr lang="en-US"/>
           </a:p>
@@ -5778,7 +5786,7 @@
           <a:p>
             <a:fld id="{66C03C0E-3F98-4A8B-BCFE-F0C905038B8C}" type="datetimeFigureOut">
               <a:rPr lang="en-US" smtClean="0"/>
-              <a:t>4/18/2025</a:t>
+              <a:t>4/28/2025</a:t>
             </a:fld>
             <a:endParaRPr lang="en-US"/>
           </a:p>
@@ -6319,22 +6327,21 @@
             <p:ph type="ctrTitle"/>
           </p:nvPr>
         </p:nvSpPr>
-        <p:spPr/>
+        <p:spPr>
+          <a:xfrm>
+            <a:off x="3048000" y="1236134"/>
+            <a:ext cx="4190999" cy="1219200"/>
+          </a:xfrm>
+        </p:spPr>
         <p:txBody>
           <a:bodyPr/>
           <a:lstStyle/>
           <a:p>
             <a:r>
               <a:rPr lang="en-US" dirty="0"/>
-              <a:t>Template for Presentation</a:t>
-            </a:r>
-            <a:br>
-              <a:rPr lang="en-US" dirty="0"/>
-            </a:br>
-            <a:r>
-              <a:rPr lang="en-US" sz="3600" dirty="0"/>
-              <a:t>(feel free to customize look)</a:t>
-            </a:r>
+              <a:t>Recycling Aid</a:t>
+            </a:r>
+            <a:endParaRPr lang="en-US" sz="3600" dirty="0"/>
           </a:p>
         </p:txBody>
       </p:sp>
@@ -6348,15 +6355,74 @@
             <p:ph type="subTitle" idx="1"/>
           </p:nvPr>
         </p:nvSpPr>
-        <p:spPr/>
+        <p:spPr>
+          <a:xfrm>
+            <a:off x="2362200" y="4402667"/>
+            <a:ext cx="5762563" cy="1364531"/>
+          </a:xfrm>
+        </p:spPr>
         <p:txBody>
           <a:bodyPr/>
           <a:lstStyle/>
           <a:p>
+            <a:pPr algn="ctr"/>
+            <a:r>
+              <a:rPr lang="en-US" dirty="0">
+                <a:latin typeface="Times New Roman" panose="02020603050405020304" pitchFamily="18" charset="0"/>
+                <a:cs typeface="Times New Roman" panose="02020603050405020304" pitchFamily="18" charset="0"/>
+              </a:rPr>
+              <a:t>By </a:t>
+            </a:r>
+            <a:r>
+              <a:rPr lang="en-US" b="0" dirty="0">
+                <a:effectLst/>
+                <a:latin typeface="Times New Roman" panose="02020603050405020304" pitchFamily="18" charset="0"/>
+                <a:cs typeface="Times New Roman" panose="02020603050405020304" pitchFamily="18" charset="0"/>
+              </a:rPr>
+              <a:t>Andrew Casey, Saadat Emilbekova, Dylan Jablonski, Jason Mele &amp; Will Zakroff</a:t>
+            </a:r>
+          </a:p>
+          <a:p>
             <a:endParaRPr lang="en-US" dirty="0"/>
           </a:p>
         </p:txBody>
       </p:sp>
+      <p:pic>
+        <p:nvPicPr>
+          <p:cNvPr id="5" name="Picture 4" descr="A white recycle symbol on a black background&#10;&#10;AI-generated content may be incorrect.">
+            <a:extLst>
+              <a:ext uri="{FF2B5EF4-FFF2-40B4-BE49-F238E27FC236}">
+                <a16:creationId xmlns:a16="http://schemas.microsoft.com/office/drawing/2014/main" id="{A0772650-09C0-24CA-DC5F-BA396D189637}"/>
+              </a:ext>
+            </a:extLst>
+          </p:cNvPr>
+          <p:cNvPicPr>
+            <a:picLocks noChangeAspect="1"/>
+          </p:cNvPicPr>
+          <p:nvPr/>
+        </p:nvPicPr>
+        <p:blipFill>
+          <a:blip r:embed="rId2" cstate="print">
+            <a:extLst>
+              <a:ext uri="{28A0092B-C50C-407E-A947-70E740481C1C}">
+                <a14:useLocalDpi xmlns:a14="http://schemas.microsoft.com/office/drawing/2010/main" val="0"/>
+              </a:ext>
+            </a:extLst>
+          </a:blip>
+          <a:stretch>
+            <a:fillRect/>
+          </a:stretch>
+        </p:blipFill>
+        <p:spPr>
+          <a:xfrm>
+            <a:off x="4377599" y="2663744"/>
+            <a:ext cx="1531799" cy="1507067"/>
+          </a:xfrm>
+          <a:prstGeom prst="rect">
+            <a:avLst/>
+          </a:prstGeom>
+        </p:spPr>
+      </p:pic>
     </p:spTree>
     <p:extLst>
       <p:ext uri="{BB962C8B-B14F-4D97-AF65-F5344CB8AC3E}">
@@ -6373,6 +6439,27 @@
 <file path=ppt/slides/slide10.xml><?xml version="1.0" encoding="utf-8"?>
 <p:sld xmlns:a="http://schemas.openxmlformats.org/drawingml/2006/main" xmlns:r="http://schemas.openxmlformats.org/officeDocument/2006/relationships" xmlns:p="http://schemas.openxmlformats.org/presentationml/2006/main">
   <p:cSld>
+    <p:bg>
+      <p:bgPr>
+        <a:blipFill rotWithShape="1">
+          <a:blip r:embed="rId2">
+            <a:duotone>
+              <a:schemeClr val="bg2">
+                <a:shade val="76000"/>
+                <a:satMod val="180000"/>
+              </a:schemeClr>
+              <a:schemeClr val="bg2">
+                <a:tint val="80000"/>
+                <a:satMod val="120000"/>
+                <a:lumMod val="180000"/>
+              </a:schemeClr>
+            </a:duotone>
+          </a:blip>
+          <a:stretch/>
+        </a:blipFill>
+        <a:effectLst/>
+      </p:bgPr>
+    </p:bg>
     <p:spTree>
       <p:nvGrpSpPr>
         <p:cNvPr id="1" name=""/>
@@ -6387,6 +6474,584 @@
           <a:chExt cx="0" cy="0"/>
         </a:xfrm>
       </p:grpSpPr>
+      <p:sp useBgFill="1">
+        <p:nvSpPr>
+          <p:cNvPr id="9" name="Rectangle 8">
+            <a:extLst>
+              <a:ext uri="{FF2B5EF4-FFF2-40B4-BE49-F238E27FC236}">
+                <a16:creationId xmlns:a16="http://schemas.microsoft.com/office/drawing/2014/main" id="{6AD30037-67ED-4367-9BE0-45787510BF13}"/>
+              </a:ext>
+              <a:ext uri="{C183D7F6-B498-43B3-948B-1728B52AA6E4}">
+                <adec:decorative xmlns:adec="http://schemas.microsoft.com/office/drawing/2017/decorative" val="1"/>
+              </a:ext>
+            </a:extLst>
+          </p:cNvPr>
+          <p:cNvSpPr>
+            <a:spLocks noGrp="1" noRot="1" noChangeAspect="1" noMove="1" noResize="1" noEditPoints="1" noAdjustHandles="1" noChangeArrowheads="1" noChangeShapeType="1" noTextEdit="1"/>
+          </p:cNvSpPr>
+          <p:nvPr>
+            <p:extLst>
+              <p:ext uri="{386F3935-93C4-4BCD-93E2-E3B085C9AB24}">
+                <p16:designElem xmlns:p16="http://schemas.microsoft.com/office/powerpoint/2015/main" val="1"/>
+              </p:ext>
+            </p:extLst>
+          </p:nvPr>
+        </p:nvSpPr>
+        <p:spPr>
+          <a:xfrm>
+            <a:off x="0" y="0"/>
+            <a:ext cx="9144000" cy="6858000"/>
+          </a:xfrm>
+          <a:prstGeom prst="rect">
+            <a:avLst/>
+          </a:prstGeom>
+          <a:ln>
+            <a:noFill/>
+          </a:ln>
+        </p:spPr>
+        <p:style>
+          <a:lnRef idx="2">
+            <a:schemeClr val="accent1">
+              <a:shade val="50000"/>
+            </a:schemeClr>
+          </a:lnRef>
+          <a:fillRef idx="1">
+            <a:schemeClr val="accent1"/>
+          </a:fillRef>
+          <a:effectRef idx="0">
+            <a:schemeClr val="accent1"/>
+          </a:effectRef>
+          <a:fontRef idx="minor">
+            <a:schemeClr val="lt1"/>
+          </a:fontRef>
+        </p:style>
+        <p:txBody>
+          <a:bodyPr rtlCol="0" anchor="ctr"/>
+          <a:lstStyle/>
+          <a:p>
+            <a:pPr algn="ctr"/>
+            <a:endParaRPr lang="en-US"/>
+          </a:p>
+        </p:txBody>
+      </p:sp>
+      <p:pic>
+        <p:nvPicPr>
+          <p:cNvPr id="5" name="Picture 4" descr="Piles of logs">
+            <a:extLst>
+              <a:ext uri="{FF2B5EF4-FFF2-40B4-BE49-F238E27FC236}">
+                <a16:creationId xmlns:a16="http://schemas.microsoft.com/office/drawing/2014/main" id="{B97F8D7E-ED63-8EE5-4781-9E3B530C7AB3}"/>
+              </a:ext>
+            </a:extLst>
+          </p:cNvPr>
+          <p:cNvPicPr>
+            <a:picLocks noChangeAspect="1"/>
+          </p:cNvPicPr>
+          <p:nvPr/>
+        </p:nvPicPr>
+        <p:blipFill>
+          <a:blip r:embed="rId3"/>
+          <a:srcRect l="11564" r="49753" b="-1"/>
+          <a:stretch/>
+        </p:blipFill>
+        <p:spPr>
+          <a:xfrm>
+            <a:off x="5169693" y="10"/>
+            <a:ext cx="3974307" cy="6857990"/>
+          </a:xfrm>
+          <a:custGeom>
+            <a:avLst/>
+            <a:gdLst/>
+            <a:ahLst/>
+            <a:cxnLst/>
+            <a:rect l="l" t="t" r="r" b="b"/>
+            <a:pathLst>
+              <a:path w="5299077" h="6858000">
+                <a:moveTo>
+                  <a:pt x="836871" y="0"/>
+                </a:moveTo>
+                <a:lnTo>
+                  <a:pt x="5299077" y="0"/>
+                </a:lnTo>
+                <a:lnTo>
+                  <a:pt x="5299077" y="6858000"/>
+                </a:lnTo>
+                <a:lnTo>
+                  <a:pt x="1911312" y="6858000"/>
+                </a:lnTo>
+                <a:lnTo>
+                  <a:pt x="0" y="5333999"/>
+                </a:lnTo>
+                <a:close/>
+              </a:path>
+            </a:pathLst>
+          </a:custGeom>
+        </p:spPr>
+      </p:pic>
+      <p:grpSp>
+        <p:nvGrpSpPr>
+          <p:cNvPr id="11" name="Group 10">
+            <a:extLst>
+              <a:ext uri="{FF2B5EF4-FFF2-40B4-BE49-F238E27FC236}">
+                <a16:creationId xmlns:a16="http://schemas.microsoft.com/office/drawing/2014/main" id="{50841A4E-5BC1-44B4-83CF-D524E8AEAD64}"/>
+              </a:ext>
+              <a:ext uri="{C183D7F6-B498-43B3-948B-1728B52AA6E4}">
+                <adec:decorative xmlns:adec="http://schemas.microsoft.com/office/drawing/2017/decorative" val="1"/>
+              </a:ext>
+            </a:extLst>
+          </p:cNvPr>
+          <p:cNvGrpSpPr>
+            <a:grpSpLocks noGrp="1" noUngrp="1" noRot="1" noChangeAspect="1" noMove="1" noResize="1"/>
+          </p:cNvGrpSpPr>
+          <p:nvPr>
+            <p:extLst>
+              <p:ext uri="{386F3935-93C4-4BCD-93E2-E3B085C9AB24}">
+                <p16:designElem xmlns:p16="http://schemas.microsoft.com/office/powerpoint/2015/main" val="1"/>
+              </p:ext>
+            </p:extLst>
+          </p:nvPr>
+        </p:nvGrpSpPr>
+        <p:grpSpPr>
+          <a:xfrm>
+            <a:off x="4674570" y="0"/>
+            <a:ext cx="1827609" cy="6858001"/>
+            <a:chOff x="1320800" y="0"/>
+            <a:chExt cx="2436813" cy="6858001"/>
+          </a:xfrm>
+        </p:grpSpPr>
+        <p:sp>
+          <p:nvSpPr>
+            <p:cNvPr id="12" name="Freeform 6">
+              <a:extLst>
+                <a:ext uri="{FF2B5EF4-FFF2-40B4-BE49-F238E27FC236}">
+                  <a16:creationId xmlns:a16="http://schemas.microsoft.com/office/drawing/2014/main" id="{BF371BCC-8954-44E2-8C4F-29DC188727AC}"/>
+                </a:ext>
+                <a:ext uri="{C183D7F6-B498-43B3-948B-1728B52AA6E4}">
+                  <adec:decorative xmlns:adec="http://schemas.microsoft.com/office/drawing/2017/decorative" val="1"/>
+                </a:ext>
+              </a:extLst>
+            </p:cNvPr>
+            <p:cNvSpPr/>
+            <p:nvPr>
+              <p:extLst>
+                <p:ext uri="{386F3935-93C4-4BCD-93E2-E3B085C9AB24}">
+                  <p16:designElem xmlns:p16="http://schemas.microsoft.com/office/powerpoint/2015/main" val="1"/>
+                </p:ext>
+              </p:extLst>
+            </p:nvPr>
+          </p:nvSpPr>
+          <p:spPr bwMode="auto">
+            <a:xfrm>
+              <a:off x="1627188" y="0"/>
+              <a:ext cx="1122363" cy="5329238"/>
+            </a:xfrm>
+            <a:custGeom>
+              <a:avLst/>
+              <a:gdLst/>
+              <a:ahLst/>
+              <a:cxnLst/>
+              <a:rect l="0" t="0" r="r" b="b"/>
+              <a:pathLst>
+                <a:path w="707" h="3357">
+                  <a:moveTo>
+                    <a:pt x="0" y="3330"/>
+                  </a:moveTo>
+                  <a:lnTo>
+                    <a:pt x="156" y="3357"/>
+                  </a:lnTo>
+                  <a:lnTo>
+                    <a:pt x="707" y="0"/>
+                  </a:lnTo>
+                  <a:lnTo>
+                    <a:pt x="547" y="0"/>
+                  </a:lnTo>
+                  <a:lnTo>
+                    <a:pt x="0" y="3330"/>
+                  </a:lnTo>
+                  <a:close/>
+                </a:path>
+              </a:pathLst>
+            </a:custGeom>
+            <a:solidFill>
+              <a:schemeClr val="accent1"/>
+            </a:solidFill>
+            <a:ln>
+              <a:noFill/>
+            </a:ln>
+          </p:spPr>
+          <p:txBody>
+            <a:bodyPr/>
+            <a:lstStyle/>
+            <a:p>
+              <a:endParaRPr lang="en-US"/>
+            </a:p>
+          </p:txBody>
+        </p:sp>
+        <p:sp>
+          <p:nvSpPr>
+            <p:cNvPr id="13" name="Freeform 7">
+              <a:extLst>
+                <a:ext uri="{FF2B5EF4-FFF2-40B4-BE49-F238E27FC236}">
+                  <a16:creationId xmlns:a16="http://schemas.microsoft.com/office/drawing/2014/main" id="{CD3505BE-B420-41C5-BE34-3E7652D37A5F}"/>
+                </a:ext>
+                <a:ext uri="{C183D7F6-B498-43B3-948B-1728B52AA6E4}">
+                  <adec:decorative xmlns:adec="http://schemas.microsoft.com/office/drawing/2017/decorative" val="1"/>
+                </a:ext>
+              </a:extLst>
+            </p:cNvPr>
+            <p:cNvSpPr/>
+            <p:nvPr>
+              <p:extLst>
+                <p:ext uri="{386F3935-93C4-4BCD-93E2-E3B085C9AB24}">
+                  <p16:designElem xmlns:p16="http://schemas.microsoft.com/office/powerpoint/2015/main" val="1"/>
+                </p:ext>
+              </p:extLst>
+            </p:nvPr>
+          </p:nvSpPr>
+          <p:spPr bwMode="auto">
+            <a:xfrm>
+              <a:off x="1320800" y="0"/>
+              <a:ext cx="1117600" cy="5276850"/>
+            </a:xfrm>
+            <a:custGeom>
+              <a:avLst/>
+              <a:gdLst/>
+              <a:ahLst/>
+              <a:cxnLst/>
+              <a:rect l="0" t="0" r="r" b="b"/>
+              <a:pathLst>
+                <a:path w="704" h="3324">
+                  <a:moveTo>
+                    <a:pt x="704" y="0"/>
+                  </a:moveTo>
+                  <a:lnTo>
+                    <a:pt x="545" y="0"/>
+                  </a:lnTo>
+                  <a:lnTo>
+                    <a:pt x="0" y="3300"/>
+                  </a:lnTo>
+                  <a:lnTo>
+                    <a:pt x="157" y="3324"/>
+                  </a:lnTo>
+                  <a:lnTo>
+                    <a:pt x="704" y="0"/>
+                  </a:lnTo>
+                  <a:close/>
+                </a:path>
+              </a:pathLst>
+            </a:custGeom>
+            <a:solidFill>
+              <a:schemeClr val="tx1">
+                <a:lumMod val="65000"/>
+                <a:lumOff val="35000"/>
+              </a:schemeClr>
+            </a:solidFill>
+            <a:ln>
+              <a:noFill/>
+            </a:ln>
+          </p:spPr>
+          <p:txBody>
+            <a:bodyPr/>
+            <a:lstStyle/>
+            <a:p>
+              <a:endParaRPr lang="en-US"/>
+            </a:p>
+          </p:txBody>
+        </p:sp>
+        <p:sp>
+          <p:nvSpPr>
+            <p:cNvPr id="14" name="Freeform 8">
+              <a:extLst>
+                <a:ext uri="{FF2B5EF4-FFF2-40B4-BE49-F238E27FC236}">
+                  <a16:creationId xmlns:a16="http://schemas.microsoft.com/office/drawing/2014/main" id="{4B68A05B-A78B-4D59-8CF9-1900731A2188}"/>
+                </a:ext>
+                <a:ext uri="{C183D7F6-B498-43B3-948B-1728B52AA6E4}">
+                  <adec:decorative xmlns:adec="http://schemas.microsoft.com/office/drawing/2017/decorative" val="1"/>
+                </a:ext>
+              </a:extLst>
+            </p:cNvPr>
+            <p:cNvSpPr/>
+            <p:nvPr>
+              <p:extLst>
+                <p:ext uri="{386F3935-93C4-4BCD-93E2-E3B085C9AB24}">
+                  <p16:designElem xmlns:p16="http://schemas.microsoft.com/office/powerpoint/2015/main" val="1"/>
+                </p:ext>
+              </p:extLst>
+            </p:nvPr>
+          </p:nvSpPr>
+          <p:spPr bwMode="auto">
+            <a:xfrm>
+              <a:off x="1320800" y="5238750"/>
+              <a:ext cx="1228725" cy="1619250"/>
+            </a:xfrm>
+            <a:custGeom>
+              <a:avLst/>
+              <a:gdLst/>
+              <a:ahLst/>
+              <a:cxnLst/>
+              <a:rect l="0" t="0" r="r" b="b"/>
+              <a:pathLst>
+                <a:path w="774" h="1020">
+                  <a:moveTo>
+                    <a:pt x="0" y="0"/>
+                  </a:moveTo>
+                  <a:lnTo>
+                    <a:pt x="740" y="1020"/>
+                  </a:lnTo>
+                  <a:lnTo>
+                    <a:pt x="774" y="1020"/>
+                  </a:lnTo>
+                  <a:lnTo>
+                    <a:pt x="0" y="0"/>
+                  </a:lnTo>
+                  <a:close/>
+                </a:path>
+              </a:pathLst>
+            </a:custGeom>
+            <a:solidFill>
+              <a:schemeClr val="tx1">
+                <a:lumMod val="85000"/>
+                <a:lumOff val="15000"/>
+              </a:schemeClr>
+            </a:solidFill>
+            <a:ln>
+              <a:noFill/>
+            </a:ln>
+          </p:spPr>
+          <p:txBody>
+            <a:bodyPr/>
+            <a:lstStyle/>
+            <a:p>
+              <a:endParaRPr lang="en-US"/>
+            </a:p>
+          </p:txBody>
+        </p:sp>
+        <p:sp>
+          <p:nvSpPr>
+            <p:cNvPr id="15" name="Freeform 9">
+              <a:extLst>
+                <a:ext uri="{FF2B5EF4-FFF2-40B4-BE49-F238E27FC236}">
+                  <a16:creationId xmlns:a16="http://schemas.microsoft.com/office/drawing/2014/main" id="{84D57A01-C112-4FF2-B5ED-0B762AAD9CE2}"/>
+                </a:ext>
+                <a:ext uri="{C183D7F6-B498-43B3-948B-1728B52AA6E4}">
+                  <adec:decorative xmlns:adec="http://schemas.microsoft.com/office/drawing/2017/decorative" val="1"/>
+                </a:ext>
+              </a:extLst>
+            </p:cNvPr>
+            <p:cNvSpPr/>
+            <p:nvPr>
+              <p:extLst>
+                <p:ext uri="{386F3935-93C4-4BCD-93E2-E3B085C9AB24}">
+                  <p16:designElem xmlns:p16="http://schemas.microsoft.com/office/powerpoint/2015/main" val="1"/>
+                </p:ext>
+              </p:extLst>
+            </p:nvPr>
+          </p:nvSpPr>
+          <p:spPr bwMode="auto">
+            <a:xfrm>
+              <a:off x="1627188" y="5291138"/>
+              <a:ext cx="1495425" cy="1566863"/>
+            </a:xfrm>
+            <a:custGeom>
+              <a:avLst/>
+              <a:gdLst/>
+              <a:ahLst/>
+              <a:cxnLst/>
+              <a:rect l="0" t="0" r="r" b="b"/>
+              <a:pathLst>
+                <a:path w="942" h="987">
+                  <a:moveTo>
+                    <a:pt x="0" y="0"/>
+                  </a:moveTo>
+                  <a:lnTo>
+                    <a:pt x="909" y="987"/>
+                  </a:lnTo>
+                  <a:lnTo>
+                    <a:pt x="942" y="987"/>
+                  </a:lnTo>
+                  <a:lnTo>
+                    <a:pt x="0" y="0"/>
+                  </a:lnTo>
+                  <a:close/>
+                </a:path>
+              </a:pathLst>
+            </a:custGeom>
+            <a:solidFill>
+              <a:schemeClr val="accent1">
+                <a:lumMod val="50000"/>
+              </a:schemeClr>
+            </a:solidFill>
+            <a:ln>
+              <a:noFill/>
+            </a:ln>
+          </p:spPr>
+          <p:txBody>
+            <a:bodyPr/>
+            <a:lstStyle/>
+            <a:p>
+              <a:endParaRPr lang="en-US"/>
+            </a:p>
+          </p:txBody>
+        </p:sp>
+        <p:sp>
+          <p:nvSpPr>
+            <p:cNvPr id="16" name="Freeform 10">
+              <a:extLst>
+                <a:ext uri="{FF2B5EF4-FFF2-40B4-BE49-F238E27FC236}">
+                  <a16:creationId xmlns:a16="http://schemas.microsoft.com/office/drawing/2014/main" id="{6CCCCDF1-5D4F-4CA1-8400-DFBB96BB011D}"/>
+                </a:ext>
+                <a:ext uri="{C183D7F6-B498-43B3-948B-1728B52AA6E4}">
+                  <adec:decorative xmlns:adec="http://schemas.microsoft.com/office/drawing/2017/decorative" val="1"/>
+                </a:ext>
+              </a:extLst>
+            </p:cNvPr>
+            <p:cNvSpPr/>
+            <p:nvPr>
+              <p:extLst>
+                <p:ext uri="{386F3935-93C4-4BCD-93E2-E3B085C9AB24}">
+                  <p16:designElem xmlns:p16="http://schemas.microsoft.com/office/powerpoint/2015/main" val="1"/>
+                </p:ext>
+              </p:extLst>
+            </p:nvPr>
+          </p:nvSpPr>
+          <p:spPr bwMode="auto">
+            <a:xfrm>
+              <a:off x="1627188" y="5286375"/>
+              <a:ext cx="2130425" cy="1571625"/>
+            </a:xfrm>
+            <a:custGeom>
+              <a:avLst/>
+              <a:gdLst/>
+              <a:ahLst/>
+              <a:cxnLst/>
+              <a:rect l="0" t="0" r="r" b="b"/>
+              <a:pathLst>
+                <a:path w="1342" h="990">
+                  <a:moveTo>
+                    <a:pt x="0" y="3"/>
+                  </a:moveTo>
+                  <a:lnTo>
+                    <a:pt x="942" y="990"/>
+                  </a:lnTo>
+                  <a:lnTo>
+                    <a:pt x="1342" y="990"/>
+                  </a:lnTo>
+                  <a:lnTo>
+                    <a:pt x="156" y="27"/>
+                  </a:lnTo>
+                  <a:lnTo>
+                    <a:pt x="0" y="0"/>
+                  </a:lnTo>
+                  <a:lnTo>
+                    <a:pt x="0" y="3"/>
+                  </a:lnTo>
+                  <a:close/>
+                </a:path>
+              </a:pathLst>
+            </a:custGeom>
+            <a:solidFill>
+              <a:schemeClr val="accent1">
+                <a:lumMod val="75000"/>
+              </a:schemeClr>
+            </a:solidFill>
+            <a:ln>
+              <a:noFill/>
+            </a:ln>
+          </p:spPr>
+          <p:txBody>
+            <a:bodyPr/>
+            <a:lstStyle/>
+            <a:p>
+              <a:endParaRPr lang="en-US"/>
+            </a:p>
+          </p:txBody>
+        </p:sp>
+        <p:sp>
+          <p:nvSpPr>
+            <p:cNvPr id="17" name="Freeform 11">
+              <a:extLst>
+                <a:ext uri="{FF2B5EF4-FFF2-40B4-BE49-F238E27FC236}">
+                  <a16:creationId xmlns:a16="http://schemas.microsoft.com/office/drawing/2014/main" id="{20A090B2-5344-43CD-BC70-A6D44F15E800}"/>
+                </a:ext>
+                <a:ext uri="{C183D7F6-B498-43B3-948B-1728B52AA6E4}">
+                  <adec:decorative xmlns:adec="http://schemas.microsoft.com/office/drawing/2017/decorative" val="1"/>
+                </a:ext>
+              </a:extLst>
+            </p:cNvPr>
+            <p:cNvSpPr/>
+            <p:nvPr>
+              <p:extLst>
+                <p:ext uri="{386F3935-93C4-4BCD-93E2-E3B085C9AB24}">
+                  <p16:designElem xmlns:p16="http://schemas.microsoft.com/office/powerpoint/2015/main" val="1"/>
+                </p:ext>
+              </p:extLst>
+            </p:nvPr>
+          </p:nvSpPr>
+          <p:spPr bwMode="auto">
+            <a:xfrm>
+              <a:off x="1320800" y="5238750"/>
+              <a:ext cx="1695450" cy="1619250"/>
+            </a:xfrm>
+            <a:custGeom>
+              <a:avLst/>
+              <a:gdLst/>
+              <a:ahLst/>
+              <a:cxnLst/>
+              <a:rect l="0" t="0" r="r" b="b"/>
+              <a:pathLst>
+                <a:path w="1068" h="1020">
+                  <a:moveTo>
+                    <a:pt x="1068" y="1020"/>
+                  </a:moveTo>
+                  <a:lnTo>
+                    <a:pt x="184" y="60"/>
+                  </a:lnTo>
+                  <a:lnTo>
+                    <a:pt x="154" y="27"/>
+                  </a:lnTo>
+                  <a:lnTo>
+                    <a:pt x="157" y="27"/>
+                  </a:lnTo>
+                  <a:lnTo>
+                    <a:pt x="157" y="24"/>
+                  </a:lnTo>
+                  <a:lnTo>
+                    <a:pt x="154" y="24"/>
+                  </a:lnTo>
+                  <a:lnTo>
+                    <a:pt x="0" y="0"/>
+                  </a:lnTo>
+                  <a:lnTo>
+                    <a:pt x="0" y="0"/>
+                  </a:lnTo>
+                  <a:lnTo>
+                    <a:pt x="774" y="1020"/>
+                  </a:lnTo>
+                  <a:lnTo>
+                    <a:pt x="1068" y="1020"/>
+                  </a:lnTo>
+                  <a:close/>
+                </a:path>
+              </a:pathLst>
+            </a:custGeom>
+            <a:solidFill>
+              <a:schemeClr val="tx1">
+                <a:lumMod val="75000"/>
+                <a:lumOff val="25000"/>
+              </a:schemeClr>
+            </a:solidFill>
+            <a:ln>
+              <a:noFill/>
+            </a:ln>
+          </p:spPr>
+          <p:txBody>
+            <a:bodyPr/>
+            <a:lstStyle/>
+            <a:p>
+              <a:endParaRPr lang="en-US"/>
+            </a:p>
+          </p:txBody>
+        </p:sp>
+      </p:grpSp>
       <p:sp>
         <p:nvSpPr>
           <p:cNvPr id="2" name="Title 1">
@@ -6403,15 +7068,24 @@
             <p:ph type="title"/>
           </p:nvPr>
         </p:nvSpPr>
-        <p:spPr/>
-        <p:txBody>
-          <a:bodyPr/>
+        <p:spPr>
+          <a:xfrm>
+            <a:off x="729060" y="685800"/>
+            <a:ext cx="3945510" cy="1752599"/>
+          </a:xfrm>
+        </p:spPr>
+        <p:txBody>
+          <a:bodyPr>
+            <a:normAutofit/>
+          </a:bodyPr>
           <a:lstStyle/>
           <a:p>
+            <a:pPr algn="l"/>
             <a:r>
               <a:rPr lang="en-US" dirty="0"/>
               <a:t>Use of logging</a:t>
             </a:r>
+            <a:endParaRPr lang="en-US"/>
           </a:p>
         </p:txBody>
       </p:sp>
@@ -6431,20 +7105,79 @@
             <p:ph idx="1"/>
           </p:nvPr>
         </p:nvSpPr>
-        <p:spPr/>
-        <p:txBody>
-          <a:bodyPr/>
+        <p:spPr>
+          <a:xfrm>
+            <a:off x="482601" y="2666999"/>
+            <a:ext cx="3945510" cy="3124201"/>
+          </a:xfrm>
+        </p:spPr>
+        <p:txBody>
+          <a:bodyPr>
+            <a:normAutofit/>
+          </a:bodyPr>
           <a:lstStyle/>
           <a:p>
-            <a:r>
-              <a:rPr lang="en-US" dirty="0"/>
+            <a:pPr>
+              <a:lnSpc>
+                <a:spcPct val="90000"/>
+              </a:lnSpc>
+            </a:pPr>
+            <a:r>
+              <a:rPr lang="en-US" sz="1400" dirty="0"/>
               <a:t>How and where did you use logging?</a:t>
             </a:r>
           </a:p>
           <a:p>
-            <a:r>
-              <a:rPr lang="en-US" dirty="0"/>
+            <a:pPr lvl="1">
+              <a:lnSpc>
+                <a:spcPct val="90000"/>
+              </a:lnSpc>
+              <a:buFont typeface="Wingdings" panose="05000000000000000000" pitchFamily="2" charset="2"/>
+              <a:buChar char="Ø"/>
+            </a:pPr>
+            <a:r>
+              <a:rPr lang="en-US" sz="1400" dirty="0"/>
+              <a:t>We used logging in our project to create a logger object called </a:t>
+            </a:r>
+            <a:r>
+              <a:rPr lang="en-US" sz="1400" dirty="0" err="1"/>
+              <a:t>Gui.L</a:t>
+            </a:r>
+            <a:r>
+              <a:rPr lang="en-US" sz="1400" dirty="0"/>
+              <a:t>. An example of where we use logging is in </a:t>
+            </a:r>
+            <a:r>
+              <a:rPr lang="en-US" sz="1400" dirty="0" err="1"/>
+              <a:t>Gui_Game</a:t>
+            </a:r>
+            <a:r>
+              <a:rPr lang="en-US" sz="1400" dirty="0"/>
+              <a:t> to log messages when buttons were clicked. This was used to help track users' actions.</a:t>
+            </a:r>
+          </a:p>
+          <a:p>
+            <a:pPr>
+              <a:lnSpc>
+                <a:spcPct val="90000"/>
+              </a:lnSpc>
+            </a:pPr>
+            <a:r>
+              <a:rPr lang="en-US" sz="1400" dirty="0"/>
               <a:t>Why did you implement this way?</a:t>
+            </a:r>
+          </a:p>
+          <a:p>
+            <a:pPr lvl="1">
+              <a:lnSpc>
+                <a:spcPct val="90000"/>
+              </a:lnSpc>
+              <a:buFont typeface="Wingdings" panose="05000000000000000000" pitchFamily="2" charset="2"/>
+              <a:buChar char="Ø"/>
+            </a:pPr>
+            <a:r>
+              <a:rPr lang="en-US" sz="1400" dirty="0"/>
+              <a:t>We used logging this way because it was an easier way to see what a user what doing during the program and if any issues were occurring because of those actions.</a:t>
             </a:r>
           </a:p>
         </p:txBody>
@@ -6529,31 +7262,144 @@
         </p:nvSpPr>
         <p:spPr/>
         <p:txBody>
-          <a:bodyPr/>
+          <a:bodyPr>
+            <a:normAutofit/>
+          </a:bodyPr>
           <a:lstStyle/>
           <a:p>
+            <a:pPr marL="0" indent="0">
+              <a:buNone/>
+            </a:pPr>
+            <a:r>
+              <a:rPr lang="en-US" u="sng" dirty="0"/>
+              <a:t>Example</a:t>
+            </a:r>
+          </a:p>
+          <a:p>
+            <a:pPr marL="0" indent="0">
+              <a:buNone/>
+            </a:pPr>
+            <a:endParaRPr lang="en-US" u="sng" dirty="0"/>
+          </a:p>
+          <a:p>
+            <a:pPr marL="0" indent="0">
+              <a:buNone/>
+            </a:pPr>
+            <a:endParaRPr lang="en-US" u="sng" dirty="0"/>
+          </a:p>
+          <a:p>
+            <a:pPr marL="0" indent="0">
+              <a:buNone/>
+            </a:pPr>
+            <a:endParaRPr lang="en-US" u="sng" dirty="0"/>
+          </a:p>
+          <a:p>
+            <a:pPr marL="0" indent="0">
+              <a:buNone/>
+            </a:pPr>
+            <a:endParaRPr lang="en-US" u="sng" dirty="0"/>
+          </a:p>
+          <a:p>
+            <a:pPr marL="0" indent="0">
+              <a:buNone/>
+            </a:pPr>
+            <a:endParaRPr lang="en-US" u="sng" dirty="0"/>
+          </a:p>
+          <a:p>
+            <a:pPr marL="0" indent="0">
+              <a:buNone/>
+            </a:pPr>
+            <a:endParaRPr lang="en-US" u="sng" dirty="0"/>
+          </a:p>
+        </p:txBody>
+      </p:sp>
+      <p:sp>
+        <p:nvSpPr>
+          <p:cNvPr id="6" name="TextBox 5">
+            <a:extLst>
+              <a:ext uri="{FF2B5EF4-FFF2-40B4-BE49-F238E27FC236}">
+                <a16:creationId xmlns:a16="http://schemas.microsoft.com/office/drawing/2014/main" id="{F496C600-844E-0AFF-67C4-F82202E62CF8}"/>
+              </a:ext>
+            </a:extLst>
+          </p:cNvPr>
+          <p:cNvSpPr txBox="1"/>
+          <p:nvPr/>
+        </p:nvSpPr>
+        <p:spPr>
+          <a:xfrm>
+            <a:off x="4648200" y="2667000"/>
+            <a:ext cx="3513667" cy="2585323"/>
+          </a:xfrm>
+          <a:prstGeom prst="rect">
+            <a:avLst/>
+          </a:prstGeom>
+          <a:noFill/>
+        </p:spPr>
+        <p:txBody>
+          <a:bodyPr wrap="square" rtlCol="0">
+            <a:spAutoFit/>
+          </a:bodyPr>
+          <a:lstStyle/>
+          <a:p>
+            <a:r>
+              <a:rPr lang="en-US" u="sng" dirty="0"/>
+              <a:t>Explanation</a:t>
+            </a:r>
+          </a:p>
+          <a:p>
             <a:r>
               <a:rPr lang="en-US" dirty="0"/>
-              <a:t>Show us the code where you used lambda expressions to create dynamic behavior – </a:t>
-            </a:r>
-            <a:br>
+              <a:t>In the red box we can see a lambda expression being used. </a:t>
+            </a:r>
+          </a:p>
+          <a:p>
+            <a:r>
+              <a:rPr lang="en-US" dirty="0" err="1"/>
+              <a:t>cellData</a:t>
+            </a:r>
+            <a:r>
               <a:rPr lang="en-US" dirty="0"/>
-            </a:br>
-            <a:r>
-              <a:rPr lang="en-US" dirty="0"/>
-              <a:t>i.e., a </a:t>
-            </a:r>
-            <a:r>
-              <a:rPr lang="en-US" dirty="0" err="1"/>
-              <a:t>lamda</a:t>
-            </a:r>
-            <a:r>
-              <a:rPr lang="en-US" dirty="0"/>
-              <a:t> expression as an instance variable or as a method parameter</a:t>
-            </a:r>
-          </a:p>
-        </p:txBody>
-      </p:sp>
+              <a:t> -&gt; is a lambda expression that creates dynamic behavior by telling the table how to pull the right value for each cell. The lambda replaces the need to create a full class to handle the cell data.</a:t>
+            </a:r>
+          </a:p>
+        </p:txBody>
+      </p:sp>
+      <p:pic>
+        <p:nvPicPr>
+          <p:cNvPr id="12" name="Picture 11" descr="A screen shot of a computer code&#10;&#10;AI-generated content may be incorrect.">
+            <a:extLst>
+              <a:ext uri="{FF2B5EF4-FFF2-40B4-BE49-F238E27FC236}">
+                <a16:creationId xmlns:a16="http://schemas.microsoft.com/office/drawing/2014/main" id="{64E10FF8-7FAF-3F95-B816-38B165B08257}"/>
+              </a:ext>
+            </a:extLst>
+          </p:cNvPr>
+          <p:cNvPicPr>
+            <a:picLocks noChangeAspect="1"/>
+          </p:cNvPicPr>
+          <p:nvPr/>
+        </p:nvPicPr>
+        <p:blipFill>
+          <a:blip r:embed="rId2" cstate="print">
+            <a:extLst>
+              <a:ext uri="{28A0092B-C50C-407E-A947-70E740481C1C}">
+                <a14:useLocalDpi xmlns:a14="http://schemas.microsoft.com/office/drawing/2010/main" val="0"/>
+              </a:ext>
+            </a:extLst>
+          </a:blip>
+          <a:stretch>
+            <a:fillRect/>
+          </a:stretch>
+        </p:blipFill>
+        <p:spPr>
+          <a:xfrm>
+            <a:off x="762000" y="3084532"/>
+            <a:ext cx="3124200" cy="2183479"/>
+          </a:xfrm>
+          <a:prstGeom prst="rect">
+            <a:avLst/>
+          </a:prstGeom>
+        </p:spPr>
+      </p:pic>
     </p:spTree>
     <p:extLst>
       <p:ext uri="{BB962C8B-B14F-4D97-AF65-F5344CB8AC3E}">
@@ -6627,15 +7473,13 @@
             </a:r>
           </a:p>
           <a:p>
+            <a:endParaRPr lang="en-US" dirty="0"/>
+          </a:p>
+          <a:p>
             <a:r>
               <a:rPr lang="en-US" dirty="0"/>
-              <a:t>Which design patterns would make sense for </a:t>
-            </a:r>
-            <a:r>
-              <a:rPr lang="en-US"/>
-              <a:t>this project?</a:t>
-            </a:r>
-            <a:endParaRPr lang="en-US" dirty="0"/>
+              <a:t>Which design patterns would make sense for this project?</a:t>
+            </a:r>
           </a:p>
         </p:txBody>
       </p:sp>
@@ -6860,19 +7704,196 @@
         </p:nvSpPr>
         <p:spPr/>
         <p:txBody>
-          <a:bodyPr/>
+          <a:bodyPr>
+            <a:normAutofit fontScale="92500" lnSpcReduction="20000"/>
+          </a:bodyPr>
           <a:lstStyle/>
           <a:p>
+            <a:pPr marL="0" indent="0">
+              <a:buNone/>
+            </a:pPr>
             <a:r>
               <a:rPr lang="en-US" dirty="0"/>
-              <a:t>Please list all team members here and list the modules each team member worked on.</a:t>
+              <a:t>Jason: </a:t>
+            </a:r>
+            <a:r>
+              <a:rPr lang="en-US" b="0" i="0" dirty="0">
+                <a:effectLst/>
+                <a:latin typeface="gg sans"/>
+              </a:rPr>
+              <a:t>UML, Polymorphic </a:t>
+            </a:r>
+            <a:r>
+              <a:rPr lang="en-US" dirty="0">
+                <a:latin typeface="gg sans"/>
+              </a:rPr>
+              <a:t>C</a:t>
+            </a:r>
+            <a:r>
+              <a:rPr lang="en-US" b="0" i="0" dirty="0">
+                <a:effectLst/>
+                <a:latin typeface="gg sans"/>
+              </a:rPr>
+              <a:t>ollections, Abstract class, JavaFX, File </a:t>
+            </a:r>
+            <a:r>
+              <a:rPr lang="en-US" dirty="0">
+                <a:latin typeface="gg sans"/>
+              </a:rPr>
+              <a:t>I</a:t>
+            </a:r>
+            <a:r>
+              <a:rPr lang="en-US" b="0" i="0" dirty="0">
+                <a:effectLst/>
+                <a:latin typeface="gg sans"/>
+              </a:rPr>
+              <a:t>/</a:t>
+            </a:r>
+            <a:r>
+              <a:rPr lang="en-US" dirty="0">
+                <a:latin typeface="gg sans"/>
+              </a:rPr>
+              <a:t>O</a:t>
+            </a:r>
+            <a:r>
+              <a:rPr lang="en-US" b="0" i="0" dirty="0">
+                <a:effectLst/>
+                <a:latin typeface="gg sans"/>
+              </a:rPr>
+              <a:t>, Logging, Threads, and Serialization.</a:t>
             </a:r>
           </a:p>
           <a:p>
             <a:pPr marL="0" indent="0">
               <a:buNone/>
             </a:pPr>
-            <a:endParaRPr lang="en-US" dirty="0"/>
+            <a:r>
+              <a:rPr lang="en-US" b="0" dirty="0">
+                <a:effectLst/>
+                <a:latin typeface="Times New Roman" panose="02020603050405020304" pitchFamily="18" charset="0"/>
+                <a:cs typeface="Times New Roman" panose="02020603050405020304" pitchFamily="18" charset="0"/>
+              </a:rPr>
+              <a:t>Andrew Casey: </a:t>
+            </a:r>
+            <a:r>
+              <a:rPr lang="en-US" b="0" dirty="0">
+                <a:effectLst/>
+                <a:latin typeface="gg sans"/>
+                <a:cs typeface="Times New Roman" panose="02020603050405020304" pitchFamily="18" charset="0"/>
+              </a:rPr>
+              <a:t>L</a:t>
+            </a:r>
+            <a:r>
+              <a:rPr lang="en-US" b="0" i="0" dirty="0">
+                <a:effectLst/>
+                <a:latin typeface="gg sans"/>
+              </a:rPr>
+              <a:t>ambdas, Polymorphic Collections, JavaFX and Serialization.</a:t>
+            </a:r>
+            <a:endParaRPr lang="en-US" b="0" dirty="0">
+              <a:effectLst/>
+              <a:latin typeface="Times New Roman" panose="02020603050405020304" pitchFamily="18" charset="0"/>
+              <a:cs typeface="Times New Roman" panose="02020603050405020304" pitchFamily="18" charset="0"/>
+            </a:endParaRPr>
+          </a:p>
+          <a:p>
+            <a:pPr marL="0" indent="0">
+              <a:buNone/>
+            </a:pPr>
+            <a:r>
+              <a:rPr lang="en-US" b="0" dirty="0">
+                <a:effectLst/>
+                <a:latin typeface="Times New Roman" panose="02020603050405020304" pitchFamily="18" charset="0"/>
+                <a:cs typeface="Times New Roman" panose="02020603050405020304" pitchFamily="18" charset="0"/>
+              </a:rPr>
+              <a:t>Will Zakroff</a:t>
+            </a:r>
+            <a:r>
+              <a:rPr lang="en-US" dirty="0">
+                <a:latin typeface="Times New Roman" panose="02020603050405020304" pitchFamily="18" charset="0"/>
+                <a:cs typeface="Times New Roman" panose="02020603050405020304" pitchFamily="18" charset="0"/>
+              </a:rPr>
+              <a:t>: </a:t>
+            </a:r>
+            <a:r>
+              <a:rPr lang="en-US" b="0" dirty="0">
+                <a:effectLst/>
+                <a:latin typeface="gg sans"/>
+                <a:cs typeface="Times New Roman" panose="02020603050405020304" pitchFamily="18" charset="0"/>
+              </a:rPr>
+              <a:t>L</a:t>
+            </a:r>
+            <a:r>
+              <a:rPr lang="en-US" b="0" i="0" dirty="0">
+                <a:effectLst/>
+                <a:latin typeface="gg sans"/>
+              </a:rPr>
+              <a:t>ambdas, Polymorphic Collections, JavaFX and Serialization.</a:t>
+            </a:r>
+            <a:endParaRPr lang="en-US" b="0" dirty="0">
+              <a:effectLst/>
+              <a:latin typeface="Times New Roman" panose="02020603050405020304" pitchFamily="18" charset="0"/>
+              <a:cs typeface="Times New Roman" panose="02020603050405020304" pitchFamily="18" charset="0"/>
+            </a:endParaRPr>
+          </a:p>
+          <a:p>
+            <a:pPr marL="0" indent="0">
+              <a:buNone/>
+            </a:pPr>
+            <a:r>
+              <a:rPr lang="en-US" b="0" dirty="0">
+                <a:effectLst/>
+                <a:latin typeface="Times New Roman" panose="02020603050405020304" pitchFamily="18" charset="0"/>
+                <a:cs typeface="Times New Roman" panose="02020603050405020304" pitchFamily="18" charset="0"/>
+              </a:rPr>
+              <a:t>Saadat Emilbekova</a:t>
+            </a:r>
+            <a:r>
+              <a:rPr lang="en-US" dirty="0">
+                <a:latin typeface="Times New Roman" panose="02020603050405020304" pitchFamily="18" charset="0"/>
+                <a:cs typeface="Times New Roman" panose="02020603050405020304" pitchFamily="18" charset="0"/>
+              </a:rPr>
+              <a:t>: Polymorphic Collections, JavaFX</a:t>
+            </a:r>
+            <a:endParaRPr lang="en-US" b="0" dirty="0">
+              <a:effectLst/>
+              <a:latin typeface="Times New Roman" panose="02020603050405020304" pitchFamily="18" charset="0"/>
+              <a:cs typeface="Times New Roman" panose="02020603050405020304" pitchFamily="18" charset="0"/>
+            </a:endParaRPr>
+          </a:p>
+          <a:p>
+            <a:pPr marL="0" indent="0">
+              <a:buNone/>
+            </a:pPr>
+            <a:r>
+              <a:rPr lang="en-US" b="0" dirty="0">
+                <a:effectLst/>
+                <a:latin typeface="Times New Roman" panose="02020603050405020304" pitchFamily="18" charset="0"/>
+                <a:cs typeface="Times New Roman" panose="02020603050405020304" pitchFamily="18" charset="0"/>
+              </a:rPr>
+              <a:t>Dylan Jablonski: </a:t>
+            </a:r>
+            <a:r>
+              <a:rPr lang="en-US" dirty="0">
+                <a:latin typeface="Times New Roman" panose="02020603050405020304" pitchFamily="18" charset="0"/>
+                <a:cs typeface="Times New Roman" panose="02020603050405020304" pitchFamily="18" charset="0"/>
+              </a:rPr>
+              <a:t>Polymorphic Collections, JavaFX, Sequence Diagram </a:t>
+            </a:r>
+            <a:endParaRPr lang="en-US" b="0" dirty="0">
+              <a:effectLst/>
+              <a:latin typeface="Times New Roman" panose="02020603050405020304" pitchFamily="18" charset="0"/>
+              <a:cs typeface="Times New Roman" panose="02020603050405020304" pitchFamily="18" charset="0"/>
+            </a:endParaRPr>
+          </a:p>
+          <a:p>
+            <a:pPr marL="0" indent="0">
+              <a:buNone/>
+            </a:pPr>
+            <a:endParaRPr lang="en-US" b="0" i="0" dirty="0">
+              <a:effectLst/>
+              <a:latin typeface="gg sans"/>
+            </a:endParaRPr>
           </a:p>
         </p:txBody>
       </p:sp>
@@ -6892,6 +7913,27 @@
 <file path=ppt/slides/slide2.xml><?xml version="1.0" encoding="utf-8"?>
 <p:sld xmlns:a="http://schemas.openxmlformats.org/drawingml/2006/main" xmlns:r="http://schemas.openxmlformats.org/officeDocument/2006/relationships" xmlns:p="http://schemas.openxmlformats.org/presentationml/2006/main">
   <p:cSld>
+    <p:bg>
+      <p:bgPr>
+        <a:blipFill rotWithShape="1">
+          <a:blip r:embed="rId2">
+            <a:duotone>
+              <a:schemeClr val="bg2">
+                <a:shade val="76000"/>
+                <a:satMod val="180000"/>
+              </a:schemeClr>
+              <a:schemeClr val="bg2">
+                <a:tint val="80000"/>
+                <a:satMod val="120000"/>
+                <a:lumMod val="180000"/>
+              </a:schemeClr>
+            </a:duotone>
+          </a:blip>
+          <a:stretch/>
+        </a:blipFill>
+        <a:effectLst/>
+      </p:bgPr>
+    </p:bg>
     <p:spTree>
       <p:nvGrpSpPr>
         <p:cNvPr id="1" name=""/>
@@ -6922,9 +7964,16 @@
             <p:ph type="title"/>
           </p:nvPr>
         </p:nvSpPr>
-        <p:spPr/>
-        <p:txBody>
-          <a:bodyPr/>
+        <p:spPr>
+          <a:xfrm>
+            <a:off x="3632200" y="905933"/>
+            <a:ext cx="4995068" cy="965200"/>
+          </a:xfrm>
+        </p:spPr>
+        <p:txBody>
+          <a:bodyPr>
+            <a:normAutofit/>
+          </a:bodyPr>
           <a:lstStyle/>
           <a:p>
             <a:r>
@@ -6934,6 +7983,67 @@
           </a:p>
         </p:txBody>
       </p:sp>
+      <p:pic>
+        <p:nvPicPr>
+          <p:cNvPr id="9" name="Picture 8" descr="A green recycle bin with a wheel&#10;&#10;AI-generated content may be incorrect.">
+            <a:extLst>
+              <a:ext uri="{FF2B5EF4-FFF2-40B4-BE49-F238E27FC236}">
+                <a16:creationId xmlns:a16="http://schemas.microsoft.com/office/drawing/2014/main" id="{017B6363-7D5F-F919-A166-1D3FC5015FF9}"/>
+              </a:ext>
+            </a:extLst>
+          </p:cNvPr>
+          <p:cNvPicPr>
+            <a:picLocks noChangeAspect="1"/>
+          </p:cNvPicPr>
+          <p:nvPr/>
+        </p:nvPicPr>
+        <p:blipFill>
+          <a:blip r:embed="rId3" cstate="print">
+            <a:extLst>
+              <a:ext uri="{28A0092B-C50C-407E-A947-70E740481C1C}">
+                <a14:useLocalDpi xmlns:a14="http://schemas.microsoft.com/office/drawing/2010/main" val="0"/>
+              </a:ext>
+            </a:extLst>
+          </a:blip>
+          <a:stretch>
+            <a:fillRect/>
+          </a:stretch>
+        </p:blipFill>
+        <p:spPr>
+          <a:xfrm>
+            <a:off x="907608" y="1704575"/>
+            <a:ext cx="2724591" cy="3448849"/>
+          </a:xfrm>
+          <a:prstGeom prst="roundRect">
+            <a:avLst>
+              <a:gd name="adj" fmla="val 4380"/>
+            </a:avLst>
+          </a:prstGeom>
+          <a:ln w="38100">
+            <a:gradFill flip="none" rotWithShape="1">
+              <a:gsLst>
+                <a:gs pos="0">
+                  <a:schemeClr val="bg2"/>
+                </a:gs>
+                <a:gs pos="100000">
+                  <a:schemeClr val="bg2">
+                    <a:lumMod val="75000"/>
+                  </a:schemeClr>
+                </a:gs>
+              </a:gsLst>
+              <a:lin ang="5400000" scaled="0"/>
+              <a:tileRect/>
+            </a:gradFill>
+          </a:ln>
+          <a:effectLst>
+            <a:innerShdw blurRad="57150" dist="38100" dir="14460000">
+              <a:srgbClr val="000000">
+                <a:alpha val="70000"/>
+              </a:srgbClr>
+            </a:innerShdw>
+          </a:effectLst>
+        </p:spPr>
+      </p:pic>
       <p:sp>
         <p:nvSpPr>
           <p:cNvPr id="3" name="Content Placeholder 2">
@@ -6950,27 +8060,98 @@
             <p:ph idx="1"/>
           </p:nvPr>
         </p:nvSpPr>
-        <p:spPr/>
-        <p:txBody>
-          <a:bodyPr/>
+        <p:spPr>
+          <a:xfrm>
+            <a:off x="3810000" y="1704575"/>
+            <a:ext cx="4995068" cy="3793067"/>
+          </a:xfrm>
+        </p:spPr>
+        <p:txBody>
+          <a:bodyPr>
+            <a:normAutofit lnSpcReduction="10000"/>
+          </a:bodyPr>
           <a:lstStyle/>
           <a:p>
-            <a:r>
-              <a:rPr lang="en-US" dirty="0"/>
-              <a:t>What is the goal of your project?</a:t>
-            </a:r>
-          </a:p>
-          <a:p>
-            <a:r>
-              <a:rPr lang="en-US" dirty="0"/>
-              <a:t>Why is your project socially relevant?</a:t>
-            </a:r>
-          </a:p>
-          <a:p>
-            <a:r>
-              <a:rPr lang="en-US" dirty="0"/>
-              <a:t>What are the requirements (functionality) of your project?</a:t>
-            </a:r>
+            <a:pPr>
+              <a:lnSpc>
+                <a:spcPct val="90000"/>
+              </a:lnSpc>
+            </a:pPr>
+            <a:r>
+              <a:rPr lang="en-US" sz="1500" dirty="0"/>
+              <a:t>What is the goal of our project?</a:t>
+            </a:r>
+          </a:p>
+          <a:p>
+            <a:pPr lvl="1">
+              <a:lnSpc>
+                <a:spcPct val="90000"/>
+              </a:lnSpc>
+              <a:buFont typeface="Wingdings" panose="05000000000000000000" pitchFamily="2" charset="2"/>
+              <a:buChar char="Ø"/>
+            </a:pPr>
+            <a:r>
+              <a:rPr lang="en-US" sz="1500" dirty="0"/>
+              <a:t>Help people learn how to properly recycle by teaching people what each recycling material is and how you would recycle that material. </a:t>
+            </a:r>
+          </a:p>
+          <a:p>
+            <a:pPr>
+              <a:lnSpc>
+                <a:spcPct val="90000"/>
+              </a:lnSpc>
+            </a:pPr>
+            <a:r>
+              <a:rPr lang="en-US" sz="1500" dirty="0"/>
+              <a:t>Why is our project socially relevant?</a:t>
+            </a:r>
+          </a:p>
+          <a:p>
+            <a:pPr lvl="1">
+              <a:lnSpc>
+                <a:spcPct val="90000"/>
+              </a:lnSpc>
+              <a:buFont typeface="Wingdings" panose="05000000000000000000" pitchFamily="2" charset="2"/>
+              <a:buChar char="Ø"/>
+            </a:pPr>
+            <a:r>
+              <a:rPr lang="en-US" sz="1500" dirty="0"/>
+              <a:t>Our project is socially relevant due to it addressing the issues of pollution and waste, particularly due to the problem of improper recycling. Teaching people to correctly recycle, could lead to less waste and pollution as a whole. </a:t>
+            </a:r>
+          </a:p>
+          <a:p>
+            <a:pPr lvl="1">
+              <a:lnSpc>
+                <a:spcPct val="90000"/>
+              </a:lnSpc>
+            </a:pPr>
+            <a:r>
+              <a:rPr lang="en-US" sz="1500" dirty="0"/>
+              <a:t>  What are the requirements (functionality) of your project?</a:t>
+            </a:r>
+          </a:p>
+          <a:p>
+            <a:pPr lvl="2">
+              <a:lnSpc>
+                <a:spcPct val="90000"/>
+              </a:lnSpc>
+              <a:buFont typeface="Wingdings" panose="05000000000000000000" pitchFamily="2" charset="2"/>
+              <a:buChar char="Ø"/>
+            </a:pPr>
+            <a:r>
+              <a:rPr lang="en-US" sz="1300" dirty="0"/>
+              <a:t>Our functionality of our project was teaching recycling by letting users look up materials, calculate impact, play a recycling game, and simulate recycling behavior with different settings.</a:t>
+            </a:r>
+          </a:p>
+          <a:p>
+            <a:pPr lvl="2">
+              <a:lnSpc>
+                <a:spcPct val="90000"/>
+              </a:lnSpc>
+              <a:buFont typeface="Wingdings" panose="05000000000000000000" pitchFamily="2" charset="2"/>
+              <a:buChar char="Ø"/>
+            </a:pPr>
+            <a:endParaRPr lang="en-US" sz="1300" dirty="0"/>
           </a:p>
         </p:txBody>
       </p:sp>
@@ -7032,31 +8213,41 @@
           </a:p>
         </p:txBody>
       </p:sp>
-      <p:sp>
-        <p:nvSpPr>
-          <p:cNvPr id="3" name="Content Placeholder 2">
+      <p:pic>
+        <p:nvPicPr>
+          <p:cNvPr id="9" name="Content Placeholder 8" descr="A screenshot of a computer screen&#10;&#10;AI-generated content may be incorrect.">
             <a:extLst>
               <a:ext uri="{FF2B5EF4-FFF2-40B4-BE49-F238E27FC236}">
-                <a16:creationId xmlns:a16="http://schemas.microsoft.com/office/drawing/2014/main" id="{53C599F7-CC7A-4177-9ADF-B82EF6F6C484}"/>
+                <a16:creationId xmlns:a16="http://schemas.microsoft.com/office/drawing/2014/main" id="{E1CA144D-8703-32C6-7066-980277EB2430}"/>
               </a:ext>
             </a:extLst>
           </p:cNvPr>
-          <p:cNvSpPr>
-            <a:spLocks noGrp="1"/>
-          </p:cNvSpPr>
+          <p:cNvPicPr>
+            <a:picLocks noGrp="1" noChangeAspect="1"/>
+          </p:cNvPicPr>
           <p:nvPr>
             <p:ph idx="1"/>
           </p:nvPr>
-        </p:nvSpPr>
-        <p:spPr/>
-        <p:txBody>
-          <a:bodyPr/>
-          <a:lstStyle/>
-          <a:p>
-            <a:endParaRPr lang="en-US"/>
-          </a:p>
-        </p:txBody>
-      </p:sp>
+        </p:nvPicPr>
+        <p:blipFill>
+          <a:blip r:embed="rId2" cstate="print">
+            <a:extLst>
+              <a:ext uri="{28A0092B-C50C-407E-A947-70E740481C1C}">
+                <a14:useLocalDpi xmlns:a14="http://schemas.microsoft.com/office/drawing/2010/main" val="0"/>
+              </a:ext>
+            </a:extLst>
+          </a:blip>
+          <a:stretch>
+            <a:fillRect/>
+          </a:stretch>
+        </p:blipFill>
+        <p:spPr>
+          <a:xfrm>
+            <a:off x="1524000" y="1805766"/>
+            <a:ext cx="7267417" cy="4621537"/>
+          </a:xfrm>
+        </p:spPr>
+      </p:pic>
     </p:spTree>
     <p:extLst>
       <p:ext uri="{BB962C8B-B14F-4D97-AF65-F5344CB8AC3E}">
@@ -7117,10 +8308,10 @@
       </p:sp>
       <p:sp>
         <p:nvSpPr>
-          <p:cNvPr id="3" name="Content Placeholder 2">
+          <p:cNvPr id="13" name="Content Placeholder 12">
             <a:extLst>
               <a:ext uri="{FF2B5EF4-FFF2-40B4-BE49-F238E27FC236}">
-                <a16:creationId xmlns:a16="http://schemas.microsoft.com/office/drawing/2014/main" id="{84AC0EF0-C390-4842-987D-E9F477B73F6D}"/>
+                <a16:creationId xmlns:a16="http://schemas.microsoft.com/office/drawing/2014/main" id="{285A24CC-4F1E-29F1-0805-A5D98B500E0C}"/>
               </a:ext>
             </a:extLst>
           </p:cNvPr>
@@ -7156,6 +8347,27 @@
 <file path=ppt/slides/slide5.xml><?xml version="1.0" encoding="utf-8"?>
 <p:sld xmlns:a="http://schemas.openxmlformats.org/drawingml/2006/main" xmlns:r="http://schemas.openxmlformats.org/officeDocument/2006/relationships" xmlns:p="http://schemas.openxmlformats.org/presentationml/2006/main">
   <p:cSld>
+    <p:bg>
+      <p:bgPr>
+        <a:blipFill rotWithShape="1">
+          <a:blip r:embed="rId2">
+            <a:duotone>
+              <a:schemeClr val="bg2">
+                <a:shade val="76000"/>
+                <a:satMod val="180000"/>
+              </a:schemeClr>
+              <a:schemeClr val="bg2">
+                <a:tint val="80000"/>
+                <a:satMod val="120000"/>
+                <a:lumMod val="180000"/>
+              </a:schemeClr>
+            </a:duotone>
+          </a:blip>
+          <a:stretch/>
+        </a:blipFill>
+        <a:effectLst/>
+      </p:bgPr>
+    </p:bg>
     <p:spTree>
       <p:nvGrpSpPr>
         <p:cNvPr id="1" name=""/>
@@ -7170,6 +8382,584 @@
           <a:chExt cx="0" cy="0"/>
         </a:xfrm>
       </p:grpSpPr>
+      <p:sp useBgFill="1">
+        <p:nvSpPr>
+          <p:cNvPr id="9" name="Rectangle 8">
+            <a:extLst>
+              <a:ext uri="{FF2B5EF4-FFF2-40B4-BE49-F238E27FC236}">
+                <a16:creationId xmlns:a16="http://schemas.microsoft.com/office/drawing/2014/main" id="{6AD30037-67ED-4367-9BE0-45787510BF13}"/>
+              </a:ext>
+              <a:ext uri="{C183D7F6-B498-43B3-948B-1728B52AA6E4}">
+                <adec:decorative xmlns:adec="http://schemas.microsoft.com/office/drawing/2017/decorative" val="1"/>
+              </a:ext>
+            </a:extLst>
+          </p:cNvPr>
+          <p:cNvSpPr>
+            <a:spLocks noGrp="1" noRot="1" noChangeAspect="1" noMove="1" noResize="1" noEditPoints="1" noAdjustHandles="1" noChangeArrowheads="1" noChangeShapeType="1" noTextEdit="1"/>
+          </p:cNvSpPr>
+          <p:nvPr>
+            <p:extLst>
+              <p:ext uri="{386F3935-93C4-4BCD-93E2-E3B085C9AB24}">
+                <p16:designElem xmlns:p16="http://schemas.microsoft.com/office/powerpoint/2015/main" val="1"/>
+              </p:ext>
+            </p:extLst>
+          </p:nvPr>
+        </p:nvSpPr>
+        <p:spPr>
+          <a:xfrm>
+            <a:off x="0" y="0"/>
+            <a:ext cx="9144000" cy="6858000"/>
+          </a:xfrm>
+          <a:prstGeom prst="rect">
+            <a:avLst/>
+          </a:prstGeom>
+          <a:ln>
+            <a:noFill/>
+          </a:ln>
+        </p:spPr>
+        <p:style>
+          <a:lnRef idx="2">
+            <a:schemeClr val="accent1">
+              <a:shade val="50000"/>
+            </a:schemeClr>
+          </a:lnRef>
+          <a:fillRef idx="1">
+            <a:schemeClr val="accent1"/>
+          </a:fillRef>
+          <a:effectRef idx="0">
+            <a:schemeClr val="accent1"/>
+          </a:effectRef>
+          <a:fontRef idx="minor">
+            <a:schemeClr val="lt1"/>
+          </a:fontRef>
+        </p:style>
+        <p:txBody>
+          <a:bodyPr rtlCol="0" anchor="ctr"/>
+          <a:lstStyle/>
+          <a:p>
+            <a:pPr algn="ctr"/>
+            <a:endParaRPr lang="en-US"/>
+          </a:p>
+        </p:txBody>
+      </p:sp>
+      <p:pic>
+        <p:nvPicPr>
+          <p:cNvPr id="5" name="Picture 4" descr="Four cube prisms in a line">
+            <a:extLst>
+              <a:ext uri="{FF2B5EF4-FFF2-40B4-BE49-F238E27FC236}">
+                <a16:creationId xmlns:a16="http://schemas.microsoft.com/office/drawing/2014/main" id="{EC94F56B-03C9-E0DC-2BAD-263850EC5FE9}"/>
+              </a:ext>
+            </a:extLst>
+          </p:cNvPr>
+          <p:cNvPicPr>
+            <a:picLocks noChangeAspect="1"/>
+          </p:cNvPicPr>
+          <p:nvPr/>
+        </p:nvPicPr>
+        <p:blipFill>
+          <a:blip r:embed="rId3"/>
+          <a:srcRect l="24202" r="37115" b="-1"/>
+          <a:stretch/>
+        </p:blipFill>
+        <p:spPr>
+          <a:xfrm>
+            <a:off x="5169693" y="10"/>
+            <a:ext cx="3974307" cy="6857990"/>
+          </a:xfrm>
+          <a:custGeom>
+            <a:avLst/>
+            <a:gdLst/>
+            <a:ahLst/>
+            <a:cxnLst/>
+            <a:rect l="l" t="t" r="r" b="b"/>
+            <a:pathLst>
+              <a:path w="5299077" h="6858000">
+                <a:moveTo>
+                  <a:pt x="836871" y="0"/>
+                </a:moveTo>
+                <a:lnTo>
+                  <a:pt x="5299077" y="0"/>
+                </a:lnTo>
+                <a:lnTo>
+                  <a:pt x="5299077" y="6858000"/>
+                </a:lnTo>
+                <a:lnTo>
+                  <a:pt x="1911312" y="6858000"/>
+                </a:lnTo>
+                <a:lnTo>
+                  <a:pt x="0" y="5333999"/>
+                </a:lnTo>
+                <a:close/>
+              </a:path>
+            </a:pathLst>
+          </a:custGeom>
+        </p:spPr>
+      </p:pic>
+      <p:grpSp>
+        <p:nvGrpSpPr>
+          <p:cNvPr id="11" name="Group 10">
+            <a:extLst>
+              <a:ext uri="{FF2B5EF4-FFF2-40B4-BE49-F238E27FC236}">
+                <a16:creationId xmlns:a16="http://schemas.microsoft.com/office/drawing/2014/main" id="{50841A4E-5BC1-44B4-83CF-D524E8AEAD64}"/>
+              </a:ext>
+              <a:ext uri="{C183D7F6-B498-43B3-948B-1728B52AA6E4}">
+                <adec:decorative xmlns:adec="http://schemas.microsoft.com/office/drawing/2017/decorative" val="1"/>
+              </a:ext>
+            </a:extLst>
+          </p:cNvPr>
+          <p:cNvGrpSpPr>
+            <a:grpSpLocks noGrp="1" noUngrp="1" noRot="1" noChangeAspect="1" noMove="1" noResize="1"/>
+          </p:cNvGrpSpPr>
+          <p:nvPr>
+            <p:extLst>
+              <p:ext uri="{386F3935-93C4-4BCD-93E2-E3B085C9AB24}">
+                <p16:designElem xmlns:p16="http://schemas.microsoft.com/office/powerpoint/2015/main" val="1"/>
+              </p:ext>
+            </p:extLst>
+          </p:nvPr>
+        </p:nvGrpSpPr>
+        <p:grpSpPr>
+          <a:xfrm>
+            <a:off x="4674570" y="0"/>
+            <a:ext cx="1827609" cy="6858001"/>
+            <a:chOff x="1320800" y="0"/>
+            <a:chExt cx="2436813" cy="6858001"/>
+          </a:xfrm>
+        </p:grpSpPr>
+        <p:sp>
+          <p:nvSpPr>
+            <p:cNvPr id="12" name="Freeform 6">
+              <a:extLst>
+                <a:ext uri="{FF2B5EF4-FFF2-40B4-BE49-F238E27FC236}">
+                  <a16:creationId xmlns:a16="http://schemas.microsoft.com/office/drawing/2014/main" id="{BF371BCC-8954-44E2-8C4F-29DC188727AC}"/>
+                </a:ext>
+                <a:ext uri="{C183D7F6-B498-43B3-948B-1728B52AA6E4}">
+                  <adec:decorative xmlns:adec="http://schemas.microsoft.com/office/drawing/2017/decorative" val="1"/>
+                </a:ext>
+              </a:extLst>
+            </p:cNvPr>
+            <p:cNvSpPr/>
+            <p:nvPr>
+              <p:extLst>
+                <p:ext uri="{386F3935-93C4-4BCD-93E2-E3B085C9AB24}">
+                  <p16:designElem xmlns:p16="http://schemas.microsoft.com/office/powerpoint/2015/main" val="1"/>
+                </p:ext>
+              </p:extLst>
+            </p:nvPr>
+          </p:nvSpPr>
+          <p:spPr bwMode="auto">
+            <a:xfrm>
+              <a:off x="1627188" y="0"/>
+              <a:ext cx="1122363" cy="5329238"/>
+            </a:xfrm>
+            <a:custGeom>
+              <a:avLst/>
+              <a:gdLst/>
+              <a:ahLst/>
+              <a:cxnLst/>
+              <a:rect l="0" t="0" r="r" b="b"/>
+              <a:pathLst>
+                <a:path w="707" h="3357">
+                  <a:moveTo>
+                    <a:pt x="0" y="3330"/>
+                  </a:moveTo>
+                  <a:lnTo>
+                    <a:pt x="156" y="3357"/>
+                  </a:lnTo>
+                  <a:lnTo>
+                    <a:pt x="707" y="0"/>
+                  </a:lnTo>
+                  <a:lnTo>
+                    <a:pt x="547" y="0"/>
+                  </a:lnTo>
+                  <a:lnTo>
+                    <a:pt x="0" y="3330"/>
+                  </a:lnTo>
+                  <a:close/>
+                </a:path>
+              </a:pathLst>
+            </a:custGeom>
+            <a:solidFill>
+              <a:schemeClr val="accent1"/>
+            </a:solidFill>
+            <a:ln>
+              <a:noFill/>
+            </a:ln>
+          </p:spPr>
+          <p:txBody>
+            <a:bodyPr/>
+            <a:lstStyle/>
+            <a:p>
+              <a:endParaRPr lang="en-US"/>
+            </a:p>
+          </p:txBody>
+        </p:sp>
+        <p:sp>
+          <p:nvSpPr>
+            <p:cNvPr id="13" name="Freeform 7">
+              <a:extLst>
+                <a:ext uri="{FF2B5EF4-FFF2-40B4-BE49-F238E27FC236}">
+                  <a16:creationId xmlns:a16="http://schemas.microsoft.com/office/drawing/2014/main" id="{CD3505BE-B420-41C5-BE34-3E7652D37A5F}"/>
+                </a:ext>
+                <a:ext uri="{C183D7F6-B498-43B3-948B-1728B52AA6E4}">
+                  <adec:decorative xmlns:adec="http://schemas.microsoft.com/office/drawing/2017/decorative" val="1"/>
+                </a:ext>
+              </a:extLst>
+            </p:cNvPr>
+            <p:cNvSpPr/>
+            <p:nvPr>
+              <p:extLst>
+                <p:ext uri="{386F3935-93C4-4BCD-93E2-E3B085C9AB24}">
+                  <p16:designElem xmlns:p16="http://schemas.microsoft.com/office/powerpoint/2015/main" val="1"/>
+                </p:ext>
+              </p:extLst>
+            </p:nvPr>
+          </p:nvSpPr>
+          <p:spPr bwMode="auto">
+            <a:xfrm>
+              <a:off x="1320800" y="0"/>
+              <a:ext cx="1117600" cy="5276850"/>
+            </a:xfrm>
+            <a:custGeom>
+              <a:avLst/>
+              <a:gdLst/>
+              <a:ahLst/>
+              <a:cxnLst/>
+              <a:rect l="0" t="0" r="r" b="b"/>
+              <a:pathLst>
+                <a:path w="704" h="3324">
+                  <a:moveTo>
+                    <a:pt x="704" y="0"/>
+                  </a:moveTo>
+                  <a:lnTo>
+                    <a:pt x="545" y="0"/>
+                  </a:lnTo>
+                  <a:lnTo>
+                    <a:pt x="0" y="3300"/>
+                  </a:lnTo>
+                  <a:lnTo>
+                    <a:pt x="157" y="3324"/>
+                  </a:lnTo>
+                  <a:lnTo>
+                    <a:pt x="704" y="0"/>
+                  </a:lnTo>
+                  <a:close/>
+                </a:path>
+              </a:pathLst>
+            </a:custGeom>
+            <a:solidFill>
+              <a:schemeClr val="tx1">
+                <a:lumMod val="65000"/>
+                <a:lumOff val="35000"/>
+              </a:schemeClr>
+            </a:solidFill>
+            <a:ln>
+              <a:noFill/>
+            </a:ln>
+          </p:spPr>
+          <p:txBody>
+            <a:bodyPr/>
+            <a:lstStyle/>
+            <a:p>
+              <a:endParaRPr lang="en-US"/>
+            </a:p>
+          </p:txBody>
+        </p:sp>
+        <p:sp>
+          <p:nvSpPr>
+            <p:cNvPr id="14" name="Freeform 8">
+              <a:extLst>
+                <a:ext uri="{FF2B5EF4-FFF2-40B4-BE49-F238E27FC236}">
+                  <a16:creationId xmlns:a16="http://schemas.microsoft.com/office/drawing/2014/main" id="{4B68A05B-A78B-4D59-8CF9-1900731A2188}"/>
+                </a:ext>
+                <a:ext uri="{C183D7F6-B498-43B3-948B-1728B52AA6E4}">
+                  <adec:decorative xmlns:adec="http://schemas.microsoft.com/office/drawing/2017/decorative" val="1"/>
+                </a:ext>
+              </a:extLst>
+            </p:cNvPr>
+            <p:cNvSpPr/>
+            <p:nvPr>
+              <p:extLst>
+                <p:ext uri="{386F3935-93C4-4BCD-93E2-E3B085C9AB24}">
+                  <p16:designElem xmlns:p16="http://schemas.microsoft.com/office/powerpoint/2015/main" val="1"/>
+                </p:ext>
+              </p:extLst>
+            </p:nvPr>
+          </p:nvSpPr>
+          <p:spPr bwMode="auto">
+            <a:xfrm>
+              <a:off x="1320800" y="5238750"/>
+              <a:ext cx="1228725" cy="1619250"/>
+            </a:xfrm>
+            <a:custGeom>
+              <a:avLst/>
+              <a:gdLst/>
+              <a:ahLst/>
+              <a:cxnLst/>
+              <a:rect l="0" t="0" r="r" b="b"/>
+              <a:pathLst>
+                <a:path w="774" h="1020">
+                  <a:moveTo>
+                    <a:pt x="0" y="0"/>
+                  </a:moveTo>
+                  <a:lnTo>
+                    <a:pt x="740" y="1020"/>
+                  </a:lnTo>
+                  <a:lnTo>
+                    <a:pt x="774" y="1020"/>
+                  </a:lnTo>
+                  <a:lnTo>
+                    <a:pt x="0" y="0"/>
+                  </a:lnTo>
+                  <a:close/>
+                </a:path>
+              </a:pathLst>
+            </a:custGeom>
+            <a:solidFill>
+              <a:schemeClr val="tx1">
+                <a:lumMod val="85000"/>
+                <a:lumOff val="15000"/>
+              </a:schemeClr>
+            </a:solidFill>
+            <a:ln>
+              <a:noFill/>
+            </a:ln>
+          </p:spPr>
+          <p:txBody>
+            <a:bodyPr/>
+            <a:lstStyle/>
+            <a:p>
+              <a:endParaRPr lang="en-US"/>
+            </a:p>
+          </p:txBody>
+        </p:sp>
+        <p:sp>
+          <p:nvSpPr>
+            <p:cNvPr id="15" name="Freeform 9">
+              <a:extLst>
+                <a:ext uri="{FF2B5EF4-FFF2-40B4-BE49-F238E27FC236}">
+                  <a16:creationId xmlns:a16="http://schemas.microsoft.com/office/drawing/2014/main" id="{84D57A01-C112-4FF2-B5ED-0B762AAD9CE2}"/>
+                </a:ext>
+                <a:ext uri="{C183D7F6-B498-43B3-948B-1728B52AA6E4}">
+                  <adec:decorative xmlns:adec="http://schemas.microsoft.com/office/drawing/2017/decorative" val="1"/>
+                </a:ext>
+              </a:extLst>
+            </p:cNvPr>
+            <p:cNvSpPr/>
+            <p:nvPr>
+              <p:extLst>
+                <p:ext uri="{386F3935-93C4-4BCD-93E2-E3B085C9AB24}">
+                  <p16:designElem xmlns:p16="http://schemas.microsoft.com/office/powerpoint/2015/main" val="1"/>
+                </p:ext>
+              </p:extLst>
+            </p:nvPr>
+          </p:nvSpPr>
+          <p:spPr bwMode="auto">
+            <a:xfrm>
+              <a:off x="1627188" y="5291138"/>
+              <a:ext cx="1495425" cy="1566863"/>
+            </a:xfrm>
+            <a:custGeom>
+              <a:avLst/>
+              <a:gdLst/>
+              <a:ahLst/>
+              <a:cxnLst/>
+              <a:rect l="0" t="0" r="r" b="b"/>
+              <a:pathLst>
+                <a:path w="942" h="987">
+                  <a:moveTo>
+                    <a:pt x="0" y="0"/>
+                  </a:moveTo>
+                  <a:lnTo>
+                    <a:pt x="909" y="987"/>
+                  </a:lnTo>
+                  <a:lnTo>
+                    <a:pt x="942" y="987"/>
+                  </a:lnTo>
+                  <a:lnTo>
+                    <a:pt x="0" y="0"/>
+                  </a:lnTo>
+                  <a:close/>
+                </a:path>
+              </a:pathLst>
+            </a:custGeom>
+            <a:solidFill>
+              <a:schemeClr val="accent1">
+                <a:lumMod val="50000"/>
+              </a:schemeClr>
+            </a:solidFill>
+            <a:ln>
+              <a:noFill/>
+            </a:ln>
+          </p:spPr>
+          <p:txBody>
+            <a:bodyPr/>
+            <a:lstStyle/>
+            <a:p>
+              <a:endParaRPr lang="en-US"/>
+            </a:p>
+          </p:txBody>
+        </p:sp>
+        <p:sp>
+          <p:nvSpPr>
+            <p:cNvPr id="16" name="Freeform 10">
+              <a:extLst>
+                <a:ext uri="{FF2B5EF4-FFF2-40B4-BE49-F238E27FC236}">
+                  <a16:creationId xmlns:a16="http://schemas.microsoft.com/office/drawing/2014/main" id="{6CCCCDF1-5D4F-4CA1-8400-DFBB96BB011D}"/>
+                </a:ext>
+                <a:ext uri="{C183D7F6-B498-43B3-948B-1728B52AA6E4}">
+                  <adec:decorative xmlns:adec="http://schemas.microsoft.com/office/drawing/2017/decorative" val="1"/>
+                </a:ext>
+              </a:extLst>
+            </p:cNvPr>
+            <p:cNvSpPr/>
+            <p:nvPr>
+              <p:extLst>
+                <p:ext uri="{386F3935-93C4-4BCD-93E2-E3B085C9AB24}">
+                  <p16:designElem xmlns:p16="http://schemas.microsoft.com/office/powerpoint/2015/main" val="1"/>
+                </p:ext>
+              </p:extLst>
+            </p:nvPr>
+          </p:nvSpPr>
+          <p:spPr bwMode="auto">
+            <a:xfrm>
+              <a:off x="1627188" y="5286375"/>
+              <a:ext cx="2130425" cy="1571625"/>
+            </a:xfrm>
+            <a:custGeom>
+              <a:avLst/>
+              <a:gdLst/>
+              <a:ahLst/>
+              <a:cxnLst/>
+              <a:rect l="0" t="0" r="r" b="b"/>
+              <a:pathLst>
+                <a:path w="1342" h="990">
+                  <a:moveTo>
+                    <a:pt x="0" y="3"/>
+                  </a:moveTo>
+                  <a:lnTo>
+                    <a:pt x="942" y="990"/>
+                  </a:lnTo>
+                  <a:lnTo>
+                    <a:pt x="1342" y="990"/>
+                  </a:lnTo>
+                  <a:lnTo>
+                    <a:pt x="156" y="27"/>
+                  </a:lnTo>
+                  <a:lnTo>
+                    <a:pt x="0" y="0"/>
+                  </a:lnTo>
+                  <a:lnTo>
+                    <a:pt x="0" y="3"/>
+                  </a:lnTo>
+                  <a:close/>
+                </a:path>
+              </a:pathLst>
+            </a:custGeom>
+            <a:solidFill>
+              <a:schemeClr val="accent1">
+                <a:lumMod val="75000"/>
+              </a:schemeClr>
+            </a:solidFill>
+            <a:ln>
+              <a:noFill/>
+            </a:ln>
+          </p:spPr>
+          <p:txBody>
+            <a:bodyPr/>
+            <a:lstStyle/>
+            <a:p>
+              <a:endParaRPr lang="en-US"/>
+            </a:p>
+          </p:txBody>
+        </p:sp>
+        <p:sp>
+          <p:nvSpPr>
+            <p:cNvPr id="17" name="Freeform 11">
+              <a:extLst>
+                <a:ext uri="{FF2B5EF4-FFF2-40B4-BE49-F238E27FC236}">
+                  <a16:creationId xmlns:a16="http://schemas.microsoft.com/office/drawing/2014/main" id="{20A090B2-5344-43CD-BC70-A6D44F15E800}"/>
+                </a:ext>
+                <a:ext uri="{C183D7F6-B498-43B3-948B-1728B52AA6E4}">
+                  <adec:decorative xmlns:adec="http://schemas.microsoft.com/office/drawing/2017/decorative" val="1"/>
+                </a:ext>
+              </a:extLst>
+            </p:cNvPr>
+            <p:cNvSpPr/>
+            <p:nvPr>
+              <p:extLst>
+                <p:ext uri="{386F3935-93C4-4BCD-93E2-E3B085C9AB24}">
+                  <p16:designElem xmlns:p16="http://schemas.microsoft.com/office/powerpoint/2015/main" val="1"/>
+                </p:ext>
+              </p:extLst>
+            </p:nvPr>
+          </p:nvSpPr>
+          <p:spPr bwMode="auto">
+            <a:xfrm>
+              <a:off x="1320800" y="5238750"/>
+              <a:ext cx="1695450" cy="1619250"/>
+            </a:xfrm>
+            <a:custGeom>
+              <a:avLst/>
+              <a:gdLst/>
+              <a:ahLst/>
+              <a:cxnLst/>
+              <a:rect l="0" t="0" r="r" b="b"/>
+              <a:pathLst>
+                <a:path w="1068" h="1020">
+                  <a:moveTo>
+                    <a:pt x="1068" y="1020"/>
+                  </a:moveTo>
+                  <a:lnTo>
+                    <a:pt x="184" y="60"/>
+                  </a:lnTo>
+                  <a:lnTo>
+                    <a:pt x="154" y="27"/>
+                  </a:lnTo>
+                  <a:lnTo>
+                    <a:pt x="157" y="27"/>
+                  </a:lnTo>
+                  <a:lnTo>
+                    <a:pt x="157" y="24"/>
+                  </a:lnTo>
+                  <a:lnTo>
+                    <a:pt x="154" y="24"/>
+                  </a:lnTo>
+                  <a:lnTo>
+                    <a:pt x="0" y="0"/>
+                  </a:lnTo>
+                  <a:lnTo>
+                    <a:pt x="0" y="0"/>
+                  </a:lnTo>
+                  <a:lnTo>
+                    <a:pt x="774" y="1020"/>
+                  </a:lnTo>
+                  <a:lnTo>
+                    <a:pt x="1068" y="1020"/>
+                  </a:lnTo>
+                  <a:close/>
+                </a:path>
+              </a:pathLst>
+            </a:custGeom>
+            <a:solidFill>
+              <a:schemeClr val="tx1">
+                <a:lumMod val="75000"/>
+                <a:lumOff val="25000"/>
+              </a:schemeClr>
+            </a:solidFill>
+            <a:ln>
+              <a:noFill/>
+            </a:ln>
+          </p:spPr>
+          <p:txBody>
+            <a:bodyPr/>
+            <a:lstStyle/>
+            <a:p>
+              <a:endParaRPr lang="en-US"/>
+            </a:p>
+          </p:txBody>
+        </p:sp>
+      </p:grpSp>
       <p:sp>
         <p:nvSpPr>
           <p:cNvPr id="2" name="Title 1"/>
@@ -7180,15 +8970,24 @@
             <p:ph type="title"/>
           </p:nvPr>
         </p:nvSpPr>
-        <p:spPr/>
-        <p:txBody>
-          <a:bodyPr/>
+        <p:spPr>
+          <a:xfrm>
+            <a:off x="729060" y="685800"/>
+            <a:ext cx="3945510" cy="1752599"/>
+          </a:xfrm>
+        </p:spPr>
+        <p:txBody>
+          <a:bodyPr>
+            <a:normAutofit/>
+          </a:bodyPr>
           <a:lstStyle/>
           <a:p>
+            <a:pPr algn="l"/>
             <a:r>
               <a:rPr lang="en-US" dirty="0"/>
               <a:t>Polymorphic Collections</a:t>
             </a:r>
+            <a:endParaRPr lang="en-US"/>
           </a:p>
         </p:txBody>
       </p:sp>
@@ -7202,30 +9001,135 @@
             <p:ph idx="1"/>
           </p:nvPr>
         </p:nvSpPr>
-        <p:spPr/>
-        <p:txBody>
-          <a:bodyPr/>
+        <p:spPr>
+          <a:xfrm>
+            <a:off x="482601" y="2666999"/>
+            <a:ext cx="3945510" cy="3124201"/>
+          </a:xfrm>
+        </p:spPr>
+        <p:txBody>
+          <a:bodyPr>
+            <a:normAutofit/>
+          </a:bodyPr>
           <a:lstStyle/>
           <a:p>
-            <a:r>
-              <a:rPr lang="en-US" dirty="0"/>
+            <a:pPr>
+              <a:lnSpc>
+                <a:spcPct val="90000"/>
+              </a:lnSpc>
+            </a:pPr>
+            <a:r>
+              <a:rPr lang="en-US" sz="900" dirty="0"/>
               <a:t>How did you use them in your application?</a:t>
             </a:r>
           </a:p>
           <a:p>
-            <a:r>
-              <a:rPr lang="en-US" dirty="0"/>
+            <a:pPr lvl="1">
+              <a:lnSpc>
+                <a:spcPct val="90000"/>
+              </a:lnSpc>
+              <a:buFont typeface="Wingdings" panose="05000000000000000000" pitchFamily="2" charset="2"/>
+              <a:buChar char="Ø"/>
+            </a:pPr>
+            <a:r>
+              <a:rPr lang="en-US" sz="900" dirty="0"/>
+              <a:t>We use polymorphic collection in our project by generating random material subclasses like Paper and Glass. Even though they are different classes, they can be treated the same because they inherit from the Material class, which lets us store them together and  work with them using shared methods. </a:t>
+            </a:r>
+          </a:p>
+          <a:p>
+            <a:pPr>
+              <a:lnSpc>
+                <a:spcPct val="90000"/>
+              </a:lnSpc>
+            </a:pPr>
+            <a:r>
+              <a:rPr lang="en-US" sz="900" dirty="0"/>
               <a:t>What code demonstrates how you handled different object types?</a:t>
             </a:r>
           </a:p>
           <a:p>
-            <a:r>
-              <a:rPr lang="en-US" dirty="0"/>
+            <a:pPr lvl="1">
+              <a:lnSpc>
+                <a:spcPct val="90000"/>
+              </a:lnSpc>
+              <a:buFont typeface="Wingdings" panose="05000000000000000000" pitchFamily="2" charset="2"/>
+              <a:buChar char="Ø"/>
+            </a:pPr>
+            <a:r>
+              <a:rPr lang="en-US" sz="900" dirty="0"/>
+              <a:t>In our code we have one method called attempt Recycle. Instead of checking exactly what kind of material it is , we checked what the material is able to do like if its compost, donate, and bin. This lets us recycle different materials. </a:t>
+            </a:r>
+          </a:p>
+          <a:p>
+            <a:pPr>
+              <a:lnSpc>
+                <a:spcPct val="90000"/>
+              </a:lnSpc>
+            </a:pPr>
+            <a:r>
+              <a:rPr lang="en-US" sz="900" dirty="0"/>
               <a:t>How did you avoid coupling to subclasses?</a:t>
             </a:r>
           </a:p>
-        </p:txBody>
-      </p:sp>
+          <a:p>
+            <a:pPr lvl="1">
+              <a:lnSpc>
+                <a:spcPct val="90000"/>
+              </a:lnSpc>
+              <a:buFont typeface="Wingdings" panose="05000000000000000000" pitchFamily="2" charset="2"/>
+              <a:buChar char="Ø"/>
+            </a:pPr>
+            <a:r>
+              <a:rPr lang="en-US" sz="900" dirty="0"/>
+              <a:t>Instead of checking the material’s exact class, we checking if it used an interface like Compostable or </a:t>
+            </a:r>
+            <a:r>
+              <a:rPr lang="en-US" sz="900" dirty="0" err="1"/>
+              <a:t>Binnable</a:t>
+            </a:r>
+            <a:r>
+              <a:rPr lang="en-US" sz="900" dirty="0"/>
+              <a:t>. This allows any material that can compost, bin, and add newer ones later without changing anything. In our project the code only care about what the material can do and not what class it is.</a:t>
+            </a:r>
+          </a:p>
+        </p:txBody>
+      </p:sp>
+      <p:pic>
+        <p:nvPicPr>
+          <p:cNvPr id="8" name="Picture 7" descr="A grey trash can with a lid&#10;&#10;AI-generated content may be incorrect.">
+            <a:extLst>
+              <a:ext uri="{FF2B5EF4-FFF2-40B4-BE49-F238E27FC236}">
+                <a16:creationId xmlns:a16="http://schemas.microsoft.com/office/drawing/2014/main" id="{0B670192-F4E0-B11B-F8EF-21F00251903F}"/>
+              </a:ext>
+            </a:extLst>
+          </p:cNvPr>
+          <p:cNvPicPr>
+            <a:picLocks noChangeAspect="1"/>
+          </p:cNvPicPr>
+          <p:nvPr/>
+        </p:nvPicPr>
+        <p:blipFill>
+          <a:blip r:embed="rId4" cstate="print">
+            <a:extLst>
+              <a:ext uri="{28A0092B-C50C-407E-A947-70E740481C1C}">
+                <a14:useLocalDpi xmlns:a14="http://schemas.microsoft.com/office/drawing/2010/main" val="0"/>
+              </a:ext>
+            </a:extLst>
+          </a:blip>
+          <a:stretch>
+            <a:fillRect/>
+          </a:stretch>
+        </p:blipFill>
+        <p:spPr>
+          <a:xfrm>
+            <a:off x="3667719" y="1050547"/>
+            <a:ext cx="760392" cy="1099303"/>
+          </a:xfrm>
+          <a:prstGeom prst="rect">
+            <a:avLst/>
+          </a:prstGeom>
+        </p:spPr>
+      </p:pic>
     </p:spTree>
     <p:extLst>
       <p:ext uri="{BB962C8B-B14F-4D97-AF65-F5344CB8AC3E}">
@@ -7242,6 +9146,27 @@
 <file path=ppt/slides/slide6.xml><?xml version="1.0" encoding="utf-8"?>
 <p:sld xmlns:a="http://schemas.openxmlformats.org/drawingml/2006/main" xmlns:r="http://schemas.openxmlformats.org/officeDocument/2006/relationships" xmlns:p="http://schemas.openxmlformats.org/presentationml/2006/main">
   <p:cSld>
+    <p:bg>
+      <p:bgPr>
+        <a:blipFill rotWithShape="1">
+          <a:blip r:embed="rId2">
+            <a:duotone>
+              <a:schemeClr val="bg2">
+                <a:shade val="76000"/>
+                <a:satMod val="180000"/>
+              </a:schemeClr>
+              <a:schemeClr val="bg2">
+                <a:tint val="80000"/>
+                <a:satMod val="120000"/>
+                <a:lumMod val="180000"/>
+              </a:schemeClr>
+            </a:duotone>
+          </a:blip>
+          <a:stretch/>
+        </a:blipFill>
+        <a:effectLst/>
+      </p:bgPr>
+    </p:bg>
     <p:spTree>
       <p:nvGrpSpPr>
         <p:cNvPr id="1" name=""/>
@@ -7256,6 +9181,249 @@
           <a:chExt cx="0" cy="0"/>
         </a:xfrm>
       </p:grpSpPr>
+      <p:sp useBgFill="1">
+        <p:nvSpPr>
+          <p:cNvPr id="8" name="Rectangle 7">
+            <a:extLst>
+              <a:ext uri="{FF2B5EF4-FFF2-40B4-BE49-F238E27FC236}">
+                <a16:creationId xmlns:a16="http://schemas.microsoft.com/office/drawing/2014/main" id="{C8643778-7F6C-4E8D-84D1-D5CDB9928191}"/>
+              </a:ext>
+              <a:ext uri="{C183D7F6-B498-43B3-948B-1728B52AA6E4}">
+                <adec:decorative xmlns:adec="http://schemas.microsoft.com/office/drawing/2017/decorative" val="1"/>
+              </a:ext>
+            </a:extLst>
+          </p:cNvPr>
+          <p:cNvSpPr>
+            <a:spLocks noGrp="1" noRot="1" noChangeAspect="1" noMove="1" noResize="1" noEditPoints="1" noAdjustHandles="1" noChangeArrowheads="1" noChangeShapeType="1" noTextEdit="1"/>
+          </p:cNvSpPr>
+          <p:nvPr>
+            <p:extLst>
+              <p:ext uri="{386F3935-93C4-4BCD-93E2-E3B085C9AB24}">
+                <p16:designElem xmlns:p16="http://schemas.microsoft.com/office/powerpoint/2015/main" val="1"/>
+              </p:ext>
+            </p:extLst>
+          </p:nvPr>
+        </p:nvSpPr>
+        <p:spPr>
+          <a:xfrm>
+            <a:off x="0" y="0"/>
+            <a:ext cx="9144000" cy="6858000"/>
+          </a:xfrm>
+          <a:prstGeom prst="rect">
+            <a:avLst/>
+          </a:prstGeom>
+          <a:ln>
+            <a:noFill/>
+          </a:ln>
+        </p:spPr>
+        <p:style>
+          <a:lnRef idx="2">
+            <a:schemeClr val="accent1">
+              <a:shade val="50000"/>
+            </a:schemeClr>
+          </a:lnRef>
+          <a:fillRef idx="1">
+            <a:schemeClr val="accent1"/>
+          </a:fillRef>
+          <a:effectRef idx="0">
+            <a:schemeClr val="accent1"/>
+          </a:effectRef>
+          <a:fontRef idx="minor">
+            <a:schemeClr val="lt1"/>
+          </a:fontRef>
+        </p:style>
+        <p:txBody>
+          <a:bodyPr rtlCol="0" anchor="ctr"/>
+          <a:lstStyle/>
+          <a:p>
+            <a:pPr algn="ctr"/>
+            <a:endParaRPr lang="en-US"/>
+          </a:p>
+        </p:txBody>
+      </p:sp>
+      <p:sp>
+        <p:nvSpPr>
+          <p:cNvPr id="10" name="Freeform: Shape 9">
+            <a:extLst>
+              <a:ext uri="{FF2B5EF4-FFF2-40B4-BE49-F238E27FC236}">
+                <a16:creationId xmlns:a16="http://schemas.microsoft.com/office/drawing/2014/main" id="{1D22F88D-6907-48AF-B024-346E855E0D96}"/>
+              </a:ext>
+              <a:ext uri="{C183D7F6-B498-43B3-948B-1728B52AA6E4}">
+                <adec:decorative xmlns:adec="http://schemas.microsoft.com/office/drawing/2017/decorative" val="1"/>
+              </a:ext>
+            </a:extLst>
+          </p:cNvPr>
+          <p:cNvSpPr>
+            <a:spLocks noGrp="1" noRot="1" noChangeAspect="1" noMove="1" noResize="1" noEditPoints="1" noAdjustHandles="1" noChangeArrowheads="1" noChangeShapeType="1" noTextEdit="1"/>
+          </p:cNvSpPr>
+          <p:nvPr>
+            <p:extLst>
+              <p:ext uri="{386F3935-93C4-4BCD-93E2-E3B085C9AB24}">
+                <p16:designElem xmlns:p16="http://schemas.microsoft.com/office/powerpoint/2015/main" val="1"/>
+              </p:ext>
+            </p:extLst>
+          </p:nvPr>
+        </p:nvSpPr>
+        <p:spPr>
+          <a:xfrm flipV="1">
+            <a:off x="0" y="-1"/>
+            <a:ext cx="3302781" cy="6858001"/>
+          </a:xfrm>
+          <a:custGeom>
+            <a:avLst/>
+            <a:gdLst>
+              <a:gd name="connsiteX0" fmla="*/ 3223890 w 4403709"/>
+              <a:gd name="connsiteY0" fmla="*/ 6858001 h 6858001"/>
+              <a:gd name="connsiteX1" fmla="*/ 4101908 w 4403709"/>
+              <a:gd name="connsiteY1" fmla="*/ 6858001 h 6858001"/>
+              <a:gd name="connsiteX2" fmla="*/ 3254950 w 4403709"/>
+              <a:gd name="connsiteY2" fmla="*/ 1599356 h 6858001"/>
+              <a:gd name="connsiteX3" fmla="*/ 3254950 w 4403709"/>
+              <a:gd name="connsiteY3" fmla="*/ 1594062 h 6858001"/>
+              <a:gd name="connsiteX4" fmla="*/ 4403709 w 4403709"/>
+              <a:gd name="connsiteY4" fmla="*/ 0 h 6858001"/>
+              <a:gd name="connsiteX5" fmla="*/ 3254950 w 4403709"/>
+              <a:gd name="connsiteY5" fmla="*/ 0 h 6858001"/>
+              <a:gd name="connsiteX6" fmla="*/ 2903520 w 4403709"/>
+              <a:gd name="connsiteY6" fmla="*/ 0 h 6858001"/>
+              <a:gd name="connsiteX7" fmla="*/ 0 w 4403709"/>
+              <a:gd name="connsiteY7" fmla="*/ 0 h 6858001"/>
+              <a:gd name="connsiteX8" fmla="*/ 0 w 4403709"/>
+              <a:gd name="connsiteY8" fmla="*/ 6858000 h 6858001"/>
+              <a:gd name="connsiteX9" fmla="*/ 3223890 w 4403709"/>
+              <a:gd name="connsiteY9" fmla="*/ 6858000 h 6858001"/>
+            </a:gdLst>
+            <a:ahLst/>
+            <a:cxnLst>
+              <a:cxn ang="0">
+                <a:pos x="connsiteX0" y="connsiteY0"/>
+              </a:cxn>
+              <a:cxn ang="0">
+                <a:pos x="connsiteX1" y="connsiteY1"/>
+              </a:cxn>
+              <a:cxn ang="0">
+                <a:pos x="connsiteX2" y="connsiteY2"/>
+              </a:cxn>
+              <a:cxn ang="0">
+                <a:pos x="connsiteX3" y="connsiteY3"/>
+              </a:cxn>
+              <a:cxn ang="0">
+                <a:pos x="connsiteX4" y="connsiteY4"/>
+              </a:cxn>
+              <a:cxn ang="0">
+                <a:pos x="connsiteX5" y="connsiteY5"/>
+              </a:cxn>
+              <a:cxn ang="0">
+                <a:pos x="connsiteX6" y="connsiteY6"/>
+              </a:cxn>
+              <a:cxn ang="0">
+                <a:pos x="connsiteX7" y="connsiteY7"/>
+              </a:cxn>
+              <a:cxn ang="0">
+                <a:pos x="connsiteX8" y="connsiteY8"/>
+              </a:cxn>
+              <a:cxn ang="0">
+                <a:pos x="connsiteX9" y="connsiteY9"/>
+              </a:cxn>
+            </a:cxnLst>
+            <a:rect l="l" t="t" r="r" b="b"/>
+            <a:pathLst>
+              <a:path w="4403709" h="6858001">
+                <a:moveTo>
+                  <a:pt x="3223890" y="6858001"/>
+                </a:moveTo>
+                <a:lnTo>
+                  <a:pt x="4101908" y="6858001"/>
+                </a:lnTo>
+                <a:lnTo>
+                  <a:pt x="3254950" y="1599356"/>
+                </a:lnTo>
+                <a:lnTo>
+                  <a:pt x="3254950" y="1594062"/>
+                </a:lnTo>
+                <a:lnTo>
+                  <a:pt x="4403709" y="0"/>
+                </a:lnTo>
+                <a:lnTo>
+                  <a:pt x="3254950" y="0"/>
+                </a:lnTo>
+                <a:lnTo>
+                  <a:pt x="2903520" y="0"/>
+                </a:lnTo>
+                <a:lnTo>
+                  <a:pt x="0" y="0"/>
+                </a:lnTo>
+                <a:lnTo>
+                  <a:pt x="0" y="6858000"/>
+                </a:lnTo>
+                <a:lnTo>
+                  <a:pt x="3223890" y="6858000"/>
+                </a:lnTo>
+                <a:close/>
+              </a:path>
+            </a:pathLst>
+          </a:custGeom>
+          <a:gradFill flip="none" rotWithShape="1">
+            <a:gsLst>
+              <a:gs pos="0">
+                <a:schemeClr val="accent1">
+                  <a:lumMod val="89000"/>
+                </a:schemeClr>
+              </a:gs>
+              <a:gs pos="23000">
+                <a:schemeClr val="accent1">
+                  <a:lumMod val="89000"/>
+                </a:schemeClr>
+              </a:gs>
+              <a:gs pos="69000">
+                <a:schemeClr val="accent1">
+                  <a:lumMod val="75000"/>
+                </a:schemeClr>
+              </a:gs>
+              <a:gs pos="97000">
+                <a:schemeClr val="accent1">
+                  <a:lumMod val="70000"/>
+                </a:schemeClr>
+              </a:gs>
+            </a:gsLst>
+            <a:path path="circle">
+              <a:fillToRect l="50000" t="50000" r="50000" b="50000"/>
+            </a:path>
+            <a:tileRect/>
+          </a:gradFill>
+          <a:ln>
+            <a:noFill/>
+          </a:ln>
+        </p:spPr>
+        <p:style>
+          <a:lnRef idx="2">
+            <a:schemeClr val="accent1">
+              <a:shade val="50000"/>
+            </a:schemeClr>
+          </a:lnRef>
+          <a:fillRef idx="1002">
+            <a:schemeClr val="dk1"/>
+          </a:fillRef>
+          <a:effectRef idx="0">
+            <a:schemeClr val="accent1"/>
+          </a:effectRef>
+          <a:fontRef idx="minor">
+            <a:schemeClr val="lt1"/>
+          </a:fontRef>
+        </p:style>
+        <p:txBody>
+          <a:bodyPr rtlCol="0" anchor="ctr"/>
+          <a:lstStyle/>
+          <a:p>
+            <a:pPr algn="ctr"/>
+            <a:endParaRPr lang="en-US">
+              <a:solidFill>
+                <a:schemeClr val="tx1"/>
+              </a:solidFill>
+            </a:endParaRPr>
+          </a:p>
+        </p:txBody>
+      </p:sp>
       <p:sp>
         <p:nvSpPr>
           <p:cNvPr id="2" name="Title 1"/>
@@ -7266,18 +9434,495 @@
             <p:ph type="title"/>
           </p:nvPr>
         </p:nvSpPr>
-        <p:spPr/>
-        <p:txBody>
-          <a:bodyPr/>
+        <p:spPr>
+          <a:xfrm>
+            <a:off x="372084" y="685801"/>
+            <a:ext cx="2057400" cy="5105400"/>
+          </a:xfrm>
+        </p:spPr>
+        <p:txBody>
+          <a:bodyPr>
+            <a:normAutofit/>
+          </a:bodyPr>
           <a:lstStyle/>
           <a:p>
-            <a:r>
-              <a:rPr lang="en-US" dirty="0"/>
+            <a:pPr algn="l"/>
+            <a:r>
+              <a:rPr lang="en-US" sz="2800">
+                <a:solidFill>
+                  <a:srgbClr val="FFFFFF"/>
+                </a:solidFill>
+              </a:rPr>
               <a:t>Abstract Classes and Interfaces</a:t>
             </a:r>
           </a:p>
         </p:txBody>
       </p:sp>
+      <p:grpSp>
+        <p:nvGrpSpPr>
+          <p:cNvPr id="12" name="Group 11">
+            <a:extLst>
+              <a:ext uri="{FF2B5EF4-FFF2-40B4-BE49-F238E27FC236}">
+                <a16:creationId xmlns:a16="http://schemas.microsoft.com/office/drawing/2014/main" id="{F3842748-48B5-4DD0-A06A-A31C74024A99}"/>
+              </a:ext>
+              <a:ext uri="{C183D7F6-B498-43B3-948B-1728B52AA6E4}">
+                <adec:decorative xmlns:adec="http://schemas.microsoft.com/office/drawing/2017/decorative" val="1"/>
+              </a:ext>
+            </a:extLst>
+          </p:cNvPr>
+          <p:cNvGrpSpPr>
+            <a:grpSpLocks noGrp="1" noUngrp="1" noRot="1" noChangeAspect="1" noMove="1" noResize="1"/>
+          </p:cNvGrpSpPr>
+          <p:nvPr>
+            <p:extLst>
+              <p:ext uri="{386F3935-93C4-4BCD-93E2-E3B085C9AB24}">
+                <p16:designElem xmlns:p16="http://schemas.microsoft.com/office/powerpoint/2015/main" val="1"/>
+              </p:ext>
+            </p:extLst>
+          </p:nvPr>
+        </p:nvGrpSpPr>
+        <p:grpSpPr>
+          <a:xfrm>
+            <a:off x="2486469" y="0"/>
+            <a:ext cx="1827609" cy="6858001"/>
+            <a:chOff x="1320800" y="0"/>
+            <a:chExt cx="2436813" cy="6858001"/>
+          </a:xfrm>
+        </p:grpSpPr>
+        <p:sp>
+          <p:nvSpPr>
+            <p:cNvPr id="13" name="Freeform 6">
+              <a:extLst>
+                <a:ext uri="{FF2B5EF4-FFF2-40B4-BE49-F238E27FC236}">
+                  <a16:creationId xmlns:a16="http://schemas.microsoft.com/office/drawing/2014/main" id="{548E99BE-1071-4690-9B9C-07926CEE5557}"/>
+                </a:ext>
+                <a:ext uri="{C183D7F6-B498-43B3-948B-1728B52AA6E4}">
+                  <adec:decorative xmlns:adec="http://schemas.microsoft.com/office/drawing/2017/decorative" val="1"/>
+                </a:ext>
+              </a:extLst>
+            </p:cNvPr>
+            <p:cNvSpPr/>
+            <p:nvPr>
+              <p:extLst>
+                <p:ext uri="{386F3935-93C4-4BCD-93E2-E3B085C9AB24}">
+                  <p16:designElem xmlns:p16="http://schemas.microsoft.com/office/powerpoint/2015/main" val="1"/>
+                </p:ext>
+              </p:extLst>
+            </p:nvPr>
+          </p:nvSpPr>
+          <p:spPr bwMode="auto">
+            <a:xfrm>
+              <a:off x="1627188" y="0"/>
+              <a:ext cx="1122363" cy="5329238"/>
+            </a:xfrm>
+            <a:custGeom>
+              <a:avLst/>
+              <a:gdLst/>
+              <a:ahLst/>
+              <a:cxnLst/>
+              <a:rect l="0" t="0" r="r" b="b"/>
+              <a:pathLst>
+                <a:path w="707" h="3357">
+                  <a:moveTo>
+                    <a:pt x="0" y="3330"/>
+                  </a:moveTo>
+                  <a:lnTo>
+                    <a:pt x="156" y="3357"/>
+                  </a:lnTo>
+                  <a:lnTo>
+                    <a:pt x="707" y="0"/>
+                  </a:lnTo>
+                  <a:lnTo>
+                    <a:pt x="547" y="0"/>
+                  </a:lnTo>
+                  <a:lnTo>
+                    <a:pt x="0" y="3330"/>
+                  </a:lnTo>
+                  <a:close/>
+                </a:path>
+              </a:pathLst>
+            </a:custGeom>
+            <a:solidFill>
+              <a:schemeClr val="accent1"/>
+            </a:solidFill>
+            <a:ln>
+              <a:noFill/>
+            </a:ln>
+          </p:spPr>
+          <p:txBody>
+            <a:bodyPr/>
+            <a:lstStyle/>
+            <a:p>
+              <a:endParaRPr lang="en-US"/>
+            </a:p>
+          </p:txBody>
+        </p:sp>
+        <p:sp>
+          <p:nvSpPr>
+            <p:cNvPr id="14" name="Freeform 7">
+              <a:extLst>
+                <a:ext uri="{FF2B5EF4-FFF2-40B4-BE49-F238E27FC236}">
+                  <a16:creationId xmlns:a16="http://schemas.microsoft.com/office/drawing/2014/main" id="{9301F039-B467-413A-B25C-770E51069D42}"/>
+                </a:ext>
+                <a:ext uri="{C183D7F6-B498-43B3-948B-1728B52AA6E4}">
+                  <adec:decorative xmlns:adec="http://schemas.microsoft.com/office/drawing/2017/decorative" val="1"/>
+                </a:ext>
+              </a:extLst>
+            </p:cNvPr>
+            <p:cNvSpPr/>
+            <p:nvPr>
+              <p:extLst>
+                <p:ext uri="{386F3935-93C4-4BCD-93E2-E3B085C9AB24}">
+                  <p16:designElem xmlns:p16="http://schemas.microsoft.com/office/powerpoint/2015/main" val="1"/>
+                </p:ext>
+              </p:extLst>
+            </p:nvPr>
+          </p:nvSpPr>
+          <p:spPr bwMode="auto">
+            <a:xfrm>
+              <a:off x="1320800" y="0"/>
+              <a:ext cx="1117600" cy="5276850"/>
+            </a:xfrm>
+            <a:custGeom>
+              <a:avLst/>
+              <a:gdLst/>
+              <a:ahLst/>
+              <a:cxnLst/>
+              <a:rect l="0" t="0" r="r" b="b"/>
+              <a:pathLst>
+                <a:path w="704" h="3324">
+                  <a:moveTo>
+                    <a:pt x="704" y="0"/>
+                  </a:moveTo>
+                  <a:lnTo>
+                    <a:pt x="545" y="0"/>
+                  </a:lnTo>
+                  <a:lnTo>
+                    <a:pt x="0" y="3300"/>
+                  </a:lnTo>
+                  <a:lnTo>
+                    <a:pt x="157" y="3324"/>
+                  </a:lnTo>
+                  <a:lnTo>
+                    <a:pt x="704" y="0"/>
+                  </a:lnTo>
+                  <a:close/>
+                </a:path>
+              </a:pathLst>
+            </a:custGeom>
+            <a:solidFill>
+              <a:schemeClr val="tx1">
+                <a:lumMod val="65000"/>
+                <a:lumOff val="35000"/>
+              </a:schemeClr>
+            </a:solidFill>
+            <a:ln>
+              <a:noFill/>
+            </a:ln>
+          </p:spPr>
+          <p:txBody>
+            <a:bodyPr/>
+            <a:lstStyle/>
+            <a:p>
+              <a:endParaRPr lang="en-US"/>
+            </a:p>
+          </p:txBody>
+        </p:sp>
+        <p:sp>
+          <p:nvSpPr>
+            <p:cNvPr id="15" name="Freeform 8">
+              <a:extLst>
+                <a:ext uri="{FF2B5EF4-FFF2-40B4-BE49-F238E27FC236}">
+                  <a16:creationId xmlns:a16="http://schemas.microsoft.com/office/drawing/2014/main" id="{9F06AEC1-5558-49E8-8CAC-FEBD00DF0031}"/>
+                </a:ext>
+                <a:ext uri="{C183D7F6-B498-43B3-948B-1728B52AA6E4}">
+                  <adec:decorative xmlns:adec="http://schemas.microsoft.com/office/drawing/2017/decorative" val="1"/>
+                </a:ext>
+              </a:extLst>
+            </p:cNvPr>
+            <p:cNvSpPr/>
+            <p:nvPr>
+              <p:extLst>
+                <p:ext uri="{386F3935-93C4-4BCD-93E2-E3B085C9AB24}">
+                  <p16:designElem xmlns:p16="http://schemas.microsoft.com/office/powerpoint/2015/main" val="1"/>
+                </p:ext>
+              </p:extLst>
+            </p:nvPr>
+          </p:nvSpPr>
+          <p:spPr bwMode="auto">
+            <a:xfrm>
+              <a:off x="1320800" y="5238750"/>
+              <a:ext cx="1228725" cy="1619250"/>
+            </a:xfrm>
+            <a:custGeom>
+              <a:avLst/>
+              <a:gdLst/>
+              <a:ahLst/>
+              <a:cxnLst/>
+              <a:rect l="0" t="0" r="r" b="b"/>
+              <a:pathLst>
+                <a:path w="774" h="1020">
+                  <a:moveTo>
+                    <a:pt x="0" y="0"/>
+                  </a:moveTo>
+                  <a:lnTo>
+                    <a:pt x="740" y="1020"/>
+                  </a:lnTo>
+                  <a:lnTo>
+                    <a:pt x="774" y="1020"/>
+                  </a:lnTo>
+                  <a:lnTo>
+                    <a:pt x="0" y="0"/>
+                  </a:lnTo>
+                  <a:close/>
+                </a:path>
+              </a:pathLst>
+            </a:custGeom>
+            <a:solidFill>
+              <a:schemeClr val="tx1">
+                <a:lumMod val="85000"/>
+                <a:lumOff val="15000"/>
+              </a:schemeClr>
+            </a:solidFill>
+            <a:ln>
+              <a:noFill/>
+            </a:ln>
+          </p:spPr>
+          <p:txBody>
+            <a:bodyPr/>
+            <a:lstStyle/>
+            <a:p>
+              <a:endParaRPr lang="en-US"/>
+            </a:p>
+          </p:txBody>
+        </p:sp>
+        <p:sp>
+          <p:nvSpPr>
+            <p:cNvPr id="16" name="Freeform 9">
+              <a:extLst>
+                <a:ext uri="{FF2B5EF4-FFF2-40B4-BE49-F238E27FC236}">
+                  <a16:creationId xmlns:a16="http://schemas.microsoft.com/office/drawing/2014/main" id="{D10B76B9-BA68-471E-B58C-ED91198A9FAB}"/>
+                </a:ext>
+                <a:ext uri="{C183D7F6-B498-43B3-948B-1728B52AA6E4}">
+                  <adec:decorative xmlns:adec="http://schemas.microsoft.com/office/drawing/2017/decorative" val="1"/>
+                </a:ext>
+              </a:extLst>
+            </p:cNvPr>
+            <p:cNvSpPr/>
+            <p:nvPr>
+              <p:extLst>
+                <p:ext uri="{386F3935-93C4-4BCD-93E2-E3B085C9AB24}">
+                  <p16:designElem xmlns:p16="http://schemas.microsoft.com/office/powerpoint/2015/main" val="1"/>
+                </p:ext>
+              </p:extLst>
+            </p:nvPr>
+          </p:nvSpPr>
+          <p:spPr bwMode="auto">
+            <a:xfrm>
+              <a:off x="1627188" y="5291138"/>
+              <a:ext cx="1495425" cy="1566863"/>
+            </a:xfrm>
+            <a:custGeom>
+              <a:avLst/>
+              <a:gdLst/>
+              <a:ahLst/>
+              <a:cxnLst/>
+              <a:rect l="0" t="0" r="r" b="b"/>
+              <a:pathLst>
+                <a:path w="942" h="987">
+                  <a:moveTo>
+                    <a:pt x="0" y="0"/>
+                  </a:moveTo>
+                  <a:lnTo>
+                    <a:pt x="909" y="987"/>
+                  </a:lnTo>
+                  <a:lnTo>
+                    <a:pt x="942" y="987"/>
+                  </a:lnTo>
+                  <a:lnTo>
+                    <a:pt x="0" y="0"/>
+                  </a:lnTo>
+                  <a:close/>
+                </a:path>
+              </a:pathLst>
+            </a:custGeom>
+            <a:solidFill>
+              <a:schemeClr val="accent1">
+                <a:lumMod val="50000"/>
+              </a:schemeClr>
+            </a:solidFill>
+            <a:ln>
+              <a:noFill/>
+            </a:ln>
+          </p:spPr>
+          <p:txBody>
+            <a:bodyPr/>
+            <a:lstStyle/>
+            <a:p>
+              <a:endParaRPr lang="en-US"/>
+            </a:p>
+          </p:txBody>
+        </p:sp>
+        <p:sp>
+          <p:nvSpPr>
+            <p:cNvPr id="17" name="Freeform 10">
+              <a:extLst>
+                <a:ext uri="{FF2B5EF4-FFF2-40B4-BE49-F238E27FC236}">
+                  <a16:creationId xmlns:a16="http://schemas.microsoft.com/office/drawing/2014/main" id="{FEB3913B-54A3-490E-BA4B-5D0330990FCB}"/>
+                </a:ext>
+                <a:ext uri="{C183D7F6-B498-43B3-948B-1728B52AA6E4}">
+                  <adec:decorative xmlns:adec="http://schemas.microsoft.com/office/drawing/2017/decorative" val="1"/>
+                </a:ext>
+              </a:extLst>
+            </p:cNvPr>
+            <p:cNvSpPr/>
+            <p:nvPr>
+              <p:extLst>
+                <p:ext uri="{386F3935-93C4-4BCD-93E2-E3B085C9AB24}">
+                  <p16:designElem xmlns:p16="http://schemas.microsoft.com/office/powerpoint/2015/main" val="1"/>
+                </p:ext>
+              </p:extLst>
+            </p:nvPr>
+          </p:nvSpPr>
+          <p:spPr bwMode="auto">
+            <a:xfrm>
+              <a:off x="1627188" y="5286375"/>
+              <a:ext cx="2130425" cy="1571625"/>
+            </a:xfrm>
+            <a:custGeom>
+              <a:avLst/>
+              <a:gdLst/>
+              <a:ahLst/>
+              <a:cxnLst/>
+              <a:rect l="0" t="0" r="r" b="b"/>
+              <a:pathLst>
+                <a:path w="1342" h="990">
+                  <a:moveTo>
+                    <a:pt x="0" y="3"/>
+                  </a:moveTo>
+                  <a:lnTo>
+                    <a:pt x="942" y="990"/>
+                  </a:lnTo>
+                  <a:lnTo>
+                    <a:pt x="1342" y="990"/>
+                  </a:lnTo>
+                  <a:lnTo>
+                    <a:pt x="156" y="27"/>
+                  </a:lnTo>
+                  <a:lnTo>
+                    <a:pt x="0" y="0"/>
+                  </a:lnTo>
+                  <a:lnTo>
+                    <a:pt x="0" y="3"/>
+                  </a:lnTo>
+                  <a:close/>
+                </a:path>
+              </a:pathLst>
+            </a:custGeom>
+            <a:solidFill>
+              <a:schemeClr val="accent1">
+                <a:lumMod val="75000"/>
+              </a:schemeClr>
+            </a:solidFill>
+            <a:ln>
+              <a:noFill/>
+            </a:ln>
+          </p:spPr>
+          <p:txBody>
+            <a:bodyPr/>
+            <a:lstStyle/>
+            <a:p>
+              <a:endParaRPr lang="en-US"/>
+            </a:p>
+          </p:txBody>
+        </p:sp>
+        <p:sp>
+          <p:nvSpPr>
+            <p:cNvPr id="18" name="Freeform 11">
+              <a:extLst>
+                <a:ext uri="{FF2B5EF4-FFF2-40B4-BE49-F238E27FC236}">
+                  <a16:creationId xmlns:a16="http://schemas.microsoft.com/office/drawing/2014/main" id="{F75DC961-08A4-46F8-8A80-2E1FB977E1F4}"/>
+                </a:ext>
+                <a:ext uri="{C183D7F6-B498-43B3-948B-1728B52AA6E4}">
+                  <adec:decorative xmlns:adec="http://schemas.microsoft.com/office/drawing/2017/decorative" val="1"/>
+                </a:ext>
+              </a:extLst>
+            </p:cNvPr>
+            <p:cNvSpPr/>
+            <p:nvPr>
+              <p:extLst>
+                <p:ext uri="{386F3935-93C4-4BCD-93E2-E3B085C9AB24}">
+                  <p16:designElem xmlns:p16="http://schemas.microsoft.com/office/powerpoint/2015/main" val="1"/>
+                </p:ext>
+              </p:extLst>
+            </p:nvPr>
+          </p:nvSpPr>
+          <p:spPr bwMode="auto">
+            <a:xfrm>
+              <a:off x="1320800" y="5238750"/>
+              <a:ext cx="1695450" cy="1619250"/>
+            </a:xfrm>
+            <a:custGeom>
+              <a:avLst/>
+              <a:gdLst/>
+              <a:ahLst/>
+              <a:cxnLst/>
+              <a:rect l="0" t="0" r="r" b="b"/>
+              <a:pathLst>
+                <a:path w="1068" h="1020">
+                  <a:moveTo>
+                    <a:pt x="1068" y="1020"/>
+                  </a:moveTo>
+                  <a:lnTo>
+                    <a:pt x="184" y="60"/>
+                  </a:lnTo>
+                  <a:lnTo>
+                    <a:pt x="154" y="27"/>
+                  </a:lnTo>
+                  <a:lnTo>
+                    <a:pt x="157" y="27"/>
+                  </a:lnTo>
+                  <a:lnTo>
+                    <a:pt x="157" y="24"/>
+                  </a:lnTo>
+                  <a:lnTo>
+                    <a:pt x="154" y="24"/>
+                  </a:lnTo>
+                  <a:lnTo>
+                    <a:pt x="0" y="0"/>
+                  </a:lnTo>
+                  <a:lnTo>
+                    <a:pt x="0" y="0"/>
+                  </a:lnTo>
+                  <a:lnTo>
+                    <a:pt x="774" y="1020"/>
+                  </a:lnTo>
+                  <a:lnTo>
+                    <a:pt x="1068" y="1020"/>
+                  </a:lnTo>
+                  <a:close/>
+                </a:path>
+              </a:pathLst>
+            </a:custGeom>
+            <a:solidFill>
+              <a:schemeClr val="tx1">
+                <a:lumMod val="75000"/>
+                <a:lumOff val="25000"/>
+              </a:schemeClr>
+            </a:solidFill>
+            <a:ln>
+              <a:noFill/>
+            </a:ln>
+          </p:spPr>
+          <p:txBody>
+            <a:bodyPr/>
+            <a:lstStyle/>
+            <a:p>
+              <a:endParaRPr lang="en-US"/>
+            </a:p>
+          </p:txBody>
+        </p:sp>
+      </p:grpSp>
       <p:sp>
         <p:nvSpPr>
           <p:cNvPr id="3" name="Content Placeholder 2"/>
@@ -7288,50 +9933,168 @@
             <p:ph idx="1"/>
           </p:nvPr>
         </p:nvSpPr>
-        <p:spPr/>
-        <p:txBody>
-          <a:bodyPr/>
+        <p:spPr>
+          <a:xfrm>
+            <a:off x="3837829" y="685801"/>
+            <a:ext cx="4789439" cy="5105400"/>
+          </a:xfrm>
+        </p:spPr>
+        <p:txBody>
+          <a:bodyPr>
+            <a:normAutofit/>
+          </a:bodyPr>
           <a:lstStyle/>
           <a:p>
-            <a:r>
-              <a:rPr lang="en-US" dirty="0"/>
+            <a:pPr>
+              <a:lnSpc>
+                <a:spcPct val="90000"/>
+              </a:lnSpc>
+            </a:pPr>
+            <a:r>
+              <a:rPr lang="en-US" sz="1200" dirty="0"/>
               <a:t>Where did you use abstract classes?</a:t>
             </a:r>
           </a:p>
           <a:p>
-            <a:r>
-              <a:rPr lang="en-US" dirty="0"/>
+            <a:pPr lvl="1">
+              <a:lnSpc>
+                <a:spcPct val="90000"/>
+              </a:lnSpc>
+              <a:buFont typeface="Wingdings" panose="05000000000000000000" pitchFamily="2" charset="2"/>
+              <a:buChar char="Ø"/>
+            </a:pPr>
+            <a:r>
+              <a:rPr lang="en-US" sz="1200" dirty="0"/>
+              <a:t>We used an abstract class called Material</a:t>
+            </a:r>
+          </a:p>
+          <a:p>
+            <a:pPr>
+              <a:lnSpc>
+                <a:spcPct val="90000"/>
+              </a:lnSpc>
+            </a:pPr>
+            <a:r>
+              <a:rPr lang="en-US" sz="1200" dirty="0"/>
               <a:t>Why did you use them?</a:t>
             </a:r>
           </a:p>
           <a:p>
-            <a:r>
-              <a:rPr lang="en-US" dirty="0"/>
+            <a:pPr lvl="1">
+              <a:lnSpc>
+                <a:spcPct val="90000"/>
+              </a:lnSpc>
+              <a:buFont typeface="Wingdings" panose="05000000000000000000" pitchFamily="2" charset="2"/>
+              <a:buChar char="Ø"/>
+            </a:pPr>
+            <a:r>
+              <a:rPr lang="en-US" sz="1200" dirty="0"/>
+              <a:t>We used the Material class to allow subclass to share common variables and methods for materials, and to prevent anyone from making a generic material object that isn’t specific like Paper or Plastic.</a:t>
+            </a:r>
+          </a:p>
+          <a:p>
+            <a:pPr>
+              <a:lnSpc>
+                <a:spcPct val="90000"/>
+              </a:lnSpc>
+            </a:pPr>
+            <a:r>
+              <a:rPr lang="en-US" sz="1200" dirty="0"/>
               <a:t>Where were interfaces used?</a:t>
             </a:r>
           </a:p>
           <a:p>
-            <a:r>
-              <a:rPr lang="en-US" dirty="0"/>
+            <a:pPr lvl="1">
+              <a:lnSpc>
+                <a:spcPct val="90000"/>
+              </a:lnSpc>
+              <a:buFont typeface="Wingdings" panose="05000000000000000000" pitchFamily="2" charset="2"/>
+              <a:buChar char="Ø"/>
+            </a:pPr>
+            <a:r>
+              <a:rPr lang="en-US" sz="1200" dirty="0"/>
+              <a:t>We had interfaces like Disposable and Compostable and they were used to describe what a material can do. Example: The </a:t>
+            </a:r>
+            <a:r>
+              <a:rPr lang="en-US" sz="1200" dirty="0" err="1"/>
+              <a:t>Food_Waste</a:t>
+            </a:r>
+            <a:r>
+              <a:rPr lang="en-US" sz="1200" dirty="0"/>
+              <a:t> subclass of Material implements Compostable, showing that any </a:t>
+            </a:r>
+            <a:r>
+              <a:rPr lang="en-US" sz="1200" dirty="0" err="1"/>
+              <a:t>Food_Waste</a:t>
+            </a:r>
+            <a:r>
+              <a:rPr lang="en-US" sz="1200" dirty="0"/>
+              <a:t> is compostable. </a:t>
+            </a:r>
+          </a:p>
+          <a:p>
+            <a:pPr>
+              <a:lnSpc>
+                <a:spcPct val="90000"/>
+              </a:lnSpc>
+            </a:pPr>
+            <a:r>
+              <a:rPr lang="en-US" sz="1200" dirty="0"/>
               <a:t>Did you </a:t>
             </a:r>
             <a:r>
-              <a:rPr lang="en-US" i="1" dirty="0"/>
+              <a:rPr lang="en-US" sz="1200" i="1" dirty="0"/>
               <a:t>have</a:t>
             </a:r>
             <a:r>
-              <a:rPr lang="en-US" dirty="0"/>
+              <a:rPr lang="en-US" sz="1200" dirty="0"/>
               <a:t> to use interfaces for your project?</a:t>
             </a:r>
           </a:p>
           <a:p>
-            <a:r>
-              <a:rPr lang="en-US" dirty="0"/>
+            <a:pPr lvl="1">
+              <a:lnSpc>
+                <a:spcPct val="90000"/>
+              </a:lnSpc>
+              <a:buFont typeface="Wingdings" panose="05000000000000000000" pitchFamily="2" charset="2"/>
+              <a:buChar char="Ø"/>
+            </a:pPr>
+            <a:r>
+              <a:rPr lang="en-US" sz="1200" dirty="0"/>
+              <a:t>Yes, we had to use interfaces in our project due to needing to check if something could be composted or disposable without needing to know the exact type of material subclass it is.</a:t>
+            </a:r>
+          </a:p>
+          <a:p>
+            <a:pPr>
+              <a:lnSpc>
+                <a:spcPct val="90000"/>
+              </a:lnSpc>
+            </a:pPr>
+            <a:r>
+              <a:rPr lang="en-US" sz="1200" dirty="0"/>
               <a:t>What were the advantages/disadvantages of using interfaces?</a:t>
             </a:r>
           </a:p>
           <a:p>
-            <a:endParaRPr lang="en-US" dirty="0"/>
+            <a:pPr lvl="1">
+              <a:lnSpc>
+                <a:spcPct val="90000"/>
+              </a:lnSpc>
+              <a:buFont typeface="Wingdings" panose="05000000000000000000" pitchFamily="2" charset="2"/>
+              <a:buChar char="Ø"/>
+            </a:pPr>
+            <a:r>
+              <a:rPr lang="en-US" sz="1200" dirty="0"/>
+              <a:t>An advantage of using interfaces is it decoupled the code, where we didn’t need to know what class, a material was, we only needed to know what it could do. A disadvantage is some materials implement many interfaces; this makes them a little more complicated to set up. </a:t>
+            </a:r>
+          </a:p>
+          <a:p>
+            <a:pPr>
+              <a:lnSpc>
+                <a:spcPct val="90000"/>
+              </a:lnSpc>
+            </a:pPr>
+            <a:endParaRPr lang="en-US" sz="1200" dirty="0"/>
           </a:p>
         </p:txBody>
       </p:sp>
@@ -7351,6 +10114,27 @@
 <file path=ppt/slides/slide7.xml><?xml version="1.0" encoding="utf-8"?>
 <p:sld xmlns:a="http://schemas.openxmlformats.org/drawingml/2006/main" xmlns:r="http://schemas.openxmlformats.org/officeDocument/2006/relationships" xmlns:p="http://schemas.openxmlformats.org/presentationml/2006/main">
   <p:cSld>
+    <p:bg>
+      <p:bgPr>
+        <a:blipFill rotWithShape="1">
+          <a:blip r:embed="rId2">
+            <a:duotone>
+              <a:schemeClr val="bg2">
+                <a:shade val="76000"/>
+                <a:satMod val="180000"/>
+              </a:schemeClr>
+              <a:schemeClr val="bg2">
+                <a:tint val="80000"/>
+                <a:satMod val="120000"/>
+                <a:lumMod val="180000"/>
+              </a:schemeClr>
+            </a:duotone>
+          </a:blip>
+          <a:stretch/>
+        </a:blipFill>
+        <a:effectLst/>
+      </p:bgPr>
+    </p:bg>
     <p:spTree>
       <p:nvGrpSpPr>
         <p:cNvPr id="1" name=""/>
@@ -7365,6 +10149,471 @@
           <a:chExt cx="0" cy="0"/>
         </a:xfrm>
       </p:grpSpPr>
+      <p:grpSp>
+        <p:nvGrpSpPr>
+          <p:cNvPr id="63" name="Group 62">
+            <a:extLst>
+              <a:ext uri="{FF2B5EF4-FFF2-40B4-BE49-F238E27FC236}">
+                <a16:creationId xmlns:a16="http://schemas.microsoft.com/office/drawing/2014/main" id="{80B164F3-7502-452A-9B50-B46F936526FD}"/>
+              </a:ext>
+              <a:ext uri="{C183D7F6-B498-43B3-948B-1728B52AA6E4}">
+                <adec:decorative xmlns:adec="http://schemas.microsoft.com/office/drawing/2017/decorative" val="1"/>
+              </a:ext>
+            </a:extLst>
+          </p:cNvPr>
+          <p:cNvGrpSpPr>
+            <a:grpSpLocks noGrp="1" noUngrp="1" noRot="1" noChangeAspect="1" noMove="1" noResize="1"/>
+          </p:cNvGrpSpPr>
+          <p:nvPr>
+            <p:extLst>
+              <p:ext uri="{386F3935-93C4-4BCD-93E2-E3B085C9AB24}">
+                <p16:designElem xmlns:p16="http://schemas.microsoft.com/office/powerpoint/2015/main" val="1"/>
+              </p:ext>
+            </p:extLst>
+          </p:nvPr>
+        </p:nvGrpSpPr>
+        <p:grpSpPr>
+          <a:xfrm>
+            <a:off x="113109" y="0"/>
+            <a:ext cx="1827609" cy="6858001"/>
+            <a:chOff x="1320800" y="0"/>
+            <a:chExt cx="2436813" cy="6858001"/>
+          </a:xfrm>
+        </p:grpSpPr>
+        <p:sp>
+          <p:nvSpPr>
+            <p:cNvPr id="64" name="Freeform 6">
+              <a:extLst>
+                <a:ext uri="{FF2B5EF4-FFF2-40B4-BE49-F238E27FC236}">
+                  <a16:creationId xmlns:a16="http://schemas.microsoft.com/office/drawing/2014/main" id="{F8D9EA12-6051-46EE-9A00-6A7244379797}"/>
+                </a:ext>
+                <a:ext uri="{C183D7F6-B498-43B3-948B-1728B52AA6E4}">
+                  <adec:decorative xmlns:adec="http://schemas.microsoft.com/office/drawing/2017/decorative" val="1"/>
+                </a:ext>
+              </a:extLst>
+            </p:cNvPr>
+            <p:cNvSpPr/>
+            <p:nvPr>
+              <p:extLst>
+                <p:ext uri="{386F3935-93C4-4BCD-93E2-E3B085C9AB24}">
+                  <p16:designElem xmlns:p16="http://schemas.microsoft.com/office/powerpoint/2015/main" val="1"/>
+                </p:ext>
+              </p:extLst>
+            </p:nvPr>
+          </p:nvSpPr>
+          <p:spPr bwMode="auto">
+            <a:xfrm>
+              <a:off x="1627188" y="0"/>
+              <a:ext cx="1122363" cy="5329238"/>
+            </a:xfrm>
+            <a:custGeom>
+              <a:avLst/>
+              <a:gdLst/>
+              <a:ahLst/>
+              <a:cxnLst/>
+              <a:rect l="0" t="0" r="r" b="b"/>
+              <a:pathLst>
+                <a:path w="707" h="3357">
+                  <a:moveTo>
+                    <a:pt x="0" y="3330"/>
+                  </a:moveTo>
+                  <a:lnTo>
+                    <a:pt x="156" y="3357"/>
+                  </a:lnTo>
+                  <a:lnTo>
+                    <a:pt x="707" y="0"/>
+                  </a:lnTo>
+                  <a:lnTo>
+                    <a:pt x="547" y="0"/>
+                  </a:lnTo>
+                  <a:lnTo>
+                    <a:pt x="0" y="3330"/>
+                  </a:lnTo>
+                  <a:close/>
+                </a:path>
+              </a:pathLst>
+            </a:custGeom>
+            <a:solidFill>
+              <a:schemeClr val="accent1"/>
+            </a:solidFill>
+            <a:ln>
+              <a:noFill/>
+            </a:ln>
+          </p:spPr>
+          <p:txBody>
+            <a:bodyPr/>
+            <a:lstStyle/>
+            <a:p>
+              <a:endParaRPr lang="en-US"/>
+            </a:p>
+          </p:txBody>
+        </p:sp>
+        <p:sp>
+          <p:nvSpPr>
+            <p:cNvPr id="65" name="Freeform 7">
+              <a:extLst>
+                <a:ext uri="{FF2B5EF4-FFF2-40B4-BE49-F238E27FC236}">
+                  <a16:creationId xmlns:a16="http://schemas.microsoft.com/office/drawing/2014/main" id="{EE0409B1-4B1E-46FF-8AA5-068B60D3C183}"/>
+                </a:ext>
+                <a:ext uri="{C183D7F6-B498-43B3-948B-1728B52AA6E4}">
+                  <adec:decorative xmlns:adec="http://schemas.microsoft.com/office/drawing/2017/decorative" val="1"/>
+                </a:ext>
+              </a:extLst>
+            </p:cNvPr>
+            <p:cNvSpPr/>
+            <p:nvPr>
+              <p:extLst>
+                <p:ext uri="{386F3935-93C4-4BCD-93E2-E3B085C9AB24}">
+                  <p16:designElem xmlns:p16="http://schemas.microsoft.com/office/powerpoint/2015/main" val="1"/>
+                </p:ext>
+              </p:extLst>
+            </p:nvPr>
+          </p:nvSpPr>
+          <p:spPr bwMode="auto">
+            <a:xfrm>
+              <a:off x="1320800" y="0"/>
+              <a:ext cx="1117600" cy="5276850"/>
+            </a:xfrm>
+            <a:custGeom>
+              <a:avLst/>
+              <a:gdLst/>
+              <a:ahLst/>
+              <a:cxnLst/>
+              <a:rect l="0" t="0" r="r" b="b"/>
+              <a:pathLst>
+                <a:path w="704" h="3324">
+                  <a:moveTo>
+                    <a:pt x="704" y="0"/>
+                  </a:moveTo>
+                  <a:lnTo>
+                    <a:pt x="545" y="0"/>
+                  </a:lnTo>
+                  <a:lnTo>
+                    <a:pt x="0" y="3300"/>
+                  </a:lnTo>
+                  <a:lnTo>
+                    <a:pt x="157" y="3324"/>
+                  </a:lnTo>
+                  <a:lnTo>
+                    <a:pt x="704" y="0"/>
+                  </a:lnTo>
+                  <a:close/>
+                </a:path>
+              </a:pathLst>
+            </a:custGeom>
+            <a:solidFill>
+              <a:schemeClr val="tx1">
+                <a:lumMod val="65000"/>
+                <a:lumOff val="35000"/>
+              </a:schemeClr>
+            </a:solidFill>
+            <a:ln>
+              <a:noFill/>
+            </a:ln>
+          </p:spPr>
+          <p:txBody>
+            <a:bodyPr/>
+            <a:lstStyle/>
+            <a:p>
+              <a:endParaRPr lang="en-US"/>
+            </a:p>
+          </p:txBody>
+        </p:sp>
+        <p:sp>
+          <p:nvSpPr>
+            <p:cNvPr id="66" name="Freeform 8">
+              <a:extLst>
+                <a:ext uri="{FF2B5EF4-FFF2-40B4-BE49-F238E27FC236}">
+                  <a16:creationId xmlns:a16="http://schemas.microsoft.com/office/drawing/2014/main" id="{646A2FAF-C431-4DF8-BE4F-75C965CD64FA}"/>
+                </a:ext>
+                <a:ext uri="{C183D7F6-B498-43B3-948B-1728B52AA6E4}">
+                  <adec:decorative xmlns:adec="http://schemas.microsoft.com/office/drawing/2017/decorative" val="1"/>
+                </a:ext>
+              </a:extLst>
+            </p:cNvPr>
+            <p:cNvSpPr/>
+            <p:nvPr>
+              <p:extLst>
+                <p:ext uri="{386F3935-93C4-4BCD-93E2-E3B085C9AB24}">
+                  <p16:designElem xmlns:p16="http://schemas.microsoft.com/office/powerpoint/2015/main" val="1"/>
+                </p:ext>
+              </p:extLst>
+            </p:nvPr>
+          </p:nvSpPr>
+          <p:spPr bwMode="auto">
+            <a:xfrm>
+              <a:off x="1320800" y="5238750"/>
+              <a:ext cx="1228725" cy="1619250"/>
+            </a:xfrm>
+            <a:custGeom>
+              <a:avLst/>
+              <a:gdLst/>
+              <a:ahLst/>
+              <a:cxnLst/>
+              <a:rect l="0" t="0" r="r" b="b"/>
+              <a:pathLst>
+                <a:path w="774" h="1020">
+                  <a:moveTo>
+                    <a:pt x="0" y="0"/>
+                  </a:moveTo>
+                  <a:lnTo>
+                    <a:pt x="740" y="1020"/>
+                  </a:lnTo>
+                  <a:lnTo>
+                    <a:pt x="774" y="1020"/>
+                  </a:lnTo>
+                  <a:lnTo>
+                    <a:pt x="0" y="0"/>
+                  </a:lnTo>
+                  <a:close/>
+                </a:path>
+              </a:pathLst>
+            </a:custGeom>
+            <a:solidFill>
+              <a:schemeClr val="tx1">
+                <a:lumMod val="85000"/>
+                <a:lumOff val="15000"/>
+              </a:schemeClr>
+            </a:solidFill>
+            <a:ln>
+              <a:noFill/>
+            </a:ln>
+          </p:spPr>
+          <p:txBody>
+            <a:bodyPr/>
+            <a:lstStyle/>
+            <a:p>
+              <a:endParaRPr lang="en-US"/>
+            </a:p>
+          </p:txBody>
+        </p:sp>
+        <p:sp>
+          <p:nvSpPr>
+            <p:cNvPr id="67" name="Freeform 9">
+              <a:extLst>
+                <a:ext uri="{FF2B5EF4-FFF2-40B4-BE49-F238E27FC236}">
+                  <a16:creationId xmlns:a16="http://schemas.microsoft.com/office/drawing/2014/main" id="{FA3F9B87-2EA9-4FF8-A126-2A4CC6953CE1}"/>
+                </a:ext>
+                <a:ext uri="{C183D7F6-B498-43B3-948B-1728B52AA6E4}">
+                  <adec:decorative xmlns:adec="http://schemas.microsoft.com/office/drawing/2017/decorative" val="1"/>
+                </a:ext>
+              </a:extLst>
+            </p:cNvPr>
+            <p:cNvSpPr/>
+            <p:nvPr>
+              <p:extLst>
+                <p:ext uri="{386F3935-93C4-4BCD-93E2-E3B085C9AB24}">
+                  <p16:designElem xmlns:p16="http://schemas.microsoft.com/office/powerpoint/2015/main" val="1"/>
+                </p:ext>
+              </p:extLst>
+            </p:nvPr>
+          </p:nvSpPr>
+          <p:spPr bwMode="auto">
+            <a:xfrm>
+              <a:off x="1627188" y="5291138"/>
+              <a:ext cx="1495425" cy="1566863"/>
+            </a:xfrm>
+            <a:custGeom>
+              <a:avLst/>
+              <a:gdLst/>
+              <a:ahLst/>
+              <a:cxnLst/>
+              <a:rect l="0" t="0" r="r" b="b"/>
+              <a:pathLst>
+                <a:path w="942" h="987">
+                  <a:moveTo>
+                    <a:pt x="0" y="0"/>
+                  </a:moveTo>
+                  <a:lnTo>
+                    <a:pt x="909" y="987"/>
+                  </a:lnTo>
+                  <a:lnTo>
+                    <a:pt x="942" y="987"/>
+                  </a:lnTo>
+                  <a:lnTo>
+                    <a:pt x="0" y="0"/>
+                  </a:lnTo>
+                  <a:close/>
+                </a:path>
+              </a:pathLst>
+            </a:custGeom>
+            <a:solidFill>
+              <a:schemeClr val="accent1">
+                <a:lumMod val="50000"/>
+              </a:schemeClr>
+            </a:solidFill>
+            <a:ln>
+              <a:noFill/>
+            </a:ln>
+          </p:spPr>
+          <p:txBody>
+            <a:bodyPr/>
+            <a:lstStyle/>
+            <a:p>
+              <a:endParaRPr lang="en-US"/>
+            </a:p>
+          </p:txBody>
+        </p:sp>
+        <p:sp>
+          <p:nvSpPr>
+            <p:cNvPr id="68" name="Freeform 10">
+              <a:extLst>
+                <a:ext uri="{FF2B5EF4-FFF2-40B4-BE49-F238E27FC236}">
+                  <a16:creationId xmlns:a16="http://schemas.microsoft.com/office/drawing/2014/main" id="{FE91666D-09D9-41B6-9278-2D1E80EBFCFB}"/>
+                </a:ext>
+                <a:ext uri="{C183D7F6-B498-43B3-948B-1728B52AA6E4}">
+                  <adec:decorative xmlns:adec="http://schemas.microsoft.com/office/drawing/2017/decorative" val="1"/>
+                </a:ext>
+              </a:extLst>
+            </p:cNvPr>
+            <p:cNvSpPr/>
+            <p:nvPr>
+              <p:extLst>
+                <p:ext uri="{386F3935-93C4-4BCD-93E2-E3B085C9AB24}">
+                  <p16:designElem xmlns:p16="http://schemas.microsoft.com/office/powerpoint/2015/main" val="1"/>
+                </p:ext>
+              </p:extLst>
+            </p:nvPr>
+          </p:nvSpPr>
+          <p:spPr bwMode="auto">
+            <a:xfrm>
+              <a:off x="1627188" y="5286375"/>
+              <a:ext cx="2130425" cy="1571625"/>
+            </a:xfrm>
+            <a:custGeom>
+              <a:avLst/>
+              <a:gdLst/>
+              <a:ahLst/>
+              <a:cxnLst/>
+              <a:rect l="0" t="0" r="r" b="b"/>
+              <a:pathLst>
+                <a:path w="1342" h="990">
+                  <a:moveTo>
+                    <a:pt x="0" y="3"/>
+                  </a:moveTo>
+                  <a:lnTo>
+                    <a:pt x="942" y="990"/>
+                  </a:lnTo>
+                  <a:lnTo>
+                    <a:pt x="1342" y="990"/>
+                  </a:lnTo>
+                  <a:lnTo>
+                    <a:pt x="156" y="27"/>
+                  </a:lnTo>
+                  <a:lnTo>
+                    <a:pt x="0" y="0"/>
+                  </a:lnTo>
+                  <a:lnTo>
+                    <a:pt x="0" y="3"/>
+                  </a:lnTo>
+                  <a:close/>
+                </a:path>
+              </a:pathLst>
+            </a:custGeom>
+            <a:solidFill>
+              <a:schemeClr val="accent1">
+                <a:lumMod val="75000"/>
+              </a:schemeClr>
+            </a:solidFill>
+            <a:ln>
+              <a:noFill/>
+            </a:ln>
+          </p:spPr>
+          <p:txBody>
+            <a:bodyPr/>
+            <a:lstStyle/>
+            <a:p>
+              <a:endParaRPr lang="en-US"/>
+            </a:p>
+          </p:txBody>
+        </p:sp>
+        <p:sp>
+          <p:nvSpPr>
+            <p:cNvPr id="69" name="Freeform 11">
+              <a:extLst>
+                <a:ext uri="{FF2B5EF4-FFF2-40B4-BE49-F238E27FC236}">
+                  <a16:creationId xmlns:a16="http://schemas.microsoft.com/office/drawing/2014/main" id="{6C234DDD-BA55-48FD-9851-5A6E61E2627A}"/>
+                </a:ext>
+                <a:ext uri="{C183D7F6-B498-43B3-948B-1728B52AA6E4}">
+                  <adec:decorative xmlns:adec="http://schemas.microsoft.com/office/drawing/2017/decorative" val="1"/>
+                </a:ext>
+              </a:extLst>
+            </p:cNvPr>
+            <p:cNvSpPr/>
+            <p:nvPr>
+              <p:extLst>
+                <p:ext uri="{386F3935-93C4-4BCD-93E2-E3B085C9AB24}">
+                  <p16:designElem xmlns:p16="http://schemas.microsoft.com/office/powerpoint/2015/main" val="1"/>
+                </p:ext>
+              </p:extLst>
+            </p:nvPr>
+          </p:nvSpPr>
+          <p:spPr bwMode="auto">
+            <a:xfrm>
+              <a:off x="1320800" y="5238750"/>
+              <a:ext cx="1695450" cy="1619250"/>
+            </a:xfrm>
+            <a:custGeom>
+              <a:avLst/>
+              <a:gdLst/>
+              <a:ahLst/>
+              <a:cxnLst/>
+              <a:rect l="0" t="0" r="r" b="b"/>
+              <a:pathLst>
+                <a:path w="1068" h="1020">
+                  <a:moveTo>
+                    <a:pt x="1068" y="1020"/>
+                  </a:moveTo>
+                  <a:lnTo>
+                    <a:pt x="184" y="60"/>
+                  </a:lnTo>
+                  <a:lnTo>
+                    <a:pt x="154" y="27"/>
+                  </a:lnTo>
+                  <a:lnTo>
+                    <a:pt x="157" y="27"/>
+                  </a:lnTo>
+                  <a:lnTo>
+                    <a:pt x="157" y="24"/>
+                  </a:lnTo>
+                  <a:lnTo>
+                    <a:pt x="154" y="24"/>
+                  </a:lnTo>
+                  <a:lnTo>
+                    <a:pt x="0" y="0"/>
+                  </a:lnTo>
+                  <a:lnTo>
+                    <a:pt x="0" y="0"/>
+                  </a:lnTo>
+                  <a:lnTo>
+                    <a:pt x="774" y="1020"/>
+                  </a:lnTo>
+                  <a:lnTo>
+                    <a:pt x="1068" y="1020"/>
+                  </a:lnTo>
+                  <a:close/>
+                </a:path>
+              </a:pathLst>
+            </a:custGeom>
+            <a:solidFill>
+              <a:schemeClr val="tx1">
+                <a:lumMod val="75000"/>
+                <a:lumOff val="25000"/>
+              </a:schemeClr>
+            </a:solidFill>
+            <a:ln>
+              <a:noFill/>
+            </a:ln>
+          </p:spPr>
+          <p:txBody>
+            <a:bodyPr/>
+            <a:lstStyle/>
+            <a:p>
+              <a:endParaRPr lang="en-US"/>
+            </a:p>
+          </p:txBody>
+        </p:sp>
+      </p:grpSp>
       <p:sp>
         <p:nvSpPr>
           <p:cNvPr id="2" name="Title 1"/>
@@ -7375,13 +10624,21 @@
             <p:ph type="title"/>
           </p:nvPr>
         </p:nvSpPr>
-        <p:spPr/>
-        <p:txBody>
-          <a:bodyPr/>
+        <p:spPr>
+          <a:xfrm>
+            <a:off x="1320800" y="685800"/>
+            <a:ext cx="1901722" cy="1752599"/>
+          </a:xfrm>
+        </p:spPr>
+        <p:txBody>
+          <a:bodyPr anchor="b">
+            <a:normAutofit/>
+          </a:bodyPr>
           <a:lstStyle/>
           <a:p>
-            <a:r>
-              <a:rPr lang="en-US" dirty="0"/>
+            <a:pPr algn="l"/>
+            <a:r>
+              <a:rPr lang="en-US" sz="2800"/>
               <a:t>JavaFX GUI</a:t>
             </a:r>
           </a:p>
@@ -7397,18 +10654,153 @@
             <p:ph idx="1"/>
           </p:nvPr>
         </p:nvSpPr>
-        <p:spPr/>
-        <p:txBody>
-          <a:bodyPr/>
+        <p:spPr>
+          <a:xfrm>
+            <a:off x="881755" y="2668905"/>
+            <a:ext cx="2462442" cy="3213896"/>
+          </a:xfrm>
+        </p:spPr>
+        <p:txBody>
+          <a:bodyPr anchor="t">
+            <a:normAutofit/>
+          </a:bodyPr>
           <a:lstStyle/>
           <a:p>
             <a:r>
-              <a:rPr lang="en-US" dirty="0"/>
+              <a:rPr lang="en-US" sz="1600" dirty="0"/>
               <a:t>What was the most challenging aspect of your GUI?</a:t>
             </a:r>
           </a:p>
-        </p:txBody>
-      </p:sp>
+          <a:p>
+            <a:pPr lvl="1">
+              <a:buFont typeface="Wingdings" panose="05000000000000000000" pitchFamily="2" charset="2"/>
+              <a:buChar char="Ø"/>
+            </a:pPr>
+            <a:r>
+              <a:rPr lang="en-US" sz="1200" dirty="0"/>
+              <a:t>The most challenging part of the GUI was trying to manage all of the different user choices a user could pick and updating the screen correctly with proper information and without confusing the user.</a:t>
+            </a:r>
+          </a:p>
+          <a:p>
+            <a:pPr lvl="1"/>
+            <a:endParaRPr lang="en-US" sz="1200" dirty="0"/>
+          </a:p>
+        </p:txBody>
+      </p:sp>
+      <p:sp>
+        <p:nvSpPr>
+          <p:cNvPr id="71" name="Rounded Rectangle 16">
+            <a:extLst>
+              <a:ext uri="{FF2B5EF4-FFF2-40B4-BE49-F238E27FC236}">
+                <a16:creationId xmlns:a16="http://schemas.microsoft.com/office/drawing/2014/main" id="{1A1414DF-B074-4B70-ACC0-4DE4D8B7AAB1}"/>
+              </a:ext>
+              <a:ext uri="{C183D7F6-B498-43B3-948B-1728B52AA6E4}">
+                <adec:decorative xmlns:adec="http://schemas.microsoft.com/office/drawing/2017/decorative" val="1"/>
+              </a:ext>
+            </a:extLst>
+          </p:cNvPr>
+          <p:cNvSpPr>
+            <a:spLocks noGrp="1" noRot="1" noChangeAspect="1" noMove="1" noResize="1" noEditPoints="1" noAdjustHandles="1" noChangeArrowheads="1" noChangeShapeType="1" noTextEdit="1"/>
+          </p:cNvSpPr>
+          <p:nvPr>
+            <p:extLst>
+              <p:ext uri="{386F3935-93C4-4BCD-93E2-E3B085C9AB24}">
+                <p16:designElem xmlns:p16="http://schemas.microsoft.com/office/powerpoint/2015/main" val="1"/>
+              </p:ext>
+            </p:extLst>
+          </p:nvPr>
+        </p:nvSpPr>
+        <p:spPr>
+          <a:xfrm>
+            <a:off x="3465871" y="648931"/>
+            <a:ext cx="5161397" cy="5231964"/>
+          </a:xfrm>
+          <a:prstGeom prst="roundRect">
+            <a:avLst>
+              <a:gd name="adj" fmla="val 4834"/>
+            </a:avLst>
+          </a:prstGeom>
+          <a:solidFill>
+            <a:schemeClr val="bg1"/>
+          </a:solidFill>
+          <a:ln w="38100">
+            <a:gradFill flip="none" rotWithShape="1">
+              <a:gsLst>
+                <a:gs pos="0">
+                  <a:schemeClr val="bg2"/>
+                </a:gs>
+                <a:gs pos="100000">
+                  <a:schemeClr val="bg2">
+                    <a:lumMod val="75000"/>
+                  </a:schemeClr>
+                </a:gs>
+              </a:gsLst>
+              <a:lin ang="5400000" scaled="0"/>
+              <a:tileRect/>
+            </a:gradFill>
+          </a:ln>
+          <a:effectLst>
+            <a:innerShdw blurRad="57150" dist="38100" dir="14460000">
+              <a:srgbClr val="000000">
+                <a:alpha val="70000"/>
+              </a:srgbClr>
+            </a:innerShdw>
+          </a:effectLst>
+        </p:spPr>
+        <p:style>
+          <a:lnRef idx="2">
+            <a:schemeClr val="accent1">
+              <a:shade val="50000"/>
+            </a:schemeClr>
+          </a:lnRef>
+          <a:fillRef idx="1">
+            <a:schemeClr val="accent1"/>
+          </a:fillRef>
+          <a:effectRef idx="0">
+            <a:schemeClr val="accent1"/>
+          </a:effectRef>
+          <a:fontRef idx="minor">
+            <a:schemeClr val="lt1"/>
+          </a:fontRef>
+        </p:style>
+        <p:txBody>
+          <a:bodyPr rtlCol="0" anchor="ctr"/>
+          <a:lstStyle/>
+          <a:p>
+            <a:pPr algn="ctr"/>
+            <a:endParaRPr lang="en-US"/>
+          </a:p>
+        </p:txBody>
+      </p:sp>
+      <p:pic>
+        <p:nvPicPr>
+          <p:cNvPr id="5" name="Picture 4">
+            <a:extLst>
+              <a:ext uri="{FF2B5EF4-FFF2-40B4-BE49-F238E27FC236}">
+                <a16:creationId xmlns:a16="http://schemas.microsoft.com/office/drawing/2014/main" id="{E73B4678-6F52-23BB-8D95-6AD494E4ED31}"/>
+              </a:ext>
+            </a:extLst>
+          </p:cNvPr>
+          <p:cNvPicPr>
+            <a:picLocks noChangeAspect="1"/>
+          </p:cNvPicPr>
+          <p:nvPr/>
+        </p:nvPicPr>
+        <p:blipFill>
+          <a:blip r:embed="rId3"/>
+          <a:srcRect l="22854" r="22616" b="1"/>
+          <a:stretch/>
+        </p:blipFill>
+        <p:spPr>
+          <a:xfrm>
+            <a:off x="3705901" y="1011765"/>
+            <a:ext cx="4678019" cy="4546708"/>
+          </a:xfrm>
+          <a:prstGeom prst="rect">
+            <a:avLst/>
+          </a:prstGeom>
+        </p:spPr>
+      </p:pic>
     </p:spTree>
     <p:extLst>
       <p:ext uri="{BB962C8B-B14F-4D97-AF65-F5344CB8AC3E}">
@@ -7419,12 +10811,125 @@
   <p:clrMapOvr>
     <a:masterClrMapping/>
   </p:clrMapOvr>
+  <p:timing>
+    <p:tnLst>
+      <p:par>
+        <p:cTn id="1" dur="indefinite" restart="never" nodeType="tmRoot">
+          <p:childTnLst>
+            <p:seq concurrent="1" nextAc="seek">
+              <p:cTn id="2" dur="indefinite" nodeType="mainSeq">
+                <p:childTnLst>
+                  <p:par>
+                    <p:cTn id="3" fill="hold">
+                      <p:stCondLst>
+                        <p:cond delay="indefinite"/>
+                        <p:cond evt="onBegin" delay="0">
+                          <p:tn val="2"/>
+                        </p:cond>
+                      </p:stCondLst>
+                      <p:childTnLst>
+                        <p:par>
+                          <p:cTn id="4" fill="hold">
+                            <p:stCondLst>
+                              <p:cond delay="0"/>
+                            </p:stCondLst>
+                            <p:childTnLst>
+                              <p:par>
+                                <p:cTn id="5" presetID="10" presetClass="entr" presetSubtype="0" fill="hold" grpId="0" nodeType="withEffect">
+                                  <p:stCondLst>
+                                    <p:cond delay="1000"/>
+                                  </p:stCondLst>
+                                  <p:iterate type="lt">
+                                    <p:tmPct val="10000"/>
+                                  </p:iterate>
+                                  <p:childTnLst>
+                                    <p:set>
+                                      <p:cBhvr>
+                                        <p:cTn id="6" dur="1" fill="hold">
+                                          <p:stCondLst>
+                                            <p:cond delay="0"/>
+                                          </p:stCondLst>
+                                        </p:cTn>
+                                        <p:tgtEl>
+                                          <p:spTgt spid="2"/>
+                                        </p:tgtEl>
+                                        <p:attrNameLst>
+                                          <p:attrName>style.visibility</p:attrName>
+                                        </p:attrNameLst>
+                                      </p:cBhvr>
+                                      <p:to>
+                                        <p:strVal val="visible"/>
+                                      </p:to>
+                                    </p:set>
+                                    <p:animEffect transition="in" filter="fade">
+                                      <p:cBhvr>
+                                        <p:cTn id="7" dur="400"/>
+                                        <p:tgtEl>
+                                          <p:spTgt spid="2"/>
+                                        </p:tgtEl>
+                                      </p:cBhvr>
+                                    </p:animEffect>
+                                  </p:childTnLst>
+                                </p:cTn>
+                              </p:par>
+                            </p:childTnLst>
+                          </p:cTn>
+                        </p:par>
+                      </p:childTnLst>
+                    </p:cTn>
+                  </p:par>
+                </p:childTnLst>
+              </p:cTn>
+              <p:prevCondLst>
+                <p:cond evt="onPrev" delay="0">
+                  <p:tgtEl>
+                    <p:sldTgt/>
+                  </p:tgtEl>
+                </p:cond>
+              </p:prevCondLst>
+              <p:nextCondLst>
+                <p:cond evt="onNext" delay="0">
+                  <p:tgtEl>
+                    <p:sldTgt/>
+                  </p:tgtEl>
+                </p:cond>
+              </p:nextCondLst>
+            </p:seq>
+          </p:childTnLst>
+        </p:cTn>
+      </p:par>
+    </p:tnLst>
+    <p:bldLst>
+      <p:bldP spid="2" grpId="0"/>
+    </p:bldLst>
+  </p:timing>
 </p:sld>
 </file>
 
 <file path=ppt/slides/slide8.xml><?xml version="1.0" encoding="utf-8"?>
 <p:sld xmlns:a="http://schemas.openxmlformats.org/drawingml/2006/main" xmlns:r="http://schemas.openxmlformats.org/officeDocument/2006/relationships" xmlns:p="http://schemas.openxmlformats.org/presentationml/2006/main">
   <p:cSld>
+    <p:bg>
+      <p:bgPr>
+        <a:blipFill rotWithShape="1">
+          <a:blip r:embed="rId2">
+            <a:duotone>
+              <a:schemeClr val="bg2">
+                <a:shade val="76000"/>
+                <a:satMod val="180000"/>
+              </a:schemeClr>
+              <a:schemeClr val="bg2">
+                <a:tint val="80000"/>
+                <a:satMod val="120000"/>
+                <a:lumMod val="180000"/>
+              </a:schemeClr>
+            </a:duotone>
+          </a:blip>
+          <a:stretch/>
+        </a:blipFill>
+        <a:effectLst/>
+      </p:bgPr>
+    </p:bg>
     <p:spTree>
       <p:nvGrpSpPr>
         <p:cNvPr id="1" name=""/>
@@ -7439,6 +10944,1256 @@
           <a:chExt cx="0" cy="0"/>
         </a:xfrm>
       </p:grpSpPr>
+      <p:sp useBgFill="1">
+        <p:nvSpPr>
+          <p:cNvPr id="7" name="Rectangle 6">
+            <a:extLst>
+              <a:ext uri="{FF2B5EF4-FFF2-40B4-BE49-F238E27FC236}">
+                <a16:creationId xmlns:a16="http://schemas.microsoft.com/office/drawing/2014/main" id="{68375697-2869-412A-AEB4-B32967993B67}"/>
+              </a:ext>
+              <a:ext uri="{C183D7F6-B498-43B3-948B-1728B52AA6E4}">
+                <adec:decorative xmlns:adec="http://schemas.microsoft.com/office/drawing/2017/decorative" val="1"/>
+              </a:ext>
+            </a:extLst>
+          </p:cNvPr>
+          <p:cNvSpPr>
+            <a:spLocks noGrp="1" noRot="1" noChangeAspect="1" noMove="1" noResize="1" noEditPoints="1" noAdjustHandles="1" noChangeArrowheads="1" noChangeShapeType="1" noTextEdit="1"/>
+          </p:cNvSpPr>
+          <p:nvPr>
+            <p:extLst>
+              <p:ext uri="{386F3935-93C4-4BCD-93E2-E3B085C9AB24}">
+                <p16:designElem xmlns:p16="http://schemas.microsoft.com/office/powerpoint/2015/main" val="1"/>
+              </p:ext>
+            </p:extLst>
+          </p:nvPr>
+        </p:nvSpPr>
+        <p:spPr>
+          <a:xfrm>
+            <a:off x="0" y="0"/>
+            <a:ext cx="9144000" cy="6858000"/>
+          </a:xfrm>
+          <a:prstGeom prst="rect">
+            <a:avLst/>
+          </a:prstGeom>
+          <a:ln>
+            <a:noFill/>
+          </a:ln>
+        </p:spPr>
+        <p:style>
+          <a:lnRef idx="2">
+            <a:schemeClr val="accent1">
+              <a:shade val="50000"/>
+            </a:schemeClr>
+          </a:lnRef>
+          <a:fillRef idx="1">
+            <a:schemeClr val="accent1"/>
+          </a:fillRef>
+          <a:effectRef idx="0">
+            <a:schemeClr val="accent1"/>
+          </a:effectRef>
+          <a:fontRef idx="minor">
+            <a:schemeClr val="lt1"/>
+          </a:fontRef>
+        </p:style>
+        <p:txBody>
+          <a:bodyPr rtlCol="0" anchor="ctr"/>
+          <a:lstStyle/>
+          <a:p>
+            <a:pPr algn="ctr"/>
+            <a:endParaRPr lang="en-US"/>
+          </a:p>
+        </p:txBody>
+      </p:sp>
+      <p:pic>
+        <p:nvPicPr>
+          <p:cNvPr id="5" name="Picture 4" descr="A red triangle with a exclamation mark&#10;&#10;AI-generated content may be incorrect.">
+            <a:extLst>
+              <a:ext uri="{FF2B5EF4-FFF2-40B4-BE49-F238E27FC236}">
+                <a16:creationId xmlns:a16="http://schemas.microsoft.com/office/drawing/2014/main" id="{338C2B09-BDA6-B225-D7D5-517040AAA204}"/>
+              </a:ext>
+            </a:extLst>
+          </p:cNvPr>
+          <p:cNvPicPr>
+            <a:picLocks noChangeAspect="1"/>
+          </p:cNvPicPr>
+          <p:nvPr/>
+        </p:nvPicPr>
+        <p:blipFill>
+          <a:blip r:embed="rId3">
+            <a:extLst>
+              <a:ext uri="{28A0092B-C50C-407E-A947-70E740481C1C}">
+                <a14:useLocalDpi xmlns:a14="http://schemas.microsoft.com/office/drawing/2010/main" val="0"/>
+              </a:ext>
+            </a:extLst>
+          </a:blip>
+          <a:srcRect l="34820" t="9091" r="18189"/>
+          <a:stretch/>
+        </p:blipFill>
+        <p:spPr>
+          <a:xfrm>
+            <a:off x="20" y="10"/>
+            <a:ext cx="3544889" cy="6857990"/>
+          </a:xfrm>
+          <a:prstGeom prst="rect">
+            <a:avLst/>
+          </a:prstGeom>
+        </p:spPr>
+      </p:pic>
+      <p:grpSp>
+        <p:nvGrpSpPr>
+          <p:cNvPr id="8" name="Group 7">
+            <a:extLst>
+              <a:ext uri="{FF2B5EF4-FFF2-40B4-BE49-F238E27FC236}">
+                <a16:creationId xmlns:a16="http://schemas.microsoft.com/office/drawing/2014/main" id="{2DE9E2D4-C94D-4382-BD75-9A451C3DC7F7}"/>
+              </a:ext>
+              <a:ext uri="{C183D7F6-B498-43B3-948B-1728B52AA6E4}">
+                <adec:decorative xmlns:adec="http://schemas.microsoft.com/office/drawing/2017/decorative" val="1"/>
+              </a:ext>
+            </a:extLst>
+          </p:cNvPr>
+          <p:cNvGrpSpPr>
+            <a:grpSpLocks noGrp="1" noUngrp="1" noRot="1" noChangeAspect="1" noMove="1" noResize="1"/>
+          </p:cNvGrpSpPr>
+          <p:nvPr>
+            <p:extLst>
+              <p:ext uri="{386F3935-93C4-4BCD-93E2-E3B085C9AB24}">
+                <p16:designElem xmlns:p16="http://schemas.microsoft.com/office/powerpoint/2015/main" val="1"/>
+              </p:ext>
+            </p:extLst>
+          </p:nvPr>
+        </p:nvGrpSpPr>
+        <p:grpSpPr>
+          <a:xfrm>
+            <a:off x="1717698" y="-12875"/>
+            <a:ext cx="1953297" cy="6890194"/>
+            <a:chOff x="2199787" y="-12875"/>
+            <a:chExt cx="2679011" cy="6890194"/>
+          </a:xfrm>
+        </p:grpSpPr>
+        <p:sp useBgFill="1">
+          <p:nvSpPr>
+            <p:cNvPr id="13" name="Rectangle 19">
+              <a:extLst>
+                <a:ext uri="{FF2B5EF4-FFF2-40B4-BE49-F238E27FC236}">
+                  <a16:creationId xmlns:a16="http://schemas.microsoft.com/office/drawing/2014/main" id="{8348A120-519A-4F2A-BE9F-C1CC48B1090C}"/>
+                </a:ext>
+                <a:ext uri="{C183D7F6-B498-43B3-948B-1728B52AA6E4}">
+                  <adec:decorative xmlns:adec="http://schemas.microsoft.com/office/drawing/2017/decorative" val="1"/>
+                </a:ext>
+              </a:extLst>
+            </p:cNvPr>
+            <p:cNvSpPr/>
+            <p:nvPr>
+              <p:extLst>
+                <p:ext uri="{386F3935-93C4-4BCD-93E2-E3B085C9AB24}">
+                  <p16:designElem xmlns:p16="http://schemas.microsoft.com/office/powerpoint/2015/main" val="1"/>
+                </p:ext>
+              </p:extLst>
+            </p:nvPr>
+          </p:nvSpPr>
+          <p:spPr bwMode="white">
+            <a:xfrm>
+              <a:off x="2199787" y="-12875"/>
+              <a:ext cx="2679011" cy="5301468"/>
+            </a:xfrm>
+            <a:custGeom>
+              <a:avLst/>
+              <a:gdLst>
+                <a:gd name="connsiteX0" fmla="*/ 0 w 2570017"/>
+                <a:gd name="connsiteY0" fmla="*/ 0 h 2554287"/>
+                <a:gd name="connsiteX1" fmla="*/ 2570017 w 2570017"/>
+                <a:gd name="connsiteY1" fmla="*/ 0 h 2554287"/>
+                <a:gd name="connsiteX2" fmla="*/ 2570017 w 2570017"/>
+                <a:gd name="connsiteY2" fmla="*/ 2554287 h 2554287"/>
+                <a:gd name="connsiteX3" fmla="*/ 0 w 2570017"/>
+                <a:gd name="connsiteY3" fmla="*/ 2554287 h 2554287"/>
+                <a:gd name="connsiteX4" fmla="*/ 0 w 2570017"/>
+                <a:gd name="connsiteY4" fmla="*/ 0 h 2554287"/>
+                <a:gd name="connsiteX0" fmla="*/ 904009 w 2570017"/>
+                <a:gd name="connsiteY0" fmla="*/ 0 h 2554287"/>
+                <a:gd name="connsiteX1" fmla="*/ 2570017 w 2570017"/>
+                <a:gd name="connsiteY1" fmla="*/ 0 h 2554287"/>
+                <a:gd name="connsiteX2" fmla="*/ 2570017 w 2570017"/>
+                <a:gd name="connsiteY2" fmla="*/ 2554287 h 2554287"/>
+                <a:gd name="connsiteX3" fmla="*/ 0 w 2570017"/>
+                <a:gd name="connsiteY3" fmla="*/ 2554287 h 2554287"/>
+                <a:gd name="connsiteX4" fmla="*/ 904009 w 2570017"/>
+                <a:gd name="connsiteY4" fmla="*/ 0 h 2554287"/>
+                <a:gd name="connsiteX0" fmla="*/ 644236 w 2570017"/>
+                <a:gd name="connsiteY0" fmla="*/ 10391 h 2554287"/>
+                <a:gd name="connsiteX1" fmla="*/ 2570017 w 2570017"/>
+                <a:gd name="connsiteY1" fmla="*/ 0 h 2554287"/>
+                <a:gd name="connsiteX2" fmla="*/ 2570017 w 2570017"/>
+                <a:gd name="connsiteY2" fmla="*/ 2554287 h 2554287"/>
+                <a:gd name="connsiteX3" fmla="*/ 0 w 2570017"/>
+                <a:gd name="connsiteY3" fmla="*/ 2554287 h 2554287"/>
+                <a:gd name="connsiteX4" fmla="*/ 644236 w 2570017"/>
+                <a:gd name="connsiteY4" fmla="*/ 10391 h 2554287"/>
+                <a:gd name="connsiteX0" fmla="*/ 633845 w 2570017"/>
+                <a:gd name="connsiteY0" fmla="*/ 0 h 2554287"/>
+                <a:gd name="connsiteX1" fmla="*/ 2570017 w 2570017"/>
+                <a:gd name="connsiteY1" fmla="*/ 0 h 2554287"/>
+                <a:gd name="connsiteX2" fmla="*/ 2570017 w 2570017"/>
+                <a:gd name="connsiteY2" fmla="*/ 2554287 h 2554287"/>
+                <a:gd name="connsiteX3" fmla="*/ 0 w 2570017"/>
+                <a:gd name="connsiteY3" fmla="*/ 2554287 h 2554287"/>
+                <a:gd name="connsiteX4" fmla="*/ 633845 w 2570017"/>
+                <a:gd name="connsiteY4" fmla="*/ 0 h 2554287"/>
+                <a:gd name="connsiteX0" fmla="*/ 675409 w 2611581"/>
+                <a:gd name="connsiteY0" fmla="*/ 0 h 2554287"/>
+                <a:gd name="connsiteX1" fmla="*/ 2611581 w 2611581"/>
+                <a:gd name="connsiteY1" fmla="*/ 0 h 2554287"/>
+                <a:gd name="connsiteX2" fmla="*/ 2611581 w 2611581"/>
+                <a:gd name="connsiteY2" fmla="*/ 2554287 h 2554287"/>
+                <a:gd name="connsiteX3" fmla="*/ 0 w 2611581"/>
+                <a:gd name="connsiteY3" fmla="*/ 2554287 h 2554287"/>
+                <a:gd name="connsiteX4" fmla="*/ 675409 w 2611581"/>
+                <a:gd name="connsiteY4" fmla="*/ 0 h 2554287"/>
+                <a:gd name="connsiteX0" fmla="*/ 650979 w 2587151"/>
+                <a:gd name="connsiteY0" fmla="*/ 0 h 2554287"/>
+                <a:gd name="connsiteX1" fmla="*/ 2587151 w 2587151"/>
+                <a:gd name="connsiteY1" fmla="*/ 0 h 2554287"/>
+                <a:gd name="connsiteX2" fmla="*/ 2587151 w 2587151"/>
+                <a:gd name="connsiteY2" fmla="*/ 2554287 h 2554287"/>
+                <a:gd name="connsiteX3" fmla="*/ 0 w 2587151"/>
+                <a:gd name="connsiteY3" fmla="*/ 2548595 h 2554287"/>
+                <a:gd name="connsiteX4" fmla="*/ 650979 w 2587151"/>
+                <a:gd name="connsiteY4" fmla="*/ 0 h 2554287"/>
+                <a:gd name="connsiteX0" fmla="*/ 730379 w 2587151"/>
+                <a:gd name="connsiteY0" fmla="*/ 5692 h 2554287"/>
+                <a:gd name="connsiteX1" fmla="*/ 2587151 w 2587151"/>
+                <a:gd name="connsiteY1" fmla="*/ 0 h 2554287"/>
+                <a:gd name="connsiteX2" fmla="*/ 2587151 w 2587151"/>
+                <a:gd name="connsiteY2" fmla="*/ 2554287 h 2554287"/>
+                <a:gd name="connsiteX3" fmla="*/ 0 w 2587151"/>
+                <a:gd name="connsiteY3" fmla="*/ 2548595 h 2554287"/>
+                <a:gd name="connsiteX4" fmla="*/ 730379 w 2587151"/>
+                <a:gd name="connsiteY4" fmla="*/ 5692 h 2554287"/>
+                <a:gd name="connsiteX0" fmla="*/ 864750 w 2587151"/>
+                <a:gd name="connsiteY0" fmla="*/ 2847 h 2554287"/>
+                <a:gd name="connsiteX1" fmla="*/ 2587151 w 2587151"/>
+                <a:gd name="connsiteY1" fmla="*/ 0 h 2554287"/>
+                <a:gd name="connsiteX2" fmla="*/ 2587151 w 2587151"/>
+                <a:gd name="connsiteY2" fmla="*/ 2554287 h 2554287"/>
+                <a:gd name="connsiteX3" fmla="*/ 0 w 2587151"/>
+                <a:gd name="connsiteY3" fmla="*/ 2548595 h 2554287"/>
+                <a:gd name="connsiteX4" fmla="*/ 864750 w 2587151"/>
+                <a:gd name="connsiteY4" fmla="*/ 2847 h 2554287"/>
+                <a:gd name="connsiteX0" fmla="*/ 883073 w 2587151"/>
+                <a:gd name="connsiteY0" fmla="*/ 1 h 2554287"/>
+                <a:gd name="connsiteX1" fmla="*/ 2587151 w 2587151"/>
+                <a:gd name="connsiteY1" fmla="*/ 0 h 2554287"/>
+                <a:gd name="connsiteX2" fmla="*/ 2587151 w 2587151"/>
+                <a:gd name="connsiteY2" fmla="*/ 2554287 h 2554287"/>
+                <a:gd name="connsiteX3" fmla="*/ 0 w 2587151"/>
+                <a:gd name="connsiteY3" fmla="*/ 2548595 h 2554287"/>
+                <a:gd name="connsiteX4" fmla="*/ 883073 w 2587151"/>
+                <a:gd name="connsiteY4" fmla="*/ 1 h 2554287"/>
+                <a:gd name="connsiteX0" fmla="*/ 895288 w 2599366"/>
+                <a:gd name="connsiteY0" fmla="*/ 1 h 2554287"/>
+                <a:gd name="connsiteX1" fmla="*/ 2599366 w 2599366"/>
+                <a:gd name="connsiteY1" fmla="*/ 0 h 2554287"/>
+                <a:gd name="connsiteX2" fmla="*/ 2599366 w 2599366"/>
+                <a:gd name="connsiteY2" fmla="*/ 2554287 h 2554287"/>
+                <a:gd name="connsiteX3" fmla="*/ 0 w 2599366"/>
+                <a:gd name="connsiteY3" fmla="*/ 2542904 h 2554287"/>
+                <a:gd name="connsiteX4" fmla="*/ 895288 w 2599366"/>
+                <a:gd name="connsiteY4" fmla="*/ 1 h 2554287"/>
+                <a:gd name="connsiteX0" fmla="*/ 895288 w 2599366"/>
+                <a:gd name="connsiteY0" fmla="*/ 1 h 2554287"/>
+                <a:gd name="connsiteX1" fmla="*/ 2599366 w 2599366"/>
+                <a:gd name="connsiteY1" fmla="*/ 0 h 2554287"/>
+                <a:gd name="connsiteX2" fmla="*/ 2599366 w 2599366"/>
+                <a:gd name="connsiteY2" fmla="*/ 2554287 h 2554287"/>
+                <a:gd name="connsiteX3" fmla="*/ 0 w 2599366"/>
+                <a:gd name="connsiteY3" fmla="*/ 2542904 h 2554287"/>
+                <a:gd name="connsiteX4" fmla="*/ 895288 w 2599366"/>
+                <a:gd name="connsiteY4" fmla="*/ 1 h 2554287"/>
+                <a:gd name="connsiteX0" fmla="*/ 895288 w 2611581"/>
+                <a:gd name="connsiteY0" fmla="*/ 1 h 2565670"/>
+                <a:gd name="connsiteX1" fmla="*/ 2599366 w 2611581"/>
+                <a:gd name="connsiteY1" fmla="*/ 0 h 2565670"/>
+                <a:gd name="connsiteX2" fmla="*/ 2611581 w 2611581"/>
+                <a:gd name="connsiteY2" fmla="*/ 2565670 h 2565670"/>
+                <a:gd name="connsiteX3" fmla="*/ 0 w 2611581"/>
+                <a:gd name="connsiteY3" fmla="*/ 2542904 h 2565670"/>
+                <a:gd name="connsiteX4" fmla="*/ 895288 w 2611581"/>
+                <a:gd name="connsiteY4" fmla="*/ 1 h 2565670"/>
+                <a:gd name="connsiteX0" fmla="*/ 895288 w 2611581"/>
+                <a:gd name="connsiteY0" fmla="*/ 1 h 2565670"/>
+                <a:gd name="connsiteX1" fmla="*/ 2599366 w 2611581"/>
+                <a:gd name="connsiteY1" fmla="*/ 0 h 2565670"/>
+                <a:gd name="connsiteX2" fmla="*/ 2611581 w 2611581"/>
+                <a:gd name="connsiteY2" fmla="*/ 2565670 h 2565670"/>
+                <a:gd name="connsiteX3" fmla="*/ 0 w 2611581"/>
+                <a:gd name="connsiteY3" fmla="*/ 2542904 h 2565670"/>
+                <a:gd name="connsiteX4" fmla="*/ 895288 w 2611581"/>
+                <a:gd name="connsiteY4" fmla="*/ 1 h 2565670"/>
+                <a:gd name="connsiteX0" fmla="*/ 895288 w 2611581"/>
+                <a:gd name="connsiteY0" fmla="*/ 1 h 2565670"/>
+                <a:gd name="connsiteX1" fmla="*/ 2599366 w 2611581"/>
+                <a:gd name="connsiteY1" fmla="*/ 0 h 2565670"/>
+                <a:gd name="connsiteX2" fmla="*/ 2611581 w 2611581"/>
+                <a:gd name="connsiteY2" fmla="*/ 2565670 h 2565670"/>
+                <a:gd name="connsiteX3" fmla="*/ 0 w 2611581"/>
+                <a:gd name="connsiteY3" fmla="*/ 2545750 h 2565670"/>
+                <a:gd name="connsiteX4" fmla="*/ 895288 w 2611581"/>
+                <a:gd name="connsiteY4" fmla="*/ 1 h 2565670"/>
+                <a:gd name="connsiteX0" fmla="*/ 1544433 w 3260726"/>
+                <a:gd name="connsiteY0" fmla="*/ 1 h 2565670"/>
+                <a:gd name="connsiteX1" fmla="*/ 3248511 w 3260726"/>
+                <a:gd name="connsiteY1" fmla="*/ 0 h 2565670"/>
+                <a:gd name="connsiteX2" fmla="*/ 3260726 w 3260726"/>
+                <a:gd name="connsiteY2" fmla="*/ 2565670 h 2565670"/>
+                <a:gd name="connsiteX3" fmla="*/ 0 w 3260726"/>
+                <a:gd name="connsiteY3" fmla="*/ 2521058 h 2565670"/>
+                <a:gd name="connsiteX4" fmla="*/ 1544433 w 3260726"/>
+                <a:gd name="connsiteY4" fmla="*/ 1 h 2565670"/>
+                <a:gd name="connsiteX0" fmla="*/ 921784 w 3260726"/>
+                <a:gd name="connsiteY0" fmla="*/ 12347 h 2565670"/>
+                <a:gd name="connsiteX1" fmla="*/ 3248511 w 3260726"/>
+                <a:gd name="connsiteY1" fmla="*/ 0 h 2565670"/>
+                <a:gd name="connsiteX2" fmla="*/ 3260726 w 3260726"/>
+                <a:gd name="connsiteY2" fmla="*/ 2565670 h 2565670"/>
+                <a:gd name="connsiteX3" fmla="*/ 0 w 3260726"/>
+                <a:gd name="connsiteY3" fmla="*/ 2521058 h 2565670"/>
+                <a:gd name="connsiteX4" fmla="*/ 921784 w 3260726"/>
+                <a:gd name="connsiteY4" fmla="*/ 12347 h 2565670"/>
+                <a:gd name="connsiteX0" fmla="*/ 921784 w 3260726"/>
+                <a:gd name="connsiteY0" fmla="*/ 12347 h 2565670"/>
+                <a:gd name="connsiteX1" fmla="*/ 2321160 w 3260726"/>
+                <a:gd name="connsiteY1" fmla="*/ 0 h 2565670"/>
+                <a:gd name="connsiteX2" fmla="*/ 3260726 w 3260726"/>
+                <a:gd name="connsiteY2" fmla="*/ 2565670 h 2565670"/>
+                <a:gd name="connsiteX3" fmla="*/ 0 w 3260726"/>
+                <a:gd name="connsiteY3" fmla="*/ 2521058 h 2565670"/>
+                <a:gd name="connsiteX4" fmla="*/ 921784 w 3260726"/>
+                <a:gd name="connsiteY4" fmla="*/ 12347 h 2565670"/>
+                <a:gd name="connsiteX0" fmla="*/ 921784 w 2322228"/>
+                <a:gd name="connsiteY0" fmla="*/ 12347 h 2565670"/>
+                <a:gd name="connsiteX1" fmla="*/ 2321160 w 2322228"/>
+                <a:gd name="connsiteY1" fmla="*/ 0 h 2565670"/>
+                <a:gd name="connsiteX2" fmla="*/ 2320129 w 2322228"/>
+                <a:gd name="connsiteY2" fmla="*/ 2565670 h 2565670"/>
+                <a:gd name="connsiteX3" fmla="*/ 0 w 2322228"/>
+                <a:gd name="connsiteY3" fmla="*/ 2521058 h 2565670"/>
+                <a:gd name="connsiteX4" fmla="*/ 921784 w 2322228"/>
+                <a:gd name="connsiteY4" fmla="*/ 12347 h 2565670"/>
+                <a:gd name="connsiteX0" fmla="*/ 921784 w 2322228"/>
+                <a:gd name="connsiteY0" fmla="*/ 0 h 2571841"/>
+                <a:gd name="connsiteX1" fmla="*/ 2321160 w 2322228"/>
+                <a:gd name="connsiteY1" fmla="*/ 6171 h 2571841"/>
+                <a:gd name="connsiteX2" fmla="*/ 2320129 w 2322228"/>
+                <a:gd name="connsiteY2" fmla="*/ 2571841 h 2571841"/>
+                <a:gd name="connsiteX3" fmla="*/ 0 w 2322228"/>
+                <a:gd name="connsiteY3" fmla="*/ 2527229 h 2571841"/>
+                <a:gd name="connsiteX4" fmla="*/ 921784 w 2322228"/>
+                <a:gd name="connsiteY4" fmla="*/ 0 h 2571841"/>
+                <a:gd name="connsiteX0" fmla="*/ 921784 w 2611583"/>
+                <a:gd name="connsiteY0" fmla="*/ 0 h 2540977"/>
+                <a:gd name="connsiteX1" fmla="*/ 2321160 w 2611583"/>
+                <a:gd name="connsiteY1" fmla="*/ 6171 h 2540977"/>
+                <a:gd name="connsiteX2" fmla="*/ 2611583 w 2611583"/>
+                <a:gd name="connsiteY2" fmla="*/ 2540977 h 2540977"/>
+                <a:gd name="connsiteX3" fmla="*/ 0 w 2611583"/>
+                <a:gd name="connsiteY3" fmla="*/ 2527229 h 2540977"/>
+                <a:gd name="connsiteX4" fmla="*/ 921784 w 2611583"/>
+                <a:gd name="connsiteY4" fmla="*/ 0 h 2540977"/>
+                <a:gd name="connsiteX0" fmla="*/ 921784 w 2611583"/>
+                <a:gd name="connsiteY0" fmla="*/ 2 h 2540979"/>
+                <a:gd name="connsiteX1" fmla="*/ 2572870 w 2611583"/>
+                <a:gd name="connsiteY1" fmla="*/ 0 h 2540979"/>
+                <a:gd name="connsiteX2" fmla="*/ 2611583 w 2611583"/>
+                <a:gd name="connsiteY2" fmla="*/ 2540979 h 2540979"/>
+                <a:gd name="connsiteX3" fmla="*/ 0 w 2611583"/>
+                <a:gd name="connsiteY3" fmla="*/ 2527231 h 2540979"/>
+                <a:gd name="connsiteX4" fmla="*/ 921784 w 2611583"/>
+                <a:gd name="connsiteY4" fmla="*/ 2 h 2540979"/>
+                <a:gd name="connsiteX0" fmla="*/ 921784 w 2705467"/>
+                <a:gd name="connsiteY0" fmla="*/ 0 h 2540977"/>
+                <a:gd name="connsiteX1" fmla="*/ 2705349 w 2705467"/>
+                <a:gd name="connsiteY1" fmla="*/ 6171 h 2540977"/>
+                <a:gd name="connsiteX2" fmla="*/ 2611583 w 2705467"/>
+                <a:gd name="connsiteY2" fmla="*/ 2540977 h 2540977"/>
+                <a:gd name="connsiteX3" fmla="*/ 0 w 2705467"/>
+                <a:gd name="connsiteY3" fmla="*/ 2527229 h 2540977"/>
+                <a:gd name="connsiteX4" fmla="*/ 921784 w 2705467"/>
+                <a:gd name="connsiteY4" fmla="*/ 0 h 2540977"/>
+                <a:gd name="connsiteX0" fmla="*/ 921784 w 2718702"/>
+                <a:gd name="connsiteY0" fmla="*/ 2 h 2540979"/>
+                <a:gd name="connsiteX1" fmla="*/ 2718597 w 2718702"/>
+                <a:gd name="connsiteY1" fmla="*/ 0 h 2540979"/>
+                <a:gd name="connsiteX2" fmla="*/ 2611583 w 2718702"/>
+                <a:gd name="connsiteY2" fmla="*/ 2540979 h 2540979"/>
+                <a:gd name="connsiteX3" fmla="*/ 0 w 2718702"/>
+                <a:gd name="connsiteY3" fmla="*/ 2527231 h 2540979"/>
+                <a:gd name="connsiteX4" fmla="*/ 921784 w 2718702"/>
+                <a:gd name="connsiteY4" fmla="*/ 2 h 2540979"/>
+                <a:gd name="connsiteX0" fmla="*/ 921784 w 2679012"/>
+                <a:gd name="connsiteY0" fmla="*/ 0 h 2540977"/>
+                <a:gd name="connsiteX1" fmla="*/ 2678853 w 2679012"/>
+                <a:gd name="connsiteY1" fmla="*/ 6171 h 2540977"/>
+                <a:gd name="connsiteX2" fmla="*/ 2611583 w 2679012"/>
+                <a:gd name="connsiteY2" fmla="*/ 2540977 h 2540977"/>
+                <a:gd name="connsiteX3" fmla="*/ 0 w 2679012"/>
+                <a:gd name="connsiteY3" fmla="*/ 2527229 h 2540977"/>
+                <a:gd name="connsiteX4" fmla="*/ 921784 w 2679012"/>
+                <a:gd name="connsiteY4" fmla="*/ 0 h 2540977"/>
+              </a:gdLst>
+              <a:ahLst/>
+              <a:cxnLst>
+                <a:cxn ang="0">
+                  <a:pos x="connsiteX0" y="connsiteY0"/>
+                </a:cxn>
+                <a:cxn ang="0">
+                  <a:pos x="connsiteX1" y="connsiteY1"/>
+                </a:cxn>
+                <a:cxn ang="0">
+                  <a:pos x="connsiteX2" y="connsiteY2"/>
+                </a:cxn>
+                <a:cxn ang="0">
+                  <a:pos x="connsiteX3" y="connsiteY3"/>
+                </a:cxn>
+                <a:cxn ang="0">
+                  <a:pos x="connsiteX4" y="connsiteY4"/>
+                </a:cxn>
+              </a:cxnLst>
+              <a:rect l="l" t="t" r="r" b="b"/>
+              <a:pathLst>
+                <a:path w="2679012" h="2540977">
+                  <a:moveTo>
+                    <a:pt x="921784" y="0"/>
+                  </a:moveTo>
+                  <a:lnTo>
+                    <a:pt x="2678853" y="6171"/>
+                  </a:lnTo>
+                  <a:cubicBezTo>
+                    <a:pt x="2682925" y="861394"/>
+                    <a:pt x="2607511" y="1685754"/>
+                    <a:pt x="2611583" y="2540977"/>
+                  </a:cubicBezTo>
+                  <a:lnTo>
+                    <a:pt x="0" y="2527229"/>
+                  </a:lnTo>
+                  <a:lnTo>
+                    <a:pt x="921784" y="0"/>
+                  </a:lnTo>
+                  <a:close/>
+                </a:path>
+              </a:pathLst>
+            </a:custGeom>
+            <a:blipFill rotWithShape="0">
+              <a:blip r:embed="rId2">
+                <a:duotone>
+                  <a:schemeClr val="bg2">
+                    <a:shade val="76000"/>
+                    <a:satMod val="180000"/>
+                  </a:schemeClr>
+                  <a:schemeClr val="bg2">
+                    <a:tint val="80000"/>
+                    <a:satMod val="120000"/>
+                    <a:lumMod val="180000"/>
+                  </a:schemeClr>
+                </a:duotone>
+              </a:blip>
+              <a:stretch>
+                <a:fillRect l="-114598" r="-265621" b="-28686"/>
+              </a:stretch>
+            </a:blipFill>
+            <a:ln>
+              <a:noFill/>
+            </a:ln>
+          </p:spPr>
+          <p:style>
+            <a:lnRef idx="2">
+              <a:schemeClr val="accent1">
+                <a:shade val="50000"/>
+              </a:schemeClr>
+            </a:lnRef>
+            <a:fillRef idx="1">
+              <a:schemeClr val="accent1"/>
+            </a:fillRef>
+            <a:effectRef idx="0">
+              <a:schemeClr val="accent1"/>
+            </a:effectRef>
+            <a:fontRef idx="minor">
+              <a:schemeClr val="lt1"/>
+            </a:fontRef>
+          </p:style>
+          <p:txBody>
+            <a:bodyPr rtlCol="0" anchor="ctr"/>
+            <a:lstStyle/>
+            <a:p>
+              <a:pPr algn="ctr"/>
+              <a:endParaRPr lang="en-US"/>
+            </a:p>
+          </p:txBody>
+        </p:sp>
+        <p:sp useBgFill="1">
+          <p:nvSpPr>
+            <p:cNvPr id="14" name="Rectangle 20">
+              <a:extLst>
+                <a:ext uri="{FF2B5EF4-FFF2-40B4-BE49-F238E27FC236}">
+                  <a16:creationId xmlns:a16="http://schemas.microsoft.com/office/drawing/2014/main" id="{8AE68E3F-5084-4FF1-9164-9A44B19D390C}"/>
+                </a:ext>
+                <a:ext uri="{C183D7F6-B498-43B3-948B-1728B52AA6E4}">
+                  <adec:decorative xmlns:adec="http://schemas.microsoft.com/office/drawing/2017/decorative" val="1"/>
+                </a:ext>
+              </a:extLst>
+            </p:cNvPr>
+            <p:cNvSpPr/>
+            <p:nvPr>
+              <p:extLst>
+                <p:ext uri="{386F3935-93C4-4BCD-93E2-E3B085C9AB24}">
+                  <p16:designElem xmlns:p16="http://schemas.microsoft.com/office/powerpoint/2015/main" val="1"/>
+                </p:ext>
+              </p:extLst>
+            </p:nvPr>
+          </p:nvSpPr>
+          <p:spPr bwMode="white">
+            <a:xfrm>
+              <a:off x="2211875" y="5257482"/>
+              <a:ext cx="2586931" cy="1619837"/>
+            </a:xfrm>
+            <a:custGeom>
+              <a:avLst/>
+              <a:gdLst>
+                <a:gd name="connsiteX0" fmla="*/ 0 w 2611581"/>
+                <a:gd name="connsiteY0" fmla="*/ 0 h 4303713"/>
+                <a:gd name="connsiteX1" fmla="*/ 2611581 w 2611581"/>
+                <a:gd name="connsiteY1" fmla="*/ 0 h 4303713"/>
+                <a:gd name="connsiteX2" fmla="*/ 2611581 w 2611581"/>
+                <a:gd name="connsiteY2" fmla="*/ 4303713 h 4303713"/>
+                <a:gd name="connsiteX3" fmla="*/ 0 w 2611581"/>
+                <a:gd name="connsiteY3" fmla="*/ 4303713 h 4303713"/>
+                <a:gd name="connsiteX4" fmla="*/ 0 w 2611581"/>
+                <a:gd name="connsiteY4" fmla="*/ 0 h 4303713"/>
+                <a:gd name="connsiteX0" fmla="*/ 0 w 2611581"/>
+                <a:gd name="connsiteY0" fmla="*/ 0 h 4314104"/>
+                <a:gd name="connsiteX1" fmla="*/ 2611581 w 2611581"/>
+                <a:gd name="connsiteY1" fmla="*/ 0 h 4314104"/>
+                <a:gd name="connsiteX2" fmla="*/ 2611581 w 2611581"/>
+                <a:gd name="connsiteY2" fmla="*/ 4303713 h 4314104"/>
+                <a:gd name="connsiteX3" fmla="*/ 1693718 w 2611581"/>
+                <a:gd name="connsiteY3" fmla="*/ 4314104 h 4314104"/>
+                <a:gd name="connsiteX4" fmla="*/ 0 w 2611581"/>
+                <a:gd name="connsiteY4" fmla="*/ 0 h 4314104"/>
+                <a:gd name="connsiteX0" fmla="*/ 0 w 2611581"/>
+                <a:gd name="connsiteY0" fmla="*/ 0 h 4314104"/>
+                <a:gd name="connsiteX1" fmla="*/ 2611581 w 2611581"/>
+                <a:gd name="connsiteY1" fmla="*/ 0 h 4314104"/>
+                <a:gd name="connsiteX2" fmla="*/ 2611581 w 2611581"/>
+                <a:gd name="connsiteY2" fmla="*/ 4303713 h 4314104"/>
+                <a:gd name="connsiteX3" fmla="*/ 1963882 w 2611581"/>
+                <a:gd name="connsiteY3" fmla="*/ 4314104 h 4314104"/>
+                <a:gd name="connsiteX4" fmla="*/ 0 w 2611581"/>
+                <a:gd name="connsiteY4" fmla="*/ 0 h 4314104"/>
+                <a:gd name="connsiteX0" fmla="*/ 0 w 2611581"/>
+                <a:gd name="connsiteY0" fmla="*/ 0 h 4303713"/>
+                <a:gd name="connsiteX1" fmla="*/ 2611581 w 2611581"/>
+                <a:gd name="connsiteY1" fmla="*/ 0 h 4303713"/>
+                <a:gd name="connsiteX2" fmla="*/ 2611581 w 2611581"/>
+                <a:gd name="connsiteY2" fmla="*/ 4303713 h 4303713"/>
+                <a:gd name="connsiteX3" fmla="*/ 2213264 w 2611581"/>
+                <a:gd name="connsiteY3" fmla="*/ 4293322 h 4303713"/>
+                <a:gd name="connsiteX4" fmla="*/ 0 w 2611581"/>
+                <a:gd name="connsiteY4" fmla="*/ 0 h 4303713"/>
+                <a:gd name="connsiteX0" fmla="*/ 0 w 2611581"/>
+                <a:gd name="connsiteY0" fmla="*/ 0 h 4303713"/>
+                <a:gd name="connsiteX1" fmla="*/ 2611581 w 2611581"/>
+                <a:gd name="connsiteY1" fmla="*/ 0 h 4303713"/>
+                <a:gd name="connsiteX2" fmla="*/ 2611581 w 2611581"/>
+                <a:gd name="connsiteY2" fmla="*/ 4303713 h 4303713"/>
+                <a:gd name="connsiteX3" fmla="*/ 2171701 w 2611581"/>
+                <a:gd name="connsiteY3" fmla="*/ 3638695 h 4303713"/>
+                <a:gd name="connsiteX4" fmla="*/ 0 w 2611581"/>
+                <a:gd name="connsiteY4" fmla="*/ 0 h 4303713"/>
+                <a:gd name="connsiteX0" fmla="*/ 0 w 2720934"/>
+                <a:gd name="connsiteY0" fmla="*/ 268283 h 4303713"/>
+                <a:gd name="connsiteX1" fmla="*/ 2720934 w 2720934"/>
+                <a:gd name="connsiteY1" fmla="*/ 0 h 4303713"/>
+                <a:gd name="connsiteX2" fmla="*/ 2720934 w 2720934"/>
+                <a:gd name="connsiteY2" fmla="*/ 4303713 h 4303713"/>
+                <a:gd name="connsiteX3" fmla="*/ 2281054 w 2720934"/>
+                <a:gd name="connsiteY3" fmla="*/ 3638695 h 4303713"/>
+                <a:gd name="connsiteX4" fmla="*/ 0 w 2720934"/>
+                <a:gd name="connsiteY4" fmla="*/ 268283 h 4303713"/>
+                <a:gd name="connsiteX0" fmla="*/ 0 w 2720934"/>
+                <a:gd name="connsiteY0" fmla="*/ 268283 h 4303713"/>
+                <a:gd name="connsiteX1" fmla="*/ 2720934 w 2720934"/>
+                <a:gd name="connsiteY1" fmla="*/ 0 h 4303713"/>
+                <a:gd name="connsiteX2" fmla="*/ 2720934 w 2720934"/>
+                <a:gd name="connsiteY2" fmla="*/ 4303713 h 4303713"/>
+                <a:gd name="connsiteX3" fmla="*/ 2264231 w 2720934"/>
+                <a:gd name="connsiteY3" fmla="*/ 3717600 h 4303713"/>
+                <a:gd name="connsiteX4" fmla="*/ 0 w 2720934"/>
+                <a:gd name="connsiteY4" fmla="*/ 268283 h 4303713"/>
+                <a:gd name="connsiteX0" fmla="*/ 0 w 2720934"/>
+                <a:gd name="connsiteY0" fmla="*/ 268283 h 4335275"/>
+                <a:gd name="connsiteX1" fmla="*/ 2720934 w 2720934"/>
+                <a:gd name="connsiteY1" fmla="*/ 0 h 4335275"/>
+                <a:gd name="connsiteX2" fmla="*/ 2653639 w 2720934"/>
+                <a:gd name="connsiteY2" fmla="*/ 4335275 h 4335275"/>
+                <a:gd name="connsiteX3" fmla="*/ 2264231 w 2720934"/>
+                <a:gd name="connsiteY3" fmla="*/ 3717600 h 4335275"/>
+                <a:gd name="connsiteX4" fmla="*/ 0 w 2720934"/>
+                <a:gd name="connsiteY4" fmla="*/ 268283 h 4335275"/>
+                <a:gd name="connsiteX0" fmla="*/ 0 w 2737757"/>
+                <a:gd name="connsiteY0" fmla="*/ 236721 h 4335275"/>
+                <a:gd name="connsiteX1" fmla="*/ 2737757 w 2737757"/>
+                <a:gd name="connsiteY1" fmla="*/ 0 h 4335275"/>
+                <a:gd name="connsiteX2" fmla="*/ 2670462 w 2737757"/>
+                <a:gd name="connsiteY2" fmla="*/ 4335275 h 4335275"/>
+                <a:gd name="connsiteX3" fmla="*/ 2281054 w 2737757"/>
+                <a:gd name="connsiteY3" fmla="*/ 3717600 h 4335275"/>
+                <a:gd name="connsiteX4" fmla="*/ 0 w 2737757"/>
+                <a:gd name="connsiteY4" fmla="*/ 236721 h 4335275"/>
+                <a:gd name="connsiteX0" fmla="*/ 0 w 2729346"/>
+                <a:gd name="connsiteY0" fmla="*/ 0 h 4098554"/>
+                <a:gd name="connsiteX1" fmla="*/ 2729346 w 2729346"/>
+                <a:gd name="connsiteY1" fmla="*/ 126250 h 4098554"/>
+                <a:gd name="connsiteX2" fmla="*/ 2670462 w 2729346"/>
+                <a:gd name="connsiteY2" fmla="*/ 4098554 h 4098554"/>
+                <a:gd name="connsiteX3" fmla="*/ 2281054 w 2729346"/>
+                <a:gd name="connsiteY3" fmla="*/ 3480879 h 4098554"/>
+                <a:gd name="connsiteX4" fmla="*/ 0 w 2729346"/>
+                <a:gd name="connsiteY4" fmla="*/ 0 h 4098554"/>
+                <a:gd name="connsiteX0" fmla="*/ 0 w 2720934"/>
+                <a:gd name="connsiteY0" fmla="*/ 0 h 4098554"/>
+                <a:gd name="connsiteX1" fmla="*/ 2720934 w 2720934"/>
+                <a:gd name="connsiteY1" fmla="*/ 31562 h 4098554"/>
+                <a:gd name="connsiteX2" fmla="*/ 2670462 w 2720934"/>
+                <a:gd name="connsiteY2" fmla="*/ 4098554 h 4098554"/>
+                <a:gd name="connsiteX3" fmla="*/ 2281054 w 2720934"/>
+                <a:gd name="connsiteY3" fmla="*/ 3480879 h 4098554"/>
+                <a:gd name="connsiteX4" fmla="*/ 0 w 2720934"/>
+                <a:gd name="connsiteY4" fmla="*/ 0 h 4098554"/>
+                <a:gd name="connsiteX0" fmla="*/ 0 w 2720934"/>
+                <a:gd name="connsiteY0" fmla="*/ 15782 h 4114336"/>
+                <a:gd name="connsiteX1" fmla="*/ 2720934 w 2720934"/>
+                <a:gd name="connsiteY1" fmla="*/ 0 h 4114336"/>
+                <a:gd name="connsiteX2" fmla="*/ 2670462 w 2720934"/>
+                <a:gd name="connsiteY2" fmla="*/ 4114336 h 4114336"/>
+                <a:gd name="connsiteX3" fmla="*/ 2281054 w 2720934"/>
+                <a:gd name="connsiteY3" fmla="*/ 3496661 h 4114336"/>
+                <a:gd name="connsiteX4" fmla="*/ 0 w 2720934"/>
+                <a:gd name="connsiteY4" fmla="*/ 15782 h 4114336"/>
+                <a:gd name="connsiteX0" fmla="*/ 0 w 2820289"/>
+                <a:gd name="connsiteY0" fmla="*/ 15782 h 4114336"/>
+                <a:gd name="connsiteX1" fmla="*/ 2820289 w 2820289"/>
+                <a:gd name="connsiteY1" fmla="*/ 0 h 4114336"/>
+                <a:gd name="connsiteX2" fmla="*/ 2769817 w 2820289"/>
+                <a:gd name="connsiteY2" fmla="*/ 4114336 h 4114336"/>
+                <a:gd name="connsiteX3" fmla="*/ 2380409 w 2820289"/>
+                <a:gd name="connsiteY3" fmla="*/ 3496661 h 4114336"/>
+                <a:gd name="connsiteX4" fmla="*/ 0 w 2820289"/>
+                <a:gd name="connsiteY4" fmla="*/ 15782 h 4114336"/>
+                <a:gd name="connsiteX0" fmla="*/ 0 w 2820289"/>
+                <a:gd name="connsiteY0" fmla="*/ 15782 h 4114336"/>
+                <a:gd name="connsiteX1" fmla="*/ 2820289 w 2820289"/>
+                <a:gd name="connsiteY1" fmla="*/ 0 h 4114336"/>
+                <a:gd name="connsiteX2" fmla="*/ 2769817 w 2820289"/>
+                <a:gd name="connsiteY2" fmla="*/ 4114336 h 4114336"/>
+                <a:gd name="connsiteX3" fmla="*/ 2362876 w 2820289"/>
+                <a:gd name="connsiteY3" fmla="*/ 3517980 h 4114336"/>
+                <a:gd name="connsiteX4" fmla="*/ 0 w 2820289"/>
+                <a:gd name="connsiteY4" fmla="*/ 15782 h 4114336"/>
+                <a:gd name="connsiteX0" fmla="*/ 0 w 2820289"/>
+                <a:gd name="connsiteY0" fmla="*/ 15782 h 4114336"/>
+                <a:gd name="connsiteX1" fmla="*/ 2820289 w 2820289"/>
+                <a:gd name="connsiteY1" fmla="*/ 0 h 4114336"/>
+                <a:gd name="connsiteX2" fmla="*/ 2763972 w 2820289"/>
+                <a:gd name="connsiteY2" fmla="*/ 4114336 h 4114336"/>
+                <a:gd name="connsiteX3" fmla="*/ 2362876 w 2820289"/>
+                <a:gd name="connsiteY3" fmla="*/ 3517980 h 4114336"/>
+                <a:gd name="connsiteX4" fmla="*/ 0 w 2820289"/>
+                <a:gd name="connsiteY4" fmla="*/ 15782 h 4114336"/>
+                <a:gd name="connsiteX0" fmla="*/ 0 w 3721149"/>
+                <a:gd name="connsiteY0" fmla="*/ 0 h 4269703"/>
+                <a:gd name="connsiteX1" fmla="*/ 3721149 w 3721149"/>
+                <a:gd name="connsiteY1" fmla="*/ 155367 h 4269703"/>
+                <a:gd name="connsiteX2" fmla="*/ 3664832 w 3721149"/>
+                <a:gd name="connsiteY2" fmla="*/ 4269703 h 4269703"/>
+                <a:gd name="connsiteX3" fmla="*/ 3263736 w 3721149"/>
+                <a:gd name="connsiteY3" fmla="*/ 3673347 h 4269703"/>
+                <a:gd name="connsiteX4" fmla="*/ 0 w 3721149"/>
+                <a:gd name="connsiteY4" fmla="*/ 0 h 4269703"/>
+                <a:gd name="connsiteX0" fmla="*/ 0 w 3721149"/>
+                <a:gd name="connsiteY0" fmla="*/ 0 h 4289488"/>
+                <a:gd name="connsiteX1" fmla="*/ 3721149 w 3721149"/>
+                <a:gd name="connsiteY1" fmla="*/ 155367 h 4289488"/>
+                <a:gd name="connsiteX2" fmla="*/ 3664832 w 3721149"/>
+                <a:gd name="connsiteY2" fmla="*/ 4269703 h 4289488"/>
+                <a:gd name="connsiteX3" fmla="*/ 1705997 w 3721149"/>
+                <a:gd name="connsiteY3" fmla="*/ 4289488 h 4289488"/>
+                <a:gd name="connsiteX4" fmla="*/ 0 w 3721149"/>
+                <a:gd name="connsiteY4" fmla="*/ 0 h 4289488"/>
+                <a:gd name="connsiteX0" fmla="*/ 0 w 3664846"/>
+                <a:gd name="connsiteY0" fmla="*/ 15785 h 4305273"/>
+                <a:gd name="connsiteX1" fmla="*/ 3664846 w 3664846"/>
+                <a:gd name="connsiteY1" fmla="*/ 0 h 4305273"/>
+                <a:gd name="connsiteX2" fmla="*/ 3664832 w 3664846"/>
+                <a:gd name="connsiteY2" fmla="*/ 4285488 h 4305273"/>
+                <a:gd name="connsiteX3" fmla="*/ 1705997 w 3664846"/>
+                <a:gd name="connsiteY3" fmla="*/ 4305273 h 4305273"/>
+                <a:gd name="connsiteX4" fmla="*/ 0 w 3664846"/>
+                <a:gd name="connsiteY4" fmla="*/ 15785 h 4305273"/>
+              </a:gdLst>
+              <a:ahLst/>
+              <a:cxnLst>
+                <a:cxn ang="0">
+                  <a:pos x="connsiteX0" y="connsiteY0"/>
+                </a:cxn>
+                <a:cxn ang="0">
+                  <a:pos x="connsiteX1" y="connsiteY1"/>
+                </a:cxn>
+                <a:cxn ang="0">
+                  <a:pos x="connsiteX2" y="connsiteY2"/>
+                </a:cxn>
+                <a:cxn ang="0">
+                  <a:pos x="connsiteX3" y="connsiteY3"/>
+                </a:cxn>
+                <a:cxn ang="0">
+                  <a:pos x="connsiteX4" y="connsiteY4"/>
+                </a:cxn>
+              </a:cxnLst>
+              <a:rect l="l" t="t" r="r" b="b"/>
+              <a:pathLst>
+                <a:path w="3664846" h="4305273">
+                  <a:moveTo>
+                    <a:pt x="0" y="15785"/>
+                  </a:moveTo>
+                  <a:lnTo>
+                    <a:pt x="3664846" y="0"/>
+                  </a:lnTo>
+                  <a:cubicBezTo>
+                    <a:pt x="3664841" y="1428496"/>
+                    <a:pt x="3664837" y="2856992"/>
+                    <a:pt x="3664832" y="4285488"/>
+                  </a:cubicBezTo>
+                  <a:lnTo>
+                    <a:pt x="1705997" y="4305273"/>
+                  </a:lnTo>
+                  <a:lnTo>
+                    <a:pt x="0" y="15785"/>
+                  </a:lnTo>
+                  <a:close/>
+                </a:path>
+              </a:pathLst>
+            </a:custGeom>
+            <a:blipFill rotWithShape="0">
+              <a:blip r:embed="rId2">
+                <a:duotone>
+                  <a:schemeClr val="bg2">
+                    <a:shade val="76000"/>
+                    <a:satMod val="180000"/>
+                  </a:schemeClr>
+                  <a:schemeClr val="bg2">
+                    <a:tint val="80000"/>
+                    <a:satMod val="120000"/>
+                    <a:lumMod val="180000"/>
+                  </a:schemeClr>
+                </a:duotone>
+              </a:blip>
+              <a:stretch>
+                <a:fillRect l="-163116" t="-323529" r="-398251"/>
+              </a:stretch>
+            </a:blipFill>
+            <a:ln>
+              <a:noFill/>
+            </a:ln>
+          </p:spPr>
+          <p:style>
+            <a:lnRef idx="2">
+              <a:schemeClr val="accent1">
+                <a:shade val="50000"/>
+              </a:schemeClr>
+            </a:lnRef>
+            <a:fillRef idx="1">
+              <a:schemeClr val="accent1"/>
+            </a:fillRef>
+            <a:effectRef idx="0">
+              <a:schemeClr val="accent1"/>
+            </a:effectRef>
+            <a:fontRef idx="minor">
+              <a:schemeClr val="lt1"/>
+            </a:fontRef>
+          </p:style>
+          <p:txBody>
+            <a:bodyPr rtlCol="0" anchor="ctr"/>
+            <a:lstStyle/>
+            <a:p>
+              <a:pPr algn="ctr"/>
+              <a:endParaRPr lang="en-US"/>
+            </a:p>
+          </p:txBody>
+        </p:sp>
+      </p:grpSp>
+      <p:grpSp>
+        <p:nvGrpSpPr>
+          <p:cNvPr id="16" name="Group 15">
+            <a:extLst>
+              <a:ext uri="{FF2B5EF4-FFF2-40B4-BE49-F238E27FC236}">
+                <a16:creationId xmlns:a16="http://schemas.microsoft.com/office/drawing/2014/main" id="{7884AB1D-699B-435C-BC0A-D649097B95E3}"/>
+              </a:ext>
+              <a:ext uri="{C183D7F6-B498-43B3-948B-1728B52AA6E4}">
+                <adec:decorative xmlns:adec="http://schemas.microsoft.com/office/drawing/2017/decorative" val="1"/>
+              </a:ext>
+            </a:extLst>
+          </p:cNvPr>
+          <p:cNvGrpSpPr>
+            <a:grpSpLocks noGrp="1" noUngrp="1" noRot="1" noChangeAspect="1" noMove="1" noResize="1"/>
+          </p:cNvGrpSpPr>
+          <p:nvPr>
+            <p:extLst>
+              <p:ext uri="{386F3935-93C4-4BCD-93E2-E3B085C9AB24}">
+                <p16:designElem xmlns:p16="http://schemas.microsoft.com/office/powerpoint/2015/main" val="1"/>
+              </p:ext>
+            </p:extLst>
+          </p:nvPr>
+        </p:nvGrpSpPr>
+        <p:grpSpPr>
+          <a:xfrm>
+            <a:off x="1770459" y="0"/>
+            <a:ext cx="1827609" cy="6858001"/>
+            <a:chOff x="1320800" y="0"/>
+            <a:chExt cx="2436813" cy="6858001"/>
+          </a:xfrm>
+        </p:grpSpPr>
+        <p:sp>
+          <p:nvSpPr>
+            <p:cNvPr id="17" name="Freeform 6">
+              <a:extLst>
+                <a:ext uri="{FF2B5EF4-FFF2-40B4-BE49-F238E27FC236}">
+                  <a16:creationId xmlns:a16="http://schemas.microsoft.com/office/drawing/2014/main" id="{E081C1DB-D6A0-4ED6-A4FC-16466E903CDD}"/>
+                </a:ext>
+                <a:ext uri="{C183D7F6-B498-43B3-948B-1728B52AA6E4}">
+                  <adec:decorative xmlns:adec="http://schemas.microsoft.com/office/drawing/2017/decorative" val="1"/>
+                </a:ext>
+              </a:extLst>
+            </p:cNvPr>
+            <p:cNvSpPr/>
+            <p:nvPr>
+              <p:extLst>
+                <p:ext uri="{386F3935-93C4-4BCD-93E2-E3B085C9AB24}">
+                  <p16:designElem xmlns:p16="http://schemas.microsoft.com/office/powerpoint/2015/main" val="1"/>
+                </p:ext>
+              </p:extLst>
+            </p:nvPr>
+          </p:nvSpPr>
+          <p:spPr bwMode="auto">
+            <a:xfrm>
+              <a:off x="1627188" y="0"/>
+              <a:ext cx="1122363" cy="5329238"/>
+            </a:xfrm>
+            <a:custGeom>
+              <a:avLst/>
+              <a:gdLst/>
+              <a:ahLst/>
+              <a:cxnLst/>
+              <a:rect l="0" t="0" r="r" b="b"/>
+              <a:pathLst>
+                <a:path w="707" h="3357">
+                  <a:moveTo>
+                    <a:pt x="0" y="3330"/>
+                  </a:moveTo>
+                  <a:lnTo>
+                    <a:pt x="156" y="3357"/>
+                  </a:lnTo>
+                  <a:lnTo>
+                    <a:pt x="707" y="0"/>
+                  </a:lnTo>
+                  <a:lnTo>
+                    <a:pt x="547" y="0"/>
+                  </a:lnTo>
+                  <a:lnTo>
+                    <a:pt x="0" y="3330"/>
+                  </a:lnTo>
+                  <a:close/>
+                </a:path>
+              </a:pathLst>
+            </a:custGeom>
+            <a:solidFill>
+              <a:schemeClr val="accent1"/>
+            </a:solidFill>
+            <a:ln>
+              <a:noFill/>
+            </a:ln>
+          </p:spPr>
+          <p:txBody>
+            <a:bodyPr/>
+            <a:lstStyle/>
+            <a:p>
+              <a:endParaRPr lang="en-US"/>
+            </a:p>
+          </p:txBody>
+        </p:sp>
+        <p:sp>
+          <p:nvSpPr>
+            <p:cNvPr id="18" name="Freeform 7">
+              <a:extLst>
+                <a:ext uri="{FF2B5EF4-FFF2-40B4-BE49-F238E27FC236}">
+                  <a16:creationId xmlns:a16="http://schemas.microsoft.com/office/drawing/2014/main" id="{0BE09B71-5BD8-4B95-8DE8-A10B0657D5CA}"/>
+                </a:ext>
+                <a:ext uri="{C183D7F6-B498-43B3-948B-1728B52AA6E4}">
+                  <adec:decorative xmlns:adec="http://schemas.microsoft.com/office/drawing/2017/decorative" val="1"/>
+                </a:ext>
+              </a:extLst>
+            </p:cNvPr>
+            <p:cNvSpPr/>
+            <p:nvPr>
+              <p:extLst>
+                <p:ext uri="{386F3935-93C4-4BCD-93E2-E3B085C9AB24}">
+                  <p16:designElem xmlns:p16="http://schemas.microsoft.com/office/powerpoint/2015/main" val="1"/>
+                </p:ext>
+              </p:extLst>
+            </p:nvPr>
+          </p:nvSpPr>
+          <p:spPr bwMode="auto">
+            <a:xfrm>
+              <a:off x="1320800" y="0"/>
+              <a:ext cx="1117600" cy="5276850"/>
+            </a:xfrm>
+            <a:custGeom>
+              <a:avLst/>
+              <a:gdLst/>
+              <a:ahLst/>
+              <a:cxnLst/>
+              <a:rect l="0" t="0" r="r" b="b"/>
+              <a:pathLst>
+                <a:path w="704" h="3324">
+                  <a:moveTo>
+                    <a:pt x="704" y="0"/>
+                  </a:moveTo>
+                  <a:lnTo>
+                    <a:pt x="545" y="0"/>
+                  </a:lnTo>
+                  <a:lnTo>
+                    <a:pt x="0" y="3300"/>
+                  </a:lnTo>
+                  <a:lnTo>
+                    <a:pt x="157" y="3324"/>
+                  </a:lnTo>
+                  <a:lnTo>
+                    <a:pt x="704" y="0"/>
+                  </a:lnTo>
+                  <a:close/>
+                </a:path>
+              </a:pathLst>
+            </a:custGeom>
+            <a:solidFill>
+              <a:schemeClr val="tx1">
+                <a:lumMod val="65000"/>
+                <a:lumOff val="35000"/>
+              </a:schemeClr>
+            </a:solidFill>
+            <a:ln>
+              <a:noFill/>
+            </a:ln>
+          </p:spPr>
+          <p:txBody>
+            <a:bodyPr/>
+            <a:lstStyle/>
+            <a:p>
+              <a:endParaRPr lang="en-US"/>
+            </a:p>
+          </p:txBody>
+        </p:sp>
+        <p:sp>
+          <p:nvSpPr>
+            <p:cNvPr id="19" name="Freeform 8">
+              <a:extLst>
+                <a:ext uri="{FF2B5EF4-FFF2-40B4-BE49-F238E27FC236}">
+                  <a16:creationId xmlns:a16="http://schemas.microsoft.com/office/drawing/2014/main" id="{F5AAF0BD-4755-42CE-B339-2C2746BB7FBB}"/>
+                </a:ext>
+                <a:ext uri="{C183D7F6-B498-43B3-948B-1728B52AA6E4}">
+                  <adec:decorative xmlns:adec="http://schemas.microsoft.com/office/drawing/2017/decorative" val="1"/>
+                </a:ext>
+              </a:extLst>
+            </p:cNvPr>
+            <p:cNvSpPr/>
+            <p:nvPr>
+              <p:extLst>
+                <p:ext uri="{386F3935-93C4-4BCD-93E2-E3B085C9AB24}">
+                  <p16:designElem xmlns:p16="http://schemas.microsoft.com/office/powerpoint/2015/main" val="1"/>
+                </p:ext>
+              </p:extLst>
+            </p:nvPr>
+          </p:nvSpPr>
+          <p:spPr bwMode="auto">
+            <a:xfrm>
+              <a:off x="1320800" y="5238750"/>
+              <a:ext cx="1228725" cy="1619250"/>
+            </a:xfrm>
+            <a:custGeom>
+              <a:avLst/>
+              <a:gdLst/>
+              <a:ahLst/>
+              <a:cxnLst/>
+              <a:rect l="0" t="0" r="r" b="b"/>
+              <a:pathLst>
+                <a:path w="774" h="1020">
+                  <a:moveTo>
+                    <a:pt x="0" y="0"/>
+                  </a:moveTo>
+                  <a:lnTo>
+                    <a:pt x="740" y="1020"/>
+                  </a:lnTo>
+                  <a:lnTo>
+                    <a:pt x="774" y="1020"/>
+                  </a:lnTo>
+                  <a:lnTo>
+                    <a:pt x="0" y="0"/>
+                  </a:lnTo>
+                  <a:close/>
+                </a:path>
+              </a:pathLst>
+            </a:custGeom>
+            <a:solidFill>
+              <a:schemeClr val="tx1">
+                <a:lumMod val="85000"/>
+                <a:lumOff val="15000"/>
+              </a:schemeClr>
+            </a:solidFill>
+            <a:ln>
+              <a:noFill/>
+            </a:ln>
+          </p:spPr>
+          <p:txBody>
+            <a:bodyPr/>
+            <a:lstStyle/>
+            <a:p>
+              <a:endParaRPr lang="en-US"/>
+            </a:p>
+          </p:txBody>
+        </p:sp>
+        <p:sp>
+          <p:nvSpPr>
+            <p:cNvPr id="20" name="Freeform 9">
+              <a:extLst>
+                <a:ext uri="{FF2B5EF4-FFF2-40B4-BE49-F238E27FC236}">
+                  <a16:creationId xmlns:a16="http://schemas.microsoft.com/office/drawing/2014/main" id="{3824AAED-F160-40F4-8FBB-F674A4ECFE96}"/>
+                </a:ext>
+                <a:ext uri="{C183D7F6-B498-43B3-948B-1728B52AA6E4}">
+                  <adec:decorative xmlns:adec="http://schemas.microsoft.com/office/drawing/2017/decorative" val="1"/>
+                </a:ext>
+              </a:extLst>
+            </p:cNvPr>
+            <p:cNvSpPr/>
+            <p:nvPr>
+              <p:extLst>
+                <p:ext uri="{386F3935-93C4-4BCD-93E2-E3B085C9AB24}">
+                  <p16:designElem xmlns:p16="http://schemas.microsoft.com/office/powerpoint/2015/main" val="1"/>
+                </p:ext>
+              </p:extLst>
+            </p:nvPr>
+          </p:nvSpPr>
+          <p:spPr bwMode="auto">
+            <a:xfrm>
+              <a:off x="1627188" y="5291138"/>
+              <a:ext cx="1495425" cy="1566863"/>
+            </a:xfrm>
+            <a:custGeom>
+              <a:avLst/>
+              <a:gdLst/>
+              <a:ahLst/>
+              <a:cxnLst/>
+              <a:rect l="0" t="0" r="r" b="b"/>
+              <a:pathLst>
+                <a:path w="942" h="987">
+                  <a:moveTo>
+                    <a:pt x="0" y="0"/>
+                  </a:moveTo>
+                  <a:lnTo>
+                    <a:pt x="909" y="987"/>
+                  </a:lnTo>
+                  <a:lnTo>
+                    <a:pt x="942" y="987"/>
+                  </a:lnTo>
+                  <a:lnTo>
+                    <a:pt x="0" y="0"/>
+                  </a:lnTo>
+                  <a:close/>
+                </a:path>
+              </a:pathLst>
+            </a:custGeom>
+            <a:solidFill>
+              <a:schemeClr val="accent1">
+                <a:lumMod val="50000"/>
+              </a:schemeClr>
+            </a:solidFill>
+            <a:ln>
+              <a:noFill/>
+            </a:ln>
+          </p:spPr>
+          <p:txBody>
+            <a:bodyPr/>
+            <a:lstStyle/>
+            <a:p>
+              <a:endParaRPr lang="en-US"/>
+            </a:p>
+          </p:txBody>
+        </p:sp>
+        <p:sp>
+          <p:nvSpPr>
+            <p:cNvPr id="21" name="Freeform 10">
+              <a:extLst>
+                <a:ext uri="{FF2B5EF4-FFF2-40B4-BE49-F238E27FC236}">
+                  <a16:creationId xmlns:a16="http://schemas.microsoft.com/office/drawing/2014/main" id="{2D4B81E4-BEC2-45B9-8242-EB39601830D7}"/>
+                </a:ext>
+                <a:ext uri="{C183D7F6-B498-43B3-948B-1728B52AA6E4}">
+                  <adec:decorative xmlns:adec="http://schemas.microsoft.com/office/drawing/2017/decorative" val="1"/>
+                </a:ext>
+              </a:extLst>
+            </p:cNvPr>
+            <p:cNvSpPr/>
+            <p:nvPr>
+              <p:extLst>
+                <p:ext uri="{386F3935-93C4-4BCD-93E2-E3B085C9AB24}">
+                  <p16:designElem xmlns:p16="http://schemas.microsoft.com/office/powerpoint/2015/main" val="1"/>
+                </p:ext>
+              </p:extLst>
+            </p:nvPr>
+          </p:nvSpPr>
+          <p:spPr bwMode="auto">
+            <a:xfrm>
+              <a:off x="1627188" y="5286375"/>
+              <a:ext cx="2130425" cy="1571625"/>
+            </a:xfrm>
+            <a:custGeom>
+              <a:avLst/>
+              <a:gdLst/>
+              <a:ahLst/>
+              <a:cxnLst/>
+              <a:rect l="0" t="0" r="r" b="b"/>
+              <a:pathLst>
+                <a:path w="1342" h="990">
+                  <a:moveTo>
+                    <a:pt x="0" y="3"/>
+                  </a:moveTo>
+                  <a:lnTo>
+                    <a:pt x="942" y="990"/>
+                  </a:lnTo>
+                  <a:lnTo>
+                    <a:pt x="1342" y="990"/>
+                  </a:lnTo>
+                  <a:lnTo>
+                    <a:pt x="156" y="27"/>
+                  </a:lnTo>
+                  <a:lnTo>
+                    <a:pt x="0" y="0"/>
+                  </a:lnTo>
+                  <a:lnTo>
+                    <a:pt x="0" y="3"/>
+                  </a:lnTo>
+                  <a:close/>
+                </a:path>
+              </a:pathLst>
+            </a:custGeom>
+            <a:solidFill>
+              <a:schemeClr val="accent1">
+                <a:lumMod val="75000"/>
+              </a:schemeClr>
+            </a:solidFill>
+            <a:ln>
+              <a:noFill/>
+            </a:ln>
+          </p:spPr>
+          <p:txBody>
+            <a:bodyPr/>
+            <a:lstStyle/>
+            <a:p>
+              <a:endParaRPr lang="en-US"/>
+            </a:p>
+          </p:txBody>
+        </p:sp>
+        <p:sp>
+          <p:nvSpPr>
+            <p:cNvPr id="22" name="Freeform 11">
+              <a:extLst>
+                <a:ext uri="{FF2B5EF4-FFF2-40B4-BE49-F238E27FC236}">
+                  <a16:creationId xmlns:a16="http://schemas.microsoft.com/office/drawing/2014/main" id="{3CF69791-86E8-4D88-B224-E0D2775DC03F}"/>
+                </a:ext>
+                <a:ext uri="{C183D7F6-B498-43B3-948B-1728B52AA6E4}">
+                  <adec:decorative xmlns:adec="http://schemas.microsoft.com/office/drawing/2017/decorative" val="1"/>
+                </a:ext>
+              </a:extLst>
+            </p:cNvPr>
+            <p:cNvSpPr/>
+            <p:nvPr>
+              <p:extLst>
+                <p:ext uri="{386F3935-93C4-4BCD-93E2-E3B085C9AB24}">
+                  <p16:designElem xmlns:p16="http://schemas.microsoft.com/office/powerpoint/2015/main" val="1"/>
+                </p:ext>
+              </p:extLst>
+            </p:nvPr>
+          </p:nvSpPr>
+          <p:spPr bwMode="auto">
+            <a:xfrm>
+              <a:off x="1320800" y="5238750"/>
+              <a:ext cx="1695450" cy="1619250"/>
+            </a:xfrm>
+            <a:custGeom>
+              <a:avLst/>
+              <a:gdLst/>
+              <a:ahLst/>
+              <a:cxnLst/>
+              <a:rect l="0" t="0" r="r" b="b"/>
+              <a:pathLst>
+                <a:path w="1068" h="1020">
+                  <a:moveTo>
+                    <a:pt x="1068" y="1020"/>
+                  </a:moveTo>
+                  <a:lnTo>
+                    <a:pt x="184" y="60"/>
+                  </a:lnTo>
+                  <a:lnTo>
+                    <a:pt x="154" y="27"/>
+                  </a:lnTo>
+                  <a:lnTo>
+                    <a:pt x="157" y="27"/>
+                  </a:lnTo>
+                  <a:lnTo>
+                    <a:pt x="157" y="24"/>
+                  </a:lnTo>
+                  <a:lnTo>
+                    <a:pt x="154" y="24"/>
+                  </a:lnTo>
+                  <a:lnTo>
+                    <a:pt x="0" y="0"/>
+                  </a:lnTo>
+                  <a:lnTo>
+                    <a:pt x="0" y="0"/>
+                  </a:lnTo>
+                  <a:lnTo>
+                    <a:pt x="774" y="1020"/>
+                  </a:lnTo>
+                  <a:lnTo>
+                    <a:pt x="1068" y="1020"/>
+                  </a:lnTo>
+                  <a:close/>
+                </a:path>
+              </a:pathLst>
+            </a:custGeom>
+            <a:solidFill>
+              <a:schemeClr val="tx1">
+                <a:lumMod val="75000"/>
+                <a:lumOff val="25000"/>
+              </a:schemeClr>
+            </a:solidFill>
+            <a:ln>
+              <a:noFill/>
+            </a:ln>
+          </p:spPr>
+          <p:txBody>
+            <a:bodyPr/>
+            <a:lstStyle/>
+            <a:p>
+              <a:endParaRPr lang="en-US"/>
+            </a:p>
+          </p:txBody>
+        </p:sp>
+      </p:grpSp>
       <p:sp>
         <p:nvSpPr>
           <p:cNvPr id="2" name="Title 1"/>
@@ -7449,15 +12204,23 @@
             <p:ph type="title"/>
           </p:nvPr>
         </p:nvSpPr>
-        <p:spPr/>
-        <p:txBody>
-          <a:bodyPr/>
+        <p:spPr>
+          <a:xfrm>
+            <a:off x="2971799" y="685800"/>
+            <a:ext cx="5509418" cy="1413933"/>
+          </a:xfrm>
+        </p:spPr>
+        <p:txBody>
+          <a:bodyPr>
+            <a:normAutofit/>
+          </a:bodyPr>
           <a:lstStyle/>
           <a:p>
             <a:r>
-              <a:rPr lang="en-US" dirty="0"/>
+              <a:rPr lang="en-US"/>
               <a:t>Customized Error Handling</a:t>
             </a:r>
+            <a:endParaRPr lang="en-US" dirty="0"/>
           </a:p>
         </p:txBody>
       </p:sp>
@@ -7471,9 +12234,16 @@
             <p:ph idx="1"/>
           </p:nvPr>
         </p:nvSpPr>
-        <p:spPr/>
-        <p:txBody>
-          <a:bodyPr/>
+        <p:spPr>
+          <a:xfrm>
+            <a:off x="2882900" y="2048933"/>
+            <a:ext cx="5744367" cy="3742267"/>
+          </a:xfrm>
+        </p:spPr>
+        <p:txBody>
+          <a:bodyPr>
+            <a:normAutofit/>
+          </a:bodyPr>
           <a:lstStyle/>
           <a:p>
             <a:r>
@@ -7482,9 +12252,29 @@
             </a:r>
           </a:p>
           <a:p>
+            <a:pPr lvl="1">
+              <a:buFont typeface="Wingdings" panose="05000000000000000000" pitchFamily="2" charset="2"/>
+              <a:buChar char="Ø"/>
+            </a:pPr>
+            <a:r>
+              <a:rPr lang="en-US" dirty="0"/>
+              <a:t>We used the custom exceptions when recycling a material failed, like when composting or disposing didn’t work</a:t>
+            </a:r>
+          </a:p>
+          <a:p>
             <a:r>
               <a:rPr lang="en-US" dirty="0"/>
               <a:t>Did you like using it?  Or did you feel it was overkill?</a:t>
+            </a:r>
+          </a:p>
+          <a:p>
+            <a:pPr lvl="1">
+              <a:buFont typeface="Wingdings" panose="05000000000000000000" pitchFamily="2" charset="2"/>
+              <a:buChar char="Ø"/>
+            </a:pPr>
+            <a:r>
+              <a:rPr lang="en-US" dirty="0"/>
+              <a:t>We liked using these exception due to it showing exactly what went wrong. </a:t>
             </a:r>
           </a:p>
         </p:txBody>
@@ -7558,7 +12348,9 @@
         </p:nvSpPr>
         <p:spPr/>
         <p:txBody>
-          <a:bodyPr/>
+          <a:bodyPr>
+            <a:normAutofit fontScale="85000" lnSpcReduction="20000"/>
+          </a:bodyPr>
           <a:lstStyle/>
           <a:p>
             <a:r>
@@ -7567,9 +12359,65 @@
             </a:r>
           </a:p>
           <a:p>
+            <a:pPr lvl="1">
+              <a:buFont typeface="Wingdings" panose="05000000000000000000" pitchFamily="2" charset="2"/>
+              <a:buChar char="Ø"/>
+            </a:pPr>
+            <a:r>
+              <a:rPr lang="en-US" dirty="0"/>
+              <a:t>In Gui_Info, we used file input to read data from categories.csv. This file would hold information about each interface like Binnable and Compostable that would show in the Info screen.</a:t>
+            </a:r>
+          </a:p>
+          <a:p>
+            <a:pPr lvl="1">
+              <a:buFont typeface="Wingdings" panose="05000000000000000000" pitchFamily="2" charset="2"/>
+              <a:buChar char="Ø"/>
+            </a:pPr>
+            <a:r>
+              <a:rPr lang="en-US" dirty="0"/>
+              <a:t>In our </a:t>
+            </a:r>
+            <a:r>
+              <a:rPr lang="en-US" dirty="0" err="1"/>
+              <a:t>Gui_Calculator</a:t>
+            </a:r>
+            <a:r>
+              <a:rPr lang="en-US" dirty="0"/>
+              <a:t> and </a:t>
+            </a:r>
+            <a:r>
+              <a:rPr lang="en-US" dirty="0" err="1"/>
+              <a:t>Impact_Calculator</a:t>
+            </a:r>
+            <a:r>
+              <a:rPr lang="en-US" dirty="0"/>
+              <a:t>, we used file input/output by serializing and deserializing Material objects. This allowed us to save java objects into a .txt file like plastic.txt and load them back later.</a:t>
+            </a:r>
+          </a:p>
+          <a:p>
             <a:r>
               <a:rPr lang="en-US" dirty="0"/>
               <a:t>Where did you use serialization?</a:t>
+            </a:r>
+          </a:p>
+          <a:p>
+            <a:pPr lvl="1">
+              <a:buFont typeface="Wingdings" panose="05000000000000000000" pitchFamily="2" charset="2"/>
+              <a:buChar char="Ø"/>
+            </a:pPr>
+            <a:r>
+              <a:rPr lang="en-US" dirty="0"/>
+              <a:t>We used serialization when saving material objects into .txt files.</a:t>
+            </a:r>
+          </a:p>
+          <a:p>
+            <a:pPr lvl="1">
+              <a:buFont typeface="Wingdings" panose="05000000000000000000" pitchFamily="2" charset="2"/>
+              <a:buChar char="Ø"/>
+            </a:pPr>
+            <a:r>
+              <a:rPr lang="en-US" dirty="0"/>
+              <a:t>We use deserialization when loading the objects back from the files so you could calculate impact scores in the Calculator.</a:t>
             </a:r>
           </a:p>
         </p:txBody>
@@ -7841,4 +12689,219 @@
     </a:ext>
   </a:extLst>
 </a:theme>
+</file>
+
+<file path=customXml/item1.xml><?xml version="1.0" encoding="utf-8"?>
+<ct:contentTypeSchema xmlns:ct="http://schemas.microsoft.com/office/2006/metadata/contentType" xmlns:ma="http://schemas.microsoft.com/office/2006/metadata/properties/metaAttributes" ct:_="" ma:_="" ma:contentTypeName="Document" ma:contentTypeID="0x010100FE10C0601D1FBB4C9B259D6FF057811C" ma:contentTypeVersion="6" ma:contentTypeDescription="Create a new document." ma:contentTypeScope="" ma:versionID="fc518b10c86d31da9edb6665f7df458c">
+  <xsd:schema xmlns:xsd="http://www.w3.org/2001/XMLSchema" xmlns:xs="http://www.w3.org/2001/XMLSchema" xmlns:p="http://schemas.microsoft.com/office/2006/metadata/properties" xmlns:ns3="c098679b-c0c6-4dc6-ad69-d454db763082" targetNamespace="http://schemas.microsoft.com/office/2006/metadata/properties" ma:root="true" ma:fieldsID="9082ee3b56dc22aa272630a2fde29416" ns3:_="">
+    <xsd:import namespace="c098679b-c0c6-4dc6-ad69-d454db763082"/>
+    <xsd:element name="properties">
+      <xsd:complexType>
+        <xsd:sequence>
+          <xsd:element name="documentManagement">
+            <xsd:complexType>
+              <xsd:all>
+                <xsd:element ref="ns3:MediaServiceDateTaken" minOccurs="0"/>
+                <xsd:element ref="ns3:_activity" minOccurs="0"/>
+                <xsd:element ref="ns3:MediaServiceMetadata" minOccurs="0"/>
+                <xsd:element ref="ns3:MediaServiceFastMetadata" minOccurs="0"/>
+                <xsd:element ref="ns3:MediaServiceSearchProperties" minOccurs="0"/>
+                <xsd:element ref="ns3:MediaServiceObjectDetectorVersions" minOccurs="0"/>
+              </xsd:all>
+            </xsd:complexType>
+          </xsd:element>
+        </xsd:sequence>
+      </xsd:complexType>
+    </xsd:element>
+  </xsd:schema>
+  <xsd:schema xmlns:xsd="http://www.w3.org/2001/XMLSchema" xmlns:xs="http://www.w3.org/2001/XMLSchema" xmlns:dms="http://schemas.microsoft.com/office/2006/documentManagement/types" xmlns:pc="http://schemas.microsoft.com/office/infopath/2007/PartnerControls" targetNamespace="c098679b-c0c6-4dc6-ad69-d454db763082" elementFormDefault="qualified">
+    <xsd:import namespace="http://schemas.microsoft.com/office/2006/documentManagement/types"/>
+    <xsd:import namespace="http://schemas.microsoft.com/office/infopath/2007/PartnerControls"/>
+    <xsd:element name="MediaServiceDateTaken" ma:index="8" nillable="true" ma:displayName="MediaServiceDateTaken" ma:hidden="true" ma:indexed="true" ma:internalName="MediaServiceDateTaken" ma:readOnly="true">
+      <xsd:simpleType>
+        <xsd:restriction base="dms:Text"/>
+      </xsd:simpleType>
+    </xsd:element>
+    <xsd:element name="_activity" ma:index="9" nillable="true" ma:displayName="_activity" ma:hidden="true" ma:internalName="_activity">
+      <xsd:simpleType>
+        <xsd:restriction base="dms:Note"/>
+      </xsd:simpleType>
+    </xsd:element>
+    <xsd:element name="MediaServiceMetadata" ma:index="10" nillable="true" ma:displayName="MediaServiceMetadata" ma:hidden="true" ma:internalName="MediaServiceMetadata" ma:readOnly="true">
+      <xsd:simpleType>
+        <xsd:restriction base="dms:Note"/>
+      </xsd:simpleType>
+    </xsd:element>
+    <xsd:element name="MediaServiceFastMetadata" ma:index="11" nillable="true" ma:displayName="MediaServiceFastMetadata" ma:hidden="true" ma:internalName="MediaServiceFastMetadata" ma:readOnly="true">
+      <xsd:simpleType>
+        <xsd:restriction base="dms:Note"/>
+      </xsd:simpleType>
+    </xsd:element>
+    <xsd:element name="MediaServiceSearchProperties" ma:index="12" nillable="true" ma:displayName="MediaServiceSearchProperties" ma:hidden="true" ma:internalName="MediaServiceSearchProperties" ma:readOnly="true">
+      <xsd:simpleType>
+        <xsd:restriction base="dms:Note"/>
+      </xsd:simpleType>
+    </xsd:element>
+    <xsd:element name="MediaServiceObjectDetectorVersions" ma:index="13" nillable="true" ma:displayName="MediaServiceObjectDetectorVersions" ma:hidden="true" ma:indexed="true" ma:internalName="MediaServiceObjectDetectorVersions" ma:readOnly="true">
+      <xsd:simpleType>
+        <xsd:restriction base="dms:Text"/>
+      </xsd:simpleType>
+    </xsd:element>
+  </xsd:schema>
+  <xsd:schema xmlns="http://schemas.openxmlformats.org/package/2006/metadata/core-properties" xmlns:xsd="http://www.w3.org/2001/XMLSchema" xmlns:xsi="http://www.w3.org/2001/XMLSchema-instance" xmlns:dc="http://purl.org/dc/elements/1.1/" xmlns:dcterms="http://purl.org/dc/terms/" xmlns:odoc="http://schemas.microsoft.com/internal/obd" targetNamespace="http://schemas.openxmlformats.org/package/2006/metadata/core-properties" elementFormDefault="qualified" attributeFormDefault="unqualified" blockDefault="#all">
+    <xsd:import namespace="http://purl.org/dc/elements/1.1/" schemaLocation="http://dublincore.org/schemas/xmls/qdc/2003/04/02/dc.xsd"/>
+    <xsd:import namespace="http://purl.org/dc/terms/" schemaLocation="http://dublincore.org/schemas/xmls/qdc/2003/04/02/dcterms.xsd"/>
+    <xsd:element name="coreProperties" type="CT_coreProperties"/>
+    <xsd:complexType name="CT_coreProperties">
+      <xsd:all>
+        <xsd:element ref="dc:creator" minOccurs="0" maxOccurs="1"/>
+        <xsd:element ref="dcterms:created" minOccurs="0" maxOccurs="1"/>
+        <xsd:element ref="dc:identifier" minOccurs="0" maxOccurs="1"/>
+        <xsd:element name="contentType" minOccurs="0" maxOccurs="1" type="xsd:string" ma:index="0" ma:displayName="Content Type"/>
+        <xsd:element ref="dc:title" minOccurs="0" maxOccurs="1" ma:index="4" ma:displayName="Title"/>
+        <xsd:element ref="dc:subject" minOccurs="0" maxOccurs="1"/>
+        <xsd:element ref="dc:description" minOccurs="0" maxOccurs="1"/>
+        <xsd:element name="keywords" minOccurs="0" maxOccurs="1" type="xsd:string"/>
+        <xsd:element ref="dc:language" minOccurs="0" maxOccurs="1"/>
+        <xsd:element name="category" minOccurs="0" maxOccurs="1" type="xsd:string"/>
+        <xsd:element name="version" minOccurs="0" maxOccurs="1" type="xsd:string"/>
+        <xsd:element name="revision" minOccurs="0" maxOccurs="1" type="xsd:string">
+          <xsd:annotation>
+            <xsd:documentation>
+                        This value indicates the number of saves or revisions. The application is responsible for updating this value after each revision.
+                    </xsd:documentation>
+          </xsd:annotation>
+        </xsd:element>
+        <xsd:element name="lastModifiedBy" minOccurs="0" maxOccurs="1" type="xsd:string"/>
+        <xsd:element ref="dcterms:modified" minOccurs="0" maxOccurs="1"/>
+        <xsd:element name="contentStatus" minOccurs="0" maxOccurs="1" type="xsd:string"/>
+      </xsd:all>
+    </xsd:complexType>
+  </xsd:schema>
+  <xs:schema xmlns:pc="http://schemas.microsoft.com/office/infopath/2007/PartnerControls" xmlns:xs="http://www.w3.org/2001/XMLSchema" targetNamespace="http://schemas.microsoft.com/office/infopath/2007/PartnerControls" elementFormDefault="qualified" attributeFormDefault="unqualified">
+    <xs:element name="Person">
+      <xs:complexType>
+        <xs:sequence>
+          <xs:element ref="pc:DisplayName" minOccurs="0"/>
+          <xs:element ref="pc:AccountId" minOccurs="0"/>
+          <xs:element ref="pc:AccountType" minOccurs="0"/>
+        </xs:sequence>
+      </xs:complexType>
+    </xs:element>
+    <xs:element name="DisplayName" type="xs:string"/>
+    <xs:element name="AccountId" type="xs:string"/>
+    <xs:element name="AccountType" type="xs:string"/>
+    <xs:element name="BDCAssociatedEntity">
+      <xs:complexType>
+        <xs:sequence>
+          <xs:element ref="pc:BDCEntity" minOccurs="0" maxOccurs="unbounded"/>
+        </xs:sequence>
+        <xs:attribute ref="pc:EntityNamespace"/>
+        <xs:attribute ref="pc:EntityName"/>
+        <xs:attribute ref="pc:SystemInstanceName"/>
+        <xs:attribute ref="pc:AssociationName"/>
+      </xs:complexType>
+    </xs:element>
+    <xs:attribute name="EntityNamespace" type="xs:string"/>
+    <xs:attribute name="EntityName" type="xs:string"/>
+    <xs:attribute name="SystemInstanceName" type="xs:string"/>
+    <xs:attribute name="AssociationName" type="xs:string"/>
+    <xs:element name="BDCEntity">
+      <xs:complexType>
+        <xs:sequence>
+          <xs:element ref="pc:EntityDisplayName" minOccurs="0"/>
+          <xs:element ref="pc:EntityInstanceReference" minOccurs="0"/>
+          <xs:element ref="pc:EntityId1" minOccurs="0"/>
+          <xs:element ref="pc:EntityId2" minOccurs="0"/>
+          <xs:element ref="pc:EntityId3" minOccurs="0"/>
+          <xs:element ref="pc:EntityId4" minOccurs="0"/>
+          <xs:element ref="pc:EntityId5" minOccurs="0"/>
+        </xs:sequence>
+      </xs:complexType>
+    </xs:element>
+    <xs:element name="EntityDisplayName" type="xs:string"/>
+    <xs:element name="EntityInstanceReference" type="xs:string"/>
+    <xs:element name="EntityId1" type="xs:string"/>
+    <xs:element name="EntityId2" type="xs:string"/>
+    <xs:element name="EntityId3" type="xs:string"/>
+    <xs:element name="EntityId4" type="xs:string"/>
+    <xs:element name="EntityId5" type="xs:string"/>
+    <xs:element name="Terms">
+      <xs:complexType>
+        <xs:sequence>
+          <xs:element ref="pc:TermInfo" minOccurs="0" maxOccurs="unbounded"/>
+        </xs:sequence>
+      </xs:complexType>
+    </xs:element>
+    <xs:element name="TermInfo">
+      <xs:complexType>
+        <xs:sequence>
+          <xs:element ref="pc:TermName" minOccurs="0"/>
+          <xs:element ref="pc:TermId" minOccurs="0"/>
+        </xs:sequence>
+      </xs:complexType>
+    </xs:element>
+    <xs:element name="TermName" type="xs:string"/>
+    <xs:element name="TermId" type="xs:string"/>
+  </xs:schema>
+</ct:contentTypeSchema>
+</file>
+
+<file path=customXml/item2.xml><?xml version="1.0" encoding="utf-8"?>
+<?mso-contentType ?>
+<FormTemplates xmlns="http://schemas.microsoft.com/sharepoint/v3/contenttype/forms">
+  <Display>DocumentLibraryForm</Display>
+  <Edit>DocumentLibraryForm</Edit>
+  <New>DocumentLibraryForm</New>
+</FormTemplates>
+</file>
+
+<file path=customXml/item3.xml><?xml version="1.0" encoding="utf-8"?>
+<p:properties xmlns:p="http://schemas.microsoft.com/office/2006/metadata/properties" xmlns:xsi="http://www.w3.org/2001/XMLSchema-instance" xmlns:pc="http://schemas.microsoft.com/office/infopath/2007/PartnerControls">
+  <documentManagement>
+    <_activity xmlns="c098679b-c0c6-4dc6-ad69-d454db763082" xsi:nil="true"/>
+  </documentManagement>
+</p:properties>
+</file>
+
+<file path=customXml/itemProps1.xml><?xml version="1.0" encoding="utf-8"?>
+<ds:datastoreItem xmlns:ds="http://schemas.openxmlformats.org/officeDocument/2006/customXml" ds:itemID="{03872399-E73C-41D0-8F12-C72A5FF58648}">
+  <ds:schemaRefs>
+    <ds:schemaRef ds:uri="http://schemas.microsoft.com/office/2006/metadata/contentType"/>
+    <ds:schemaRef ds:uri="http://schemas.microsoft.com/office/2006/metadata/properties/metaAttributes"/>
+    <ds:schemaRef ds:uri="http://www.w3.org/2001/XMLSchema"/>
+    <ds:schemaRef ds:uri="http://schemas.microsoft.com/office/2006/metadata/properties"/>
+    <ds:schemaRef ds:uri="c098679b-c0c6-4dc6-ad69-d454db763082"/>
+    <ds:schemaRef ds:uri="http://schemas.microsoft.com/office/2006/documentManagement/types"/>
+    <ds:schemaRef ds:uri="http://schemas.microsoft.com/office/infopath/2007/PartnerControls"/>
+    <ds:schemaRef ds:uri="http://schemas.openxmlformats.org/package/2006/metadata/core-properties"/>
+    <ds:schemaRef ds:uri="http://purl.org/dc/elements/1.1/"/>
+    <ds:schemaRef ds:uri="http://purl.org/dc/terms/"/>
+    <ds:schemaRef ds:uri="http://schemas.microsoft.com/internal/obd"/>
+  </ds:schemaRefs>
+</ds:datastoreItem>
+</file>
+
+<file path=customXml/itemProps2.xml><?xml version="1.0" encoding="utf-8"?>
+<ds:datastoreItem xmlns:ds="http://schemas.openxmlformats.org/officeDocument/2006/customXml" ds:itemID="{40D75DC9-AE00-4C5B-BD30-C9A5485B65F4}">
+  <ds:schemaRefs>
+    <ds:schemaRef ds:uri="http://schemas.microsoft.com/sharepoint/v3/contenttype/forms"/>
+  </ds:schemaRefs>
+</ds:datastoreItem>
+</file>
+
+<file path=customXml/itemProps3.xml><?xml version="1.0" encoding="utf-8"?>
+<ds:datastoreItem xmlns:ds="http://schemas.openxmlformats.org/officeDocument/2006/customXml" ds:itemID="{41186AF6-C350-4A27-929C-3A2C442D93CB}">
+  <ds:schemaRefs>
+    <ds:schemaRef ds:uri="http://schemas.openxmlformats.org/package/2006/metadata/core-properties"/>
+    <ds:schemaRef ds:uri="http://purl.org/dc/dcmitype/"/>
+    <ds:schemaRef ds:uri="http://schemas.microsoft.com/office/2006/documentManagement/types"/>
+    <ds:schemaRef ds:uri="http://schemas.microsoft.com/office/infopath/2007/PartnerControls"/>
+    <ds:schemaRef ds:uri="http://schemas.microsoft.com/office/2006/metadata/properties"/>
+    <ds:schemaRef ds:uri="http://purl.org/dc/elements/1.1/"/>
+    <ds:schemaRef ds:uri="http://purl.org/dc/terms/"/>
+    <ds:schemaRef ds:uri="c098679b-c0c6-4dc6-ad69-d454db763082"/>
+    <ds:schemaRef ds:uri="http://www.w3.org/XML/1998/namespace"/>
+  </ds:schemaRefs>
+</ds:datastoreItem>
 </file>
--- a/Recycling Aid Presentation.pptx
+++ b/Recycling Aid Presentation.pptx
@@ -7,18 +7,21 @@
   <p:sldIdLst>
     <p:sldId id="256" r:id="rId5"/>
     <p:sldId id="266" r:id="rId6"/>
-    <p:sldId id="267" r:id="rId7"/>
-    <p:sldId id="268" r:id="rId8"/>
-    <p:sldId id="257" r:id="rId9"/>
-    <p:sldId id="258" r:id="rId10"/>
-    <p:sldId id="260" r:id="rId11"/>
-    <p:sldId id="261" r:id="rId12"/>
-    <p:sldId id="262" r:id="rId13"/>
-    <p:sldId id="269" r:id="rId14"/>
-    <p:sldId id="265" r:id="rId15"/>
-    <p:sldId id="263" r:id="rId16"/>
-    <p:sldId id="270" r:id="rId17"/>
-    <p:sldId id="264" r:id="rId18"/>
+    <p:sldId id="275" r:id="rId7"/>
+    <p:sldId id="267" r:id="rId8"/>
+    <p:sldId id="274" r:id="rId9"/>
+    <p:sldId id="268" r:id="rId10"/>
+    <p:sldId id="257" r:id="rId11"/>
+    <p:sldId id="258" r:id="rId12"/>
+    <p:sldId id="271" r:id="rId13"/>
+    <p:sldId id="260" r:id="rId14"/>
+    <p:sldId id="261" r:id="rId15"/>
+    <p:sldId id="273" r:id="rId16"/>
+    <p:sldId id="272" r:id="rId17"/>
+    <p:sldId id="269" r:id="rId18"/>
+    <p:sldId id="265" r:id="rId19"/>
+    <p:sldId id="270" r:id="rId20"/>
+    <p:sldId id="264" r:id="rId21"/>
   </p:sldIdLst>
   <p:sldSz cx="9144000" cy="6858000" type="screen4x3"/>
   <p:notesSz cx="6858000" cy="9144000"/>
@@ -139,7 +142,8 @@
 <file path=ppt/revisionInfo.xml><?xml version="1.0" encoding="utf-8"?>
 <p1510:revInfo xmlns:a="http://schemas.openxmlformats.org/drawingml/2006/main" xmlns:r="http://schemas.openxmlformats.org/officeDocument/2006/relationships" xmlns:p1510="http://schemas.microsoft.com/office/powerpoint/2015/10/main">
   <p1510:revLst>
-    <p1510:client id="{90661D26-82F9-4687-9C49-D5790027E0D1}" v="36" dt="2025-04-28T17:18:20.578"/>
+    <p1510:client id="{24F5B92F-0731-4FA6-8538-4DB3A958FF3D}" v="496" dt="2025-04-29T17:16:44.860"/>
+    <p1510:client id="{3FF2DF4E-37E1-4D3A-A0A7-902647A2B30D}" v="32" dt="2025-04-29T17:17:17.901"/>
   </p1510:revLst>
 </p1510:revInfo>
 </file>
@@ -515,7 +519,6 @@
               <a:rPr lang="en-US"/>
               <a:t>Click to edit Master title style</a:t>
             </a:r>
-            <a:endParaRPr lang="en-US" dirty="0"/>
           </a:p>
         </p:txBody>
       </p:sp>
@@ -634,7 +637,6 @@
               <a:rPr lang="en-US"/>
               <a:t>Click to edit Master subtitle style</a:t>
             </a:r>
-            <a:endParaRPr lang="en-US" dirty="0"/>
           </a:p>
         </p:txBody>
       </p:sp>
@@ -660,7 +662,7 @@
           <a:p>
             <a:fld id="{66C03C0E-3F98-4A8B-BCFE-F0C905038B8C}" type="datetimeFigureOut">
               <a:rPr lang="en-US" smtClean="0"/>
-              <a:t>4/28/2025</a:t>
+              <a:t>4/29/2025</a:t>
             </a:fld>
             <a:endParaRPr lang="en-US"/>
           </a:p>
@@ -888,7 +890,6 @@
               <a:rPr lang="en-US"/>
               <a:t>Click to edit Master title style</a:t>
             </a:r>
-            <a:endParaRPr lang="en-US" dirty="0"/>
           </a:p>
         </p:txBody>
       </p:sp>
@@ -983,7 +984,6 @@
               <a:rPr lang="en-US"/>
               <a:t>Click icon to add picture</a:t>
             </a:r>
-            <a:endParaRPr lang="en-US" dirty="0"/>
           </a:p>
         </p:txBody>
       </p:sp>
@@ -1071,7 +1071,7 @@
           <a:p>
             <a:fld id="{66C03C0E-3F98-4A8B-BCFE-F0C905038B8C}" type="datetimeFigureOut">
               <a:rPr lang="en-US" smtClean="0"/>
-              <a:t>4/28/2025</a:t>
+              <a:t>4/29/2025</a:t>
             </a:fld>
             <a:endParaRPr lang="en-US"/>
           </a:p>
@@ -1179,7 +1179,6 @@
               <a:rPr lang="en-US"/>
               <a:t>Click to edit Master title style</a:t>
             </a:r>
-            <a:endParaRPr lang="en-US" dirty="0"/>
           </a:p>
         </p:txBody>
       </p:sp>
@@ -1319,7 +1318,7 @@
           <a:p>
             <a:fld id="{66C03C0E-3F98-4A8B-BCFE-F0C905038B8C}" type="datetimeFigureOut">
               <a:rPr lang="en-US" smtClean="0"/>
-              <a:t>4/28/2025</a:t>
+              <a:t>4/29/2025</a:t>
             </a:fld>
             <a:endParaRPr lang="en-US"/>
           </a:p>
@@ -1502,7 +1501,7 @@
           <a:p>
             <a:pPr lvl="0"/>
             <a:r>
-              <a:rPr lang="en-US" sz="8000" dirty="0">
+              <a:rPr lang="en-US" sz="8000">
                 <a:solidFill>
                   <a:schemeClr val="tx1"/>
                 </a:solidFill>
@@ -1618,7 +1617,7 @@
           <a:p>
             <a:pPr lvl="0" algn="r"/>
             <a:r>
-              <a:rPr lang="en-US" sz="8000" dirty="0">
+              <a:rPr lang="en-US" sz="8000">
                 <a:solidFill>
                   <a:schemeClr val="tx1"/>
                 </a:solidFill>
@@ -1663,7 +1662,6 @@
               <a:rPr lang="en-US"/>
               <a:t>Click to edit Master title style</a:t>
             </a:r>
-            <a:endParaRPr lang="en-US" dirty="0"/>
           </a:p>
         </p:txBody>
       </p:sp>
@@ -1859,7 +1857,7 @@
           <a:p>
             <a:fld id="{66C03C0E-3F98-4A8B-BCFE-F0C905038B8C}" type="datetimeFigureOut">
               <a:rPr lang="en-US" smtClean="0"/>
-              <a:t>4/28/2025</a:t>
+              <a:t>4/29/2025</a:t>
             </a:fld>
             <a:endParaRPr lang="en-US"/>
           </a:p>
@@ -1967,7 +1965,6 @@
               <a:rPr lang="en-US"/>
               <a:t>Click to edit Master title style</a:t>
             </a:r>
-            <a:endParaRPr lang="en-US" dirty="0"/>
           </a:p>
         </p:txBody>
       </p:sp>
@@ -2107,7 +2104,7 @@
           <a:p>
             <a:fld id="{66C03C0E-3F98-4A8B-BCFE-F0C905038B8C}" type="datetimeFigureOut">
               <a:rPr lang="en-US" smtClean="0"/>
-              <a:t>4/28/2025</a:t>
+              <a:t>4/29/2025</a:t>
             </a:fld>
             <a:endParaRPr lang="en-US"/>
           </a:p>
@@ -2290,7 +2287,7 @@
           <a:p>
             <a:pPr lvl="0"/>
             <a:r>
-              <a:rPr lang="en-US" sz="8000" dirty="0">
+              <a:rPr lang="en-US" sz="8000">
                 <a:solidFill>
                   <a:schemeClr val="tx1"/>
                 </a:solidFill>
@@ -2406,7 +2403,7 @@
           <a:p>
             <a:pPr lvl="0" algn="r"/>
             <a:r>
-              <a:rPr lang="en-US" sz="8000" dirty="0">
+              <a:rPr lang="en-US" sz="8000">
                 <a:solidFill>
                   <a:schemeClr val="tx1"/>
                 </a:solidFill>
@@ -2451,7 +2448,6 @@
               <a:rPr lang="en-US"/>
               <a:t>Click to edit Master title style</a:t>
             </a:r>
-            <a:endParaRPr lang="en-US" dirty="0"/>
           </a:p>
         </p:txBody>
       </p:sp>
@@ -2639,7 +2635,7 @@
           <a:p>
             <a:fld id="{66C03C0E-3F98-4A8B-BCFE-F0C905038B8C}" type="datetimeFigureOut">
               <a:rPr lang="en-US" smtClean="0"/>
-              <a:t>4/28/2025</a:t>
+              <a:t>4/29/2025</a:t>
             </a:fld>
             <a:endParaRPr lang="en-US"/>
           </a:p>
@@ -2748,7 +2744,6 @@
               <a:rPr lang="en-US"/>
               <a:t>Click to edit Master title style</a:t>
             </a:r>
-            <a:endParaRPr lang="en-US" dirty="0"/>
           </a:p>
         </p:txBody>
       </p:sp>
@@ -2936,7 +2931,7 @@
           <a:p>
             <a:fld id="{66C03C0E-3F98-4A8B-BCFE-F0C905038B8C}" type="datetimeFigureOut">
               <a:rPr lang="en-US" smtClean="0"/>
-              <a:t>4/28/2025</a:t>
+              <a:t>4/29/2025</a:t>
             </a:fld>
             <a:endParaRPr lang="en-US"/>
           </a:p>
@@ -3037,7 +3032,6 @@
               <a:rPr lang="en-US"/>
               <a:t>Click to edit Master title style</a:t>
             </a:r>
-            <a:endParaRPr lang="en-US" dirty="0"/>
           </a:p>
         </p:txBody>
       </p:sp>
@@ -3089,7 +3083,6 @@
               <a:rPr lang="en-US"/>
               <a:t>Fifth level</a:t>
             </a:r>
-            <a:endParaRPr lang="en-US" dirty="0"/>
           </a:p>
         </p:txBody>
       </p:sp>
@@ -3110,7 +3103,7 @@
           <a:p>
             <a:fld id="{66C03C0E-3F98-4A8B-BCFE-F0C905038B8C}" type="datetimeFigureOut">
               <a:rPr lang="en-US" smtClean="0"/>
-              <a:t>4/28/2025</a:t>
+              <a:t>4/29/2025</a:t>
             </a:fld>
             <a:endParaRPr lang="en-US"/>
           </a:p>
@@ -3212,7 +3205,6 @@
               <a:rPr lang="en-US"/>
               <a:t>Click to edit Master title style</a:t>
             </a:r>
-            <a:endParaRPr lang="en-US" dirty="0"/>
           </a:p>
         </p:txBody>
       </p:sp>
@@ -3269,7 +3261,6 @@
               <a:rPr lang="en-US"/>
               <a:t>Fifth level</a:t>
             </a:r>
-            <a:endParaRPr lang="en-US" dirty="0"/>
           </a:p>
         </p:txBody>
       </p:sp>
@@ -3290,7 +3281,7 @@
           <a:p>
             <a:fld id="{66C03C0E-3F98-4A8B-BCFE-F0C905038B8C}" type="datetimeFigureOut">
               <a:rPr lang="en-US" smtClean="0"/>
-              <a:t>4/28/2025</a:t>
+              <a:t>4/29/2025</a:t>
             </a:fld>
             <a:endParaRPr lang="en-US"/>
           </a:p>
@@ -3392,7 +3383,6 @@
               <a:rPr lang="en-US"/>
               <a:t>Click to edit Master title style</a:t>
             </a:r>
-            <a:endParaRPr lang="en-US" dirty="0"/>
           </a:p>
         </p:txBody>
       </p:sp>
@@ -3449,7 +3439,6 @@
               <a:rPr lang="en-US"/>
               <a:t>Fifth level</a:t>
             </a:r>
-            <a:endParaRPr lang="en-US" dirty="0"/>
           </a:p>
         </p:txBody>
       </p:sp>
@@ -3475,7 +3464,7 @@
           <a:p>
             <a:fld id="{66C03C0E-3F98-4A8B-BCFE-F0C905038B8C}" type="datetimeFigureOut">
               <a:rPr lang="en-US" smtClean="0"/>
-              <a:t>4/28/2025</a:t>
+              <a:t>4/29/2025</a:t>
             </a:fld>
             <a:endParaRPr lang="en-US"/>
           </a:p>
@@ -3591,7 +3580,6 @@
               <a:rPr lang="en-US"/>
               <a:t>Click to edit Master title style</a:t>
             </a:r>
-            <a:endParaRPr lang="en-US" dirty="0"/>
           </a:p>
         </p:txBody>
       </p:sp>
@@ -3731,7 +3719,7 @@
           <a:p>
             <a:fld id="{66C03C0E-3F98-4A8B-BCFE-F0C905038B8C}" type="datetimeFigureOut">
               <a:rPr lang="en-US" smtClean="0"/>
-              <a:t>4/28/2025</a:t>
+              <a:t>4/29/2025</a:t>
             </a:fld>
             <a:endParaRPr lang="en-US"/>
           </a:p>
@@ -3838,7 +3826,6 @@
               <a:rPr lang="en-US"/>
               <a:t>Click to edit Master title style</a:t>
             </a:r>
-            <a:endParaRPr lang="en-US" dirty="0"/>
           </a:p>
         </p:txBody>
       </p:sp>
@@ -3925,7 +3912,6 @@
               <a:rPr lang="en-US"/>
               <a:t>Fifth level</a:t>
             </a:r>
-            <a:endParaRPr lang="en-US" dirty="0"/>
           </a:p>
         </p:txBody>
       </p:sp>
@@ -4012,7 +3998,6 @@
               <a:rPr lang="en-US"/>
               <a:t>Fifth level</a:t>
             </a:r>
-            <a:endParaRPr lang="en-US" dirty="0"/>
           </a:p>
         </p:txBody>
       </p:sp>
@@ -4033,7 +4018,7 @@
           <a:p>
             <a:fld id="{66C03C0E-3F98-4A8B-BCFE-F0C905038B8C}" type="datetimeFigureOut">
               <a:rPr lang="en-US" smtClean="0"/>
-              <a:t>4/28/2025</a:t>
+              <a:t>4/29/2025</a:t>
             </a:fld>
             <a:endParaRPr lang="en-US"/>
           </a:p>
@@ -4134,7 +4119,6 @@
               <a:rPr lang="en-US"/>
               <a:t>Click to edit Master title style</a:t>
             </a:r>
-            <a:endParaRPr lang="en-US" dirty="0"/>
           </a:p>
         </p:txBody>
       </p:sp>
@@ -4294,7 +4278,6 @@
               <a:rPr lang="en-US"/>
               <a:t>Fifth level</a:t>
             </a:r>
-            <a:endParaRPr lang="en-US" dirty="0"/>
           </a:p>
         </p:txBody>
       </p:sp>
@@ -4454,7 +4437,6 @@
               <a:rPr lang="en-US"/>
               <a:t>Fifth level</a:t>
             </a:r>
-            <a:endParaRPr lang="en-US" dirty="0"/>
           </a:p>
         </p:txBody>
       </p:sp>
@@ -4475,7 +4457,7 @@
           <a:p>
             <a:fld id="{66C03C0E-3F98-4A8B-BCFE-F0C905038B8C}" type="datetimeFigureOut">
               <a:rPr lang="en-US" smtClean="0"/>
-              <a:t>4/28/2025</a:t>
+              <a:t>4/29/2025</a:t>
             </a:fld>
             <a:endParaRPr lang="en-US"/>
           </a:p>
@@ -4572,7 +4554,6 @@
               <a:rPr lang="en-US"/>
               <a:t>Click to edit Master title style</a:t>
             </a:r>
-            <a:endParaRPr lang="en-US" dirty="0"/>
           </a:p>
         </p:txBody>
       </p:sp>
@@ -4593,7 +4574,7 @@
           <a:p>
             <a:fld id="{66C03C0E-3F98-4A8B-BCFE-F0C905038B8C}" type="datetimeFigureOut">
               <a:rPr lang="en-US" smtClean="0"/>
-              <a:t>4/28/2025</a:t>
+              <a:t>4/29/2025</a:t>
             </a:fld>
             <a:endParaRPr lang="en-US"/>
           </a:p>
@@ -4688,7 +4669,7 @@
           <a:p>
             <a:fld id="{66C03C0E-3F98-4A8B-BCFE-F0C905038B8C}" type="datetimeFigureOut">
               <a:rPr lang="en-US" smtClean="0"/>
-              <a:t>4/28/2025</a:t>
+              <a:t>4/29/2025</a:t>
             </a:fld>
             <a:endParaRPr lang="en-US"/>
           </a:p>
@@ -4796,7 +4777,6 @@
               <a:rPr lang="en-US"/>
               <a:t>Click to edit Master title style</a:t>
             </a:r>
-            <a:endParaRPr lang="en-US" dirty="0"/>
           </a:p>
         </p:txBody>
       </p:sp>
@@ -4883,7 +4863,6 @@
               <a:rPr lang="en-US"/>
               <a:t>Fifth level</a:t>
             </a:r>
-            <a:endParaRPr lang="en-US" dirty="0"/>
           </a:p>
         </p:txBody>
       </p:sp>
@@ -4971,7 +4950,7 @@
           <a:p>
             <a:fld id="{66C03C0E-3F98-4A8B-BCFE-F0C905038B8C}" type="datetimeFigureOut">
               <a:rPr lang="en-US" smtClean="0"/>
-              <a:t>4/28/2025</a:t>
+              <a:t>4/29/2025</a:t>
             </a:fld>
             <a:endParaRPr lang="en-US"/>
           </a:p>
@@ -5079,7 +5058,6 @@
               <a:rPr lang="en-US"/>
               <a:t>Click to edit Master title style</a:t>
             </a:r>
-            <a:endParaRPr lang="en-US" dirty="0"/>
           </a:p>
         </p:txBody>
       </p:sp>
@@ -5174,7 +5152,6 @@
               <a:rPr lang="en-US"/>
               <a:t>Click icon to add picture</a:t>
             </a:r>
-            <a:endParaRPr lang="en-US" dirty="0"/>
           </a:p>
         </p:txBody>
       </p:sp>
@@ -5262,7 +5239,7 @@
           <a:p>
             <a:fld id="{66C03C0E-3F98-4A8B-BCFE-F0C905038B8C}" type="datetimeFigureOut">
               <a:rPr lang="en-US" smtClean="0"/>
-              <a:t>4/28/2025</a:t>
+              <a:t>4/29/2025</a:t>
             </a:fld>
             <a:endParaRPr lang="en-US"/>
           </a:p>
@@ -5685,7 +5662,6 @@
               <a:rPr lang="en-US"/>
               <a:t>Click to edit Master title style</a:t>
             </a:r>
-            <a:endParaRPr lang="en-US" dirty="0"/>
           </a:p>
         </p:txBody>
       </p:sp>
@@ -5747,7 +5723,6 @@
               <a:rPr lang="en-US"/>
               <a:t>Fifth level</a:t>
             </a:r>
-            <a:endParaRPr lang="en-US" dirty="0"/>
           </a:p>
         </p:txBody>
       </p:sp>
@@ -5786,7 +5761,7 @@
           <a:p>
             <a:fld id="{66C03C0E-3F98-4A8B-BCFE-F0C905038B8C}" type="datetimeFigureOut">
               <a:rPr lang="en-US" smtClean="0"/>
-              <a:t>4/28/2025</a:t>
+              <a:t>4/29/2025</a:t>
             </a:fld>
             <a:endParaRPr lang="en-US"/>
           </a:p>
@@ -6338,10 +6313,10 @@
           <a:lstStyle/>
           <a:p>
             <a:r>
-              <a:rPr lang="en-US" dirty="0"/>
+              <a:rPr lang="en-US"/>
               <a:t>Recycling Aid</a:t>
             </a:r>
-            <a:endParaRPr lang="en-US" sz="3600" dirty="0"/>
+            <a:endParaRPr lang="en-US" sz="3600"/>
           </a:p>
         </p:txBody>
       </p:sp>
@@ -6367,14 +6342,14 @@
           <a:p>
             <a:pPr algn="ctr"/>
             <a:r>
-              <a:rPr lang="en-US" dirty="0">
+              <a:rPr lang="en-US">
                 <a:latin typeface="Times New Roman" panose="02020603050405020304" pitchFamily="18" charset="0"/>
                 <a:cs typeface="Times New Roman" panose="02020603050405020304" pitchFamily="18" charset="0"/>
               </a:rPr>
               <a:t>By </a:t>
             </a:r>
             <a:r>
-              <a:rPr lang="en-US" b="0" dirty="0">
+              <a:rPr lang="en-US" b="0">
                 <a:effectLst/>
                 <a:latin typeface="Times New Roman" panose="02020603050405020304" pitchFamily="18" charset="0"/>
                 <a:cs typeface="Times New Roman" panose="02020603050405020304" pitchFamily="18" charset="0"/>
@@ -6383,7 +6358,7 @@
             </a:r>
           </a:p>
           <a:p>
-            <a:endParaRPr lang="en-US" dirty="0"/>
+            <a:endParaRPr lang="en-US"/>
           </a:p>
         </p:txBody>
       </p:sp>
@@ -6437,3681 +6412,6 @@
 </file>
 
 <file path=ppt/slides/slide10.xml><?xml version="1.0" encoding="utf-8"?>
-<p:sld xmlns:a="http://schemas.openxmlformats.org/drawingml/2006/main" xmlns:r="http://schemas.openxmlformats.org/officeDocument/2006/relationships" xmlns:p="http://schemas.openxmlformats.org/presentationml/2006/main">
-  <p:cSld>
-    <p:bg>
-      <p:bgPr>
-        <a:blipFill rotWithShape="1">
-          <a:blip r:embed="rId2">
-            <a:duotone>
-              <a:schemeClr val="bg2">
-                <a:shade val="76000"/>
-                <a:satMod val="180000"/>
-              </a:schemeClr>
-              <a:schemeClr val="bg2">
-                <a:tint val="80000"/>
-                <a:satMod val="120000"/>
-                <a:lumMod val="180000"/>
-              </a:schemeClr>
-            </a:duotone>
-          </a:blip>
-          <a:stretch/>
-        </a:blipFill>
-        <a:effectLst/>
-      </p:bgPr>
-    </p:bg>
-    <p:spTree>
-      <p:nvGrpSpPr>
-        <p:cNvPr id="1" name=""/>
-        <p:cNvGrpSpPr/>
-        <p:nvPr/>
-      </p:nvGrpSpPr>
-      <p:grpSpPr>
-        <a:xfrm>
-          <a:off x="0" y="0"/>
-          <a:ext cx="0" cy="0"/>
-          <a:chOff x="0" y="0"/>
-          <a:chExt cx="0" cy="0"/>
-        </a:xfrm>
-      </p:grpSpPr>
-      <p:sp useBgFill="1">
-        <p:nvSpPr>
-          <p:cNvPr id="9" name="Rectangle 8">
-            <a:extLst>
-              <a:ext uri="{FF2B5EF4-FFF2-40B4-BE49-F238E27FC236}">
-                <a16:creationId xmlns:a16="http://schemas.microsoft.com/office/drawing/2014/main" id="{6AD30037-67ED-4367-9BE0-45787510BF13}"/>
-              </a:ext>
-              <a:ext uri="{C183D7F6-B498-43B3-948B-1728B52AA6E4}">
-                <adec:decorative xmlns:adec="http://schemas.microsoft.com/office/drawing/2017/decorative" val="1"/>
-              </a:ext>
-            </a:extLst>
-          </p:cNvPr>
-          <p:cNvSpPr>
-            <a:spLocks noGrp="1" noRot="1" noChangeAspect="1" noMove="1" noResize="1" noEditPoints="1" noAdjustHandles="1" noChangeArrowheads="1" noChangeShapeType="1" noTextEdit="1"/>
-          </p:cNvSpPr>
-          <p:nvPr>
-            <p:extLst>
-              <p:ext uri="{386F3935-93C4-4BCD-93E2-E3B085C9AB24}">
-                <p16:designElem xmlns:p16="http://schemas.microsoft.com/office/powerpoint/2015/main" val="1"/>
-              </p:ext>
-            </p:extLst>
-          </p:nvPr>
-        </p:nvSpPr>
-        <p:spPr>
-          <a:xfrm>
-            <a:off x="0" y="0"/>
-            <a:ext cx="9144000" cy="6858000"/>
-          </a:xfrm>
-          <a:prstGeom prst="rect">
-            <a:avLst/>
-          </a:prstGeom>
-          <a:ln>
-            <a:noFill/>
-          </a:ln>
-        </p:spPr>
-        <p:style>
-          <a:lnRef idx="2">
-            <a:schemeClr val="accent1">
-              <a:shade val="50000"/>
-            </a:schemeClr>
-          </a:lnRef>
-          <a:fillRef idx="1">
-            <a:schemeClr val="accent1"/>
-          </a:fillRef>
-          <a:effectRef idx="0">
-            <a:schemeClr val="accent1"/>
-          </a:effectRef>
-          <a:fontRef idx="minor">
-            <a:schemeClr val="lt1"/>
-          </a:fontRef>
-        </p:style>
-        <p:txBody>
-          <a:bodyPr rtlCol="0" anchor="ctr"/>
-          <a:lstStyle/>
-          <a:p>
-            <a:pPr algn="ctr"/>
-            <a:endParaRPr lang="en-US"/>
-          </a:p>
-        </p:txBody>
-      </p:sp>
-      <p:pic>
-        <p:nvPicPr>
-          <p:cNvPr id="5" name="Picture 4" descr="Piles of logs">
-            <a:extLst>
-              <a:ext uri="{FF2B5EF4-FFF2-40B4-BE49-F238E27FC236}">
-                <a16:creationId xmlns:a16="http://schemas.microsoft.com/office/drawing/2014/main" id="{B97F8D7E-ED63-8EE5-4781-9E3B530C7AB3}"/>
-              </a:ext>
-            </a:extLst>
-          </p:cNvPr>
-          <p:cNvPicPr>
-            <a:picLocks noChangeAspect="1"/>
-          </p:cNvPicPr>
-          <p:nvPr/>
-        </p:nvPicPr>
-        <p:blipFill>
-          <a:blip r:embed="rId3"/>
-          <a:srcRect l="11564" r="49753" b="-1"/>
-          <a:stretch/>
-        </p:blipFill>
-        <p:spPr>
-          <a:xfrm>
-            <a:off x="5169693" y="10"/>
-            <a:ext cx="3974307" cy="6857990"/>
-          </a:xfrm>
-          <a:custGeom>
-            <a:avLst/>
-            <a:gdLst/>
-            <a:ahLst/>
-            <a:cxnLst/>
-            <a:rect l="l" t="t" r="r" b="b"/>
-            <a:pathLst>
-              <a:path w="5299077" h="6858000">
-                <a:moveTo>
-                  <a:pt x="836871" y="0"/>
-                </a:moveTo>
-                <a:lnTo>
-                  <a:pt x="5299077" y="0"/>
-                </a:lnTo>
-                <a:lnTo>
-                  <a:pt x="5299077" y="6858000"/>
-                </a:lnTo>
-                <a:lnTo>
-                  <a:pt x="1911312" y="6858000"/>
-                </a:lnTo>
-                <a:lnTo>
-                  <a:pt x="0" y="5333999"/>
-                </a:lnTo>
-                <a:close/>
-              </a:path>
-            </a:pathLst>
-          </a:custGeom>
-        </p:spPr>
-      </p:pic>
-      <p:grpSp>
-        <p:nvGrpSpPr>
-          <p:cNvPr id="11" name="Group 10">
-            <a:extLst>
-              <a:ext uri="{FF2B5EF4-FFF2-40B4-BE49-F238E27FC236}">
-                <a16:creationId xmlns:a16="http://schemas.microsoft.com/office/drawing/2014/main" id="{50841A4E-5BC1-44B4-83CF-D524E8AEAD64}"/>
-              </a:ext>
-              <a:ext uri="{C183D7F6-B498-43B3-948B-1728B52AA6E4}">
-                <adec:decorative xmlns:adec="http://schemas.microsoft.com/office/drawing/2017/decorative" val="1"/>
-              </a:ext>
-            </a:extLst>
-          </p:cNvPr>
-          <p:cNvGrpSpPr>
-            <a:grpSpLocks noGrp="1" noUngrp="1" noRot="1" noChangeAspect="1" noMove="1" noResize="1"/>
-          </p:cNvGrpSpPr>
-          <p:nvPr>
-            <p:extLst>
-              <p:ext uri="{386F3935-93C4-4BCD-93E2-E3B085C9AB24}">
-                <p16:designElem xmlns:p16="http://schemas.microsoft.com/office/powerpoint/2015/main" val="1"/>
-              </p:ext>
-            </p:extLst>
-          </p:nvPr>
-        </p:nvGrpSpPr>
-        <p:grpSpPr>
-          <a:xfrm>
-            <a:off x="4674570" y="0"/>
-            <a:ext cx="1827609" cy="6858001"/>
-            <a:chOff x="1320800" y="0"/>
-            <a:chExt cx="2436813" cy="6858001"/>
-          </a:xfrm>
-        </p:grpSpPr>
-        <p:sp>
-          <p:nvSpPr>
-            <p:cNvPr id="12" name="Freeform 6">
-              <a:extLst>
-                <a:ext uri="{FF2B5EF4-FFF2-40B4-BE49-F238E27FC236}">
-                  <a16:creationId xmlns:a16="http://schemas.microsoft.com/office/drawing/2014/main" id="{BF371BCC-8954-44E2-8C4F-29DC188727AC}"/>
-                </a:ext>
-                <a:ext uri="{C183D7F6-B498-43B3-948B-1728B52AA6E4}">
-                  <adec:decorative xmlns:adec="http://schemas.microsoft.com/office/drawing/2017/decorative" val="1"/>
-                </a:ext>
-              </a:extLst>
-            </p:cNvPr>
-            <p:cNvSpPr/>
-            <p:nvPr>
-              <p:extLst>
-                <p:ext uri="{386F3935-93C4-4BCD-93E2-E3B085C9AB24}">
-                  <p16:designElem xmlns:p16="http://schemas.microsoft.com/office/powerpoint/2015/main" val="1"/>
-                </p:ext>
-              </p:extLst>
-            </p:nvPr>
-          </p:nvSpPr>
-          <p:spPr bwMode="auto">
-            <a:xfrm>
-              <a:off x="1627188" y="0"/>
-              <a:ext cx="1122363" cy="5329238"/>
-            </a:xfrm>
-            <a:custGeom>
-              <a:avLst/>
-              <a:gdLst/>
-              <a:ahLst/>
-              <a:cxnLst/>
-              <a:rect l="0" t="0" r="r" b="b"/>
-              <a:pathLst>
-                <a:path w="707" h="3357">
-                  <a:moveTo>
-                    <a:pt x="0" y="3330"/>
-                  </a:moveTo>
-                  <a:lnTo>
-                    <a:pt x="156" y="3357"/>
-                  </a:lnTo>
-                  <a:lnTo>
-                    <a:pt x="707" y="0"/>
-                  </a:lnTo>
-                  <a:lnTo>
-                    <a:pt x="547" y="0"/>
-                  </a:lnTo>
-                  <a:lnTo>
-                    <a:pt x="0" y="3330"/>
-                  </a:lnTo>
-                  <a:close/>
-                </a:path>
-              </a:pathLst>
-            </a:custGeom>
-            <a:solidFill>
-              <a:schemeClr val="accent1"/>
-            </a:solidFill>
-            <a:ln>
-              <a:noFill/>
-            </a:ln>
-          </p:spPr>
-          <p:txBody>
-            <a:bodyPr/>
-            <a:lstStyle/>
-            <a:p>
-              <a:endParaRPr lang="en-US"/>
-            </a:p>
-          </p:txBody>
-        </p:sp>
-        <p:sp>
-          <p:nvSpPr>
-            <p:cNvPr id="13" name="Freeform 7">
-              <a:extLst>
-                <a:ext uri="{FF2B5EF4-FFF2-40B4-BE49-F238E27FC236}">
-                  <a16:creationId xmlns:a16="http://schemas.microsoft.com/office/drawing/2014/main" id="{CD3505BE-B420-41C5-BE34-3E7652D37A5F}"/>
-                </a:ext>
-                <a:ext uri="{C183D7F6-B498-43B3-948B-1728B52AA6E4}">
-                  <adec:decorative xmlns:adec="http://schemas.microsoft.com/office/drawing/2017/decorative" val="1"/>
-                </a:ext>
-              </a:extLst>
-            </p:cNvPr>
-            <p:cNvSpPr/>
-            <p:nvPr>
-              <p:extLst>
-                <p:ext uri="{386F3935-93C4-4BCD-93E2-E3B085C9AB24}">
-                  <p16:designElem xmlns:p16="http://schemas.microsoft.com/office/powerpoint/2015/main" val="1"/>
-                </p:ext>
-              </p:extLst>
-            </p:nvPr>
-          </p:nvSpPr>
-          <p:spPr bwMode="auto">
-            <a:xfrm>
-              <a:off x="1320800" y="0"/>
-              <a:ext cx="1117600" cy="5276850"/>
-            </a:xfrm>
-            <a:custGeom>
-              <a:avLst/>
-              <a:gdLst/>
-              <a:ahLst/>
-              <a:cxnLst/>
-              <a:rect l="0" t="0" r="r" b="b"/>
-              <a:pathLst>
-                <a:path w="704" h="3324">
-                  <a:moveTo>
-                    <a:pt x="704" y="0"/>
-                  </a:moveTo>
-                  <a:lnTo>
-                    <a:pt x="545" y="0"/>
-                  </a:lnTo>
-                  <a:lnTo>
-                    <a:pt x="0" y="3300"/>
-                  </a:lnTo>
-                  <a:lnTo>
-                    <a:pt x="157" y="3324"/>
-                  </a:lnTo>
-                  <a:lnTo>
-                    <a:pt x="704" y="0"/>
-                  </a:lnTo>
-                  <a:close/>
-                </a:path>
-              </a:pathLst>
-            </a:custGeom>
-            <a:solidFill>
-              <a:schemeClr val="tx1">
-                <a:lumMod val="65000"/>
-                <a:lumOff val="35000"/>
-              </a:schemeClr>
-            </a:solidFill>
-            <a:ln>
-              <a:noFill/>
-            </a:ln>
-          </p:spPr>
-          <p:txBody>
-            <a:bodyPr/>
-            <a:lstStyle/>
-            <a:p>
-              <a:endParaRPr lang="en-US"/>
-            </a:p>
-          </p:txBody>
-        </p:sp>
-        <p:sp>
-          <p:nvSpPr>
-            <p:cNvPr id="14" name="Freeform 8">
-              <a:extLst>
-                <a:ext uri="{FF2B5EF4-FFF2-40B4-BE49-F238E27FC236}">
-                  <a16:creationId xmlns:a16="http://schemas.microsoft.com/office/drawing/2014/main" id="{4B68A05B-A78B-4D59-8CF9-1900731A2188}"/>
-                </a:ext>
-                <a:ext uri="{C183D7F6-B498-43B3-948B-1728B52AA6E4}">
-                  <adec:decorative xmlns:adec="http://schemas.microsoft.com/office/drawing/2017/decorative" val="1"/>
-                </a:ext>
-              </a:extLst>
-            </p:cNvPr>
-            <p:cNvSpPr/>
-            <p:nvPr>
-              <p:extLst>
-                <p:ext uri="{386F3935-93C4-4BCD-93E2-E3B085C9AB24}">
-                  <p16:designElem xmlns:p16="http://schemas.microsoft.com/office/powerpoint/2015/main" val="1"/>
-                </p:ext>
-              </p:extLst>
-            </p:nvPr>
-          </p:nvSpPr>
-          <p:spPr bwMode="auto">
-            <a:xfrm>
-              <a:off x="1320800" y="5238750"/>
-              <a:ext cx="1228725" cy="1619250"/>
-            </a:xfrm>
-            <a:custGeom>
-              <a:avLst/>
-              <a:gdLst/>
-              <a:ahLst/>
-              <a:cxnLst/>
-              <a:rect l="0" t="0" r="r" b="b"/>
-              <a:pathLst>
-                <a:path w="774" h="1020">
-                  <a:moveTo>
-                    <a:pt x="0" y="0"/>
-                  </a:moveTo>
-                  <a:lnTo>
-                    <a:pt x="740" y="1020"/>
-                  </a:lnTo>
-                  <a:lnTo>
-                    <a:pt x="774" y="1020"/>
-                  </a:lnTo>
-                  <a:lnTo>
-                    <a:pt x="0" y="0"/>
-                  </a:lnTo>
-                  <a:close/>
-                </a:path>
-              </a:pathLst>
-            </a:custGeom>
-            <a:solidFill>
-              <a:schemeClr val="tx1">
-                <a:lumMod val="85000"/>
-                <a:lumOff val="15000"/>
-              </a:schemeClr>
-            </a:solidFill>
-            <a:ln>
-              <a:noFill/>
-            </a:ln>
-          </p:spPr>
-          <p:txBody>
-            <a:bodyPr/>
-            <a:lstStyle/>
-            <a:p>
-              <a:endParaRPr lang="en-US"/>
-            </a:p>
-          </p:txBody>
-        </p:sp>
-        <p:sp>
-          <p:nvSpPr>
-            <p:cNvPr id="15" name="Freeform 9">
-              <a:extLst>
-                <a:ext uri="{FF2B5EF4-FFF2-40B4-BE49-F238E27FC236}">
-                  <a16:creationId xmlns:a16="http://schemas.microsoft.com/office/drawing/2014/main" id="{84D57A01-C112-4FF2-B5ED-0B762AAD9CE2}"/>
-                </a:ext>
-                <a:ext uri="{C183D7F6-B498-43B3-948B-1728B52AA6E4}">
-                  <adec:decorative xmlns:adec="http://schemas.microsoft.com/office/drawing/2017/decorative" val="1"/>
-                </a:ext>
-              </a:extLst>
-            </p:cNvPr>
-            <p:cNvSpPr/>
-            <p:nvPr>
-              <p:extLst>
-                <p:ext uri="{386F3935-93C4-4BCD-93E2-E3B085C9AB24}">
-                  <p16:designElem xmlns:p16="http://schemas.microsoft.com/office/powerpoint/2015/main" val="1"/>
-                </p:ext>
-              </p:extLst>
-            </p:nvPr>
-          </p:nvSpPr>
-          <p:spPr bwMode="auto">
-            <a:xfrm>
-              <a:off x="1627188" y="5291138"/>
-              <a:ext cx="1495425" cy="1566863"/>
-            </a:xfrm>
-            <a:custGeom>
-              <a:avLst/>
-              <a:gdLst/>
-              <a:ahLst/>
-              <a:cxnLst/>
-              <a:rect l="0" t="0" r="r" b="b"/>
-              <a:pathLst>
-                <a:path w="942" h="987">
-                  <a:moveTo>
-                    <a:pt x="0" y="0"/>
-                  </a:moveTo>
-                  <a:lnTo>
-                    <a:pt x="909" y="987"/>
-                  </a:lnTo>
-                  <a:lnTo>
-                    <a:pt x="942" y="987"/>
-                  </a:lnTo>
-                  <a:lnTo>
-                    <a:pt x="0" y="0"/>
-                  </a:lnTo>
-                  <a:close/>
-                </a:path>
-              </a:pathLst>
-            </a:custGeom>
-            <a:solidFill>
-              <a:schemeClr val="accent1">
-                <a:lumMod val="50000"/>
-              </a:schemeClr>
-            </a:solidFill>
-            <a:ln>
-              <a:noFill/>
-            </a:ln>
-          </p:spPr>
-          <p:txBody>
-            <a:bodyPr/>
-            <a:lstStyle/>
-            <a:p>
-              <a:endParaRPr lang="en-US"/>
-            </a:p>
-          </p:txBody>
-        </p:sp>
-        <p:sp>
-          <p:nvSpPr>
-            <p:cNvPr id="16" name="Freeform 10">
-              <a:extLst>
-                <a:ext uri="{FF2B5EF4-FFF2-40B4-BE49-F238E27FC236}">
-                  <a16:creationId xmlns:a16="http://schemas.microsoft.com/office/drawing/2014/main" id="{6CCCCDF1-5D4F-4CA1-8400-DFBB96BB011D}"/>
-                </a:ext>
-                <a:ext uri="{C183D7F6-B498-43B3-948B-1728B52AA6E4}">
-                  <adec:decorative xmlns:adec="http://schemas.microsoft.com/office/drawing/2017/decorative" val="1"/>
-                </a:ext>
-              </a:extLst>
-            </p:cNvPr>
-            <p:cNvSpPr/>
-            <p:nvPr>
-              <p:extLst>
-                <p:ext uri="{386F3935-93C4-4BCD-93E2-E3B085C9AB24}">
-                  <p16:designElem xmlns:p16="http://schemas.microsoft.com/office/powerpoint/2015/main" val="1"/>
-                </p:ext>
-              </p:extLst>
-            </p:nvPr>
-          </p:nvSpPr>
-          <p:spPr bwMode="auto">
-            <a:xfrm>
-              <a:off x="1627188" y="5286375"/>
-              <a:ext cx="2130425" cy="1571625"/>
-            </a:xfrm>
-            <a:custGeom>
-              <a:avLst/>
-              <a:gdLst/>
-              <a:ahLst/>
-              <a:cxnLst/>
-              <a:rect l="0" t="0" r="r" b="b"/>
-              <a:pathLst>
-                <a:path w="1342" h="990">
-                  <a:moveTo>
-                    <a:pt x="0" y="3"/>
-                  </a:moveTo>
-                  <a:lnTo>
-                    <a:pt x="942" y="990"/>
-                  </a:lnTo>
-                  <a:lnTo>
-                    <a:pt x="1342" y="990"/>
-                  </a:lnTo>
-                  <a:lnTo>
-                    <a:pt x="156" y="27"/>
-                  </a:lnTo>
-                  <a:lnTo>
-                    <a:pt x="0" y="0"/>
-                  </a:lnTo>
-                  <a:lnTo>
-                    <a:pt x="0" y="3"/>
-                  </a:lnTo>
-                  <a:close/>
-                </a:path>
-              </a:pathLst>
-            </a:custGeom>
-            <a:solidFill>
-              <a:schemeClr val="accent1">
-                <a:lumMod val="75000"/>
-              </a:schemeClr>
-            </a:solidFill>
-            <a:ln>
-              <a:noFill/>
-            </a:ln>
-          </p:spPr>
-          <p:txBody>
-            <a:bodyPr/>
-            <a:lstStyle/>
-            <a:p>
-              <a:endParaRPr lang="en-US"/>
-            </a:p>
-          </p:txBody>
-        </p:sp>
-        <p:sp>
-          <p:nvSpPr>
-            <p:cNvPr id="17" name="Freeform 11">
-              <a:extLst>
-                <a:ext uri="{FF2B5EF4-FFF2-40B4-BE49-F238E27FC236}">
-                  <a16:creationId xmlns:a16="http://schemas.microsoft.com/office/drawing/2014/main" id="{20A090B2-5344-43CD-BC70-A6D44F15E800}"/>
-                </a:ext>
-                <a:ext uri="{C183D7F6-B498-43B3-948B-1728B52AA6E4}">
-                  <adec:decorative xmlns:adec="http://schemas.microsoft.com/office/drawing/2017/decorative" val="1"/>
-                </a:ext>
-              </a:extLst>
-            </p:cNvPr>
-            <p:cNvSpPr/>
-            <p:nvPr>
-              <p:extLst>
-                <p:ext uri="{386F3935-93C4-4BCD-93E2-E3B085C9AB24}">
-                  <p16:designElem xmlns:p16="http://schemas.microsoft.com/office/powerpoint/2015/main" val="1"/>
-                </p:ext>
-              </p:extLst>
-            </p:nvPr>
-          </p:nvSpPr>
-          <p:spPr bwMode="auto">
-            <a:xfrm>
-              <a:off x="1320800" y="5238750"/>
-              <a:ext cx="1695450" cy="1619250"/>
-            </a:xfrm>
-            <a:custGeom>
-              <a:avLst/>
-              <a:gdLst/>
-              <a:ahLst/>
-              <a:cxnLst/>
-              <a:rect l="0" t="0" r="r" b="b"/>
-              <a:pathLst>
-                <a:path w="1068" h="1020">
-                  <a:moveTo>
-                    <a:pt x="1068" y="1020"/>
-                  </a:moveTo>
-                  <a:lnTo>
-                    <a:pt x="184" y="60"/>
-                  </a:lnTo>
-                  <a:lnTo>
-                    <a:pt x="154" y="27"/>
-                  </a:lnTo>
-                  <a:lnTo>
-                    <a:pt x="157" y="27"/>
-                  </a:lnTo>
-                  <a:lnTo>
-                    <a:pt x="157" y="24"/>
-                  </a:lnTo>
-                  <a:lnTo>
-                    <a:pt x="154" y="24"/>
-                  </a:lnTo>
-                  <a:lnTo>
-                    <a:pt x="0" y="0"/>
-                  </a:lnTo>
-                  <a:lnTo>
-                    <a:pt x="0" y="0"/>
-                  </a:lnTo>
-                  <a:lnTo>
-                    <a:pt x="774" y="1020"/>
-                  </a:lnTo>
-                  <a:lnTo>
-                    <a:pt x="1068" y="1020"/>
-                  </a:lnTo>
-                  <a:close/>
-                </a:path>
-              </a:pathLst>
-            </a:custGeom>
-            <a:solidFill>
-              <a:schemeClr val="tx1">
-                <a:lumMod val="75000"/>
-                <a:lumOff val="25000"/>
-              </a:schemeClr>
-            </a:solidFill>
-            <a:ln>
-              <a:noFill/>
-            </a:ln>
-          </p:spPr>
-          <p:txBody>
-            <a:bodyPr/>
-            <a:lstStyle/>
-            <a:p>
-              <a:endParaRPr lang="en-US"/>
-            </a:p>
-          </p:txBody>
-        </p:sp>
-      </p:grpSp>
-      <p:sp>
-        <p:nvSpPr>
-          <p:cNvPr id="2" name="Title 1">
-            <a:extLst>
-              <a:ext uri="{FF2B5EF4-FFF2-40B4-BE49-F238E27FC236}">
-                <a16:creationId xmlns:a16="http://schemas.microsoft.com/office/drawing/2014/main" id="{5FCA342B-FF04-4FCB-A58F-DD28838BD1EF}"/>
-              </a:ext>
-            </a:extLst>
-          </p:cNvPr>
-          <p:cNvSpPr>
-            <a:spLocks noGrp="1"/>
-          </p:cNvSpPr>
-          <p:nvPr>
-            <p:ph type="title"/>
-          </p:nvPr>
-        </p:nvSpPr>
-        <p:spPr>
-          <a:xfrm>
-            <a:off x="729060" y="685800"/>
-            <a:ext cx="3945510" cy="1752599"/>
-          </a:xfrm>
-        </p:spPr>
-        <p:txBody>
-          <a:bodyPr>
-            <a:normAutofit/>
-          </a:bodyPr>
-          <a:lstStyle/>
-          <a:p>
-            <a:pPr algn="l"/>
-            <a:r>
-              <a:rPr lang="en-US" dirty="0"/>
-              <a:t>Use of logging</a:t>
-            </a:r>
-            <a:endParaRPr lang="en-US"/>
-          </a:p>
-        </p:txBody>
-      </p:sp>
-      <p:sp>
-        <p:nvSpPr>
-          <p:cNvPr id="3" name="Content Placeholder 2">
-            <a:extLst>
-              <a:ext uri="{FF2B5EF4-FFF2-40B4-BE49-F238E27FC236}">
-                <a16:creationId xmlns:a16="http://schemas.microsoft.com/office/drawing/2014/main" id="{60C822AF-792F-404C-9DD2-AC1752FEEDCA}"/>
-              </a:ext>
-            </a:extLst>
-          </p:cNvPr>
-          <p:cNvSpPr>
-            <a:spLocks noGrp="1"/>
-          </p:cNvSpPr>
-          <p:nvPr>
-            <p:ph idx="1"/>
-          </p:nvPr>
-        </p:nvSpPr>
-        <p:spPr>
-          <a:xfrm>
-            <a:off x="482601" y="2666999"/>
-            <a:ext cx="3945510" cy="3124201"/>
-          </a:xfrm>
-        </p:spPr>
-        <p:txBody>
-          <a:bodyPr>
-            <a:normAutofit/>
-          </a:bodyPr>
-          <a:lstStyle/>
-          <a:p>
-            <a:pPr>
-              <a:lnSpc>
-                <a:spcPct val="90000"/>
-              </a:lnSpc>
-            </a:pPr>
-            <a:r>
-              <a:rPr lang="en-US" sz="1400" dirty="0"/>
-              <a:t>How and where did you use logging?</a:t>
-            </a:r>
-          </a:p>
-          <a:p>
-            <a:pPr lvl="1">
-              <a:lnSpc>
-                <a:spcPct val="90000"/>
-              </a:lnSpc>
-              <a:buFont typeface="Wingdings" panose="05000000000000000000" pitchFamily="2" charset="2"/>
-              <a:buChar char="Ø"/>
-            </a:pPr>
-            <a:r>
-              <a:rPr lang="en-US" sz="1400" dirty="0"/>
-              <a:t>We used logging in our project to create a logger object called </a:t>
-            </a:r>
-            <a:r>
-              <a:rPr lang="en-US" sz="1400" dirty="0" err="1"/>
-              <a:t>Gui.L</a:t>
-            </a:r>
-            <a:r>
-              <a:rPr lang="en-US" sz="1400" dirty="0"/>
-              <a:t>. An example of where we use logging is in </a:t>
-            </a:r>
-            <a:r>
-              <a:rPr lang="en-US" sz="1400" dirty="0" err="1"/>
-              <a:t>Gui_Game</a:t>
-            </a:r>
-            <a:r>
-              <a:rPr lang="en-US" sz="1400" dirty="0"/>
-              <a:t> to log messages when buttons were clicked. This was used to help track users' actions.</a:t>
-            </a:r>
-          </a:p>
-          <a:p>
-            <a:pPr>
-              <a:lnSpc>
-                <a:spcPct val="90000"/>
-              </a:lnSpc>
-            </a:pPr>
-            <a:r>
-              <a:rPr lang="en-US" sz="1400" dirty="0"/>
-              <a:t>Why did you implement this way?</a:t>
-            </a:r>
-          </a:p>
-          <a:p>
-            <a:pPr lvl="1">
-              <a:lnSpc>
-                <a:spcPct val="90000"/>
-              </a:lnSpc>
-              <a:buFont typeface="Wingdings" panose="05000000000000000000" pitchFamily="2" charset="2"/>
-              <a:buChar char="Ø"/>
-            </a:pPr>
-            <a:r>
-              <a:rPr lang="en-US" sz="1400" dirty="0"/>
-              <a:t>We used logging this way because it was an easier way to see what a user what doing during the program and if any issues were occurring because of those actions.</a:t>
-            </a:r>
-          </a:p>
-        </p:txBody>
-      </p:sp>
-    </p:spTree>
-    <p:extLst>
-      <p:ext uri="{BB962C8B-B14F-4D97-AF65-F5344CB8AC3E}">
-        <p14:creationId xmlns:p14="http://schemas.microsoft.com/office/powerpoint/2010/main" val="1942282660"/>
-      </p:ext>
-    </p:extLst>
-  </p:cSld>
-  <p:clrMapOvr>
-    <a:masterClrMapping/>
-  </p:clrMapOvr>
-</p:sld>
-</file>
-
-<file path=ppt/slides/slide11.xml><?xml version="1.0" encoding="utf-8"?>
-<p:sld xmlns:a="http://schemas.openxmlformats.org/drawingml/2006/main" xmlns:r="http://schemas.openxmlformats.org/officeDocument/2006/relationships" xmlns:p="http://schemas.openxmlformats.org/presentationml/2006/main">
-  <p:cSld>
-    <p:spTree>
-      <p:nvGrpSpPr>
-        <p:cNvPr id="1" name=""/>
-        <p:cNvGrpSpPr/>
-        <p:nvPr/>
-      </p:nvGrpSpPr>
-      <p:grpSpPr>
-        <a:xfrm>
-          <a:off x="0" y="0"/>
-          <a:ext cx="0" cy="0"/>
-          <a:chOff x="0" y="0"/>
-          <a:chExt cx="0" cy="0"/>
-        </a:xfrm>
-      </p:grpSpPr>
-      <p:sp>
-        <p:nvSpPr>
-          <p:cNvPr id="2" name="Title 1"/>
-          <p:cNvSpPr>
-            <a:spLocks noGrp="1"/>
-          </p:cNvSpPr>
-          <p:nvPr>
-            <p:ph type="title"/>
-          </p:nvPr>
-        </p:nvSpPr>
-        <p:spPr/>
-        <p:txBody>
-          <a:bodyPr/>
-          <a:lstStyle/>
-          <a:p>
-            <a:r>
-              <a:rPr lang="en-US" dirty="0"/>
-              <a:t>Lambda Expressions</a:t>
-            </a:r>
-            <a:br>
-              <a:rPr lang="en-US" dirty="0"/>
-            </a:br>
-            <a:r>
-              <a:rPr lang="en-US" sz="3200" dirty="0"/>
-              <a:t>(beyond .</a:t>
-            </a:r>
-            <a:r>
-              <a:rPr lang="en-US" sz="3200" dirty="0" err="1"/>
-              <a:t>forEach</a:t>
-            </a:r>
-            <a:r>
-              <a:rPr lang="en-US" sz="3200" dirty="0"/>
-              <a:t>() and event handling)</a:t>
-            </a:r>
-            <a:endParaRPr lang="en-US" dirty="0"/>
-          </a:p>
-        </p:txBody>
-      </p:sp>
-      <p:sp>
-        <p:nvSpPr>
-          <p:cNvPr id="3" name="Content Placeholder 2"/>
-          <p:cNvSpPr>
-            <a:spLocks noGrp="1"/>
-          </p:cNvSpPr>
-          <p:nvPr>
-            <p:ph idx="1"/>
-          </p:nvPr>
-        </p:nvSpPr>
-        <p:spPr/>
-        <p:txBody>
-          <a:bodyPr>
-            <a:normAutofit/>
-          </a:bodyPr>
-          <a:lstStyle/>
-          <a:p>
-            <a:pPr marL="0" indent="0">
-              <a:buNone/>
-            </a:pPr>
-            <a:r>
-              <a:rPr lang="en-US" u="sng" dirty="0"/>
-              <a:t>Example</a:t>
-            </a:r>
-          </a:p>
-          <a:p>
-            <a:pPr marL="0" indent="0">
-              <a:buNone/>
-            </a:pPr>
-            <a:endParaRPr lang="en-US" u="sng" dirty="0"/>
-          </a:p>
-          <a:p>
-            <a:pPr marL="0" indent="0">
-              <a:buNone/>
-            </a:pPr>
-            <a:endParaRPr lang="en-US" u="sng" dirty="0"/>
-          </a:p>
-          <a:p>
-            <a:pPr marL="0" indent="0">
-              <a:buNone/>
-            </a:pPr>
-            <a:endParaRPr lang="en-US" u="sng" dirty="0"/>
-          </a:p>
-          <a:p>
-            <a:pPr marL="0" indent="0">
-              <a:buNone/>
-            </a:pPr>
-            <a:endParaRPr lang="en-US" u="sng" dirty="0"/>
-          </a:p>
-          <a:p>
-            <a:pPr marL="0" indent="0">
-              <a:buNone/>
-            </a:pPr>
-            <a:endParaRPr lang="en-US" u="sng" dirty="0"/>
-          </a:p>
-          <a:p>
-            <a:pPr marL="0" indent="0">
-              <a:buNone/>
-            </a:pPr>
-            <a:endParaRPr lang="en-US" u="sng" dirty="0"/>
-          </a:p>
-        </p:txBody>
-      </p:sp>
-      <p:sp>
-        <p:nvSpPr>
-          <p:cNvPr id="6" name="TextBox 5">
-            <a:extLst>
-              <a:ext uri="{FF2B5EF4-FFF2-40B4-BE49-F238E27FC236}">
-                <a16:creationId xmlns:a16="http://schemas.microsoft.com/office/drawing/2014/main" id="{F496C600-844E-0AFF-67C4-F82202E62CF8}"/>
-              </a:ext>
-            </a:extLst>
-          </p:cNvPr>
-          <p:cNvSpPr txBox="1"/>
-          <p:nvPr/>
-        </p:nvSpPr>
-        <p:spPr>
-          <a:xfrm>
-            <a:off x="4648200" y="2667000"/>
-            <a:ext cx="3513667" cy="2585323"/>
-          </a:xfrm>
-          <a:prstGeom prst="rect">
-            <a:avLst/>
-          </a:prstGeom>
-          <a:noFill/>
-        </p:spPr>
-        <p:txBody>
-          <a:bodyPr wrap="square" rtlCol="0">
-            <a:spAutoFit/>
-          </a:bodyPr>
-          <a:lstStyle/>
-          <a:p>
-            <a:r>
-              <a:rPr lang="en-US" u="sng" dirty="0"/>
-              <a:t>Explanation</a:t>
-            </a:r>
-          </a:p>
-          <a:p>
-            <a:r>
-              <a:rPr lang="en-US" dirty="0"/>
-              <a:t>In the red box we can see a lambda expression being used. </a:t>
-            </a:r>
-          </a:p>
-          <a:p>
-            <a:r>
-              <a:rPr lang="en-US" dirty="0" err="1"/>
-              <a:t>cellData</a:t>
-            </a:r>
-            <a:r>
-              <a:rPr lang="en-US" dirty="0"/>
-              <a:t> -&gt; is a lambda expression that creates dynamic behavior by telling the table how to pull the right value for each cell. The lambda replaces the need to create a full class to handle the cell data.</a:t>
-            </a:r>
-          </a:p>
-        </p:txBody>
-      </p:sp>
-      <p:pic>
-        <p:nvPicPr>
-          <p:cNvPr id="12" name="Picture 11" descr="A screen shot of a computer code&#10;&#10;AI-generated content may be incorrect.">
-            <a:extLst>
-              <a:ext uri="{FF2B5EF4-FFF2-40B4-BE49-F238E27FC236}">
-                <a16:creationId xmlns:a16="http://schemas.microsoft.com/office/drawing/2014/main" id="{64E10FF8-7FAF-3F95-B816-38B165B08257}"/>
-              </a:ext>
-            </a:extLst>
-          </p:cNvPr>
-          <p:cNvPicPr>
-            <a:picLocks noChangeAspect="1"/>
-          </p:cNvPicPr>
-          <p:nvPr/>
-        </p:nvPicPr>
-        <p:blipFill>
-          <a:blip r:embed="rId2" cstate="print">
-            <a:extLst>
-              <a:ext uri="{28A0092B-C50C-407E-A947-70E740481C1C}">
-                <a14:useLocalDpi xmlns:a14="http://schemas.microsoft.com/office/drawing/2010/main" val="0"/>
-              </a:ext>
-            </a:extLst>
-          </a:blip>
-          <a:stretch>
-            <a:fillRect/>
-          </a:stretch>
-        </p:blipFill>
-        <p:spPr>
-          <a:xfrm>
-            <a:off x="762000" y="3084532"/>
-            <a:ext cx="3124200" cy="2183479"/>
-          </a:xfrm>
-          <a:prstGeom prst="rect">
-            <a:avLst/>
-          </a:prstGeom>
-        </p:spPr>
-      </p:pic>
-    </p:spTree>
-    <p:extLst>
-      <p:ext uri="{BB962C8B-B14F-4D97-AF65-F5344CB8AC3E}">
-        <p14:creationId xmlns:p14="http://schemas.microsoft.com/office/powerpoint/2010/main" val="2019044008"/>
-      </p:ext>
-    </p:extLst>
-  </p:cSld>
-  <p:clrMapOvr>
-    <a:masterClrMapping/>
-  </p:clrMapOvr>
-</p:sld>
-</file>
-
-<file path=ppt/slides/slide12.xml><?xml version="1.0" encoding="utf-8"?>
-<p:sld xmlns:a="http://schemas.openxmlformats.org/drawingml/2006/main" xmlns:r="http://schemas.openxmlformats.org/officeDocument/2006/relationships" xmlns:p="http://schemas.openxmlformats.org/presentationml/2006/main">
-  <p:cSld>
-    <p:spTree>
-      <p:nvGrpSpPr>
-        <p:cNvPr id="1" name=""/>
-        <p:cNvGrpSpPr/>
-        <p:nvPr/>
-      </p:nvGrpSpPr>
-      <p:grpSpPr>
-        <a:xfrm>
-          <a:off x="0" y="0"/>
-          <a:ext cx="0" cy="0"/>
-          <a:chOff x="0" y="0"/>
-          <a:chExt cx="0" cy="0"/>
-        </a:xfrm>
-      </p:grpSpPr>
-      <p:sp>
-        <p:nvSpPr>
-          <p:cNvPr id="2" name="Title 1"/>
-          <p:cNvSpPr>
-            <a:spLocks noGrp="1"/>
-          </p:cNvSpPr>
-          <p:nvPr>
-            <p:ph type="title"/>
-          </p:nvPr>
-        </p:nvSpPr>
-        <p:spPr/>
-        <p:txBody>
-          <a:bodyPr/>
-          <a:lstStyle/>
-          <a:p>
-            <a:r>
-              <a:rPr lang="en-US" dirty="0"/>
-              <a:t>Design Patterns</a:t>
-            </a:r>
-          </a:p>
-        </p:txBody>
-      </p:sp>
-      <p:sp>
-        <p:nvSpPr>
-          <p:cNvPr id="3" name="Content Placeholder 2"/>
-          <p:cNvSpPr>
-            <a:spLocks noGrp="1"/>
-          </p:cNvSpPr>
-          <p:nvPr>
-            <p:ph idx="1"/>
-          </p:nvPr>
-        </p:nvSpPr>
-        <p:spPr/>
-        <p:txBody>
-          <a:bodyPr/>
-          <a:lstStyle/>
-          <a:p>
-            <a:r>
-              <a:rPr lang="en-US" dirty="0"/>
-              <a:t>Which design patterns did you use (if any) for this project?</a:t>
-            </a:r>
-          </a:p>
-          <a:p>
-            <a:endParaRPr lang="en-US" dirty="0"/>
-          </a:p>
-          <a:p>
-            <a:r>
-              <a:rPr lang="en-US" dirty="0"/>
-              <a:t>Which design patterns would make sense for this project?</a:t>
-            </a:r>
-          </a:p>
-        </p:txBody>
-      </p:sp>
-      <p:sp>
-        <p:nvSpPr>
-          <p:cNvPr id="4" name="TextBox 3">
-            <a:extLst>
-              <a:ext uri="{FF2B5EF4-FFF2-40B4-BE49-F238E27FC236}">
-                <a16:creationId xmlns:a16="http://schemas.microsoft.com/office/drawing/2014/main" id="{D9647607-462E-4D1D-A31F-5D37D9C43590}"/>
-              </a:ext>
-            </a:extLst>
-          </p:cNvPr>
-          <p:cNvSpPr txBox="1"/>
-          <p:nvPr/>
-        </p:nvSpPr>
-        <p:spPr>
-          <a:xfrm>
-            <a:off x="2286000" y="4495800"/>
-            <a:ext cx="3429000" cy="646331"/>
-          </a:xfrm>
-          <a:prstGeom prst="rect">
-            <a:avLst/>
-          </a:prstGeom>
-          <a:noFill/>
-        </p:spPr>
-        <p:txBody>
-          <a:bodyPr wrap="square" rtlCol="0">
-            <a:spAutoFit/>
-          </a:bodyPr>
-          <a:lstStyle/>
-          <a:p>
-            <a:pPr algn="ctr"/>
-            <a:r>
-              <a:rPr lang="en-US">
-                <a:solidFill>
-                  <a:srgbClr val="FF0000"/>
-                </a:solidFill>
-                <a:latin typeface="Comic Sans MS" panose="030F0702030302020204" pitchFamily="66" charset="0"/>
-              </a:rPr>
-              <a:t>Consult with professor to see if this should be included.</a:t>
-            </a:r>
-          </a:p>
-        </p:txBody>
-      </p:sp>
-    </p:spTree>
-    <p:extLst>
-      <p:ext uri="{BB962C8B-B14F-4D97-AF65-F5344CB8AC3E}">
-        <p14:creationId xmlns:p14="http://schemas.microsoft.com/office/powerpoint/2010/main" val="2472866802"/>
-      </p:ext>
-    </p:extLst>
-  </p:cSld>
-  <p:clrMapOvr>
-    <a:masterClrMapping/>
-  </p:clrMapOvr>
-</p:sld>
-</file>
-
-<file path=ppt/slides/slide13.xml><?xml version="1.0" encoding="utf-8"?>
-<p:sld xmlns:a="http://schemas.openxmlformats.org/drawingml/2006/main" xmlns:r="http://schemas.openxmlformats.org/officeDocument/2006/relationships" xmlns:p="http://schemas.openxmlformats.org/presentationml/2006/main">
-  <p:cSld>
-    <p:spTree>
-      <p:nvGrpSpPr>
-        <p:cNvPr id="1" name=""/>
-        <p:cNvGrpSpPr/>
-        <p:nvPr/>
-      </p:nvGrpSpPr>
-      <p:grpSpPr>
-        <a:xfrm>
-          <a:off x="0" y="0"/>
-          <a:ext cx="0" cy="0"/>
-          <a:chOff x="0" y="0"/>
-          <a:chExt cx="0" cy="0"/>
-        </a:xfrm>
-      </p:grpSpPr>
-      <p:sp>
-        <p:nvSpPr>
-          <p:cNvPr id="2" name="Title 1"/>
-          <p:cNvSpPr>
-            <a:spLocks noGrp="1"/>
-          </p:cNvSpPr>
-          <p:nvPr>
-            <p:ph type="title"/>
-          </p:nvPr>
-        </p:nvSpPr>
-        <p:spPr/>
-        <p:txBody>
-          <a:bodyPr/>
-          <a:lstStyle/>
-          <a:p>
-            <a:r>
-              <a:rPr lang="en-US"/>
-              <a:t>Threads</a:t>
-            </a:r>
-            <a:endParaRPr lang="en-US" dirty="0"/>
-          </a:p>
-        </p:txBody>
-      </p:sp>
-      <p:sp>
-        <p:nvSpPr>
-          <p:cNvPr id="3" name="Content Placeholder 2"/>
-          <p:cNvSpPr>
-            <a:spLocks noGrp="1"/>
-          </p:cNvSpPr>
-          <p:nvPr>
-            <p:ph idx="1"/>
-          </p:nvPr>
-        </p:nvSpPr>
-        <p:spPr/>
-        <p:txBody>
-          <a:bodyPr/>
-          <a:lstStyle/>
-          <a:p>
-            <a:r>
-              <a:rPr lang="en-US" dirty="0"/>
-              <a:t>How did you use multithreading in the project?</a:t>
-            </a:r>
-          </a:p>
-        </p:txBody>
-      </p:sp>
-      <p:sp>
-        <p:nvSpPr>
-          <p:cNvPr id="4" name="TextBox 3">
-            <a:extLst>
-              <a:ext uri="{FF2B5EF4-FFF2-40B4-BE49-F238E27FC236}">
-                <a16:creationId xmlns:a16="http://schemas.microsoft.com/office/drawing/2014/main" id="{D9647607-462E-4D1D-A31F-5D37D9C43590}"/>
-              </a:ext>
-            </a:extLst>
-          </p:cNvPr>
-          <p:cNvSpPr txBox="1"/>
-          <p:nvPr/>
-        </p:nvSpPr>
-        <p:spPr>
-          <a:xfrm>
-            <a:off x="2286000" y="4495800"/>
-            <a:ext cx="3429000" cy="646331"/>
-          </a:xfrm>
-          <a:prstGeom prst="rect">
-            <a:avLst/>
-          </a:prstGeom>
-          <a:noFill/>
-        </p:spPr>
-        <p:txBody>
-          <a:bodyPr wrap="square" rtlCol="0">
-            <a:spAutoFit/>
-          </a:bodyPr>
-          <a:lstStyle/>
-          <a:p>
-            <a:pPr algn="ctr"/>
-            <a:r>
-              <a:rPr lang="en-US" dirty="0">
-                <a:solidFill>
-                  <a:srgbClr val="FF0000"/>
-                </a:solidFill>
-                <a:latin typeface="Comic Sans MS" panose="030F0702030302020204" pitchFamily="66" charset="0"/>
-              </a:rPr>
-              <a:t>Consult with professor to see if this should be included.</a:t>
-            </a:r>
-          </a:p>
-        </p:txBody>
-      </p:sp>
-    </p:spTree>
-    <p:extLst>
-      <p:ext uri="{BB962C8B-B14F-4D97-AF65-F5344CB8AC3E}">
-        <p14:creationId xmlns:p14="http://schemas.microsoft.com/office/powerpoint/2010/main" val="538012923"/>
-      </p:ext>
-    </p:extLst>
-  </p:cSld>
-  <p:clrMapOvr>
-    <a:masterClrMapping/>
-  </p:clrMapOvr>
-</p:sld>
-</file>
-
-<file path=ppt/slides/slide14.xml><?xml version="1.0" encoding="utf-8"?>
-<p:sld xmlns:a="http://schemas.openxmlformats.org/drawingml/2006/main" xmlns:r="http://schemas.openxmlformats.org/officeDocument/2006/relationships" xmlns:p="http://schemas.openxmlformats.org/presentationml/2006/main">
-  <p:cSld>
-    <p:spTree>
-      <p:nvGrpSpPr>
-        <p:cNvPr id="1" name=""/>
-        <p:cNvGrpSpPr/>
-        <p:nvPr/>
-      </p:nvGrpSpPr>
-      <p:grpSpPr>
-        <a:xfrm>
-          <a:off x="0" y="0"/>
-          <a:ext cx="0" cy="0"/>
-          <a:chOff x="0" y="0"/>
-          <a:chExt cx="0" cy="0"/>
-        </a:xfrm>
-      </p:grpSpPr>
-      <p:sp>
-        <p:nvSpPr>
-          <p:cNvPr id="2" name="Title 1"/>
-          <p:cNvSpPr>
-            <a:spLocks noGrp="1"/>
-          </p:cNvSpPr>
-          <p:nvPr>
-            <p:ph type="title"/>
-          </p:nvPr>
-        </p:nvSpPr>
-        <p:spPr/>
-        <p:txBody>
-          <a:bodyPr/>
-          <a:lstStyle/>
-          <a:p>
-            <a:r>
-              <a:rPr lang="en-US" dirty="0"/>
-              <a:t>Team Contributions</a:t>
-            </a:r>
-          </a:p>
-        </p:txBody>
-      </p:sp>
-      <p:sp>
-        <p:nvSpPr>
-          <p:cNvPr id="3" name="Content Placeholder 2"/>
-          <p:cNvSpPr>
-            <a:spLocks noGrp="1"/>
-          </p:cNvSpPr>
-          <p:nvPr>
-            <p:ph idx="1"/>
-          </p:nvPr>
-        </p:nvSpPr>
-        <p:spPr/>
-        <p:txBody>
-          <a:bodyPr>
-            <a:normAutofit fontScale="92500" lnSpcReduction="20000"/>
-          </a:bodyPr>
-          <a:lstStyle/>
-          <a:p>
-            <a:pPr marL="0" indent="0">
-              <a:buNone/>
-            </a:pPr>
-            <a:r>
-              <a:rPr lang="en-US" dirty="0"/>
-              <a:t>Jason: </a:t>
-            </a:r>
-            <a:r>
-              <a:rPr lang="en-US" b="0" i="0" dirty="0">
-                <a:effectLst/>
-                <a:latin typeface="gg sans"/>
-              </a:rPr>
-              <a:t>UML, Polymorphic </a:t>
-            </a:r>
-            <a:r>
-              <a:rPr lang="en-US" dirty="0">
-                <a:latin typeface="gg sans"/>
-              </a:rPr>
-              <a:t>C</a:t>
-            </a:r>
-            <a:r>
-              <a:rPr lang="en-US" b="0" i="0" dirty="0">
-                <a:effectLst/>
-                <a:latin typeface="gg sans"/>
-              </a:rPr>
-              <a:t>ollections, Abstract class, JavaFX, File </a:t>
-            </a:r>
-            <a:r>
-              <a:rPr lang="en-US" dirty="0">
-                <a:latin typeface="gg sans"/>
-              </a:rPr>
-              <a:t>I</a:t>
-            </a:r>
-            <a:r>
-              <a:rPr lang="en-US" b="0" i="0" dirty="0">
-                <a:effectLst/>
-                <a:latin typeface="gg sans"/>
-              </a:rPr>
-              <a:t>/</a:t>
-            </a:r>
-            <a:r>
-              <a:rPr lang="en-US" dirty="0">
-                <a:latin typeface="gg sans"/>
-              </a:rPr>
-              <a:t>O</a:t>
-            </a:r>
-            <a:r>
-              <a:rPr lang="en-US" b="0" i="0" dirty="0">
-                <a:effectLst/>
-                <a:latin typeface="gg sans"/>
-              </a:rPr>
-              <a:t>, Logging, Threads, and Serialization.</a:t>
-            </a:r>
-          </a:p>
-          <a:p>
-            <a:pPr marL="0" indent="0">
-              <a:buNone/>
-            </a:pPr>
-            <a:r>
-              <a:rPr lang="en-US" b="0" dirty="0">
-                <a:effectLst/>
-                <a:latin typeface="Times New Roman" panose="02020603050405020304" pitchFamily="18" charset="0"/>
-                <a:cs typeface="Times New Roman" panose="02020603050405020304" pitchFamily="18" charset="0"/>
-              </a:rPr>
-              <a:t>Andrew Casey: </a:t>
-            </a:r>
-            <a:r>
-              <a:rPr lang="en-US" b="0" dirty="0">
-                <a:effectLst/>
-                <a:latin typeface="gg sans"/>
-                <a:cs typeface="Times New Roman" panose="02020603050405020304" pitchFamily="18" charset="0"/>
-              </a:rPr>
-              <a:t>L</a:t>
-            </a:r>
-            <a:r>
-              <a:rPr lang="en-US" b="0" i="0" dirty="0">
-                <a:effectLst/>
-                <a:latin typeface="gg sans"/>
-              </a:rPr>
-              <a:t>ambdas, Polymorphic Collections, JavaFX and Serialization.</a:t>
-            </a:r>
-            <a:endParaRPr lang="en-US" b="0" dirty="0">
-              <a:effectLst/>
-              <a:latin typeface="Times New Roman" panose="02020603050405020304" pitchFamily="18" charset="0"/>
-              <a:cs typeface="Times New Roman" panose="02020603050405020304" pitchFamily="18" charset="0"/>
-            </a:endParaRPr>
-          </a:p>
-          <a:p>
-            <a:pPr marL="0" indent="0">
-              <a:buNone/>
-            </a:pPr>
-            <a:r>
-              <a:rPr lang="en-US" b="0" dirty="0">
-                <a:effectLst/>
-                <a:latin typeface="Times New Roman" panose="02020603050405020304" pitchFamily="18" charset="0"/>
-                <a:cs typeface="Times New Roman" panose="02020603050405020304" pitchFamily="18" charset="0"/>
-              </a:rPr>
-              <a:t>Will Zakroff</a:t>
-            </a:r>
-            <a:r>
-              <a:rPr lang="en-US" dirty="0">
-                <a:latin typeface="Times New Roman" panose="02020603050405020304" pitchFamily="18" charset="0"/>
-                <a:cs typeface="Times New Roman" panose="02020603050405020304" pitchFamily="18" charset="0"/>
-              </a:rPr>
-              <a:t>: </a:t>
-            </a:r>
-            <a:r>
-              <a:rPr lang="en-US" b="0" dirty="0">
-                <a:effectLst/>
-                <a:latin typeface="gg sans"/>
-                <a:cs typeface="Times New Roman" panose="02020603050405020304" pitchFamily="18" charset="0"/>
-              </a:rPr>
-              <a:t>L</a:t>
-            </a:r>
-            <a:r>
-              <a:rPr lang="en-US" b="0" i="0" dirty="0">
-                <a:effectLst/>
-                <a:latin typeface="gg sans"/>
-              </a:rPr>
-              <a:t>ambdas, Polymorphic Collections, JavaFX and Serialization.</a:t>
-            </a:r>
-            <a:endParaRPr lang="en-US" b="0" dirty="0">
-              <a:effectLst/>
-              <a:latin typeface="Times New Roman" panose="02020603050405020304" pitchFamily="18" charset="0"/>
-              <a:cs typeface="Times New Roman" panose="02020603050405020304" pitchFamily="18" charset="0"/>
-            </a:endParaRPr>
-          </a:p>
-          <a:p>
-            <a:pPr marL="0" indent="0">
-              <a:buNone/>
-            </a:pPr>
-            <a:r>
-              <a:rPr lang="en-US" b="0" dirty="0">
-                <a:effectLst/>
-                <a:latin typeface="Times New Roman" panose="02020603050405020304" pitchFamily="18" charset="0"/>
-                <a:cs typeface="Times New Roman" panose="02020603050405020304" pitchFamily="18" charset="0"/>
-              </a:rPr>
-              <a:t>Saadat Emilbekova</a:t>
-            </a:r>
-            <a:r>
-              <a:rPr lang="en-US" dirty="0">
-                <a:latin typeface="Times New Roman" panose="02020603050405020304" pitchFamily="18" charset="0"/>
-                <a:cs typeface="Times New Roman" panose="02020603050405020304" pitchFamily="18" charset="0"/>
-              </a:rPr>
-              <a:t>: Polymorphic Collections, JavaFX</a:t>
-            </a:r>
-            <a:endParaRPr lang="en-US" b="0" dirty="0">
-              <a:effectLst/>
-              <a:latin typeface="Times New Roman" panose="02020603050405020304" pitchFamily="18" charset="0"/>
-              <a:cs typeface="Times New Roman" panose="02020603050405020304" pitchFamily="18" charset="0"/>
-            </a:endParaRPr>
-          </a:p>
-          <a:p>
-            <a:pPr marL="0" indent="0">
-              <a:buNone/>
-            </a:pPr>
-            <a:r>
-              <a:rPr lang="en-US" b="0" dirty="0">
-                <a:effectLst/>
-                <a:latin typeface="Times New Roman" panose="02020603050405020304" pitchFamily="18" charset="0"/>
-                <a:cs typeface="Times New Roman" panose="02020603050405020304" pitchFamily="18" charset="0"/>
-              </a:rPr>
-              <a:t>Dylan Jablonski: </a:t>
-            </a:r>
-            <a:r>
-              <a:rPr lang="en-US" dirty="0">
-                <a:latin typeface="Times New Roman" panose="02020603050405020304" pitchFamily="18" charset="0"/>
-                <a:cs typeface="Times New Roman" panose="02020603050405020304" pitchFamily="18" charset="0"/>
-              </a:rPr>
-              <a:t>Polymorphic Collections, JavaFX, Sequence Diagram </a:t>
-            </a:r>
-            <a:endParaRPr lang="en-US" b="0" dirty="0">
-              <a:effectLst/>
-              <a:latin typeface="Times New Roman" panose="02020603050405020304" pitchFamily="18" charset="0"/>
-              <a:cs typeface="Times New Roman" panose="02020603050405020304" pitchFamily="18" charset="0"/>
-            </a:endParaRPr>
-          </a:p>
-          <a:p>
-            <a:pPr marL="0" indent="0">
-              <a:buNone/>
-            </a:pPr>
-            <a:endParaRPr lang="en-US" b="0" i="0" dirty="0">
-              <a:effectLst/>
-              <a:latin typeface="gg sans"/>
-            </a:endParaRPr>
-          </a:p>
-        </p:txBody>
-      </p:sp>
-    </p:spTree>
-    <p:extLst>
-      <p:ext uri="{BB962C8B-B14F-4D97-AF65-F5344CB8AC3E}">
-        <p14:creationId xmlns:p14="http://schemas.microsoft.com/office/powerpoint/2010/main" val="1546531454"/>
-      </p:ext>
-    </p:extLst>
-  </p:cSld>
-  <p:clrMapOvr>
-    <a:masterClrMapping/>
-  </p:clrMapOvr>
-</p:sld>
-</file>
-
-<file path=ppt/slides/slide2.xml><?xml version="1.0" encoding="utf-8"?>
-<p:sld xmlns:a="http://schemas.openxmlformats.org/drawingml/2006/main" xmlns:r="http://schemas.openxmlformats.org/officeDocument/2006/relationships" xmlns:p="http://schemas.openxmlformats.org/presentationml/2006/main">
-  <p:cSld>
-    <p:bg>
-      <p:bgPr>
-        <a:blipFill rotWithShape="1">
-          <a:blip r:embed="rId2">
-            <a:duotone>
-              <a:schemeClr val="bg2">
-                <a:shade val="76000"/>
-                <a:satMod val="180000"/>
-              </a:schemeClr>
-              <a:schemeClr val="bg2">
-                <a:tint val="80000"/>
-                <a:satMod val="120000"/>
-                <a:lumMod val="180000"/>
-              </a:schemeClr>
-            </a:duotone>
-          </a:blip>
-          <a:stretch/>
-        </a:blipFill>
-        <a:effectLst/>
-      </p:bgPr>
-    </p:bg>
-    <p:spTree>
-      <p:nvGrpSpPr>
-        <p:cNvPr id="1" name=""/>
-        <p:cNvGrpSpPr/>
-        <p:nvPr/>
-      </p:nvGrpSpPr>
-      <p:grpSpPr>
-        <a:xfrm>
-          <a:off x="0" y="0"/>
-          <a:ext cx="0" cy="0"/>
-          <a:chOff x="0" y="0"/>
-          <a:chExt cx="0" cy="0"/>
-        </a:xfrm>
-      </p:grpSpPr>
-      <p:sp>
-        <p:nvSpPr>
-          <p:cNvPr id="2" name="Title 1">
-            <a:extLst>
-              <a:ext uri="{FF2B5EF4-FFF2-40B4-BE49-F238E27FC236}">
-                <a16:creationId xmlns:a16="http://schemas.microsoft.com/office/drawing/2014/main" id="{37EAC2FF-AD27-409B-B861-5A42C10D9E02}"/>
-              </a:ext>
-            </a:extLst>
-          </p:cNvPr>
-          <p:cNvSpPr>
-            <a:spLocks noGrp="1"/>
-          </p:cNvSpPr>
-          <p:nvPr>
-            <p:ph type="title"/>
-          </p:nvPr>
-        </p:nvSpPr>
-        <p:spPr>
-          <a:xfrm>
-            <a:off x="3632200" y="905933"/>
-            <a:ext cx="4995068" cy="965200"/>
-          </a:xfrm>
-        </p:spPr>
-        <p:txBody>
-          <a:bodyPr>
-            <a:normAutofit/>
-          </a:bodyPr>
-          <a:lstStyle/>
-          <a:p>
-            <a:r>
-              <a:rPr lang="en-US" dirty="0"/>
-              <a:t>Project Overview</a:t>
-            </a:r>
-          </a:p>
-        </p:txBody>
-      </p:sp>
-      <p:pic>
-        <p:nvPicPr>
-          <p:cNvPr id="9" name="Picture 8" descr="A green recycle bin with a wheel&#10;&#10;AI-generated content may be incorrect.">
-            <a:extLst>
-              <a:ext uri="{FF2B5EF4-FFF2-40B4-BE49-F238E27FC236}">
-                <a16:creationId xmlns:a16="http://schemas.microsoft.com/office/drawing/2014/main" id="{017B6363-7D5F-F919-A166-1D3FC5015FF9}"/>
-              </a:ext>
-            </a:extLst>
-          </p:cNvPr>
-          <p:cNvPicPr>
-            <a:picLocks noChangeAspect="1"/>
-          </p:cNvPicPr>
-          <p:nvPr/>
-        </p:nvPicPr>
-        <p:blipFill>
-          <a:blip r:embed="rId3" cstate="print">
-            <a:extLst>
-              <a:ext uri="{28A0092B-C50C-407E-A947-70E740481C1C}">
-                <a14:useLocalDpi xmlns:a14="http://schemas.microsoft.com/office/drawing/2010/main" val="0"/>
-              </a:ext>
-            </a:extLst>
-          </a:blip>
-          <a:stretch>
-            <a:fillRect/>
-          </a:stretch>
-        </p:blipFill>
-        <p:spPr>
-          <a:xfrm>
-            <a:off x="907608" y="1704575"/>
-            <a:ext cx="2724591" cy="3448849"/>
-          </a:xfrm>
-          <a:prstGeom prst="roundRect">
-            <a:avLst>
-              <a:gd name="adj" fmla="val 4380"/>
-            </a:avLst>
-          </a:prstGeom>
-          <a:ln w="38100">
-            <a:gradFill flip="none" rotWithShape="1">
-              <a:gsLst>
-                <a:gs pos="0">
-                  <a:schemeClr val="bg2"/>
-                </a:gs>
-                <a:gs pos="100000">
-                  <a:schemeClr val="bg2">
-                    <a:lumMod val="75000"/>
-                  </a:schemeClr>
-                </a:gs>
-              </a:gsLst>
-              <a:lin ang="5400000" scaled="0"/>
-              <a:tileRect/>
-            </a:gradFill>
-          </a:ln>
-          <a:effectLst>
-            <a:innerShdw blurRad="57150" dist="38100" dir="14460000">
-              <a:srgbClr val="000000">
-                <a:alpha val="70000"/>
-              </a:srgbClr>
-            </a:innerShdw>
-          </a:effectLst>
-        </p:spPr>
-      </p:pic>
-      <p:sp>
-        <p:nvSpPr>
-          <p:cNvPr id="3" name="Content Placeholder 2">
-            <a:extLst>
-              <a:ext uri="{FF2B5EF4-FFF2-40B4-BE49-F238E27FC236}">
-                <a16:creationId xmlns:a16="http://schemas.microsoft.com/office/drawing/2014/main" id="{CB0FEE92-3A4C-4DD5-BBF0-F1CA5577CF75}"/>
-              </a:ext>
-            </a:extLst>
-          </p:cNvPr>
-          <p:cNvSpPr>
-            <a:spLocks noGrp="1"/>
-          </p:cNvSpPr>
-          <p:nvPr>
-            <p:ph idx="1"/>
-          </p:nvPr>
-        </p:nvSpPr>
-        <p:spPr>
-          <a:xfrm>
-            <a:off x="3810000" y="1704575"/>
-            <a:ext cx="4995068" cy="3793067"/>
-          </a:xfrm>
-        </p:spPr>
-        <p:txBody>
-          <a:bodyPr>
-            <a:normAutofit lnSpcReduction="10000"/>
-          </a:bodyPr>
-          <a:lstStyle/>
-          <a:p>
-            <a:pPr>
-              <a:lnSpc>
-                <a:spcPct val="90000"/>
-              </a:lnSpc>
-            </a:pPr>
-            <a:r>
-              <a:rPr lang="en-US" sz="1500" dirty="0"/>
-              <a:t>What is the goal of our project?</a:t>
-            </a:r>
-          </a:p>
-          <a:p>
-            <a:pPr lvl="1">
-              <a:lnSpc>
-                <a:spcPct val="90000"/>
-              </a:lnSpc>
-              <a:buFont typeface="Wingdings" panose="05000000000000000000" pitchFamily="2" charset="2"/>
-              <a:buChar char="Ø"/>
-            </a:pPr>
-            <a:r>
-              <a:rPr lang="en-US" sz="1500" dirty="0"/>
-              <a:t>Help people learn how to properly recycle by teaching people what each recycling material is and how you would recycle that material. </a:t>
-            </a:r>
-          </a:p>
-          <a:p>
-            <a:pPr>
-              <a:lnSpc>
-                <a:spcPct val="90000"/>
-              </a:lnSpc>
-            </a:pPr>
-            <a:r>
-              <a:rPr lang="en-US" sz="1500" dirty="0"/>
-              <a:t>Why is our project socially relevant?</a:t>
-            </a:r>
-          </a:p>
-          <a:p>
-            <a:pPr lvl="1">
-              <a:lnSpc>
-                <a:spcPct val="90000"/>
-              </a:lnSpc>
-              <a:buFont typeface="Wingdings" panose="05000000000000000000" pitchFamily="2" charset="2"/>
-              <a:buChar char="Ø"/>
-            </a:pPr>
-            <a:r>
-              <a:rPr lang="en-US" sz="1500" dirty="0"/>
-              <a:t>Our project is socially relevant due to it addressing the issues of pollution and waste, particularly due to the problem of improper recycling. Teaching people to correctly recycle, could lead to less waste and pollution as a whole. </a:t>
-            </a:r>
-          </a:p>
-          <a:p>
-            <a:pPr lvl="1">
-              <a:lnSpc>
-                <a:spcPct val="90000"/>
-              </a:lnSpc>
-            </a:pPr>
-            <a:r>
-              <a:rPr lang="en-US" sz="1500" dirty="0"/>
-              <a:t>  What are the requirements (functionality) of your project?</a:t>
-            </a:r>
-          </a:p>
-          <a:p>
-            <a:pPr lvl="2">
-              <a:lnSpc>
-                <a:spcPct val="90000"/>
-              </a:lnSpc>
-              <a:buFont typeface="Wingdings" panose="05000000000000000000" pitchFamily="2" charset="2"/>
-              <a:buChar char="Ø"/>
-            </a:pPr>
-            <a:r>
-              <a:rPr lang="en-US" sz="1300" dirty="0"/>
-              <a:t>Our functionality of our project was teaching recycling by letting users look up materials, calculate impact, play a recycling game, and simulate recycling behavior with different settings.</a:t>
-            </a:r>
-          </a:p>
-          <a:p>
-            <a:pPr lvl="2">
-              <a:lnSpc>
-                <a:spcPct val="90000"/>
-              </a:lnSpc>
-              <a:buFont typeface="Wingdings" panose="05000000000000000000" pitchFamily="2" charset="2"/>
-              <a:buChar char="Ø"/>
-            </a:pPr>
-            <a:endParaRPr lang="en-US" sz="1300" dirty="0"/>
-          </a:p>
-        </p:txBody>
-      </p:sp>
-    </p:spTree>
-    <p:extLst>
-      <p:ext uri="{BB962C8B-B14F-4D97-AF65-F5344CB8AC3E}">
-        <p14:creationId xmlns:p14="http://schemas.microsoft.com/office/powerpoint/2010/main" val="2878798903"/>
-      </p:ext>
-    </p:extLst>
-  </p:cSld>
-  <p:clrMapOvr>
-    <a:masterClrMapping/>
-  </p:clrMapOvr>
-</p:sld>
-</file>
-
-<file path=ppt/slides/slide3.xml><?xml version="1.0" encoding="utf-8"?>
-<p:sld xmlns:a="http://schemas.openxmlformats.org/drawingml/2006/main" xmlns:r="http://schemas.openxmlformats.org/officeDocument/2006/relationships" xmlns:p="http://schemas.openxmlformats.org/presentationml/2006/main">
-  <p:cSld>
-    <p:spTree>
-      <p:nvGrpSpPr>
-        <p:cNvPr id="1" name=""/>
-        <p:cNvGrpSpPr/>
-        <p:nvPr/>
-      </p:nvGrpSpPr>
-      <p:grpSpPr>
-        <a:xfrm>
-          <a:off x="0" y="0"/>
-          <a:ext cx="0" cy="0"/>
-          <a:chOff x="0" y="0"/>
-          <a:chExt cx="0" cy="0"/>
-        </a:xfrm>
-      </p:grpSpPr>
-      <p:sp>
-        <p:nvSpPr>
-          <p:cNvPr id="2" name="Title 1">
-            <a:extLst>
-              <a:ext uri="{FF2B5EF4-FFF2-40B4-BE49-F238E27FC236}">
-                <a16:creationId xmlns:a16="http://schemas.microsoft.com/office/drawing/2014/main" id="{4F0ADD15-55C2-4384-8BF1-793F2C38B47A}"/>
-              </a:ext>
-            </a:extLst>
-          </p:cNvPr>
-          <p:cNvSpPr>
-            <a:spLocks noGrp="1"/>
-          </p:cNvSpPr>
-          <p:nvPr>
-            <p:ph type="title"/>
-          </p:nvPr>
-        </p:nvSpPr>
-        <p:spPr/>
-        <p:txBody>
-          <a:bodyPr/>
-          <a:lstStyle/>
-          <a:p>
-            <a:r>
-              <a:rPr lang="en-US" dirty="0"/>
-              <a:t>UML Class Diagram</a:t>
-            </a:r>
-          </a:p>
-        </p:txBody>
-      </p:sp>
-      <p:pic>
-        <p:nvPicPr>
-          <p:cNvPr id="9" name="Content Placeholder 8" descr="A screenshot of a computer screen&#10;&#10;AI-generated content may be incorrect.">
-            <a:extLst>
-              <a:ext uri="{FF2B5EF4-FFF2-40B4-BE49-F238E27FC236}">
-                <a16:creationId xmlns:a16="http://schemas.microsoft.com/office/drawing/2014/main" id="{E1CA144D-8703-32C6-7066-980277EB2430}"/>
-              </a:ext>
-            </a:extLst>
-          </p:cNvPr>
-          <p:cNvPicPr>
-            <a:picLocks noGrp="1" noChangeAspect="1"/>
-          </p:cNvPicPr>
-          <p:nvPr>
-            <p:ph idx="1"/>
-          </p:nvPr>
-        </p:nvPicPr>
-        <p:blipFill>
-          <a:blip r:embed="rId2" cstate="print">
-            <a:extLst>
-              <a:ext uri="{28A0092B-C50C-407E-A947-70E740481C1C}">
-                <a14:useLocalDpi xmlns:a14="http://schemas.microsoft.com/office/drawing/2010/main" val="0"/>
-              </a:ext>
-            </a:extLst>
-          </a:blip>
-          <a:stretch>
-            <a:fillRect/>
-          </a:stretch>
-        </p:blipFill>
-        <p:spPr>
-          <a:xfrm>
-            <a:off x="1524000" y="1805766"/>
-            <a:ext cx="7267417" cy="4621537"/>
-          </a:xfrm>
-        </p:spPr>
-      </p:pic>
-    </p:spTree>
-    <p:extLst>
-      <p:ext uri="{BB962C8B-B14F-4D97-AF65-F5344CB8AC3E}">
-        <p14:creationId xmlns:p14="http://schemas.microsoft.com/office/powerpoint/2010/main" val="4048289837"/>
-      </p:ext>
-    </p:extLst>
-  </p:cSld>
-  <p:clrMapOvr>
-    <a:masterClrMapping/>
-  </p:clrMapOvr>
-</p:sld>
-</file>
-
-<file path=ppt/slides/slide4.xml><?xml version="1.0" encoding="utf-8"?>
-<p:sld xmlns:a="http://schemas.openxmlformats.org/drawingml/2006/main" xmlns:r="http://schemas.openxmlformats.org/officeDocument/2006/relationships" xmlns:p="http://schemas.openxmlformats.org/presentationml/2006/main">
-  <p:cSld>
-    <p:spTree>
-      <p:nvGrpSpPr>
-        <p:cNvPr id="1" name=""/>
-        <p:cNvGrpSpPr/>
-        <p:nvPr/>
-      </p:nvGrpSpPr>
-      <p:grpSpPr>
-        <a:xfrm>
-          <a:off x="0" y="0"/>
-          <a:ext cx="0" cy="0"/>
-          <a:chOff x="0" y="0"/>
-          <a:chExt cx="0" cy="0"/>
-        </a:xfrm>
-      </p:grpSpPr>
-      <p:sp>
-        <p:nvSpPr>
-          <p:cNvPr id="2" name="Title 1">
-            <a:extLst>
-              <a:ext uri="{FF2B5EF4-FFF2-40B4-BE49-F238E27FC236}">
-                <a16:creationId xmlns:a16="http://schemas.microsoft.com/office/drawing/2014/main" id="{2BF06507-7372-456F-9DD0-AAF7087428C6}"/>
-              </a:ext>
-            </a:extLst>
-          </p:cNvPr>
-          <p:cNvSpPr>
-            <a:spLocks noGrp="1"/>
-          </p:cNvSpPr>
-          <p:nvPr>
-            <p:ph type="title"/>
-          </p:nvPr>
-        </p:nvSpPr>
-        <p:spPr/>
-        <p:txBody>
-          <a:bodyPr/>
-          <a:lstStyle/>
-          <a:p>
-            <a:r>
-              <a:rPr lang="en-US" dirty="0"/>
-              <a:t>UML Sequence Diagram</a:t>
-            </a:r>
-          </a:p>
-        </p:txBody>
-      </p:sp>
-      <p:sp>
-        <p:nvSpPr>
-          <p:cNvPr id="13" name="Content Placeholder 12">
-            <a:extLst>
-              <a:ext uri="{FF2B5EF4-FFF2-40B4-BE49-F238E27FC236}">
-                <a16:creationId xmlns:a16="http://schemas.microsoft.com/office/drawing/2014/main" id="{285A24CC-4F1E-29F1-0805-A5D98B500E0C}"/>
-              </a:ext>
-            </a:extLst>
-          </p:cNvPr>
-          <p:cNvSpPr>
-            <a:spLocks noGrp="1"/>
-          </p:cNvSpPr>
-          <p:nvPr>
-            <p:ph idx="1"/>
-          </p:nvPr>
-        </p:nvSpPr>
-        <p:spPr/>
-        <p:txBody>
-          <a:bodyPr/>
-          <a:lstStyle/>
-          <a:p>
-            <a:endParaRPr lang="en-US"/>
-          </a:p>
-        </p:txBody>
-      </p:sp>
-    </p:spTree>
-    <p:extLst>
-      <p:ext uri="{BB962C8B-B14F-4D97-AF65-F5344CB8AC3E}">
-        <p14:creationId xmlns:p14="http://schemas.microsoft.com/office/powerpoint/2010/main" val="3824226660"/>
-      </p:ext>
-    </p:extLst>
-  </p:cSld>
-  <p:clrMapOvr>
-    <a:masterClrMapping/>
-  </p:clrMapOvr>
-</p:sld>
-</file>
-
-<file path=ppt/slides/slide5.xml><?xml version="1.0" encoding="utf-8"?>
-<p:sld xmlns:a="http://schemas.openxmlformats.org/drawingml/2006/main" xmlns:r="http://schemas.openxmlformats.org/officeDocument/2006/relationships" xmlns:p="http://schemas.openxmlformats.org/presentationml/2006/main">
-  <p:cSld>
-    <p:bg>
-      <p:bgPr>
-        <a:blipFill rotWithShape="1">
-          <a:blip r:embed="rId2">
-            <a:duotone>
-              <a:schemeClr val="bg2">
-                <a:shade val="76000"/>
-                <a:satMod val="180000"/>
-              </a:schemeClr>
-              <a:schemeClr val="bg2">
-                <a:tint val="80000"/>
-                <a:satMod val="120000"/>
-                <a:lumMod val="180000"/>
-              </a:schemeClr>
-            </a:duotone>
-          </a:blip>
-          <a:stretch/>
-        </a:blipFill>
-        <a:effectLst/>
-      </p:bgPr>
-    </p:bg>
-    <p:spTree>
-      <p:nvGrpSpPr>
-        <p:cNvPr id="1" name=""/>
-        <p:cNvGrpSpPr/>
-        <p:nvPr/>
-      </p:nvGrpSpPr>
-      <p:grpSpPr>
-        <a:xfrm>
-          <a:off x="0" y="0"/>
-          <a:ext cx="0" cy="0"/>
-          <a:chOff x="0" y="0"/>
-          <a:chExt cx="0" cy="0"/>
-        </a:xfrm>
-      </p:grpSpPr>
-      <p:sp useBgFill="1">
-        <p:nvSpPr>
-          <p:cNvPr id="9" name="Rectangle 8">
-            <a:extLst>
-              <a:ext uri="{FF2B5EF4-FFF2-40B4-BE49-F238E27FC236}">
-                <a16:creationId xmlns:a16="http://schemas.microsoft.com/office/drawing/2014/main" id="{6AD30037-67ED-4367-9BE0-45787510BF13}"/>
-              </a:ext>
-              <a:ext uri="{C183D7F6-B498-43B3-948B-1728B52AA6E4}">
-                <adec:decorative xmlns:adec="http://schemas.microsoft.com/office/drawing/2017/decorative" val="1"/>
-              </a:ext>
-            </a:extLst>
-          </p:cNvPr>
-          <p:cNvSpPr>
-            <a:spLocks noGrp="1" noRot="1" noChangeAspect="1" noMove="1" noResize="1" noEditPoints="1" noAdjustHandles="1" noChangeArrowheads="1" noChangeShapeType="1" noTextEdit="1"/>
-          </p:cNvSpPr>
-          <p:nvPr>
-            <p:extLst>
-              <p:ext uri="{386F3935-93C4-4BCD-93E2-E3B085C9AB24}">
-                <p16:designElem xmlns:p16="http://schemas.microsoft.com/office/powerpoint/2015/main" val="1"/>
-              </p:ext>
-            </p:extLst>
-          </p:nvPr>
-        </p:nvSpPr>
-        <p:spPr>
-          <a:xfrm>
-            <a:off x="0" y="0"/>
-            <a:ext cx="9144000" cy="6858000"/>
-          </a:xfrm>
-          <a:prstGeom prst="rect">
-            <a:avLst/>
-          </a:prstGeom>
-          <a:ln>
-            <a:noFill/>
-          </a:ln>
-        </p:spPr>
-        <p:style>
-          <a:lnRef idx="2">
-            <a:schemeClr val="accent1">
-              <a:shade val="50000"/>
-            </a:schemeClr>
-          </a:lnRef>
-          <a:fillRef idx="1">
-            <a:schemeClr val="accent1"/>
-          </a:fillRef>
-          <a:effectRef idx="0">
-            <a:schemeClr val="accent1"/>
-          </a:effectRef>
-          <a:fontRef idx="minor">
-            <a:schemeClr val="lt1"/>
-          </a:fontRef>
-        </p:style>
-        <p:txBody>
-          <a:bodyPr rtlCol="0" anchor="ctr"/>
-          <a:lstStyle/>
-          <a:p>
-            <a:pPr algn="ctr"/>
-            <a:endParaRPr lang="en-US"/>
-          </a:p>
-        </p:txBody>
-      </p:sp>
-      <p:pic>
-        <p:nvPicPr>
-          <p:cNvPr id="5" name="Picture 4" descr="Four cube prisms in a line">
-            <a:extLst>
-              <a:ext uri="{FF2B5EF4-FFF2-40B4-BE49-F238E27FC236}">
-                <a16:creationId xmlns:a16="http://schemas.microsoft.com/office/drawing/2014/main" id="{EC94F56B-03C9-E0DC-2BAD-263850EC5FE9}"/>
-              </a:ext>
-            </a:extLst>
-          </p:cNvPr>
-          <p:cNvPicPr>
-            <a:picLocks noChangeAspect="1"/>
-          </p:cNvPicPr>
-          <p:nvPr/>
-        </p:nvPicPr>
-        <p:blipFill>
-          <a:blip r:embed="rId3"/>
-          <a:srcRect l="24202" r="37115" b="-1"/>
-          <a:stretch/>
-        </p:blipFill>
-        <p:spPr>
-          <a:xfrm>
-            <a:off x="5169693" y="10"/>
-            <a:ext cx="3974307" cy="6857990"/>
-          </a:xfrm>
-          <a:custGeom>
-            <a:avLst/>
-            <a:gdLst/>
-            <a:ahLst/>
-            <a:cxnLst/>
-            <a:rect l="l" t="t" r="r" b="b"/>
-            <a:pathLst>
-              <a:path w="5299077" h="6858000">
-                <a:moveTo>
-                  <a:pt x="836871" y="0"/>
-                </a:moveTo>
-                <a:lnTo>
-                  <a:pt x="5299077" y="0"/>
-                </a:lnTo>
-                <a:lnTo>
-                  <a:pt x="5299077" y="6858000"/>
-                </a:lnTo>
-                <a:lnTo>
-                  <a:pt x="1911312" y="6858000"/>
-                </a:lnTo>
-                <a:lnTo>
-                  <a:pt x="0" y="5333999"/>
-                </a:lnTo>
-                <a:close/>
-              </a:path>
-            </a:pathLst>
-          </a:custGeom>
-        </p:spPr>
-      </p:pic>
-      <p:grpSp>
-        <p:nvGrpSpPr>
-          <p:cNvPr id="11" name="Group 10">
-            <a:extLst>
-              <a:ext uri="{FF2B5EF4-FFF2-40B4-BE49-F238E27FC236}">
-                <a16:creationId xmlns:a16="http://schemas.microsoft.com/office/drawing/2014/main" id="{50841A4E-5BC1-44B4-83CF-D524E8AEAD64}"/>
-              </a:ext>
-              <a:ext uri="{C183D7F6-B498-43B3-948B-1728B52AA6E4}">
-                <adec:decorative xmlns:adec="http://schemas.microsoft.com/office/drawing/2017/decorative" val="1"/>
-              </a:ext>
-            </a:extLst>
-          </p:cNvPr>
-          <p:cNvGrpSpPr>
-            <a:grpSpLocks noGrp="1" noUngrp="1" noRot="1" noChangeAspect="1" noMove="1" noResize="1"/>
-          </p:cNvGrpSpPr>
-          <p:nvPr>
-            <p:extLst>
-              <p:ext uri="{386F3935-93C4-4BCD-93E2-E3B085C9AB24}">
-                <p16:designElem xmlns:p16="http://schemas.microsoft.com/office/powerpoint/2015/main" val="1"/>
-              </p:ext>
-            </p:extLst>
-          </p:nvPr>
-        </p:nvGrpSpPr>
-        <p:grpSpPr>
-          <a:xfrm>
-            <a:off x="4674570" y="0"/>
-            <a:ext cx="1827609" cy="6858001"/>
-            <a:chOff x="1320800" y="0"/>
-            <a:chExt cx="2436813" cy="6858001"/>
-          </a:xfrm>
-        </p:grpSpPr>
-        <p:sp>
-          <p:nvSpPr>
-            <p:cNvPr id="12" name="Freeform 6">
-              <a:extLst>
-                <a:ext uri="{FF2B5EF4-FFF2-40B4-BE49-F238E27FC236}">
-                  <a16:creationId xmlns:a16="http://schemas.microsoft.com/office/drawing/2014/main" id="{BF371BCC-8954-44E2-8C4F-29DC188727AC}"/>
-                </a:ext>
-                <a:ext uri="{C183D7F6-B498-43B3-948B-1728B52AA6E4}">
-                  <adec:decorative xmlns:adec="http://schemas.microsoft.com/office/drawing/2017/decorative" val="1"/>
-                </a:ext>
-              </a:extLst>
-            </p:cNvPr>
-            <p:cNvSpPr/>
-            <p:nvPr>
-              <p:extLst>
-                <p:ext uri="{386F3935-93C4-4BCD-93E2-E3B085C9AB24}">
-                  <p16:designElem xmlns:p16="http://schemas.microsoft.com/office/powerpoint/2015/main" val="1"/>
-                </p:ext>
-              </p:extLst>
-            </p:nvPr>
-          </p:nvSpPr>
-          <p:spPr bwMode="auto">
-            <a:xfrm>
-              <a:off x="1627188" y="0"/>
-              <a:ext cx="1122363" cy="5329238"/>
-            </a:xfrm>
-            <a:custGeom>
-              <a:avLst/>
-              <a:gdLst/>
-              <a:ahLst/>
-              <a:cxnLst/>
-              <a:rect l="0" t="0" r="r" b="b"/>
-              <a:pathLst>
-                <a:path w="707" h="3357">
-                  <a:moveTo>
-                    <a:pt x="0" y="3330"/>
-                  </a:moveTo>
-                  <a:lnTo>
-                    <a:pt x="156" y="3357"/>
-                  </a:lnTo>
-                  <a:lnTo>
-                    <a:pt x="707" y="0"/>
-                  </a:lnTo>
-                  <a:lnTo>
-                    <a:pt x="547" y="0"/>
-                  </a:lnTo>
-                  <a:lnTo>
-                    <a:pt x="0" y="3330"/>
-                  </a:lnTo>
-                  <a:close/>
-                </a:path>
-              </a:pathLst>
-            </a:custGeom>
-            <a:solidFill>
-              <a:schemeClr val="accent1"/>
-            </a:solidFill>
-            <a:ln>
-              <a:noFill/>
-            </a:ln>
-          </p:spPr>
-          <p:txBody>
-            <a:bodyPr/>
-            <a:lstStyle/>
-            <a:p>
-              <a:endParaRPr lang="en-US"/>
-            </a:p>
-          </p:txBody>
-        </p:sp>
-        <p:sp>
-          <p:nvSpPr>
-            <p:cNvPr id="13" name="Freeform 7">
-              <a:extLst>
-                <a:ext uri="{FF2B5EF4-FFF2-40B4-BE49-F238E27FC236}">
-                  <a16:creationId xmlns:a16="http://schemas.microsoft.com/office/drawing/2014/main" id="{CD3505BE-B420-41C5-BE34-3E7652D37A5F}"/>
-                </a:ext>
-                <a:ext uri="{C183D7F6-B498-43B3-948B-1728B52AA6E4}">
-                  <adec:decorative xmlns:adec="http://schemas.microsoft.com/office/drawing/2017/decorative" val="1"/>
-                </a:ext>
-              </a:extLst>
-            </p:cNvPr>
-            <p:cNvSpPr/>
-            <p:nvPr>
-              <p:extLst>
-                <p:ext uri="{386F3935-93C4-4BCD-93E2-E3B085C9AB24}">
-                  <p16:designElem xmlns:p16="http://schemas.microsoft.com/office/powerpoint/2015/main" val="1"/>
-                </p:ext>
-              </p:extLst>
-            </p:nvPr>
-          </p:nvSpPr>
-          <p:spPr bwMode="auto">
-            <a:xfrm>
-              <a:off x="1320800" y="0"/>
-              <a:ext cx="1117600" cy="5276850"/>
-            </a:xfrm>
-            <a:custGeom>
-              <a:avLst/>
-              <a:gdLst/>
-              <a:ahLst/>
-              <a:cxnLst/>
-              <a:rect l="0" t="0" r="r" b="b"/>
-              <a:pathLst>
-                <a:path w="704" h="3324">
-                  <a:moveTo>
-                    <a:pt x="704" y="0"/>
-                  </a:moveTo>
-                  <a:lnTo>
-                    <a:pt x="545" y="0"/>
-                  </a:lnTo>
-                  <a:lnTo>
-                    <a:pt x="0" y="3300"/>
-                  </a:lnTo>
-                  <a:lnTo>
-                    <a:pt x="157" y="3324"/>
-                  </a:lnTo>
-                  <a:lnTo>
-                    <a:pt x="704" y="0"/>
-                  </a:lnTo>
-                  <a:close/>
-                </a:path>
-              </a:pathLst>
-            </a:custGeom>
-            <a:solidFill>
-              <a:schemeClr val="tx1">
-                <a:lumMod val="65000"/>
-                <a:lumOff val="35000"/>
-              </a:schemeClr>
-            </a:solidFill>
-            <a:ln>
-              <a:noFill/>
-            </a:ln>
-          </p:spPr>
-          <p:txBody>
-            <a:bodyPr/>
-            <a:lstStyle/>
-            <a:p>
-              <a:endParaRPr lang="en-US"/>
-            </a:p>
-          </p:txBody>
-        </p:sp>
-        <p:sp>
-          <p:nvSpPr>
-            <p:cNvPr id="14" name="Freeform 8">
-              <a:extLst>
-                <a:ext uri="{FF2B5EF4-FFF2-40B4-BE49-F238E27FC236}">
-                  <a16:creationId xmlns:a16="http://schemas.microsoft.com/office/drawing/2014/main" id="{4B68A05B-A78B-4D59-8CF9-1900731A2188}"/>
-                </a:ext>
-                <a:ext uri="{C183D7F6-B498-43B3-948B-1728B52AA6E4}">
-                  <adec:decorative xmlns:adec="http://schemas.microsoft.com/office/drawing/2017/decorative" val="1"/>
-                </a:ext>
-              </a:extLst>
-            </p:cNvPr>
-            <p:cNvSpPr/>
-            <p:nvPr>
-              <p:extLst>
-                <p:ext uri="{386F3935-93C4-4BCD-93E2-E3B085C9AB24}">
-                  <p16:designElem xmlns:p16="http://schemas.microsoft.com/office/powerpoint/2015/main" val="1"/>
-                </p:ext>
-              </p:extLst>
-            </p:nvPr>
-          </p:nvSpPr>
-          <p:spPr bwMode="auto">
-            <a:xfrm>
-              <a:off x="1320800" y="5238750"/>
-              <a:ext cx="1228725" cy="1619250"/>
-            </a:xfrm>
-            <a:custGeom>
-              <a:avLst/>
-              <a:gdLst/>
-              <a:ahLst/>
-              <a:cxnLst/>
-              <a:rect l="0" t="0" r="r" b="b"/>
-              <a:pathLst>
-                <a:path w="774" h="1020">
-                  <a:moveTo>
-                    <a:pt x="0" y="0"/>
-                  </a:moveTo>
-                  <a:lnTo>
-                    <a:pt x="740" y="1020"/>
-                  </a:lnTo>
-                  <a:lnTo>
-                    <a:pt x="774" y="1020"/>
-                  </a:lnTo>
-                  <a:lnTo>
-                    <a:pt x="0" y="0"/>
-                  </a:lnTo>
-                  <a:close/>
-                </a:path>
-              </a:pathLst>
-            </a:custGeom>
-            <a:solidFill>
-              <a:schemeClr val="tx1">
-                <a:lumMod val="85000"/>
-                <a:lumOff val="15000"/>
-              </a:schemeClr>
-            </a:solidFill>
-            <a:ln>
-              <a:noFill/>
-            </a:ln>
-          </p:spPr>
-          <p:txBody>
-            <a:bodyPr/>
-            <a:lstStyle/>
-            <a:p>
-              <a:endParaRPr lang="en-US"/>
-            </a:p>
-          </p:txBody>
-        </p:sp>
-        <p:sp>
-          <p:nvSpPr>
-            <p:cNvPr id="15" name="Freeform 9">
-              <a:extLst>
-                <a:ext uri="{FF2B5EF4-FFF2-40B4-BE49-F238E27FC236}">
-                  <a16:creationId xmlns:a16="http://schemas.microsoft.com/office/drawing/2014/main" id="{84D57A01-C112-4FF2-B5ED-0B762AAD9CE2}"/>
-                </a:ext>
-                <a:ext uri="{C183D7F6-B498-43B3-948B-1728B52AA6E4}">
-                  <adec:decorative xmlns:adec="http://schemas.microsoft.com/office/drawing/2017/decorative" val="1"/>
-                </a:ext>
-              </a:extLst>
-            </p:cNvPr>
-            <p:cNvSpPr/>
-            <p:nvPr>
-              <p:extLst>
-                <p:ext uri="{386F3935-93C4-4BCD-93E2-E3B085C9AB24}">
-                  <p16:designElem xmlns:p16="http://schemas.microsoft.com/office/powerpoint/2015/main" val="1"/>
-                </p:ext>
-              </p:extLst>
-            </p:nvPr>
-          </p:nvSpPr>
-          <p:spPr bwMode="auto">
-            <a:xfrm>
-              <a:off x="1627188" y="5291138"/>
-              <a:ext cx="1495425" cy="1566863"/>
-            </a:xfrm>
-            <a:custGeom>
-              <a:avLst/>
-              <a:gdLst/>
-              <a:ahLst/>
-              <a:cxnLst/>
-              <a:rect l="0" t="0" r="r" b="b"/>
-              <a:pathLst>
-                <a:path w="942" h="987">
-                  <a:moveTo>
-                    <a:pt x="0" y="0"/>
-                  </a:moveTo>
-                  <a:lnTo>
-                    <a:pt x="909" y="987"/>
-                  </a:lnTo>
-                  <a:lnTo>
-                    <a:pt x="942" y="987"/>
-                  </a:lnTo>
-                  <a:lnTo>
-                    <a:pt x="0" y="0"/>
-                  </a:lnTo>
-                  <a:close/>
-                </a:path>
-              </a:pathLst>
-            </a:custGeom>
-            <a:solidFill>
-              <a:schemeClr val="accent1">
-                <a:lumMod val="50000"/>
-              </a:schemeClr>
-            </a:solidFill>
-            <a:ln>
-              <a:noFill/>
-            </a:ln>
-          </p:spPr>
-          <p:txBody>
-            <a:bodyPr/>
-            <a:lstStyle/>
-            <a:p>
-              <a:endParaRPr lang="en-US"/>
-            </a:p>
-          </p:txBody>
-        </p:sp>
-        <p:sp>
-          <p:nvSpPr>
-            <p:cNvPr id="16" name="Freeform 10">
-              <a:extLst>
-                <a:ext uri="{FF2B5EF4-FFF2-40B4-BE49-F238E27FC236}">
-                  <a16:creationId xmlns:a16="http://schemas.microsoft.com/office/drawing/2014/main" id="{6CCCCDF1-5D4F-4CA1-8400-DFBB96BB011D}"/>
-                </a:ext>
-                <a:ext uri="{C183D7F6-B498-43B3-948B-1728B52AA6E4}">
-                  <adec:decorative xmlns:adec="http://schemas.microsoft.com/office/drawing/2017/decorative" val="1"/>
-                </a:ext>
-              </a:extLst>
-            </p:cNvPr>
-            <p:cNvSpPr/>
-            <p:nvPr>
-              <p:extLst>
-                <p:ext uri="{386F3935-93C4-4BCD-93E2-E3B085C9AB24}">
-                  <p16:designElem xmlns:p16="http://schemas.microsoft.com/office/powerpoint/2015/main" val="1"/>
-                </p:ext>
-              </p:extLst>
-            </p:nvPr>
-          </p:nvSpPr>
-          <p:spPr bwMode="auto">
-            <a:xfrm>
-              <a:off x="1627188" y="5286375"/>
-              <a:ext cx="2130425" cy="1571625"/>
-            </a:xfrm>
-            <a:custGeom>
-              <a:avLst/>
-              <a:gdLst/>
-              <a:ahLst/>
-              <a:cxnLst/>
-              <a:rect l="0" t="0" r="r" b="b"/>
-              <a:pathLst>
-                <a:path w="1342" h="990">
-                  <a:moveTo>
-                    <a:pt x="0" y="3"/>
-                  </a:moveTo>
-                  <a:lnTo>
-                    <a:pt x="942" y="990"/>
-                  </a:lnTo>
-                  <a:lnTo>
-                    <a:pt x="1342" y="990"/>
-                  </a:lnTo>
-                  <a:lnTo>
-                    <a:pt x="156" y="27"/>
-                  </a:lnTo>
-                  <a:lnTo>
-                    <a:pt x="0" y="0"/>
-                  </a:lnTo>
-                  <a:lnTo>
-                    <a:pt x="0" y="3"/>
-                  </a:lnTo>
-                  <a:close/>
-                </a:path>
-              </a:pathLst>
-            </a:custGeom>
-            <a:solidFill>
-              <a:schemeClr val="accent1">
-                <a:lumMod val="75000"/>
-              </a:schemeClr>
-            </a:solidFill>
-            <a:ln>
-              <a:noFill/>
-            </a:ln>
-          </p:spPr>
-          <p:txBody>
-            <a:bodyPr/>
-            <a:lstStyle/>
-            <a:p>
-              <a:endParaRPr lang="en-US"/>
-            </a:p>
-          </p:txBody>
-        </p:sp>
-        <p:sp>
-          <p:nvSpPr>
-            <p:cNvPr id="17" name="Freeform 11">
-              <a:extLst>
-                <a:ext uri="{FF2B5EF4-FFF2-40B4-BE49-F238E27FC236}">
-                  <a16:creationId xmlns:a16="http://schemas.microsoft.com/office/drawing/2014/main" id="{20A090B2-5344-43CD-BC70-A6D44F15E800}"/>
-                </a:ext>
-                <a:ext uri="{C183D7F6-B498-43B3-948B-1728B52AA6E4}">
-                  <adec:decorative xmlns:adec="http://schemas.microsoft.com/office/drawing/2017/decorative" val="1"/>
-                </a:ext>
-              </a:extLst>
-            </p:cNvPr>
-            <p:cNvSpPr/>
-            <p:nvPr>
-              <p:extLst>
-                <p:ext uri="{386F3935-93C4-4BCD-93E2-E3B085C9AB24}">
-                  <p16:designElem xmlns:p16="http://schemas.microsoft.com/office/powerpoint/2015/main" val="1"/>
-                </p:ext>
-              </p:extLst>
-            </p:nvPr>
-          </p:nvSpPr>
-          <p:spPr bwMode="auto">
-            <a:xfrm>
-              <a:off x="1320800" y="5238750"/>
-              <a:ext cx="1695450" cy="1619250"/>
-            </a:xfrm>
-            <a:custGeom>
-              <a:avLst/>
-              <a:gdLst/>
-              <a:ahLst/>
-              <a:cxnLst/>
-              <a:rect l="0" t="0" r="r" b="b"/>
-              <a:pathLst>
-                <a:path w="1068" h="1020">
-                  <a:moveTo>
-                    <a:pt x="1068" y="1020"/>
-                  </a:moveTo>
-                  <a:lnTo>
-                    <a:pt x="184" y="60"/>
-                  </a:lnTo>
-                  <a:lnTo>
-                    <a:pt x="154" y="27"/>
-                  </a:lnTo>
-                  <a:lnTo>
-                    <a:pt x="157" y="27"/>
-                  </a:lnTo>
-                  <a:lnTo>
-                    <a:pt x="157" y="24"/>
-                  </a:lnTo>
-                  <a:lnTo>
-                    <a:pt x="154" y="24"/>
-                  </a:lnTo>
-                  <a:lnTo>
-                    <a:pt x="0" y="0"/>
-                  </a:lnTo>
-                  <a:lnTo>
-                    <a:pt x="0" y="0"/>
-                  </a:lnTo>
-                  <a:lnTo>
-                    <a:pt x="774" y="1020"/>
-                  </a:lnTo>
-                  <a:lnTo>
-                    <a:pt x="1068" y="1020"/>
-                  </a:lnTo>
-                  <a:close/>
-                </a:path>
-              </a:pathLst>
-            </a:custGeom>
-            <a:solidFill>
-              <a:schemeClr val="tx1">
-                <a:lumMod val="75000"/>
-                <a:lumOff val="25000"/>
-              </a:schemeClr>
-            </a:solidFill>
-            <a:ln>
-              <a:noFill/>
-            </a:ln>
-          </p:spPr>
-          <p:txBody>
-            <a:bodyPr/>
-            <a:lstStyle/>
-            <a:p>
-              <a:endParaRPr lang="en-US"/>
-            </a:p>
-          </p:txBody>
-        </p:sp>
-      </p:grpSp>
-      <p:sp>
-        <p:nvSpPr>
-          <p:cNvPr id="2" name="Title 1"/>
-          <p:cNvSpPr>
-            <a:spLocks noGrp="1"/>
-          </p:cNvSpPr>
-          <p:nvPr>
-            <p:ph type="title"/>
-          </p:nvPr>
-        </p:nvSpPr>
-        <p:spPr>
-          <a:xfrm>
-            <a:off x="729060" y="685800"/>
-            <a:ext cx="3945510" cy="1752599"/>
-          </a:xfrm>
-        </p:spPr>
-        <p:txBody>
-          <a:bodyPr>
-            <a:normAutofit/>
-          </a:bodyPr>
-          <a:lstStyle/>
-          <a:p>
-            <a:pPr algn="l"/>
-            <a:r>
-              <a:rPr lang="en-US" dirty="0"/>
-              <a:t>Polymorphic Collections</a:t>
-            </a:r>
-            <a:endParaRPr lang="en-US"/>
-          </a:p>
-        </p:txBody>
-      </p:sp>
-      <p:sp>
-        <p:nvSpPr>
-          <p:cNvPr id="3" name="Content Placeholder 2"/>
-          <p:cNvSpPr>
-            <a:spLocks noGrp="1"/>
-          </p:cNvSpPr>
-          <p:nvPr>
-            <p:ph idx="1"/>
-          </p:nvPr>
-        </p:nvSpPr>
-        <p:spPr>
-          <a:xfrm>
-            <a:off x="482601" y="2666999"/>
-            <a:ext cx="3945510" cy="3124201"/>
-          </a:xfrm>
-        </p:spPr>
-        <p:txBody>
-          <a:bodyPr>
-            <a:normAutofit/>
-          </a:bodyPr>
-          <a:lstStyle/>
-          <a:p>
-            <a:pPr>
-              <a:lnSpc>
-                <a:spcPct val="90000"/>
-              </a:lnSpc>
-            </a:pPr>
-            <a:r>
-              <a:rPr lang="en-US" sz="900" dirty="0"/>
-              <a:t>How did you use them in your application?</a:t>
-            </a:r>
-          </a:p>
-          <a:p>
-            <a:pPr lvl="1">
-              <a:lnSpc>
-                <a:spcPct val="90000"/>
-              </a:lnSpc>
-              <a:buFont typeface="Wingdings" panose="05000000000000000000" pitchFamily="2" charset="2"/>
-              <a:buChar char="Ø"/>
-            </a:pPr>
-            <a:r>
-              <a:rPr lang="en-US" sz="900" dirty="0"/>
-              <a:t>We use polymorphic collection in our project by generating random material subclasses like Paper and Glass. Even though they are different classes, they can be treated the same because they inherit from the Material class, which lets us store them together and  work with them using shared methods. </a:t>
-            </a:r>
-          </a:p>
-          <a:p>
-            <a:pPr>
-              <a:lnSpc>
-                <a:spcPct val="90000"/>
-              </a:lnSpc>
-            </a:pPr>
-            <a:r>
-              <a:rPr lang="en-US" sz="900" dirty="0"/>
-              <a:t>What code demonstrates how you handled different object types?</a:t>
-            </a:r>
-          </a:p>
-          <a:p>
-            <a:pPr lvl="1">
-              <a:lnSpc>
-                <a:spcPct val="90000"/>
-              </a:lnSpc>
-              <a:buFont typeface="Wingdings" panose="05000000000000000000" pitchFamily="2" charset="2"/>
-              <a:buChar char="Ø"/>
-            </a:pPr>
-            <a:r>
-              <a:rPr lang="en-US" sz="900" dirty="0"/>
-              <a:t>In our code we have one method called attempt Recycle. Instead of checking exactly what kind of material it is , we checked what the material is able to do like if its compost, donate, and bin. This lets us recycle different materials. </a:t>
-            </a:r>
-          </a:p>
-          <a:p>
-            <a:pPr>
-              <a:lnSpc>
-                <a:spcPct val="90000"/>
-              </a:lnSpc>
-            </a:pPr>
-            <a:r>
-              <a:rPr lang="en-US" sz="900" dirty="0"/>
-              <a:t>How did you avoid coupling to subclasses?</a:t>
-            </a:r>
-          </a:p>
-          <a:p>
-            <a:pPr lvl="1">
-              <a:lnSpc>
-                <a:spcPct val="90000"/>
-              </a:lnSpc>
-              <a:buFont typeface="Wingdings" panose="05000000000000000000" pitchFamily="2" charset="2"/>
-              <a:buChar char="Ø"/>
-            </a:pPr>
-            <a:r>
-              <a:rPr lang="en-US" sz="900" dirty="0"/>
-              <a:t>Instead of checking the material’s exact class, we checking if it used an interface like Compostable or </a:t>
-            </a:r>
-            <a:r>
-              <a:rPr lang="en-US" sz="900" dirty="0" err="1"/>
-              <a:t>Binnable</a:t>
-            </a:r>
-            <a:r>
-              <a:rPr lang="en-US" sz="900" dirty="0"/>
-              <a:t>. This allows any material that can compost, bin, and add newer ones later without changing anything. In our project the code only care about what the material can do and not what class it is.</a:t>
-            </a:r>
-          </a:p>
-        </p:txBody>
-      </p:sp>
-      <p:pic>
-        <p:nvPicPr>
-          <p:cNvPr id="8" name="Picture 7" descr="A grey trash can with a lid&#10;&#10;AI-generated content may be incorrect.">
-            <a:extLst>
-              <a:ext uri="{FF2B5EF4-FFF2-40B4-BE49-F238E27FC236}">
-                <a16:creationId xmlns:a16="http://schemas.microsoft.com/office/drawing/2014/main" id="{0B670192-F4E0-B11B-F8EF-21F00251903F}"/>
-              </a:ext>
-            </a:extLst>
-          </p:cNvPr>
-          <p:cNvPicPr>
-            <a:picLocks noChangeAspect="1"/>
-          </p:cNvPicPr>
-          <p:nvPr/>
-        </p:nvPicPr>
-        <p:blipFill>
-          <a:blip r:embed="rId4" cstate="print">
-            <a:extLst>
-              <a:ext uri="{28A0092B-C50C-407E-A947-70E740481C1C}">
-                <a14:useLocalDpi xmlns:a14="http://schemas.microsoft.com/office/drawing/2010/main" val="0"/>
-              </a:ext>
-            </a:extLst>
-          </a:blip>
-          <a:stretch>
-            <a:fillRect/>
-          </a:stretch>
-        </p:blipFill>
-        <p:spPr>
-          <a:xfrm>
-            <a:off x="3667719" y="1050547"/>
-            <a:ext cx="760392" cy="1099303"/>
-          </a:xfrm>
-          <a:prstGeom prst="rect">
-            <a:avLst/>
-          </a:prstGeom>
-        </p:spPr>
-      </p:pic>
-    </p:spTree>
-    <p:extLst>
-      <p:ext uri="{BB962C8B-B14F-4D97-AF65-F5344CB8AC3E}">
-        <p14:creationId xmlns:p14="http://schemas.microsoft.com/office/powerpoint/2010/main" val="1726439028"/>
-      </p:ext>
-    </p:extLst>
-  </p:cSld>
-  <p:clrMapOvr>
-    <a:masterClrMapping/>
-  </p:clrMapOvr>
-</p:sld>
-</file>
-
-<file path=ppt/slides/slide6.xml><?xml version="1.0" encoding="utf-8"?>
-<p:sld xmlns:a="http://schemas.openxmlformats.org/drawingml/2006/main" xmlns:r="http://schemas.openxmlformats.org/officeDocument/2006/relationships" xmlns:p="http://schemas.openxmlformats.org/presentationml/2006/main">
-  <p:cSld>
-    <p:bg>
-      <p:bgPr>
-        <a:blipFill rotWithShape="1">
-          <a:blip r:embed="rId2">
-            <a:duotone>
-              <a:schemeClr val="bg2">
-                <a:shade val="76000"/>
-                <a:satMod val="180000"/>
-              </a:schemeClr>
-              <a:schemeClr val="bg2">
-                <a:tint val="80000"/>
-                <a:satMod val="120000"/>
-                <a:lumMod val="180000"/>
-              </a:schemeClr>
-            </a:duotone>
-          </a:blip>
-          <a:stretch/>
-        </a:blipFill>
-        <a:effectLst/>
-      </p:bgPr>
-    </p:bg>
-    <p:spTree>
-      <p:nvGrpSpPr>
-        <p:cNvPr id="1" name=""/>
-        <p:cNvGrpSpPr/>
-        <p:nvPr/>
-      </p:nvGrpSpPr>
-      <p:grpSpPr>
-        <a:xfrm>
-          <a:off x="0" y="0"/>
-          <a:ext cx="0" cy="0"/>
-          <a:chOff x="0" y="0"/>
-          <a:chExt cx="0" cy="0"/>
-        </a:xfrm>
-      </p:grpSpPr>
-      <p:sp useBgFill="1">
-        <p:nvSpPr>
-          <p:cNvPr id="8" name="Rectangle 7">
-            <a:extLst>
-              <a:ext uri="{FF2B5EF4-FFF2-40B4-BE49-F238E27FC236}">
-                <a16:creationId xmlns:a16="http://schemas.microsoft.com/office/drawing/2014/main" id="{C8643778-7F6C-4E8D-84D1-D5CDB9928191}"/>
-              </a:ext>
-              <a:ext uri="{C183D7F6-B498-43B3-948B-1728B52AA6E4}">
-                <adec:decorative xmlns:adec="http://schemas.microsoft.com/office/drawing/2017/decorative" val="1"/>
-              </a:ext>
-            </a:extLst>
-          </p:cNvPr>
-          <p:cNvSpPr>
-            <a:spLocks noGrp="1" noRot="1" noChangeAspect="1" noMove="1" noResize="1" noEditPoints="1" noAdjustHandles="1" noChangeArrowheads="1" noChangeShapeType="1" noTextEdit="1"/>
-          </p:cNvSpPr>
-          <p:nvPr>
-            <p:extLst>
-              <p:ext uri="{386F3935-93C4-4BCD-93E2-E3B085C9AB24}">
-                <p16:designElem xmlns:p16="http://schemas.microsoft.com/office/powerpoint/2015/main" val="1"/>
-              </p:ext>
-            </p:extLst>
-          </p:nvPr>
-        </p:nvSpPr>
-        <p:spPr>
-          <a:xfrm>
-            <a:off x="0" y="0"/>
-            <a:ext cx="9144000" cy="6858000"/>
-          </a:xfrm>
-          <a:prstGeom prst="rect">
-            <a:avLst/>
-          </a:prstGeom>
-          <a:ln>
-            <a:noFill/>
-          </a:ln>
-        </p:spPr>
-        <p:style>
-          <a:lnRef idx="2">
-            <a:schemeClr val="accent1">
-              <a:shade val="50000"/>
-            </a:schemeClr>
-          </a:lnRef>
-          <a:fillRef idx="1">
-            <a:schemeClr val="accent1"/>
-          </a:fillRef>
-          <a:effectRef idx="0">
-            <a:schemeClr val="accent1"/>
-          </a:effectRef>
-          <a:fontRef idx="minor">
-            <a:schemeClr val="lt1"/>
-          </a:fontRef>
-        </p:style>
-        <p:txBody>
-          <a:bodyPr rtlCol="0" anchor="ctr"/>
-          <a:lstStyle/>
-          <a:p>
-            <a:pPr algn="ctr"/>
-            <a:endParaRPr lang="en-US"/>
-          </a:p>
-        </p:txBody>
-      </p:sp>
-      <p:sp>
-        <p:nvSpPr>
-          <p:cNvPr id="10" name="Freeform: Shape 9">
-            <a:extLst>
-              <a:ext uri="{FF2B5EF4-FFF2-40B4-BE49-F238E27FC236}">
-                <a16:creationId xmlns:a16="http://schemas.microsoft.com/office/drawing/2014/main" id="{1D22F88D-6907-48AF-B024-346E855E0D96}"/>
-              </a:ext>
-              <a:ext uri="{C183D7F6-B498-43B3-948B-1728B52AA6E4}">
-                <adec:decorative xmlns:adec="http://schemas.microsoft.com/office/drawing/2017/decorative" val="1"/>
-              </a:ext>
-            </a:extLst>
-          </p:cNvPr>
-          <p:cNvSpPr>
-            <a:spLocks noGrp="1" noRot="1" noChangeAspect="1" noMove="1" noResize="1" noEditPoints="1" noAdjustHandles="1" noChangeArrowheads="1" noChangeShapeType="1" noTextEdit="1"/>
-          </p:cNvSpPr>
-          <p:nvPr>
-            <p:extLst>
-              <p:ext uri="{386F3935-93C4-4BCD-93E2-E3B085C9AB24}">
-                <p16:designElem xmlns:p16="http://schemas.microsoft.com/office/powerpoint/2015/main" val="1"/>
-              </p:ext>
-            </p:extLst>
-          </p:nvPr>
-        </p:nvSpPr>
-        <p:spPr>
-          <a:xfrm flipV="1">
-            <a:off x="0" y="-1"/>
-            <a:ext cx="3302781" cy="6858001"/>
-          </a:xfrm>
-          <a:custGeom>
-            <a:avLst/>
-            <a:gdLst>
-              <a:gd name="connsiteX0" fmla="*/ 3223890 w 4403709"/>
-              <a:gd name="connsiteY0" fmla="*/ 6858001 h 6858001"/>
-              <a:gd name="connsiteX1" fmla="*/ 4101908 w 4403709"/>
-              <a:gd name="connsiteY1" fmla="*/ 6858001 h 6858001"/>
-              <a:gd name="connsiteX2" fmla="*/ 3254950 w 4403709"/>
-              <a:gd name="connsiteY2" fmla="*/ 1599356 h 6858001"/>
-              <a:gd name="connsiteX3" fmla="*/ 3254950 w 4403709"/>
-              <a:gd name="connsiteY3" fmla="*/ 1594062 h 6858001"/>
-              <a:gd name="connsiteX4" fmla="*/ 4403709 w 4403709"/>
-              <a:gd name="connsiteY4" fmla="*/ 0 h 6858001"/>
-              <a:gd name="connsiteX5" fmla="*/ 3254950 w 4403709"/>
-              <a:gd name="connsiteY5" fmla="*/ 0 h 6858001"/>
-              <a:gd name="connsiteX6" fmla="*/ 2903520 w 4403709"/>
-              <a:gd name="connsiteY6" fmla="*/ 0 h 6858001"/>
-              <a:gd name="connsiteX7" fmla="*/ 0 w 4403709"/>
-              <a:gd name="connsiteY7" fmla="*/ 0 h 6858001"/>
-              <a:gd name="connsiteX8" fmla="*/ 0 w 4403709"/>
-              <a:gd name="connsiteY8" fmla="*/ 6858000 h 6858001"/>
-              <a:gd name="connsiteX9" fmla="*/ 3223890 w 4403709"/>
-              <a:gd name="connsiteY9" fmla="*/ 6858000 h 6858001"/>
-            </a:gdLst>
-            <a:ahLst/>
-            <a:cxnLst>
-              <a:cxn ang="0">
-                <a:pos x="connsiteX0" y="connsiteY0"/>
-              </a:cxn>
-              <a:cxn ang="0">
-                <a:pos x="connsiteX1" y="connsiteY1"/>
-              </a:cxn>
-              <a:cxn ang="0">
-                <a:pos x="connsiteX2" y="connsiteY2"/>
-              </a:cxn>
-              <a:cxn ang="0">
-                <a:pos x="connsiteX3" y="connsiteY3"/>
-              </a:cxn>
-              <a:cxn ang="0">
-                <a:pos x="connsiteX4" y="connsiteY4"/>
-              </a:cxn>
-              <a:cxn ang="0">
-                <a:pos x="connsiteX5" y="connsiteY5"/>
-              </a:cxn>
-              <a:cxn ang="0">
-                <a:pos x="connsiteX6" y="connsiteY6"/>
-              </a:cxn>
-              <a:cxn ang="0">
-                <a:pos x="connsiteX7" y="connsiteY7"/>
-              </a:cxn>
-              <a:cxn ang="0">
-                <a:pos x="connsiteX8" y="connsiteY8"/>
-              </a:cxn>
-              <a:cxn ang="0">
-                <a:pos x="connsiteX9" y="connsiteY9"/>
-              </a:cxn>
-            </a:cxnLst>
-            <a:rect l="l" t="t" r="r" b="b"/>
-            <a:pathLst>
-              <a:path w="4403709" h="6858001">
-                <a:moveTo>
-                  <a:pt x="3223890" y="6858001"/>
-                </a:moveTo>
-                <a:lnTo>
-                  <a:pt x="4101908" y="6858001"/>
-                </a:lnTo>
-                <a:lnTo>
-                  <a:pt x="3254950" y="1599356"/>
-                </a:lnTo>
-                <a:lnTo>
-                  <a:pt x="3254950" y="1594062"/>
-                </a:lnTo>
-                <a:lnTo>
-                  <a:pt x="4403709" y="0"/>
-                </a:lnTo>
-                <a:lnTo>
-                  <a:pt x="3254950" y="0"/>
-                </a:lnTo>
-                <a:lnTo>
-                  <a:pt x="2903520" y="0"/>
-                </a:lnTo>
-                <a:lnTo>
-                  <a:pt x="0" y="0"/>
-                </a:lnTo>
-                <a:lnTo>
-                  <a:pt x="0" y="6858000"/>
-                </a:lnTo>
-                <a:lnTo>
-                  <a:pt x="3223890" y="6858000"/>
-                </a:lnTo>
-                <a:close/>
-              </a:path>
-            </a:pathLst>
-          </a:custGeom>
-          <a:gradFill flip="none" rotWithShape="1">
-            <a:gsLst>
-              <a:gs pos="0">
-                <a:schemeClr val="accent1">
-                  <a:lumMod val="89000"/>
-                </a:schemeClr>
-              </a:gs>
-              <a:gs pos="23000">
-                <a:schemeClr val="accent1">
-                  <a:lumMod val="89000"/>
-                </a:schemeClr>
-              </a:gs>
-              <a:gs pos="69000">
-                <a:schemeClr val="accent1">
-                  <a:lumMod val="75000"/>
-                </a:schemeClr>
-              </a:gs>
-              <a:gs pos="97000">
-                <a:schemeClr val="accent1">
-                  <a:lumMod val="70000"/>
-                </a:schemeClr>
-              </a:gs>
-            </a:gsLst>
-            <a:path path="circle">
-              <a:fillToRect l="50000" t="50000" r="50000" b="50000"/>
-            </a:path>
-            <a:tileRect/>
-          </a:gradFill>
-          <a:ln>
-            <a:noFill/>
-          </a:ln>
-        </p:spPr>
-        <p:style>
-          <a:lnRef idx="2">
-            <a:schemeClr val="accent1">
-              <a:shade val="50000"/>
-            </a:schemeClr>
-          </a:lnRef>
-          <a:fillRef idx="1002">
-            <a:schemeClr val="dk1"/>
-          </a:fillRef>
-          <a:effectRef idx="0">
-            <a:schemeClr val="accent1"/>
-          </a:effectRef>
-          <a:fontRef idx="minor">
-            <a:schemeClr val="lt1"/>
-          </a:fontRef>
-        </p:style>
-        <p:txBody>
-          <a:bodyPr rtlCol="0" anchor="ctr"/>
-          <a:lstStyle/>
-          <a:p>
-            <a:pPr algn="ctr"/>
-            <a:endParaRPr lang="en-US">
-              <a:solidFill>
-                <a:schemeClr val="tx1"/>
-              </a:solidFill>
-            </a:endParaRPr>
-          </a:p>
-        </p:txBody>
-      </p:sp>
-      <p:sp>
-        <p:nvSpPr>
-          <p:cNvPr id="2" name="Title 1"/>
-          <p:cNvSpPr>
-            <a:spLocks noGrp="1"/>
-          </p:cNvSpPr>
-          <p:nvPr>
-            <p:ph type="title"/>
-          </p:nvPr>
-        </p:nvSpPr>
-        <p:spPr>
-          <a:xfrm>
-            <a:off x="372084" y="685801"/>
-            <a:ext cx="2057400" cy="5105400"/>
-          </a:xfrm>
-        </p:spPr>
-        <p:txBody>
-          <a:bodyPr>
-            <a:normAutofit/>
-          </a:bodyPr>
-          <a:lstStyle/>
-          <a:p>
-            <a:pPr algn="l"/>
-            <a:r>
-              <a:rPr lang="en-US" sz="2800">
-                <a:solidFill>
-                  <a:srgbClr val="FFFFFF"/>
-                </a:solidFill>
-              </a:rPr>
-              <a:t>Abstract Classes and Interfaces</a:t>
-            </a:r>
-          </a:p>
-        </p:txBody>
-      </p:sp>
-      <p:grpSp>
-        <p:nvGrpSpPr>
-          <p:cNvPr id="12" name="Group 11">
-            <a:extLst>
-              <a:ext uri="{FF2B5EF4-FFF2-40B4-BE49-F238E27FC236}">
-                <a16:creationId xmlns:a16="http://schemas.microsoft.com/office/drawing/2014/main" id="{F3842748-48B5-4DD0-A06A-A31C74024A99}"/>
-              </a:ext>
-              <a:ext uri="{C183D7F6-B498-43B3-948B-1728B52AA6E4}">
-                <adec:decorative xmlns:adec="http://schemas.microsoft.com/office/drawing/2017/decorative" val="1"/>
-              </a:ext>
-            </a:extLst>
-          </p:cNvPr>
-          <p:cNvGrpSpPr>
-            <a:grpSpLocks noGrp="1" noUngrp="1" noRot="1" noChangeAspect="1" noMove="1" noResize="1"/>
-          </p:cNvGrpSpPr>
-          <p:nvPr>
-            <p:extLst>
-              <p:ext uri="{386F3935-93C4-4BCD-93E2-E3B085C9AB24}">
-                <p16:designElem xmlns:p16="http://schemas.microsoft.com/office/powerpoint/2015/main" val="1"/>
-              </p:ext>
-            </p:extLst>
-          </p:nvPr>
-        </p:nvGrpSpPr>
-        <p:grpSpPr>
-          <a:xfrm>
-            <a:off x="2486469" y="0"/>
-            <a:ext cx="1827609" cy="6858001"/>
-            <a:chOff x="1320800" y="0"/>
-            <a:chExt cx="2436813" cy="6858001"/>
-          </a:xfrm>
-        </p:grpSpPr>
-        <p:sp>
-          <p:nvSpPr>
-            <p:cNvPr id="13" name="Freeform 6">
-              <a:extLst>
-                <a:ext uri="{FF2B5EF4-FFF2-40B4-BE49-F238E27FC236}">
-                  <a16:creationId xmlns:a16="http://schemas.microsoft.com/office/drawing/2014/main" id="{548E99BE-1071-4690-9B9C-07926CEE5557}"/>
-                </a:ext>
-                <a:ext uri="{C183D7F6-B498-43B3-948B-1728B52AA6E4}">
-                  <adec:decorative xmlns:adec="http://schemas.microsoft.com/office/drawing/2017/decorative" val="1"/>
-                </a:ext>
-              </a:extLst>
-            </p:cNvPr>
-            <p:cNvSpPr/>
-            <p:nvPr>
-              <p:extLst>
-                <p:ext uri="{386F3935-93C4-4BCD-93E2-E3B085C9AB24}">
-                  <p16:designElem xmlns:p16="http://schemas.microsoft.com/office/powerpoint/2015/main" val="1"/>
-                </p:ext>
-              </p:extLst>
-            </p:nvPr>
-          </p:nvSpPr>
-          <p:spPr bwMode="auto">
-            <a:xfrm>
-              <a:off x="1627188" y="0"/>
-              <a:ext cx="1122363" cy="5329238"/>
-            </a:xfrm>
-            <a:custGeom>
-              <a:avLst/>
-              <a:gdLst/>
-              <a:ahLst/>
-              <a:cxnLst/>
-              <a:rect l="0" t="0" r="r" b="b"/>
-              <a:pathLst>
-                <a:path w="707" h="3357">
-                  <a:moveTo>
-                    <a:pt x="0" y="3330"/>
-                  </a:moveTo>
-                  <a:lnTo>
-                    <a:pt x="156" y="3357"/>
-                  </a:lnTo>
-                  <a:lnTo>
-                    <a:pt x="707" y="0"/>
-                  </a:lnTo>
-                  <a:lnTo>
-                    <a:pt x="547" y="0"/>
-                  </a:lnTo>
-                  <a:lnTo>
-                    <a:pt x="0" y="3330"/>
-                  </a:lnTo>
-                  <a:close/>
-                </a:path>
-              </a:pathLst>
-            </a:custGeom>
-            <a:solidFill>
-              <a:schemeClr val="accent1"/>
-            </a:solidFill>
-            <a:ln>
-              <a:noFill/>
-            </a:ln>
-          </p:spPr>
-          <p:txBody>
-            <a:bodyPr/>
-            <a:lstStyle/>
-            <a:p>
-              <a:endParaRPr lang="en-US"/>
-            </a:p>
-          </p:txBody>
-        </p:sp>
-        <p:sp>
-          <p:nvSpPr>
-            <p:cNvPr id="14" name="Freeform 7">
-              <a:extLst>
-                <a:ext uri="{FF2B5EF4-FFF2-40B4-BE49-F238E27FC236}">
-                  <a16:creationId xmlns:a16="http://schemas.microsoft.com/office/drawing/2014/main" id="{9301F039-B467-413A-B25C-770E51069D42}"/>
-                </a:ext>
-                <a:ext uri="{C183D7F6-B498-43B3-948B-1728B52AA6E4}">
-                  <adec:decorative xmlns:adec="http://schemas.microsoft.com/office/drawing/2017/decorative" val="1"/>
-                </a:ext>
-              </a:extLst>
-            </p:cNvPr>
-            <p:cNvSpPr/>
-            <p:nvPr>
-              <p:extLst>
-                <p:ext uri="{386F3935-93C4-4BCD-93E2-E3B085C9AB24}">
-                  <p16:designElem xmlns:p16="http://schemas.microsoft.com/office/powerpoint/2015/main" val="1"/>
-                </p:ext>
-              </p:extLst>
-            </p:nvPr>
-          </p:nvSpPr>
-          <p:spPr bwMode="auto">
-            <a:xfrm>
-              <a:off x="1320800" y="0"/>
-              <a:ext cx="1117600" cy="5276850"/>
-            </a:xfrm>
-            <a:custGeom>
-              <a:avLst/>
-              <a:gdLst/>
-              <a:ahLst/>
-              <a:cxnLst/>
-              <a:rect l="0" t="0" r="r" b="b"/>
-              <a:pathLst>
-                <a:path w="704" h="3324">
-                  <a:moveTo>
-                    <a:pt x="704" y="0"/>
-                  </a:moveTo>
-                  <a:lnTo>
-                    <a:pt x="545" y="0"/>
-                  </a:lnTo>
-                  <a:lnTo>
-                    <a:pt x="0" y="3300"/>
-                  </a:lnTo>
-                  <a:lnTo>
-                    <a:pt x="157" y="3324"/>
-                  </a:lnTo>
-                  <a:lnTo>
-                    <a:pt x="704" y="0"/>
-                  </a:lnTo>
-                  <a:close/>
-                </a:path>
-              </a:pathLst>
-            </a:custGeom>
-            <a:solidFill>
-              <a:schemeClr val="tx1">
-                <a:lumMod val="65000"/>
-                <a:lumOff val="35000"/>
-              </a:schemeClr>
-            </a:solidFill>
-            <a:ln>
-              <a:noFill/>
-            </a:ln>
-          </p:spPr>
-          <p:txBody>
-            <a:bodyPr/>
-            <a:lstStyle/>
-            <a:p>
-              <a:endParaRPr lang="en-US"/>
-            </a:p>
-          </p:txBody>
-        </p:sp>
-        <p:sp>
-          <p:nvSpPr>
-            <p:cNvPr id="15" name="Freeform 8">
-              <a:extLst>
-                <a:ext uri="{FF2B5EF4-FFF2-40B4-BE49-F238E27FC236}">
-                  <a16:creationId xmlns:a16="http://schemas.microsoft.com/office/drawing/2014/main" id="{9F06AEC1-5558-49E8-8CAC-FEBD00DF0031}"/>
-                </a:ext>
-                <a:ext uri="{C183D7F6-B498-43B3-948B-1728B52AA6E4}">
-                  <adec:decorative xmlns:adec="http://schemas.microsoft.com/office/drawing/2017/decorative" val="1"/>
-                </a:ext>
-              </a:extLst>
-            </p:cNvPr>
-            <p:cNvSpPr/>
-            <p:nvPr>
-              <p:extLst>
-                <p:ext uri="{386F3935-93C4-4BCD-93E2-E3B085C9AB24}">
-                  <p16:designElem xmlns:p16="http://schemas.microsoft.com/office/powerpoint/2015/main" val="1"/>
-                </p:ext>
-              </p:extLst>
-            </p:nvPr>
-          </p:nvSpPr>
-          <p:spPr bwMode="auto">
-            <a:xfrm>
-              <a:off x="1320800" y="5238750"/>
-              <a:ext cx="1228725" cy="1619250"/>
-            </a:xfrm>
-            <a:custGeom>
-              <a:avLst/>
-              <a:gdLst/>
-              <a:ahLst/>
-              <a:cxnLst/>
-              <a:rect l="0" t="0" r="r" b="b"/>
-              <a:pathLst>
-                <a:path w="774" h="1020">
-                  <a:moveTo>
-                    <a:pt x="0" y="0"/>
-                  </a:moveTo>
-                  <a:lnTo>
-                    <a:pt x="740" y="1020"/>
-                  </a:lnTo>
-                  <a:lnTo>
-                    <a:pt x="774" y="1020"/>
-                  </a:lnTo>
-                  <a:lnTo>
-                    <a:pt x="0" y="0"/>
-                  </a:lnTo>
-                  <a:close/>
-                </a:path>
-              </a:pathLst>
-            </a:custGeom>
-            <a:solidFill>
-              <a:schemeClr val="tx1">
-                <a:lumMod val="85000"/>
-                <a:lumOff val="15000"/>
-              </a:schemeClr>
-            </a:solidFill>
-            <a:ln>
-              <a:noFill/>
-            </a:ln>
-          </p:spPr>
-          <p:txBody>
-            <a:bodyPr/>
-            <a:lstStyle/>
-            <a:p>
-              <a:endParaRPr lang="en-US"/>
-            </a:p>
-          </p:txBody>
-        </p:sp>
-        <p:sp>
-          <p:nvSpPr>
-            <p:cNvPr id="16" name="Freeform 9">
-              <a:extLst>
-                <a:ext uri="{FF2B5EF4-FFF2-40B4-BE49-F238E27FC236}">
-                  <a16:creationId xmlns:a16="http://schemas.microsoft.com/office/drawing/2014/main" id="{D10B76B9-BA68-471E-B58C-ED91198A9FAB}"/>
-                </a:ext>
-                <a:ext uri="{C183D7F6-B498-43B3-948B-1728B52AA6E4}">
-                  <adec:decorative xmlns:adec="http://schemas.microsoft.com/office/drawing/2017/decorative" val="1"/>
-                </a:ext>
-              </a:extLst>
-            </p:cNvPr>
-            <p:cNvSpPr/>
-            <p:nvPr>
-              <p:extLst>
-                <p:ext uri="{386F3935-93C4-4BCD-93E2-E3B085C9AB24}">
-                  <p16:designElem xmlns:p16="http://schemas.microsoft.com/office/powerpoint/2015/main" val="1"/>
-                </p:ext>
-              </p:extLst>
-            </p:nvPr>
-          </p:nvSpPr>
-          <p:spPr bwMode="auto">
-            <a:xfrm>
-              <a:off x="1627188" y="5291138"/>
-              <a:ext cx="1495425" cy="1566863"/>
-            </a:xfrm>
-            <a:custGeom>
-              <a:avLst/>
-              <a:gdLst/>
-              <a:ahLst/>
-              <a:cxnLst/>
-              <a:rect l="0" t="0" r="r" b="b"/>
-              <a:pathLst>
-                <a:path w="942" h="987">
-                  <a:moveTo>
-                    <a:pt x="0" y="0"/>
-                  </a:moveTo>
-                  <a:lnTo>
-                    <a:pt x="909" y="987"/>
-                  </a:lnTo>
-                  <a:lnTo>
-                    <a:pt x="942" y="987"/>
-                  </a:lnTo>
-                  <a:lnTo>
-                    <a:pt x="0" y="0"/>
-                  </a:lnTo>
-                  <a:close/>
-                </a:path>
-              </a:pathLst>
-            </a:custGeom>
-            <a:solidFill>
-              <a:schemeClr val="accent1">
-                <a:lumMod val="50000"/>
-              </a:schemeClr>
-            </a:solidFill>
-            <a:ln>
-              <a:noFill/>
-            </a:ln>
-          </p:spPr>
-          <p:txBody>
-            <a:bodyPr/>
-            <a:lstStyle/>
-            <a:p>
-              <a:endParaRPr lang="en-US"/>
-            </a:p>
-          </p:txBody>
-        </p:sp>
-        <p:sp>
-          <p:nvSpPr>
-            <p:cNvPr id="17" name="Freeform 10">
-              <a:extLst>
-                <a:ext uri="{FF2B5EF4-FFF2-40B4-BE49-F238E27FC236}">
-                  <a16:creationId xmlns:a16="http://schemas.microsoft.com/office/drawing/2014/main" id="{FEB3913B-54A3-490E-BA4B-5D0330990FCB}"/>
-                </a:ext>
-                <a:ext uri="{C183D7F6-B498-43B3-948B-1728B52AA6E4}">
-                  <adec:decorative xmlns:adec="http://schemas.microsoft.com/office/drawing/2017/decorative" val="1"/>
-                </a:ext>
-              </a:extLst>
-            </p:cNvPr>
-            <p:cNvSpPr/>
-            <p:nvPr>
-              <p:extLst>
-                <p:ext uri="{386F3935-93C4-4BCD-93E2-E3B085C9AB24}">
-                  <p16:designElem xmlns:p16="http://schemas.microsoft.com/office/powerpoint/2015/main" val="1"/>
-                </p:ext>
-              </p:extLst>
-            </p:nvPr>
-          </p:nvSpPr>
-          <p:spPr bwMode="auto">
-            <a:xfrm>
-              <a:off x="1627188" y="5286375"/>
-              <a:ext cx="2130425" cy="1571625"/>
-            </a:xfrm>
-            <a:custGeom>
-              <a:avLst/>
-              <a:gdLst/>
-              <a:ahLst/>
-              <a:cxnLst/>
-              <a:rect l="0" t="0" r="r" b="b"/>
-              <a:pathLst>
-                <a:path w="1342" h="990">
-                  <a:moveTo>
-                    <a:pt x="0" y="3"/>
-                  </a:moveTo>
-                  <a:lnTo>
-                    <a:pt x="942" y="990"/>
-                  </a:lnTo>
-                  <a:lnTo>
-                    <a:pt x="1342" y="990"/>
-                  </a:lnTo>
-                  <a:lnTo>
-                    <a:pt x="156" y="27"/>
-                  </a:lnTo>
-                  <a:lnTo>
-                    <a:pt x="0" y="0"/>
-                  </a:lnTo>
-                  <a:lnTo>
-                    <a:pt x="0" y="3"/>
-                  </a:lnTo>
-                  <a:close/>
-                </a:path>
-              </a:pathLst>
-            </a:custGeom>
-            <a:solidFill>
-              <a:schemeClr val="accent1">
-                <a:lumMod val="75000"/>
-              </a:schemeClr>
-            </a:solidFill>
-            <a:ln>
-              <a:noFill/>
-            </a:ln>
-          </p:spPr>
-          <p:txBody>
-            <a:bodyPr/>
-            <a:lstStyle/>
-            <a:p>
-              <a:endParaRPr lang="en-US"/>
-            </a:p>
-          </p:txBody>
-        </p:sp>
-        <p:sp>
-          <p:nvSpPr>
-            <p:cNvPr id="18" name="Freeform 11">
-              <a:extLst>
-                <a:ext uri="{FF2B5EF4-FFF2-40B4-BE49-F238E27FC236}">
-                  <a16:creationId xmlns:a16="http://schemas.microsoft.com/office/drawing/2014/main" id="{F75DC961-08A4-46F8-8A80-2E1FB977E1F4}"/>
-                </a:ext>
-                <a:ext uri="{C183D7F6-B498-43B3-948B-1728B52AA6E4}">
-                  <adec:decorative xmlns:adec="http://schemas.microsoft.com/office/drawing/2017/decorative" val="1"/>
-                </a:ext>
-              </a:extLst>
-            </p:cNvPr>
-            <p:cNvSpPr/>
-            <p:nvPr>
-              <p:extLst>
-                <p:ext uri="{386F3935-93C4-4BCD-93E2-E3B085C9AB24}">
-                  <p16:designElem xmlns:p16="http://schemas.microsoft.com/office/powerpoint/2015/main" val="1"/>
-                </p:ext>
-              </p:extLst>
-            </p:nvPr>
-          </p:nvSpPr>
-          <p:spPr bwMode="auto">
-            <a:xfrm>
-              <a:off x="1320800" y="5238750"/>
-              <a:ext cx="1695450" cy="1619250"/>
-            </a:xfrm>
-            <a:custGeom>
-              <a:avLst/>
-              <a:gdLst/>
-              <a:ahLst/>
-              <a:cxnLst/>
-              <a:rect l="0" t="0" r="r" b="b"/>
-              <a:pathLst>
-                <a:path w="1068" h="1020">
-                  <a:moveTo>
-                    <a:pt x="1068" y="1020"/>
-                  </a:moveTo>
-                  <a:lnTo>
-                    <a:pt x="184" y="60"/>
-                  </a:lnTo>
-                  <a:lnTo>
-                    <a:pt x="154" y="27"/>
-                  </a:lnTo>
-                  <a:lnTo>
-                    <a:pt x="157" y="27"/>
-                  </a:lnTo>
-                  <a:lnTo>
-                    <a:pt x="157" y="24"/>
-                  </a:lnTo>
-                  <a:lnTo>
-                    <a:pt x="154" y="24"/>
-                  </a:lnTo>
-                  <a:lnTo>
-                    <a:pt x="0" y="0"/>
-                  </a:lnTo>
-                  <a:lnTo>
-                    <a:pt x="0" y="0"/>
-                  </a:lnTo>
-                  <a:lnTo>
-                    <a:pt x="774" y="1020"/>
-                  </a:lnTo>
-                  <a:lnTo>
-                    <a:pt x="1068" y="1020"/>
-                  </a:lnTo>
-                  <a:close/>
-                </a:path>
-              </a:pathLst>
-            </a:custGeom>
-            <a:solidFill>
-              <a:schemeClr val="tx1">
-                <a:lumMod val="75000"/>
-                <a:lumOff val="25000"/>
-              </a:schemeClr>
-            </a:solidFill>
-            <a:ln>
-              <a:noFill/>
-            </a:ln>
-          </p:spPr>
-          <p:txBody>
-            <a:bodyPr/>
-            <a:lstStyle/>
-            <a:p>
-              <a:endParaRPr lang="en-US"/>
-            </a:p>
-          </p:txBody>
-        </p:sp>
-      </p:grpSp>
-      <p:sp>
-        <p:nvSpPr>
-          <p:cNvPr id="3" name="Content Placeholder 2"/>
-          <p:cNvSpPr>
-            <a:spLocks noGrp="1"/>
-          </p:cNvSpPr>
-          <p:nvPr>
-            <p:ph idx="1"/>
-          </p:nvPr>
-        </p:nvSpPr>
-        <p:spPr>
-          <a:xfrm>
-            <a:off x="3837829" y="685801"/>
-            <a:ext cx="4789439" cy="5105400"/>
-          </a:xfrm>
-        </p:spPr>
-        <p:txBody>
-          <a:bodyPr>
-            <a:normAutofit/>
-          </a:bodyPr>
-          <a:lstStyle/>
-          <a:p>
-            <a:pPr>
-              <a:lnSpc>
-                <a:spcPct val="90000"/>
-              </a:lnSpc>
-            </a:pPr>
-            <a:r>
-              <a:rPr lang="en-US" sz="1200" dirty="0"/>
-              <a:t>Where did you use abstract classes?</a:t>
-            </a:r>
-          </a:p>
-          <a:p>
-            <a:pPr lvl="1">
-              <a:lnSpc>
-                <a:spcPct val="90000"/>
-              </a:lnSpc>
-              <a:buFont typeface="Wingdings" panose="05000000000000000000" pitchFamily="2" charset="2"/>
-              <a:buChar char="Ø"/>
-            </a:pPr>
-            <a:r>
-              <a:rPr lang="en-US" sz="1200" dirty="0"/>
-              <a:t>We used an abstract class called Material</a:t>
-            </a:r>
-          </a:p>
-          <a:p>
-            <a:pPr>
-              <a:lnSpc>
-                <a:spcPct val="90000"/>
-              </a:lnSpc>
-            </a:pPr>
-            <a:r>
-              <a:rPr lang="en-US" sz="1200" dirty="0"/>
-              <a:t>Why did you use them?</a:t>
-            </a:r>
-          </a:p>
-          <a:p>
-            <a:pPr lvl="1">
-              <a:lnSpc>
-                <a:spcPct val="90000"/>
-              </a:lnSpc>
-              <a:buFont typeface="Wingdings" panose="05000000000000000000" pitchFamily="2" charset="2"/>
-              <a:buChar char="Ø"/>
-            </a:pPr>
-            <a:r>
-              <a:rPr lang="en-US" sz="1200" dirty="0"/>
-              <a:t>We used the Material class to allow subclass to share common variables and methods for materials, and to prevent anyone from making a generic material object that isn’t specific like Paper or Plastic.</a:t>
-            </a:r>
-          </a:p>
-          <a:p>
-            <a:pPr>
-              <a:lnSpc>
-                <a:spcPct val="90000"/>
-              </a:lnSpc>
-            </a:pPr>
-            <a:r>
-              <a:rPr lang="en-US" sz="1200" dirty="0"/>
-              <a:t>Where were interfaces used?</a:t>
-            </a:r>
-          </a:p>
-          <a:p>
-            <a:pPr lvl="1">
-              <a:lnSpc>
-                <a:spcPct val="90000"/>
-              </a:lnSpc>
-              <a:buFont typeface="Wingdings" panose="05000000000000000000" pitchFamily="2" charset="2"/>
-              <a:buChar char="Ø"/>
-            </a:pPr>
-            <a:r>
-              <a:rPr lang="en-US" sz="1200" dirty="0"/>
-              <a:t>We had interfaces like Disposable and Compostable and they were used to describe what a material can do. Example: The </a:t>
-            </a:r>
-            <a:r>
-              <a:rPr lang="en-US" sz="1200" dirty="0" err="1"/>
-              <a:t>Food_Waste</a:t>
-            </a:r>
-            <a:r>
-              <a:rPr lang="en-US" sz="1200" dirty="0"/>
-              <a:t> subclass of Material implements Compostable, showing that any </a:t>
-            </a:r>
-            <a:r>
-              <a:rPr lang="en-US" sz="1200" dirty="0" err="1"/>
-              <a:t>Food_Waste</a:t>
-            </a:r>
-            <a:r>
-              <a:rPr lang="en-US" sz="1200" dirty="0"/>
-              <a:t> is compostable. </a:t>
-            </a:r>
-          </a:p>
-          <a:p>
-            <a:pPr>
-              <a:lnSpc>
-                <a:spcPct val="90000"/>
-              </a:lnSpc>
-            </a:pPr>
-            <a:r>
-              <a:rPr lang="en-US" sz="1200" dirty="0"/>
-              <a:t>Did you </a:t>
-            </a:r>
-            <a:r>
-              <a:rPr lang="en-US" sz="1200" i="1" dirty="0"/>
-              <a:t>have</a:t>
-            </a:r>
-            <a:r>
-              <a:rPr lang="en-US" sz="1200" dirty="0"/>
-              <a:t> to use interfaces for your project?</a:t>
-            </a:r>
-          </a:p>
-          <a:p>
-            <a:pPr lvl="1">
-              <a:lnSpc>
-                <a:spcPct val="90000"/>
-              </a:lnSpc>
-              <a:buFont typeface="Wingdings" panose="05000000000000000000" pitchFamily="2" charset="2"/>
-              <a:buChar char="Ø"/>
-            </a:pPr>
-            <a:r>
-              <a:rPr lang="en-US" sz="1200" dirty="0"/>
-              <a:t>Yes, we had to use interfaces in our project due to needing to check if something could be composted or disposable without needing to know the exact type of material subclass it is.</a:t>
-            </a:r>
-          </a:p>
-          <a:p>
-            <a:pPr>
-              <a:lnSpc>
-                <a:spcPct val="90000"/>
-              </a:lnSpc>
-            </a:pPr>
-            <a:r>
-              <a:rPr lang="en-US" sz="1200" dirty="0"/>
-              <a:t>What were the advantages/disadvantages of using interfaces?</a:t>
-            </a:r>
-          </a:p>
-          <a:p>
-            <a:pPr lvl="1">
-              <a:lnSpc>
-                <a:spcPct val="90000"/>
-              </a:lnSpc>
-              <a:buFont typeface="Wingdings" panose="05000000000000000000" pitchFamily="2" charset="2"/>
-              <a:buChar char="Ø"/>
-            </a:pPr>
-            <a:r>
-              <a:rPr lang="en-US" sz="1200" dirty="0"/>
-              <a:t>An advantage of using interfaces is it decoupled the code, where we didn’t need to know what class, a material was, we only needed to know what it could do. A disadvantage is some materials implement many interfaces; this makes them a little more complicated to set up. </a:t>
-            </a:r>
-          </a:p>
-          <a:p>
-            <a:pPr>
-              <a:lnSpc>
-                <a:spcPct val="90000"/>
-              </a:lnSpc>
-            </a:pPr>
-            <a:endParaRPr lang="en-US" sz="1200" dirty="0"/>
-          </a:p>
-        </p:txBody>
-      </p:sp>
-    </p:spTree>
-    <p:extLst>
-      <p:ext uri="{BB962C8B-B14F-4D97-AF65-F5344CB8AC3E}">
-        <p14:creationId xmlns:p14="http://schemas.microsoft.com/office/powerpoint/2010/main" val="2385928056"/>
-      </p:ext>
-    </p:extLst>
-  </p:cSld>
-  <p:clrMapOvr>
-    <a:masterClrMapping/>
-  </p:clrMapOvr>
-</p:sld>
-</file>
-
-<file path=ppt/slides/slide7.xml><?xml version="1.0" encoding="utf-8"?>
 <p:sld xmlns:a="http://schemas.openxmlformats.org/drawingml/2006/main" xmlns:r="http://schemas.openxmlformats.org/officeDocument/2006/relationships" xmlns:p="http://schemas.openxmlformats.org/presentationml/2006/main">
   <p:cSld>
     <p:bg>
@@ -10667,7 +6967,7 @@
           <a:lstStyle/>
           <a:p>
             <a:r>
-              <a:rPr lang="en-US" sz="1600" dirty="0"/>
+              <a:rPr lang="en-US" sz="1600"/>
               <a:t>What was the most challenging aspect of your GUI?</a:t>
             </a:r>
           </a:p>
@@ -10677,13 +6977,13 @@
               <a:buChar char="Ø"/>
             </a:pPr>
             <a:r>
-              <a:rPr lang="en-US" sz="1200" dirty="0"/>
+              <a:rPr lang="en-US" sz="1200"/>
               <a:t>The most challenging part of the GUI was trying to manage all of the different user choices a user could pick and updating the screen correctly with proper information and without confusing the user.</a:t>
             </a:r>
           </a:p>
           <a:p>
             <a:pPr lvl="1"/>
-            <a:endParaRPr lang="en-US" sz="1200" dirty="0"/>
+            <a:endParaRPr lang="en-US" sz="1200"/>
           </a:p>
         </p:txBody>
       </p:sp>
@@ -10906,7 +7206,1724 @@
 </p:sld>
 </file>
 
-<file path=ppt/slides/slide8.xml><?xml version="1.0" encoding="utf-8"?>
+<file path=ppt/slides/slide11.xml><?xml version="1.0" encoding="utf-8"?>
+<p:sld xmlns:a="http://schemas.openxmlformats.org/drawingml/2006/main" xmlns:r="http://schemas.openxmlformats.org/officeDocument/2006/relationships" xmlns:p="http://schemas.openxmlformats.org/presentationml/2006/main">
+  <p:cSld>
+    <p:bg>
+      <p:bgPr>
+        <a:blipFill rotWithShape="1">
+          <a:blip r:embed="rId2">
+            <a:duotone>
+              <a:schemeClr val="bg2">
+                <a:shade val="76000"/>
+                <a:satMod val="180000"/>
+              </a:schemeClr>
+              <a:schemeClr val="bg2">
+                <a:tint val="80000"/>
+                <a:satMod val="120000"/>
+                <a:lumMod val="180000"/>
+              </a:schemeClr>
+            </a:duotone>
+          </a:blip>
+          <a:stretch/>
+        </a:blipFill>
+        <a:effectLst/>
+      </p:bgPr>
+    </p:bg>
+    <p:spTree>
+      <p:nvGrpSpPr>
+        <p:cNvPr id="1" name=""/>
+        <p:cNvGrpSpPr/>
+        <p:nvPr/>
+      </p:nvGrpSpPr>
+      <p:grpSpPr>
+        <a:xfrm>
+          <a:off x="0" y="0"/>
+          <a:ext cx="0" cy="0"/>
+          <a:chOff x="0" y="0"/>
+          <a:chExt cx="0" cy="0"/>
+        </a:xfrm>
+      </p:grpSpPr>
+      <p:pic>
+        <p:nvPicPr>
+          <p:cNvPr id="5" name="Picture 4" descr="A red triangle with a exclamation mark&#10;&#10;AI-generated content may be incorrect.">
+            <a:extLst>
+              <a:ext uri="{FF2B5EF4-FFF2-40B4-BE49-F238E27FC236}">
+                <a16:creationId xmlns:a16="http://schemas.microsoft.com/office/drawing/2014/main" id="{338C2B09-BDA6-B225-D7D5-517040AAA204}"/>
+              </a:ext>
+            </a:extLst>
+          </p:cNvPr>
+          <p:cNvPicPr>
+            <a:picLocks noChangeAspect="1"/>
+          </p:cNvPicPr>
+          <p:nvPr/>
+        </p:nvPicPr>
+        <p:blipFill>
+          <a:blip r:embed="rId3">
+            <a:duotone>
+              <a:schemeClr val="bg2">
+                <a:shade val="45000"/>
+                <a:satMod val="135000"/>
+              </a:schemeClr>
+              <a:prstClr val="white"/>
+            </a:duotone>
+            <a:alphaModFix amt="21000"/>
+            <a:extLst>
+              <a:ext uri="{28A0092B-C50C-407E-A947-70E740481C1C}">
+                <a14:useLocalDpi xmlns:a14="http://schemas.microsoft.com/office/drawing/2010/main" val="0"/>
+              </a:ext>
+            </a:extLst>
+          </a:blip>
+          <a:srcRect t="16326" r="-2" b="8673"/>
+          <a:stretch/>
+        </p:blipFill>
+        <p:spPr>
+          <a:xfrm>
+            <a:off x="20" y="10"/>
+            <a:ext cx="9143980" cy="6857990"/>
+          </a:xfrm>
+          <a:prstGeom prst="rect">
+            <a:avLst/>
+          </a:prstGeom>
+        </p:spPr>
+      </p:pic>
+      <p:grpSp>
+        <p:nvGrpSpPr>
+          <p:cNvPr id="37" name="Group 36">
+            <a:extLst>
+              <a:ext uri="{FF2B5EF4-FFF2-40B4-BE49-F238E27FC236}">
+                <a16:creationId xmlns:a16="http://schemas.microsoft.com/office/drawing/2014/main" id="{2DAE90E3-8F91-4218-8153-F632799FB076}"/>
+              </a:ext>
+              <a:ext uri="{C183D7F6-B498-43B3-948B-1728B52AA6E4}">
+                <adec:decorative xmlns:adec="http://schemas.microsoft.com/office/drawing/2017/decorative" val="1"/>
+              </a:ext>
+            </a:extLst>
+          </p:cNvPr>
+          <p:cNvGrpSpPr>
+            <a:grpSpLocks noGrp="1" noUngrp="1" noRot="1" noChangeAspect="1" noMove="1" noResize="1"/>
+          </p:cNvGrpSpPr>
+          <p:nvPr>
+            <p:extLst>
+              <p:ext uri="{386F3935-93C4-4BCD-93E2-E3B085C9AB24}">
+                <p16:designElem xmlns:p16="http://schemas.microsoft.com/office/powerpoint/2015/main" val="1"/>
+              </p:ext>
+            </p:extLst>
+          </p:nvPr>
+        </p:nvGrpSpPr>
+        <p:grpSpPr>
+          <a:xfrm>
+            <a:off x="113109" y="0"/>
+            <a:ext cx="1827609" cy="6858001"/>
+            <a:chOff x="1320800" y="0"/>
+            <a:chExt cx="2436813" cy="6858001"/>
+          </a:xfrm>
+        </p:grpSpPr>
+        <p:sp>
+          <p:nvSpPr>
+            <p:cNvPr id="38" name="Freeform 6">
+              <a:extLst>
+                <a:ext uri="{FF2B5EF4-FFF2-40B4-BE49-F238E27FC236}">
+                  <a16:creationId xmlns:a16="http://schemas.microsoft.com/office/drawing/2014/main" id="{C1DC6993-96FE-4235-985E-52489B4237A3}"/>
+                </a:ext>
+                <a:ext uri="{C183D7F6-B498-43B3-948B-1728B52AA6E4}">
+                  <adec:decorative xmlns:adec="http://schemas.microsoft.com/office/drawing/2017/decorative" val="1"/>
+                </a:ext>
+              </a:extLst>
+            </p:cNvPr>
+            <p:cNvSpPr/>
+            <p:nvPr>
+              <p:extLst>
+                <p:ext uri="{386F3935-93C4-4BCD-93E2-E3B085C9AB24}">
+                  <p16:designElem xmlns:p16="http://schemas.microsoft.com/office/powerpoint/2015/main" val="1"/>
+                </p:ext>
+              </p:extLst>
+            </p:nvPr>
+          </p:nvSpPr>
+          <p:spPr bwMode="auto">
+            <a:xfrm>
+              <a:off x="1627188" y="0"/>
+              <a:ext cx="1122363" cy="5329238"/>
+            </a:xfrm>
+            <a:custGeom>
+              <a:avLst/>
+              <a:gdLst/>
+              <a:ahLst/>
+              <a:cxnLst/>
+              <a:rect l="0" t="0" r="r" b="b"/>
+              <a:pathLst>
+                <a:path w="707" h="3357">
+                  <a:moveTo>
+                    <a:pt x="0" y="3330"/>
+                  </a:moveTo>
+                  <a:lnTo>
+                    <a:pt x="156" y="3357"/>
+                  </a:lnTo>
+                  <a:lnTo>
+                    <a:pt x="707" y="0"/>
+                  </a:lnTo>
+                  <a:lnTo>
+                    <a:pt x="547" y="0"/>
+                  </a:lnTo>
+                  <a:lnTo>
+                    <a:pt x="0" y="3330"/>
+                  </a:lnTo>
+                  <a:close/>
+                </a:path>
+              </a:pathLst>
+            </a:custGeom>
+            <a:solidFill>
+              <a:schemeClr val="accent1"/>
+            </a:solidFill>
+            <a:ln>
+              <a:noFill/>
+            </a:ln>
+          </p:spPr>
+          <p:txBody>
+            <a:bodyPr/>
+            <a:lstStyle/>
+            <a:p>
+              <a:endParaRPr lang="en-US"/>
+            </a:p>
+          </p:txBody>
+        </p:sp>
+        <p:sp>
+          <p:nvSpPr>
+            <p:cNvPr id="39" name="Freeform 7">
+              <a:extLst>
+                <a:ext uri="{FF2B5EF4-FFF2-40B4-BE49-F238E27FC236}">
+                  <a16:creationId xmlns:a16="http://schemas.microsoft.com/office/drawing/2014/main" id="{76D3DE8D-3DEC-4FF8-B4FC-1DAB2036441A}"/>
+                </a:ext>
+                <a:ext uri="{C183D7F6-B498-43B3-948B-1728B52AA6E4}">
+                  <adec:decorative xmlns:adec="http://schemas.microsoft.com/office/drawing/2017/decorative" val="1"/>
+                </a:ext>
+              </a:extLst>
+            </p:cNvPr>
+            <p:cNvSpPr/>
+            <p:nvPr>
+              <p:extLst>
+                <p:ext uri="{386F3935-93C4-4BCD-93E2-E3B085C9AB24}">
+                  <p16:designElem xmlns:p16="http://schemas.microsoft.com/office/powerpoint/2015/main" val="1"/>
+                </p:ext>
+              </p:extLst>
+            </p:nvPr>
+          </p:nvSpPr>
+          <p:spPr bwMode="auto">
+            <a:xfrm>
+              <a:off x="1320800" y="0"/>
+              <a:ext cx="1117600" cy="5276850"/>
+            </a:xfrm>
+            <a:custGeom>
+              <a:avLst/>
+              <a:gdLst/>
+              <a:ahLst/>
+              <a:cxnLst/>
+              <a:rect l="0" t="0" r="r" b="b"/>
+              <a:pathLst>
+                <a:path w="704" h="3324">
+                  <a:moveTo>
+                    <a:pt x="704" y="0"/>
+                  </a:moveTo>
+                  <a:lnTo>
+                    <a:pt x="545" y="0"/>
+                  </a:lnTo>
+                  <a:lnTo>
+                    <a:pt x="0" y="3300"/>
+                  </a:lnTo>
+                  <a:lnTo>
+                    <a:pt x="157" y="3324"/>
+                  </a:lnTo>
+                  <a:lnTo>
+                    <a:pt x="704" y="0"/>
+                  </a:lnTo>
+                  <a:close/>
+                </a:path>
+              </a:pathLst>
+            </a:custGeom>
+            <a:solidFill>
+              <a:schemeClr val="tx1">
+                <a:lumMod val="65000"/>
+                <a:lumOff val="35000"/>
+              </a:schemeClr>
+            </a:solidFill>
+            <a:ln>
+              <a:noFill/>
+            </a:ln>
+          </p:spPr>
+          <p:txBody>
+            <a:bodyPr/>
+            <a:lstStyle/>
+            <a:p>
+              <a:endParaRPr lang="en-US"/>
+            </a:p>
+          </p:txBody>
+        </p:sp>
+        <p:sp>
+          <p:nvSpPr>
+            <p:cNvPr id="40" name="Freeform 8">
+              <a:extLst>
+                <a:ext uri="{FF2B5EF4-FFF2-40B4-BE49-F238E27FC236}">
+                  <a16:creationId xmlns:a16="http://schemas.microsoft.com/office/drawing/2014/main" id="{679297AF-1418-41DB-A81A-D77E0CAF4956}"/>
+                </a:ext>
+                <a:ext uri="{C183D7F6-B498-43B3-948B-1728B52AA6E4}">
+                  <adec:decorative xmlns:adec="http://schemas.microsoft.com/office/drawing/2017/decorative" val="1"/>
+                </a:ext>
+              </a:extLst>
+            </p:cNvPr>
+            <p:cNvSpPr/>
+            <p:nvPr>
+              <p:extLst>
+                <p:ext uri="{386F3935-93C4-4BCD-93E2-E3B085C9AB24}">
+                  <p16:designElem xmlns:p16="http://schemas.microsoft.com/office/powerpoint/2015/main" val="1"/>
+                </p:ext>
+              </p:extLst>
+            </p:nvPr>
+          </p:nvSpPr>
+          <p:spPr bwMode="auto">
+            <a:xfrm>
+              <a:off x="1320800" y="5238750"/>
+              <a:ext cx="1228725" cy="1619250"/>
+            </a:xfrm>
+            <a:custGeom>
+              <a:avLst/>
+              <a:gdLst/>
+              <a:ahLst/>
+              <a:cxnLst/>
+              <a:rect l="0" t="0" r="r" b="b"/>
+              <a:pathLst>
+                <a:path w="774" h="1020">
+                  <a:moveTo>
+                    <a:pt x="0" y="0"/>
+                  </a:moveTo>
+                  <a:lnTo>
+                    <a:pt x="740" y="1020"/>
+                  </a:lnTo>
+                  <a:lnTo>
+                    <a:pt x="774" y="1020"/>
+                  </a:lnTo>
+                  <a:lnTo>
+                    <a:pt x="0" y="0"/>
+                  </a:lnTo>
+                  <a:close/>
+                </a:path>
+              </a:pathLst>
+            </a:custGeom>
+            <a:solidFill>
+              <a:schemeClr val="tx1">
+                <a:lumMod val="85000"/>
+                <a:lumOff val="15000"/>
+              </a:schemeClr>
+            </a:solidFill>
+            <a:ln>
+              <a:noFill/>
+            </a:ln>
+          </p:spPr>
+          <p:txBody>
+            <a:bodyPr/>
+            <a:lstStyle/>
+            <a:p>
+              <a:endParaRPr lang="en-US"/>
+            </a:p>
+          </p:txBody>
+        </p:sp>
+        <p:sp>
+          <p:nvSpPr>
+            <p:cNvPr id="41" name="Freeform 9">
+              <a:extLst>
+                <a:ext uri="{FF2B5EF4-FFF2-40B4-BE49-F238E27FC236}">
+                  <a16:creationId xmlns:a16="http://schemas.microsoft.com/office/drawing/2014/main" id="{F6AD388B-2E71-431B-90AB-B2F71F9F9DDC}"/>
+                </a:ext>
+                <a:ext uri="{C183D7F6-B498-43B3-948B-1728B52AA6E4}">
+                  <adec:decorative xmlns:adec="http://schemas.microsoft.com/office/drawing/2017/decorative" val="1"/>
+                </a:ext>
+              </a:extLst>
+            </p:cNvPr>
+            <p:cNvSpPr/>
+            <p:nvPr>
+              <p:extLst>
+                <p:ext uri="{386F3935-93C4-4BCD-93E2-E3B085C9AB24}">
+                  <p16:designElem xmlns:p16="http://schemas.microsoft.com/office/powerpoint/2015/main" val="1"/>
+                </p:ext>
+              </p:extLst>
+            </p:nvPr>
+          </p:nvSpPr>
+          <p:spPr bwMode="auto">
+            <a:xfrm>
+              <a:off x="1627188" y="5291138"/>
+              <a:ext cx="1495425" cy="1566863"/>
+            </a:xfrm>
+            <a:custGeom>
+              <a:avLst/>
+              <a:gdLst/>
+              <a:ahLst/>
+              <a:cxnLst/>
+              <a:rect l="0" t="0" r="r" b="b"/>
+              <a:pathLst>
+                <a:path w="942" h="987">
+                  <a:moveTo>
+                    <a:pt x="0" y="0"/>
+                  </a:moveTo>
+                  <a:lnTo>
+                    <a:pt x="909" y="987"/>
+                  </a:lnTo>
+                  <a:lnTo>
+                    <a:pt x="942" y="987"/>
+                  </a:lnTo>
+                  <a:lnTo>
+                    <a:pt x="0" y="0"/>
+                  </a:lnTo>
+                  <a:close/>
+                </a:path>
+              </a:pathLst>
+            </a:custGeom>
+            <a:solidFill>
+              <a:schemeClr val="accent1">
+                <a:lumMod val="50000"/>
+              </a:schemeClr>
+            </a:solidFill>
+            <a:ln>
+              <a:noFill/>
+            </a:ln>
+          </p:spPr>
+          <p:txBody>
+            <a:bodyPr/>
+            <a:lstStyle/>
+            <a:p>
+              <a:endParaRPr lang="en-US"/>
+            </a:p>
+          </p:txBody>
+        </p:sp>
+        <p:sp>
+          <p:nvSpPr>
+            <p:cNvPr id="42" name="Freeform 10">
+              <a:extLst>
+                <a:ext uri="{FF2B5EF4-FFF2-40B4-BE49-F238E27FC236}">
+                  <a16:creationId xmlns:a16="http://schemas.microsoft.com/office/drawing/2014/main" id="{FA9972D4-1E8B-4A06-BD7C-B5140A3895FC}"/>
+                </a:ext>
+                <a:ext uri="{C183D7F6-B498-43B3-948B-1728B52AA6E4}">
+                  <adec:decorative xmlns:adec="http://schemas.microsoft.com/office/drawing/2017/decorative" val="1"/>
+                </a:ext>
+              </a:extLst>
+            </p:cNvPr>
+            <p:cNvSpPr/>
+            <p:nvPr>
+              <p:extLst>
+                <p:ext uri="{386F3935-93C4-4BCD-93E2-E3B085C9AB24}">
+                  <p16:designElem xmlns:p16="http://schemas.microsoft.com/office/powerpoint/2015/main" val="1"/>
+                </p:ext>
+              </p:extLst>
+            </p:nvPr>
+          </p:nvSpPr>
+          <p:spPr bwMode="auto">
+            <a:xfrm>
+              <a:off x="1627188" y="5286375"/>
+              <a:ext cx="2130425" cy="1571625"/>
+            </a:xfrm>
+            <a:custGeom>
+              <a:avLst/>
+              <a:gdLst/>
+              <a:ahLst/>
+              <a:cxnLst/>
+              <a:rect l="0" t="0" r="r" b="b"/>
+              <a:pathLst>
+                <a:path w="1342" h="990">
+                  <a:moveTo>
+                    <a:pt x="0" y="3"/>
+                  </a:moveTo>
+                  <a:lnTo>
+                    <a:pt x="942" y="990"/>
+                  </a:lnTo>
+                  <a:lnTo>
+                    <a:pt x="1342" y="990"/>
+                  </a:lnTo>
+                  <a:lnTo>
+                    <a:pt x="156" y="27"/>
+                  </a:lnTo>
+                  <a:lnTo>
+                    <a:pt x="0" y="0"/>
+                  </a:lnTo>
+                  <a:lnTo>
+                    <a:pt x="0" y="3"/>
+                  </a:lnTo>
+                  <a:close/>
+                </a:path>
+              </a:pathLst>
+            </a:custGeom>
+            <a:solidFill>
+              <a:schemeClr val="accent1">
+                <a:lumMod val="75000"/>
+              </a:schemeClr>
+            </a:solidFill>
+            <a:ln>
+              <a:noFill/>
+            </a:ln>
+          </p:spPr>
+          <p:txBody>
+            <a:bodyPr/>
+            <a:lstStyle/>
+            <a:p>
+              <a:endParaRPr lang="en-US"/>
+            </a:p>
+          </p:txBody>
+        </p:sp>
+        <p:sp>
+          <p:nvSpPr>
+            <p:cNvPr id="43" name="Freeform 11">
+              <a:extLst>
+                <a:ext uri="{FF2B5EF4-FFF2-40B4-BE49-F238E27FC236}">
+                  <a16:creationId xmlns:a16="http://schemas.microsoft.com/office/drawing/2014/main" id="{528281FC-5068-4A18-832D-B47A0F1AC6E6}"/>
+                </a:ext>
+                <a:ext uri="{C183D7F6-B498-43B3-948B-1728B52AA6E4}">
+                  <adec:decorative xmlns:adec="http://schemas.microsoft.com/office/drawing/2017/decorative" val="1"/>
+                </a:ext>
+              </a:extLst>
+            </p:cNvPr>
+            <p:cNvSpPr/>
+            <p:nvPr>
+              <p:extLst>
+                <p:ext uri="{386F3935-93C4-4BCD-93E2-E3B085C9AB24}">
+                  <p16:designElem xmlns:p16="http://schemas.microsoft.com/office/powerpoint/2015/main" val="1"/>
+                </p:ext>
+              </p:extLst>
+            </p:nvPr>
+          </p:nvSpPr>
+          <p:spPr bwMode="auto">
+            <a:xfrm>
+              <a:off x="1320800" y="5238750"/>
+              <a:ext cx="1695450" cy="1619250"/>
+            </a:xfrm>
+            <a:custGeom>
+              <a:avLst/>
+              <a:gdLst/>
+              <a:ahLst/>
+              <a:cxnLst/>
+              <a:rect l="0" t="0" r="r" b="b"/>
+              <a:pathLst>
+                <a:path w="1068" h="1020">
+                  <a:moveTo>
+                    <a:pt x="1068" y="1020"/>
+                  </a:moveTo>
+                  <a:lnTo>
+                    <a:pt x="184" y="60"/>
+                  </a:lnTo>
+                  <a:lnTo>
+                    <a:pt x="154" y="27"/>
+                  </a:lnTo>
+                  <a:lnTo>
+                    <a:pt x="157" y="27"/>
+                  </a:lnTo>
+                  <a:lnTo>
+                    <a:pt x="157" y="24"/>
+                  </a:lnTo>
+                  <a:lnTo>
+                    <a:pt x="154" y="24"/>
+                  </a:lnTo>
+                  <a:lnTo>
+                    <a:pt x="0" y="0"/>
+                  </a:lnTo>
+                  <a:lnTo>
+                    <a:pt x="0" y="0"/>
+                  </a:lnTo>
+                  <a:lnTo>
+                    <a:pt x="774" y="1020"/>
+                  </a:lnTo>
+                  <a:lnTo>
+                    <a:pt x="1068" y="1020"/>
+                  </a:lnTo>
+                  <a:close/>
+                </a:path>
+              </a:pathLst>
+            </a:custGeom>
+            <a:solidFill>
+              <a:schemeClr val="tx1">
+                <a:lumMod val="75000"/>
+                <a:lumOff val="25000"/>
+              </a:schemeClr>
+            </a:solidFill>
+            <a:ln>
+              <a:noFill/>
+            </a:ln>
+          </p:spPr>
+          <p:txBody>
+            <a:bodyPr/>
+            <a:lstStyle/>
+            <a:p>
+              <a:endParaRPr lang="en-US"/>
+            </a:p>
+          </p:txBody>
+        </p:sp>
+      </p:grpSp>
+      <p:sp>
+        <p:nvSpPr>
+          <p:cNvPr id="2" name="Title 1"/>
+          <p:cNvSpPr>
+            <a:spLocks noGrp="1"/>
+          </p:cNvSpPr>
+          <p:nvPr>
+            <p:ph type="title"/>
+          </p:nvPr>
+        </p:nvSpPr>
+        <p:spPr>
+          <a:xfrm>
+            <a:off x="1113233" y="685800"/>
+            <a:ext cx="7514035" cy="1185333"/>
+          </a:xfrm>
+        </p:spPr>
+        <p:txBody>
+          <a:bodyPr>
+            <a:normAutofit/>
+          </a:bodyPr>
+          <a:lstStyle/>
+          <a:p>
+            <a:r>
+              <a:rPr lang="en-US"/>
+              <a:t>Customized Error Handling</a:t>
+            </a:r>
+          </a:p>
+        </p:txBody>
+      </p:sp>
+      <p:sp>
+        <p:nvSpPr>
+          <p:cNvPr id="3" name="Content Placeholder 2"/>
+          <p:cNvSpPr>
+            <a:spLocks noGrp="1"/>
+          </p:cNvSpPr>
+          <p:nvPr>
+            <p:ph idx="1"/>
+          </p:nvPr>
+        </p:nvSpPr>
+        <p:spPr>
+          <a:xfrm>
+            <a:off x="1257298" y="1918758"/>
+            <a:ext cx="3619502" cy="3793067"/>
+          </a:xfrm>
+        </p:spPr>
+        <p:txBody>
+          <a:bodyPr>
+            <a:normAutofit/>
+          </a:bodyPr>
+          <a:lstStyle/>
+          <a:p>
+            <a:pPr marL="0" indent="0">
+              <a:buNone/>
+            </a:pPr>
+            <a:r>
+              <a:rPr lang="en-US" sz="1800"/>
+              <a:t>Where did you use it?</a:t>
+            </a:r>
+          </a:p>
+          <a:p>
+            <a:pPr marL="0" indent="0">
+              <a:buNone/>
+            </a:pPr>
+            <a:r>
+              <a:rPr lang="en-US" sz="1800"/>
+              <a:t>We created a custom exception class called failedTrashException and it was used to handle errors when a material failed to be recycled properly.</a:t>
+            </a:r>
+          </a:p>
+          <a:p>
+            <a:pPr lvl="1">
+              <a:buFont typeface="Wingdings" panose="05000000000000000000" pitchFamily="2" charset="2"/>
+              <a:buChar char="Ø"/>
+            </a:pPr>
+            <a:endParaRPr lang="en-US"/>
+          </a:p>
+          <a:p>
+            <a:pPr lvl="1">
+              <a:buFont typeface="Wingdings" panose="05000000000000000000" pitchFamily="2" charset="2"/>
+              <a:buChar char="Ø"/>
+            </a:pPr>
+            <a:endParaRPr lang="en-US"/>
+          </a:p>
+          <a:p>
+            <a:pPr lvl="1">
+              <a:buFont typeface="Wingdings" panose="05000000000000000000" pitchFamily="2" charset="2"/>
+              <a:buChar char="Ø"/>
+            </a:pPr>
+            <a:endParaRPr lang="en-US"/>
+          </a:p>
+          <a:p>
+            <a:pPr lvl="1">
+              <a:buFont typeface="Wingdings" panose="05000000000000000000" pitchFamily="2" charset="2"/>
+              <a:buChar char="Ø"/>
+            </a:pPr>
+            <a:endParaRPr lang="en-US"/>
+          </a:p>
+          <a:p>
+            <a:pPr lvl="1">
+              <a:buFont typeface="Wingdings" panose="05000000000000000000" pitchFamily="2" charset="2"/>
+              <a:buChar char="Ø"/>
+            </a:pPr>
+            <a:endParaRPr lang="en-US"/>
+          </a:p>
+        </p:txBody>
+      </p:sp>
+      <p:pic>
+        <p:nvPicPr>
+          <p:cNvPr id="9" name="Picture 8">
+            <a:extLst>
+              <a:ext uri="{FF2B5EF4-FFF2-40B4-BE49-F238E27FC236}">
+                <a16:creationId xmlns:a16="http://schemas.microsoft.com/office/drawing/2014/main" id="{B7BAF940-A9BF-06A0-AE6B-7D2F14DE23D2}"/>
+              </a:ext>
+            </a:extLst>
+          </p:cNvPr>
+          <p:cNvPicPr>
+            <a:picLocks noChangeAspect="1"/>
+          </p:cNvPicPr>
+          <p:nvPr/>
+        </p:nvPicPr>
+        <p:blipFill>
+          <a:blip r:embed="rId4"/>
+          <a:stretch>
+            <a:fillRect/>
+          </a:stretch>
+        </p:blipFill>
+        <p:spPr>
+          <a:xfrm>
+            <a:off x="1407318" y="4118601"/>
+            <a:ext cx="3080736" cy="2043551"/>
+          </a:xfrm>
+          <a:prstGeom prst="rect">
+            <a:avLst/>
+          </a:prstGeom>
+        </p:spPr>
+      </p:pic>
+      <p:sp>
+        <p:nvSpPr>
+          <p:cNvPr id="11" name="TextBox 10">
+            <a:extLst>
+              <a:ext uri="{FF2B5EF4-FFF2-40B4-BE49-F238E27FC236}">
+                <a16:creationId xmlns:a16="http://schemas.microsoft.com/office/drawing/2014/main" id="{8088B618-E6E0-FDE2-DCE9-EE2265620DDC}"/>
+              </a:ext>
+            </a:extLst>
+          </p:cNvPr>
+          <p:cNvSpPr txBox="1"/>
+          <p:nvPr/>
+        </p:nvSpPr>
+        <p:spPr>
+          <a:xfrm>
+            <a:off x="4768443" y="1787456"/>
+            <a:ext cx="3140868" cy="1754326"/>
+          </a:xfrm>
+          <a:prstGeom prst="rect">
+            <a:avLst/>
+          </a:prstGeom>
+          <a:noFill/>
+        </p:spPr>
+        <p:txBody>
+          <a:bodyPr wrap="square" rtlCol="0">
+            <a:spAutoFit/>
+          </a:bodyPr>
+          <a:lstStyle/>
+          <a:p>
+            <a:r>
+              <a:rPr lang="en-US"/>
+              <a:t>Did you like using it?  Or did you feel it was overkill?</a:t>
+            </a:r>
+          </a:p>
+          <a:p>
+            <a:pPr marL="285750" indent="-285750">
+              <a:buFont typeface="Arial" panose="020B0604020202020204" pitchFamily="34" charset="0"/>
+              <a:buChar char="•"/>
+            </a:pPr>
+            <a:endParaRPr lang="en-US"/>
+          </a:p>
+          <a:p>
+            <a:r>
+              <a:rPr lang="en-US"/>
+              <a:t>We liked using these exception due to it showing exactly what went wrong. </a:t>
+            </a:r>
+          </a:p>
+        </p:txBody>
+      </p:sp>
+      <p:sp>
+        <p:nvSpPr>
+          <p:cNvPr id="23" name="TextBox 22">
+            <a:extLst>
+              <a:ext uri="{FF2B5EF4-FFF2-40B4-BE49-F238E27FC236}">
+                <a16:creationId xmlns:a16="http://schemas.microsoft.com/office/drawing/2014/main" id="{D4D355EA-FF90-DD2E-C74D-B32939D9038B}"/>
+              </a:ext>
+            </a:extLst>
+          </p:cNvPr>
+          <p:cNvSpPr txBox="1"/>
+          <p:nvPr/>
+        </p:nvSpPr>
+        <p:spPr>
+          <a:xfrm>
+            <a:off x="1291630" y="3723243"/>
+            <a:ext cx="2692024" cy="369332"/>
+          </a:xfrm>
+          <a:prstGeom prst="rect">
+            <a:avLst/>
+          </a:prstGeom>
+          <a:noFill/>
+        </p:spPr>
+        <p:txBody>
+          <a:bodyPr wrap="square" rtlCol="0">
+            <a:spAutoFit/>
+          </a:bodyPr>
+          <a:lstStyle/>
+          <a:p>
+            <a:r>
+              <a:rPr lang="en-US"/>
+              <a:t>Custom exception class</a:t>
+            </a:r>
+          </a:p>
+        </p:txBody>
+      </p:sp>
+      <p:pic>
+        <p:nvPicPr>
+          <p:cNvPr id="24" name="Picture 23">
+            <a:extLst>
+              <a:ext uri="{FF2B5EF4-FFF2-40B4-BE49-F238E27FC236}">
+                <a16:creationId xmlns:a16="http://schemas.microsoft.com/office/drawing/2014/main" id="{99A6087E-39F9-DC70-0720-A544099494E3}"/>
+              </a:ext>
+            </a:extLst>
+          </p:cNvPr>
+          <p:cNvPicPr>
+            <a:picLocks noChangeAspect="1"/>
+          </p:cNvPicPr>
+          <p:nvPr/>
+        </p:nvPicPr>
+        <p:blipFill>
+          <a:blip r:embed="rId5"/>
+          <a:stretch>
+            <a:fillRect/>
+          </a:stretch>
+        </p:blipFill>
+        <p:spPr>
+          <a:xfrm>
+            <a:off x="4772000" y="4229250"/>
+            <a:ext cx="4113173" cy="1971365"/>
+          </a:xfrm>
+          <a:prstGeom prst="roundRect">
+            <a:avLst>
+              <a:gd name="adj" fmla="val 4380"/>
+            </a:avLst>
+          </a:prstGeom>
+          <a:ln w="38100">
+            <a:gradFill flip="none" rotWithShape="1">
+              <a:gsLst>
+                <a:gs pos="0">
+                  <a:schemeClr val="bg2"/>
+                </a:gs>
+                <a:gs pos="100000">
+                  <a:schemeClr val="bg2">
+                    <a:lumMod val="75000"/>
+                  </a:schemeClr>
+                </a:gs>
+              </a:gsLst>
+              <a:lin ang="5400000" scaled="0"/>
+              <a:tileRect/>
+            </a:gradFill>
+          </a:ln>
+          <a:effectLst>
+            <a:innerShdw blurRad="57150" dist="38100" dir="14460000">
+              <a:srgbClr val="000000">
+                <a:alpha val="70000"/>
+              </a:srgbClr>
+            </a:innerShdw>
+          </a:effectLst>
+        </p:spPr>
+      </p:pic>
+      <p:sp>
+        <p:nvSpPr>
+          <p:cNvPr id="25" name="TextBox 24">
+            <a:extLst>
+              <a:ext uri="{FF2B5EF4-FFF2-40B4-BE49-F238E27FC236}">
+                <a16:creationId xmlns:a16="http://schemas.microsoft.com/office/drawing/2014/main" id="{2C5F06A9-0966-3A02-AEAE-59DE7BA14A4D}"/>
+              </a:ext>
+            </a:extLst>
+          </p:cNvPr>
+          <p:cNvSpPr txBox="1"/>
+          <p:nvPr/>
+        </p:nvSpPr>
+        <p:spPr>
+          <a:xfrm>
+            <a:off x="4772630" y="3776331"/>
+            <a:ext cx="2692024" cy="369332"/>
+          </a:xfrm>
+          <a:prstGeom prst="rect">
+            <a:avLst/>
+          </a:prstGeom>
+          <a:noFill/>
+        </p:spPr>
+        <p:txBody>
+          <a:bodyPr wrap="square" rtlCol="0">
+            <a:spAutoFit/>
+          </a:bodyPr>
+          <a:lstStyle/>
+          <a:p>
+            <a:r>
+              <a:rPr lang="en-US"/>
+              <a:t>Exception being used</a:t>
+            </a:r>
+          </a:p>
+        </p:txBody>
+      </p:sp>
+    </p:spTree>
+    <p:extLst>
+      <p:ext uri="{BB962C8B-B14F-4D97-AF65-F5344CB8AC3E}">
+        <p14:creationId xmlns:p14="http://schemas.microsoft.com/office/powerpoint/2010/main" val="394957323"/>
+      </p:ext>
+    </p:extLst>
+  </p:cSld>
+  <p:clrMapOvr>
+    <a:masterClrMapping/>
+  </p:clrMapOvr>
+</p:sld>
+</file>
+
+<file path=ppt/slides/slide12.xml><?xml version="1.0" encoding="utf-8"?>
+<p:sld xmlns:a="http://schemas.openxmlformats.org/drawingml/2006/main" xmlns:r="http://schemas.openxmlformats.org/officeDocument/2006/relationships" xmlns:p="http://schemas.openxmlformats.org/presentationml/2006/main">
+  <p:cSld>
+    <p:spTree>
+      <p:nvGrpSpPr>
+        <p:cNvPr id="1" name="">
+          <a:extLst>
+            <a:ext uri="{FF2B5EF4-FFF2-40B4-BE49-F238E27FC236}">
+              <a16:creationId xmlns:a16="http://schemas.microsoft.com/office/drawing/2014/main" id="{350A4F98-87DF-6A06-734F-669F52FE9EF6}"/>
+            </a:ext>
+          </a:extLst>
+        </p:cNvPr>
+        <p:cNvGrpSpPr/>
+        <p:nvPr/>
+      </p:nvGrpSpPr>
+      <p:grpSpPr>
+        <a:xfrm>
+          <a:off x="0" y="0"/>
+          <a:ext cx="0" cy="0"/>
+          <a:chOff x="0" y="0"/>
+          <a:chExt cx="0" cy="0"/>
+        </a:xfrm>
+      </p:grpSpPr>
+      <p:sp>
+        <p:nvSpPr>
+          <p:cNvPr id="2" name="Title 1">
+            <a:extLst>
+              <a:ext uri="{FF2B5EF4-FFF2-40B4-BE49-F238E27FC236}">
+                <a16:creationId xmlns:a16="http://schemas.microsoft.com/office/drawing/2014/main" id="{54FD674D-E950-FFA9-93AA-54B336F8AE0A}"/>
+              </a:ext>
+            </a:extLst>
+          </p:cNvPr>
+          <p:cNvSpPr>
+            <a:spLocks noGrp="1"/>
+          </p:cNvSpPr>
+          <p:nvPr>
+            <p:ph type="title"/>
+          </p:nvPr>
+        </p:nvSpPr>
+        <p:spPr>
+          <a:xfrm>
+            <a:off x="982970" y="-97134"/>
+            <a:ext cx="7704667" cy="1981200"/>
+          </a:xfrm>
+        </p:spPr>
+        <p:txBody>
+          <a:bodyPr/>
+          <a:lstStyle/>
+          <a:p>
+            <a:r>
+              <a:rPr lang="en-US" u="sng"/>
+              <a:t>File Input/Output </a:t>
+            </a:r>
+            <a:r>
+              <a:rPr lang="en-US" u="sng" err="1"/>
+              <a:t>Part1</a:t>
+            </a:r>
+            <a:endParaRPr lang="en-US" u="sng"/>
+          </a:p>
+        </p:txBody>
+      </p:sp>
+      <p:sp>
+        <p:nvSpPr>
+          <p:cNvPr id="3" name="Content Placeholder 2">
+            <a:extLst>
+              <a:ext uri="{FF2B5EF4-FFF2-40B4-BE49-F238E27FC236}">
+                <a16:creationId xmlns:a16="http://schemas.microsoft.com/office/drawing/2014/main" id="{85E91F40-C662-B11D-64CC-AC7ADC5EE084}"/>
+              </a:ext>
+            </a:extLst>
+          </p:cNvPr>
+          <p:cNvSpPr>
+            <a:spLocks noGrp="1"/>
+          </p:cNvSpPr>
+          <p:nvPr>
+            <p:ph idx="1"/>
+          </p:nvPr>
+        </p:nvSpPr>
+        <p:spPr>
+          <a:xfrm>
+            <a:off x="982970" y="1154933"/>
+            <a:ext cx="7704666" cy="1219200"/>
+          </a:xfrm>
+        </p:spPr>
+        <p:txBody>
+          <a:bodyPr>
+            <a:normAutofit/>
+          </a:bodyPr>
+          <a:lstStyle/>
+          <a:p>
+            <a:pPr algn="ctr"/>
+            <a:r>
+              <a:rPr lang="en-US" sz="1000"/>
+              <a:t>What were your file input/output strategies?</a:t>
+            </a:r>
+          </a:p>
+          <a:p>
+            <a:pPr marL="0" lvl="0" indent="0" algn="ctr">
+              <a:lnSpc>
+                <a:spcPct val="100000"/>
+              </a:lnSpc>
+              <a:buNone/>
+            </a:pPr>
+            <a:r>
+              <a:rPr lang="en-US" sz="1000"/>
+              <a:t>We used two main files I/O strategies. Loading csv files to material categories and Serialization to save and load java objects</a:t>
+            </a:r>
+          </a:p>
+          <a:p>
+            <a:pPr marL="0" lvl="0" indent="0" algn="ctr">
+              <a:lnSpc>
+                <a:spcPct val="100000"/>
+              </a:lnSpc>
+              <a:buNone/>
+            </a:pPr>
+            <a:r>
+              <a:rPr lang="en-US" sz="1000"/>
+              <a:t>We load csv using the load csv method in the loader and this is used in Gui Lookup to display category data</a:t>
+            </a:r>
+          </a:p>
+        </p:txBody>
+      </p:sp>
+      <p:pic>
+        <p:nvPicPr>
+          <p:cNvPr id="5" name="Picture 4">
+            <a:extLst>
+              <a:ext uri="{FF2B5EF4-FFF2-40B4-BE49-F238E27FC236}">
+                <a16:creationId xmlns:a16="http://schemas.microsoft.com/office/drawing/2014/main" id="{DB9BA628-EF65-DCF5-DD39-B9715F312F19}"/>
+              </a:ext>
+            </a:extLst>
+          </p:cNvPr>
+          <p:cNvPicPr>
+            <a:picLocks noChangeAspect="1"/>
+          </p:cNvPicPr>
+          <p:nvPr/>
+        </p:nvPicPr>
+        <p:blipFill>
+          <a:blip r:embed="rId2"/>
+          <a:stretch>
+            <a:fillRect/>
+          </a:stretch>
+        </p:blipFill>
+        <p:spPr>
+          <a:xfrm>
+            <a:off x="762000" y="2819400"/>
+            <a:ext cx="3886200" cy="2599801"/>
+          </a:xfrm>
+          <a:prstGeom prst="roundRect">
+            <a:avLst>
+              <a:gd name="adj" fmla="val 4380"/>
+            </a:avLst>
+          </a:prstGeom>
+          <a:ln w="38100">
+            <a:gradFill flip="none" rotWithShape="1">
+              <a:gsLst>
+                <a:gs pos="0">
+                  <a:schemeClr val="bg2"/>
+                </a:gs>
+                <a:gs pos="100000">
+                  <a:schemeClr val="bg2">
+                    <a:lumMod val="75000"/>
+                  </a:schemeClr>
+                </a:gs>
+              </a:gsLst>
+              <a:lin ang="5400000" scaled="0"/>
+              <a:tileRect/>
+            </a:gradFill>
+          </a:ln>
+          <a:effectLst>
+            <a:innerShdw blurRad="57150" dist="38100" dir="14460000">
+              <a:srgbClr val="000000">
+                <a:alpha val="70000"/>
+              </a:srgbClr>
+            </a:innerShdw>
+          </a:effectLst>
+        </p:spPr>
+      </p:pic>
+      <p:pic>
+        <p:nvPicPr>
+          <p:cNvPr id="7" name="Picture 6">
+            <a:extLst>
+              <a:ext uri="{FF2B5EF4-FFF2-40B4-BE49-F238E27FC236}">
+                <a16:creationId xmlns:a16="http://schemas.microsoft.com/office/drawing/2014/main" id="{5E0782BE-E49E-83A5-95E9-2C15E32B69DC}"/>
+              </a:ext>
+            </a:extLst>
+          </p:cNvPr>
+          <p:cNvPicPr>
+            <a:picLocks noChangeAspect="1"/>
+          </p:cNvPicPr>
+          <p:nvPr/>
+        </p:nvPicPr>
+        <p:blipFill>
+          <a:blip r:embed="rId3"/>
+          <a:stretch>
+            <a:fillRect/>
+          </a:stretch>
+        </p:blipFill>
+        <p:spPr>
+          <a:xfrm>
+            <a:off x="4835303" y="2819400"/>
+            <a:ext cx="4067540" cy="2509668"/>
+          </a:xfrm>
+          <a:prstGeom prst="rect">
+            <a:avLst/>
+          </a:prstGeom>
+        </p:spPr>
+      </p:pic>
+      <p:sp>
+        <p:nvSpPr>
+          <p:cNvPr id="6" name="TextBox 5">
+            <a:extLst>
+              <a:ext uri="{FF2B5EF4-FFF2-40B4-BE49-F238E27FC236}">
+                <a16:creationId xmlns:a16="http://schemas.microsoft.com/office/drawing/2014/main" id="{555B02B3-436F-DD89-28C8-F82258E76FD8}"/>
+              </a:ext>
+            </a:extLst>
+          </p:cNvPr>
+          <p:cNvSpPr txBox="1"/>
+          <p:nvPr/>
+        </p:nvSpPr>
+        <p:spPr>
+          <a:xfrm>
+            <a:off x="762000" y="2381666"/>
+            <a:ext cx="3124200" cy="369332"/>
+          </a:xfrm>
+          <a:prstGeom prst="rect">
+            <a:avLst/>
+          </a:prstGeom>
+          <a:noFill/>
+        </p:spPr>
+        <p:txBody>
+          <a:bodyPr wrap="square" rtlCol="0">
+            <a:spAutoFit/>
+          </a:bodyPr>
+          <a:lstStyle/>
+          <a:p>
+            <a:r>
+              <a:rPr lang="en-US"/>
+              <a:t>Explain </a:t>
+            </a:r>
+            <a:r>
+              <a:rPr lang="en-US" err="1"/>
+              <a:t>load_csv</a:t>
+            </a:r>
+            <a:r>
+              <a:rPr lang="en-US"/>
+              <a:t>() in Loader</a:t>
+            </a:r>
+          </a:p>
+        </p:txBody>
+      </p:sp>
+      <p:sp>
+        <p:nvSpPr>
+          <p:cNvPr id="8" name="TextBox 7">
+            <a:extLst>
+              <a:ext uri="{FF2B5EF4-FFF2-40B4-BE49-F238E27FC236}">
+                <a16:creationId xmlns:a16="http://schemas.microsoft.com/office/drawing/2014/main" id="{84C6E48F-33CD-9D83-D0F4-87D1B0F061C4}"/>
+              </a:ext>
+            </a:extLst>
+          </p:cNvPr>
+          <p:cNvSpPr txBox="1"/>
+          <p:nvPr/>
+        </p:nvSpPr>
+        <p:spPr>
+          <a:xfrm>
+            <a:off x="4799536" y="2381401"/>
+            <a:ext cx="4268264" cy="369332"/>
+          </a:xfrm>
+          <a:prstGeom prst="rect">
+            <a:avLst/>
+          </a:prstGeom>
+          <a:noFill/>
+        </p:spPr>
+        <p:txBody>
+          <a:bodyPr wrap="square" rtlCol="0">
+            <a:spAutoFit/>
+          </a:bodyPr>
+          <a:lstStyle/>
+          <a:p>
+            <a:r>
+              <a:rPr lang="en-US"/>
+              <a:t>Explain Loader being used in </a:t>
+            </a:r>
+            <a:r>
+              <a:rPr lang="en-US" err="1"/>
+              <a:t>Gui_Info</a:t>
+            </a:r>
+            <a:endParaRPr lang="en-US"/>
+          </a:p>
+        </p:txBody>
+      </p:sp>
+    </p:spTree>
+    <p:extLst>
+      <p:ext uri="{BB962C8B-B14F-4D97-AF65-F5344CB8AC3E}">
+        <p14:creationId xmlns:p14="http://schemas.microsoft.com/office/powerpoint/2010/main" val="65203372"/>
+      </p:ext>
+    </p:extLst>
+  </p:cSld>
+  <p:clrMapOvr>
+    <a:masterClrMapping/>
+  </p:clrMapOvr>
+</p:sld>
+</file>
+
+<file path=ppt/slides/slide13.xml><?xml version="1.0" encoding="utf-8"?>
+<p:sld xmlns:a="http://schemas.openxmlformats.org/drawingml/2006/main" xmlns:r="http://schemas.openxmlformats.org/officeDocument/2006/relationships" xmlns:p="http://schemas.openxmlformats.org/presentationml/2006/main">
+  <p:cSld>
+    <p:spTree>
+      <p:nvGrpSpPr>
+        <p:cNvPr id="1" name=""/>
+        <p:cNvGrpSpPr/>
+        <p:nvPr/>
+      </p:nvGrpSpPr>
+      <p:grpSpPr>
+        <a:xfrm>
+          <a:off x="0" y="0"/>
+          <a:ext cx="0" cy="0"/>
+          <a:chOff x="0" y="0"/>
+          <a:chExt cx="0" cy="0"/>
+        </a:xfrm>
+      </p:grpSpPr>
+      <p:sp>
+        <p:nvSpPr>
+          <p:cNvPr id="2" name="Title 1"/>
+          <p:cNvSpPr>
+            <a:spLocks noGrp="1"/>
+          </p:cNvSpPr>
+          <p:nvPr>
+            <p:ph type="title"/>
+          </p:nvPr>
+        </p:nvSpPr>
+        <p:spPr>
+          <a:xfrm>
+            <a:off x="982970" y="-97134"/>
+            <a:ext cx="7704667" cy="1981200"/>
+          </a:xfrm>
+        </p:spPr>
+        <p:txBody>
+          <a:bodyPr/>
+          <a:lstStyle/>
+          <a:p>
+            <a:r>
+              <a:rPr lang="en-US" u="sng"/>
+              <a:t>File Input/Output </a:t>
+            </a:r>
+            <a:r>
+              <a:rPr lang="en-US" u="sng" err="1"/>
+              <a:t>part2</a:t>
+            </a:r>
+            <a:endParaRPr lang="en-US" u="sng"/>
+          </a:p>
+        </p:txBody>
+      </p:sp>
+      <p:sp>
+        <p:nvSpPr>
+          <p:cNvPr id="4" name="Content Placeholder 2">
+            <a:extLst>
+              <a:ext uri="{FF2B5EF4-FFF2-40B4-BE49-F238E27FC236}">
+                <a16:creationId xmlns:a16="http://schemas.microsoft.com/office/drawing/2014/main" id="{E3862EA9-9671-B4A9-383F-D47EC7E22A02}"/>
+              </a:ext>
+            </a:extLst>
+          </p:cNvPr>
+          <p:cNvSpPr txBox="1">
+            <a:spLocks/>
+          </p:cNvSpPr>
+          <p:nvPr/>
+        </p:nvSpPr>
+        <p:spPr>
+          <a:xfrm>
+            <a:off x="845386" y="1524000"/>
+            <a:ext cx="2819400" cy="1354493"/>
+          </a:xfrm>
+          <a:prstGeom prst="rect">
+            <a:avLst/>
+          </a:prstGeom>
+        </p:spPr>
+        <p:txBody>
+          <a:bodyPr vert="horz" lIns="91440" tIns="45720" rIns="91440" bIns="45720" rtlCol="0" anchor="ctr">
+            <a:normAutofit fontScale="92500" lnSpcReduction="10000"/>
+          </a:bodyPr>
+          <a:lstStyle>
+            <a:lvl1pPr marL="285750" indent="-285750" algn="l" defTabSz="457200" rtl="0" eaLnBrk="1" latinLnBrk="0" hangingPunct="1">
+              <a:spcBef>
+                <a:spcPct val="20000"/>
+              </a:spcBef>
+              <a:spcAft>
+                <a:spcPts val="600"/>
+              </a:spcAft>
+              <a:buClr>
+                <a:schemeClr val="accent1">
+                  <a:lumMod val="75000"/>
+                </a:schemeClr>
+              </a:buClr>
+              <a:buSzPct val="145000"/>
+              <a:buFont typeface="Arial"/>
+              <a:buChar char="•"/>
+              <a:defRPr sz="2400" kern="1200" cap="none">
+                <a:solidFill>
+                  <a:schemeClr val="tx1"/>
+                </a:solidFill>
+                <a:effectLst/>
+                <a:latin typeface="+mn-lt"/>
+                <a:ea typeface="+mn-ea"/>
+                <a:cs typeface="+mn-cs"/>
+              </a:defRPr>
+            </a:lvl1pPr>
+            <a:lvl2pPr marL="742950" indent="-285750" algn="l" defTabSz="457200" rtl="0" eaLnBrk="1" latinLnBrk="0" hangingPunct="1">
+              <a:spcBef>
+                <a:spcPct val="20000"/>
+              </a:spcBef>
+              <a:spcAft>
+                <a:spcPts val="600"/>
+              </a:spcAft>
+              <a:buClr>
+                <a:schemeClr val="accent1">
+                  <a:lumMod val="75000"/>
+                </a:schemeClr>
+              </a:buClr>
+              <a:buSzPct val="145000"/>
+              <a:buFont typeface="Arial"/>
+              <a:buChar char="•"/>
+              <a:defRPr sz="2000" kern="1200" cap="none">
+                <a:solidFill>
+                  <a:schemeClr val="tx1"/>
+                </a:solidFill>
+                <a:effectLst/>
+                <a:latin typeface="+mn-lt"/>
+                <a:ea typeface="+mn-ea"/>
+                <a:cs typeface="+mn-cs"/>
+              </a:defRPr>
+            </a:lvl2pPr>
+            <a:lvl3pPr marL="1200150" indent="-285750" algn="l" defTabSz="457200" rtl="0" eaLnBrk="1" latinLnBrk="0" hangingPunct="1">
+              <a:spcBef>
+                <a:spcPct val="20000"/>
+              </a:spcBef>
+              <a:spcAft>
+                <a:spcPts val="600"/>
+              </a:spcAft>
+              <a:buClr>
+                <a:schemeClr val="accent1">
+                  <a:lumMod val="75000"/>
+                </a:schemeClr>
+              </a:buClr>
+              <a:buSzPct val="145000"/>
+              <a:buFont typeface="Arial"/>
+              <a:buChar char="•"/>
+              <a:defRPr sz="1800" kern="1200" cap="none">
+                <a:solidFill>
+                  <a:schemeClr val="tx1"/>
+                </a:solidFill>
+                <a:effectLst/>
+                <a:latin typeface="+mn-lt"/>
+                <a:ea typeface="+mn-ea"/>
+                <a:cs typeface="+mn-cs"/>
+              </a:defRPr>
+            </a:lvl3pPr>
+            <a:lvl4pPr marL="1543050" indent="-171450" algn="l" defTabSz="457200" rtl="0" eaLnBrk="1" latinLnBrk="0" hangingPunct="1">
+              <a:spcBef>
+                <a:spcPct val="20000"/>
+              </a:spcBef>
+              <a:spcAft>
+                <a:spcPts val="600"/>
+              </a:spcAft>
+              <a:buClr>
+                <a:schemeClr val="accent1">
+                  <a:lumMod val="75000"/>
+                </a:schemeClr>
+              </a:buClr>
+              <a:buSzPct val="145000"/>
+              <a:buFont typeface="Arial"/>
+              <a:buChar char="•"/>
+              <a:defRPr sz="1600" kern="1200" cap="none">
+                <a:solidFill>
+                  <a:schemeClr val="tx1"/>
+                </a:solidFill>
+                <a:effectLst/>
+                <a:latin typeface="+mn-lt"/>
+                <a:ea typeface="+mn-ea"/>
+                <a:cs typeface="+mn-cs"/>
+              </a:defRPr>
+            </a:lvl4pPr>
+            <a:lvl5pPr marL="2000250" indent="-171450" algn="l" defTabSz="457200" rtl="0" eaLnBrk="1" latinLnBrk="0" hangingPunct="1">
+              <a:spcBef>
+                <a:spcPct val="20000"/>
+              </a:spcBef>
+              <a:spcAft>
+                <a:spcPts val="600"/>
+              </a:spcAft>
+              <a:buClr>
+                <a:schemeClr val="accent1">
+                  <a:lumMod val="75000"/>
+                </a:schemeClr>
+              </a:buClr>
+              <a:buSzPct val="145000"/>
+              <a:buFont typeface="Arial"/>
+              <a:buChar char="•"/>
+              <a:defRPr sz="1400" kern="1200" cap="none">
+                <a:solidFill>
+                  <a:schemeClr val="tx1"/>
+                </a:solidFill>
+                <a:effectLst/>
+                <a:latin typeface="+mn-lt"/>
+                <a:ea typeface="+mn-ea"/>
+                <a:cs typeface="+mn-cs"/>
+              </a:defRPr>
+            </a:lvl5pPr>
+            <a:lvl6pPr marL="2514600" indent="-228600" algn="l" defTabSz="457200" rtl="0" eaLnBrk="1" latinLnBrk="0" hangingPunct="1">
+              <a:spcBef>
+                <a:spcPct val="20000"/>
+              </a:spcBef>
+              <a:spcAft>
+                <a:spcPts val="600"/>
+              </a:spcAft>
+              <a:buClr>
+                <a:schemeClr val="accent1">
+                  <a:lumMod val="75000"/>
+                </a:schemeClr>
+              </a:buClr>
+              <a:buSzPct val="145000"/>
+              <a:buFont typeface="Arial"/>
+              <a:buChar char="•"/>
+              <a:defRPr sz="1400" kern="1200" cap="none">
+                <a:solidFill>
+                  <a:schemeClr val="tx1"/>
+                </a:solidFill>
+                <a:effectLst/>
+                <a:latin typeface="+mn-lt"/>
+                <a:ea typeface="+mn-ea"/>
+                <a:cs typeface="+mn-cs"/>
+              </a:defRPr>
+            </a:lvl6pPr>
+            <a:lvl7pPr marL="2971800" indent="-228600" algn="l" defTabSz="457200" rtl="0" eaLnBrk="1" latinLnBrk="0" hangingPunct="1">
+              <a:spcBef>
+                <a:spcPct val="20000"/>
+              </a:spcBef>
+              <a:spcAft>
+                <a:spcPts val="600"/>
+              </a:spcAft>
+              <a:buClr>
+                <a:schemeClr val="accent1">
+                  <a:lumMod val="75000"/>
+                </a:schemeClr>
+              </a:buClr>
+              <a:buSzPct val="145000"/>
+              <a:buFont typeface="Arial"/>
+              <a:buChar char="•"/>
+              <a:defRPr sz="1400" kern="1200" cap="none">
+                <a:solidFill>
+                  <a:schemeClr val="tx1"/>
+                </a:solidFill>
+                <a:effectLst/>
+                <a:latin typeface="+mn-lt"/>
+                <a:ea typeface="+mn-ea"/>
+                <a:cs typeface="+mn-cs"/>
+              </a:defRPr>
+            </a:lvl7pPr>
+            <a:lvl8pPr marL="3429000" indent="-228600" algn="l" defTabSz="457200" rtl="0" eaLnBrk="1" latinLnBrk="0" hangingPunct="1">
+              <a:spcBef>
+                <a:spcPct val="20000"/>
+              </a:spcBef>
+              <a:spcAft>
+                <a:spcPts val="600"/>
+              </a:spcAft>
+              <a:buClr>
+                <a:schemeClr val="accent1">
+                  <a:lumMod val="75000"/>
+                </a:schemeClr>
+              </a:buClr>
+              <a:buSzPct val="145000"/>
+              <a:buFont typeface="Arial"/>
+              <a:buChar char="•"/>
+              <a:defRPr sz="1400" kern="1200" cap="none">
+                <a:solidFill>
+                  <a:schemeClr val="tx1"/>
+                </a:solidFill>
+                <a:effectLst/>
+                <a:latin typeface="+mn-lt"/>
+                <a:ea typeface="+mn-ea"/>
+                <a:cs typeface="+mn-cs"/>
+              </a:defRPr>
+            </a:lvl8pPr>
+            <a:lvl9pPr marL="3886200" indent="-228600" algn="l" defTabSz="457200" rtl="0" eaLnBrk="1" latinLnBrk="0" hangingPunct="1">
+              <a:spcBef>
+                <a:spcPct val="20000"/>
+              </a:spcBef>
+              <a:spcAft>
+                <a:spcPts val="600"/>
+              </a:spcAft>
+              <a:buClr>
+                <a:schemeClr val="accent1">
+                  <a:lumMod val="75000"/>
+                </a:schemeClr>
+              </a:buClr>
+              <a:buSzPct val="145000"/>
+              <a:buFont typeface="Arial"/>
+              <a:buChar char="•"/>
+              <a:defRPr sz="1400" kern="1200" cap="none">
+                <a:solidFill>
+                  <a:schemeClr val="tx1"/>
+                </a:solidFill>
+                <a:effectLst/>
+                <a:latin typeface="+mn-lt"/>
+                <a:ea typeface="+mn-ea"/>
+                <a:cs typeface="+mn-cs"/>
+              </a:defRPr>
+            </a:lvl9pPr>
+          </a:lstStyle>
+          <a:p>
+            <a:r>
+              <a:rPr lang="en-US" sz="1000"/>
+              <a:t>Where did you use serialization?</a:t>
+            </a:r>
+          </a:p>
+          <a:p>
+            <a:pPr lvl="1">
+              <a:buFont typeface="Wingdings" panose="05000000000000000000" pitchFamily="2" charset="2"/>
+              <a:buChar char="Ø"/>
+            </a:pPr>
+            <a:r>
+              <a:rPr lang="en-US" sz="1000"/>
+              <a:t>We used java object serialization to save Material objects like Plastic and Wood into .txt files.</a:t>
+            </a:r>
+          </a:p>
+          <a:p>
+            <a:pPr lvl="1">
+              <a:buFont typeface="Wingdings" panose="05000000000000000000" pitchFamily="2" charset="2"/>
+              <a:buChar char="Ø"/>
+            </a:pPr>
+            <a:r>
+              <a:rPr lang="en-US" sz="1000"/>
+              <a:t>Later reload them without reconstructing manually, which persist data across sessions and quicky restores default materials.</a:t>
+            </a:r>
+          </a:p>
+        </p:txBody>
+      </p:sp>
+      <p:pic>
+        <p:nvPicPr>
+          <p:cNvPr id="11" name="Picture 10">
+            <a:extLst>
+              <a:ext uri="{FF2B5EF4-FFF2-40B4-BE49-F238E27FC236}">
+                <a16:creationId xmlns:a16="http://schemas.microsoft.com/office/drawing/2014/main" id="{EB807E08-1E9B-534D-8EBB-0CF02E1C54E3}"/>
+              </a:ext>
+            </a:extLst>
+          </p:cNvPr>
+          <p:cNvPicPr>
+            <a:picLocks noChangeAspect="1"/>
+          </p:cNvPicPr>
+          <p:nvPr/>
+        </p:nvPicPr>
+        <p:blipFill>
+          <a:blip r:embed="rId2"/>
+          <a:stretch>
+            <a:fillRect/>
+          </a:stretch>
+        </p:blipFill>
+        <p:spPr>
+          <a:xfrm>
+            <a:off x="634483" y="3182034"/>
+            <a:ext cx="3708918" cy="2438400"/>
+          </a:xfrm>
+          <a:prstGeom prst="rect">
+            <a:avLst/>
+          </a:prstGeom>
+        </p:spPr>
+      </p:pic>
+      <p:sp>
+        <p:nvSpPr>
+          <p:cNvPr id="12" name="TextBox 11">
+            <a:extLst>
+              <a:ext uri="{FF2B5EF4-FFF2-40B4-BE49-F238E27FC236}">
+                <a16:creationId xmlns:a16="http://schemas.microsoft.com/office/drawing/2014/main" id="{F24CF566-7BC0-F144-AE7F-AA967CF9BD92}"/>
+              </a:ext>
+            </a:extLst>
+          </p:cNvPr>
+          <p:cNvSpPr txBox="1"/>
+          <p:nvPr/>
+        </p:nvSpPr>
+        <p:spPr>
+          <a:xfrm>
+            <a:off x="609600" y="2858869"/>
+            <a:ext cx="4057636" cy="646331"/>
+          </a:xfrm>
+          <a:prstGeom prst="rect">
+            <a:avLst/>
+          </a:prstGeom>
+          <a:noFill/>
+        </p:spPr>
+        <p:txBody>
+          <a:bodyPr wrap="square" rtlCol="0">
+            <a:spAutoFit/>
+          </a:bodyPr>
+          <a:lstStyle/>
+          <a:p>
+            <a:r>
+              <a:rPr lang="en-US"/>
+              <a:t>Explain serialize() in Loader</a:t>
+            </a:r>
+          </a:p>
+          <a:p>
+            <a:endParaRPr lang="en-US"/>
+          </a:p>
+        </p:txBody>
+      </p:sp>
+      <p:sp>
+        <p:nvSpPr>
+          <p:cNvPr id="13" name="TextBox 12">
+            <a:extLst>
+              <a:ext uri="{FF2B5EF4-FFF2-40B4-BE49-F238E27FC236}">
+                <a16:creationId xmlns:a16="http://schemas.microsoft.com/office/drawing/2014/main" id="{6B09621A-99FE-65E7-448F-D78943C0393F}"/>
+              </a:ext>
+            </a:extLst>
+          </p:cNvPr>
+          <p:cNvSpPr txBox="1"/>
+          <p:nvPr/>
+        </p:nvSpPr>
+        <p:spPr>
+          <a:xfrm>
+            <a:off x="4717001" y="3486541"/>
+            <a:ext cx="4057636" cy="923330"/>
+          </a:xfrm>
+          <a:prstGeom prst="rect">
+            <a:avLst/>
+          </a:prstGeom>
+          <a:noFill/>
+        </p:spPr>
+        <p:txBody>
+          <a:bodyPr wrap="square" rtlCol="0">
+            <a:spAutoFit/>
+          </a:bodyPr>
+          <a:lstStyle/>
+          <a:p>
+            <a:r>
+              <a:rPr lang="en-US"/>
+              <a:t>Explain how Loader uses serialization in RecycleDriviver  method</a:t>
+            </a:r>
+          </a:p>
+          <a:p>
+            <a:endParaRPr lang="en-US"/>
+          </a:p>
+        </p:txBody>
+      </p:sp>
+      <p:pic>
+        <p:nvPicPr>
+          <p:cNvPr id="15" name="Picture 14">
+            <a:extLst>
+              <a:ext uri="{FF2B5EF4-FFF2-40B4-BE49-F238E27FC236}">
+                <a16:creationId xmlns:a16="http://schemas.microsoft.com/office/drawing/2014/main" id="{56EB39B2-75F8-798A-34C9-3F5FC5962D99}"/>
+              </a:ext>
+            </a:extLst>
+          </p:cNvPr>
+          <p:cNvPicPr>
+            <a:picLocks noChangeAspect="1"/>
+          </p:cNvPicPr>
+          <p:nvPr/>
+        </p:nvPicPr>
+        <p:blipFill>
+          <a:blip r:embed="rId3"/>
+          <a:stretch>
+            <a:fillRect/>
+          </a:stretch>
+        </p:blipFill>
+        <p:spPr>
+          <a:xfrm>
+            <a:off x="4835303" y="1836031"/>
+            <a:ext cx="4178080" cy="1699540"/>
+          </a:xfrm>
+          <a:prstGeom prst="rect">
+            <a:avLst/>
+          </a:prstGeom>
+        </p:spPr>
+      </p:pic>
+      <p:pic>
+        <p:nvPicPr>
+          <p:cNvPr id="17" name="Picture 16">
+            <a:extLst>
+              <a:ext uri="{FF2B5EF4-FFF2-40B4-BE49-F238E27FC236}">
+                <a16:creationId xmlns:a16="http://schemas.microsoft.com/office/drawing/2014/main" id="{4AA70340-99EE-6F90-54BC-0AC491D3540E}"/>
+              </a:ext>
+            </a:extLst>
+          </p:cNvPr>
+          <p:cNvPicPr>
+            <a:picLocks noChangeAspect="1"/>
+          </p:cNvPicPr>
+          <p:nvPr/>
+        </p:nvPicPr>
+        <p:blipFill>
+          <a:blip r:embed="rId4"/>
+          <a:stretch>
+            <a:fillRect/>
+          </a:stretch>
+        </p:blipFill>
+        <p:spPr>
+          <a:xfrm>
+            <a:off x="4765364" y="4114800"/>
+            <a:ext cx="3773700" cy="2664096"/>
+          </a:xfrm>
+          <a:prstGeom prst="rect">
+            <a:avLst/>
+          </a:prstGeom>
+        </p:spPr>
+      </p:pic>
+      <p:sp>
+        <p:nvSpPr>
+          <p:cNvPr id="18" name="TextBox 17">
+            <a:extLst>
+              <a:ext uri="{FF2B5EF4-FFF2-40B4-BE49-F238E27FC236}">
+                <a16:creationId xmlns:a16="http://schemas.microsoft.com/office/drawing/2014/main" id="{A8268529-48C4-68C7-1DAD-53DB6B48592A}"/>
+              </a:ext>
+            </a:extLst>
+          </p:cNvPr>
+          <p:cNvSpPr txBox="1"/>
+          <p:nvPr/>
+        </p:nvSpPr>
+        <p:spPr>
+          <a:xfrm>
+            <a:off x="4732467" y="1512865"/>
+            <a:ext cx="4057636" cy="646331"/>
+          </a:xfrm>
+          <a:prstGeom prst="rect">
+            <a:avLst/>
+          </a:prstGeom>
+          <a:noFill/>
+        </p:spPr>
+        <p:txBody>
+          <a:bodyPr wrap="square" rtlCol="0">
+            <a:spAutoFit/>
+          </a:bodyPr>
+          <a:lstStyle/>
+          <a:p>
+            <a:r>
+              <a:rPr lang="en-US"/>
+              <a:t>Explain deserialize() in Loader</a:t>
+            </a:r>
+          </a:p>
+          <a:p>
+            <a:endParaRPr lang="en-US"/>
+          </a:p>
+        </p:txBody>
+      </p:sp>
+    </p:spTree>
+    <p:extLst>
+      <p:ext uri="{BB962C8B-B14F-4D97-AF65-F5344CB8AC3E}">
+        <p14:creationId xmlns:p14="http://schemas.microsoft.com/office/powerpoint/2010/main" val="934056099"/>
+      </p:ext>
+    </p:extLst>
+  </p:cSld>
+  <p:clrMapOvr>
+    <a:masterClrMapping/>
+  </p:clrMapOvr>
+</p:sld>
+</file>
+
+<file path=ppt/slides/slide14.xml><?xml version="1.0" encoding="utf-8"?>
 <p:sld xmlns:a="http://schemas.openxmlformats.org/drawingml/2006/main" xmlns:r="http://schemas.openxmlformats.org/officeDocument/2006/relationships" xmlns:p="http://schemas.openxmlformats.org/presentationml/2006/main">
   <p:cSld>
     <p:bg>
@@ -10946,7 +8963,7 @@
       </p:grpSpPr>
       <p:sp useBgFill="1">
         <p:nvSpPr>
-          <p:cNvPr id="7" name="Rectangle 6">
+          <p:cNvPr id="47" name="Rectangle 46">
             <a:extLst>
               <a:ext uri="{FF2B5EF4-FFF2-40B4-BE49-F238E27FC236}">
                 <a16:creationId xmlns:a16="http://schemas.microsoft.com/office/drawing/2014/main" id="{68375697-2869-412A-AEB4-B32967993B67}"/>
@@ -11006,10 +9023,10 @@
       </p:sp>
       <p:pic>
         <p:nvPicPr>
-          <p:cNvPr id="5" name="Picture 4" descr="A red triangle with a exclamation mark&#10;&#10;AI-generated content may be incorrect.">
+          <p:cNvPr id="5" name="Picture 4" descr="Piles of logs">
             <a:extLst>
               <a:ext uri="{FF2B5EF4-FFF2-40B4-BE49-F238E27FC236}">
-                <a16:creationId xmlns:a16="http://schemas.microsoft.com/office/drawing/2014/main" id="{338C2B09-BDA6-B225-D7D5-517040AAA204}"/>
+                <a16:creationId xmlns:a16="http://schemas.microsoft.com/office/drawing/2014/main" id="{B97F8D7E-ED63-8EE5-4781-9E3B530C7AB3}"/>
               </a:ext>
             </a:extLst>
           </p:cNvPr>
@@ -11019,14 +9036,8 @@
           <p:nvPr/>
         </p:nvPicPr>
         <p:blipFill>
-          <a:blip r:embed="rId3">
-            <a:extLst>
-              <a:ext uri="{28A0092B-C50C-407E-A947-70E740481C1C}">
-                <a14:useLocalDpi xmlns:a14="http://schemas.microsoft.com/office/drawing/2010/main" val="0"/>
-              </a:ext>
-            </a:extLst>
-          </a:blip>
-          <a:srcRect l="34820" t="9091" r="18189"/>
+          <a:blip r:embed="rId3"/>
+          <a:srcRect l="21169" t="9091" r="47465"/>
           <a:stretch/>
         </p:blipFill>
         <p:spPr>
@@ -11041,7 +9052,7 @@
       </p:pic>
       <p:grpSp>
         <p:nvGrpSpPr>
-          <p:cNvPr id="8" name="Group 7">
+          <p:cNvPr id="49" name="Group 48">
             <a:extLst>
               <a:ext uri="{FF2B5EF4-FFF2-40B4-BE49-F238E27FC236}">
                 <a16:creationId xmlns:a16="http://schemas.microsoft.com/office/drawing/2014/main" id="{2DE9E2D4-C94D-4382-BD75-9A451C3DC7F7}"/>
@@ -11072,7 +9083,7 @@
         </p:grpSpPr>
         <p:sp useBgFill="1">
           <p:nvSpPr>
-            <p:cNvPr id="13" name="Rectangle 19">
+            <p:cNvPr id="50" name="Rectangle 19">
               <a:extLst>
                 <a:ext uri="{FF2B5EF4-FFF2-40B4-BE49-F238E27FC236}">
                   <a16:creationId xmlns:a16="http://schemas.microsoft.com/office/drawing/2014/main" id="{8348A120-519A-4F2A-BE9F-C1CC48B1090C}"/>
@@ -11431,7 +9442,7 @@
         </p:sp>
         <p:sp useBgFill="1">
           <p:nvSpPr>
-            <p:cNvPr id="14" name="Rectangle 20">
+            <p:cNvPr id="51" name="Rectangle 20">
               <a:extLst>
                 <a:ext uri="{FF2B5EF4-FFF2-40B4-BE49-F238E27FC236}">
                   <a16:creationId xmlns:a16="http://schemas.microsoft.com/office/drawing/2014/main" id="{8AE68E3F-5084-4FF1-9164-9A44B19D390C}"/>
@@ -11731,7 +9742,7 @@
       </p:grpSp>
       <p:grpSp>
         <p:nvGrpSpPr>
-          <p:cNvPr id="16" name="Group 15">
+          <p:cNvPr id="53" name="Group 52">
             <a:extLst>
               <a:ext uri="{FF2B5EF4-FFF2-40B4-BE49-F238E27FC236}">
                 <a16:creationId xmlns:a16="http://schemas.microsoft.com/office/drawing/2014/main" id="{7884AB1D-699B-435C-BC0A-D649097B95E3}"/>
@@ -11762,7 +9773,7 @@
         </p:grpSpPr>
         <p:sp>
           <p:nvSpPr>
-            <p:cNvPr id="17" name="Freeform 6">
+            <p:cNvPr id="54" name="Freeform 6">
               <a:extLst>
                 <a:ext uri="{FF2B5EF4-FFF2-40B4-BE49-F238E27FC236}">
                   <a16:creationId xmlns:a16="http://schemas.microsoft.com/office/drawing/2014/main" id="{E081C1DB-D6A0-4ED6-A4FC-16466E903CDD}"/>
@@ -11830,7 +9841,7 @@
         </p:sp>
         <p:sp>
           <p:nvSpPr>
-            <p:cNvPr id="18" name="Freeform 7">
+            <p:cNvPr id="55" name="Freeform 7">
               <a:extLst>
                 <a:ext uri="{FF2B5EF4-FFF2-40B4-BE49-F238E27FC236}">
                   <a16:creationId xmlns:a16="http://schemas.microsoft.com/office/drawing/2014/main" id="{0BE09B71-5BD8-4B95-8DE8-A10B0657D5CA}"/>
@@ -11901,7 +9912,7 @@
         </p:sp>
         <p:sp>
           <p:nvSpPr>
-            <p:cNvPr id="19" name="Freeform 8">
+            <p:cNvPr id="56" name="Freeform 8">
               <a:extLst>
                 <a:ext uri="{FF2B5EF4-FFF2-40B4-BE49-F238E27FC236}">
                   <a16:creationId xmlns:a16="http://schemas.microsoft.com/office/drawing/2014/main" id="{F5AAF0BD-4755-42CE-B339-2C2746BB7FBB}"/>
@@ -11969,7 +9980,7 @@
         </p:sp>
         <p:sp>
           <p:nvSpPr>
-            <p:cNvPr id="20" name="Freeform 9">
+            <p:cNvPr id="57" name="Freeform 9">
               <a:extLst>
                 <a:ext uri="{FF2B5EF4-FFF2-40B4-BE49-F238E27FC236}">
                   <a16:creationId xmlns:a16="http://schemas.microsoft.com/office/drawing/2014/main" id="{3824AAED-F160-40F4-8FBB-F674A4ECFE96}"/>
@@ -12036,7 +10047,7 @@
         </p:sp>
         <p:sp>
           <p:nvSpPr>
-            <p:cNvPr id="21" name="Freeform 10">
+            <p:cNvPr id="58" name="Freeform 10">
               <a:extLst>
                 <a:ext uri="{FF2B5EF4-FFF2-40B4-BE49-F238E27FC236}">
                   <a16:creationId xmlns:a16="http://schemas.microsoft.com/office/drawing/2014/main" id="{2D4B81E4-BEC2-45B9-8242-EB39601830D7}"/>
@@ -12109,7 +10120,7 @@
         </p:sp>
         <p:sp>
           <p:nvSpPr>
-            <p:cNvPr id="22" name="Freeform 11">
+            <p:cNvPr id="59" name="Freeform 11">
               <a:extLst>
                 <a:ext uri="{FF2B5EF4-FFF2-40B4-BE49-F238E27FC236}">
                   <a16:creationId xmlns:a16="http://schemas.microsoft.com/office/drawing/2014/main" id="{3CF69791-86E8-4D88-B224-E0D2775DC03F}"/>
@@ -12196,7 +10207,13 @@
       </p:grpSp>
       <p:sp>
         <p:nvSpPr>
-          <p:cNvPr id="2" name="Title 1"/>
+          <p:cNvPr id="2" name="Title 1">
+            <a:extLst>
+              <a:ext uri="{FF2B5EF4-FFF2-40B4-BE49-F238E27FC236}">
+                <a16:creationId xmlns:a16="http://schemas.microsoft.com/office/drawing/2014/main" id="{5FCA342B-FF04-4FCB-A58F-DD28838BD1EF}"/>
+              </a:ext>
+            </a:extLst>
+          </p:cNvPr>
           <p:cNvSpPr>
             <a:spLocks noGrp="1"/>
           </p:cNvSpPr>
@@ -12218,15 +10235,20 @@
           <a:p>
             <a:r>
               <a:rPr lang="en-US"/>
-              <a:t>Customized Error Handling</a:t>
-            </a:r>
-            <a:endParaRPr lang="en-US" dirty="0"/>
-          </a:p>
-        </p:txBody>
-      </p:sp>
-      <p:sp>
-        <p:nvSpPr>
-          <p:cNvPr id="3" name="Content Placeholder 2"/>
+              <a:t>Use of logging</a:t>
+            </a:r>
+          </a:p>
+        </p:txBody>
+      </p:sp>
+      <p:sp>
+        <p:nvSpPr>
+          <p:cNvPr id="3" name="Content Placeholder 2">
+            <a:extLst>
+              <a:ext uri="{FF2B5EF4-FFF2-40B4-BE49-F238E27FC236}">
+                <a16:creationId xmlns:a16="http://schemas.microsoft.com/office/drawing/2014/main" id="{60C822AF-792F-404C-9DD2-AC1752FEEDCA}"/>
+              </a:ext>
+            </a:extLst>
+          </p:cNvPr>
           <p:cNvSpPr>
             <a:spLocks noGrp="1"/>
           </p:cNvSpPr>
@@ -12236,45 +10258,240 @@
         </p:nvSpPr>
         <p:spPr>
           <a:xfrm>
-            <a:off x="2882900" y="2048933"/>
-            <a:ext cx="5744367" cy="3742267"/>
+            <a:off x="2620276" y="2008981"/>
+            <a:ext cx="2440757" cy="3742267"/>
           </a:xfrm>
         </p:spPr>
         <p:txBody>
           <a:bodyPr>
-            <a:normAutofit/>
+            <a:normAutofit fontScale="92500" lnSpcReduction="10000"/>
           </a:bodyPr>
           <a:lstStyle/>
           <a:p>
             <a:r>
-              <a:rPr lang="en-US" dirty="0"/>
-              <a:t>Where did you use it?</a:t>
-            </a:r>
-          </a:p>
-          <a:p>
-            <a:pPr lvl="1">
+              <a:rPr lang="en-US" sz="1400"/>
+              <a:t>How and where did you use logging?</a:t>
+            </a:r>
+          </a:p>
+          <a:p>
+            <a:pPr>
               <a:buFont typeface="Wingdings" panose="05000000000000000000" pitchFamily="2" charset="2"/>
-              <a:buChar char="Ø"/>
+              <a:buChar char="ü"/>
             </a:pPr>
             <a:r>
-              <a:rPr lang="en-US" dirty="0"/>
-              <a:t>We used the custom exceptions when recycling a material failed, like when composting or disposing didn’t work</a:t>
-            </a:r>
-          </a:p>
-          <a:p>
-            <a:r>
-              <a:rPr lang="en-US" dirty="0"/>
-              <a:t>Did you like using it?  Or did you feel it was overkill?</a:t>
-            </a:r>
-          </a:p>
-          <a:p>
-            <a:pPr lvl="1">
+              <a:rPr lang="en-US" sz="1400"/>
+              <a:t>We created a shared Logger in RecycleDriver and we passed this logger into different parts of the program. We logged important actions like loading csv files, serializing materials, deserializing materials, and resetting files.</a:t>
+            </a:r>
+          </a:p>
+          <a:p>
+            <a:r>
+              <a:rPr lang="en-US" sz="1400"/>
+              <a:t>Why did you implement this way?</a:t>
+            </a:r>
+          </a:p>
+          <a:p>
+            <a:pPr>
               <a:buFont typeface="Wingdings" panose="05000000000000000000" pitchFamily="2" charset="2"/>
-              <a:buChar char="Ø"/>
+              <a:buChar char="ü"/>
             </a:pPr>
             <a:r>
-              <a:rPr lang="en-US" dirty="0"/>
-              <a:t>We liked using these exception due to it showing exactly what went wrong. </a:t>
+              <a:rPr lang="en-US" sz="1400"/>
+              <a:t>We used logging this way because if something broke we could quickly fix it and we immediately knew what operation failed.</a:t>
+            </a:r>
+          </a:p>
+        </p:txBody>
+      </p:sp>
+      <p:pic>
+        <p:nvPicPr>
+          <p:cNvPr id="6" name="Picture 5">
+            <a:extLst>
+              <a:ext uri="{FF2B5EF4-FFF2-40B4-BE49-F238E27FC236}">
+                <a16:creationId xmlns:a16="http://schemas.microsoft.com/office/drawing/2014/main" id="{BA18984B-BA18-F934-64EE-D3E41546E024}"/>
+              </a:ext>
+            </a:extLst>
+          </p:cNvPr>
+          <p:cNvPicPr>
+            <a:picLocks noChangeAspect="1"/>
+          </p:cNvPicPr>
+          <p:nvPr/>
+        </p:nvPicPr>
+        <p:blipFill>
+          <a:blip r:embed="rId4"/>
+          <a:stretch>
+            <a:fillRect/>
+          </a:stretch>
+        </p:blipFill>
+        <p:spPr>
+          <a:xfrm>
+            <a:off x="5245312" y="2311701"/>
+            <a:ext cx="3714408" cy="415528"/>
+          </a:xfrm>
+          <a:prstGeom prst="rect">
+            <a:avLst/>
+          </a:prstGeom>
+        </p:spPr>
+      </p:pic>
+      <p:sp>
+        <p:nvSpPr>
+          <p:cNvPr id="7" name="TextBox 6">
+            <a:extLst>
+              <a:ext uri="{FF2B5EF4-FFF2-40B4-BE49-F238E27FC236}">
+                <a16:creationId xmlns:a16="http://schemas.microsoft.com/office/drawing/2014/main" id="{C1186FD3-D82A-6A93-6FAF-DD0B3669B1AC}"/>
+              </a:ext>
+            </a:extLst>
+          </p:cNvPr>
+          <p:cNvSpPr txBox="1"/>
+          <p:nvPr/>
+        </p:nvSpPr>
+        <p:spPr>
+          <a:xfrm>
+            <a:off x="5245312" y="1852033"/>
+            <a:ext cx="3714408" cy="369332"/>
+          </a:xfrm>
+          <a:prstGeom prst="rect">
+            <a:avLst/>
+          </a:prstGeom>
+          <a:noFill/>
+        </p:spPr>
+        <p:txBody>
+          <a:bodyPr wrap="square" rtlCol="0">
+            <a:spAutoFit/>
+          </a:bodyPr>
+          <a:lstStyle/>
+          <a:p>
+            <a:r>
+              <a:rPr lang="en-US"/>
+              <a:t>Logging seen first in RecycleDriver</a:t>
+            </a:r>
+          </a:p>
+        </p:txBody>
+      </p:sp>
+      <p:pic>
+        <p:nvPicPr>
+          <p:cNvPr id="10" name="Picture 9">
+            <a:extLst>
+              <a:ext uri="{FF2B5EF4-FFF2-40B4-BE49-F238E27FC236}">
+                <a16:creationId xmlns:a16="http://schemas.microsoft.com/office/drawing/2014/main" id="{FD43F1F8-AAF1-C2DE-A9E8-88E30040E269}"/>
+              </a:ext>
+            </a:extLst>
+          </p:cNvPr>
+          <p:cNvPicPr>
+            <a:picLocks noChangeAspect="1"/>
+          </p:cNvPicPr>
+          <p:nvPr/>
+        </p:nvPicPr>
+        <p:blipFill>
+          <a:blip r:embed="rId5"/>
+          <a:stretch>
+            <a:fillRect/>
+          </a:stretch>
+        </p:blipFill>
+        <p:spPr>
+          <a:xfrm>
+            <a:off x="5245312" y="3387598"/>
+            <a:ext cx="3873774" cy="241751"/>
+          </a:xfrm>
+          <a:prstGeom prst="rect">
+            <a:avLst/>
+          </a:prstGeom>
+        </p:spPr>
+      </p:pic>
+      <p:sp>
+        <p:nvSpPr>
+          <p:cNvPr id="18" name="TextBox 17">
+            <a:extLst>
+              <a:ext uri="{FF2B5EF4-FFF2-40B4-BE49-F238E27FC236}">
+                <a16:creationId xmlns:a16="http://schemas.microsoft.com/office/drawing/2014/main" id="{AEC7CFAA-AE19-779E-65C9-A50CE54C23E2}"/>
+              </a:ext>
+            </a:extLst>
+          </p:cNvPr>
+          <p:cNvSpPr txBox="1"/>
+          <p:nvPr/>
+        </p:nvSpPr>
+        <p:spPr>
+          <a:xfrm>
+            <a:off x="5242824" y="2780414"/>
+            <a:ext cx="3714408" cy="461665"/>
+          </a:xfrm>
+          <a:prstGeom prst="rect">
+            <a:avLst/>
+          </a:prstGeom>
+          <a:noFill/>
+        </p:spPr>
+        <p:txBody>
+          <a:bodyPr wrap="square" rtlCol="0">
+            <a:spAutoFit/>
+          </a:bodyPr>
+          <a:lstStyle/>
+          <a:p>
+            <a:r>
+              <a:rPr lang="en-US" sz="1200"/>
+              <a:t>Loggers are pass through the Loader in RecycleDriver so that the Loader can use them when serializing materials</a:t>
+            </a:r>
+          </a:p>
+        </p:txBody>
+      </p:sp>
+      <p:pic>
+        <p:nvPicPr>
+          <p:cNvPr id="20" name="Picture 19">
+            <a:extLst>
+              <a:ext uri="{FF2B5EF4-FFF2-40B4-BE49-F238E27FC236}">
+                <a16:creationId xmlns:a16="http://schemas.microsoft.com/office/drawing/2014/main" id="{446267F1-9657-4B85-9458-EB999DEBEE3A}"/>
+              </a:ext>
+            </a:extLst>
+          </p:cNvPr>
+          <p:cNvPicPr>
+            <a:picLocks noChangeAspect="1"/>
+          </p:cNvPicPr>
+          <p:nvPr/>
+        </p:nvPicPr>
+        <p:blipFill>
+          <a:blip r:embed="rId6"/>
+          <a:stretch>
+            <a:fillRect/>
+          </a:stretch>
+        </p:blipFill>
+        <p:spPr>
+          <a:xfrm>
+            <a:off x="5209427" y="4315544"/>
+            <a:ext cx="3786179" cy="1474665"/>
+          </a:xfrm>
+          <a:prstGeom prst="rect">
+            <a:avLst/>
+          </a:prstGeom>
+        </p:spPr>
+      </p:pic>
+      <p:sp>
+        <p:nvSpPr>
+          <p:cNvPr id="21" name="TextBox 20">
+            <a:extLst>
+              <a:ext uri="{FF2B5EF4-FFF2-40B4-BE49-F238E27FC236}">
+                <a16:creationId xmlns:a16="http://schemas.microsoft.com/office/drawing/2014/main" id="{FCFAC18A-A5B1-6076-D520-F4A9E72D7943}"/>
+              </a:ext>
+            </a:extLst>
+          </p:cNvPr>
+          <p:cNvSpPr txBox="1"/>
+          <p:nvPr/>
+        </p:nvSpPr>
+        <p:spPr>
+          <a:xfrm>
+            <a:off x="5168102" y="3688048"/>
+            <a:ext cx="3714408" cy="646331"/>
+          </a:xfrm>
+          <a:prstGeom prst="rect">
+            <a:avLst/>
+          </a:prstGeom>
+          <a:noFill/>
+        </p:spPr>
+        <p:txBody>
+          <a:bodyPr wrap="square" rtlCol="0">
+            <a:spAutoFit/>
+          </a:bodyPr>
+          <a:lstStyle/>
+          <a:p>
+            <a:r>
+              <a:rPr lang="en-US" sz="1200"/>
+              <a:t>Now that the Loader has the logger it can log info on what is happening during the process allowing us to know what is happening and if any bugs are occurring</a:t>
             </a:r>
           </a:p>
         </p:txBody>
@@ -12282,7 +10499,7 @@
     </p:spTree>
     <p:extLst>
       <p:ext uri="{BB962C8B-B14F-4D97-AF65-F5344CB8AC3E}">
-        <p14:creationId xmlns:p14="http://schemas.microsoft.com/office/powerpoint/2010/main" val="394957323"/>
+        <p14:creationId xmlns:p14="http://schemas.microsoft.com/office/powerpoint/2010/main" val="1942282660"/>
       </p:ext>
     </p:extLst>
   </p:cSld>
@@ -12292,7 +10509,7 @@
 </p:sld>
 </file>
 
-<file path=ppt/slides/slide9.xml><?xml version="1.0" encoding="utf-8"?>
+<file path=ppt/slides/slide15.xml><?xml version="1.0" encoding="utf-8"?>
 <p:sld xmlns:a="http://schemas.openxmlformats.org/drawingml/2006/main" xmlns:r="http://schemas.openxmlformats.org/officeDocument/2006/relationships" xmlns:p="http://schemas.openxmlformats.org/presentationml/2006/main">
   <p:cSld>
     <p:spTree>
@@ -12319,20 +10536,36 @@
             <p:ph type="title"/>
           </p:nvPr>
         </p:nvSpPr>
-        <p:spPr/>
+        <p:spPr>
+          <a:xfrm>
+            <a:off x="982133" y="0"/>
+            <a:ext cx="7704667" cy="1981200"/>
+          </a:xfrm>
+        </p:spPr>
         <p:txBody>
           <a:bodyPr/>
           <a:lstStyle/>
           <a:p>
             <a:r>
-              <a:rPr lang="en-US" dirty="0"/>
-              <a:t>File </a:t>
-            </a:r>
-            <a:r>
-              <a:rPr lang="en-US" dirty="0" err="1"/>
-              <a:t>Input/Output</a:t>
-            </a:r>
-            <a:endParaRPr lang="en-US" dirty="0"/>
+              <a:rPr lang="en-US"/>
+              <a:t>Lambda Expressions</a:t>
+            </a:r>
+            <a:br>
+              <a:rPr lang="en-US"/>
+            </a:br>
+            <a:r>
+              <a:rPr lang="en-US" sz="3200"/>
+              <a:t>(beyond .</a:t>
+            </a:r>
+            <a:r>
+              <a:rPr lang="en-US" sz="3200" err="1"/>
+              <a:t>forEach</a:t>
+            </a:r>
+            <a:r>
+              <a:rPr lang="en-US" sz="3200"/>
+              <a:t>() and event handling)</a:t>
+            </a:r>
+            <a:endParaRPr lang="en-US"/>
           </a:p>
         </p:txBody>
       </p:sp>
@@ -12346,86 +10579,2128 @@
             <p:ph idx="1"/>
           </p:nvPr>
         </p:nvSpPr>
-        <p:spPr/>
+        <p:spPr>
+          <a:xfrm>
+            <a:off x="1371599" y="2667000"/>
+            <a:ext cx="7315201" cy="3332816"/>
+          </a:xfrm>
+        </p:spPr>
         <p:txBody>
           <a:bodyPr>
-            <a:normAutofit fontScale="85000" lnSpcReduction="20000"/>
+            <a:normAutofit/>
           </a:bodyPr>
           <a:lstStyle/>
           <a:p>
-            <a:r>
-              <a:rPr lang="en-US" dirty="0"/>
-              <a:t>What were your file input/output strategies?</a:t>
+            <a:pPr marL="0" indent="0">
+              <a:buNone/>
+            </a:pPr>
+            <a:endParaRPr lang="en-US" u="sng"/>
+          </a:p>
+          <a:p>
+            <a:pPr marL="0" indent="0">
+              <a:buNone/>
+            </a:pPr>
+            <a:endParaRPr lang="en-US" u="sng"/>
+          </a:p>
+          <a:p>
+            <a:pPr marL="0" indent="0">
+              <a:buNone/>
+            </a:pPr>
+            <a:endParaRPr lang="en-US" u="sng"/>
+          </a:p>
+          <a:p>
+            <a:pPr marL="0" indent="0">
+              <a:buNone/>
+            </a:pPr>
+            <a:endParaRPr lang="en-US" u="sng"/>
+          </a:p>
+          <a:p>
+            <a:pPr marL="0" indent="0">
+              <a:buNone/>
+            </a:pPr>
+            <a:endParaRPr lang="en-US" u="sng"/>
+          </a:p>
+          <a:p>
+            <a:pPr marL="0" indent="0">
+              <a:buNone/>
+            </a:pPr>
+            <a:endParaRPr lang="en-US" u="sng"/>
+          </a:p>
+        </p:txBody>
+      </p:sp>
+      <p:sp>
+        <p:nvSpPr>
+          <p:cNvPr id="6" name="TextBox 5">
+            <a:extLst>
+              <a:ext uri="{FF2B5EF4-FFF2-40B4-BE49-F238E27FC236}">
+                <a16:creationId xmlns:a16="http://schemas.microsoft.com/office/drawing/2014/main" id="{F496C600-844E-0AFF-67C4-F82202E62CF8}"/>
+              </a:ext>
+            </a:extLst>
+          </p:cNvPr>
+          <p:cNvSpPr txBox="1"/>
+          <p:nvPr/>
+        </p:nvSpPr>
+        <p:spPr>
+          <a:xfrm>
+            <a:off x="719665" y="2304661"/>
+            <a:ext cx="3852335" cy="2462213"/>
+          </a:xfrm>
+          <a:prstGeom prst="rect">
+            <a:avLst/>
+          </a:prstGeom>
+          <a:noFill/>
+        </p:spPr>
+        <p:txBody>
+          <a:bodyPr wrap="square" rtlCol="0">
+            <a:spAutoFit/>
+          </a:bodyPr>
+          <a:lstStyle/>
+          <a:p>
+            <a:r>
+              <a:rPr lang="en-US" sz="1400" u="sng"/>
+              <a:t>Explanation</a:t>
+            </a:r>
+          </a:p>
+          <a:p>
+            <a:r>
+              <a:rPr lang="en-US" sz="1400"/>
+              <a:t>We use lambda’s in Gui_Simulator, where we use lambdas to define different garbage generations scenarios. </a:t>
+            </a:r>
+          </a:p>
+          <a:p>
+            <a:r>
+              <a:rPr lang="en-US" sz="1400"/>
+              <a:t>We have a HashMap called scenarios that stores a Recycle Type as its key and a lambda as its value. The lambda creates a list of materials based on a random selection without needing to write separated methods for each scenario. We store behaviors like neighborhood trash direct in a HashMap using a lambda. </a:t>
+            </a:r>
+          </a:p>
+        </p:txBody>
+      </p:sp>
+      <p:pic>
+        <p:nvPicPr>
+          <p:cNvPr id="16" name="Picture 15">
+            <a:extLst>
+              <a:ext uri="{FF2B5EF4-FFF2-40B4-BE49-F238E27FC236}">
+                <a16:creationId xmlns:a16="http://schemas.microsoft.com/office/drawing/2014/main" id="{D6447EE4-8D8B-98CE-76CD-C5E32B6CFBC6}"/>
+              </a:ext>
+            </a:extLst>
+          </p:cNvPr>
+          <p:cNvPicPr>
+            <a:picLocks noChangeAspect="1"/>
+          </p:cNvPicPr>
+          <p:nvPr/>
+        </p:nvPicPr>
+        <p:blipFill>
+          <a:blip r:embed="rId2"/>
+          <a:stretch>
+            <a:fillRect/>
+          </a:stretch>
+        </p:blipFill>
+        <p:spPr>
+          <a:xfrm>
+            <a:off x="4648201" y="1960446"/>
+            <a:ext cx="4046514" cy="4440353"/>
+          </a:xfrm>
+          <a:prstGeom prst="rect">
+            <a:avLst/>
+          </a:prstGeom>
+        </p:spPr>
+      </p:pic>
+    </p:spTree>
+    <p:extLst>
+      <p:ext uri="{BB962C8B-B14F-4D97-AF65-F5344CB8AC3E}">
+        <p14:creationId xmlns:p14="http://schemas.microsoft.com/office/powerpoint/2010/main" val="2019044008"/>
+      </p:ext>
+    </p:extLst>
+  </p:cSld>
+  <p:clrMapOvr>
+    <a:masterClrMapping/>
+  </p:clrMapOvr>
+</p:sld>
+</file>
+
+<file path=ppt/slides/slide16.xml><?xml version="1.0" encoding="utf-8"?>
+<p:sld xmlns:a="http://schemas.openxmlformats.org/drawingml/2006/main" xmlns:r="http://schemas.openxmlformats.org/officeDocument/2006/relationships" xmlns:p="http://schemas.openxmlformats.org/presentationml/2006/main">
+  <p:cSld>
+    <p:spTree>
+      <p:nvGrpSpPr>
+        <p:cNvPr id="1" name=""/>
+        <p:cNvGrpSpPr/>
+        <p:nvPr/>
+      </p:nvGrpSpPr>
+      <p:grpSpPr>
+        <a:xfrm>
+          <a:off x="0" y="0"/>
+          <a:ext cx="0" cy="0"/>
+          <a:chOff x="0" y="0"/>
+          <a:chExt cx="0" cy="0"/>
+        </a:xfrm>
+      </p:grpSpPr>
+      <p:sp>
+        <p:nvSpPr>
+          <p:cNvPr id="2" name="Title 1"/>
+          <p:cNvSpPr>
+            <a:spLocks noGrp="1"/>
+          </p:cNvSpPr>
+          <p:nvPr>
+            <p:ph type="title"/>
+          </p:nvPr>
+        </p:nvSpPr>
+        <p:spPr/>
+        <p:txBody>
+          <a:bodyPr/>
+          <a:lstStyle/>
+          <a:p>
+            <a:r>
+              <a:rPr lang="en-US"/>
+              <a:t>Threads</a:t>
+            </a:r>
+          </a:p>
+        </p:txBody>
+      </p:sp>
+      <p:sp>
+        <p:nvSpPr>
+          <p:cNvPr id="6" name="TextBox 5">
+            <a:extLst>
+              <a:ext uri="{FF2B5EF4-FFF2-40B4-BE49-F238E27FC236}">
+                <a16:creationId xmlns:a16="http://schemas.microsoft.com/office/drawing/2014/main" id="{5D7FB258-ADC3-E3B4-7EEF-E17E4B97CBD7}"/>
+              </a:ext>
+            </a:extLst>
+          </p:cNvPr>
+          <p:cNvSpPr txBox="1"/>
+          <p:nvPr/>
+        </p:nvSpPr>
+        <p:spPr>
+          <a:xfrm>
+            <a:off x="806395" y="1905000"/>
+            <a:ext cx="4004802" cy="1477328"/>
+          </a:xfrm>
+          <a:prstGeom prst="rect">
+            <a:avLst/>
+          </a:prstGeom>
+          <a:noFill/>
+        </p:spPr>
+        <p:txBody>
+          <a:bodyPr wrap="square" rtlCol="0">
+            <a:spAutoFit/>
+          </a:bodyPr>
+          <a:lstStyle/>
+          <a:p>
+            <a:r>
+              <a:rPr lang="en-US"/>
+              <a:t>How did you use multithreading in the project?</a:t>
+            </a:r>
+          </a:p>
+          <a:p>
+            <a:r>
+              <a:rPr lang="en-US"/>
+              <a:t>In the </a:t>
+            </a:r>
+            <a:r>
+              <a:rPr lang="en-US" err="1"/>
+              <a:t>threadedStartup</a:t>
+            </a:r>
+            <a:r>
+              <a:rPr lang="en-US"/>
+              <a:t> method we create an </a:t>
+            </a:r>
+            <a:r>
+              <a:rPr lang="en-US" err="1"/>
+              <a:t>ExecutorService</a:t>
+            </a:r>
+            <a:r>
+              <a:rPr lang="en-US"/>
+              <a:t> which is a thread pool</a:t>
+            </a:r>
+          </a:p>
+        </p:txBody>
+      </p:sp>
+      <p:pic>
+        <p:nvPicPr>
+          <p:cNvPr id="10" name="Picture 9">
+            <a:extLst>
+              <a:ext uri="{FF2B5EF4-FFF2-40B4-BE49-F238E27FC236}">
+                <a16:creationId xmlns:a16="http://schemas.microsoft.com/office/drawing/2014/main" id="{A6A55A17-7AAC-7198-11C2-568FA1FD78CC}"/>
+              </a:ext>
+            </a:extLst>
+          </p:cNvPr>
+          <p:cNvPicPr>
+            <a:picLocks noChangeAspect="1"/>
+          </p:cNvPicPr>
+          <p:nvPr/>
+        </p:nvPicPr>
+        <p:blipFill>
+          <a:blip r:embed="rId2"/>
+          <a:stretch>
+            <a:fillRect/>
+          </a:stretch>
+        </p:blipFill>
+        <p:spPr>
+          <a:xfrm>
+            <a:off x="4608786" y="1958260"/>
+            <a:ext cx="4344397" cy="4419600"/>
+          </a:xfrm>
+          <a:prstGeom prst="rect">
+            <a:avLst/>
+          </a:prstGeom>
+        </p:spPr>
+      </p:pic>
+    </p:spTree>
+    <p:extLst>
+      <p:ext uri="{BB962C8B-B14F-4D97-AF65-F5344CB8AC3E}">
+        <p14:creationId xmlns:p14="http://schemas.microsoft.com/office/powerpoint/2010/main" val="538012923"/>
+      </p:ext>
+    </p:extLst>
+  </p:cSld>
+  <p:clrMapOvr>
+    <a:masterClrMapping/>
+  </p:clrMapOvr>
+</p:sld>
+</file>
+
+<file path=ppt/slides/slide17.xml><?xml version="1.0" encoding="utf-8"?>
+<p:sld xmlns:a="http://schemas.openxmlformats.org/drawingml/2006/main" xmlns:r="http://schemas.openxmlformats.org/officeDocument/2006/relationships" xmlns:p="http://schemas.openxmlformats.org/presentationml/2006/main">
+  <p:cSld>
+    <p:spTree>
+      <p:nvGrpSpPr>
+        <p:cNvPr id="1" name=""/>
+        <p:cNvGrpSpPr/>
+        <p:nvPr/>
+      </p:nvGrpSpPr>
+      <p:grpSpPr>
+        <a:xfrm>
+          <a:off x="0" y="0"/>
+          <a:ext cx="0" cy="0"/>
+          <a:chOff x="0" y="0"/>
+          <a:chExt cx="0" cy="0"/>
+        </a:xfrm>
+      </p:grpSpPr>
+      <p:sp>
+        <p:nvSpPr>
+          <p:cNvPr id="2" name="Title 1"/>
+          <p:cNvSpPr>
+            <a:spLocks noGrp="1"/>
+          </p:cNvSpPr>
+          <p:nvPr>
+            <p:ph type="title"/>
+          </p:nvPr>
+        </p:nvSpPr>
+        <p:spPr/>
+        <p:txBody>
+          <a:bodyPr/>
+          <a:lstStyle/>
+          <a:p>
+            <a:r>
+              <a:rPr lang="en-US"/>
+              <a:t>Team Contributions</a:t>
+            </a:r>
+          </a:p>
+        </p:txBody>
+      </p:sp>
+      <p:sp>
+        <p:nvSpPr>
+          <p:cNvPr id="3" name="Content Placeholder 2"/>
+          <p:cNvSpPr>
+            <a:spLocks noGrp="1"/>
+          </p:cNvSpPr>
+          <p:nvPr>
+            <p:ph idx="1"/>
+          </p:nvPr>
+        </p:nvSpPr>
+        <p:spPr/>
+        <p:txBody>
+          <a:bodyPr>
+            <a:normAutofit fontScale="92500" lnSpcReduction="20000"/>
+          </a:bodyPr>
+          <a:lstStyle/>
+          <a:p>
+            <a:pPr marL="0" indent="0">
+              <a:buNone/>
+            </a:pPr>
+            <a:r>
+              <a:rPr lang="en-US">
+                <a:latin typeface="Times New Roman" panose="02020603050405020304" pitchFamily="18" charset="0"/>
+                <a:cs typeface="Times New Roman" panose="02020603050405020304" pitchFamily="18" charset="0"/>
+              </a:rPr>
+              <a:t>Jason: </a:t>
+            </a:r>
+            <a:r>
+              <a:rPr lang="en-US" b="0" i="0">
+                <a:effectLst/>
+                <a:latin typeface="gg sans"/>
+              </a:rPr>
+              <a:t>UML, Polymorphic </a:t>
+            </a:r>
+            <a:r>
+              <a:rPr lang="en-US">
+                <a:latin typeface="gg sans"/>
+              </a:rPr>
+              <a:t>C</a:t>
+            </a:r>
+            <a:r>
+              <a:rPr lang="en-US" b="0" i="0">
+                <a:effectLst/>
+                <a:latin typeface="gg sans"/>
+              </a:rPr>
+              <a:t>ollections, Abstract class, JavaFX, File </a:t>
+            </a:r>
+            <a:r>
+              <a:rPr lang="en-US">
+                <a:latin typeface="gg sans"/>
+              </a:rPr>
+              <a:t>I</a:t>
+            </a:r>
+            <a:r>
+              <a:rPr lang="en-US" b="0" i="0">
+                <a:effectLst/>
+                <a:latin typeface="gg sans"/>
+              </a:rPr>
+              <a:t>/</a:t>
+            </a:r>
+            <a:r>
+              <a:rPr lang="en-US">
+                <a:latin typeface="gg sans"/>
+              </a:rPr>
+              <a:t>O</a:t>
+            </a:r>
+            <a:r>
+              <a:rPr lang="en-US" b="0" i="0">
+                <a:effectLst/>
+                <a:latin typeface="gg sans"/>
+              </a:rPr>
+              <a:t>, Logging, Threads, and Serialization.</a:t>
+            </a:r>
+          </a:p>
+          <a:p>
+            <a:pPr marL="0" indent="0">
+              <a:buNone/>
+            </a:pPr>
+            <a:r>
+              <a:rPr lang="en-US" b="0">
+                <a:effectLst/>
+                <a:latin typeface="Times New Roman" panose="02020603050405020304" pitchFamily="18" charset="0"/>
+                <a:cs typeface="Times New Roman" panose="02020603050405020304" pitchFamily="18" charset="0"/>
+              </a:rPr>
+              <a:t>Andrew Casey: </a:t>
+            </a:r>
+            <a:r>
+              <a:rPr lang="en-US" b="0">
+                <a:effectLst/>
+                <a:latin typeface="gg sans"/>
+                <a:cs typeface="Times New Roman" panose="02020603050405020304" pitchFamily="18" charset="0"/>
+              </a:rPr>
+              <a:t>L</a:t>
+            </a:r>
+            <a:r>
+              <a:rPr lang="en-US" b="0" i="0">
+                <a:effectLst/>
+                <a:latin typeface="gg sans"/>
+              </a:rPr>
+              <a:t>ambdas, Polymorphic Collections, JavaFX and Serialization.</a:t>
+            </a:r>
+            <a:endParaRPr lang="en-US" b="0">
+              <a:effectLst/>
+              <a:latin typeface="Times New Roman" panose="02020603050405020304" pitchFamily="18" charset="0"/>
+              <a:cs typeface="Times New Roman" panose="02020603050405020304" pitchFamily="18" charset="0"/>
+            </a:endParaRPr>
+          </a:p>
+          <a:p>
+            <a:pPr marL="0" indent="0">
+              <a:buNone/>
+            </a:pPr>
+            <a:r>
+              <a:rPr lang="en-US" b="0">
+                <a:effectLst/>
+                <a:latin typeface="Times New Roman" panose="02020603050405020304" pitchFamily="18" charset="0"/>
+                <a:cs typeface="Times New Roman" panose="02020603050405020304" pitchFamily="18" charset="0"/>
+              </a:rPr>
+              <a:t>Will Zakroff</a:t>
+            </a:r>
+            <a:r>
+              <a:rPr lang="en-US">
+                <a:latin typeface="Times New Roman" panose="02020603050405020304" pitchFamily="18" charset="0"/>
+                <a:cs typeface="Times New Roman" panose="02020603050405020304" pitchFamily="18" charset="0"/>
+              </a:rPr>
+              <a:t>: </a:t>
+            </a:r>
+            <a:r>
+              <a:rPr lang="en-US" b="0">
+                <a:effectLst/>
+                <a:latin typeface="gg sans"/>
+                <a:cs typeface="Times New Roman" panose="02020603050405020304" pitchFamily="18" charset="0"/>
+              </a:rPr>
+              <a:t>L</a:t>
+            </a:r>
+            <a:r>
+              <a:rPr lang="en-US" b="0" i="0">
+                <a:effectLst/>
+                <a:latin typeface="gg sans"/>
+              </a:rPr>
+              <a:t>ambdas, Polymorphic Collections, JavaFX and Serialization.</a:t>
+            </a:r>
+            <a:endParaRPr lang="en-US" b="0">
+              <a:effectLst/>
+              <a:latin typeface="Times New Roman" panose="02020603050405020304" pitchFamily="18" charset="0"/>
+              <a:cs typeface="Times New Roman" panose="02020603050405020304" pitchFamily="18" charset="0"/>
+            </a:endParaRPr>
+          </a:p>
+          <a:p>
+            <a:pPr marL="0" indent="0">
+              <a:buNone/>
+            </a:pPr>
+            <a:r>
+              <a:rPr lang="en-US" b="0">
+                <a:effectLst/>
+                <a:latin typeface="Times New Roman" panose="02020603050405020304" pitchFamily="18" charset="0"/>
+                <a:cs typeface="Times New Roman" panose="02020603050405020304" pitchFamily="18" charset="0"/>
+              </a:rPr>
+              <a:t>Saadat Emilbekova</a:t>
+            </a:r>
+            <a:r>
+              <a:rPr lang="en-US">
+                <a:latin typeface="Times New Roman" panose="02020603050405020304" pitchFamily="18" charset="0"/>
+                <a:cs typeface="Times New Roman" panose="02020603050405020304" pitchFamily="18" charset="0"/>
+              </a:rPr>
+              <a:t>: Polymorphic Collections, JavaFX, Sequence Diagram, </a:t>
+            </a:r>
+            <a:endParaRPr lang="en-US" b="0">
+              <a:effectLst/>
+              <a:latin typeface="Times New Roman" panose="02020603050405020304" pitchFamily="18" charset="0"/>
+              <a:cs typeface="Times New Roman" panose="02020603050405020304" pitchFamily="18" charset="0"/>
+            </a:endParaRPr>
+          </a:p>
+          <a:p>
+            <a:pPr marL="0" indent="0">
+              <a:buNone/>
+            </a:pPr>
+            <a:r>
+              <a:rPr lang="en-US" b="0">
+                <a:effectLst/>
+                <a:latin typeface="Times New Roman" panose="02020603050405020304" pitchFamily="18" charset="0"/>
+                <a:cs typeface="Times New Roman" panose="02020603050405020304" pitchFamily="18" charset="0"/>
+              </a:rPr>
+              <a:t>Dylan Jablonski: </a:t>
+            </a:r>
+            <a:r>
+              <a:rPr lang="en-US">
+                <a:latin typeface="Times New Roman" panose="02020603050405020304" pitchFamily="18" charset="0"/>
+                <a:cs typeface="Times New Roman" panose="02020603050405020304" pitchFamily="18" charset="0"/>
+              </a:rPr>
+              <a:t>Polymorphic Collections, JavaFX, UML</a:t>
+            </a:r>
+            <a:endParaRPr lang="en-US" b="0">
+              <a:effectLst/>
+              <a:latin typeface="Times New Roman" panose="02020603050405020304" pitchFamily="18" charset="0"/>
+              <a:cs typeface="Times New Roman" panose="02020603050405020304" pitchFamily="18" charset="0"/>
+            </a:endParaRPr>
+          </a:p>
+          <a:p>
+            <a:pPr marL="0" indent="0">
+              <a:buNone/>
+            </a:pPr>
+            <a:endParaRPr lang="en-US" b="0" i="0">
+              <a:effectLst/>
+              <a:latin typeface="gg sans"/>
+            </a:endParaRPr>
+          </a:p>
+        </p:txBody>
+      </p:sp>
+    </p:spTree>
+    <p:extLst>
+      <p:ext uri="{BB962C8B-B14F-4D97-AF65-F5344CB8AC3E}">
+        <p14:creationId xmlns:p14="http://schemas.microsoft.com/office/powerpoint/2010/main" val="1546531454"/>
+      </p:ext>
+    </p:extLst>
+  </p:cSld>
+  <p:clrMapOvr>
+    <a:masterClrMapping/>
+  </p:clrMapOvr>
+</p:sld>
+</file>
+
+<file path=ppt/slides/slide2.xml><?xml version="1.0" encoding="utf-8"?>
+<p:sld xmlns:a="http://schemas.openxmlformats.org/drawingml/2006/main" xmlns:r="http://schemas.openxmlformats.org/officeDocument/2006/relationships" xmlns:p="http://schemas.openxmlformats.org/presentationml/2006/main">
+  <p:cSld>
+    <p:bg>
+      <p:bgPr>
+        <a:blipFill rotWithShape="1">
+          <a:blip r:embed="rId2">
+            <a:duotone>
+              <a:schemeClr val="bg2">
+                <a:shade val="76000"/>
+                <a:satMod val="180000"/>
+              </a:schemeClr>
+              <a:schemeClr val="bg2">
+                <a:tint val="80000"/>
+                <a:satMod val="120000"/>
+                <a:lumMod val="180000"/>
+              </a:schemeClr>
+            </a:duotone>
+          </a:blip>
+          <a:stretch/>
+        </a:blipFill>
+        <a:effectLst/>
+      </p:bgPr>
+    </p:bg>
+    <p:spTree>
+      <p:nvGrpSpPr>
+        <p:cNvPr id="1" name=""/>
+        <p:cNvGrpSpPr/>
+        <p:nvPr/>
+      </p:nvGrpSpPr>
+      <p:grpSpPr>
+        <a:xfrm>
+          <a:off x="0" y="0"/>
+          <a:ext cx="0" cy="0"/>
+          <a:chOff x="0" y="0"/>
+          <a:chExt cx="0" cy="0"/>
+        </a:xfrm>
+      </p:grpSpPr>
+      <p:sp>
+        <p:nvSpPr>
+          <p:cNvPr id="2" name="Title 1">
+            <a:extLst>
+              <a:ext uri="{FF2B5EF4-FFF2-40B4-BE49-F238E27FC236}">
+                <a16:creationId xmlns:a16="http://schemas.microsoft.com/office/drawing/2014/main" id="{37EAC2FF-AD27-409B-B861-5A42C10D9E02}"/>
+              </a:ext>
+            </a:extLst>
+          </p:cNvPr>
+          <p:cNvSpPr>
+            <a:spLocks noGrp="1"/>
+          </p:cNvSpPr>
+          <p:nvPr>
+            <p:ph type="title"/>
+          </p:nvPr>
+        </p:nvSpPr>
+        <p:spPr>
+          <a:xfrm>
+            <a:off x="3632200" y="905933"/>
+            <a:ext cx="4995068" cy="965200"/>
+          </a:xfrm>
+        </p:spPr>
+        <p:txBody>
+          <a:bodyPr>
+            <a:normAutofit/>
+          </a:bodyPr>
+          <a:lstStyle/>
+          <a:p>
+            <a:r>
+              <a:rPr lang="en-US"/>
+              <a:t>Project Overview</a:t>
+            </a:r>
+          </a:p>
+        </p:txBody>
+      </p:sp>
+      <p:pic>
+        <p:nvPicPr>
+          <p:cNvPr id="9" name="Picture 8" descr="A green recycle bin with a wheel&#10;&#10;AI-generated content may be incorrect.">
+            <a:extLst>
+              <a:ext uri="{FF2B5EF4-FFF2-40B4-BE49-F238E27FC236}">
+                <a16:creationId xmlns:a16="http://schemas.microsoft.com/office/drawing/2014/main" id="{017B6363-7D5F-F919-A166-1D3FC5015FF9}"/>
+              </a:ext>
+            </a:extLst>
+          </p:cNvPr>
+          <p:cNvPicPr>
+            <a:picLocks noChangeAspect="1"/>
+          </p:cNvPicPr>
+          <p:nvPr/>
+        </p:nvPicPr>
+        <p:blipFill>
+          <a:blip r:embed="rId3" cstate="print">
+            <a:extLst>
+              <a:ext uri="{28A0092B-C50C-407E-A947-70E740481C1C}">
+                <a14:useLocalDpi xmlns:a14="http://schemas.microsoft.com/office/drawing/2010/main" val="0"/>
+              </a:ext>
+            </a:extLst>
+          </a:blip>
+          <a:stretch>
+            <a:fillRect/>
+          </a:stretch>
+        </p:blipFill>
+        <p:spPr>
+          <a:xfrm>
+            <a:off x="907608" y="1704575"/>
+            <a:ext cx="2724591" cy="3448849"/>
+          </a:xfrm>
+          <a:prstGeom prst="roundRect">
+            <a:avLst>
+              <a:gd name="adj" fmla="val 4380"/>
+            </a:avLst>
+          </a:prstGeom>
+          <a:ln w="38100">
+            <a:gradFill flip="none" rotWithShape="1">
+              <a:gsLst>
+                <a:gs pos="0">
+                  <a:schemeClr val="bg2"/>
+                </a:gs>
+                <a:gs pos="100000">
+                  <a:schemeClr val="bg2">
+                    <a:lumMod val="75000"/>
+                  </a:schemeClr>
+                </a:gs>
+              </a:gsLst>
+              <a:lin ang="5400000" scaled="0"/>
+              <a:tileRect/>
+            </a:gradFill>
+          </a:ln>
+          <a:effectLst>
+            <a:innerShdw blurRad="57150" dist="38100" dir="14460000">
+              <a:srgbClr val="000000">
+                <a:alpha val="70000"/>
+              </a:srgbClr>
+            </a:innerShdw>
+          </a:effectLst>
+        </p:spPr>
+      </p:pic>
+      <p:sp>
+        <p:nvSpPr>
+          <p:cNvPr id="3" name="Content Placeholder 2">
+            <a:extLst>
+              <a:ext uri="{FF2B5EF4-FFF2-40B4-BE49-F238E27FC236}">
+                <a16:creationId xmlns:a16="http://schemas.microsoft.com/office/drawing/2014/main" id="{CB0FEE92-3A4C-4DD5-BBF0-F1CA5577CF75}"/>
+              </a:ext>
+            </a:extLst>
+          </p:cNvPr>
+          <p:cNvSpPr>
+            <a:spLocks noGrp="1"/>
+          </p:cNvSpPr>
+          <p:nvPr>
+            <p:ph idx="1"/>
+          </p:nvPr>
+        </p:nvSpPr>
+        <p:spPr>
+          <a:xfrm>
+            <a:off x="3810000" y="1871133"/>
+            <a:ext cx="4995068" cy="3793067"/>
+          </a:xfrm>
+        </p:spPr>
+        <p:txBody>
+          <a:bodyPr>
+            <a:normAutofit fontScale="92500" lnSpcReduction="10000"/>
+          </a:bodyPr>
+          <a:lstStyle/>
+          <a:p>
+            <a:pPr>
+              <a:lnSpc>
+                <a:spcPct val="90000"/>
+              </a:lnSpc>
+            </a:pPr>
+            <a:r>
+              <a:rPr lang="en-US" sz="1500"/>
+              <a:t>What is the goal of our project?</a:t>
             </a:r>
           </a:p>
           <a:p>
             <a:pPr lvl="1">
+              <a:lnSpc>
+                <a:spcPct val="90000"/>
+              </a:lnSpc>
               <a:buFont typeface="Wingdings" panose="05000000000000000000" pitchFamily="2" charset="2"/>
               <a:buChar char="Ø"/>
             </a:pPr>
             <a:r>
-              <a:rPr lang="en-US" dirty="0"/>
-              <a:t>In Gui_Info, we used file input to read data from categories.csv. This file would hold information about each interface like Binnable and Compostable that would show in the Info screen.</a:t>
+              <a:rPr lang="en-US" sz="1500"/>
+              <a:t>Help people learn how to properly recycle by teaching people what each recycling material is and how you would recycle that material. </a:t>
+            </a:r>
+          </a:p>
+          <a:p>
+            <a:pPr>
+              <a:lnSpc>
+                <a:spcPct val="90000"/>
+              </a:lnSpc>
+            </a:pPr>
+            <a:r>
+              <a:rPr lang="en-US" sz="1500"/>
+              <a:t>Why is our project socially relevant?</a:t>
             </a:r>
           </a:p>
           <a:p>
             <a:pPr lvl="1">
+              <a:lnSpc>
+                <a:spcPct val="90000"/>
+              </a:lnSpc>
               <a:buFont typeface="Wingdings" panose="05000000000000000000" pitchFamily="2" charset="2"/>
               <a:buChar char="Ø"/>
             </a:pPr>
             <a:r>
-              <a:rPr lang="en-US" dirty="0"/>
-              <a:t>In our </a:t>
-            </a:r>
-            <a:r>
-              <a:rPr lang="en-US" dirty="0" err="1"/>
-              <a:t>Gui_Calculator</a:t>
-            </a:r>
-            <a:r>
-              <a:rPr lang="en-US" dirty="0"/>
-              <a:t> and </a:t>
-            </a:r>
-            <a:r>
-              <a:rPr lang="en-US" dirty="0" err="1"/>
-              <a:t>Impact_Calculator</a:t>
-            </a:r>
-            <a:r>
-              <a:rPr lang="en-US" dirty="0"/>
-              <a:t>, we used file input/output by serializing and deserializing Material objects. This allowed us to save java objects into a .txt file like plastic.txt and load them back later.</a:t>
-            </a:r>
-          </a:p>
-          <a:p>
-            <a:r>
-              <a:rPr lang="en-US" dirty="0"/>
-              <a:t>Where did you use serialization?</a:t>
+              <a:rPr lang="en-US" sz="1500"/>
+              <a:t>Our project is socially relevant due to it addressing the issues of pollution and waste, particularly due to the problem of improper recycling. Teaching people to correctly recycle, could lead to less waste and pollution as a whole. </a:t>
             </a:r>
           </a:p>
           <a:p>
             <a:pPr lvl="1">
+              <a:lnSpc>
+                <a:spcPct val="90000"/>
+              </a:lnSpc>
+            </a:pPr>
+            <a:r>
+              <a:rPr lang="en-US" sz="1500"/>
+              <a:t>  What are the requirements (functionality) of your project?</a:t>
+            </a:r>
+          </a:p>
+          <a:p>
+            <a:pPr lvl="2">
+              <a:lnSpc>
+                <a:spcPct val="90000"/>
+              </a:lnSpc>
               <a:buFont typeface="Wingdings" panose="05000000000000000000" pitchFamily="2" charset="2"/>
               <a:buChar char="Ø"/>
             </a:pPr>
             <a:r>
-              <a:rPr lang="en-US" dirty="0"/>
-              <a:t>We used serialization when saving material objects into .txt files.</a:t>
-            </a:r>
-          </a:p>
-          <a:p>
-            <a:pPr lvl="1">
+              <a:rPr lang="en-US" sz="1500"/>
+              <a:t>Our functionality of our project was teaching recycling by letting users look up materials, calculate impact, play a recycling game, and simulate recycling behavior with different settings.</a:t>
+            </a:r>
+          </a:p>
+          <a:p>
+            <a:pPr lvl="2">
+              <a:lnSpc>
+                <a:spcPct val="90000"/>
+              </a:lnSpc>
               <a:buFont typeface="Wingdings" panose="05000000000000000000" pitchFamily="2" charset="2"/>
               <a:buChar char="Ø"/>
             </a:pPr>
-            <a:r>
-              <a:rPr lang="en-US" dirty="0"/>
-              <a:t>We use deserialization when loading the objects back from the files so you could calculate impact scores in the Calculator.</a:t>
-            </a:r>
+            <a:endParaRPr lang="en-US" sz="1300"/>
           </a:p>
         </p:txBody>
       </p:sp>
     </p:spTree>
     <p:extLst>
       <p:ext uri="{BB962C8B-B14F-4D97-AF65-F5344CB8AC3E}">
-        <p14:creationId xmlns:p14="http://schemas.microsoft.com/office/powerpoint/2010/main" val="45828309"/>
+        <p14:creationId xmlns:p14="http://schemas.microsoft.com/office/powerpoint/2010/main" val="2878798903"/>
+      </p:ext>
+    </p:extLst>
+  </p:cSld>
+  <p:clrMapOvr>
+    <a:masterClrMapping/>
+  </p:clrMapOvr>
+</p:sld>
+</file>
+
+<file path=ppt/slides/slide3.xml><?xml version="1.0" encoding="utf-8"?>
+<p:sld xmlns:a="http://schemas.openxmlformats.org/drawingml/2006/main" xmlns:r="http://schemas.openxmlformats.org/officeDocument/2006/relationships" xmlns:p="http://schemas.openxmlformats.org/presentationml/2006/main">
+  <p:cSld>
+    <p:spTree>
+      <p:nvGrpSpPr>
+        <p:cNvPr id="1" name=""/>
+        <p:cNvGrpSpPr/>
+        <p:nvPr/>
+      </p:nvGrpSpPr>
+      <p:grpSpPr>
+        <a:xfrm>
+          <a:off x="0" y="0"/>
+          <a:ext cx="0" cy="0"/>
+          <a:chOff x="0" y="0"/>
+          <a:chExt cx="0" cy="0"/>
+        </a:xfrm>
+      </p:grpSpPr>
+      <p:sp>
+        <p:nvSpPr>
+          <p:cNvPr id="2" name="Title 1">
+            <a:extLst>
+              <a:ext uri="{FF2B5EF4-FFF2-40B4-BE49-F238E27FC236}">
+                <a16:creationId xmlns:a16="http://schemas.microsoft.com/office/drawing/2014/main" id="{83103B18-2410-D14B-A4CE-A3602A395164}"/>
+              </a:ext>
+            </a:extLst>
+          </p:cNvPr>
+          <p:cNvSpPr>
+            <a:spLocks noGrp="1"/>
+          </p:cNvSpPr>
+          <p:nvPr>
+            <p:ph type="title"/>
+          </p:nvPr>
+        </p:nvSpPr>
+        <p:spPr/>
+        <p:txBody>
+          <a:bodyPr/>
+          <a:lstStyle/>
+          <a:p>
+            <a:r>
+              <a:rPr lang="en-US" dirty="0"/>
+              <a:t>UML Class</a:t>
+            </a:r>
+          </a:p>
+        </p:txBody>
+      </p:sp>
+      <p:pic>
+        <p:nvPicPr>
+          <p:cNvPr id="5" name="Picture 4" descr="A diagram of a computer system&#10;&#10;AI-generated content may be incorrect.">
+            <a:extLst>
+              <a:ext uri="{FF2B5EF4-FFF2-40B4-BE49-F238E27FC236}">
+                <a16:creationId xmlns:a16="http://schemas.microsoft.com/office/drawing/2014/main" id="{070843AB-D0B7-F635-63EC-9EFFA360FFF2}"/>
+              </a:ext>
+            </a:extLst>
+          </p:cNvPr>
+          <p:cNvPicPr>
+            <a:picLocks noChangeAspect="1"/>
+          </p:cNvPicPr>
+          <p:nvPr/>
+        </p:nvPicPr>
+        <p:blipFill>
+          <a:blip r:embed="rId2" cstate="print">
+            <a:extLst>
+              <a:ext uri="{28A0092B-C50C-407E-A947-70E740481C1C}">
+                <a14:useLocalDpi xmlns:a14="http://schemas.microsoft.com/office/drawing/2010/main" val="0"/>
+              </a:ext>
+            </a:extLst>
+          </a:blip>
+          <a:stretch>
+            <a:fillRect/>
+          </a:stretch>
+        </p:blipFill>
+        <p:spPr>
+          <a:xfrm>
+            <a:off x="73152" y="1693173"/>
+            <a:ext cx="8997696" cy="5073387"/>
+          </a:xfrm>
+          <a:prstGeom prst="rect">
+            <a:avLst/>
+          </a:prstGeom>
+        </p:spPr>
+      </p:pic>
+    </p:spTree>
+    <p:extLst>
+      <p:ext uri="{BB962C8B-B14F-4D97-AF65-F5344CB8AC3E}">
+        <p14:creationId xmlns:p14="http://schemas.microsoft.com/office/powerpoint/2010/main" val="2013944209"/>
+      </p:ext>
+    </p:extLst>
+  </p:cSld>
+  <p:clrMapOvr>
+    <a:masterClrMapping/>
+  </p:clrMapOvr>
+</p:sld>
+</file>
+
+<file path=ppt/slides/slide4.xml><?xml version="1.0" encoding="utf-8"?>
+<p:sld xmlns:a="http://schemas.openxmlformats.org/drawingml/2006/main" xmlns:r="http://schemas.openxmlformats.org/officeDocument/2006/relationships" xmlns:p="http://schemas.openxmlformats.org/presentationml/2006/main">
+  <p:cSld>
+    <p:spTree>
+      <p:nvGrpSpPr>
+        <p:cNvPr id="1" name=""/>
+        <p:cNvGrpSpPr/>
+        <p:nvPr/>
+      </p:nvGrpSpPr>
+      <p:grpSpPr>
+        <a:xfrm>
+          <a:off x="0" y="0"/>
+          <a:ext cx="0" cy="0"/>
+          <a:chOff x="0" y="0"/>
+          <a:chExt cx="0" cy="0"/>
+        </a:xfrm>
+      </p:grpSpPr>
+      <p:sp>
+        <p:nvSpPr>
+          <p:cNvPr id="2" name="Title 1">
+            <a:extLst>
+              <a:ext uri="{FF2B5EF4-FFF2-40B4-BE49-F238E27FC236}">
+                <a16:creationId xmlns:a16="http://schemas.microsoft.com/office/drawing/2014/main" id="{4F0ADD15-55C2-4384-8BF1-793F2C38B47A}"/>
+              </a:ext>
+            </a:extLst>
+          </p:cNvPr>
+          <p:cNvSpPr>
+            <a:spLocks noGrp="1"/>
+          </p:cNvSpPr>
+          <p:nvPr>
+            <p:ph type="title"/>
+          </p:nvPr>
+        </p:nvSpPr>
+        <p:spPr>
+          <a:xfrm>
+            <a:off x="2044148" y="304800"/>
+            <a:ext cx="6866467" cy="304799"/>
+          </a:xfrm>
+        </p:spPr>
+        <p:txBody>
+          <a:bodyPr>
+            <a:normAutofit fontScale="90000"/>
+          </a:bodyPr>
+          <a:lstStyle/>
+          <a:p>
+            <a:r>
+              <a:rPr lang="en-US" sz="3000"/>
+              <a:t>UML Class Diagram Class and Interfaces</a:t>
+            </a:r>
+          </a:p>
+        </p:txBody>
+      </p:sp>
+      <p:pic>
+        <p:nvPicPr>
+          <p:cNvPr id="4" name="Picture 3" descr="A diagram of a computer program&#10;&#10;AI-generated content may be incorrect.">
+            <a:extLst>
+              <a:ext uri="{FF2B5EF4-FFF2-40B4-BE49-F238E27FC236}">
+                <a16:creationId xmlns:a16="http://schemas.microsoft.com/office/drawing/2014/main" id="{984ACAB5-EEA3-0A01-DF88-CB136295379A}"/>
+              </a:ext>
+            </a:extLst>
+          </p:cNvPr>
+          <p:cNvPicPr>
+            <a:picLocks noChangeAspect="1"/>
+          </p:cNvPicPr>
+          <p:nvPr/>
+        </p:nvPicPr>
+        <p:blipFill>
+          <a:blip r:embed="rId2" cstate="print">
+            <a:extLst>
+              <a:ext uri="{28A0092B-C50C-407E-A947-70E740481C1C}">
+                <a14:useLocalDpi xmlns:a14="http://schemas.microsoft.com/office/drawing/2010/main" val="0"/>
+              </a:ext>
+            </a:extLst>
+          </a:blip>
+          <a:stretch>
+            <a:fillRect/>
+          </a:stretch>
+        </p:blipFill>
+        <p:spPr>
+          <a:xfrm>
+            <a:off x="2250363" y="788048"/>
+            <a:ext cx="5275150" cy="6069952"/>
+          </a:xfrm>
+          <a:prstGeom prst="rect">
+            <a:avLst/>
+          </a:prstGeom>
+        </p:spPr>
+      </p:pic>
+    </p:spTree>
+    <p:extLst>
+      <p:ext uri="{BB962C8B-B14F-4D97-AF65-F5344CB8AC3E}">
+        <p14:creationId xmlns:p14="http://schemas.microsoft.com/office/powerpoint/2010/main" val="4048289837"/>
+      </p:ext>
+    </p:extLst>
+  </p:cSld>
+  <p:clrMapOvr>
+    <a:masterClrMapping/>
+  </p:clrMapOvr>
+</p:sld>
+</file>
+
+<file path=ppt/slides/slide5.xml><?xml version="1.0" encoding="utf-8"?>
+<p:sld xmlns:a="http://schemas.openxmlformats.org/drawingml/2006/main" xmlns:r="http://schemas.openxmlformats.org/officeDocument/2006/relationships" xmlns:p="http://schemas.openxmlformats.org/presentationml/2006/main">
+  <p:cSld>
+    <p:spTree>
+      <p:nvGrpSpPr>
+        <p:cNvPr id="1" name="">
+          <a:extLst>
+            <a:ext uri="{FF2B5EF4-FFF2-40B4-BE49-F238E27FC236}">
+              <a16:creationId xmlns:a16="http://schemas.microsoft.com/office/drawing/2014/main" id="{FD7EE9BC-4B4D-1EF5-7FA4-17F144E23FE0}"/>
+            </a:ext>
+          </a:extLst>
+        </p:cNvPr>
+        <p:cNvGrpSpPr/>
+        <p:nvPr/>
+      </p:nvGrpSpPr>
+      <p:grpSpPr>
+        <a:xfrm>
+          <a:off x="0" y="0"/>
+          <a:ext cx="0" cy="0"/>
+          <a:chOff x="0" y="0"/>
+          <a:chExt cx="0" cy="0"/>
+        </a:xfrm>
+      </p:grpSpPr>
+      <p:sp>
+        <p:nvSpPr>
+          <p:cNvPr id="2" name="Title 1">
+            <a:extLst>
+              <a:ext uri="{FF2B5EF4-FFF2-40B4-BE49-F238E27FC236}">
+                <a16:creationId xmlns:a16="http://schemas.microsoft.com/office/drawing/2014/main" id="{6A60AE94-9323-0271-3E2F-B4BDE6BD35EC}"/>
+              </a:ext>
+            </a:extLst>
+          </p:cNvPr>
+          <p:cNvSpPr>
+            <a:spLocks noGrp="1"/>
+          </p:cNvSpPr>
+          <p:nvPr>
+            <p:ph type="title"/>
+          </p:nvPr>
+        </p:nvSpPr>
+        <p:spPr>
+          <a:xfrm>
+            <a:off x="1295400" y="304800"/>
+            <a:ext cx="6866467" cy="304799"/>
+          </a:xfrm>
+        </p:spPr>
+        <p:txBody>
+          <a:bodyPr>
+            <a:normAutofit fontScale="90000"/>
+          </a:bodyPr>
+          <a:lstStyle/>
+          <a:p>
+            <a:r>
+              <a:rPr lang="en-US" sz="3000"/>
+              <a:t>UML Class Diagram Gui</a:t>
+            </a:r>
+          </a:p>
+        </p:txBody>
+      </p:sp>
+      <p:pic>
+        <p:nvPicPr>
+          <p:cNvPr id="5" name="Picture 4" descr="A diagram of a computer flowchart&#10;&#10;AI-generated content may be incorrect.">
+            <a:extLst>
+              <a:ext uri="{FF2B5EF4-FFF2-40B4-BE49-F238E27FC236}">
+                <a16:creationId xmlns:a16="http://schemas.microsoft.com/office/drawing/2014/main" id="{57CAC7C9-78A4-85ED-A155-9212DB3E12BF}"/>
+              </a:ext>
+            </a:extLst>
+          </p:cNvPr>
+          <p:cNvPicPr>
+            <a:picLocks noChangeAspect="1"/>
+          </p:cNvPicPr>
+          <p:nvPr/>
+        </p:nvPicPr>
+        <p:blipFill>
+          <a:blip r:embed="rId2" cstate="print">
+            <a:extLst>
+              <a:ext uri="{28A0092B-C50C-407E-A947-70E740481C1C}">
+                <a14:useLocalDpi xmlns:a14="http://schemas.microsoft.com/office/drawing/2010/main" val="0"/>
+              </a:ext>
+            </a:extLst>
+          </a:blip>
+          <a:stretch>
+            <a:fillRect/>
+          </a:stretch>
+        </p:blipFill>
+        <p:spPr>
+          <a:xfrm>
+            <a:off x="1812495" y="690428"/>
+            <a:ext cx="5519010" cy="6167572"/>
+          </a:xfrm>
+          <a:prstGeom prst="rect">
+            <a:avLst/>
+          </a:prstGeom>
+        </p:spPr>
+      </p:pic>
+    </p:spTree>
+    <p:extLst>
+      <p:ext uri="{BB962C8B-B14F-4D97-AF65-F5344CB8AC3E}">
+        <p14:creationId xmlns:p14="http://schemas.microsoft.com/office/powerpoint/2010/main" val="3483749613"/>
+      </p:ext>
+    </p:extLst>
+  </p:cSld>
+  <p:clrMapOvr>
+    <a:masterClrMapping/>
+  </p:clrMapOvr>
+</p:sld>
+</file>
+
+<file path=ppt/slides/slide6.xml><?xml version="1.0" encoding="utf-8"?>
+<p:sld xmlns:a="http://schemas.openxmlformats.org/drawingml/2006/main" xmlns:r="http://schemas.openxmlformats.org/officeDocument/2006/relationships" xmlns:p="http://schemas.openxmlformats.org/presentationml/2006/main">
+  <p:cSld>
+    <p:spTree>
+      <p:nvGrpSpPr>
+        <p:cNvPr id="1" name=""/>
+        <p:cNvGrpSpPr/>
+        <p:nvPr/>
+      </p:nvGrpSpPr>
+      <p:grpSpPr>
+        <a:xfrm>
+          <a:off x="0" y="0"/>
+          <a:ext cx="0" cy="0"/>
+          <a:chOff x="0" y="0"/>
+          <a:chExt cx="0" cy="0"/>
+        </a:xfrm>
+      </p:grpSpPr>
+      <p:sp>
+        <p:nvSpPr>
+          <p:cNvPr id="2" name="Title 1">
+            <a:extLst>
+              <a:ext uri="{FF2B5EF4-FFF2-40B4-BE49-F238E27FC236}">
+                <a16:creationId xmlns:a16="http://schemas.microsoft.com/office/drawing/2014/main" id="{2BF06507-7372-456F-9DD0-AAF7087428C6}"/>
+              </a:ext>
+            </a:extLst>
+          </p:cNvPr>
+          <p:cNvSpPr>
+            <a:spLocks noGrp="1"/>
+          </p:cNvSpPr>
+          <p:nvPr>
+            <p:ph type="title"/>
+          </p:nvPr>
+        </p:nvSpPr>
+        <p:spPr/>
+        <p:txBody>
+          <a:bodyPr/>
+          <a:lstStyle/>
+          <a:p>
+            <a:r>
+              <a:rPr lang="en-US"/>
+              <a:t>UML Sequence Diagram Part1</a:t>
+            </a:r>
+          </a:p>
+        </p:txBody>
+      </p:sp>
+      <p:pic>
+        <p:nvPicPr>
+          <p:cNvPr id="4" name="Content Placeholder 3">
+            <a:extLst>
+              <a:ext uri="{FF2B5EF4-FFF2-40B4-BE49-F238E27FC236}">
+                <a16:creationId xmlns:a16="http://schemas.microsoft.com/office/drawing/2014/main" id="{BFDD69CE-DE88-42FE-EF1A-DE26B5187DC0}"/>
+              </a:ext>
+            </a:extLst>
+          </p:cNvPr>
+          <p:cNvPicPr>
+            <a:picLocks noGrp="1" noChangeAspect="1"/>
+          </p:cNvPicPr>
+          <p:nvPr>
+            <p:ph idx="1"/>
+          </p:nvPr>
+        </p:nvPicPr>
+        <p:blipFill>
+          <a:blip r:embed="rId2"/>
+          <a:stretch>
+            <a:fillRect/>
+          </a:stretch>
+        </p:blipFill>
+        <p:spPr>
+          <a:xfrm>
+            <a:off x="914400" y="1905000"/>
+            <a:ext cx="8229600" cy="2819400"/>
+          </a:xfrm>
+        </p:spPr>
+      </p:pic>
+    </p:spTree>
+    <p:extLst>
+      <p:ext uri="{BB962C8B-B14F-4D97-AF65-F5344CB8AC3E}">
+        <p14:creationId xmlns:p14="http://schemas.microsoft.com/office/powerpoint/2010/main" val="3824226660"/>
+      </p:ext>
+    </p:extLst>
+  </p:cSld>
+  <p:clrMapOvr>
+    <a:masterClrMapping/>
+  </p:clrMapOvr>
+</p:sld>
+</file>
+
+<file path=ppt/slides/slide7.xml><?xml version="1.0" encoding="utf-8"?>
+<p:sld xmlns:a="http://schemas.openxmlformats.org/drawingml/2006/main" xmlns:r="http://schemas.openxmlformats.org/officeDocument/2006/relationships" xmlns:p="http://schemas.openxmlformats.org/presentationml/2006/main">
+  <p:cSld>
+    <p:bg>
+      <p:bgPr>
+        <a:blipFill rotWithShape="1">
+          <a:blip r:embed="rId2">
+            <a:duotone>
+              <a:schemeClr val="bg2">
+                <a:shade val="76000"/>
+                <a:satMod val="180000"/>
+              </a:schemeClr>
+              <a:schemeClr val="bg2">
+                <a:tint val="80000"/>
+                <a:satMod val="120000"/>
+                <a:lumMod val="180000"/>
+              </a:schemeClr>
+            </a:duotone>
+          </a:blip>
+          <a:stretch/>
+        </a:blipFill>
+        <a:effectLst/>
+      </p:bgPr>
+    </p:bg>
+    <p:spTree>
+      <p:nvGrpSpPr>
+        <p:cNvPr id="1" name=""/>
+        <p:cNvGrpSpPr/>
+        <p:nvPr/>
+      </p:nvGrpSpPr>
+      <p:grpSpPr>
+        <a:xfrm>
+          <a:off x="0" y="0"/>
+          <a:ext cx="0" cy="0"/>
+          <a:chOff x="0" y="0"/>
+          <a:chExt cx="0" cy="0"/>
+        </a:xfrm>
+      </p:grpSpPr>
+      <p:sp>
+        <p:nvSpPr>
+          <p:cNvPr id="2" name="Title 1"/>
+          <p:cNvSpPr>
+            <a:spLocks noGrp="1"/>
+          </p:cNvSpPr>
+          <p:nvPr>
+            <p:ph type="title"/>
+          </p:nvPr>
+        </p:nvSpPr>
+        <p:spPr>
+          <a:xfrm>
+            <a:off x="1113233" y="685800"/>
+            <a:ext cx="7514035" cy="1185333"/>
+          </a:xfrm>
+        </p:spPr>
+        <p:txBody>
+          <a:bodyPr>
+            <a:normAutofit/>
+          </a:bodyPr>
+          <a:lstStyle/>
+          <a:p>
+            <a:r>
+              <a:rPr lang="en-US"/>
+              <a:t>Polymorphic Collections</a:t>
+            </a:r>
+          </a:p>
+        </p:txBody>
+      </p:sp>
+      <p:sp>
+        <p:nvSpPr>
+          <p:cNvPr id="3" name="Content Placeholder 2"/>
+          <p:cNvSpPr>
+            <a:spLocks noGrp="1"/>
+          </p:cNvSpPr>
+          <p:nvPr>
+            <p:ph idx="1"/>
+          </p:nvPr>
+        </p:nvSpPr>
+        <p:spPr>
+          <a:xfrm>
+            <a:off x="916683" y="544276"/>
+            <a:ext cx="4167784" cy="3755475"/>
+          </a:xfrm>
+        </p:spPr>
+        <p:txBody>
+          <a:bodyPr>
+            <a:normAutofit/>
+          </a:bodyPr>
+          <a:lstStyle/>
+          <a:p>
+            <a:pPr>
+              <a:lnSpc>
+                <a:spcPct val="90000"/>
+              </a:lnSpc>
+            </a:pPr>
+            <a:r>
+              <a:rPr lang="en-US" sz="1000"/>
+              <a:t>How did you use them in your application?</a:t>
+            </a:r>
+          </a:p>
+          <a:p>
+            <a:pPr marL="0" indent="0">
+              <a:lnSpc>
+                <a:spcPct val="90000"/>
+              </a:lnSpc>
+              <a:buNone/>
+            </a:pPr>
+            <a:r>
+              <a:rPr lang="en-US" sz="1000"/>
+              <a:t>We use polymorphic collection in our project by generating random material subclasses like Cardboard and Electronic. Even though they are different classes, they can be treated the same because they inherit from the Material class, which lets us store them together and  work with them using shared methods. </a:t>
+            </a:r>
+          </a:p>
+        </p:txBody>
+      </p:sp>
+      <p:pic>
+        <p:nvPicPr>
+          <p:cNvPr id="18" name="Picture 17">
+            <a:extLst>
+              <a:ext uri="{FF2B5EF4-FFF2-40B4-BE49-F238E27FC236}">
+                <a16:creationId xmlns:a16="http://schemas.microsoft.com/office/drawing/2014/main" id="{F3CF9886-5E47-88E7-A1B4-3DF51D467E05}"/>
+              </a:ext>
+            </a:extLst>
+          </p:cNvPr>
+          <p:cNvPicPr>
+            <a:picLocks noChangeAspect="1"/>
+          </p:cNvPicPr>
+          <p:nvPr/>
+        </p:nvPicPr>
+        <p:blipFill>
+          <a:blip r:embed="rId3"/>
+          <a:stretch>
+            <a:fillRect/>
+          </a:stretch>
+        </p:blipFill>
+        <p:spPr>
+          <a:xfrm>
+            <a:off x="709247" y="3074953"/>
+            <a:ext cx="2684396" cy="2324880"/>
+          </a:xfrm>
+          <a:prstGeom prst="rect">
+            <a:avLst/>
+          </a:prstGeom>
+        </p:spPr>
+      </p:pic>
+      <p:sp>
+        <p:nvSpPr>
+          <p:cNvPr id="19" name="TextBox 18">
+            <a:extLst>
+              <a:ext uri="{FF2B5EF4-FFF2-40B4-BE49-F238E27FC236}">
+                <a16:creationId xmlns:a16="http://schemas.microsoft.com/office/drawing/2014/main" id="{40C24AFC-CD67-46CD-7AB8-15E51DCE66EF}"/>
+              </a:ext>
+            </a:extLst>
+          </p:cNvPr>
+          <p:cNvSpPr txBox="1"/>
+          <p:nvPr/>
+        </p:nvSpPr>
+        <p:spPr>
+          <a:xfrm>
+            <a:off x="5286879" y="1871133"/>
+            <a:ext cx="3505200" cy="1338828"/>
+          </a:xfrm>
+          <a:prstGeom prst="rect">
+            <a:avLst/>
+          </a:prstGeom>
+          <a:noFill/>
+        </p:spPr>
+        <p:txBody>
+          <a:bodyPr wrap="square" rtlCol="0">
+            <a:spAutoFit/>
+          </a:bodyPr>
+          <a:lstStyle/>
+          <a:p>
+            <a:pPr marL="171450" indent="-171450">
+              <a:lnSpc>
+                <a:spcPct val="90000"/>
+              </a:lnSpc>
+              <a:buFont typeface="Arial" panose="020B0604020202020204" pitchFamily="34" charset="0"/>
+              <a:buChar char="•"/>
+            </a:pPr>
+            <a:r>
+              <a:rPr lang="en-US" sz="1000"/>
+              <a:t>How did you avoid coupling to subclasses?</a:t>
+            </a:r>
+          </a:p>
+          <a:p>
+            <a:pPr>
+              <a:lnSpc>
+                <a:spcPct val="90000"/>
+              </a:lnSpc>
+            </a:pPr>
+            <a:endParaRPr lang="en-US" sz="1000"/>
+          </a:p>
+          <a:p>
+            <a:pPr>
+              <a:lnSpc>
+                <a:spcPct val="90000"/>
+              </a:lnSpc>
+            </a:pPr>
+            <a:r>
+              <a:rPr lang="en-US" sz="1000"/>
+              <a:t>Instead of checking the material’s exact class, we checking if it used an interface like Compostable or Binnable. This allows any material that can compost, bin, and add newer ones later without changing anything. In our project the code only care about what the material can do and not what class it is.</a:t>
+            </a:r>
+          </a:p>
+          <a:p>
+            <a:endParaRPr lang="en-US"/>
+          </a:p>
+        </p:txBody>
+      </p:sp>
+      <p:sp>
+        <p:nvSpPr>
+          <p:cNvPr id="20" name="TextBox 19">
+            <a:extLst>
+              <a:ext uri="{FF2B5EF4-FFF2-40B4-BE49-F238E27FC236}">
+                <a16:creationId xmlns:a16="http://schemas.microsoft.com/office/drawing/2014/main" id="{A108BD66-AC96-AB3C-4981-60D379DD711E}"/>
+              </a:ext>
+            </a:extLst>
+          </p:cNvPr>
+          <p:cNvSpPr txBox="1"/>
+          <p:nvPr/>
+        </p:nvSpPr>
+        <p:spPr>
+          <a:xfrm>
+            <a:off x="5253384" y="2943317"/>
+            <a:ext cx="3538695" cy="1349182"/>
+          </a:xfrm>
+          <a:prstGeom prst="rect">
+            <a:avLst/>
+          </a:prstGeom>
+          <a:noFill/>
+        </p:spPr>
+        <p:txBody>
+          <a:bodyPr wrap="square" rtlCol="0">
+            <a:spAutoFit/>
+          </a:bodyPr>
+          <a:lstStyle/>
+          <a:p>
+            <a:pPr marL="171450" indent="-171450">
+              <a:lnSpc>
+                <a:spcPct val="90000"/>
+              </a:lnSpc>
+              <a:buFont typeface="Arial" panose="020B0604020202020204" pitchFamily="34" charset="0"/>
+              <a:buChar char="•"/>
+            </a:pPr>
+            <a:r>
+              <a:rPr lang="en-US" sz="1000"/>
+              <a:t>What code demonstrates how you handled different object types?</a:t>
+            </a:r>
+          </a:p>
+          <a:p>
+            <a:pPr>
+              <a:lnSpc>
+                <a:spcPct val="90000"/>
+              </a:lnSpc>
+            </a:pPr>
+            <a:endParaRPr lang="en-US" sz="1000"/>
+          </a:p>
+          <a:p>
+            <a:pPr>
+              <a:lnSpc>
+                <a:spcPct val="90000"/>
+              </a:lnSpc>
+            </a:pPr>
+            <a:r>
+              <a:rPr lang="en-US" sz="1000"/>
+              <a:t>In our code we have one method called attempt Recycle. Instead of checking exactly what kind of material it is , we checked what the material is able to do like if its compost, donate, and bin. This lets us recycle different materials. </a:t>
+            </a:r>
+          </a:p>
+          <a:p>
+            <a:endParaRPr lang="en-US"/>
+          </a:p>
+        </p:txBody>
+      </p:sp>
+      <p:pic>
+        <p:nvPicPr>
+          <p:cNvPr id="21" name="Picture 20">
+            <a:extLst>
+              <a:ext uri="{FF2B5EF4-FFF2-40B4-BE49-F238E27FC236}">
+                <a16:creationId xmlns:a16="http://schemas.microsoft.com/office/drawing/2014/main" id="{EA2607C8-AC25-F071-6D09-938C6D202B82}"/>
+              </a:ext>
+            </a:extLst>
+          </p:cNvPr>
+          <p:cNvPicPr>
+            <a:picLocks noChangeAspect="1"/>
+          </p:cNvPicPr>
+          <p:nvPr/>
+        </p:nvPicPr>
+        <p:blipFill>
+          <a:blip r:embed="rId4"/>
+          <a:stretch>
+            <a:fillRect/>
+          </a:stretch>
+        </p:blipFill>
+        <p:spPr>
+          <a:xfrm>
+            <a:off x="4845966" y="4200835"/>
+            <a:ext cx="4113173" cy="1971365"/>
+          </a:xfrm>
+          <a:prstGeom prst="roundRect">
+            <a:avLst>
+              <a:gd name="adj" fmla="val 4380"/>
+            </a:avLst>
+          </a:prstGeom>
+          <a:ln w="38100">
+            <a:gradFill flip="none" rotWithShape="1">
+              <a:gsLst>
+                <a:gs pos="0">
+                  <a:schemeClr val="bg2"/>
+                </a:gs>
+                <a:gs pos="100000">
+                  <a:schemeClr val="bg2">
+                    <a:lumMod val="75000"/>
+                  </a:schemeClr>
+                </a:gs>
+              </a:gsLst>
+              <a:lin ang="5400000" scaled="0"/>
+              <a:tileRect/>
+            </a:gradFill>
+          </a:ln>
+          <a:effectLst>
+            <a:innerShdw blurRad="57150" dist="38100" dir="14460000">
+              <a:srgbClr val="000000">
+                <a:alpha val="70000"/>
+              </a:srgbClr>
+            </a:innerShdw>
+          </a:effectLst>
+        </p:spPr>
+      </p:pic>
+    </p:spTree>
+    <p:extLst>
+      <p:ext uri="{BB962C8B-B14F-4D97-AF65-F5344CB8AC3E}">
+        <p14:creationId xmlns:p14="http://schemas.microsoft.com/office/powerpoint/2010/main" val="1726439028"/>
+      </p:ext>
+    </p:extLst>
+  </p:cSld>
+  <p:clrMapOvr>
+    <a:masterClrMapping/>
+  </p:clrMapOvr>
+</p:sld>
+</file>
+
+<file path=ppt/slides/slide8.xml><?xml version="1.0" encoding="utf-8"?>
+<p:sld xmlns:a="http://schemas.openxmlformats.org/drawingml/2006/main" xmlns:r="http://schemas.openxmlformats.org/officeDocument/2006/relationships" xmlns:p="http://schemas.openxmlformats.org/presentationml/2006/main">
+  <p:cSld>
+    <p:bg>
+      <p:bgPr>
+        <a:blipFill rotWithShape="1">
+          <a:blip r:embed="rId2">
+            <a:duotone>
+              <a:schemeClr val="bg2">
+                <a:shade val="76000"/>
+                <a:satMod val="180000"/>
+              </a:schemeClr>
+              <a:schemeClr val="bg2">
+                <a:tint val="80000"/>
+                <a:satMod val="120000"/>
+                <a:lumMod val="180000"/>
+              </a:schemeClr>
+            </a:duotone>
+          </a:blip>
+          <a:stretch/>
+        </a:blipFill>
+        <a:effectLst/>
+      </p:bgPr>
+    </p:bg>
+    <p:spTree>
+      <p:nvGrpSpPr>
+        <p:cNvPr id="1" name=""/>
+        <p:cNvGrpSpPr/>
+        <p:nvPr/>
+      </p:nvGrpSpPr>
+      <p:grpSpPr>
+        <a:xfrm>
+          <a:off x="0" y="0"/>
+          <a:ext cx="0" cy="0"/>
+          <a:chOff x="0" y="0"/>
+          <a:chExt cx="0" cy="0"/>
+        </a:xfrm>
+      </p:grpSpPr>
+      <p:sp>
+        <p:nvSpPr>
+          <p:cNvPr id="2" name="Title 1"/>
+          <p:cNvSpPr>
+            <a:spLocks noGrp="1"/>
+          </p:cNvSpPr>
+          <p:nvPr>
+            <p:ph type="title"/>
+          </p:nvPr>
+        </p:nvSpPr>
+        <p:spPr>
+          <a:xfrm>
+            <a:off x="609599" y="1295400"/>
+            <a:ext cx="3230167" cy="1752599"/>
+          </a:xfrm>
+        </p:spPr>
+        <p:txBody>
+          <a:bodyPr>
+            <a:normAutofit/>
+          </a:bodyPr>
+          <a:lstStyle/>
+          <a:p>
+            <a:r>
+              <a:rPr lang="en-US" sz="2800"/>
+              <a:t>Abstract Classes</a:t>
+            </a:r>
+          </a:p>
+        </p:txBody>
+      </p:sp>
+      <p:sp>
+        <p:nvSpPr>
+          <p:cNvPr id="3" name="Content Placeholder 2"/>
+          <p:cNvSpPr>
+            <a:spLocks noGrp="1"/>
+          </p:cNvSpPr>
+          <p:nvPr>
+            <p:ph idx="1"/>
+          </p:nvPr>
+        </p:nvSpPr>
+        <p:spPr>
+          <a:xfrm>
+            <a:off x="609600" y="2667000"/>
+            <a:ext cx="3230167" cy="3124201"/>
+          </a:xfrm>
+        </p:spPr>
+        <p:txBody>
+          <a:bodyPr>
+            <a:noAutofit/>
+          </a:bodyPr>
+          <a:lstStyle/>
+          <a:p>
+            <a:pPr>
+              <a:lnSpc>
+                <a:spcPct val="90000"/>
+              </a:lnSpc>
+            </a:pPr>
+            <a:r>
+              <a:rPr lang="en-US" sz="1400"/>
+              <a:t>Where did you use abstract classes?</a:t>
+            </a:r>
+          </a:p>
+          <a:p>
+            <a:pPr lvl="1">
+              <a:lnSpc>
+                <a:spcPct val="90000"/>
+              </a:lnSpc>
+              <a:buFont typeface="Wingdings" panose="05000000000000000000" pitchFamily="2" charset="2"/>
+              <a:buChar char="Ø"/>
+            </a:pPr>
+            <a:r>
+              <a:rPr lang="en-US" sz="1400"/>
+              <a:t>We used an abstract class called Material</a:t>
+            </a:r>
+          </a:p>
+          <a:p>
+            <a:pPr>
+              <a:lnSpc>
+                <a:spcPct val="90000"/>
+              </a:lnSpc>
+            </a:pPr>
+            <a:r>
+              <a:rPr lang="en-US" sz="1400"/>
+              <a:t>Why did you use them?</a:t>
+            </a:r>
+          </a:p>
+          <a:p>
+            <a:pPr lvl="1">
+              <a:lnSpc>
+                <a:spcPct val="90000"/>
+              </a:lnSpc>
+              <a:buFont typeface="Wingdings" panose="05000000000000000000" pitchFamily="2" charset="2"/>
+              <a:buChar char="Ø"/>
+            </a:pPr>
+            <a:r>
+              <a:rPr lang="en-US" sz="1400"/>
+              <a:t>We used the Material class to allow subclass to share common variables and methods for subclass materials, and to prevent anyone from making a generic material object that isn’t specific like Glass or Food Waste</a:t>
+            </a:r>
+          </a:p>
+          <a:p>
+            <a:pPr marL="0" indent="0">
+              <a:lnSpc>
+                <a:spcPct val="90000"/>
+              </a:lnSpc>
+              <a:buNone/>
+            </a:pPr>
+            <a:r>
+              <a:rPr lang="en-US" sz="1400"/>
+              <a:t>. </a:t>
+            </a:r>
+          </a:p>
+        </p:txBody>
+      </p:sp>
+      <p:pic>
+        <p:nvPicPr>
+          <p:cNvPr id="79" name="Picture 78">
+            <a:extLst>
+              <a:ext uri="{FF2B5EF4-FFF2-40B4-BE49-F238E27FC236}">
+                <a16:creationId xmlns:a16="http://schemas.microsoft.com/office/drawing/2014/main" id="{7C144661-C521-9811-944E-69778A997E80}"/>
+              </a:ext>
+            </a:extLst>
+          </p:cNvPr>
+          <p:cNvPicPr>
+            <a:picLocks noChangeAspect="1"/>
+          </p:cNvPicPr>
+          <p:nvPr/>
+        </p:nvPicPr>
+        <p:blipFill>
+          <a:blip r:embed="rId3"/>
+          <a:stretch>
+            <a:fillRect/>
+          </a:stretch>
+        </p:blipFill>
+        <p:spPr>
+          <a:xfrm>
+            <a:off x="4125685" y="4038600"/>
+            <a:ext cx="4156668" cy="802410"/>
+          </a:xfrm>
+          <a:prstGeom prst="rect">
+            <a:avLst/>
+          </a:prstGeom>
+        </p:spPr>
+      </p:pic>
+      <p:pic>
+        <p:nvPicPr>
+          <p:cNvPr id="83" name="Picture 82">
+            <a:extLst>
+              <a:ext uri="{FF2B5EF4-FFF2-40B4-BE49-F238E27FC236}">
+                <a16:creationId xmlns:a16="http://schemas.microsoft.com/office/drawing/2014/main" id="{BE1A1101-3AB4-443C-E3F6-EF6D645087D9}"/>
+              </a:ext>
+            </a:extLst>
+          </p:cNvPr>
+          <p:cNvPicPr>
+            <a:picLocks noChangeAspect="1"/>
+          </p:cNvPicPr>
+          <p:nvPr/>
+        </p:nvPicPr>
+        <p:blipFill>
+          <a:blip r:embed="rId4"/>
+          <a:stretch>
+            <a:fillRect/>
+          </a:stretch>
+        </p:blipFill>
+        <p:spPr>
+          <a:xfrm>
+            <a:off x="3962400" y="5235824"/>
+            <a:ext cx="4754167" cy="1244930"/>
+          </a:xfrm>
+          <a:prstGeom prst="rect">
+            <a:avLst/>
+          </a:prstGeom>
+        </p:spPr>
+      </p:pic>
+      <p:pic>
+        <p:nvPicPr>
+          <p:cNvPr id="92" name="Picture 91">
+            <a:extLst>
+              <a:ext uri="{FF2B5EF4-FFF2-40B4-BE49-F238E27FC236}">
+                <a16:creationId xmlns:a16="http://schemas.microsoft.com/office/drawing/2014/main" id="{8EFDAC0F-ABB8-33AB-A5A3-948765A44454}"/>
+              </a:ext>
+            </a:extLst>
+          </p:cNvPr>
+          <p:cNvPicPr>
+            <a:picLocks noChangeAspect="1"/>
+          </p:cNvPicPr>
+          <p:nvPr/>
+        </p:nvPicPr>
+        <p:blipFill>
+          <a:blip r:embed="rId5"/>
+          <a:stretch>
+            <a:fillRect/>
+          </a:stretch>
+        </p:blipFill>
+        <p:spPr>
+          <a:xfrm>
+            <a:off x="4125685" y="1217471"/>
+            <a:ext cx="4156668" cy="2175522"/>
+          </a:xfrm>
+          <a:prstGeom prst="rect">
+            <a:avLst/>
+          </a:prstGeom>
+        </p:spPr>
+      </p:pic>
+      <p:sp>
+        <p:nvSpPr>
+          <p:cNvPr id="93" name="TextBox 92">
+            <a:extLst>
+              <a:ext uri="{FF2B5EF4-FFF2-40B4-BE49-F238E27FC236}">
+                <a16:creationId xmlns:a16="http://schemas.microsoft.com/office/drawing/2014/main" id="{7478BF07-2614-1A9C-25EB-F7B8D9379606}"/>
+              </a:ext>
+            </a:extLst>
+          </p:cNvPr>
+          <p:cNvSpPr txBox="1"/>
+          <p:nvPr/>
+        </p:nvSpPr>
+        <p:spPr>
+          <a:xfrm>
+            <a:off x="4953000" y="533400"/>
+            <a:ext cx="2606291" cy="369332"/>
+          </a:xfrm>
+          <a:prstGeom prst="rect">
+            <a:avLst/>
+          </a:prstGeom>
+          <a:noFill/>
+        </p:spPr>
+        <p:txBody>
+          <a:bodyPr wrap="none" rtlCol="0">
+            <a:spAutoFit/>
+          </a:bodyPr>
+          <a:lstStyle/>
+          <a:p>
+            <a:r>
+              <a:rPr lang="en-US"/>
+              <a:t>Example of Abstract class</a:t>
+            </a:r>
+          </a:p>
+        </p:txBody>
+      </p:sp>
+    </p:spTree>
+    <p:extLst>
+      <p:ext uri="{BB962C8B-B14F-4D97-AF65-F5344CB8AC3E}">
+        <p14:creationId xmlns:p14="http://schemas.microsoft.com/office/powerpoint/2010/main" val="2385928056"/>
+      </p:ext>
+    </p:extLst>
+  </p:cSld>
+  <p:clrMapOvr>
+    <a:masterClrMapping/>
+  </p:clrMapOvr>
+</p:sld>
+</file>
+
+<file path=ppt/slides/slide9.xml><?xml version="1.0" encoding="utf-8"?>
+<p:sld xmlns:a="http://schemas.openxmlformats.org/drawingml/2006/main" xmlns:r="http://schemas.openxmlformats.org/officeDocument/2006/relationships" xmlns:p="http://schemas.openxmlformats.org/presentationml/2006/main">
+  <p:cSld>
+    <p:bg>
+      <p:bgPr>
+        <a:blipFill rotWithShape="1">
+          <a:blip r:embed="rId2">
+            <a:duotone>
+              <a:schemeClr val="bg2">
+                <a:shade val="76000"/>
+                <a:satMod val="180000"/>
+              </a:schemeClr>
+              <a:schemeClr val="bg2">
+                <a:tint val="80000"/>
+                <a:satMod val="120000"/>
+                <a:lumMod val="180000"/>
+              </a:schemeClr>
+            </a:duotone>
+          </a:blip>
+          <a:stretch/>
+        </a:blipFill>
+        <a:effectLst/>
+      </p:bgPr>
+    </p:bg>
+    <p:spTree>
+      <p:nvGrpSpPr>
+        <p:cNvPr id="1" name="">
+          <a:extLst>
+            <a:ext uri="{FF2B5EF4-FFF2-40B4-BE49-F238E27FC236}">
+              <a16:creationId xmlns:a16="http://schemas.microsoft.com/office/drawing/2014/main" id="{E5875FFF-563F-01C3-2F2B-98510BF6653C}"/>
+            </a:ext>
+          </a:extLst>
+        </p:cNvPr>
+        <p:cNvGrpSpPr/>
+        <p:nvPr/>
+      </p:nvGrpSpPr>
+      <p:grpSpPr>
+        <a:xfrm>
+          <a:off x="0" y="0"/>
+          <a:ext cx="0" cy="0"/>
+          <a:chOff x="0" y="0"/>
+          <a:chExt cx="0" cy="0"/>
+        </a:xfrm>
+      </p:grpSpPr>
+      <p:sp>
+        <p:nvSpPr>
+          <p:cNvPr id="2" name="Title 1">
+            <a:extLst>
+              <a:ext uri="{FF2B5EF4-FFF2-40B4-BE49-F238E27FC236}">
+                <a16:creationId xmlns:a16="http://schemas.microsoft.com/office/drawing/2014/main" id="{0DC4A746-AABF-5C89-F765-5C9C4A23C992}"/>
+              </a:ext>
+            </a:extLst>
+          </p:cNvPr>
+          <p:cNvSpPr>
+            <a:spLocks noGrp="1"/>
+          </p:cNvSpPr>
+          <p:nvPr>
+            <p:ph type="title"/>
+          </p:nvPr>
+        </p:nvSpPr>
+        <p:spPr>
+          <a:xfrm>
+            <a:off x="2438400" y="-2078572"/>
+            <a:ext cx="4419600" cy="5181331"/>
+          </a:xfrm>
+        </p:spPr>
+        <p:txBody>
+          <a:bodyPr>
+            <a:normAutofit/>
+          </a:bodyPr>
+          <a:lstStyle/>
+          <a:p>
+            <a:r>
+              <a:rPr lang="en-US" sz="2800"/>
+              <a:t>Interfaces</a:t>
+            </a:r>
+          </a:p>
+        </p:txBody>
+      </p:sp>
+      <p:sp>
+        <p:nvSpPr>
+          <p:cNvPr id="3" name="Content Placeholder 2">
+            <a:extLst>
+              <a:ext uri="{FF2B5EF4-FFF2-40B4-BE49-F238E27FC236}">
+                <a16:creationId xmlns:a16="http://schemas.microsoft.com/office/drawing/2014/main" id="{460779A5-E20E-1841-D722-D2AFC8224B54}"/>
+              </a:ext>
+            </a:extLst>
+          </p:cNvPr>
+          <p:cNvSpPr>
+            <a:spLocks noGrp="1"/>
+          </p:cNvSpPr>
+          <p:nvPr>
+            <p:ph idx="1"/>
+          </p:nvPr>
+        </p:nvSpPr>
+        <p:spPr>
+          <a:xfrm>
+            <a:off x="961440" y="914400"/>
+            <a:ext cx="7679946" cy="3038164"/>
+          </a:xfrm>
+        </p:spPr>
+        <p:txBody>
+          <a:bodyPr>
+            <a:normAutofit/>
+          </a:bodyPr>
+          <a:lstStyle/>
+          <a:p>
+            <a:pPr>
+              <a:lnSpc>
+                <a:spcPct val="90000"/>
+              </a:lnSpc>
+            </a:pPr>
+            <a:r>
+              <a:rPr lang="en-US" sz="1100"/>
+              <a:t>Where were interfaces used?</a:t>
+            </a:r>
+          </a:p>
+          <a:p>
+            <a:pPr lvl="1">
+              <a:lnSpc>
+                <a:spcPct val="90000"/>
+              </a:lnSpc>
+              <a:buFont typeface="Wingdings" panose="05000000000000000000" pitchFamily="2" charset="2"/>
+              <a:buChar char="Ø"/>
+            </a:pPr>
+            <a:r>
+              <a:rPr lang="en-US" sz="1100"/>
+              <a:t>We had interfaces like Disposable and Compostable and they were used to describe what a material can do. Example: The Food Waste subclass of Material implements Compostable, showing that any Food Waste is compostable. </a:t>
+            </a:r>
+          </a:p>
+          <a:p>
+            <a:pPr>
+              <a:lnSpc>
+                <a:spcPct val="90000"/>
+              </a:lnSpc>
+            </a:pPr>
+            <a:r>
+              <a:rPr lang="en-US" sz="1100"/>
+              <a:t>Did you </a:t>
+            </a:r>
+            <a:r>
+              <a:rPr lang="en-US" sz="1100" i="1"/>
+              <a:t>have</a:t>
+            </a:r>
+            <a:r>
+              <a:rPr lang="en-US" sz="1100"/>
+              <a:t> to use interfaces for your project?</a:t>
+            </a:r>
+          </a:p>
+          <a:p>
+            <a:pPr lvl="1">
+              <a:lnSpc>
+                <a:spcPct val="90000"/>
+              </a:lnSpc>
+              <a:buFont typeface="Wingdings" panose="05000000000000000000" pitchFamily="2" charset="2"/>
+              <a:buChar char="Ø"/>
+            </a:pPr>
+            <a:r>
+              <a:rPr lang="en-US" sz="1100"/>
+              <a:t>Yes, we had to use interfaces in our project due to needing to check if something could be composted or disposable without needing to know the exact type of material subclass it is.</a:t>
+            </a:r>
+          </a:p>
+          <a:p>
+            <a:pPr>
+              <a:lnSpc>
+                <a:spcPct val="90000"/>
+              </a:lnSpc>
+            </a:pPr>
+            <a:r>
+              <a:rPr lang="en-US" sz="1100"/>
+              <a:t>What were the advantages/disadvantages of using interfaces?</a:t>
+            </a:r>
+          </a:p>
+          <a:p>
+            <a:pPr lvl="1">
+              <a:lnSpc>
+                <a:spcPct val="90000"/>
+              </a:lnSpc>
+              <a:buFont typeface="Wingdings" panose="05000000000000000000" pitchFamily="2" charset="2"/>
+              <a:buChar char="Ø"/>
+            </a:pPr>
+            <a:r>
+              <a:rPr lang="en-US" sz="1100"/>
+              <a:t>An advantage of using interfaces is it decoupled the code, where we didn’t need to know what class, a material was, we only needed to know what it could do. A disadvantage is some materials implement many interfaces; this makes them a little more complicated to set up. </a:t>
+            </a:r>
+          </a:p>
+          <a:p>
+            <a:pPr>
+              <a:lnSpc>
+                <a:spcPct val="90000"/>
+              </a:lnSpc>
+            </a:pPr>
+            <a:endParaRPr lang="en-US" sz="1100"/>
+          </a:p>
+        </p:txBody>
+      </p:sp>
+      <p:pic>
+        <p:nvPicPr>
+          <p:cNvPr id="5" name="Picture 4">
+            <a:extLst>
+              <a:ext uri="{FF2B5EF4-FFF2-40B4-BE49-F238E27FC236}">
+                <a16:creationId xmlns:a16="http://schemas.microsoft.com/office/drawing/2014/main" id="{A027E4A4-CB4F-E3EF-66B7-E85BDF68F422}"/>
+              </a:ext>
+            </a:extLst>
+          </p:cNvPr>
+          <p:cNvPicPr>
+            <a:picLocks noChangeAspect="1"/>
+          </p:cNvPicPr>
+          <p:nvPr/>
+        </p:nvPicPr>
+        <p:blipFill>
+          <a:blip r:embed="rId3"/>
+          <a:stretch>
+            <a:fillRect/>
+          </a:stretch>
+        </p:blipFill>
+        <p:spPr>
+          <a:xfrm>
+            <a:off x="578307" y="3843182"/>
+            <a:ext cx="4048959" cy="1600200"/>
+          </a:xfrm>
+          <a:prstGeom prst="roundRect">
+            <a:avLst>
+              <a:gd name="adj" fmla="val 4380"/>
+            </a:avLst>
+          </a:prstGeom>
+          <a:ln w="38100">
+            <a:gradFill flip="none" rotWithShape="1">
+              <a:gsLst>
+                <a:gs pos="0">
+                  <a:schemeClr val="bg2"/>
+                </a:gs>
+                <a:gs pos="100000">
+                  <a:schemeClr val="bg2">
+                    <a:lumMod val="75000"/>
+                  </a:schemeClr>
+                </a:gs>
+              </a:gsLst>
+              <a:lin ang="5400000" scaled="0"/>
+              <a:tileRect/>
+            </a:gradFill>
+          </a:ln>
+          <a:effectLst>
+            <a:innerShdw blurRad="57150" dist="38100" dir="14460000">
+              <a:srgbClr val="000000">
+                <a:alpha val="70000"/>
+              </a:srgbClr>
+            </a:innerShdw>
+          </a:effectLst>
+        </p:spPr>
+      </p:pic>
+      <p:pic>
+        <p:nvPicPr>
+          <p:cNvPr id="7" name="Picture 6">
+            <a:extLst>
+              <a:ext uri="{FF2B5EF4-FFF2-40B4-BE49-F238E27FC236}">
+                <a16:creationId xmlns:a16="http://schemas.microsoft.com/office/drawing/2014/main" id="{FE1EBBF0-8317-4ADA-9E1A-9228079DB883}"/>
+              </a:ext>
+            </a:extLst>
+          </p:cNvPr>
+          <p:cNvPicPr>
+            <a:picLocks noChangeAspect="1"/>
+          </p:cNvPicPr>
+          <p:nvPr/>
+        </p:nvPicPr>
+        <p:blipFill>
+          <a:blip r:embed="rId4"/>
+          <a:stretch>
+            <a:fillRect/>
+          </a:stretch>
+        </p:blipFill>
+        <p:spPr>
+          <a:xfrm>
+            <a:off x="4801413" y="3657600"/>
+            <a:ext cx="4113173" cy="1971365"/>
+          </a:xfrm>
+          <a:prstGeom prst="roundRect">
+            <a:avLst>
+              <a:gd name="adj" fmla="val 4380"/>
+            </a:avLst>
+          </a:prstGeom>
+          <a:ln w="38100">
+            <a:gradFill flip="none" rotWithShape="1">
+              <a:gsLst>
+                <a:gs pos="0">
+                  <a:schemeClr val="bg2"/>
+                </a:gs>
+                <a:gs pos="100000">
+                  <a:schemeClr val="bg2">
+                    <a:lumMod val="75000"/>
+                  </a:schemeClr>
+                </a:gs>
+              </a:gsLst>
+              <a:lin ang="5400000" scaled="0"/>
+              <a:tileRect/>
+            </a:gradFill>
+          </a:ln>
+          <a:effectLst>
+            <a:innerShdw blurRad="57150" dist="38100" dir="14460000">
+              <a:srgbClr val="000000">
+                <a:alpha val="70000"/>
+              </a:srgbClr>
+            </a:innerShdw>
+          </a:effectLst>
+        </p:spPr>
+      </p:pic>
+    </p:spTree>
+    <p:extLst>
+      <p:ext uri="{BB962C8B-B14F-4D97-AF65-F5344CB8AC3E}">
+        <p14:creationId xmlns:p14="http://schemas.microsoft.com/office/powerpoint/2010/main" val="2334548876"/>
       </p:ext>
     </p:extLst>
   </p:cSld>
@@ -12692,6 +12967,15 @@
 </file>
 
 <file path=customXml/item1.xml><?xml version="1.0" encoding="utf-8"?>
+<?mso-contentType ?>
+<FormTemplates xmlns="http://schemas.microsoft.com/sharepoint/v3/contenttype/forms">
+  <Display>DocumentLibraryForm</Display>
+  <Edit>DocumentLibraryForm</Edit>
+  <New>DocumentLibraryForm</New>
+</FormTemplates>
+</file>
+
+<file path=customXml/item2.xml><?xml version="1.0" encoding="utf-8"?>
 <ct:contentTypeSchema xmlns:ct="http://schemas.microsoft.com/office/2006/metadata/contentType" xmlns:ma="http://schemas.microsoft.com/office/2006/metadata/properties/metaAttributes" ct:_="" ma:_="" ma:contentTypeName="Document" ma:contentTypeID="0x010100FE10C0601D1FBB4C9B259D6FF057811C" ma:contentTypeVersion="6" ma:contentTypeDescription="Create a new document." ma:contentTypeScope="" ma:versionID="fc518b10c86d31da9edb6665f7df458c">
   <xsd:schema xmlns:xsd="http://www.w3.org/2001/XMLSchema" xmlns:xs="http://www.w3.org/2001/XMLSchema" xmlns:p="http://schemas.microsoft.com/office/2006/metadata/properties" xmlns:ns3="c098679b-c0c6-4dc6-ad69-d454db763082" targetNamespace="http://schemas.microsoft.com/office/2006/metadata/properties" ma:root="true" ma:fieldsID="9082ee3b56dc22aa272630a2fde29416" ns3:_="">
     <xsd:import namespace="c098679b-c0c6-4dc6-ad69-d454db763082"/>
@@ -12847,15 +13131,6 @@
 </ct:contentTypeSchema>
 </file>
 
-<file path=customXml/item2.xml><?xml version="1.0" encoding="utf-8"?>
-<?mso-contentType ?>
-<FormTemplates xmlns="http://schemas.microsoft.com/sharepoint/v3/contenttype/forms">
-  <Display>DocumentLibraryForm</Display>
-  <Edit>DocumentLibraryForm</Edit>
-  <New>DocumentLibraryForm</New>
-</FormTemplates>
-</file>
-
 <file path=customXml/item3.xml><?xml version="1.0" encoding="utf-8"?>
 <p:properties xmlns:p="http://schemas.microsoft.com/office/2006/metadata/properties" xmlns:xsi="http://www.w3.org/2001/XMLSchema-instance" xmlns:pc="http://schemas.microsoft.com/office/infopath/2007/PartnerControls">
   <documentManagement>
@@ -12865,24 +13140,6 @@
 </file>
 
 <file path=customXml/itemProps1.xml><?xml version="1.0" encoding="utf-8"?>
-<ds:datastoreItem xmlns:ds="http://schemas.openxmlformats.org/officeDocument/2006/customXml" ds:itemID="{03872399-E73C-41D0-8F12-C72A5FF58648}">
-  <ds:schemaRefs>
-    <ds:schemaRef ds:uri="http://schemas.microsoft.com/office/2006/metadata/contentType"/>
-    <ds:schemaRef ds:uri="http://schemas.microsoft.com/office/2006/metadata/properties/metaAttributes"/>
-    <ds:schemaRef ds:uri="http://www.w3.org/2001/XMLSchema"/>
-    <ds:schemaRef ds:uri="http://schemas.microsoft.com/office/2006/metadata/properties"/>
-    <ds:schemaRef ds:uri="c098679b-c0c6-4dc6-ad69-d454db763082"/>
-    <ds:schemaRef ds:uri="http://schemas.microsoft.com/office/2006/documentManagement/types"/>
-    <ds:schemaRef ds:uri="http://schemas.microsoft.com/office/infopath/2007/PartnerControls"/>
-    <ds:schemaRef ds:uri="http://schemas.openxmlformats.org/package/2006/metadata/core-properties"/>
-    <ds:schemaRef ds:uri="http://purl.org/dc/elements/1.1/"/>
-    <ds:schemaRef ds:uri="http://purl.org/dc/terms/"/>
-    <ds:schemaRef ds:uri="http://schemas.microsoft.com/internal/obd"/>
-  </ds:schemaRefs>
-</ds:datastoreItem>
-</file>
-
-<file path=customXml/itemProps2.xml><?xml version="1.0" encoding="utf-8"?>
 <ds:datastoreItem xmlns:ds="http://schemas.openxmlformats.org/officeDocument/2006/customXml" ds:itemID="{40D75DC9-AE00-4C5B-BD30-C9A5485B65F4}">
   <ds:schemaRefs>
     <ds:schemaRef ds:uri="http://schemas.microsoft.com/sharepoint/v3/contenttype/forms"/>
@@ -12890,16 +13147,34 @@
 </ds:datastoreItem>
 </file>
 
+<file path=customXml/itemProps2.xml><?xml version="1.0" encoding="utf-8"?>
+<ds:datastoreItem xmlns:ds="http://schemas.openxmlformats.org/officeDocument/2006/customXml" ds:itemID="{03872399-E73C-41D0-8F12-C72A5FF58648}">
+  <ds:schemaRefs>
+    <ds:schemaRef ds:uri="c098679b-c0c6-4dc6-ad69-d454db763082"/>
+    <ds:schemaRef ds:uri="http://purl.org/dc/elements/1.1/"/>
+    <ds:schemaRef ds:uri="http://purl.org/dc/terms/"/>
+    <ds:schemaRef ds:uri="http://schemas.microsoft.com/internal/obd"/>
+    <ds:schemaRef ds:uri="http://schemas.microsoft.com/office/2006/documentManagement/types"/>
+    <ds:schemaRef ds:uri="http://schemas.microsoft.com/office/2006/metadata/contentType"/>
+    <ds:schemaRef ds:uri="http://schemas.microsoft.com/office/2006/metadata/properties"/>
+    <ds:schemaRef ds:uri="http://schemas.microsoft.com/office/2006/metadata/properties/metaAttributes"/>
+    <ds:schemaRef ds:uri="http://schemas.microsoft.com/office/infopath/2007/PartnerControls"/>
+    <ds:schemaRef ds:uri="http://schemas.openxmlformats.org/package/2006/metadata/core-properties"/>
+    <ds:schemaRef ds:uri="http://www.w3.org/2001/XMLSchema"/>
+  </ds:schemaRefs>
+</ds:datastoreItem>
+</file>
+
 <file path=customXml/itemProps3.xml><?xml version="1.0" encoding="utf-8"?>
 <ds:datastoreItem xmlns:ds="http://schemas.openxmlformats.org/officeDocument/2006/customXml" ds:itemID="{41186AF6-C350-4A27-929C-3A2C442D93CB}">
   <ds:schemaRefs>
-    <ds:schemaRef ds:uri="http://schemas.openxmlformats.org/package/2006/metadata/core-properties"/>
-    <ds:schemaRef ds:uri="http://purl.org/dc/dcmitype/"/>
-    <ds:schemaRef ds:uri="http://schemas.microsoft.com/office/2006/documentManagement/types"/>
     <ds:schemaRef ds:uri="http://schemas.microsoft.com/office/infopath/2007/PartnerControls"/>
     <ds:schemaRef ds:uri="http://schemas.microsoft.com/office/2006/metadata/properties"/>
+    <ds:schemaRef ds:uri="http://purl.org/dc/terms/"/>
+    <ds:schemaRef ds:uri="http://schemas.microsoft.com/office/2006/documentManagement/types"/>
     <ds:schemaRef ds:uri="http://purl.org/dc/elements/1.1/"/>
-    <ds:schemaRef ds:uri="http://purl.org/dc/terms/"/>
+    <ds:schemaRef ds:uri="http://purl.org/dc/dcmitype/"/>
+    <ds:schemaRef ds:uri="http://schemas.openxmlformats.org/package/2006/metadata/core-properties"/>
     <ds:schemaRef ds:uri="c098679b-c0c6-4dc6-ad69-d454db763082"/>
     <ds:schemaRef ds:uri="http://www.w3.org/XML/1998/namespace"/>
   </ds:schemaRefs>
